--- a/Dokumentation/ShopAdmin_Final.pptx
+++ b/Dokumentation/ShopAdmin_Final.pptx
@@ -139,7 +139,7 @@
   </p:defaultTextStyle>
   <p:extLst>
     <p:ext uri="{EFAFB233-063F-42B5-8137-9DF3F51BA10A}">
-      <p15:sldGuideLst xmlns="" xmlns:p15="http://schemas.microsoft.com/office/powerpoint/2012/main">
+      <p15:sldGuideLst xmlns:p15="http://schemas.microsoft.com/office/powerpoint/2012/main" xmlns="">
         <p15:guide id="1" orient="horz" pos="2160">
           <p15:clr>
             <a:srgbClr val="A4A3A4"/>
@@ -407,7 +407,7 @@
     </p:spTree>
     <p:extLst>
       <p:ext uri="{BB962C8B-B14F-4D97-AF65-F5344CB8AC3E}">
-        <p14:creationId xmlns="" xmlns:p14="http://schemas.microsoft.com/office/powerpoint/2010/main" val="1165397606"/>
+        <p14:creationId xmlns:p14="http://schemas.microsoft.com/office/powerpoint/2010/main" xmlns="" val="1165397606"/>
       </p:ext>
     </p:extLst>
   </p:cSld>
@@ -4382,7 +4382,7 @@
     </p:spTree>
     <p:extLst>
       <p:ext uri="{BB962C8B-B14F-4D97-AF65-F5344CB8AC3E}">
-        <p14:creationId xmlns="" xmlns:p14="http://schemas.microsoft.com/office/powerpoint/2010/main" val="4172062386"/>
+        <p14:creationId xmlns:p14="http://schemas.microsoft.com/office/powerpoint/2010/main" xmlns="" val="4172062386"/>
       </p:ext>
     </p:extLst>
   </p:cSld>
@@ -5485,7 +5485,7 @@
     </p:spTree>
     <p:extLst>
       <p:ext uri="{BB962C8B-B14F-4D97-AF65-F5344CB8AC3E}">
-        <p14:creationId xmlns="" xmlns:p14="http://schemas.microsoft.com/office/powerpoint/2010/main" val="590283832"/>
+        <p14:creationId xmlns:p14="http://schemas.microsoft.com/office/powerpoint/2010/main" xmlns="" val="590283832"/>
       </p:ext>
     </p:extLst>
   </p:cSld>
@@ -6077,7 +6077,7 @@
     </p:spTree>
     <p:extLst>
       <p:ext uri="{BB962C8B-B14F-4D97-AF65-F5344CB8AC3E}">
-        <p14:creationId xmlns="" xmlns:p14="http://schemas.microsoft.com/office/powerpoint/2010/main" val="2164664003"/>
+        <p14:creationId xmlns:p14="http://schemas.microsoft.com/office/powerpoint/2010/main" xmlns="" val="2164664003"/>
       </p:ext>
     </p:extLst>
   </p:cSld>
@@ -6349,7 +6349,6 @@
               <a:rPr lang="de-DE" dirty="0" smtClean="0"/>
               <a:t>                    </a:t>
             </a:r>
-            <a:endParaRPr lang="de-DE" dirty="0" smtClean="0"/>
           </a:p>
           <a:p>
             <a:pPr>
@@ -6360,14 +6359,7 @@
                 <a:latin typeface="Times New Roman" pitchFamily="18" charset="0"/>
                 <a:cs typeface="Times New Roman" pitchFamily="18" charset="0"/>
               </a:rPr>
-              <a:t> </a:t>
-            </a:r>
-            <a:r>
-              <a:rPr lang="de-DE" sz="1800" dirty="0" smtClean="0">
-                <a:latin typeface="Times New Roman" pitchFamily="18" charset="0"/>
-                <a:cs typeface="Times New Roman" pitchFamily="18" charset="0"/>
-              </a:rPr>
-              <a:t>                           </a:t>
+              <a:t>                            </a:t>
             </a:r>
             <a:r>
               <a:rPr lang="de-DE" sz="1800" dirty="0" err="1" smtClean="0">
@@ -6801,7 +6793,7 @@
     </p:spTree>
     <p:extLst>
       <p:ext uri="{BB962C8B-B14F-4D97-AF65-F5344CB8AC3E}">
-        <p14:creationId xmlns="" xmlns:p14="http://schemas.microsoft.com/office/powerpoint/2010/main" val="1470090484"/>
+        <p14:creationId xmlns:p14="http://schemas.microsoft.com/office/powerpoint/2010/main" xmlns="" val="1470090484"/>
       </p:ext>
     </p:extLst>
   </p:cSld>
@@ -7245,7 +7237,7 @@
     </p:spTree>
     <p:extLst>
       <p:ext uri="{BB962C8B-B14F-4D97-AF65-F5344CB8AC3E}">
-        <p14:creationId xmlns="" xmlns:p14="http://schemas.microsoft.com/office/powerpoint/2010/main" val="1470090484"/>
+        <p14:creationId xmlns:p14="http://schemas.microsoft.com/office/powerpoint/2010/main" xmlns="" val="1470090484"/>
       </p:ext>
     </p:extLst>
   </p:cSld>
@@ -7716,7 +7708,7 @@
       </p:pic>
       <p:pic>
         <p:nvPicPr>
-          <p:cNvPr id="14" name="Picture 8" descr="C:\Users\iuliia\ShopAdmin\Dokumentation\UMLDiagrams\DatabaseClassDiagram.png"/>
+          <p:cNvPr id="1026" name="Picture 2" descr="C:\Users\iuliia\Desktop\xx.png"/>
           <p:cNvPicPr>
             <a:picLocks noChangeAspect="1" noChangeArrowheads="1"/>
           </p:cNvPicPr>
@@ -7731,8 +7723,8 @@
         </p:blipFill>
         <p:spPr bwMode="auto">
           <a:xfrm>
-            <a:off x="4000496" y="1357298"/>
-            <a:ext cx="4916489" cy="4763734"/>
+            <a:off x="4214810" y="1643050"/>
+            <a:ext cx="4543433" cy="4250719"/>
           </a:xfrm>
           <a:prstGeom prst="rect">
             <a:avLst/>
@@ -7743,7 +7735,7 @@
     </p:spTree>
     <p:extLst>
       <p:ext uri="{BB962C8B-B14F-4D97-AF65-F5344CB8AC3E}">
-        <p14:creationId xmlns="" xmlns:p14="http://schemas.microsoft.com/office/powerpoint/2010/main" val="1470090484"/>
+        <p14:creationId xmlns:p14="http://schemas.microsoft.com/office/powerpoint/2010/main" xmlns="" val="1470090484"/>
       </p:ext>
     </p:extLst>
   </p:cSld>
@@ -8155,7 +8147,7 @@
     </p:spTree>
     <p:extLst>
       <p:ext uri="{BB962C8B-B14F-4D97-AF65-F5344CB8AC3E}">
-        <p14:creationId xmlns="" xmlns:p14="http://schemas.microsoft.com/office/powerpoint/2010/main" val="1470090484"/>
+        <p14:creationId xmlns:p14="http://schemas.microsoft.com/office/powerpoint/2010/main" xmlns="" val="1470090484"/>
       </p:ext>
     </p:extLst>
   </p:cSld>
@@ -8747,7 +8739,7 @@
     </p:spTree>
     <p:extLst>
       <p:ext uri="{BB962C8B-B14F-4D97-AF65-F5344CB8AC3E}">
-        <p14:creationId xmlns="" xmlns:p14="http://schemas.microsoft.com/office/powerpoint/2010/main" val="1768056306"/>
+        <p14:creationId xmlns:p14="http://schemas.microsoft.com/office/powerpoint/2010/main" xmlns="" val="1768056306"/>
       </p:ext>
     </p:extLst>
   </p:cSld>
@@ -9217,7 +9209,7 @@
     </p:spTree>
     <p:extLst>
       <p:ext uri="{BB962C8B-B14F-4D97-AF65-F5344CB8AC3E}">
-        <p14:creationId xmlns="" xmlns:p14="http://schemas.microsoft.com/office/powerpoint/2010/main" val="1470090484"/>
+        <p14:creationId xmlns:p14="http://schemas.microsoft.com/office/powerpoint/2010/main" xmlns="" val="1470090484"/>
       </p:ext>
     </p:extLst>
   </p:cSld>
@@ -9665,7 +9657,7 @@
     </p:spTree>
     <p:extLst>
       <p:ext uri="{BB962C8B-B14F-4D97-AF65-F5344CB8AC3E}">
-        <p14:creationId xmlns="" xmlns:p14="http://schemas.microsoft.com/office/powerpoint/2010/main" val="2046461599"/>
+        <p14:creationId xmlns:p14="http://schemas.microsoft.com/office/powerpoint/2010/main" xmlns="" val="2046461599"/>
       </p:ext>
     </p:extLst>
   </p:cSld>
@@ -10086,7 +10078,7 @@
     </p:spTree>
     <p:extLst>
       <p:ext uri="{BB962C8B-B14F-4D97-AF65-F5344CB8AC3E}">
-        <p14:creationId xmlns="" xmlns:p14="http://schemas.microsoft.com/office/powerpoint/2010/main" val="4207222664"/>
+        <p14:creationId xmlns:p14="http://schemas.microsoft.com/office/powerpoint/2010/main" xmlns="" val="4207222664"/>
       </p:ext>
     </p:extLst>
   </p:cSld>
@@ -10734,7 +10726,7 @@
     </p:spTree>
     <p:extLst>
       <p:ext uri="{BB962C8B-B14F-4D97-AF65-F5344CB8AC3E}">
-        <p14:creationId xmlns="" xmlns:p14="http://schemas.microsoft.com/office/powerpoint/2010/main" val="990113117"/>
+        <p14:creationId xmlns:p14="http://schemas.microsoft.com/office/powerpoint/2010/main" xmlns="" val="990113117"/>
       </p:ext>
     </p:extLst>
   </p:cSld>
@@ -11196,7 +11188,7 @@
     </p:spTree>
     <p:extLst>
       <p:ext uri="{BB962C8B-B14F-4D97-AF65-F5344CB8AC3E}">
-        <p14:creationId xmlns="" xmlns:p14="http://schemas.microsoft.com/office/powerpoint/2010/main" val="2041020769"/>
+        <p14:creationId xmlns:p14="http://schemas.microsoft.com/office/powerpoint/2010/main" xmlns="" val="2041020769"/>
       </p:ext>
     </p:extLst>
   </p:cSld>
@@ -11753,7 +11745,7 @@
     </p:spTree>
     <p:extLst>
       <p:ext uri="{BB962C8B-B14F-4D97-AF65-F5344CB8AC3E}">
-        <p14:creationId xmlns="" xmlns:p14="http://schemas.microsoft.com/office/powerpoint/2010/main" val="184393572"/>
+        <p14:creationId xmlns:p14="http://schemas.microsoft.com/office/powerpoint/2010/main" xmlns="" val="184393572"/>
       </p:ext>
     </p:extLst>
   </p:cSld>
@@ -12186,7 +12178,7 @@
     </p:spTree>
     <p:extLst>
       <p:ext uri="{BB962C8B-B14F-4D97-AF65-F5344CB8AC3E}">
-        <p14:creationId xmlns="" xmlns:p14="http://schemas.microsoft.com/office/powerpoint/2010/main" val="3072821877"/>
+        <p14:creationId xmlns:p14="http://schemas.microsoft.com/office/powerpoint/2010/main" xmlns="" val="3072821877"/>
       </p:ext>
     </p:extLst>
   </p:cSld>
@@ -12778,7 +12770,7 @@
     </p:spTree>
     <p:extLst>
       <p:ext uri="{BB962C8B-B14F-4D97-AF65-F5344CB8AC3E}">
-        <p14:creationId xmlns="" xmlns:p14="http://schemas.microsoft.com/office/powerpoint/2010/main" val="1738454015"/>
+        <p14:creationId xmlns:p14="http://schemas.microsoft.com/office/powerpoint/2010/main" xmlns="" val="1738454015"/>
       </p:ext>
     </p:extLst>
   </p:cSld>
@@ -13124,7 +13116,7 @@
     </p:spTree>
     <p:extLst>
       <p:ext uri="{BB962C8B-B14F-4D97-AF65-F5344CB8AC3E}">
-        <p14:creationId xmlns="" xmlns:p14="http://schemas.microsoft.com/office/powerpoint/2010/main" val="132421686"/>
+        <p14:creationId xmlns:p14="http://schemas.microsoft.com/office/powerpoint/2010/main" xmlns="" val="132421686"/>
       </p:ext>
     </p:extLst>
   </p:cSld>
@@ -13469,7 +13461,7 @@
     </p:spTree>
     <p:extLst>
       <p:ext uri="{BB962C8B-B14F-4D97-AF65-F5344CB8AC3E}">
-        <p14:creationId xmlns="" xmlns:p14="http://schemas.microsoft.com/office/powerpoint/2010/main" val="661168880"/>
+        <p14:creationId xmlns:p14="http://schemas.microsoft.com/office/powerpoint/2010/main" xmlns="" val="661168880"/>
       </p:ext>
     </p:extLst>
   </p:cSld>
@@ -13825,7 +13817,7 @@
     </p:spTree>
     <p:extLst>
       <p:ext uri="{BB962C8B-B14F-4D97-AF65-F5344CB8AC3E}">
-        <p14:creationId xmlns="" xmlns:p14="http://schemas.microsoft.com/office/powerpoint/2010/main" val="2174179275"/>
+        <p14:creationId xmlns:p14="http://schemas.microsoft.com/office/powerpoint/2010/main" xmlns="" val="2174179275"/>
       </p:ext>
     </p:extLst>
   </p:cSld>
@@ -13993,7 +13985,7 @@
           <p:nvPr>
             <p:extLst>
               <p:ext uri="{D42A27DB-BD31-4B8C-83A1-F6EECF244321}">
-                <p14:modId xmlns="" xmlns:p14="http://schemas.microsoft.com/office/powerpoint/2010/main" val="624701637"/>
+                <p14:modId xmlns:p14="http://schemas.microsoft.com/office/powerpoint/2010/main" xmlns="" val="624701637"/>
               </p:ext>
             </p:extLst>
           </p:nvPr>
@@ -14012,14 +14004,14 @@
                 <a:gridCol w="2160000">
                   <a:extLst>
                     <a:ext uri="{9D8B030D-6E8A-4147-A177-3AD203B41FA5}">
-                      <a16:colId xmlns="" xmlns:a16="http://schemas.microsoft.com/office/drawing/2014/main" val="20000"/>
+                      <a16:colId xmlns:a16="http://schemas.microsoft.com/office/drawing/2014/main" xmlns="" val="20000"/>
                     </a:ext>
                   </a:extLst>
                 </a:gridCol>
                 <a:gridCol w="2160000">
                   <a:extLst>
                     <a:ext uri="{9D8B030D-6E8A-4147-A177-3AD203B41FA5}">
-                      <a16:colId xmlns="" xmlns:a16="http://schemas.microsoft.com/office/drawing/2014/main" val="20001"/>
+                      <a16:colId xmlns:a16="http://schemas.microsoft.com/office/drawing/2014/main" xmlns="" val="20001"/>
                     </a:ext>
                   </a:extLst>
                 </a:gridCol>
@@ -14098,7 +14090,7 @@
                 </a:tc>
                 <a:extLst>
                   <a:ext uri="{0D108BD9-81ED-4DB2-BD59-A6C34878D82A}">
-                    <a16:rowId xmlns="" xmlns:a16="http://schemas.microsoft.com/office/drawing/2014/main" val="10000"/>
+                    <a16:rowId xmlns:a16="http://schemas.microsoft.com/office/drawing/2014/main" xmlns="" val="10000"/>
                   </a:ext>
                 </a:extLst>
               </a:tr>
@@ -14179,7 +14171,7 @@
                 </a:tc>
                 <a:extLst>
                   <a:ext uri="{0D108BD9-81ED-4DB2-BD59-A6C34878D82A}">
-                    <a16:rowId xmlns="" xmlns:a16="http://schemas.microsoft.com/office/drawing/2014/main" val="10001"/>
+                    <a16:rowId xmlns:a16="http://schemas.microsoft.com/office/drawing/2014/main" xmlns="" val="10001"/>
                   </a:ext>
                 </a:extLst>
               </a:tr>
@@ -14260,7 +14252,7 @@
                 </a:tc>
                 <a:extLst>
                   <a:ext uri="{0D108BD9-81ED-4DB2-BD59-A6C34878D82A}">
-                    <a16:rowId xmlns="" xmlns:a16="http://schemas.microsoft.com/office/drawing/2014/main" val="10002"/>
+                    <a16:rowId xmlns:a16="http://schemas.microsoft.com/office/drawing/2014/main" xmlns="" val="10002"/>
                   </a:ext>
                 </a:extLst>
               </a:tr>
@@ -14275,7 +14267,7 @@
           <p:nvPr>
             <p:extLst>
               <p:ext uri="{D42A27DB-BD31-4B8C-83A1-F6EECF244321}">
-                <p14:modId xmlns="" xmlns:p14="http://schemas.microsoft.com/office/powerpoint/2010/main" val="3205360364"/>
+                <p14:modId xmlns:p14="http://schemas.microsoft.com/office/powerpoint/2010/main" xmlns="" val="3205360364"/>
               </p:ext>
             </p:extLst>
           </p:nvPr>
@@ -14294,14 +14286,14 @@
                 <a:gridCol w="2117296">
                   <a:extLst>
                     <a:ext uri="{9D8B030D-6E8A-4147-A177-3AD203B41FA5}">
-                      <a16:colId xmlns="" xmlns:a16="http://schemas.microsoft.com/office/drawing/2014/main" val="20000"/>
+                      <a16:colId xmlns:a16="http://schemas.microsoft.com/office/drawing/2014/main" xmlns="" val="20000"/>
                     </a:ext>
                   </a:extLst>
                 </a:gridCol>
                 <a:gridCol w="2117296">
                   <a:extLst>
                     <a:ext uri="{9D8B030D-6E8A-4147-A177-3AD203B41FA5}">
-                      <a16:colId xmlns="" xmlns:a16="http://schemas.microsoft.com/office/drawing/2014/main" val="20001"/>
+                      <a16:colId xmlns:a16="http://schemas.microsoft.com/office/drawing/2014/main" xmlns="" val="20001"/>
                     </a:ext>
                   </a:extLst>
                 </a:gridCol>
@@ -14380,7 +14372,7 @@
                 </a:tc>
                 <a:extLst>
                   <a:ext uri="{0D108BD9-81ED-4DB2-BD59-A6C34878D82A}">
-                    <a16:rowId xmlns="" xmlns:a16="http://schemas.microsoft.com/office/drawing/2014/main" val="10000"/>
+                    <a16:rowId xmlns:a16="http://schemas.microsoft.com/office/drawing/2014/main" xmlns="" val="10000"/>
                   </a:ext>
                 </a:extLst>
               </a:tr>
@@ -14461,7 +14453,7 @@
                 </a:tc>
                 <a:extLst>
                   <a:ext uri="{0D108BD9-81ED-4DB2-BD59-A6C34878D82A}">
-                    <a16:rowId xmlns="" xmlns:a16="http://schemas.microsoft.com/office/drawing/2014/main" val="10001"/>
+                    <a16:rowId xmlns:a16="http://schemas.microsoft.com/office/drawing/2014/main" xmlns="" val="10001"/>
                   </a:ext>
                 </a:extLst>
               </a:tr>
@@ -14542,7 +14534,7 @@
                 </a:tc>
                 <a:extLst>
                   <a:ext uri="{0D108BD9-81ED-4DB2-BD59-A6C34878D82A}">
-                    <a16:rowId xmlns="" xmlns:a16="http://schemas.microsoft.com/office/drawing/2014/main" val="10002"/>
+                    <a16:rowId xmlns:a16="http://schemas.microsoft.com/office/drawing/2014/main" xmlns="" val="10002"/>
                   </a:ext>
                 </a:extLst>
               </a:tr>
@@ -14557,7 +14549,7 @@
           <p:nvPr>
             <p:extLst>
               <p:ext uri="{D42A27DB-BD31-4B8C-83A1-F6EECF244321}">
-                <p14:modId xmlns="" xmlns:p14="http://schemas.microsoft.com/office/powerpoint/2010/main" val="1718736617"/>
+                <p14:modId xmlns:p14="http://schemas.microsoft.com/office/powerpoint/2010/main" xmlns="" val="1718736617"/>
               </p:ext>
             </p:extLst>
           </p:nvPr>
@@ -14576,14 +14568,14 @@
                 <a:gridCol w="2160000">
                   <a:extLst>
                     <a:ext uri="{9D8B030D-6E8A-4147-A177-3AD203B41FA5}">
-                      <a16:colId xmlns="" xmlns:a16="http://schemas.microsoft.com/office/drawing/2014/main" val="20000"/>
+                      <a16:colId xmlns:a16="http://schemas.microsoft.com/office/drawing/2014/main" xmlns="" val="20000"/>
                     </a:ext>
                   </a:extLst>
                 </a:gridCol>
                 <a:gridCol w="2160000">
                   <a:extLst>
                     <a:ext uri="{9D8B030D-6E8A-4147-A177-3AD203B41FA5}">
-                      <a16:colId xmlns="" xmlns:a16="http://schemas.microsoft.com/office/drawing/2014/main" val="20001"/>
+                      <a16:colId xmlns:a16="http://schemas.microsoft.com/office/drawing/2014/main" xmlns="" val="20001"/>
                     </a:ext>
                   </a:extLst>
                 </a:gridCol>
@@ -14662,7 +14654,7 @@
                 </a:tc>
                 <a:extLst>
                   <a:ext uri="{0D108BD9-81ED-4DB2-BD59-A6C34878D82A}">
-                    <a16:rowId xmlns="" xmlns:a16="http://schemas.microsoft.com/office/drawing/2014/main" val="10000"/>
+                    <a16:rowId xmlns:a16="http://schemas.microsoft.com/office/drawing/2014/main" xmlns="" val="10000"/>
                   </a:ext>
                 </a:extLst>
               </a:tr>
@@ -14743,7 +14735,7 @@
                 </a:tc>
                 <a:extLst>
                   <a:ext uri="{0D108BD9-81ED-4DB2-BD59-A6C34878D82A}">
-                    <a16:rowId xmlns="" xmlns:a16="http://schemas.microsoft.com/office/drawing/2014/main" val="10001"/>
+                    <a16:rowId xmlns:a16="http://schemas.microsoft.com/office/drawing/2014/main" xmlns="" val="10001"/>
                   </a:ext>
                 </a:extLst>
               </a:tr>
@@ -14824,7 +14816,7 @@
                 </a:tc>
                 <a:extLst>
                   <a:ext uri="{0D108BD9-81ED-4DB2-BD59-A6C34878D82A}">
-                    <a16:rowId xmlns="" xmlns:a16="http://schemas.microsoft.com/office/drawing/2014/main" val="10002"/>
+                    <a16:rowId xmlns:a16="http://schemas.microsoft.com/office/drawing/2014/main" xmlns="" val="10002"/>
                   </a:ext>
                 </a:extLst>
               </a:tr>
@@ -14839,7 +14831,7 @@
           <p:nvPr>
             <p:extLst>
               <p:ext uri="{D42A27DB-BD31-4B8C-83A1-F6EECF244321}">
-                <p14:modId xmlns="" xmlns:p14="http://schemas.microsoft.com/office/powerpoint/2010/main" val="1101549373"/>
+                <p14:modId xmlns:p14="http://schemas.microsoft.com/office/powerpoint/2010/main" xmlns="" val="1101549373"/>
               </p:ext>
             </p:extLst>
           </p:nvPr>
@@ -14858,14 +14850,14 @@
                 <a:gridCol w="2117296">
                   <a:extLst>
                     <a:ext uri="{9D8B030D-6E8A-4147-A177-3AD203B41FA5}">
-                      <a16:colId xmlns="" xmlns:a16="http://schemas.microsoft.com/office/drawing/2014/main" val="20000"/>
+                      <a16:colId xmlns:a16="http://schemas.microsoft.com/office/drawing/2014/main" xmlns="" val="20000"/>
                     </a:ext>
                   </a:extLst>
                 </a:gridCol>
                 <a:gridCol w="2117296">
                   <a:extLst>
                     <a:ext uri="{9D8B030D-6E8A-4147-A177-3AD203B41FA5}">
-                      <a16:colId xmlns="" xmlns:a16="http://schemas.microsoft.com/office/drawing/2014/main" val="20001"/>
+                      <a16:colId xmlns:a16="http://schemas.microsoft.com/office/drawing/2014/main" xmlns="" val="20001"/>
                     </a:ext>
                   </a:extLst>
                 </a:gridCol>
@@ -14944,7 +14936,7 @@
                 </a:tc>
                 <a:extLst>
                   <a:ext uri="{0D108BD9-81ED-4DB2-BD59-A6C34878D82A}">
-                    <a16:rowId xmlns="" xmlns:a16="http://schemas.microsoft.com/office/drawing/2014/main" val="10000"/>
+                    <a16:rowId xmlns:a16="http://schemas.microsoft.com/office/drawing/2014/main" xmlns="" val="10000"/>
                   </a:ext>
                 </a:extLst>
               </a:tr>
@@ -15025,7 +15017,7 @@
                 </a:tc>
                 <a:extLst>
                   <a:ext uri="{0D108BD9-81ED-4DB2-BD59-A6C34878D82A}">
-                    <a16:rowId xmlns="" xmlns:a16="http://schemas.microsoft.com/office/drawing/2014/main" val="10001"/>
+                    <a16:rowId xmlns:a16="http://schemas.microsoft.com/office/drawing/2014/main" xmlns="" val="10001"/>
                   </a:ext>
                 </a:extLst>
               </a:tr>
@@ -15106,7 +15098,7 @@
                 </a:tc>
                 <a:extLst>
                   <a:ext uri="{0D108BD9-81ED-4DB2-BD59-A6C34878D82A}">
-                    <a16:rowId xmlns="" xmlns:a16="http://schemas.microsoft.com/office/drawing/2014/main" val="10002"/>
+                    <a16:rowId xmlns:a16="http://schemas.microsoft.com/office/drawing/2014/main" xmlns="" val="10002"/>
                   </a:ext>
                 </a:extLst>
               </a:tr>
@@ -15163,7 +15155,7 @@
     </p:spTree>
     <p:extLst>
       <p:ext uri="{BB962C8B-B14F-4D97-AF65-F5344CB8AC3E}">
-        <p14:creationId xmlns="" xmlns:p14="http://schemas.microsoft.com/office/powerpoint/2010/main" val="4142020794"/>
+        <p14:creationId xmlns:p14="http://schemas.microsoft.com/office/powerpoint/2010/main" xmlns="" val="4142020794"/>
       </p:ext>
     </p:extLst>
   </p:cSld>
@@ -15584,7 +15576,7 @@
     </p:spTree>
     <p:extLst>
       <p:ext uri="{BB962C8B-B14F-4D97-AF65-F5344CB8AC3E}">
-        <p14:creationId xmlns="" xmlns:p14="http://schemas.microsoft.com/office/powerpoint/2010/main" val="2081312345"/>
+        <p14:creationId xmlns:p14="http://schemas.microsoft.com/office/powerpoint/2010/main" xmlns="" val="2081312345"/>
       </p:ext>
     </p:extLst>
   </p:cSld>
@@ -16005,7 +15997,7 @@
     </p:spTree>
     <p:extLst>
       <p:ext uri="{BB962C8B-B14F-4D97-AF65-F5344CB8AC3E}">
-        <p14:creationId xmlns="" xmlns:p14="http://schemas.microsoft.com/office/powerpoint/2010/main" val="289148284"/>
+        <p14:creationId xmlns:p14="http://schemas.microsoft.com/office/powerpoint/2010/main" xmlns="" val="289148284"/>
       </p:ext>
     </p:extLst>
   </p:cSld>
@@ -16388,7 +16380,7 @@
     </p:spTree>
     <p:extLst>
       <p:ext uri="{BB962C8B-B14F-4D97-AF65-F5344CB8AC3E}">
-        <p14:creationId xmlns="" xmlns:p14="http://schemas.microsoft.com/office/powerpoint/2010/main" val="1378657956"/>
+        <p14:creationId xmlns:p14="http://schemas.microsoft.com/office/powerpoint/2010/main" xmlns="" val="1378657956"/>
       </p:ext>
     </p:extLst>
   </p:cSld>
@@ -17050,7 +17042,7 @@
     </p:spTree>
     <p:extLst>
       <p:ext uri="{BB962C8B-B14F-4D97-AF65-F5344CB8AC3E}">
-        <p14:creationId xmlns="" xmlns:p14="http://schemas.microsoft.com/office/powerpoint/2010/main" val="4029011830"/>
+        <p14:creationId xmlns:p14="http://schemas.microsoft.com/office/powerpoint/2010/main" xmlns="" val="4029011830"/>
       </p:ext>
     </p:extLst>
   </p:cSld>
@@ -18986,7 +18978,7 @@
     </p:spTree>
     <p:extLst>
       <p:ext uri="{BB962C8B-B14F-4D97-AF65-F5344CB8AC3E}">
-        <p14:creationId xmlns="" xmlns:p14="http://schemas.microsoft.com/office/powerpoint/2010/main" val="208977930"/>
+        <p14:creationId xmlns:p14="http://schemas.microsoft.com/office/powerpoint/2010/main" xmlns="" val="208977930"/>
       </p:ext>
     </p:extLst>
   </p:cSld>
@@ -20965,7 +20957,7 @@
     </p:spTree>
     <p:extLst>
       <p:ext uri="{BB962C8B-B14F-4D97-AF65-F5344CB8AC3E}">
-        <p14:creationId xmlns="" xmlns:p14="http://schemas.microsoft.com/office/powerpoint/2010/main" val="30043865"/>
+        <p14:creationId xmlns:p14="http://schemas.microsoft.com/office/powerpoint/2010/main" xmlns="" val="30043865"/>
       </p:ext>
     </p:extLst>
   </p:cSld>
@@ -22922,7 +22914,7 @@
     </p:spTree>
     <p:extLst>
       <p:ext uri="{BB962C8B-B14F-4D97-AF65-F5344CB8AC3E}">
-        <p14:creationId xmlns="" xmlns:p14="http://schemas.microsoft.com/office/powerpoint/2010/main" val="1159165540"/>
+        <p14:creationId xmlns:p14="http://schemas.microsoft.com/office/powerpoint/2010/main" xmlns="" val="1159165540"/>
       </p:ext>
     </p:extLst>
   </p:cSld>
@@ -24879,7 +24871,7 @@
     </p:spTree>
     <p:extLst>
       <p:ext uri="{BB962C8B-B14F-4D97-AF65-F5344CB8AC3E}">
-        <p14:creationId xmlns="" xmlns:p14="http://schemas.microsoft.com/office/powerpoint/2010/main" val="1381930655"/>
+        <p14:creationId xmlns:p14="http://schemas.microsoft.com/office/powerpoint/2010/main" xmlns="" val="1381930655"/>
       </p:ext>
     </p:extLst>
   </p:cSld>
@@ -26836,7 +26828,7 @@
     </p:spTree>
     <p:extLst>
       <p:ext uri="{BB962C8B-B14F-4D97-AF65-F5344CB8AC3E}">
-        <p14:creationId xmlns="" xmlns:p14="http://schemas.microsoft.com/office/powerpoint/2010/main" val="938133298"/>
+        <p14:creationId xmlns:p14="http://schemas.microsoft.com/office/powerpoint/2010/main" xmlns="" val="938133298"/>
       </p:ext>
     </p:extLst>
   </p:cSld>
@@ -28793,7 +28785,7 @@
     </p:spTree>
     <p:extLst>
       <p:ext uri="{BB962C8B-B14F-4D97-AF65-F5344CB8AC3E}">
-        <p14:creationId xmlns="" xmlns:p14="http://schemas.microsoft.com/office/powerpoint/2010/main" val="957417906"/>
+        <p14:creationId xmlns:p14="http://schemas.microsoft.com/office/powerpoint/2010/main" xmlns="" val="957417906"/>
       </p:ext>
     </p:extLst>
   </p:cSld>
@@ -29382,7 +29374,7 @@
   <a:extraClrSchemeLst/>
   <a:extLst>
     <a:ext uri="{05A4C25C-085E-4340-85A3-A5531E510DB2}">
-      <thm15:themeFamily xmlns="" xmlns:thm15="http://schemas.microsoft.com/office/thememl/2012/main" name="Office Theme" id="{62F939B6-93AF-4DB8-9C6B-D6C7DFDC589F}" vid="{4A3C46E8-61CC-4603-A589-7422A47A8E4A}"/>
+      <thm15:themeFamily xmlns:thm15="http://schemas.microsoft.com/office/thememl/2012/main" xmlns="" name="Office Theme" id="{62F939B6-93AF-4DB8-9C6B-D6C7DFDC589F}" vid="{4A3C46E8-61CC-4603-A589-7422A47A8E4A}"/>
     </a:ext>
   </a:extLst>
 </a:theme>

--- a/Dokumentation/ShopAdmin_Final.pptx
+++ b/Dokumentation/ShopAdmin_Final.pptx
@@ -139,7 +139,7 @@
   </p:defaultTextStyle>
   <p:extLst>
     <p:ext uri="{EFAFB233-063F-42B5-8137-9DF3F51BA10A}">
-      <p15:sldGuideLst xmlns:p15="http://schemas.microsoft.com/office/powerpoint/2012/main" xmlns="">
+      <p15:sldGuideLst xmlns="" xmlns:p15="http://schemas.microsoft.com/office/powerpoint/2012/main">
         <p15:guide id="1" orient="horz" pos="2160">
           <p15:clr>
             <a:srgbClr val="A4A3A4"/>
@@ -407,7 +407,7 @@
     </p:spTree>
     <p:extLst>
       <p:ext uri="{BB962C8B-B14F-4D97-AF65-F5344CB8AC3E}">
-        <p14:creationId xmlns:p14="http://schemas.microsoft.com/office/powerpoint/2010/main" xmlns="" val="1165397606"/>
+        <p14:creationId xmlns="" xmlns:p14="http://schemas.microsoft.com/office/powerpoint/2010/main" val="1165397606"/>
       </p:ext>
     </p:extLst>
   </p:cSld>
@@ -4382,7 +4382,7 @@
     </p:spTree>
     <p:extLst>
       <p:ext uri="{BB962C8B-B14F-4D97-AF65-F5344CB8AC3E}">
-        <p14:creationId xmlns:p14="http://schemas.microsoft.com/office/powerpoint/2010/main" xmlns="" val="4172062386"/>
+        <p14:creationId xmlns="" xmlns:p14="http://schemas.microsoft.com/office/powerpoint/2010/main" val="4172062386"/>
       </p:ext>
     </p:extLst>
   </p:cSld>
@@ -5485,7 +5485,7 @@
     </p:spTree>
     <p:extLst>
       <p:ext uri="{BB962C8B-B14F-4D97-AF65-F5344CB8AC3E}">
-        <p14:creationId xmlns:p14="http://schemas.microsoft.com/office/powerpoint/2010/main" xmlns="" val="590283832"/>
+        <p14:creationId xmlns="" xmlns:p14="http://schemas.microsoft.com/office/powerpoint/2010/main" val="590283832"/>
       </p:ext>
     </p:extLst>
   </p:cSld>
@@ -6077,7 +6077,7 @@
     </p:spTree>
     <p:extLst>
       <p:ext uri="{BB962C8B-B14F-4D97-AF65-F5344CB8AC3E}">
-        <p14:creationId xmlns:p14="http://schemas.microsoft.com/office/powerpoint/2010/main" xmlns="" val="2164664003"/>
+        <p14:creationId xmlns="" xmlns:p14="http://schemas.microsoft.com/office/powerpoint/2010/main" val="2164664003"/>
       </p:ext>
     </p:extLst>
   </p:cSld>
@@ -6585,7 +6585,7 @@
         </p:blipFill>
         <p:spPr bwMode="auto">
           <a:xfrm>
-            <a:off x="428596" y="3714752"/>
+            <a:off x="428596" y="3571876"/>
             <a:ext cx="1873702" cy="2185986"/>
           </a:xfrm>
           <a:prstGeom prst="rect">
@@ -6611,7 +6611,7 @@
         </p:blipFill>
         <p:spPr bwMode="auto">
           <a:xfrm>
-            <a:off x="4786314" y="3071810"/>
+            <a:off x="5000628" y="2786058"/>
             <a:ext cx="3866214" cy="3024186"/>
           </a:xfrm>
           <a:prstGeom prst="rect">
@@ -6628,8 +6628,8 @@
         </p:nvSpPr>
         <p:spPr>
           <a:xfrm>
-            <a:off x="1571604" y="4429132"/>
-            <a:ext cx="3643338" cy="1169551"/>
+            <a:off x="1643042" y="4214818"/>
+            <a:ext cx="3643338" cy="1431161"/>
           </a:xfrm>
           <a:prstGeom prst="rect">
             <a:avLst/>
@@ -6672,6 +6672,9 @@
           </a:p>
           <a:p>
             <a:pPr>
+              <a:lnSpc>
+                <a:spcPct val="150000"/>
+              </a:lnSpc>
               <a:buFont typeface="Arial" pitchFamily="34" charset="0"/>
               <a:buChar char="•"/>
             </a:pPr>
@@ -6724,6 +6727,9 @@
           </a:p>
           <a:p>
             <a:pPr>
+              <a:lnSpc>
+                <a:spcPct val="150000"/>
+              </a:lnSpc>
               <a:buFont typeface="Arial" pitchFamily="34" charset="0"/>
               <a:buChar char="•"/>
             </a:pPr>
@@ -6793,7 +6799,7 @@
     </p:spTree>
     <p:extLst>
       <p:ext uri="{BB962C8B-B14F-4D97-AF65-F5344CB8AC3E}">
-        <p14:creationId xmlns:p14="http://schemas.microsoft.com/office/powerpoint/2010/main" xmlns="" val="1470090484"/>
+        <p14:creationId xmlns="" xmlns:p14="http://schemas.microsoft.com/office/powerpoint/2010/main" val="1470090484"/>
       </p:ext>
     </p:extLst>
   </p:cSld>
@@ -7237,7 +7243,7 @@
     </p:spTree>
     <p:extLst>
       <p:ext uri="{BB962C8B-B14F-4D97-AF65-F5344CB8AC3E}">
-        <p14:creationId xmlns:p14="http://schemas.microsoft.com/office/powerpoint/2010/main" xmlns="" val="1470090484"/>
+        <p14:creationId xmlns="" xmlns:p14="http://schemas.microsoft.com/office/powerpoint/2010/main" val="1470090484"/>
       </p:ext>
     </p:extLst>
   </p:cSld>
@@ -7735,7 +7741,7 @@
     </p:spTree>
     <p:extLst>
       <p:ext uri="{BB962C8B-B14F-4D97-AF65-F5344CB8AC3E}">
-        <p14:creationId xmlns:p14="http://schemas.microsoft.com/office/powerpoint/2010/main" xmlns="" val="1470090484"/>
+        <p14:creationId xmlns="" xmlns:p14="http://schemas.microsoft.com/office/powerpoint/2010/main" val="1470090484"/>
       </p:ext>
     </p:extLst>
   </p:cSld>
@@ -8147,7 +8153,7 @@
     </p:spTree>
     <p:extLst>
       <p:ext uri="{BB962C8B-B14F-4D97-AF65-F5344CB8AC3E}">
-        <p14:creationId xmlns:p14="http://schemas.microsoft.com/office/powerpoint/2010/main" xmlns="" val="1470090484"/>
+        <p14:creationId xmlns="" xmlns:p14="http://schemas.microsoft.com/office/powerpoint/2010/main" val="1470090484"/>
       </p:ext>
     </p:extLst>
   </p:cSld>
@@ -8739,7 +8745,7 @@
     </p:spTree>
     <p:extLst>
       <p:ext uri="{BB962C8B-B14F-4D97-AF65-F5344CB8AC3E}">
-        <p14:creationId xmlns:p14="http://schemas.microsoft.com/office/powerpoint/2010/main" xmlns="" val="1768056306"/>
+        <p14:creationId xmlns="" xmlns:p14="http://schemas.microsoft.com/office/powerpoint/2010/main" val="1768056306"/>
       </p:ext>
     </p:extLst>
   </p:cSld>
@@ -9209,7 +9215,7 @@
     </p:spTree>
     <p:extLst>
       <p:ext uri="{BB962C8B-B14F-4D97-AF65-F5344CB8AC3E}">
-        <p14:creationId xmlns:p14="http://schemas.microsoft.com/office/powerpoint/2010/main" xmlns="" val="1470090484"/>
+        <p14:creationId xmlns="" xmlns:p14="http://schemas.microsoft.com/office/powerpoint/2010/main" val="1470090484"/>
       </p:ext>
     </p:extLst>
   </p:cSld>
@@ -9657,7 +9663,7 @@
     </p:spTree>
     <p:extLst>
       <p:ext uri="{BB962C8B-B14F-4D97-AF65-F5344CB8AC3E}">
-        <p14:creationId xmlns:p14="http://schemas.microsoft.com/office/powerpoint/2010/main" xmlns="" val="2046461599"/>
+        <p14:creationId xmlns="" xmlns:p14="http://schemas.microsoft.com/office/powerpoint/2010/main" val="2046461599"/>
       </p:ext>
     </p:extLst>
   </p:cSld>
@@ -10078,7 +10084,7 @@
     </p:spTree>
     <p:extLst>
       <p:ext uri="{BB962C8B-B14F-4D97-AF65-F5344CB8AC3E}">
-        <p14:creationId xmlns:p14="http://schemas.microsoft.com/office/powerpoint/2010/main" xmlns="" val="4207222664"/>
+        <p14:creationId xmlns="" xmlns:p14="http://schemas.microsoft.com/office/powerpoint/2010/main" val="4207222664"/>
       </p:ext>
     </p:extLst>
   </p:cSld>
@@ -10726,7 +10732,7 @@
     </p:spTree>
     <p:extLst>
       <p:ext uri="{BB962C8B-B14F-4D97-AF65-F5344CB8AC3E}">
-        <p14:creationId xmlns:p14="http://schemas.microsoft.com/office/powerpoint/2010/main" xmlns="" val="990113117"/>
+        <p14:creationId xmlns="" xmlns:p14="http://schemas.microsoft.com/office/powerpoint/2010/main" val="990113117"/>
       </p:ext>
     </p:extLst>
   </p:cSld>
@@ -11188,7 +11194,7 @@
     </p:spTree>
     <p:extLst>
       <p:ext uri="{BB962C8B-B14F-4D97-AF65-F5344CB8AC3E}">
-        <p14:creationId xmlns:p14="http://schemas.microsoft.com/office/powerpoint/2010/main" xmlns="" val="2041020769"/>
+        <p14:creationId xmlns="" xmlns:p14="http://schemas.microsoft.com/office/powerpoint/2010/main" val="2041020769"/>
       </p:ext>
     </p:extLst>
   </p:cSld>
@@ -11745,7 +11751,7 @@
     </p:spTree>
     <p:extLst>
       <p:ext uri="{BB962C8B-B14F-4D97-AF65-F5344CB8AC3E}">
-        <p14:creationId xmlns:p14="http://schemas.microsoft.com/office/powerpoint/2010/main" xmlns="" val="184393572"/>
+        <p14:creationId xmlns="" xmlns:p14="http://schemas.microsoft.com/office/powerpoint/2010/main" val="184393572"/>
       </p:ext>
     </p:extLst>
   </p:cSld>
@@ -12178,7 +12184,7 @@
     </p:spTree>
     <p:extLst>
       <p:ext uri="{BB962C8B-B14F-4D97-AF65-F5344CB8AC3E}">
-        <p14:creationId xmlns:p14="http://schemas.microsoft.com/office/powerpoint/2010/main" xmlns="" val="3072821877"/>
+        <p14:creationId xmlns="" xmlns:p14="http://schemas.microsoft.com/office/powerpoint/2010/main" val="3072821877"/>
       </p:ext>
     </p:extLst>
   </p:cSld>
@@ -12770,7 +12776,7 @@
     </p:spTree>
     <p:extLst>
       <p:ext uri="{BB962C8B-B14F-4D97-AF65-F5344CB8AC3E}">
-        <p14:creationId xmlns:p14="http://schemas.microsoft.com/office/powerpoint/2010/main" xmlns="" val="1738454015"/>
+        <p14:creationId xmlns="" xmlns:p14="http://schemas.microsoft.com/office/powerpoint/2010/main" val="1738454015"/>
       </p:ext>
     </p:extLst>
   </p:cSld>
@@ -13116,7 +13122,7 @@
     </p:spTree>
     <p:extLst>
       <p:ext uri="{BB962C8B-B14F-4D97-AF65-F5344CB8AC3E}">
-        <p14:creationId xmlns:p14="http://schemas.microsoft.com/office/powerpoint/2010/main" xmlns="" val="132421686"/>
+        <p14:creationId xmlns="" xmlns:p14="http://schemas.microsoft.com/office/powerpoint/2010/main" val="132421686"/>
       </p:ext>
     </p:extLst>
   </p:cSld>
@@ -13461,7 +13467,7 @@
     </p:spTree>
     <p:extLst>
       <p:ext uri="{BB962C8B-B14F-4D97-AF65-F5344CB8AC3E}">
-        <p14:creationId xmlns:p14="http://schemas.microsoft.com/office/powerpoint/2010/main" xmlns="" val="661168880"/>
+        <p14:creationId xmlns="" xmlns:p14="http://schemas.microsoft.com/office/powerpoint/2010/main" val="661168880"/>
       </p:ext>
     </p:extLst>
   </p:cSld>
@@ -13817,7 +13823,7 @@
     </p:spTree>
     <p:extLst>
       <p:ext uri="{BB962C8B-B14F-4D97-AF65-F5344CB8AC3E}">
-        <p14:creationId xmlns:p14="http://schemas.microsoft.com/office/powerpoint/2010/main" xmlns="" val="2174179275"/>
+        <p14:creationId xmlns="" xmlns:p14="http://schemas.microsoft.com/office/powerpoint/2010/main" val="2174179275"/>
       </p:ext>
     </p:extLst>
   </p:cSld>
@@ -13985,7 +13991,7 @@
           <p:nvPr>
             <p:extLst>
               <p:ext uri="{D42A27DB-BD31-4B8C-83A1-F6EECF244321}">
-                <p14:modId xmlns:p14="http://schemas.microsoft.com/office/powerpoint/2010/main" xmlns="" val="624701637"/>
+                <p14:modId xmlns="" xmlns:p14="http://schemas.microsoft.com/office/powerpoint/2010/main" val="624701637"/>
               </p:ext>
             </p:extLst>
           </p:nvPr>
@@ -14004,14 +14010,14 @@
                 <a:gridCol w="2160000">
                   <a:extLst>
                     <a:ext uri="{9D8B030D-6E8A-4147-A177-3AD203B41FA5}">
-                      <a16:colId xmlns:a16="http://schemas.microsoft.com/office/drawing/2014/main" xmlns="" val="20000"/>
+                      <a16:colId xmlns="" xmlns:a16="http://schemas.microsoft.com/office/drawing/2014/main" val="20000"/>
                     </a:ext>
                   </a:extLst>
                 </a:gridCol>
                 <a:gridCol w="2160000">
                   <a:extLst>
                     <a:ext uri="{9D8B030D-6E8A-4147-A177-3AD203B41FA5}">
-                      <a16:colId xmlns:a16="http://schemas.microsoft.com/office/drawing/2014/main" xmlns="" val="20001"/>
+                      <a16:colId xmlns="" xmlns:a16="http://schemas.microsoft.com/office/drawing/2014/main" val="20001"/>
                     </a:ext>
                   </a:extLst>
                 </a:gridCol>
@@ -14090,7 +14096,7 @@
                 </a:tc>
                 <a:extLst>
                   <a:ext uri="{0D108BD9-81ED-4DB2-BD59-A6C34878D82A}">
-                    <a16:rowId xmlns:a16="http://schemas.microsoft.com/office/drawing/2014/main" xmlns="" val="10000"/>
+                    <a16:rowId xmlns="" xmlns:a16="http://schemas.microsoft.com/office/drawing/2014/main" val="10000"/>
                   </a:ext>
                 </a:extLst>
               </a:tr>
@@ -14171,7 +14177,7 @@
                 </a:tc>
                 <a:extLst>
                   <a:ext uri="{0D108BD9-81ED-4DB2-BD59-A6C34878D82A}">
-                    <a16:rowId xmlns:a16="http://schemas.microsoft.com/office/drawing/2014/main" xmlns="" val="10001"/>
+                    <a16:rowId xmlns="" xmlns:a16="http://schemas.microsoft.com/office/drawing/2014/main" val="10001"/>
                   </a:ext>
                 </a:extLst>
               </a:tr>
@@ -14252,7 +14258,7 @@
                 </a:tc>
                 <a:extLst>
                   <a:ext uri="{0D108BD9-81ED-4DB2-BD59-A6C34878D82A}">
-                    <a16:rowId xmlns:a16="http://schemas.microsoft.com/office/drawing/2014/main" xmlns="" val="10002"/>
+                    <a16:rowId xmlns="" xmlns:a16="http://schemas.microsoft.com/office/drawing/2014/main" val="10002"/>
                   </a:ext>
                 </a:extLst>
               </a:tr>
@@ -14267,7 +14273,7 @@
           <p:nvPr>
             <p:extLst>
               <p:ext uri="{D42A27DB-BD31-4B8C-83A1-F6EECF244321}">
-                <p14:modId xmlns:p14="http://schemas.microsoft.com/office/powerpoint/2010/main" xmlns="" val="3205360364"/>
+                <p14:modId xmlns="" xmlns:p14="http://schemas.microsoft.com/office/powerpoint/2010/main" val="3205360364"/>
               </p:ext>
             </p:extLst>
           </p:nvPr>
@@ -14286,14 +14292,14 @@
                 <a:gridCol w="2117296">
                   <a:extLst>
                     <a:ext uri="{9D8B030D-6E8A-4147-A177-3AD203B41FA5}">
-                      <a16:colId xmlns:a16="http://schemas.microsoft.com/office/drawing/2014/main" xmlns="" val="20000"/>
+                      <a16:colId xmlns="" xmlns:a16="http://schemas.microsoft.com/office/drawing/2014/main" val="20000"/>
                     </a:ext>
                   </a:extLst>
                 </a:gridCol>
                 <a:gridCol w="2117296">
                   <a:extLst>
                     <a:ext uri="{9D8B030D-6E8A-4147-A177-3AD203B41FA5}">
-                      <a16:colId xmlns:a16="http://schemas.microsoft.com/office/drawing/2014/main" xmlns="" val="20001"/>
+                      <a16:colId xmlns="" xmlns:a16="http://schemas.microsoft.com/office/drawing/2014/main" val="20001"/>
                     </a:ext>
                   </a:extLst>
                 </a:gridCol>
@@ -14372,7 +14378,7 @@
                 </a:tc>
                 <a:extLst>
                   <a:ext uri="{0D108BD9-81ED-4DB2-BD59-A6C34878D82A}">
-                    <a16:rowId xmlns:a16="http://schemas.microsoft.com/office/drawing/2014/main" xmlns="" val="10000"/>
+                    <a16:rowId xmlns="" xmlns:a16="http://schemas.microsoft.com/office/drawing/2014/main" val="10000"/>
                   </a:ext>
                 </a:extLst>
               </a:tr>
@@ -14453,7 +14459,7 @@
                 </a:tc>
                 <a:extLst>
                   <a:ext uri="{0D108BD9-81ED-4DB2-BD59-A6C34878D82A}">
-                    <a16:rowId xmlns:a16="http://schemas.microsoft.com/office/drawing/2014/main" xmlns="" val="10001"/>
+                    <a16:rowId xmlns="" xmlns:a16="http://schemas.microsoft.com/office/drawing/2014/main" val="10001"/>
                   </a:ext>
                 </a:extLst>
               </a:tr>
@@ -14534,7 +14540,7 @@
                 </a:tc>
                 <a:extLst>
                   <a:ext uri="{0D108BD9-81ED-4DB2-BD59-A6C34878D82A}">
-                    <a16:rowId xmlns:a16="http://schemas.microsoft.com/office/drawing/2014/main" xmlns="" val="10002"/>
+                    <a16:rowId xmlns="" xmlns:a16="http://schemas.microsoft.com/office/drawing/2014/main" val="10002"/>
                   </a:ext>
                 </a:extLst>
               </a:tr>
@@ -14549,7 +14555,7 @@
           <p:nvPr>
             <p:extLst>
               <p:ext uri="{D42A27DB-BD31-4B8C-83A1-F6EECF244321}">
-                <p14:modId xmlns:p14="http://schemas.microsoft.com/office/powerpoint/2010/main" xmlns="" val="1718736617"/>
+                <p14:modId xmlns="" xmlns:p14="http://schemas.microsoft.com/office/powerpoint/2010/main" val="1718736617"/>
               </p:ext>
             </p:extLst>
           </p:nvPr>
@@ -14568,14 +14574,14 @@
                 <a:gridCol w="2160000">
                   <a:extLst>
                     <a:ext uri="{9D8B030D-6E8A-4147-A177-3AD203B41FA5}">
-                      <a16:colId xmlns:a16="http://schemas.microsoft.com/office/drawing/2014/main" xmlns="" val="20000"/>
+                      <a16:colId xmlns="" xmlns:a16="http://schemas.microsoft.com/office/drawing/2014/main" val="20000"/>
                     </a:ext>
                   </a:extLst>
                 </a:gridCol>
                 <a:gridCol w="2160000">
                   <a:extLst>
                     <a:ext uri="{9D8B030D-6E8A-4147-A177-3AD203B41FA5}">
-                      <a16:colId xmlns:a16="http://schemas.microsoft.com/office/drawing/2014/main" xmlns="" val="20001"/>
+                      <a16:colId xmlns="" xmlns:a16="http://schemas.microsoft.com/office/drawing/2014/main" val="20001"/>
                     </a:ext>
                   </a:extLst>
                 </a:gridCol>
@@ -14654,7 +14660,7 @@
                 </a:tc>
                 <a:extLst>
                   <a:ext uri="{0D108BD9-81ED-4DB2-BD59-A6C34878D82A}">
-                    <a16:rowId xmlns:a16="http://schemas.microsoft.com/office/drawing/2014/main" xmlns="" val="10000"/>
+                    <a16:rowId xmlns="" xmlns:a16="http://schemas.microsoft.com/office/drawing/2014/main" val="10000"/>
                   </a:ext>
                 </a:extLst>
               </a:tr>
@@ -14735,7 +14741,7 @@
                 </a:tc>
                 <a:extLst>
                   <a:ext uri="{0D108BD9-81ED-4DB2-BD59-A6C34878D82A}">
-                    <a16:rowId xmlns:a16="http://schemas.microsoft.com/office/drawing/2014/main" xmlns="" val="10001"/>
+                    <a16:rowId xmlns="" xmlns:a16="http://schemas.microsoft.com/office/drawing/2014/main" val="10001"/>
                   </a:ext>
                 </a:extLst>
               </a:tr>
@@ -14816,7 +14822,7 @@
                 </a:tc>
                 <a:extLst>
                   <a:ext uri="{0D108BD9-81ED-4DB2-BD59-A6C34878D82A}">
-                    <a16:rowId xmlns:a16="http://schemas.microsoft.com/office/drawing/2014/main" xmlns="" val="10002"/>
+                    <a16:rowId xmlns="" xmlns:a16="http://schemas.microsoft.com/office/drawing/2014/main" val="10002"/>
                   </a:ext>
                 </a:extLst>
               </a:tr>
@@ -14831,7 +14837,7 @@
           <p:nvPr>
             <p:extLst>
               <p:ext uri="{D42A27DB-BD31-4B8C-83A1-F6EECF244321}">
-                <p14:modId xmlns:p14="http://schemas.microsoft.com/office/powerpoint/2010/main" xmlns="" val="1101549373"/>
+                <p14:modId xmlns="" xmlns:p14="http://schemas.microsoft.com/office/powerpoint/2010/main" val="1101549373"/>
               </p:ext>
             </p:extLst>
           </p:nvPr>
@@ -14850,14 +14856,14 @@
                 <a:gridCol w="2117296">
                   <a:extLst>
                     <a:ext uri="{9D8B030D-6E8A-4147-A177-3AD203B41FA5}">
-                      <a16:colId xmlns:a16="http://schemas.microsoft.com/office/drawing/2014/main" xmlns="" val="20000"/>
+                      <a16:colId xmlns="" xmlns:a16="http://schemas.microsoft.com/office/drawing/2014/main" val="20000"/>
                     </a:ext>
                   </a:extLst>
                 </a:gridCol>
                 <a:gridCol w="2117296">
                   <a:extLst>
                     <a:ext uri="{9D8B030D-6E8A-4147-A177-3AD203B41FA5}">
-                      <a16:colId xmlns:a16="http://schemas.microsoft.com/office/drawing/2014/main" xmlns="" val="20001"/>
+                      <a16:colId xmlns="" xmlns:a16="http://schemas.microsoft.com/office/drawing/2014/main" val="20001"/>
                     </a:ext>
                   </a:extLst>
                 </a:gridCol>
@@ -14936,7 +14942,7 @@
                 </a:tc>
                 <a:extLst>
                   <a:ext uri="{0D108BD9-81ED-4DB2-BD59-A6C34878D82A}">
-                    <a16:rowId xmlns:a16="http://schemas.microsoft.com/office/drawing/2014/main" xmlns="" val="10000"/>
+                    <a16:rowId xmlns="" xmlns:a16="http://schemas.microsoft.com/office/drawing/2014/main" val="10000"/>
                   </a:ext>
                 </a:extLst>
               </a:tr>
@@ -15017,7 +15023,7 @@
                 </a:tc>
                 <a:extLst>
                   <a:ext uri="{0D108BD9-81ED-4DB2-BD59-A6C34878D82A}">
-                    <a16:rowId xmlns:a16="http://schemas.microsoft.com/office/drawing/2014/main" xmlns="" val="10001"/>
+                    <a16:rowId xmlns="" xmlns:a16="http://schemas.microsoft.com/office/drawing/2014/main" val="10001"/>
                   </a:ext>
                 </a:extLst>
               </a:tr>
@@ -15098,7 +15104,7 @@
                 </a:tc>
                 <a:extLst>
                   <a:ext uri="{0D108BD9-81ED-4DB2-BD59-A6C34878D82A}">
-                    <a16:rowId xmlns:a16="http://schemas.microsoft.com/office/drawing/2014/main" xmlns="" val="10002"/>
+                    <a16:rowId xmlns="" xmlns:a16="http://schemas.microsoft.com/office/drawing/2014/main" val="10002"/>
                   </a:ext>
                 </a:extLst>
               </a:tr>
@@ -15155,7 +15161,7 @@
     </p:spTree>
     <p:extLst>
       <p:ext uri="{BB962C8B-B14F-4D97-AF65-F5344CB8AC3E}">
-        <p14:creationId xmlns:p14="http://schemas.microsoft.com/office/powerpoint/2010/main" xmlns="" val="4142020794"/>
+        <p14:creationId xmlns="" xmlns:p14="http://schemas.microsoft.com/office/powerpoint/2010/main" val="4142020794"/>
       </p:ext>
     </p:extLst>
   </p:cSld>
@@ -15576,7 +15582,7 @@
     </p:spTree>
     <p:extLst>
       <p:ext uri="{BB962C8B-B14F-4D97-AF65-F5344CB8AC3E}">
-        <p14:creationId xmlns:p14="http://schemas.microsoft.com/office/powerpoint/2010/main" xmlns="" val="2081312345"/>
+        <p14:creationId xmlns="" xmlns:p14="http://schemas.microsoft.com/office/powerpoint/2010/main" val="2081312345"/>
       </p:ext>
     </p:extLst>
   </p:cSld>
@@ -15997,7 +16003,7 @@
     </p:spTree>
     <p:extLst>
       <p:ext uri="{BB962C8B-B14F-4D97-AF65-F5344CB8AC3E}">
-        <p14:creationId xmlns:p14="http://schemas.microsoft.com/office/powerpoint/2010/main" xmlns="" val="289148284"/>
+        <p14:creationId xmlns="" xmlns:p14="http://schemas.microsoft.com/office/powerpoint/2010/main" val="289148284"/>
       </p:ext>
     </p:extLst>
   </p:cSld>
@@ -16380,7 +16386,7 @@
     </p:spTree>
     <p:extLst>
       <p:ext uri="{BB962C8B-B14F-4D97-AF65-F5344CB8AC3E}">
-        <p14:creationId xmlns:p14="http://schemas.microsoft.com/office/powerpoint/2010/main" xmlns="" val="1378657956"/>
+        <p14:creationId xmlns="" xmlns:p14="http://schemas.microsoft.com/office/powerpoint/2010/main" val="1378657956"/>
       </p:ext>
     </p:extLst>
   </p:cSld>
@@ -17042,7 +17048,7 @@
     </p:spTree>
     <p:extLst>
       <p:ext uri="{BB962C8B-B14F-4D97-AF65-F5344CB8AC3E}">
-        <p14:creationId xmlns:p14="http://schemas.microsoft.com/office/powerpoint/2010/main" xmlns="" val="4029011830"/>
+        <p14:creationId xmlns="" xmlns:p14="http://schemas.microsoft.com/office/powerpoint/2010/main" val="4029011830"/>
       </p:ext>
     </p:extLst>
   </p:cSld>
@@ -18978,7 +18984,7 @@
     </p:spTree>
     <p:extLst>
       <p:ext uri="{BB962C8B-B14F-4D97-AF65-F5344CB8AC3E}">
-        <p14:creationId xmlns:p14="http://schemas.microsoft.com/office/powerpoint/2010/main" xmlns="" val="208977930"/>
+        <p14:creationId xmlns="" xmlns:p14="http://schemas.microsoft.com/office/powerpoint/2010/main" val="208977930"/>
       </p:ext>
     </p:extLst>
   </p:cSld>
@@ -20957,7 +20963,7 @@
     </p:spTree>
     <p:extLst>
       <p:ext uri="{BB962C8B-B14F-4D97-AF65-F5344CB8AC3E}">
-        <p14:creationId xmlns:p14="http://schemas.microsoft.com/office/powerpoint/2010/main" xmlns="" val="30043865"/>
+        <p14:creationId xmlns="" xmlns:p14="http://schemas.microsoft.com/office/powerpoint/2010/main" val="30043865"/>
       </p:ext>
     </p:extLst>
   </p:cSld>
@@ -22914,7 +22920,7 @@
     </p:spTree>
     <p:extLst>
       <p:ext uri="{BB962C8B-B14F-4D97-AF65-F5344CB8AC3E}">
-        <p14:creationId xmlns:p14="http://schemas.microsoft.com/office/powerpoint/2010/main" xmlns="" val="1159165540"/>
+        <p14:creationId xmlns="" xmlns:p14="http://schemas.microsoft.com/office/powerpoint/2010/main" val="1159165540"/>
       </p:ext>
     </p:extLst>
   </p:cSld>
@@ -24871,7 +24877,7 @@
     </p:spTree>
     <p:extLst>
       <p:ext uri="{BB962C8B-B14F-4D97-AF65-F5344CB8AC3E}">
-        <p14:creationId xmlns:p14="http://schemas.microsoft.com/office/powerpoint/2010/main" xmlns="" val="1381930655"/>
+        <p14:creationId xmlns="" xmlns:p14="http://schemas.microsoft.com/office/powerpoint/2010/main" val="1381930655"/>
       </p:ext>
     </p:extLst>
   </p:cSld>
@@ -26828,7 +26834,7 @@
     </p:spTree>
     <p:extLst>
       <p:ext uri="{BB962C8B-B14F-4D97-AF65-F5344CB8AC3E}">
-        <p14:creationId xmlns:p14="http://schemas.microsoft.com/office/powerpoint/2010/main" xmlns="" val="938133298"/>
+        <p14:creationId xmlns="" xmlns:p14="http://schemas.microsoft.com/office/powerpoint/2010/main" val="938133298"/>
       </p:ext>
     </p:extLst>
   </p:cSld>
@@ -28785,7 +28791,7 @@
     </p:spTree>
     <p:extLst>
       <p:ext uri="{BB962C8B-B14F-4D97-AF65-F5344CB8AC3E}">
-        <p14:creationId xmlns:p14="http://schemas.microsoft.com/office/powerpoint/2010/main" xmlns="" val="957417906"/>
+        <p14:creationId xmlns="" xmlns:p14="http://schemas.microsoft.com/office/powerpoint/2010/main" val="957417906"/>
       </p:ext>
     </p:extLst>
   </p:cSld>
@@ -29374,7 +29380,7 @@
   <a:extraClrSchemeLst/>
   <a:extLst>
     <a:ext uri="{05A4C25C-085E-4340-85A3-A5531E510DB2}">
-      <thm15:themeFamily xmlns:thm15="http://schemas.microsoft.com/office/thememl/2012/main" xmlns="" name="Office Theme" id="{62F939B6-93AF-4DB8-9C6B-D6C7DFDC589F}" vid="{4A3C46E8-61CC-4603-A589-7422A47A8E4A}"/>
+      <thm15:themeFamily xmlns="" xmlns:thm15="http://schemas.microsoft.com/office/thememl/2012/main" name="Office Theme" id="{62F939B6-93AF-4DB8-9C6B-D6C7DFDC589F}" vid="{4A3C46E8-61CC-4603-A589-7422A47A8E4A}"/>
     </a:ext>
   </a:extLst>
 </a:theme>

--- a/Dokumentation/ShopAdmin_Final.pptx
+++ b/Dokumentation/ShopAdmin_Final.pptx
@@ -5,7 +5,7 @@
     <p:sldMasterId id="2147483888" r:id="rId1"/>
   </p:sldMasterIdLst>
   <p:notesMasterIdLst>
-    <p:notesMasterId r:id="rId33"/>
+    <p:notesMasterId r:id="rId34"/>
   </p:notesMasterIdLst>
   <p:sldIdLst>
     <p:sldId id="261" r:id="rId2"/>
@@ -20,25 +20,26 @@
     <p:sldId id="351" r:id="rId11"/>
     <p:sldId id="352" r:id="rId12"/>
     <p:sldId id="324" r:id="rId13"/>
-    <p:sldId id="369" r:id="rId14"/>
-    <p:sldId id="370" r:id="rId15"/>
-    <p:sldId id="371" r:id="rId16"/>
-    <p:sldId id="372" r:id="rId17"/>
-    <p:sldId id="364" r:id="rId18"/>
-    <p:sldId id="356" r:id="rId19"/>
-    <p:sldId id="357" r:id="rId20"/>
-    <p:sldId id="279" r:id="rId21"/>
-    <p:sldId id="366" r:id="rId22"/>
-    <p:sldId id="367" r:id="rId23"/>
-    <p:sldId id="368" r:id="rId24"/>
-    <p:sldId id="363" r:id="rId25"/>
-    <p:sldId id="323" r:id="rId26"/>
-    <p:sldId id="354" r:id="rId27"/>
-    <p:sldId id="355" r:id="rId28"/>
-    <p:sldId id="358" r:id="rId29"/>
-    <p:sldId id="365" r:id="rId30"/>
-    <p:sldId id="359" r:id="rId31"/>
-    <p:sldId id="361" r:id="rId32"/>
+    <p:sldId id="373" r:id="rId14"/>
+    <p:sldId id="374" r:id="rId15"/>
+    <p:sldId id="370" r:id="rId16"/>
+    <p:sldId id="371" r:id="rId17"/>
+    <p:sldId id="372" r:id="rId18"/>
+    <p:sldId id="364" r:id="rId19"/>
+    <p:sldId id="356" r:id="rId20"/>
+    <p:sldId id="357" r:id="rId21"/>
+    <p:sldId id="279" r:id="rId22"/>
+    <p:sldId id="366" r:id="rId23"/>
+    <p:sldId id="367" r:id="rId24"/>
+    <p:sldId id="368" r:id="rId25"/>
+    <p:sldId id="363" r:id="rId26"/>
+    <p:sldId id="323" r:id="rId27"/>
+    <p:sldId id="354" r:id="rId28"/>
+    <p:sldId id="355" r:id="rId29"/>
+    <p:sldId id="358" r:id="rId30"/>
+    <p:sldId id="365" r:id="rId31"/>
+    <p:sldId id="359" r:id="rId32"/>
+    <p:sldId id="361" r:id="rId33"/>
   </p:sldIdLst>
   <p:sldSz cx="9144000" cy="6858000" type="screen4x3"/>
   <p:notesSz cx="6858000" cy="9144000"/>
@@ -5084,9 +5085,10 @@
           <a:p>
             <a:pPr algn="ctr"/>
             <a:r>
-              <a:rPr lang="en-US" sz="1400" b="1" dirty="0"/>
-              <a:t>Julia</a:t>
-            </a:r>
+              <a:rPr lang="en-US" sz="1400" b="1" dirty="0" err="1" smtClean="0"/>
+              <a:t>Iuliia</a:t>
+            </a:r>
+            <a:endParaRPr lang="en-US" sz="1400" b="1" dirty="0"/>
           </a:p>
         </p:txBody>
       </p:sp>
@@ -6317,7 +6319,7 @@
         </p:blipFill>
         <p:spPr>
           <a:xfrm>
-            <a:off x="142843" y="642917"/>
+            <a:off x="357158" y="857232"/>
             <a:ext cx="4500595" cy="2685265"/>
           </a:xfrm>
         </p:spPr>
@@ -6362,6 +6364,13 @@
               <a:t>                            </a:t>
             </a:r>
             <a:r>
+              <a:rPr lang="de-DE" sz="1800" dirty="0" smtClean="0">
+                <a:latin typeface="Times New Roman" pitchFamily="18" charset="0"/>
+                <a:cs typeface="Times New Roman" pitchFamily="18" charset="0"/>
+              </a:rPr>
+              <a:t>  </a:t>
+            </a:r>
+            <a:r>
               <a:rPr lang="de-DE" sz="1800" dirty="0" err="1" smtClean="0">
                 <a:latin typeface="Times New Roman" pitchFamily="18" charset="0"/>
                 <a:cs typeface="Times New Roman" pitchFamily="18" charset="0"/>
@@ -6490,7 +6499,7 @@
         </p:nvSpPr>
         <p:spPr>
           <a:xfrm>
-            <a:off x="4929190" y="1643050"/>
+            <a:off x="5072066" y="1714488"/>
             <a:ext cx="978408" cy="484632"/>
           </a:xfrm>
           <a:prstGeom prst="leftArrow">
@@ -6522,277 +6531,6 @@
           <a:p>
             <a:pPr algn="ctr"/>
             <a:endParaRPr lang="de-DE"/>
-          </a:p>
-        </p:txBody>
-      </p:sp>
-      <p:sp>
-        <p:nvSpPr>
-          <p:cNvPr id="35" name="Pfeil nach rechts 34"/>
-          <p:cNvSpPr/>
-          <p:nvPr/>
-        </p:nvSpPr>
-        <p:spPr>
-          <a:xfrm>
-            <a:off x="3071802" y="3500438"/>
-            <a:ext cx="978408" cy="484632"/>
-          </a:xfrm>
-          <a:prstGeom prst="rightArrow">
-            <a:avLst/>
-          </a:prstGeom>
-          <a:solidFill>
-            <a:srgbClr val="D99694"/>
-          </a:solidFill>
-        </p:spPr>
-        <p:style>
-          <a:lnRef idx="2">
-            <a:schemeClr val="accent1">
-              <a:shade val="50000"/>
-            </a:schemeClr>
-          </a:lnRef>
-          <a:fillRef idx="1">
-            <a:schemeClr val="accent1"/>
-          </a:fillRef>
-          <a:effectRef idx="0">
-            <a:schemeClr val="accent1"/>
-          </a:effectRef>
-          <a:fontRef idx="minor">
-            <a:schemeClr val="lt1"/>
-          </a:fontRef>
-        </p:style>
-        <p:txBody>
-          <a:bodyPr rtlCol="0" anchor="ctr"/>
-          <a:lstStyle/>
-          <a:p>
-            <a:pPr algn="ctr"/>
-            <a:endParaRPr lang="de-DE"/>
-          </a:p>
-        </p:txBody>
-      </p:sp>
-      <p:pic>
-        <p:nvPicPr>
-          <p:cNvPr id="36" name="Picture 4" descr="C:\Users\iuliia\Desktop\structure.png"/>
-          <p:cNvPicPr>
-            <a:picLocks noChangeAspect="1" noChangeArrowheads="1"/>
-          </p:cNvPicPr>
-          <p:nvPr/>
-        </p:nvPicPr>
-        <p:blipFill>
-          <a:blip r:embed="rId3" cstate="print"/>
-          <a:srcRect/>
-          <a:stretch>
-            <a:fillRect/>
-          </a:stretch>
-        </p:blipFill>
-        <p:spPr bwMode="auto">
-          <a:xfrm>
-            <a:off x="428596" y="3571876"/>
-            <a:ext cx="1873702" cy="2185986"/>
-          </a:xfrm>
-          <a:prstGeom prst="rect">
-            <a:avLst/>
-          </a:prstGeom>
-          <a:noFill/>
-        </p:spPr>
-      </p:pic>
-      <p:pic>
-        <p:nvPicPr>
-          <p:cNvPr id="1026" name="Picture 2" descr="C:\Users\iuliia\Desktop\ss\ComponentDiagram.png"/>
-          <p:cNvPicPr>
-            <a:picLocks noChangeAspect="1" noChangeArrowheads="1"/>
-          </p:cNvPicPr>
-          <p:nvPr/>
-        </p:nvPicPr>
-        <p:blipFill>
-          <a:blip r:embed="rId4" cstate="print"/>
-          <a:srcRect/>
-          <a:stretch>
-            <a:fillRect/>
-          </a:stretch>
-        </p:blipFill>
-        <p:spPr bwMode="auto">
-          <a:xfrm>
-            <a:off x="5000628" y="2786058"/>
-            <a:ext cx="3866214" cy="3024186"/>
-          </a:xfrm>
-          <a:prstGeom prst="rect">
-            <a:avLst/>
-          </a:prstGeom>
-          <a:noFill/>
-        </p:spPr>
-      </p:pic>
-      <p:sp>
-        <p:nvSpPr>
-          <p:cNvPr id="37" name="Textfeld 36"/>
-          <p:cNvSpPr txBox="1"/>
-          <p:nvPr/>
-        </p:nvSpPr>
-        <p:spPr>
-          <a:xfrm>
-            <a:off x="1643042" y="4214818"/>
-            <a:ext cx="3643338" cy="1431161"/>
-          </a:xfrm>
-          <a:prstGeom prst="rect">
-            <a:avLst/>
-          </a:prstGeom>
-          <a:noFill/>
-        </p:spPr>
-        <p:txBody>
-          <a:bodyPr wrap="square" rtlCol="0">
-            <a:spAutoFit/>
-          </a:bodyPr>
-          <a:lstStyle/>
-          <a:p>
-            <a:r>
-              <a:rPr lang="de-DE" dirty="0" smtClean="0">
-                <a:latin typeface="Times New Roman" pitchFamily="18" charset="0"/>
-                <a:cs typeface="Times New Roman" pitchFamily="18" charset="0"/>
-              </a:rPr>
-              <a:t>Project </a:t>
-            </a:r>
-            <a:r>
-              <a:rPr lang="de-DE" dirty="0" err="1" smtClean="0">
-                <a:latin typeface="Times New Roman" pitchFamily="18" charset="0"/>
-                <a:cs typeface="Times New Roman" pitchFamily="18" charset="0"/>
-              </a:rPr>
-              <a:t>Structure</a:t>
-            </a:r>
-            <a:r>
-              <a:rPr lang="de-DE" dirty="0" smtClean="0">
-                <a:latin typeface="Times New Roman" pitchFamily="18" charset="0"/>
-                <a:cs typeface="Times New Roman" pitchFamily="18" charset="0"/>
-              </a:rPr>
-              <a:t>:</a:t>
-            </a:r>
-          </a:p>
-          <a:p>
-            <a:endParaRPr lang="de-DE" dirty="0" smtClean="0">
-              <a:latin typeface="Times New Roman" pitchFamily="18" charset="0"/>
-              <a:cs typeface="Times New Roman" pitchFamily="18" charset="0"/>
-            </a:endParaRPr>
-          </a:p>
-          <a:p>
-            <a:pPr>
-              <a:lnSpc>
-                <a:spcPct val="150000"/>
-              </a:lnSpc>
-              <a:buFont typeface="Arial" pitchFamily="34" charset="0"/>
-              <a:buChar char="•"/>
-            </a:pPr>
-            <a:r>
-              <a:rPr lang="de-DE" dirty="0" smtClean="0">
-                <a:latin typeface="Times New Roman" pitchFamily="18" charset="0"/>
-                <a:cs typeface="Times New Roman" pitchFamily="18" charset="0"/>
-              </a:rPr>
-              <a:t> </a:t>
-            </a:r>
-            <a:r>
-              <a:rPr lang="de-DE" sz="1600" dirty="0" err="1" smtClean="0">
-                <a:latin typeface="Times New Roman" pitchFamily="18" charset="0"/>
-                <a:cs typeface="Times New Roman" pitchFamily="18" charset="0"/>
-              </a:rPr>
-              <a:t>division</a:t>
-            </a:r>
-            <a:r>
-              <a:rPr lang="de-DE" sz="1600" dirty="0" smtClean="0">
-                <a:latin typeface="Times New Roman" pitchFamily="18" charset="0"/>
-                <a:cs typeface="Times New Roman" pitchFamily="18" charset="0"/>
-              </a:rPr>
-              <a:t> </a:t>
-            </a:r>
-            <a:r>
-              <a:rPr lang="de-DE" sz="1600" dirty="0" err="1" smtClean="0">
-                <a:latin typeface="Times New Roman" pitchFamily="18" charset="0"/>
-                <a:cs typeface="Times New Roman" pitchFamily="18" charset="0"/>
-              </a:rPr>
-              <a:t>into</a:t>
-            </a:r>
-            <a:r>
-              <a:rPr lang="de-DE" sz="1600" dirty="0" smtClean="0">
-                <a:latin typeface="Times New Roman" pitchFamily="18" charset="0"/>
-                <a:cs typeface="Times New Roman" pitchFamily="18" charset="0"/>
-              </a:rPr>
-              <a:t> 9 </a:t>
-            </a:r>
-            <a:r>
-              <a:rPr lang="de-DE" sz="1600" dirty="0" err="1" smtClean="0">
-                <a:latin typeface="Times New Roman" pitchFamily="18" charset="0"/>
-                <a:cs typeface="Times New Roman" pitchFamily="18" charset="0"/>
-              </a:rPr>
-              <a:t>components</a:t>
-            </a:r>
-            <a:endParaRPr lang="de-DE" sz="1600" dirty="0" smtClean="0">
-              <a:latin typeface="Times New Roman" pitchFamily="18" charset="0"/>
-              <a:cs typeface="Times New Roman" pitchFamily="18" charset="0"/>
-            </a:endParaRPr>
-          </a:p>
-          <a:p>
-            <a:pPr>
-              <a:lnSpc>
-                <a:spcPct val="150000"/>
-              </a:lnSpc>
-              <a:buFont typeface="Arial" pitchFamily="34" charset="0"/>
-              <a:buChar char="•"/>
-            </a:pPr>
-            <a:r>
-              <a:rPr lang="de-DE" sz="1600" dirty="0" smtClean="0">
-                <a:latin typeface="Times New Roman" pitchFamily="18" charset="0"/>
-                <a:cs typeface="Times New Roman" pitchFamily="18" charset="0"/>
-              </a:rPr>
-              <a:t> </a:t>
-            </a:r>
-            <a:r>
-              <a:rPr lang="de-DE" sz="1600" dirty="0" err="1" smtClean="0">
-                <a:latin typeface="Times New Roman" pitchFamily="18" charset="0"/>
-                <a:cs typeface="Times New Roman" pitchFamily="18" charset="0"/>
-              </a:rPr>
-              <a:t>full</a:t>
-            </a:r>
-            <a:r>
-              <a:rPr lang="de-DE" sz="1600" dirty="0" smtClean="0">
-                <a:latin typeface="Times New Roman" pitchFamily="18" charset="0"/>
-                <a:cs typeface="Times New Roman" pitchFamily="18" charset="0"/>
-              </a:rPr>
-              <a:t> </a:t>
-            </a:r>
-            <a:r>
-              <a:rPr lang="de-DE" sz="1600" dirty="0" err="1" smtClean="0">
-                <a:latin typeface="Times New Roman" pitchFamily="18" charset="0"/>
-                <a:cs typeface="Times New Roman" pitchFamily="18" charset="0"/>
-              </a:rPr>
-              <a:t>rebase</a:t>
-            </a:r>
-            <a:r>
-              <a:rPr lang="de-DE" sz="1600" dirty="0" smtClean="0">
-                <a:latin typeface="Times New Roman" pitchFamily="18" charset="0"/>
-                <a:cs typeface="Times New Roman" pitchFamily="18" charset="0"/>
-              </a:rPr>
-              <a:t>: </a:t>
-            </a:r>
-            <a:r>
-              <a:rPr lang="de-DE" sz="1600" dirty="0" err="1" smtClean="0">
-                <a:latin typeface="Times New Roman" pitchFamily="18" charset="0"/>
-                <a:cs typeface="Times New Roman" pitchFamily="18" charset="0"/>
-              </a:rPr>
-              <a:t>controller</a:t>
-            </a:r>
-            <a:r>
-              <a:rPr lang="de-DE" sz="1600" dirty="0" smtClean="0">
-                <a:latin typeface="Times New Roman" pitchFamily="18" charset="0"/>
-                <a:cs typeface="Times New Roman" pitchFamily="18" charset="0"/>
-              </a:rPr>
-              <a:t>/</a:t>
-            </a:r>
-            <a:r>
-              <a:rPr lang="de-DE" sz="1600" dirty="0" err="1" smtClean="0">
-                <a:latin typeface="Times New Roman" pitchFamily="18" charset="0"/>
-                <a:cs typeface="Times New Roman" pitchFamily="18" charset="0"/>
-              </a:rPr>
-              <a:t>implementation</a:t>
-            </a:r>
-            <a:endParaRPr lang="de-DE" sz="1600" dirty="0">
-              <a:latin typeface="Times New Roman" pitchFamily="18" charset="0"/>
-              <a:cs typeface="Times New Roman" pitchFamily="18" charset="0"/>
-            </a:endParaRPr>
           </a:p>
         </p:txBody>
       </p:sp>
@@ -6931,6 +6669,16 @@
           <a:p>
             <a:pPr algn="r"/>
             <a:r>
+              <a:rPr lang="de-DE" sz="2000" b="1" cap="small" dirty="0" err="1" smtClean="0">
+                <a:solidFill>
+                  <a:schemeClr val="tx1"/>
+                </a:solidFill>
+                <a:latin typeface="Times New Roman" pitchFamily="18" charset="0"/>
+                <a:cs typeface="Times New Roman" pitchFamily="18" charset="0"/>
+              </a:rPr>
+              <a:t>Architecture</a:t>
+            </a:r>
+            <a:r>
               <a:rPr lang="de-DE" sz="2000" b="1" cap="small" dirty="0" smtClean="0">
                 <a:solidFill>
                   <a:schemeClr val="tx1"/>
@@ -6938,7 +6686,7 @@
                 <a:latin typeface="Times New Roman" pitchFamily="18" charset="0"/>
                 <a:cs typeface="Times New Roman" pitchFamily="18" charset="0"/>
               </a:rPr>
-              <a:t>General Class </a:t>
+              <a:t> </a:t>
             </a:r>
             <a:r>
               <a:rPr lang="de-DE" sz="2000" b="1" cap="small" dirty="0" err="1" smtClean="0">
@@ -6948,7 +6696,7 @@
                 <a:latin typeface="Times New Roman" pitchFamily="18" charset="0"/>
                 <a:cs typeface="Times New Roman" pitchFamily="18" charset="0"/>
               </a:rPr>
-              <a:t>Diagram</a:t>
+              <a:t>Overview</a:t>
             </a:r>
             <a:endParaRPr lang="de-DE" sz="2000" b="1" cap="small" dirty="0">
               <a:solidFill>
@@ -7011,218 +6759,15 @@
           </a:p>
         </p:txBody>
       </p:sp>
-      <p:sp>
-        <p:nvSpPr>
-          <p:cNvPr id="13" name="Titel 12"/>
-          <p:cNvSpPr>
-            <a:spLocks noGrp="1"/>
-          </p:cNvSpPr>
-          <p:nvPr>
-            <p:ph type="title"/>
-          </p:nvPr>
-        </p:nvSpPr>
-        <p:spPr>
-          <a:xfrm>
-            <a:off x="428596" y="428604"/>
-            <a:ext cx="8229600" cy="1143000"/>
-          </a:xfrm>
-        </p:spPr>
-        <p:txBody>
-          <a:bodyPr>
-            <a:normAutofit/>
-          </a:bodyPr>
-          <a:lstStyle/>
-          <a:p>
-            <a:r>
-              <a:rPr lang="de-DE" sz="1800" dirty="0" err="1" smtClean="0">
-                <a:latin typeface="Times New Roman" pitchFamily="18" charset="0"/>
-                <a:cs typeface="Times New Roman" pitchFamily="18" charset="0"/>
-              </a:rPr>
-              <a:t>It</a:t>
-            </a:r>
-            <a:r>
-              <a:rPr lang="de-DE" sz="1800" dirty="0" smtClean="0">
-                <a:latin typeface="Times New Roman" pitchFamily="18" charset="0"/>
-                <a:cs typeface="Times New Roman" pitchFamily="18" charset="0"/>
-              </a:rPr>
-              <a:t> </a:t>
-            </a:r>
-            <a:r>
-              <a:rPr lang="de-DE" sz="1800" dirty="0" err="1" smtClean="0">
-                <a:latin typeface="Times New Roman" pitchFamily="18" charset="0"/>
-                <a:cs typeface="Times New Roman" pitchFamily="18" charset="0"/>
-              </a:rPr>
-              <a:t>became</a:t>
-            </a:r>
-            <a:r>
-              <a:rPr lang="de-DE" sz="1800" dirty="0" smtClean="0">
-                <a:latin typeface="Times New Roman" pitchFamily="18" charset="0"/>
-                <a:cs typeface="Times New Roman" pitchFamily="18" charset="0"/>
-              </a:rPr>
-              <a:t> </a:t>
-            </a:r>
-            <a:r>
-              <a:rPr lang="de-DE" sz="1800" dirty="0" err="1" smtClean="0">
-                <a:latin typeface="Times New Roman" pitchFamily="18" charset="0"/>
-                <a:cs typeface="Times New Roman" pitchFamily="18" charset="0"/>
-              </a:rPr>
-              <a:t>more</a:t>
-            </a:r>
-            <a:r>
-              <a:rPr lang="de-DE" sz="1800" dirty="0" smtClean="0">
-                <a:latin typeface="Times New Roman" pitchFamily="18" charset="0"/>
-                <a:cs typeface="Times New Roman" pitchFamily="18" charset="0"/>
-              </a:rPr>
-              <a:t> </a:t>
-            </a:r>
-            <a:r>
-              <a:rPr lang="de-DE" sz="1800" dirty="0" err="1" smtClean="0">
-                <a:latin typeface="Times New Roman" pitchFamily="18" charset="0"/>
-                <a:cs typeface="Times New Roman" pitchFamily="18" charset="0"/>
-              </a:rPr>
-              <a:t>and</a:t>
-            </a:r>
-            <a:r>
-              <a:rPr lang="de-DE" sz="1800" dirty="0" smtClean="0">
-                <a:latin typeface="Times New Roman" pitchFamily="18" charset="0"/>
-                <a:cs typeface="Times New Roman" pitchFamily="18" charset="0"/>
-              </a:rPr>
-              <a:t> </a:t>
-            </a:r>
-            <a:r>
-              <a:rPr lang="de-DE" sz="1800" dirty="0" err="1" smtClean="0">
-                <a:latin typeface="Times New Roman" pitchFamily="18" charset="0"/>
-                <a:cs typeface="Times New Roman" pitchFamily="18" charset="0"/>
-              </a:rPr>
-              <a:t>more</a:t>
-            </a:r>
-            <a:r>
-              <a:rPr lang="de-DE" sz="1800" dirty="0" smtClean="0">
-                <a:latin typeface="Times New Roman" pitchFamily="18" charset="0"/>
-                <a:cs typeface="Times New Roman" pitchFamily="18" charset="0"/>
-              </a:rPr>
-              <a:t> </a:t>
-            </a:r>
-            <a:r>
-              <a:rPr lang="de-DE" sz="1800" dirty="0" err="1" smtClean="0">
-                <a:latin typeface="Times New Roman" pitchFamily="18" charset="0"/>
-                <a:cs typeface="Times New Roman" pitchFamily="18" charset="0"/>
-              </a:rPr>
-              <a:t>complicated</a:t>
-            </a:r>
-            <a:r>
-              <a:rPr lang="de-DE" sz="1800" dirty="0" smtClean="0">
-                <a:latin typeface="Times New Roman" pitchFamily="18" charset="0"/>
-                <a:cs typeface="Times New Roman" pitchFamily="18" charset="0"/>
-              </a:rPr>
-              <a:t>…</a:t>
-            </a:r>
-            <a:endParaRPr lang="de-DE" sz="1800" dirty="0">
-              <a:latin typeface="Times New Roman" pitchFamily="18" charset="0"/>
-              <a:cs typeface="Times New Roman" pitchFamily="18" charset="0"/>
-            </a:endParaRPr>
-          </a:p>
-        </p:txBody>
-      </p:sp>
-      <p:sp>
-        <p:nvSpPr>
-          <p:cNvPr id="22" name="Inhaltsplatzhalter 21"/>
-          <p:cNvSpPr>
-            <a:spLocks noGrp="1"/>
-          </p:cNvSpPr>
-          <p:nvPr>
-            <p:ph idx="1"/>
-          </p:nvPr>
-        </p:nvSpPr>
-        <p:spPr/>
-        <p:txBody>
-          <a:bodyPr/>
-          <a:lstStyle/>
-          <a:p>
-            <a:pPr>
-              <a:buNone/>
-            </a:pPr>
-            <a:endParaRPr lang="de-DE" dirty="0" smtClean="0"/>
-          </a:p>
-          <a:p>
-            <a:pPr>
-              <a:buNone/>
-            </a:pPr>
-            <a:endParaRPr lang="de-DE" dirty="0" smtClean="0"/>
-          </a:p>
-          <a:p>
-            <a:pPr>
-              <a:buNone/>
-            </a:pPr>
-            <a:endParaRPr lang="de-DE" dirty="0" smtClean="0"/>
-          </a:p>
-          <a:p>
-            <a:pPr>
-              <a:buNone/>
-            </a:pPr>
-            <a:endParaRPr lang="de-DE" dirty="0" smtClean="0"/>
-          </a:p>
-          <a:p>
-            <a:pPr>
-              <a:buNone/>
-            </a:pPr>
-            <a:endParaRPr lang="de-DE" dirty="0"/>
-          </a:p>
-        </p:txBody>
-      </p:sp>
-      <p:sp>
-        <p:nvSpPr>
-          <p:cNvPr id="19" name="Fußzeilenplatzhalter 18"/>
-          <p:cNvSpPr>
-            <a:spLocks noGrp="1"/>
-          </p:cNvSpPr>
-          <p:nvPr>
-            <p:ph type="ftr" sz="quarter" idx="11"/>
-          </p:nvPr>
-        </p:nvSpPr>
-        <p:spPr/>
-        <p:txBody>
-          <a:bodyPr/>
-          <a:lstStyle/>
-          <a:p>
-            <a:r>
-              <a:rPr lang="de-DE"/>
-              <a:t>Kateryna Pryshchepa, Iuliia Guk, Thomas Röhl, Tetiana Lavrynovych, Sascha Zepf</a:t>
-            </a:r>
-          </a:p>
-        </p:txBody>
-      </p:sp>
-      <p:sp>
-        <p:nvSpPr>
-          <p:cNvPr id="18" name="Foliennummernplatzhalter 17"/>
-          <p:cNvSpPr>
-            <a:spLocks noGrp="1"/>
-          </p:cNvSpPr>
-          <p:nvPr>
-            <p:ph type="sldNum" sz="quarter" idx="12"/>
-          </p:nvPr>
-        </p:nvSpPr>
-        <p:spPr/>
-        <p:txBody>
-          <a:bodyPr/>
-          <a:lstStyle/>
-          <a:p>
-            <a:fld id="{C663554D-7BDA-4824-AC15-58BB57D86064}" type="slidenum">
-              <a:rPr lang="de-DE" smtClean="0"/>
-              <a:pPr/>
-              <a:t>14</a:t>
-            </a:fld>
-            <a:endParaRPr lang="de-DE"/>
-          </a:p>
-        </p:txBody>
-      </p:sp>
       <p:pic>
         <p:nvPicPr>
-          <p:cNvPr id="12" name="Inhaltsplatzhalter 3" descr="ShopAdminGeneralClassDiagram.png"/>
+          <p:cNvPr id="14" name="Inhaltsplatzhalter 3" descr="architectureOld.png"/>
           <p:cNvPicPr>
-            <a:picLocks noChangeAspect="1"/>
+            <a:picLocks noGrp="1" noChangeAspect="1"/>
           </p:cNvPicPr>
-          <p:nvPr/>
+          <p:nvPr>
+            <p:ph sz="half" idx="1"/>
+          </p:nvPr>
         </p:nvPicPr>
         <p:blipFill>
           <a:blip r:embed="rId2" cstate="print"/>
@@ -7232,14 +6777,492 @@
         </p:blipFill>
         <p:spPr>
           <a:xfrm>
-            <a:off x="214282" y="1500174"/>
-            <a:ext cx="8777619" cy="4696346"/>
+            <a:off x="357158" y="857232"/>
+            <a:ext cx="4500595" cy="2685265"/>
+          </a:xfrm>
+        </p:spPr>
+      </p:pic>
+      <p:sp>
+        <p:nvSpPr>
+          <p:cNvPr id="22" name="Inhaltsplatzhalter 21"/>
+          <p:cNvSpPr>
+            <a:spLocks noGrp="1"/>
+          </p:cNvSpPr>
+          <p:nvPr>
+            <p:ph sz="half" idx="2"/>
+          </p:nvPr>
+        </p:nvSpPr>
+        <p:spPr>
+          <a:xfrm>
+            <a:off x="4572000" y="1285860"/>
+            <a:ext cx="4038600" cy="4525963"/>
+          </a:xfrm>
+        </p:spPr>
+        <p:txBody>
+          <a:bodyPr/>
+          <a:lstStyle/>
+          <a:p>
+            <a:pPr>
+              <a:buNone/>
+            </a:pPr>
+            <a:r>
+              <a:rPr lang="de-DE" dirty="0" smtClean="0"/>
+              <a:t>                    </a:t>
+            </a:r>
+          </a:p>
+          <a:p>
+            <a:pPr>
+              <a:buNone/>
+            </a:pPr>
+            <a:r>
+              <a:rPr lang="de-DE" sz="1800" dirty="0" smtClean="0">
+                <a:latin typeface="Times New Roman" pitchFamily="18" charset="0"/>
+                <a:cs typeface="Times New Roman" pitchFamily="18" charset="0"/>
+              </a:rPr>
+              <a:t>                            </a:t>
+            </a:r>
+            <a:r>
+              <a:rPr lang="de-DE" sz="1800" dirty="0" smtClean="0">
+                <a:latin typeface="Times New Roman" pitchFamily="18" charset="0"/>
+                <a:cs typeface="Times New Roman" pitchFamily="18" charset="0"/>
+              </a:rPr>
+              <a:t>  </a:t>
+            </a:r>
+            <a:r>
+              <a:rPr lang="de-DE" sz="1800" dirty="0" err="1" smtClean="0">
+                <a:latin typeface="Times New Roman" pitchFamily="18" charset="0"/>
+                <a:cs typeface="Times New Roman" pitchFamily="18" charset="0"/>
+              </a:rPr>
+              <a:t>How</a:t>
+            </a:r>
+            <a:r>
+              <a:rPr lang="de-DE" sz="1800" dirty="0" smtClean="0">
+                <a:latin typeface="Times New Roman" pitchFamily="18" charset="0"/>
+                <a:cs typeface="Times New Roman" pitchFamily="18" charset="0"/>
+              </a:rPr>
+              <a:t> </a:t>
+            </a:r>
+            <a:r>
+              <a:rPr lang="de-DE" sz="1800" dirty="0" err="1" smtClean="0">
+                <a:latin typeface="Times New Roman" pitchFamily="18" charset="0"/>
+                <a:cs typeface="Times New Roman" pitchFamily="18" charset="0"/>
+              </a:rPr>
+              <a:t>it</a:t>
+            </a:r>
+            <a:r>
+              <a:rPr lang="de-DE" sz="1800" dirty="0" smtClean="0">
+                <a:latin typeface="Times New Roman" pitchFamily="18" charset="0"/>
+                <a:cs typeface="Times New Roman" pitchFamily="18" charset="0"/>
+              </a:rPr>
+              <a:t> all </a:t>
+            </a:r>
+            <a:r>
+              <a:rPr lang="de-DE" sz="1800" dirty="0" err="1" smtClean="0">
+                <a:latin typeface="Times New Roman" pitchFamily="18" charset="0"/>
+                <a:cs typeface="Times New Roman" pitchFamily="18" charset="0"/>
+              </a:rPr>
+              <a:t>began</a:t>
+            </a:r>
+            <a:r>
+              <a:rPr lang="de-DE" sz="1800" dirty="0" smtClean="0">
+                <a:latin typeface="Times New Roman" pitchFamily="18" charset="0"/>
+                <a:cs typeface="Times New Roman" pitchFamily="18" charset="0"/>
+              </a:rPr>
+              <a:t>…</a:t>
+            </a:r>
+          </a:p>
+          <a:p>
+            <a:pPr>
+              <a:buNone/>
+            </a:pPr>
+            <a:endParaRPr lang="de-DE" dirty="0" smtClean="0"/>
+          </a:p>
+          <a:p>
+            <a:pPr>
+              <a:buNone/>
+            </a:pPr>
+            <a:endParaRPr lang="de-DE" dirty="0" smtClean="0"/>
+          </a:p>
+          <a:p>
+            <a:pPr>
+              <a:buNone/>
+            </a:pPr>
+            <a:endParaRPr lang="de-DE" dirty="0" smtClean="0"/>
+          </a:p>
+          <a:p>
+            <a:pPr>
+              <a:buNone/>
+            </a:pPr>
+            <a:endParaRPr lang="de-DE" dirty="0" smtClean="0"/>
+          </a:p>
+          <a:p>
+            <a:pPr>
+              <a:buNone/>
+            </a:pPr>
+            <a:endParaRPr lang="de-DE" dirty="0"/>
+          </a:p>
+        </p:txBody>
+      </p:sp>
+      <p:sp>
+        <p:nvSpPr>
+          <p:cNvPr id="19" name="Fußzeilenplatzhalter 18"/>
+          <p:cNvSpPr>
+            <a:spLocks noGrp="1"/>
+          </p:cNvSpPr>
+          <p:nvPr>
+            <p:ph type="ftr" sz="quarter" idx="11"/>
+          </p:nvPr>
+        </p:nvSpPr>
+        <p:spPr/>
+        <p:txBody>
+          <a:bodyPr/>
+          <a:lstStyle/>
+          <a:p>
+            <a:r>
+              <a:rPr lang="de-DE"/>
+              <a:t>Kateryna Pryshchepa, Iuliia Guk, Thomas Röhl, Tetiana Lavrynovych, Sascha Zepf</a:t>
+            </a:r>
+          </a:p>
+        </p:txBody>
+      </p:sp>
+      <p:sp>
+        <p:nvSpPr>
+          <p:cNvPr id="18" name="Foliennummernplatzhalter 17"/>
+          <p:cNvSpPr>
+            <a:spLocks noGrp="1"/>
+          </p:cNvSpPr>
+          <p:nvPr>
+            <p:ph type="sldNum" sz="quarter" idx="12"/>
+          </p:nvPr>
+        </p:nvSpPr>
+        <p:spPr/>
+        <p:txBody>
+          <a:bodyPr/>
+          <a:lstStyle/>
+          <a:p>
+            <a:fld id="{C663554D-7BDA-4824-AC15-58BB57D86064}" type="slidenum">
+              <a:rPr lang="de-DE" smtClean="0"/>
+              <a:pPr/>
+              <a:t>14</a:t>
+            </a:fld>
+            <a:endParaRPr lang="de-DE"/>
+          </a:p>
+        </p:txBody>
+      </p:sp>
+      <p:sp>
+        <p:nvSpPr>
+          <p:cNvPr id="24" name="Pfeil nach links 23"/>
+          <p:cNvSpPr/>
+          <p:nvPr/>
+        </p:nvSpPr>
+        <p:spPr>
+          <a:xfrm>
+            <a:off x="5072066" y="1714488"/>
+            <a:ext cx="978408" cy="484632"/>
+          </a:xfrm>
+          <a:prstGeom prst="leftArrow">
+            <a:avLst/>
+          </a:prstGeom>
+          <a:solidFill>
+            <a:srgbClr val="D99694"/>
+          </a:solidFill>
+        </p:spPr>
+        <p:style>
+          <a:lnRef idx="2">
+            <a:schemeClr val="accent1">
+              <a:shade val="50000"/>
+            </a:schemeClr>
+          </a:lnRef>
+          <a:fillRef idx="1">
+            <a:schemeClr val="accent1"/>
+          </a:fillRef>
+          <a:effectRef idx="0">
+            <a:schemeClr val="accent1"/>
+          </a:effectRef>
+          <a:fontRef idx="minor">
+            <a:schemeClr val="lt1"/>
+          </a:fontRef>
+        </p:style>
+        <p:txBody>
+          <a:bodyPr rtlCol="0" anchor="ctr"/>
+          <a:lstStyle/>
+          <a:p>
+            <a:pPr algn="ctr"/>
+            <a:endParaRPr lang="de-DE"/>
+          </a:p>
+        </p:txBody>
+      </p:sp>
+      <p:sp>
+        <p:nvSpPr>
+          <p:cNvPr id="35" name="Pfeil nach rechts 34"/>
+          <p:cNvSpPr/>
+          <p:nvPr/>
+        </p:nvSpPr>
+        <p:spPr>
+          <a:xfrm>
+            <a:off x="3714744" y="4357694"/>
+            <a:ext cx="978408" cy="484632"/>
+          </a:xfrm>
+          <a:prstGeom prst="rightArrow">
+            <a:avLst/>
+          </a:prstGeom>
+          <a:solidFill>
+            <a:srgbClr val="D99694"/>
+          </a:solidFill>
+        </p:spPr>
+        <p:style>
+          <a:lnRef idx="2">
+            <a:schemeClr val="accent1">
+              <a:shade val="50000"/>
+            </a:schemeClr>
+          </a:lnRef>
+          <a:fillRef idx="1">
+            <a:schemeClr val="accent1"/>
+          </a:fillRef>
+          <a:effectRef idx="0">
+            <a:schemeClr val="accent1"/>
+          </a:effectRef>
+          <a:fontRef idx="minor">
+            <a:schemeClr val="lt1"/>
+          </a:fontRef>
+        </p:style>
+        <p:txBody>
+          <a:bodyPr rtlCol="0" anchor="ctr"/>
+          <a:lstStyle/>
+          <a:p>
+            <a:pPr algn="ctr"/>
+            <a:endParaRPr lang="de-DE"/>
+          </a:p>
+        </p:txBody>
+      </p:sp>
+      <p:pic>
+        <p:nvPicPr>
+          <p:cNvPr id="36" name="Picture 4" descr="C:\Users\iuliia\Desktop\structure.png"/>
+          <p:cNvPicPr>
+            <a:picLocks noChangeAspect="1" noChangeArrowheads="1"/>
+          </p:cNvPicPr>
+          <p:nvPr/>
+        </p:nvPicPr>
+        <p:blipFill>
+          <a:blip r:embed="rId3" cstate="print"/>
+          <a:srcRect/>
+          <a:stretch>
+            <a:fillRect/>
+          </a:stretch>
+        </p:blipFill>
+        <p:spPr bwMode="auto">
+          <a:xfrm>
+            <a:off x="428596" y="3857628"/>
+            <a:ext cx="1873702" cy="2185986"/>
           </a:xfrm>
           <a:prstGeom prst="rect">
             <a:avLst/>
           </a:prstGeom>
+          <a:noFill/>
         </p:spPr>
       </p:pic>
+      <p:pic>
+        <p:nvPicPr>
+          <p:cNvPr id="1026" name="Picture 2" descr="C:\Users\iuliia\Desktop\ss\ComponentDiagram.png"/>
+          <p:cNvPicPr>
+            <a:picLocks noChangeAspect="1" noChangeArrowheads="1"/>
+          </p:cNvPicPr>
+          <p:nvPr/>
+        </p:nvPicPr>
+        <p:blipFill>
+          <a:blip r:embed="rId4" cstate="print"/>
+          <a:srcRect/>
+          <a:stretch>
+            <a:fillRect/>
+          </a:stretch>
+        </p:blipFill>
+        <p:spPr bwMode="auto">
+          <a:xfrm>
+            <a:off x="5000628" y="2786058"/>
+            <a:ext cx="3866214" cy="3024186"/>
+          </a:xfrm>
+          <a:prstGeom prst="rect">
+            <a:avLst/>
+          </a:prstGeom>
+          <a:noFill/>
+        </p:spPr>
+      </p:pic>
+      <p:sp>
+        <p:nvSpPr>
+          <p:cNvPr id="37" name="Textfeld 36"/>
+          <p:cNvSpPr txBox="1"/>
+          <p:nvPr/>
+        </p:nvSpPr>
+        <p:spPr>
+          <a:xfrm>
+            <a:off x="1500166" y="4500570"/>
+            <a:ext cx="3643338" cy="1431161"/>
+          </a:xfrm>
+          <a:prstGeom prst="rect">
+            <a:avLst/>
+          </a:prstGeom>
+          <a:noFill/>
+        </p:spPr>
+        <p:txBody>
+          <a:bodyPr wrap="square" rtlCol="0">
+            <a:spAutoFit/>
+          </a:bodyPr>
+          <a:lstStyle/>
+          <a:p>
+            <a:r>
+              <a:rPr lang="de-DE" dirty="0" smtClean="0">
+                <a:latin typeface="Times New Roman" pitchFamily="18" charset="0"/>
+                <a:cs typeface="Times New Roman" pitchFamily="18" charset="0"/>
+              </a:rPr>
+              <a:t>Project </a:t>
+            </a:r>
+            <a:r>
+              <a:rPr lang="de-DE" dirty="0" err="1" smtClean="0">
+                <a:latin typeface="Times New Roman" pitchFamily="18" charset="0"/>
+                <a:cs typeface="Times New Roman" pitchFamily="18" charset="0"/>
+              </a:rPr>
+              <a:t>Structure</a:t>
+            </a:r>
+            <a:r>
+              <a:rPr lang="de-DE" dirty="0" smtClean="0">
+                <a:latin typeface="Times New Roman" pitchFamily="18" charset="0"/>
+                <a:cs typeface="Times New Roman" pitchFamily="18" charset="0"/>
+              </a:rPr>
+              <a:t>:</a:t>
+            </a:r>
+          </a:p>
+          <a:p>
+            <a:endParaRPr lang="de-DE" dirty="0" smtClean="0">
+              <a:latin typeface="Times New Roman" pitchFamily="18" charset="0"/>
+              <a:cs typeface="Times New Roman" pitchFamily="18" charset="0"/>
+            </a:endParaRPr>
+          </a:p>
+          <a:p>
+            <a:pPr>
+              <a:lnSpc>
+                <a:spcPct val="150000"/>
+              </a:lnSpc>
+              <a:buFont typeface="Arial" pitchFamily="34" charset="0"/>
+              <a:buChar char="•"/>
+            </a:pPr>
+            <a:r>
+              <a:rPr lang="de-DE" dirty="0" smtClean="0">
+                <a:latin typeface="Times New Roman" pitchFamily="18" charset="0"/>
+                <a:cs typeface="Times New Roman" pitchFamily="18" charset="0"/>
+              </a:rPr>
+              <a:t> </a:t>
+            </a:r>
+            <a:r>
+              <a:rPr lang="de-DE" sz="1600" dirty="0" err="1" smtClean="0">
+                <a:latin typeface="Times New Roman" pitchFamily="18" charset="0"/>
+                <a:cs typeface="Times New Roman" pitchFamily="18" charset="0"/>
+              </a:rPr>
+              <a:t>division</a:t>
+            </a:r>
+            <a:r>
+              <a:rPr lang="de-DE" sz="1600" dirty="0" smtClean="0">
+                <a:latin typeface="Times New Roman" pitchFamily="18" charset="0"/>
+                <a:cs typeface="Times New Roman" pitchFamily="18" charset="0"/>
+              </a:rPr>
+              <a:t> </a:t>
+            </a:r>
+            <a:r>
+              <a:rPr lang="de-DE" sz="1600" dirty="0" err="1" smtClean="0">
+                <a:latin typeface="Times New Roman" pitchFamily="18" charset="0"/>
+                <a:cs typeface="Times New Roman" pitchFamily="18" charset="0"/>
+              </a:rPr>
+              <a:t>into</a:t>
+            </a:r>
+            <a:r>
+              <a:rPr lang="de-DE" sz="1600" dirty="0" smtClean="0">
+                <a:latin typeface="Times New Roman" pitchFamily="18" charset="0"/>
+                <a:cs typeface="Times New Roman" pitchFamily="18" charset="0"/>
+              </a:rPr>
+              <a:t> 9 </a:t>
+            </a:r>
+            <a:r>
+              <a:rPr lang="de-DE" sz="1600" dirty="0" err="1" smtClean="0">
+                <a:latin typeface="Times New Roman" pitchFamily="18" charset="0"/>
+                <a:cs typeface="Times New Roman" pitchFamily="18" charset="0"/>
+              </a:rPr>
+              <a:t>components</a:t>
+            </a:r>
+            <a:endParaRPr lang="de-DE" sz="1600" dirty="0" smtClean="0">
+              <a:latin typeface="Times New Roman" pitchFamily="18" charset="0"/>
+              <a:cs typeface="Times New Roman" pitchFamily="18" charset="0"/>
+            </a:endParaRPr>
+          </a:p>
+          <a:p>
+            <a:pPr>
+              <a:lnSpc>
+                <a:spcPct val="150000"/>
+              </a:lnSpc>
+              <a:buFont typeface="Arial" pitchFamily="34" charset="0"/>
+              <a:buChar char="•"/>
+            </a:pPr>
+            <a:r>
+              <a:rPr lang="de-DE" sz="1600" dirty="0" smtClean="0">
+                <a:latin typeface="Times New Roman" pitchFamily="18" charset="0"/>
+                <a:cs typeface="Times New Roman" pitchFamily="18" charset="0"/>
+              </a:rPr>
+              <a:t> </a:t>
+            </a:r>
+            <a:r>
+              <a:rPr lang="de-DE" sz="1600" dirty="0" err="1" smtClean="0">
+                <a:latin typeface="Times New Roman" pitchFamily="18" charset="0"/>
+                <a:cs typeface="Times New Roman" pitchFamily="18" charset="0"/>
+              </a:rPr>
+              <a:t>full</a:t>
+            </a:r>
+            <a:r>
+              <a:rPr lang="de-DE" sz="1600" dirty="0" smtClean="0">
+                <a:latin typeface="Times New Roman" pitchFamily="18" charset="0"/>
+                <a:cs typeface="Times New Roman" pitchFamily="18" charset="0"/>
+              </a:rPr>
+              <a:t> </a:t>
+            </a:r>
+            <a:r>
+              <a:rPr lang="de-DE" sz="1600" dirty="0" err="1" smtClean="0">
+                <a:latin typeface="Times New Roman" pitchFamily="18" charset="0"/>
+                <a:cs typeface="Times New Roman" pitchFamily="18" charset="0"/>
+              </a:rPr>
+              <a:t>rebase</a:t>
+            </a:r>
+            <a:r>
+              <a:rPr lang="de-DE" sz="1600" dirty="0" smtClean="0">
+                <a:latin typeface="Times New Roman" pitchFamily="18" charset="0"/>
+                <a:cs typeface="Times New Roman" pitchFamily="18" charset="0"/>
+              </a:rPr>
+              <a:t>: </a:t>
+            </a:r>
+            <a:r>
+              <a:rPr lang="de-DE" sz="1600" dirty="0" err="1" smtClean="0">
+                <a:latin typeface="Times New Roman" pitchFamily="18" charset="0"/>
+                <a:cs typeface="Times New Roman" pitchFamily="18" charset="0"/>
+              </a:rPr>
+              <a:t>controller</a:t>
+            </a:r>
+            <a:r>
+              <a:rPr lang="de-DE" sz="1600" dirty="0" smtClean="0">
+                <a:latin typeface="Times New Roman" pitchFamily="18" charset="0"/>
+                <a:cs typeface="Times New Roman" pitchFamily="18" charset="0"/>
+              </a:rPr>
+              <a:t>/</a:t>
+            </a:r>
+            <a:r>
+              <a:rPr lang="de-DE" sz="1600" dirty="0" err="1" smtClean="0">
+                <a:latin typeface="Times New Roman" pitchFamily="18" charset="0"/>
+                <a:cs typeface="Times New Roman" pitchFamily="18" charset="0"/>
+              </a:rPr>
+              <a:t>implementation</a:t>
+            </a:r>
+            <a:endParaRPr lang="de-DE" sz="1600" dirty="0">
+              <a:latin typeface="Times New Roman" pitchFamily="18" charset="0"/>
+              <a:cs typeface="Times New Roman" pitchFamily="18" charset="0"/>
+            </a:endParaRPr>
+          </a:p>
+        </p:txBody>
+      </p:sp>
     </p:spTree>
     <p:extLst>
       <p:ext uri="{BB962C8B-B14F-4D97-AF65-F5344CB8AC3E}">
@@ -7382,7 +7405,7 @@
                 <a:latin typeface="Times New Roman" pitchFamily="18" charset="0"/>
                 <a:cs typeface="Times New Roman" pitchFamily="18" charset="0"/>
               </a:rPr>
-              <a:t> Class </a:t>
+              <a:t>General Class </a:t>
             </a:r>
             <a:r>
               <a:rPr lang="de-DE" sz="2000" b="1" cap="small" dirty="0" err="1" smtClean="0">
@@ -7392,7 +7415,7 @@
                 <a:latin typeface="Times New Roman" pitchFamily="18" charset="0"/>
                 <a:cs typeface="Times New Roman" pitchFamily="18" charset="0"/>
               </a:rPr>
-              <a:t>Diagrams</a:t>
+              <a:t>Diagram</a:t>
             </a:r>
             <a:endParaRPr lang="de-DE" sz="2000" b="1" cap="small" dirty="0">
               <a:solidFill>
@@ -7478,11 +7501,18 @@
           <a:lstStyle/>
           <a:p>
             <a:r>
+              <a:rPr lang="de-DE" sz="1800" dirty="0" smtClean="0">
+                <a:latin typeface="Times New Roman" pitchFamily="18" charset="0"/>
+                <a:cs typeface="Times New Roman" pitchFamily="18" charset="0"/>
+              </a:rPr>
+              <a:t>Project </a:t>
+            </a:r>
+            <a:r>
               <a:rPr lang="de-DE" sz="1800" dirty="0" err="1" smtClean="0">
                 <a:latin typeface="Times New Roman" pitchFamily="18" charset="0"/>
                 <a:cs typeface="Times New Roman" pitchFamily="18" charset="0"/>
               </a:rPr>
-              <a:t>It</a:t>
+              <a:t>structure</a:t>
             </a:r>
             <a:r>
               <a:rPr lang="de-DE" sz="1800" dirty="0" smtClean="0">
@@ -7662,7 +7692,7 @@
       </p:sp>
       <p:pic>
         <p:nvPicPr>
-          <p:cNvPr id="10" name="Picture 7" descr="C:\Users\iuliia\ShopAdmin\Dokumentation\UMLDiagrams\LoginClassDiagram.png"/>
+          <p:cNvPr id="1027" name="Picture 3" descr="C:\Users\iuliia\ShopAdmin\Dokumentation\UMLDiagrams\ShopAdminGeneralClassDiagram.png"/>
           <p:cNvPicPr>
             <a:picLocks noChangeAspect="1" noChangeArrowheads="1"/>
           </p:cNvPicPr>
@@ -7677,60 +7707,8 @@
         </p:blipFill>
         <p:spPr bwMode="auto">
           <a:xfrm>
-            <a:off x="214282" y="1714488"/>
-            <a:ext cx="3714776" cy="1485910"/>
-          </a:xfrm>
-          <a:prstGeom prst="rect">
-            <a:avLst/>
-          </a:prstGeom>
-          <a:noFill/>
-        </p:spPr>
-      </p:pic>
-      <p:pic>
-        <p:nvPicPr>
-          <p:cNvPr id="11" name="Picture 5" descr="C:\Users\iuliia\ShopAdmin\Dokumentation\UMLDiagrams\TesseractClassDiagram.png"/>
-          <p:cNvPicPr>
-            <a:picLocks noChangeAspect="1" noChangeArrowheads="1"/>
-          </p:cNvPicPr>
-          <p:nvPr/>
-        </p:nvPicPr>
-        <p:blipFill>
-          <a:blip r:embed="rId3" cstate="print"/>
-          <a:srcRect/>
-          <a:stretch>
-            <a:fillRect/>
-          </a:stretch>
-        </p:blipFill>
-        <p:spPr bwMode="auto">
-          <a:xfrm>
-            <a:off x="214282" y="3714752"/>
-            <a:ext cx="3386146" cy="2318443"/>
-          </a:xfrm>
-          <a:prstGeom prst="rect">
-            <a:avLst/>
-          </a:prstGeom>
-          <a:noFill/>
-        </p:spPr>
-      </p:pic>
-      <p:pic>
-        <p:nvPicPr>
-          <p:cNvPr id="1026" name="Picture 2" descr="C:\Users\iuliia\Desktop\xx.png"/>
-          <p:cNvPicPr>
-            <a:picLocks noChangeAspect="1" noChangeArrowheads="1"/>
-          </p:cNvPicPr>
-          <p:nvPr/>
-        </p:nvPicPr>
-        <p:blipFill>
-          <a:blip r:embed="rId4" cstate="print"/>
-          <a:srcRect/>
-          <a:stretch>
-            <a:fillRect/>
-          </a:stretch>
-        </p:blipFill>
-        <p:spPr bwMode="auto">
-          <a:xfrm>
-            <a:off x="4214810" y="1643050"/>
-            <a:ext cx="4543433" cy="4250719"/>
+            <a:off x="226162" y="1273174"/>
+            <a:ext cx="8668416" cy="4727594"/>
           </a:xfrm>
           <a:prstGeom prst="rect">
             <a:avLst/>
@@ -7873,16 +7851,6 @@
           <a:p>
             <a:pPr algn="r"/>
             <a:r>
-              <a:rPr lang="de-DE" sz="2000" b="1" cap="small" dirty="0" err="1" smtClean="0">
-                <a:solidFill>
-                  <a:schemeClr val="tx1"/>
-                </a:solidFill>
-                <a:latin typeface="Times New Roman" pitchFamily="18" charset="0"/>
-                <a:cs typeface="Times New Roman" pitchFamily="18" charset="0"/>
-              </a:rPr>
-              <a:t>Activity</a:t>
-            </a:r>
-            <a:r>
               <a:rPr lang="de-DE" sz="2000" b="1" cap="small" dirty="0" smtClean="0">
                 <a:solidFill>
                   <a:schemeClr val="tx1"/>
@@ -7890,47 +7858,7 @@
                 <a:latin typeface="Times New Roman" pitchFamily="18" charset="0"/>
                 <a:cs typeface="Times New Roman" pitchFamily="18" charset="0"/>
               </a:rPr>
-              <a:t> </a:t>
-            </a:r>
-            <a:r>
-              <a:rPr lang="de-DE" sz="2000" b="1" cap="small" dirty="0" err="1" smtClean="0">
-                <a:solidFill>
-                  <a:schemeClr val="tx1"/>
-                </a:solidFill>
-                <a:latin typeface="Times New Roman" pitchFamily="18" charset="0"/>
-                <a:cs typeface="Times New Roman" pitchFamily="18" charset="0"/>
-              </a:rPr>
-              <a:t>and</a:t>
-            </a:r>
-            <a:r>
-              <a:rPr lang="de-DE" sz="2000" b="1" cap="small" dirty="0" smtClean="0">
-                <a:solidFill>
-                  <a:schemeClr val="tx1"/>
-                </a:solidFill>
-                <a:latin typeface="Times New Roman" pitchFamily="18" charset="0"/>
-                <a:cs typeface="Times New Roman" pitchFamily="18" charset="0"/>
-              </a:rPr>
-              <a:t> </a:t>
-            </a:r>
-            <a:r>
-              <a:rPr lang="de-DE" sz="2000" b="1" cap="small" dirty="0" err="1" smtClean="0">
-                <a:solidFill>
-                  <a:schemeClr val="tx1"/>
-                </a:solidFill>
-                <a:latin typeface="Times New Roman" pitchFamily="18" charset="0"/>
-                <a:cs typeface="Times New Roman" pitchFamily="18" charset="0"/>
-              </a:rPr>
-              <a:t>Usecase</a:t>
-            </a:r>
-            <a:r>
-              <a:rPr lang="de-DE" sz="2000" b="1" cap="small" dirty="0" smtClean="0">
-                <a:solidFill>
-                  <a:schemeClr val="tx1"/>
-                </a:solidFill>
-                <a:latin typeface="Times New Roman" pitchFamily="18" charset="0"/>
-                <a:cs typeface="Times New Roman" pitchFamily="18" charset="0"/>
-              </a:rPr>
-              <a:t> </a:t>
+              <a:t> Class </a:t>
             </a:r>
             <a:r>
               <a:rPr lang="de-DE" sz="2000" b="1" cap="small" dirty="0" err="1" smtClean="0">
@@ -8005,6 +7933,172 @@
       </p:sp>
       <p:sp>
         <p:nvSpPr>
+          <p:cNvPr id="13" name="Titel 12"/>
+          <p:cNvSpPr>
+            <a:spLocks noGrp="1"/>
+          </p:cNvSpPr>
+          <p:nvPr>
+            <p:ph type="title"/>
+          </p:nvPr>
+        </p:nvSpPr>
+        <p:spPr>
+          <a:xfrm>
+            <a:off x="428596" y="428604"/>
+            <a:ext cx="8229600" cy="1143000"/>
+          </a:xfrm>
+        </p:spPr>
+        <p:txBody>
+          <a:bodyPr>
+            <a:normAutofit/>
+          </a:bodyPr>
+          <a:lstStyle/>
+          <a:p>
+            <a:r>
+              <a:rPr lang="de-DE" sz="1800" dirty="0" smtClean="0">
+                <a:latin typeface="Times New Roman" pitchFamily="18" charset="0"/>
+                <a:cs typeface="Times New Roman" pitchFamily="18" charset="0"/>
+              </a:rPr>
+              <a:t>Project </a:t>
+            </a:r>
+            <a:r>
+              <a:rPr lang="de-DE" sz="1800" dirty="0" err="1" smtClean="0">
+                <a:latin typeface="Times New Roman" pitchFamily="18" charset="0"/>
+                <a:cs typeface="Times New Roman" pitchFamily="18" charset="0"/>
+              </a:rPr>
+              <a:t>structure</a:t>
+            </a:r>
+            <a:r>
+              <a:rPr lang="de-DE" sz="1800" dirty="0" smtClean="0">
+                <a:latin typeface="Times New Roman" pitchFamily="18" charset="0"/>
+                <a:cs typeface="Times New Roman" pitchFamily="18" charset="0"/>
+              </a:rPr>
+              <a:t> </a:t>
+            </a:r>
+            <a:r>
+              <a:rPr lang="de-DE" sz="1800" dirty="0" err="1" smtClean="0">
+                <a:latin typeface="Times New Roman" pitchFamily="18" charset="0"/>
+                <a:cs typeface="Times New Roman" pitchFamily="18" charset="0"/>
+              </a:rPr>
+              <a:t>became</a:t>
+            </a:r>
+            <a:r>
+              <a:rPr lang="de-DE" sz="1800" dirty="0" smtClean="0">
+                <a:latin typeface="Times New Roman" pitchFamily="18" charset="0"/>
+                <a:cs typeface="Times New Roman" pitchFamily="18" charset="0"/>
+              </a:rPr>
+              <a:t> </a:t>
+            </a:r>
+            <a:r>
+              <a:rPr lang="de-DE" sz="1800" dirty="0" err="1" smtClean="0">
+                <a:latin typeface="Times New Roman" pitchFamily="18" charset="0"/>
+                <a:cs typeface="Times New Roman" pitchFamily="18" charset="0"/>
+              </a:rPr>
+              <a:t>more</a:t>
+            </a:r>
+            <a:r>
+              <a:rPr lang="de-DE" sz="1800" dirty="0" smtClean="0">
+                <a:latin typeface="Times New Roman" pitchFamily="18" charset="0"/>
+                <a:cs typeface="Times New Roman" pitchFamily="18" charset="0"/>
+              </a:rPr>
+              <a:t> </a:t>
+            </a:r>
+            <a:r>
+              <a:rPr lang="de-DE" sz="1800" dirty="0" err="1" smtClean="0">
+                <a:latin typeface="Times New Roman" pitchFamily="18" charset="0"/>
+                <a:cs typeface="Times New Roman" pitchFamily="18" charset="0"/>
+              </a:rPr>
+              <a:t>and</a:t>
+            </a:r>
+            <a:r>
+              <a:rPr lang="de-DE" sz="1800" dirty="0" smtClean="0">
+                <a:latin typeface="Times New Roman" pitchFamily="18" charset="0"/>
+                <a:cs typeface="Times New Roman" pitchFamily="18" charset="0"/>
+              </a:rPr>
+              <a:t> </a:t>
+            </a:r>
+            <a:r>
+              <a:rPr lang="de-DE" sz="1800" dirty="0" err="1" smtClean="0">
+                <a:latin typeface="Times New Roman" pitchFamily="18" charset="0"/>
+                <a:cs typeface="Times New Roman" pitchFamily="18" charset="0"/>
+              </a:rPr>
+              <a:t>more</a:t>
+            </a:r>
+            <a:r>
+              <a:rPr lang="de-DE" sz="1800" dirty="0" smtClean="0">
+                <a:latin typeface="Times New Roman" pitchFamily="18" charset="0"/>
+                <a:cs typeface="Times New Roman" pitchFamily="18" charset="0"/>
+              </a:rPr>
+              <a:t> </a:t>
+            </a:r>
+            <a:r>
+              <a:rPr lang="de-DE" sz="1800" dirty="0" err="1" smtClean="0">
+                <a:latin typeface="Times New Roman" pitchFamily="18" charset="0"/>
+                <a:cs typeface="Times New Roman" pitchFamily="18" charset="0"/>
+              </a:rPr>
+              <a:t>complicated</a:t>
+            </a:r>
+            <a:r>
+              <a:rPr lang="de-DE" sz="1800" dirty="0" smtClean="0">
+                <a:latin typeface="Times New Roman" pitchFamily="18" charset="0"/>
+                <a:cs typeface="Times New Roman" pitchFamily="18" charset="0"/>
+              </a:rPr>
+              <a:t>…</a:t>
+            </a:r>
+            <a:endParaRPr lang="de-DE" sz="1800" dirty="0">
+              <a:latin typeface="Times New Roman" pitchFamily="18" charset="0"/>
+              <a:cs typeface="Times New Roman" pitchFamily="18" charset="0"/>
+            </a:endParaRPr>
+          </a:p>
+        </p:txBody>
+      </p:sp>
+      <p:sp>
+        <p:nvSpPr>
+          <p:cNvPr id="22" name="Inhaltsplatzhalter 21"/>
+          <p:cNvSpPr>
+            <a:spLocks noGrp="1"/>
+          </p:cNvSpPr>
+          <p:nvPr>
+            <p:ph idx="1"/>
+          </p:nvPr>
+        </p:nvSpPr>
+        <p:spPr/>
+        <p:txBody>
+          <a:bodyPr/>
+          <a:lstStyle/>
+          <a:p>
+            <a:pPr>
+              <a:buNone/>
+            </a:pPr>
+            <a:endParaRPr lang="de-DE" dirty="0" smtClean="0"/>
+          </a:p>
+          <a:p>
+            <a:pPr>
+              <a:buNone/>
+            </a:pPr>
+            <a:endParaRPr lang="de-DE" dirty="0" smtClean="0"/>
+          </a:p>
+          <a:p>
+            <a:pPr>
+              <a:buNone/>
+            </a:pPr>
+            <a:endParaRPr lang="de-DE" dirty="0" smtClean="0"/>
+          </a:p>
+          <a:p>
+            <a:pPr>
+              <a:buNone/>
+            </a:pPr>
+            <a:endParaRPr lang="de-DE" dirty="0" smtClean="0"/>
+          </a:p>
+          <a:p>
+            <a:pPr>
+              <a:buNone/>
+            </a:pPr>
+            <a:endParaRPr lang="de-DE" dirty="0"/>
+          </a:p>
+        </p:txBody>
+      </p:sp>
+      <p:sp>
+        <p:nvSpPr>
           <p:cNvPr id="19" name="Fußzeilenplatzhalter 18"/>
           <p:cNvSpPr>
             <a:spLocks noGrp="1"/>
@@ -8049,84 +8143,35 @@
           </a:p>
         </p:txBody>
       </p:sp>
-      <p:sp>
-        <p:nvSpPr>
-          <p:cNvPr id="22" name="Inhaltsplatzhalter 21"/>
-          <p:cNvSpPr>
-            <a:spLocks noGrp="1"/>
-          </p:cNvSpPr>
-          <p:nvPr>
-            <p:ph idx="4294967295"/>
-          </p:nvPr>
-        </p:nvSpPr>
-        <p:spPr>
-          <a:xfrm>
-            <a:off x="0" y="1600200"/>
-            <a:ext cx="8229600" cy="4525963"/>
-          </a:xfrm>
-        </p:spPr>
-        <p:txBody>
-          <a:bodyPr/>
-          <a:lstStyle/>
-          <a:p>
-            <a:pPr>
-              <a:buNone/>
-            </a:pPr>
-            <a:endParaRPr lang="de-DE" dirty="0" smtClean="0"/>
-          </a:p>
-          <a:p>
-            <a:pPr>
-              <a:buNone/>
-            </a:pPr>
-            <a:endParaRPr lang="de-DE" dirty="0" smtClean="0"/>
-          </a:p>
-          <a:p>
-            <a:pPr>
-              <a:buNone/>
-            </a:pPr>
-            <a:endParaRPr lang="de-DE" dirty="0" smtClean="0"/>
-          </a:p>
-          <a:p>
-            <a:pPr>
-              <a:buNone/>
-            </a:pPr>
-            <a:endParaRPr lang="de-DE" dirty="0" smtClean="0"/>
-          </a:p>
-          <a:p>
-            <a:pPr>
-              <a:buNone/>
-            </a:pPr>
-            <a:endParaRPr lang="de-DE" dirty="0"/>
-          </a:p>
-        </p:txBody>
-      </p:sp>
       <p:pic>
         <p:nvPicPr>
-          <p:cNvPr id="10" name="Inhaltsplatzhalter 3" descr="ActivityDiagram.PNG"/>
+          <p:cNvPr id="10" name="Picture 7" descr="C:\Users\iuliia\ShopAdmin\Dokumentation\UMLDiagrams\LoginClassDiagram.png"/>
           <p:cNvPicPr>
-            <a:picLocks noChangeAspect="1"/>
+            <a:picLocks noChangeAspect="1" noChangeArrowheads="1"/>
           </p:cNvPicPr>
           <p:nvPr/>
         </p:nvPicPr>
         <p:blipFill>
           <a:blip r:embed="rId2" cstate="print"/>
+          <a:srcRect/>
           <a:stretch>
             <a:fillRect/>
           </a:stretch>
         </p:blipFill>
-        <p:spPr>
+        <p:spPr bwMode="auto">
           <a:xfrm>
-            <a:off x="0" y="785794"/>
-            <a:ext cx="4563104" cy="5097467"/>
+            <a:off x="142844" y="1142984"/>
+            <a:ext cx="3571901" cy="1428760"/>
           </a:xfrm>
           <a:prstGeom prst="rect">
             <a:avLst/>
           </a:prstGeom>
+          <a:noFill/>
         </p:spPr>
       </p:pic>
       <p:pic>
         <p:nvPicPr>
-          <p:cNvPr id="11" name="Picture 2" descr="C:\Users\iuliia\ShopAdmin\Dokumentation\UMLDiagrams\UseCaseDiagram.png"/>
+          <p:cNvPr id="11" name="Picture 5" descr="C:\Users\iuliia\ShopAdmin\Dokumentation\UMLDiagrams\TesseractClassDiagram.png"/>
           <p:cNvPicPr>
             <a:picLocks noChangeAspect="1" noChangeArrowheads="1"/>
           </p:cNvPicPr>
@@ -8141,8 +8186,60 @@
         </p:blipFill>
         <p:spPr bwMode="auto">
           <a:xfrm>
-            <a:off x="4572000" y="2071678"/>
-            <a:ext cx="4429156" cy="2753024"/>
+            <a:off x="1142976" y="2500306"/>
+            <a:ext cx="3143272" cy="2152151"/>
+          </a:xfrm>
+          <a:prstGeom prst="rect">
+            <a:avLst/>
+          </a:prstGeom>
+          <a:noFill/>
+        </p:spPr>
+      </p:pic>
+      <p:pic>
+        <p:nvPicPr>
+          <p:cNvPr id="1026" name="Picture 2" descr="C:\Users\iuliia\Desktop\xx.png"/>
+          <p:cNvPicPr>
+            <a:picLocks noChangeAspect="1" noChangeArrowheads="1"/>
+          </p:cNvPicPr>
+          <p:nvPr/>
+        </p:nvPicPr>
+        <p:blipFill>
+          <a:blip r:embed="rId4" cstate="print"/>
+          <a:srcRect/>
+          <a:stretch>
+            <a:fillRect/>
+          </a:stretch>
+        </p:blipFill>
+        <p:spPr bwMode="auto">
+          <a:xfrm>
+            <a:off x="4357686" y="1357298"/>
+            <a:ext cx="4543433" cy="4250719"/>
+          </a:xfrm>
+          <a:prstGeom prst="rect">
+            <a:avLst/>
+          </a:prstGeom>
+          <a:noFill/>
+        </p:spPr>
+      </p:pic>
+      <p:pic>
+        <p:nvPicPr>
+          <p:cNvPr id="2" name="Picture 2" descr="C:\Users\iuliia\ShopAdmin\Dokumentation\UMLDiagrams\CameraClassDiagram.png"/>
+          <p:cNvPicPr>
+            <a:picLocks noChangeAspect="1" noChangeArrowheads="1"/>
+          </p:cNvPicPr>
+          <p:nvPr/>
+        </p:nvPicPr>
+        <p:blipFill>
+          <a:blip r:embed="rId5" cstate="print"/>
+          <a:srcRect/>
+          <a:stretch>
+            <a:fillRect/>
+          </a:stretch>
+        </p:blipFill>
+        <p:spPr bwMode="auto">
+          <a:xfrm>
+            <a:off x="214282" y="4357694"/>
+            <a:ext cx="2847981" cy="1853232"/>
           </a:xfrm>
           <a:prstGeom prst="rect">
             <a:avLst/>
@@ -8189,13 +8286,13 @@
       </p:grpSpPr>
       <p:sp>
         <p:nvSpPr>
-          <p:cNvPr id="4" name="Rechteck 3"/>
+          <p:cNvPr id="5" name="Rechteck 4"/>
           <p:cNvSpPr/>
           <p:nvPr/>
         </p:nvSpPr>
         <p:spPr>
           <a:xfrm>
-            <a:off x="0" y="0"/>
+            <a:off x="0" y="6237312"/>
             <a:ext cx="9144000" cy="620688"/>
           </a:xfrm>
           <a:prstGeom prst="rect">
@@ -8231,29 +8328,23 @@
           <a:bodyPr rtlCol="0" anchor="ctr"/>
           <a:lstStyle/>
           <a:p>
-            <a:pPr algn="r"/>
-            <a:r>
-              <a:rPr lang="en-US" sz="2000" b="1" cap="small" dirty="0">
-                <a:solidFill>
-                  <a:schemeClr val="tx1"/>
-                </a:solidFill>
-                <a:latin typeface="Times New Roman" pitchFamily="18" charset="0"/>
-                <a:cs typeface="Times New Roman" pitchFamily="18" charset="0"/>
-              </a:rPr>
-              <a:t>Content</a:t>
-            </a:r>
-          </a:p>
-        </p:txBody>
-      </p:sp>
-      <p:sp>
-        <p:nvSpPr>
-          <p:cNvPr id="5" name="Rechteck 4"/>
+            <a:pPr algn="ctr"/>
+            <a:endParaRPr lang="de-DE">
+              <a:latin typeface="Times New Roman" pitchFamily="18" charset="0"/>
+              <a:cs typeface="Times New Roman" pitchFamily="18" charset="0"/>
+            </a:endParaRPr>
+          </a:p>
+        </p:txBody>
+      </p:sp>
+      <p:sp>
+        <p:nvSpPr>
+          <p:cNvPr id="6" name="Rechteck 5"/>
           <p:cNvSpPr/>
           <p:nvPr/>
         </p:nvSpPr>
         <p:spPr>
           <a:xfrm>
-            <a:off x="0" y="6237312"/>
+            <a:off x="0" y="0"/>
             <a:ext cx="9144000" cy="620688"/>
           </a:xfrm>
           <a:prstGeom prst="rect">
@@ -8289,8 +8380,81 @@
           <a:bodyPr rtlCol="0" anchor="ctr"/>
           <a:lstStyle/>
           <a:p>
-            <a:pPr algn="ctr"/>
-            <a:endParaRPr lang="en-US" cap="small" dirty="0">
+            <a:pPr algn="r"/>
+            <a:r>
+              <a:rPr lang="de-DE" sz="2000" b="1" cap="small" dirty="0" err="1" smtClean="0">
+                <a:solidFill>
+                  <a:schemeClr val="tx1"/>
+                </a:solidFill>
+                <a:latin typeface="Times New Roman" pitchFamily="18" charset="0"/>
+                <a:cs typeface="Times New Roman" pitchFamily="18" charset="0"/>
+              </a:rPr>
+              <a:t>Activity</a:t>
+            </a:r>
+            <a:r>
+              <a:rPr lang="de-DE" sz="2000" b="1" cap="small" dirty="0" smtClean="0">
+                <a:solidFill>
+                  <a:schemeClr val="tx1"/>
+                </a:solidFill>
+                <a:latin typeface="Times New Roman" pitchFamily="18" charset="0"/>
+                <a:cs typeface="Times New Roman" pitchFamily="18" charset="0"/>
+              </a:rPr>
+              <a:t> </a:t>
+            </a:r>
+            <a:r>
+              <a:rPr lang="de-DE" sz="2000" b="1" cap="small" dirty="0" err="1" smtClean="0">
+                <a:solidFill>
+                  <a:schemeClr val="tx1"/>
+                </a:solidFill>
+                <a:latin typeface="Times New Roman" pitchFamily="18" charset="0"/>
+                <a:cs typeface="Times New Roman" pitchFamily="18" charset="0"/>
+              </a:rPr>
+              <a:t>and</a:t>
+            </a:r>
+            <a:r>
+              <a:rPr lang="de-DE" sz="2000" b="1" cap="small" dirty="0" smtClean="0">
+                <a:solidFill>
+                  <a:schemeClr val="tx1"/>
+                </a:solidFill>
+                <a:latin typeface="Times New Roman" pitchFamily="18" charset="0"/>
+                <a:cs typeface="Times New Roman" pitchFamily="18" charset="0"/>
+              </a:rPr>
+              <a:t> </a:t>
+            </a:r>
+            <a:r>
+              <a:rPr lang="de-DE" sz="2000" b="1" cap="small" dirty="0" err="1" smtClean="0">
+                <a:solidFill>
+                  <a:schemeClr val="tx1"/>
+                </a:solidFill>
+                <a:latin typeface="Times New Roman" pitchFamily="18" charset="0"/>
+                <a:cs typeface="Times New Roman" pitchFamily="18" charset="0"/>
+              </a:rPr>
+              <a:t>Usecase</a:t>
+            </a:r>
+            <a:r>
+              <a:rPr lang="de-DE" sz="2000" b="1" cap="small" dirty="0" smtClean="0">
+                <a:solidFill>
+                  <a:schemeClr val="tx1"/>
+                </a:solidFill>
+                <a:latin typeface="Times New Roman" pitchFamily="18" charset="0"/>
+                <a:cs typeface="Times New Roman" pitchFamily="18" charset="0"/>
+              </a:rPr>
+              <a:t> </a:t>
+            </a:r>
+            <a:r>
+              <a:rPr lang="de-DE" sz="2000" b="1" cap="small" dirty="0" err="1" smtClean="0">
+                <a:solidFill>
+                  <a:schemeClr val="tx1"/>
+                </a:solidFill>
+                <a:latin typeface="Times New Roman" pitchFamily="18" charset="0"/>
+                <a:cs typeface="Times New Roman" pitchFamily="18" charset="0"/>
+              </a:rPr>
+              <a:t>Diagrams</a:t>
+            </a:r>
+            <a:endParaRPr lang="de-DE" sz="2000" b="1" cap="small" dirty="0">
+              <a:solidFill>
+                <a:schemeClr val="tx1"/>
+              </a:solidFill>
               <a:latin typeface="Times New Roman" pitchFamily="18" charset="0"/>
               <a:cs typeface="Times New Roman" pitchFamily="18" charset="0"/>
             </a:endParaRPr>
@@ -8299,24 +8463,19 @@
       </p:sp>
       <p:sp>
         <p:nvSpPr>
-          <p:cNvPr id="9" name="Rechteck 8"/>
+          <p:cNvPr id="7" name="Rechteck 6"/>
           <p:cNvSpPr/>
           <p:nvPr/>
         </p:nvSpPr>
         <p:spPr>
           <a:xfrm>
-            <a:off x="251520" y="1591906"/>
-            <a:ext cx="8679101" cy="620688"/>
+            <a:off x="355340" y="795402"/>
+            <a:ext cx="8433320" cy="2201549"/>
           </a:xfrm>
           <a:prstGeom prst="rect">
             <a:avLst/>
           </a:prstGeom>
-          <a:solidFill>
-            <a:schemeClr val="accent2">
-              <a:lumMod val="60000"/>
-              <a:lumOff val="40000"/>
-            </a:schemeClr>
-          </a:solidFill>
+          <a:noFill/>
           <a:ln>
             <a:noFill/>
           </a:ln>
@@ -8338,367 +8497,46 @@
           </a:fontRef>
         </p:style>
         <p:txBody>
-          <a:bodyPr rtlCol="0" anchor="ctr"/>
-          <a:lstStyle/>
-          <a:p>
-            <a:r>
-              <a:rPr lang="en-US" sz="2000" cap="small" dirty="0">
-                <a:solidFill>
-                  <a:schemeClr val="tx1"/>
-                </a:solidFill>
-                <a:latin typeface="Times New Roman" pitchFamily="18" charset="0"/>
-                <a:cs typeface="Times New Roman" pitchFamily="18" charset="0"/>
-              </a:rPr>
-              <a:t>Approach</a:t>
-            </a:r>
-          </a:p>
-        </p:txBody>
-      </p:sp>
-      <p:sp>
-        <p:nvSpPr>
-          <p:cNvPr id="10" name="Rechteck 9"/>
-          <p:cNvSpPr/>
-          <p:nvPr/>
-        </p:nvSpPr>
-        <p:spPr>
-          <a:xfrm>
-            <a:off x="251520" y="2344224"/>
-            <a:ext cx="8679101" cy="620688"/>
-          </a:xfrm>
-          <a:prstGeom prst="rect">
-            <a:avLst/>
-          </a:prstGeom>
-          <a:solidFill>
-            <a:schemeClr val="accent2">
-              <a:lumMod val="60000"/>
-              <a:lumOff val="40000"/>
-            </a:schemeClr>
-          </a:solidFill>
-          <a:ln>
-            <a:noFill/>
-          </a:ln>
-        </p:spPr>
-        <p:style>
-          <a:lnRef idx="2">
-            <a:schemeClr val="accent1">
-              <a:shade val="50000"/>
-            </a:schemeClr>
-          </a:lnRef>
-          <a:fillRef idx="1">
-            <a:schemeClr val="accent1"/>
-          </a:fillRef>
-          <a:effectRef idx="0">
-            <a:schemeClr val="accent1"/>
-          </a:effectRef>
-          <a:fontRef idx="minor">
-            <a:schemeClr val="lt1"/>
-          </a:fontRef>
-        </p:style>
-        <p:txBody>
-          <a:bodyPr rtlCol="0" anchor="ctr"/>
-          <a:lstStyle/>
-          <a:p>
-            <a:r>
-              <a:rPr lang="en-US" sz="2000" cap="small" dirty="0">
-                <a:solidFill>
-                  <a:schemeClr val="tx1"/>
-                </a:solidFill>
-                <a:latin typeface="Times New Roman" pitchFamily="18" charset="0"/>
-                <a:cs typeface="Times New Roman" pitchFamily="18" charset="0"/>
-              </a:rPr>
-              <a:t>Details</a:t>
-            </a:r>
-          </a:p>
-        </p:txBody>
-      </p:sp>
-      <p:sp>
-        <p:nvSpPr>
-          <p:cNvPr id="13" name="Rechteck 12"/>
-          <p:cNvSpPr/>
-          <p:nvPr/>
-        </p:nvSpPr>
-        <p:spPr>
-          <a:xfrm>
-            <a:off x="251520" y="5323936"/>
-            <a:ext cx="8679101" cy="620688"/>
-          </a:xfrm>
-          <a:prstGeom prst="rect">
-            <a:avLst/>
-          </a:prstGeom>
-          <a:solidFill>
-            <a:schemeClr val="accent2">
-              <a:lumMod val="60000"/>
-              <a:lumOff val="40000"/>
-            </a:schemeClr>
-          </a:solidFill>
-          <a:ln>
-            <a:noFill/>
-          </a:ln>
-        </p:spPr>
-        <p:style>
-          <a:lnRef idx="2">
-            <a:schemeClr val="accent1">
-              <a:shade val="50000"/>
-            </a:schemeClr>
-          </a:lnRef>
-          <a:fillRef idx="1">
-            <a:schemeClr val="accent1"/>
-          </a:fillRef>
-          <a:effectRef idx="0">
-            <a:schemeClr val="accent1"/>
-          </a:effectRef>
-          <a:fontRef idx="minor">
-            <a:schemeClr val="lt1"/>
-          </a:fontRef>
-        </p:style>
-        <p:txBody>
-          <a:bodyPr rtlCol="0" anchor="ctr"/>
-          <a:lstStyle/>
-          <a:p>
-            <a:r>
-              <a:rPr lang="en-US" sz="2000" cap="small" dirty="0">
-                <a:solidFill>
-                  <a:schemeClr val="tx1"/>
-                </a:solidFill>
-                <a:latin typeface="Times New Roman" pitchFamily="18" charset="0"/>
-                <a:cs typeface="Times New Roman" pitchFamily="18" charset="0"/>
-              </a:rPr>
-              <a:t>Conclusion</a:t>
-            </a:r>
-          </a:p>
-        </p:txBody>
-      </p:sp>
-      <p:sp>
-        <p:nvSpPr>
-          <p:cNvPr id="7" name="Rechteck 6"/>
-          <p:cNvSpPr/>
-          <p:nvPr/>
-        </p:nvSpPr>
-        <p:spPr>
-          <a:xfrm>
-            <a:off x="1475656" y="3036920"/>
-            <a:ext cx="7454965" cy="620688"/>
-          </a:xfrm>
-          <a:prstGeom prst="rect">
-            <a:avLst/>
-          </a:prstGeom>
-          <a:solidFill>
-            <a:schemeClr val="accent2">
-              <a:lumMod val="60000"/>
-              <a:lumOff val="40000"/>
-            </a:schemeClr>
-          </a:solidFill>
-          <a:ln>
-            <a:noFill/>
-          </a:ln>
-        </p:spPr>
-        <p:style>
-          <a:lnRef idx="2">
-            <a:schemeClr val="accent1">
-              <a:shade val="50000"/>
-            </a:schemeClr>
-          </a:lnRef>
-          <a:fillRef idx="1">
-            <a:schemeClr val="accent1"/>
-          </a:fillRef>
-          <a:effectRef idx="0">
-            <a:schemeClr val="accent1"/>
-          </a:effectRef>
-          <a:fontRef idx="minor">
-            <a:schemeClr val="lt1"/>
-          </a:fontRef>
-        </p:style>
-        <p:txBody>
-          <a:bodyPr rtlCol="0" anchor="ctr"/>
-          <a:lstStyle/>
-          <a:p>
-            <a:r>
-              <a:rPr lang="en-US" sz="2000" cap="small" dirty="0">
-                <a:solidFill>
-                  <a:schemeClr val="tx1"/>
-                </a:solidFill>
-                <a:latin typeface="Times New Roman" pitchFamily="18" charset="0"/>
-                <a:cs typeface="Times New Roman" pitchFamily="18" charset="0"/>
-              </a:rPr>
-              <a:t>Technical Design</a:t>
-            </a:r>
-          </a:p>
-        </p:txBody>
-      </p:sp>
-      <p:sp>
-        <p:nvSpPr>
-          <p:cNvPr id="8" name="Rechteck 7"/>
-          <p:cNvSpPr/>
-          <p:nvPr/>
-        </p:nvSpPr>
-        <p:spPr>
-          <a:xfrm>
-            <a:off x="1475656" y="3712376"/>
-            <a:ext cx="7454965" cy="620688"/>
-          </a:xfrm>
-          <a:prstGeom prst="rect">
-            <a:avLst/>
-          </a:prstGeom>
-          <a:solidFill>
-            <a:schemeClr val="accent2">
-              <a:lumMod val="60000"/>
-              <a:lumOff val="40000"/>
-            </a:schemeClr>
-          </a:solidFill>
-          <a:ln>
-            <a:noFill/>
-          </a:ln>
-        </p:spPr>
-        <p:style>
-          <a:lnRef idx="2">
-            <a:schemeClr val="accent1">
-              <a:shade val="50000"/>
-            </a:schemeClr>
-          </a:lnRef>
-          <a:fillRef idx="1">
-            <a:schemeClr val="accent1"/>
-          </a:fillRef>
-          <a:effectRef idx="0">
-            <a:schemeClr val="accent1"/>
-          </a:effectRef>
-          <a:fontRef idx="minor">
-            <a:schemeClr val="lt1"/>
-          </a:fontRef>
-        </p:style>
-        <p:txBody>
-          <a:bodyPr rtlCol="0" anchor="ctr"/>
-          <a:lstStyle/>
-          <a:p>
-            <a:r>
-              <a:rPr lang="en-US" sz="2000" b="1" cap="small" dirty="0">
-                <a:solidFill>
-                  <a:schemeClr val="tx1"/>
-                </a:solidFill>
-                <a:latin typeface="Times New Roman" pitchFamily="18" charset="0"/>
-                <a:cs typeface="Times New Roman" pitchFamily="18" charset="0"/>
-              </a:rPr>
-              <a:t>Android Details</a:t>
-            </a:r>
-          </a:p>
-        </p:txBody>
-      </p:sp>
-      <p:sp>
-        <p:nvSpPr>
-          <p:cNvPr id="11" name="Rechteck 10"/>
-          <p:cNvSpPr/>
-          <p:nvPr/>
-        </p:nvSpPr>
-        <p:spPr>
-          <a:xfrm>
-            <a:off x="1475656" y="4432456"/>
-            <a:ext cx="7454965" cy="620688"/>
-          </a:xfrm>
-          <a:prstGeom prst="rect">
-            <a:avLst/>
-          </a:prstGeom>
-          <a:solidFill>
-            <a:schemeClr val="accent2">
-              <a:lumMod val="60000"/>
-              <a:lumOff val="40000"/>
-            </a:schemeClr>
-          </a:solidFill>
-          <a:ln>
-            <a:noFill/>
-          </a:ln>
-        </p:spPr>
-        <p:style>
-          <a:lnRef idx="2">
-            <a:schemeClr val="accent1">
-              <a:shade val="50000"/>
-            </a:schemeClr>
-          </a:lnRef>
-          <a:fillRef idx="1">
-            <a:schemeClr val="accent1"/>
-          </a:fillRef>
-          <a:effectRef idx="0">
-            <a:schemeClr val="accent1"/>
-          </a:effectRef>
-          <a:fontRef idx="minor">
-            <a:schemeClr val="lt1"/>
-          </a:fontRef>
-        </p:style>
-        <p:txBody>
-          <a:bodyPr rtlCol="0" anchor="ctr"/>
-          <a:lstStyle/>
-          <a:p>
-            <a:r>
-              <a:rPr lang="en-US" sz="2000" cap="small" dirty="0">
-                <a:solidFill>
-                  <a:schemeClr val="tx1"/>
-                </a:solidFill>
-                <a:latin typeface="Times New Roman" pitchFamily="18" charset="0"/>
-                <a:cs typeface="Times New Roman" pitchFamily="18" charset="0"/>
-              </a:rPr>
-              <a:t>Receipt Extraction</a:t>
-            </a:r>
-          </a:p>
-        </p:txBody>
-      </p:sp>
-      <p:sp>
-        <p:nvSpPr>
-          <p:cNvPr id="12" name="Rechteck 11"/>
-          <p:cNvSpPr/>
-          <p:nvPr/>
-        </p:nvSpPr>
-        <p:spPr>
-          <a:xfrm>
-            <a:off x="251520" y="836712"/>
-            <a:ext cx="8679101" cy="620688"/>
-          </a:xfrm>
-          <a:prstGeom prst="rect">
-            <a:avLst/>
-          </a:prstGeom>
-          <a:solidFill>
-            <a:schemeClr val="accent2">
-              <a:lumMod val="60000"/>
-              <a:lumOff val="40000"/>
-            </a:schemeClr>
-          </a:solidFill>
-          <a:ln>
-            <a:noFill/>
-          </a:ln>
-        </p:spPr>
-        <p:style>
-          <a:lnRef idx="2">
-            <a:schemeClr val="accent1">
-              <a:shade val="50000"/>
-            </a:schemeClr>
-          </a:lnRef>
-          <a:fillRef idx="1">
-            <a:schemeClr val="accent1"/>
-          </a:fillRef>
-          <a:effectRef idx="0">
-            <a:schemeClr val="accent1"/>
-          </a:effectRef>
-          <a:fontRef idx="minor">
-            <a:schemeClr val="lt1"/>
-          </a:fontRef>
-        </p:style>
-        <p:txBody>
-          <a:bodyPr rtlCol="0" anchor="ctr"/>
-          <a:lstStyle/>
-          <a:p>
-            <a:r>
-              <a:rPr lang="en-US" sz="2000" cap="small" dirty="0">
-                <a:solidFill>
-                  <a:schemeClr val="tx1"/>
-                </a:solidFill>
-                <a:latin typeface="Times New Roman" pitchFamily="18" charset="0"/>
-                <a:cs typeface="Times New Roman" pitchFamily="18" charset="0"/>
-              </a:rPr>
-              <a:t>Live Demo</a:t>
-            </a:r>
-          </a:p>
-        </p:txBody>
-      </p:sp>
-      <p:sp>
-        <p:nvSpPr>
-          <p:cNvPr id="2" name="Foliennummernplatzhalter 1"/>
+          <a:bodyPr rtlCol="0" anchor="t"/>
+          <a:lstStyle/>
+          <a:p>
+            <a:pPr lvl="0">
+              <a:lnSpc>
+                <a:spcPct val="150000"/>
+              </a:lnSpc>
+            </a:pPr>
+            <a:endParaRPr lang="de-DE" sz="2000" dirty="0">
+              <a:latin typeface="Times New Roman" pitchFamily="18" charset="0"/>
+              <a:cs typeface="Times New Roman" pitchFamily="18" charset="0"/>
+            </a:endParaRPr>
+          </a:p>
+        </p:txBody>
+      </p:sp>
+      <p:sp>
+        <p:nvSpPr>
+          <p:cNvPr id="19" name="Fußzeilenplatzhalter 18"/>
+          <p:cNvSpPr>
+            <a:spLocks noGrp="1"/>
+          </p:cNvSpPr>
+          <p:nvPr>
+            <p:ph type="ftr" sz="quarter" idx="11"/>
+          </p:nvPr>
+        </p:nvSpPr>
+        <p:spPr/>
+        <p:txBody>
+          <a:bodyPr/>
+          <a:lstStyle/>
+          <a:p>
+            <a:r>
+              <a:rPr lang="de-DE"/>
+              <a:t>Kateryna Pryshchepa, Iuliia Guk, Thomas Röhl, Tetiana Lavrynovych, Sascha Zepf</a:t>
+            </a:r>
+          </a:p>
+        </p:txBody>
+      </p:sp>
+      <p:sp>
+        <p:nvSpPr>
+          <p:cNvPr id="18" name="Foliennummernplatzhalter 17"/>
           <p:cNvSpPr>
             <a:spLocks noGrp="1"/>
           </p:cNvSpPr>
@@ -8722,30 +8560,159 @@
       </p:sp>
       <p:sp>
         <p:nvSpPr>
-          <p:cNvPr id="3" name="Fußzeilenplatzhalter 2"/>
+          <p:cNvPr id="22" name="Inhaltsplatzhalter 21"/>
           <p:cNvSpPr>
             <a:spLocks noGrp="1"/>
           </p:cNvSpPr>
           <p:nvPr>
-            <p:ph type="ftr" sz="quarter" idx="11"/>
+            <p:ph idx="4294967295"/>
           </p:nvPr>
         </p:nvSpPr>
-        <p:spPr/>
+        <p:spPr>
+          <a:xfrm>
+            <a:off x="0" y="1600200"/>
+            <a:ext cx="8229600" cy="4525963"/>
+          </a:xfrm>
+        </p:spPr>
         <p:txBody>
           <a:bodyPr/>
           <a:lstStyle/>
           <a:p>
-            <a:r>
-              <a:rPr lang="de-DE"/>
-              <a:t>Kateryna Pryshchepa, Iuliia Guk, Thomas Röhl, Tetiana Lavrynovych, Sascha Zepf</a:t>
-            </a:r>
+            <a:pPr>
+              <a:buNone/>
+            </a:pPr>
+            <a:endParaRPr lang="de-DE" dirty="0" smtClean="0"/>
+          </a:p>
+          <a:p>
+            <a:pPr>
+              <a:buNone/>
+            </a:pPr>
+            <a:endParaRPr lang="de-DE" dirty="0" smtClean="0"/>
+          </a:p>
+          <a:p>
+            <a:pPr>
+              <a:buNone/>
+            </a:pPr>
+            <a:endParaRPr lang="de-DE" dirty="0" smtClean="0"/>
+          </a:p>
+          <a:p>
+            <a:pPr>
+              <a:buNone/>
+            </a:pPr>
+            <a:endParaRPr lang="de-DE" dirty="0" smtClean="0"/>
+          </a:p>
+          <a:p>
+            <a:pPr>
+              <a:buNone/>
+            </a:pPr>
+            <a:endParaRPr lang="de-DE" dirty="0"/>
+          </a:p>
+        </p:txBody>
+      </p:sp>
+      <p:pic>
+        <p:nvPicPr>
+          <p:cNvPr id="10" name="Inhaltsplatzhalter 3" descr="ActivityDiagram.PNG"/>
+          <p:cNvPicPr>
+            <a:picLocks noChangeAspect="1"/>
+          </p:cNvPicPr>
+          <p:nvPr/>
+        </p:nvPicPr>
+        <p:blipFill>
+          <a:blip r:embed="rId2" cstate="print"/>
+          <a:stretch>
+            <a:fillRect/>
+          </a:stretch>
+        </p:blipFill>
+        <p:spPr>
+          <a:xfrm>
+            <a:off x="142844" y="1000108"/>
+            <a:ext cx="4435206" cy="4954591"/>
+          </a:xfrm>
+          <a:prstGeom prst="rect">
+            <a:avLst/>
+          </a:prstGeom>
+        </p:spPr>
+      </p:pic>
+      <p:pic>
+        <p:nvPicPr>
+          <p:cNvPr id="11" name="Picture 2" descr="C:\Users\iuliia\ShopAdmin\Dokumentation\UMLDiagrams\UseCaseDiagram.png"/>
+          <p:cNvPicPr>
+            <a:picLocks noChangeAspect="1" noChangeArrowheads="1"/>
+          </p:cNvPicPr>
+          <p:nvPr/>
+        </p:nvPicPr>
+        <p:blipFill>
+          <a:blip r:embed="rId3" cstate="print"/>
+          <a:srcRect/>
+          <a:stretch>
+            <a:fillRect/>
+          </a:stretch>
+        </p:blipFill>
+        <p:spPr bwMode="auto">
+          <a:xfrm>
+            <a:off x="4572000" y="2071678"/>
+            <a:ext cx="4429156" cy="2753024"/>
+          </a:xfrm>
+          <a:prstGeom prst="rect">
+            <a:avLst/>
+          </a:prstGeom>
+          <a:noFill/>
+        </p:spPr>
+      </p:pic>
+      <p:sp>
+        <p:nvSpPr>
+          <p:cNvPr id="12" name="Textfeld 11"/>
+          <p:cNvSpPr txBox="1"/>
+          <p:nvPr/>
+        </p:nvSpPr>
+        <p:spPr>
+          <a:xfrm>
+            <a:off x="5500694" y="1214422"/>
+            <a:ext cx="1947969" cy="369332"/>
+          </a:xfrm>
+          <a:prstGeom prst="rect">
+            <a:avLst/>
+          </a:prstGeom>
+          <a:noFill/>
+        </p:spPr>
+        <p:txBody>
+          <a:bodyPr wrap="none" rtlCol="0">
+            <a:spAutoFit/>
+          </a:bodyPr>
+          <a:lstStyle/>
+          <a:p>
+            <a:r>
+              <a:rPr lang="de-DE" dirty="0" err="1" smtClean="0">
+                <a:latin typeface="Times New Roman" pitchFamily="18" charset="0"/>
+                <a:cs typeface="Times New Roman" pitchFamily="18" charset="0"/>
+              </a:rPr>
+              <a:t>Behavior</a:t>
+            </a:r>
+            <a:r>
+              <a:rPr lang="de-DE" dirty="0" smtClean="0">
+                <a:latin typeface="Times New Roman" pitchFamily="18" charset="0"/>
+                <a:cs typeface="Times New Roman" pitchFamily="18" charset="0"/>
+              </a:rPr>
+              <a:t> </a:t>
+            </a:r>
+            <a:r>
+              <a:rPr lang="de-DE" dirty="0" err="1" smtClean="0">
+                <a:latin typeface="Times New Roman" pitchFamily="18" charset="0"/>
+                <a:cs typeface="Times New Roman" pitchFamily="18" charset="0"/>
+              </a:rPr>
+              <a:t>overview</a:t>
+            </a:r>
+            <a:endParaRPr lang="de-DE" dirty="0">
+              <a:latin typeface="Times New Roman" pitchFamily="18" charset="0"/>
+              <a:cs typeface="Times New Roman" pitchFamily="18" charset="0"/>
+            </a:endParaRPr>
           </a:p>
         </p:txBody>
       </p:sp>
     </p:spTree>
     <p:extLst>
       <p:ext uri="{BB962C8B-B14F-4D97-AF65-F5344CB8AC3E}">
-        <p14:creationId xmlns="" xmlns:p14="http://schemas.microsoft.com/office/powerpoint/2010/main" val="1768056306"/>
+        <p14:creationId xmlns="" xmlns:p14="http://schemas.microsoft.com/office/powerpoint/2010/main" val="1470090484"/>
       </p:ext>
     </p:extLst>
   </p:cSld>
@@ -8781,13 +8748,13 @@
       </p:grpSpPr>
       <p:sp>
         <p:nvSpPr>
-          <p:cNvPr id="5" name="Rechteck 4"/>
+          <p:cNvPr id="4" name="Rechteck 3"/>
           <p:cNvSpPr/>
           <p:nvPr/>
         </p:nvSpPr>
         <p:spPr>
           <a:xfrm>
-            <a:off x="0" y="6237312"/>
+            <a:off x="0" y="0"/>
             <a:ext cx="9144000" cy="620688"/>
           </a:xfrm>
           <a:prstGeom prst="rect">
@@ -8823,23 +8790,29 @@
           <a:bodyPr rtlCol="0" anchor="ctr"/>
           <a:lstStyle/>
           <a:p>
-            <a:pPr algn="ctr"/>
-            <a:endParaRPr lang="de-DE">
-              <a:latin typeface="Times New Roman" pitchFamily="18" charset="0"/>
-              <a:cs typeface="Times New Roman" pitchFamily="18" charset="0"/>
-            </a:endParaRPr>
-          </a:p>
-        </p:txBody>
-      </p:sp>
-      <p:sp>
-        <p:nvSpPr>
-          <p:cNvPr id="6" name="Rechteck 5"/>
+            <a:pPr algn="r"/>
+            <a:r>
+              <a:rPr lang="en-US" sz="2000" b="1" cap="small" dirty="0">
+                <a:solidFill>
+                  <a:schemeClr val="tx1"/>
+                </a:solidFill>
+                <a:latin typeface="Times New Roman" pitchFamily="18" charset="0"/>
+                <a:cs typeface="Times New Roman" pitchFamily="18" charset="0"/>
+              </a:rPr>
+              <a:t>Content</a:t>
+            </a:r>
+          </a:p>
+        </p:txBody>
+      </p:sp>
+      <p:sp>
+        <p:nvSpPr>
+          <p:cNvPr id="5" name="Rechteck 4"/>
           <p:cNvSpPr/>
           <p:nvPr/>
         </p:nvSpPr>
         <p:spPr>
           <a:xfrm>
-            <a:off x="0" y="0"/>
+            <a:off x="0" y="6237312"/>
             <a:ext cx="9144000" cy="620688"/>
           </a:xfrm>
           <a:prstGeom prst="rect">
@@ -8875,35 +8848,34 @@
           <a:bodyPr rtlCol="0" anchor="ctr"/>
           <a:lstStyle/>
           <a:p>
-            <a:pPr algn="r"/>
-            <a:r>
-              <a:rPr lang="de-DE" sz="2000" b="1" cap="small" dirty="0">
-                <a:solidFill>
-                  <a:schemeClr val="tx1"/>
-                </a:solidFill>
-                <a:latin typeface="Times New Roman" pitchFamily="18" charset="0"/>
-                <a:cs typeface="Times New Roman" pitchFamily="18" charset="0"/>
-              </a:rPr>
-              <a:t>Corporate Design</a:t>
-            </a:r>
-          </a:p>
-        </p:txBody>
-      </p:sp>
-      <p:sp>
-        <p:nvSpPr>
-          <p:cNvPr id="7" name="Rechteck 6"/>
+            <a:pPr algn="ctr"/>
+            <a:endParaRPr lang="en-US" cap="small" dirty="0">
+              <a:latin typeface="Times New Roman" pitchFamily="18" charset="0"/>
+              <a:cs typeface="Times New Roman" pitchFamily="18" charset="0"/>
+            </a:endParaRPr>
+          </a:p>
+        </p:txBody>
+      </p:sp>
+      <p:sp>
+        <p:nvSpPr>
+          <p:cNvPr id="9" name="Rechteck 8"/>
           <p:cNvSpPr/>
           <p:nvPr/>
         </p:nvSpPr>
         <p:spPr>
           <a:xfrm>
-            <a:off x="355340" y="795402"/>
-            <a:ext cx="8433320" cy="2201549"/>
+            <a:off x="251520" y="1591906"/>
+            <a:ext cx="8679101" cy="620688"/>
           </a:xfrm>
           <a:prstGeom prst="rect">
             <a:avLst/>
           </a:prstGeom>
-          <a:noFill/>
+          <a:solidFill>
+            <a:schemeClr val="accent2">
+              <a:lumMod val="60000"/>
+              <a:lumOff val="40000"/>
+            </a:schemeClr>
+          </a:solidFill>
           <a:ln>
             <a:noFill/>
           </a:ln>
@@ -8925,250 +8897,367 @@
           </a:fontRef>
         </p:style>
         <p:txBody>
-          <a:bodyPr rtlCol="0" anchor="t"/>
-          <a:lstStyle/>
-          <a:p>
-            <a:pPr marL="342900" indent="-342900">
-              <a:lnSpc>
-                <a:spcPct val="150000"/>
-              </a:lnSpc>
-              <a:buFont typeface="Arial" panose="020B0604020202020204" pitchFamily="34" charset="0"/>
-              <a:buChar char="•"/>
-            </a:pPr>
-            <a:r>
-              <a:rPr lang="en-US" dirty="0">
+          <a:bodyPr rtlCol="0" anchor="ctr"/>
+          <a:lstStyle/>
+          <a:p>
+            <a:r>
+              <a:rPr lang="en-US" sz="2000" cap="small" dirty="0">
                 <a:solidFill>
                   <a:schemeClr val="tx1"/>
                 </a:solidFill>
                 <a:latin typeface="Times New Roman" pitchFamily="18" charset="0"/>
                 <a:cs typeface="Times New Roman" pitchFamily="18" charset="0"/>
               </a:rPr>
-              <a:t>Colors </a:t>
-            </a:r>
-          </a:p>
-          <a:p>
-            <a:pPr marL="342900" indent="-342900">
-              <a:lnSpc>
-                <a:spcPct val="150000"/>
-              </a:lnSpc>
-              <a:buFont typeface="Arial" panose="020B0604020202020204" pitchFamily="34" charset="0"/>
-              <a:buChar char="•"/>
-            </a:pPr>
-            <a:r>
-              <a:rPr lang="en-US" dirty="0">
+              <a:t>Approach</a:t>
+            </a:r>
+          </a:p>
+        </p:txBody>
+      </p:sp>
+      <p:sp>
+        <p:nvSpPr>
+          <p:cNvPr id="10" name="Rechteck 9"/>
+          <p:cNvSpPr/>
+          <p:nvPr/>
+        </p:nvSpPr>
+        <p:spPr>
+          <a:xfrm>
+            <a:off x="251520" y="2344224"/>
+            <a:ext cx="8679101" cy="620688"/>
+          </a:xfrm>
+          <a:prstGeom prst="rect">
+            <a:avLst/>
+          </a:prstGeom>
+          <a:solidFill>
+            <a:schemeClr val="accent2">
+              <a:lumMod val="60000"/>
+              <a:lumOff val="40000"/>
+            </a:schemeClr>
+          </a:solidFill>
+          <a:ln>
+            <a:noFill/>
+          </a:ln>
+        </p:spPr>
+        <p:style>
+          <a:lnRef idx="2">
+            <a:schemeClr val="accent1">
+              <a:shade val="50000"/>
+            </a:schemeClr>
+          </a:lnRef>
+          <a:fillRef idx="1">
+            <a:schemeClr val="accent1"/>
+          </a:fillRef>
+          <a:effectRef idx="0">
+            <a:schemeClr val="accent1"/>
+          </a:effectRef>
+          <a:fontRef idx="minor">
+            <a:schemeClr val="lt1"/>
+          </a:fontRef>
+        </p:style>
+        <p:txBody>
+          <a:bodyPr rtlCol="0" anchor="ctr"/>
+          <a:lstStyle/>
+          <a:p>
+            <a:r>
+              <a:rPr lang="en-US" sz="2000" cap="small" dirty="0">
                 <a:solidFill>
                   <a:schemeClr val="tx1"/>
                 </a:solidFill>
                 <a:latin typeface="Times New Roman" pitchFamily="18" charset="0"/>
                 <a:cs typeface="Times New Roman" pitchFamily="18" charset="0"/>
               </a:rPr>
-              <a:t>Logo: piggybank (background in the app)</a:t>
-            </a:r>
-          </a:p>
-          <a:p>
-            <a:pPr marL="342900" indent="-342900">
-              <a:lnSpc>
-                <a:spcPct val="150000"/>
-              </a:lnSpc>
-              <a:buFont typeface="Arial" panose="020B0604020202020204" pitchFamily="34" charset="0"/>
-              <a:buChar char="•"/>
-            </a:pPr>
-            <a:r>
-              <a:rPr lang="en-US" dirty="0">
+              <a:t>Details</a:t>
+            </a:r>
+          </a:p>
+        </p:txBody>
+      </p:sp>
+      <p:sp>
+        <p:nvSpPr>
+          <p:cNvPr id="13" name="Rechteck 12"/>
+          <p:cNvSpPr/>
+          <p:nvPr/>
+        </p:nvSpPr>
+        <p:spPr>
+          <a:xfrm>
+            <a:off x="251520" y="5323936"/>
+            <a:ext cx="8679101" cy="620688"/>
+          </a:xfrm>
+          <a:prstGeom prst="rect">
+            <a:avLst/>
+          </a:prstGeom>
+          <a:solidFill>
+            <a:schemeClr val="accent2">
+              <a:lumMod val="60000"/>
+              <a:lumOff val="40000"/>
+            </a:schemeClr>
+          </a:solidFill>
+          <a:ln>
+            <a:noFill/>
+          </a:ln>
+        </p:spPr>
+        <p:style>
+          <a:lnRef idx="2">
+            <a:schemeClr val="accent1">
+              <a:shade val="50000"/>
+            </a:schemeClr>
+          </a:lnRef>
+          <a:fillRef idx="1">
+            <a:schemeClr val="accent1"/>
+          </a:fillRef>
+          <a:effectRef idx="0">
+            <a:schemeClr val="accent1"/>
+          </a:effectRef>
+          <a:fontRef idx="minor">
+            <a:schemeClr val="lt1"/>
+          </a:fontRef>
+        </p:style>
+        <p:txBody>
+          <a:bodyPr rtlCol="0" anchor="ctr"/>
+          <a:lstStyle/>
+          <a:p>
+            <a:r>
+              <a:rPr lang="en-US" sz="2000" cap="small" dirty="0">
                 <a:solidFill>
                   <a:schemeClr val="tx1"/>
                 </a:solidFill>
                 <a:latin typeface="Times New Roman" pitchFamily="18" charset="0"/>
                 <a:cs typeface="Times New Roman" pitchFamily="18" charset="0"/>
               </a:rPr>
-              <a:t>Pictures for  Menu Help</a:t>
-            </a:r>
-          </a:p>
-          <a:p>
-            <a:pPr lvl="0">
-              <a:lnSpc>
-                <a:spcPct val="150000"/>
-              </a:lnSpc>
-            </a:pPr>
-            <a:endParaRPr lang="de-DE" sz="2000" dirty="0">
-              <a:latin typeface="Times New Roman" pitchFamily="18" charset="0"/>
-              <a:cs typeface="Times New Roman" pitchFamily="18" charset="0"/>
-            </a:endParaRPr>
-          </a:p>
-        </p:txBody>
-      </p:sp>
-      <p:pic>
-        <p:nvPicPr>
-          <p:cNvPr id="28" name="Grafik 27"/>
-          <p:cNvPicPr>
-            <a:picLocks noChangeAspect="1"/>
-          </p:cNvPicPr>
+              <a:t>Conclusion</a:t>
+            </a:r>
+          </a:p>
+        </p:txBody>
+      </p:sp>
+      <p:sp>
+        <p:nvSpPr>
+          <p:cNvPr id="7" name="Rechteck 6"/>
+          <p:cNvSpPr/>
           <p:nvPr/>
-        </p:nvPicPr>
-        <p:blipFill>
-          <a:blip r:embed="rId2" cstate="print"/>
-          <a:stretch/>
-        </p:blipFill>
+        </p:nvSpPr>
         <p:spPr>
           <a:xfrm>
-            <a:off x="6444208" y="790916"/>
-            <a:ext cx="2160000" cy="2085037"/>
+            <a:off x="1475656" y="3036920"/>
+            <a:ext cx="7454965" cy="620688"/>
           </a:xfrm>
           <a:prstGeom prst="rect">
             <a:avLst/>
           </a:prstGeom>
+          <a:solidFill>
+            <a:schemeClr val="accent2">
+              <a:lumMod val="60000"/>
+              <a:lumOff val="40000"/>
+            </a:schemeClr>
+          </a:solidFill>
           <a:ln>
             <a:noFill/>
           </a:ln>
         </p:spPr>
-      </p:pic>
-      <p:pic>
-        <p:nvPicPr>
-          <p:cNvPr id="2" name="Grafik 1"/>
-          <p:cNvPicPr>
-            <a:picLocks noChangeAspect="1"/>
-          </p:cNvPicPr>
+        <p:style>
+          <a:lnRef idx="2">
+            <a:schemeClr val="accent1">
+              <a:shade val="50000"/>
+            </a:schemeClr>
+          </a:lnRef>
+          <a:fillRef idx="1">
+            <a:schemeClr val="accent1"/>
+          </a:fillRef>
+          <a:effectRef idx="0">
+            <a:schemeClr val="accent1"/>
+          </a:effectRef>
+          <a:fontRef idx="minor">
+            <a:schemeClr val="lt1"/>
+          </a:fontRef>
+        </p:style>
+        <p:txBody>
+          <a:bodyPr rtlCol="0" anchor="ctr"/>
+          <a:lstStyle/>
+          <a:p>
+            <a:r>
+              <a:rPr lang="en-US" sz="2000" cap="small" dirty="0">
+                <a:solidFill>
+                  <a:schemeClr val="tx1"/>
+                </a:solidFill>
+                <a:latin typeface="Times New Roman" pitchFamily="18" charset="0"/>
+                <a:cs typeface="Times New Roman" pitchFamily="18" charset="0"/>
+              </a:rPr>
+              <a:t>Technical Design</a:t>
+            </a:r>
+          </a:p>
+        </p:txBody>
+      </p:sp>
+      <p:sp>
+        <p:nvSpPr>
+          <p:cNvPr id="8" name="Rechteck 7"/>
+          <p:cNvSpPr/>
           <p:nvPr/>
-        </p:nvPicPr>
-        <p:blipFill>
-          <a:blip r:embed="rId3" cstate="print"/>
-          <a:stretch>
-            <a:fillRect/>
-          </a:stretch>
-        </p:blipFill>
+        </p:nvSpPr>
         <p:spPr>
           <a:xfrm>
-            <a:off x="224782" y="2780928"/>
-            <a:ext cx="1800000" cy="3153383"/>
+            <a:off x="1475656" y="3712376"/>
+            <a:ext cx="7454965" cy="620688"/>
           </a:xfrm>
           <a:prstGeom prst="rect">
             <a:avLst/>
           </a:prstGeom>
+          <a:solidFill>
+            <a:schemeClr val="accent2">
+              <a:lumMod val="60000"/>
+              <a:lumOff val="40000"/>
+            </a:schemeClr>
+          </a:solidFill>
+          <a:ln>
+            <a:noFill/>
+          </a:ln>
         </p:spPr>
-      </p:pic>
-      <p:pic>
-        <p:nvPicPr>
-          <p:cNvPr id="4" name="Grafik 3"/>
-          <p:cNvPicPr>
-            <a:picLocks noChangeAspect="1"/>
-          </p:cNvPicPr>
+        <p:style>
+          <a:lnRef idx="2">
+            <a:schemeClr val="accent1">
+              <a:shade val="50000"/>
+            </a:schemeClr>
+          </a:lnRef>
+          <a:fillRef idx="1">
+            <a:schemeClr val="accent1"/>
+          </a:fillRef>
+          <a:effectRef idx="0">
+            <a:schemeClr val="accent1"/>
+          </a:effectRef>
+          <a:fontRef idx="minor">
+            <a:schemeClr val="lt1"/>
+          </a:fontRef>
+        </p:style>
+        <p:txBody>
+          <a:bodyPr rtlCol="0" anchor="ctr"/>
+          <a:lstStyle/>
+          <a:p>
+            <a:r>
+              <a:rPr lang="en-US" sz="2000" b="1" cap="small" dirty="0">
+                <a:solidFill>
+                  <a:schemeClr val="tx1"/>
+                </a:solidFill>
+                <a:latin typeface="Times New Roman" pitchFamily="18" charset="0"/>
+                <a:cs typeface="Times New Roman" pitchFamily="18" charset="0"/>
+              </a:rPr>
+              <a:t>Android Details</a:t>
+            </a:r>
+          </a:p>
+        </p:txBody>
+      </p:sp>
+      <p:sp>
+        <p:nvSpPr>
+          <p:cNvPr id="11" name="Rechteck 10"/>
+          <p:cNvSpPr/>
           <p:nvPr/>
-        </p:nvPicPr>
-        <p:blipFill>
-          <a:blip r:embed="rId4" cstate="print"/>
-          <a:stretch>
-            <a:fillRect/>
-          </a:stretch>
-        </p:blipFill>
+        </p:nvSpPr>
         <p:spPr>
           <a:xfrm>
-            <a:off x="2177549" y="2780928"/>
-            <a:ext cx="1800000" cy="3165517"/>
+            <a:off x="1475656" y="4432456"/>
+            <a:ext cx="7454965" cy="620688"/>
           </a:xfrm>
           <a:prstGeom prst="rect">
             <a:avLst/>
           </a:prstGeom>
+          <a:solidFill>
+            <a:schemeClr val="accent2">
+              <a:lumMod val="60000"/>
+              <a:lumOff val="40000"/>
+            </a:schemeClr>
+          </a:solidFill>
+          <a:ln>
+            <a:noFill/>
+          </a:ln>
         </p:spPr>
-      </p:pic>
-      <p:pic>
-        <p:nvPicPr>
-          <p:cNvPr id="8" name="Grafik 7"/>
-          <p:cNvPicPr>
-            <a:picLocks noChangeAspect="1"/>
-          </p:cNvPicPr>
+        <p:style>
+          <a:lnRef idx="2">
+            <a:schemeClr val="accent1">
+              <a:shade val="50000"/>
+            </a:schemeClr>
+          </a:lnRef>
+          <a:fillRef idx="1">
+            <a:schemeClr val="accent1"/>
+          </a:fillRef>
+          <a:effectRef idx="0">
+            <a:schemeClr val="accent1"/>
+          </a:effectRef>
+          <a:fontRef idx="minor">
+            <a:schemeClr val="lt1"/>
+          </a:fontRef>
+        </p:style>
+        <p:txBody>
+          <a:bodyPr rtlCol="0" anchor="ctr"/>
+          <a:lstStyle/>
+          <a:p>
+            <a:r>
+              <a:rPr lang="en-US" sz="2000" cap="small" dirty="0">
+                <a:solidFill>
+                  <a:schemeClr val="tx1"/>
+                </a:solidFill>
+                <a:latin typeface="Times New Roman" pitchFamily="18" charset="0"/>
+                <a:cs typeface="Times New Roman" pitchFamily="18" charset="0"/>
+              </a:rPr>
+              <a:t>Receipt Extraction</a:t>
+            </a:r>
+          </a:p>
+        </p:txBody>
+      </p:sp>
+      <p:sp>
+        <p:nvSpPr>
+          <p:cNvPr id="12" name="Rechteck 11"/>
+          <p:cNvSpPr/>
           <p:nvPr/>
-        </p:nvPicPr>
-        <p:blipFill>
-          <a:blip r:embed="rId5" cstate="print"/>
-          <a:stretch>
-            <a:fillRect/>
-          </a:stretch>
-        </p:blipFill>
+        </p:nvSpPr>
         <p:spPr>
           <a:xfrm>
-            <a:off x="4140152" y="2780928"/>
-            <a:ext cx="1800000" cy="3141313"/>
+            <a:off x="251520" y="836712"/>
+            <a:ext cx="8679101" cy="620688"/>
           </a:xfrm>
           <a:prstGeom prst="rect">
             <a:avLst/>
           </a:prstGeom>
+          <a:solidFill>
+            <a:schemeClr val="accent2">
+              <a:lumMod val="60000"/>
+              <a:lumOff val="40000"/>
+            </a:schemeClr>
+          </a:solidFill>
+          <a:ln>
+            <a:noFill/>
+          </a:ln>
         </p:spPr>
-      </p:pic>
-      <p:pic>
-        <p:nvPicPr>
-          <p:cNvPr id="12" name="Grafik 11"/>
-          <p:cNvPicPr>
-            <a:picLocks noChangeAspect="1"/>
-          </p:cNvPicPr>
-          <p:nvPr/>
-        </p:nvPicPr>
-        <p:blipFill>
-          <a:blip r:embed="rId6" cstate="print"/>
-          <a:stretch>
-            <a:fillRect/>
-          </a:stretch>
-        </p:blipFill>
-        <p:spPr>
-          <a:xfrm>
-            <a:off x="6084448" y="3466133"/>
-            <a:ext cx="2520000" cy="753290"/>
-          </a:xfrm>
-          <a:prstGeom prst="rect">
-            <a:avLst/>
-          </a:prstGeom>
-        </p:spPr>
-      </p:pic>
-      <p:pic>
-        <p:nvPicPr>
-          <p:cNvPr id="13" name="Grafik 12"/>
-          <p:cNvPicPr>
-            <a:picLocks noChangeAspect="1"/>
-          </p:cNvPicPr>
-          <p:nvPr/>
-        </p:nvPicPr>
-        <p:blipFill>
-          <a:blip r:embed="rId7" cstate="print"/>
-          <a:stretch>
-            <a:fillRect/>
-          </a:stretch>
-        </p:blipFill>
-        <p:spPr>
-          <a:xfrm>
-            <a:off x="6300192" y="4254455"/>
-            <a:ext cx="2520000" cy="841732"/>
-          </a:xfrm>
-          <a:prstGeom prst="rect">
-            <a:avLst/>
-          </a:prstGeom>
-        </p:spPr>
-      </p:pic>
-      <p:pic>
-        <p:nvPicPr>
-          <p:cNvPr id="15" name="Grafik 14"/>
-          <p:cNvPicPr>
-            <a:picLocks noChangeAspect="1"/>
-          </p:cNvPicPr>
-          <p:nvPr/>
-        </p:nvPicPr>
-        <p:blipFill>
-          <a:blip r:embed="rId8" cstate="print"/>
-          <a:stretch>
-            <a:fillRect/>
-          </a:stretch>
-        </p:blipFill>
-        <p:spPr>
-          <a:xfrm>
-            <a:off x="6516216" y="5131219"/>
-            <a:ext cx="2520000" cy="746053"/>
-          </a:xfrm>
-          <a:prstGeom prst="rect">
-            <a:avLst/>
-          </a:prstGeom>
-        </p:spPr>
-      </p:pic>
-      <p:sp>
-        <p:nvSpPr>
-          <p:cNvPr id="18" name="Foliennummernplatzhalter 17"/>
+        <p:style>
+          <a:lnRef idx="2">
+            <a:schemeClr val="accent1">
+              <a:shade val="50000"/>
+            </a:schemeClr>
+          </a:lnRef>
+          <a:fillRef idx="1">
+            <a:schemeClr val="accent1"/>
+          </a:fillRef>
+          <a:effectRef idx="0">
+            <a:schemeClr val="accent1"/>
+          </a:effectRef>
+          <a:fontRef idx="minor">
+            <a:schemeClr val="lt1"/>
+          </a:fontRef>
+        </p:style>
+        <p:txBody>
+          <a:bodyPr rtlCol="0" anchor="ctr"/>
+          <a:lstStyle/>
+          <a:p>
+            <a:r>
+              <a:rPr lang="en-US" sz="2000" cap="small" dirty="0">
+                <a:solidFill>
+                  <a:schemeClr val="tx1"/>
+                </a:solidFill>
+                <a:latin typeface="Times New Roman" pitchFamily="18" charset="0"/>
+                <a:cs typeface="Times New Roman" pitchFamily="18" charset="0"/>
+              </a:rPr>
+              <a:t>Live Demo</a:t>
+            </a:r>
+          </a:p>
+        </p:txBody>
+      </p:sp>
+      <p:sp>
+        <p:nvSpPr>
+          <p:cNvPr id="2" name="Foliennummernplatzhalter 1"/>
           <p:cNvSpPr>
             <a:spLocks noGrp="1"/>
           </p:cNvSpPr>
@@ -9192,7 +9281,7 @@
       </p:sp>
       <p:sp>
         <p:nvSpPr>
-          <p:cNvPr id="19" name="Fußzeilenplatzhalter 18"/>
+          <p:cNvPr id="3" name="Fußzeilenplatzhalter 2"/>
           <p:cNvSpPr>
             <a:spLocks noGrp="1"/>
           </p:cNvSpPr>
@@ -9215,7 +9304,7 @@
     </p:spTree>
     <p:extLst>
       <p:ext uri="{BB962C8B-B14F-4D97-AF65-F5344CB8AC3E}">
-        <p14:creationId xmlns="" xmlns:p14="http://schemas.microsoft.com/office/powerpoint/2010/main" val="1470090484"/>
+        <p14:creationId xmlns="" xmlns:p14="http://schemas.microsoft.com/office/powerpoint/2010/main" val="1768056306"/>
       </p:ext>
     </p:extLst>
   </p:cSld>
@@ -9347,22 +9436,15 @@
           <a:p>
             <a:pPr algn="r"/>
             <a:r>
-              <a:rPr lang="en-US" sz="2000" b="1" cap="small" dirty="0">
+              <a:rPr lang="de-DE" sz="2000" b="1" cap="small" dirty="0">
                 <a:solidFill>
                   <a:schemeClr val="tx1"/>
                 </a:solidFill>
                 <a:latin typeface="Times New Roman" pitchFamily="18" charset="0"/>
                 <a:cs typeface="Times New Roman" pitchFamily="18" charset="0"/>
               </a:rPr>
-              <a:t>Action Bar with Overflow Menu</a:t>
-            </a:r>
-            <a:endParaRPr lang="de-DE" sz="2000" b="1" cap="small" dirty="0">
-              <a:solidFill>
-                <a:schemeClr val="tx1"/>
-              </a:solidFill>
-              <a:latin typeface="Times New Roman" pitchFamily="18" charset="0"/>
-              <a:cs typeface="Times New Roman" pitchFamily="18" charset="0"/>
-            </a:endParaRPr>
+              <a:t>Corporate Design</a:t>
+            </a:r>
           </a:p>
         </p:txBody>
       </p:sp>
@@ -9420,11 +9502,11 @@
                 <a:latin typeface="Times New Roman" pitchFamily="18" charset="0"/>
                 <a:cs typeface="Times New Roman" pitchFamily="18" charset="0"/>
               </a:rPr>
-              <a:t>Functionality: </a:t>
-            </a:r>
-          </a:p>
-          <a:p>
-            <a:pPr marL="800100" lvl="1" indent="-342900">
+              <a:t>Colors </a:t>
+            </a:r>
+          </a:p>
+          <a:p>
+            <a:pPr marL="342900" indent="-342900">
               <a:lnSpc>
                 <a:spcPct val="150000"/>
               </a:lnSpc>
@@ -9439,11 +9521,11 @@
                 <a:latin typeface="Times New Roman" pitchFamily="18" charset="0"/>
                 <a:cs typeface="Times New Roman" pitchFamily="18" charset="0"/>
               </a:rPr>
-              <a:t>Exit</a:t>
-            </a:r>
-          </a:p>
-          <a:p>
-            <a:pPr marL="800100" lvl="1" indent="-342900">
+              <a:t>Logo: piggybank (background in the app)</a:t>
+            </a:r>
+          </a:p>
+          <a:p>
+            <a:pPr marL="342900" indent="-342900">
               <a:lnSpc>
                 <a:spcPct val="150000"/>
               </a:lnSpc>
@@ -9458,40 +9540,8 @@
                 <a:latin typeface="Times New Roman" pitchFamily="18" charset="0"/>
                 <a:cs typeface="Times New Roman" pitchFamily="18" charset="0"/>
               </a:rPr>
-              <a:t>Help</a:t>
-            </a:r>
-          </a:p>
-          <a:p>
-            <a:pPr marL="342900" indent="-342900">
-              <a:lnSpc>
-                <a:spcPct val="150000"/>
-              </a:lnSpc>
-              <a:buFont typeface="Arial" panose="020B0604020202020204" pitchFamily="34" charset="0"/>
-              <a:buChar char="•"/>
-            </a:pPr>
-            <a:endParaRPr lang="en-US" dirty="0">
-              <a:solidFill>
-                <a:schemeClr val="tx1"/>
-              </a:solidFill>
-              <a:latin typeface="Times New Roman" pitchFamily="18" charset="0"/>
-              <a:cs typeface="Times New Roman" pitchFamily="18" charset="0"/>
-            </a:endParaRPr>
-          </a:p>
-          <a:p>
-            <a:pPr marL="342900" indent="-342900">
-              <a:lnSpc>
-                <a:spcPct val="150000"/>
-              </a:lnSpc>
-              <a:buFont typeface="Arial" panose="020B0604020202020204" pitchFamily="34" charset="0"/>
-              <a:buChar char="•"/>
-            </a:pPr>
-            <a:endParaRPr lang="en-US" dirty="0">
-              <a:solidFill>
-                <a:schemeClr val="tx1"/>
-              </a:solidFill>
-              <a:latin typeface="Times New Roman" pitchFamily="18" charset="0"/>
-              <a:cs typeface="Times New Roman" pitchFamily="18" charset="0"/>
-            </a:endParaRPr>
+              <a:t>Pictures for  Menu Help</a:t>
+            </a:r>
           </a:p>
           <a:p>
             <a:pPr lvl="0">
@@ -9508,7 +9558,7 @@
       </p:sp>
       <p:pic>
         <p:nvPicPr>
-          <p:cNvPr id="8" name="Grafik 7"/>
+          <p:cNvPr id="28" name="Grafik 27"/>
           <p:cNvPicPr>
             <a:picLocks noChangeAspect="1"/>
           </p:cNvPicPr>
@@ -9520,22 +9570,20 @@
         </p:blipFill>
         <p:spPr>
           <a:xfrm>
-            <a:off x="113203" y="2620817"/>
-            <a:ext cx="1872000" cy="3327699"/>
+            <a:off x="6444208" y="790916"/>
+            <a:ext cx="2160000" cy="2085037"/>
           </a:xfrm>
           <a:prstGeom prst="rect">
             <a:avLst/>
           </a:prstGeom>
           <a:ln>
-            <a:solidFill>
-              <a:schemeClr val="tx1"/>
-            </a:solidFill>
+            <a:noFill/>
           </a:ln>
         </p:spPr>
       </p:pic>
       <p:pic>
         <p:nvPicPr>
-          <p:cNvPr id="9" name="Grafik 8"/>
+          <p:cNvPr id="2" name="Grafik 1"/>
           <p:cNvPicPr>
             <a:picLocks noChangeAspect="1"/>
           </p:cNvPicPr>
@@ -9543,26 +9591,23 @@
         </p:nvPicPr>
         <p:blipFill>
           <a:blip r:embed="rId3" cstate="print"/>
-          <a:stretch/>
+          <a:stretch>
+            <a:fillRect/>
+          </a:stretch>
         </p:blipFill>
         <p:spPr>
           <a:xfrm>
-            <a:off x="2439848" y="2621654"/>
-            <a:ext cx="1872000" cy="3327407"/>
+            <a:off x="224782" y="2780928"/>
+            <a:ext cx="1800000" cy="3153383"/>
           </a:xfrm>
           <a:prstGeom prst="rect">
             <a:avLst/>
           </a:prstGeom>
-          <a:ln>
-            <a:solidFill>
-              <a:schemeClr val="tx1"/>
-            </a:solidFill>
-          </a:ln>
         </p:spPr>
       </p:pic>
       <p:pic>
         <p:nvPicPr>
-          <p:cNvPr id="10" name="Grafik 9"/>
+          <p:cNvPr id="4" name="Grafik 3"/>
           <p:cNvPicPr>
             <a:picLocks noChangeAspect="1"/>
           </p:cNvPicPr>
@@ -9570,26 +9615,23 @@
         </p:nvPicPr>
         <p:blipFill>
           <a:blip r:embed="rId4" cstate="print"/>
-          <a:stretch/>
+          <a:stretch>
+            <a:fillRect/>
+          </a:stretch>
         </p:blipFill>
         <p:spPr>
           <a:xfrm>
-            <a:off x="4766168" y="2620817"/>
-            <a:ext cx="1872000" cy="3328463"/>
+            <a:off x="2177549" y="2780928"/>
+            <a:ext cx="1800000" cy="3165517"/>
           </a:xfrm>
           <a:prstGeom prst="rect">
             <a:avLst/>
           </a:prstGeom>
-          <a:ln>
-            <a:solidFill>
-              <a:schemeClr val="tx1"/>
-            </a:solidFill>
-          </a:ln>
         </p:spPr>
       </p:pic>
       <p:pic>
         <p:nvPicPr>
-          <p:cNvPr id="11" name="Grafik 10"/>
+          <p:cNvPr id="8" name="Grafik 7"/>
           <p:cNvPicPr>
             <a:picLocks noChangeAspect="1"/>
           </p:cNvPicPr>
@@ -9597,26 +9639,95 @@
         </p:nvPicPr>
         <p:blipFill>
           <a:blip r:embed="rId5" cstate="print"/>
-          <a:stretch/>
+          <a:stretch>
+            <a:fillRect/>
+          </a:stretch>
         </p:blipFill>
         <p:spPr>
           <a:xfrm>
-            <a:off x="7092488" y="2620817"/>
-            <a:ext cx="1872000" cy="3328244"/>
+            <a:off x="4140152" y="2780928"/>
+            <a:ext cx="1800000" cy="3141313"/>
           </a:xfrm>
           <a:prstGeom prst="rect">
             <a:avLst/>
           </a:prstGeom>
-          <a:ln>
-            <a:solidFill>
-              <a:schemeClr val="tx1"/>
-            </a:solidFill>
-          </a:ln>
         </p:spPr>
       </p:pic>
-      <p:sp>
-        <p:nvSpPr>
-          <p:cNvPr id="2" name="Foliennummernplatzhalter 1"/>
+      <p:pic>
+        <p:nvPicPr>
+          <p:cNvPr id="12" name="Grafik 11"/>
+          <p:cNvPicPr>
+            <a:picLocks noChangeAspect="1"/>
+          </p:cNvPicPr>
+          <p:nvPr/>
+        </p:nvPicPr>
+        <p:blipFill>
+          <a:blip r:embed="rId6" cstate="print"/>
+          <a:stretch>
+            <a:fillRect/>
+          </a:stretch>
+        </p:blipFill>
+        <p:spPr>
+          <a:xfrm>
+            <a:off x="6084448" y="3466133"/>
+            <a:ext cx="2520000" cy="753290"/>
+          </a:xfrm>
+          <a:prstGeom prst="rect">
+            <a:avLst/>
+          </a:prstGeom>
+        </p:spPr>
+      </p:pic>
+      <p:pic>
+        <p:nvPicPr>
+          <p:cNvPr id="13" name="Grafik 12"/>
+          <p:cNvPicPr>
+            <a:picLocks noChangeAspect="1"/>
+          </p:cNvPicPr>
+          <p:nvPr/>
+        </p:nvPicPr>
+        <p:blipFill>
+          <a:blip r:embed="rId7" cstate="print"/>
+          <a:stretch>
+            <a:fillRect/>
+          </a:stretch>
+        </p:blipFill>
+        <p:spPr>
+          <a:xfrm>
+            <a:off x="6300192" y="4254455"/>
+            <a:ext cx="2520000" cy="841732"/>
+          </a:xfrm>
+          <a:prstGeom prst="rect">
+            <a:avLst/>
+          </a:prstGeom>
+        </p:spPr>
+      </p:pic>
+      <p:pic>
+        <p:nvPicPr>
+          <p:cNvPr id="15" name="Grafik 14"/>
+          <p:cNvPicPr>
+            <a:picLocks noChangeAspect="1"/>
+          </p:cNvPicPr>
+          <p:nvPr/>
+        </p:nvPicPr>
+        <p:blipFill>
+          <a:blip r:embed="rId8" cstate="print"/>
+          <a:stretch>
+            <a:fillRect/>
+          </a:stretch>
+        </p:blipFill>
+        <p:spPr>
+          <a:xfrm>
+            <a:off x="6516216" y="5131219"/>
+            <a:ext cx="2520000" cy="746053"/>
+          </a:xfrm>
+          <a:prstGeom prst="rect">
+            <a:avLst/>
+          </a:prstGeom>
+        </p:spPr>
+      </p:pic>
+      <p:sp>
+        <p:nvSpPr>
+          <p:cNvPr id="18" name="Foliennummernplatzhalter 17"/>
           <p:cNvSpPr>
             <a:spLocks noGrp="1"/>
           </p:cNvSpPr>
@@ -9640,7 +9751,7 @@
       </p:sp>
       <p:sp>
         <p:nvSpPr>
-          <p:cNvPr id="3" name="Fußzeilenplatzhalter 2"/>
+          <p:cNvPr id="19" name="Fußzeilenplatzhalter 18"/>
           <p:cNvSpPr>
             <a:spLocks noGrp="1"/>
           </p:cNvSpPr>
@@ -9663,7 +9774,7 @@
     </p:spTree>
     <p:extLst>
       <p:ext uri="{BB962C8B-B14F-4D97-AF65-F5344CB8AC3E}">
-        <p14:creationId xmlns="" xmlns:p14="http://schemas.microsoft.com/office/powerpoint/2010/main" val="2046461599"/>
+        <p14:creationId xmlns="" xmlns:p14="http://schemas.microsoft.com/office/powerpoint/2010/main" val="1470090484"/>
       </p:ext>
     </p:extLst>
   </p:cSld>
@@ -10216,335 +10327,171 @@
           <a:p>
             <a:pPr algn="r"/>
             <a:r>
-              <a:rPr lang="en-US" sz="2000" cap="small" dirty="0">
+              <a:rPr lang="en-US" sz="2000" b="1" cap="small" dirty="0">
                 <a:solidFill>
                   <a:schemeClr val="tx1"/>
                 </a:solidFill>
                 <a:latin typeface="Times New Roman" pitchFamily="18" charset="0"/>
                 <a:cs typeface="Times New Roman" pitchFamily="18" charset="0"/>
               </a:rPr>
-              <a:t>Scheme of Screens</a:t>
-            </a:r>
-          </a:p>
-        </p:txBody>
-      </p:sp>
-      <p:sp>
-        <p:nvSpPr>
-          <p:cNvPr id="2" name="Foliennummernplatzhalter 1"/>
-          <p:cNvSpPr>
-            <a:spLocks noGrp="1"/>
-          </p:cNvSpPr>
-          <p:nvPr>
-            <p:ph type="sldNum" sz="quarter" idx="12"/>
-          </p:nvPr>
-        </p:nvSpPr>
-        <p:spPr/>
-        <p:txBody>
-          <a:bodyPr/>
-          <a:lstStyle/>
-          <a:p>
-            <a:fld id="{C663554D-7BDA-4824-AC15-58BB57D86064}" type="slidenum">
-              <a:rPr lang="de-DE" smtClean="0"/>
-              <a:pPr/>
-              <a:t>20</a:t>
-            </a:fld>
-            <a:endParaRPr lang="de-DE"/>
-          </a:p>
-        </p:txBody>
-      </p:sp>
-      <p:sp>
-        <p:nvSpPr>
-          <p:cNvPr id="4" name="Fußzeilenplatzhalter 3"/>
-          <p:cNvSpPr>
-            <a:spLocks noGrp="1"/>
-          </p:cNvSpPr>
-          <p:nvPr>
-            <p:ph type="ftr" sz="quarter" idx="11"/>
-          </p:nvPr>
-        </p:nvSpPr>
-        <p:spPr/>
-        <p:txBody>
-          <a:bodyPr/>
-          <a:lstStyle/>
-          <a:p>
-            <a:r>
-              <a:rPr lang="de-DE"/>
-              <a:t>Kateryna Pryshchepa, Iuliia Guk, Thomas Röhl, Tetiana Lavrynovych, Sascha Zepf</a:t>
-            </a:r>
-          </a:p>
-        </p:txBody>
-      </p:sp>
-      <p:sp>
-        <p:nvSpPr>
-          <p:cNvPr id="30" name="CustomShape 1"/>
+              <a:t>Action Bar with Overflow Menu</a:t>
+            </a:r>
+            <a:endParaRPr lang="de-DE" sz="2000" b="1" cap="small" dirty="0">
+              <a:solidFill>
+                <a:schemeClr val="tx1"/>
+              </a:solidFill>
+              <a:latin typeface="Times New Roman" pitchFamily="18" charset="0"/>
+              <a:cs typeface="Times New Roman" pitchFamily="18" charset="0"/>
+            </a:endParaRPr>
+          </a:p>
+        </p:txBody>
+      </p:sp>
+      <p:sp>
+        <p:nvSpPr>
+          <p:cNvPr id="7" name="Rechteck 6"/>
           <p:cNvSpPr/>
           <p:nvPr/>
         </p:nvSpPr>
         <p:spPr>
-          <a:xfrm flipV="1">
-            <a:off x="3612600" y="1637336"/>
-            <a:ext cx="1510200" cy="245880"/>
-          </a:xfrm>
-          <a:prstGeom prst="bentConnector3">
-            <a:avLst>
-              <a:gd name="adj1" fmla="val 50000"/>
-            </a:avLst>
+          <a:xfrm>
+            <a:off x="355340" y="795402"/>
+            <a:ext cx="8433320" cy="2201549"/>
+          </a:xfrm>
+          <a:prstGeom prst="rect">
+            <a:avLst/>
           </a:prstGeom>
           <a:noFill/>
-          <a:ln w="25560">
-            <a:solidFill>
-              <a:srgbClr val="D99694"/>
-            </a:solidFill>
-            <a:round/>
-            <a:tailEnd type="triangle" w="med" len="med"/>
+          <a:ln>
+            <a:noFill/>
           </a:ln>
         </p:spPr>
         <p:style>
-          <a:lnRef idx="1">
-            <a:schemeClr val="accent1"/>
+          <a:lnRef idx="2">
+            <a:schemeClr val="accent1">
+              <a:shade val="50000"/>
+            </a:schemeClr>
           </a:lnRef>
-          <a:fillRef idx="0">
+          <a:fillRef idx="1">
             <a:schemeClr val="accent1"/>
           </a:fillRef>
           <a:effectRef idx="0">
             <a:schemeClr val="accent1"/>
           </a:effectRef>
-          <a:fontRef idx="minor"/>
+          <a:fontRef idx="minor">
+            <a:schemeClr val="lt1"/>
+          </a:fontRef>
         </p:style>
-      </p:sp>
-      <p:sp>
-        <p:nvSpPr>
-          <p:cNvPr id="31" name="CustomShape 2"/>
-          <p:cNvSpPr/>
-          <p:nvPr/>
-        </p:nvSpPr>
-        <p:spPr>
-          <a:xfrm rot="16200000" flipH="1">
-            <a:off x="3007080" y="2891216"/>
-            <a:ext cx="617400" cy="810000"/>
-          </a:xfrm>
-          <a:prstGeom prst="bentConnector3">
-            <a:avLst>
-              <a:gd name="adj1" fmla="val 50000"/>
-            </a:avLst>
-          </a:prstGeom>
-          <a:noFill/>
-          <a:ln w="25560">
-            <a:solidFill>
-              <a:srgbClr val="D99694"/>
-            </a:solidFill>
-            <a:round/>
-            <a:tailEnd type="triangle" w="med" len="med"/>
-          </a:ln>
-        </p:spPr>
-        <p:style>
-          <a:lnRef idx="1">
-            <a:schemeClr val="accent1"/>
-          </a:lnRef>
-          <a:fillRef idx="0">
-            <a:schemeClr val="accent1"/>
-          </a:fillRef>
-          <a:effectRef idx="0">
-            <a:schemeClr val="accent1"/>
-          </a:effectRef>
-          <a:fontRef idx="minor"/>
-        </p:style>
-      </p:sp>
-      <p:sp>
-        <p:nvSpPr>
-          <p:cNvPr id="34" name="CustomShape 3"/>
-          <p:cNvSpPr/>
-          <p:nvPr/>
-        </p:nvSpPr>
-        <p:spPr>
-          <a:xfrm rot="5400000">
-            <a:off x="4418280" y="2290016"/>
-            <a:ext cx="628560" cy="2023560"/>
-          </a:xfrm>
-          <a:prstGeom prst="bentConnector3">
-            <a:avLst>
-              <a:gd name="adj1" fmla="val 50000"/>
-            </a:avLst>
-          </a:prstGeom>
-          <a:noFill/>
-          <a:ln w="25560">
-            <a:solidFill>
-              <a:srgbClr val="D99694"/>
-            </a:solidFill>
-            <a:round/>
-            <a:tailEnd type="triangle" w="med" len="med"/>
-          </a:ln>
-        </p:spPr>
-        <p:style>
-          <a:lnRef idx="1">
-            <a:schemeClr val="accent1"/>
-          </a:lnRef>
-          <a:fillRef idx="0">
-            <a:schemeClr val="accent1"/>
-          </a:fillRef>
-          <a:effectRef idx="0">
-            <a:schemeClr val="accent1"/>
-          </a:effectRef>
-          <a:fontRef idx="minor"/>
-        </p:style>
-      </p:sp>
-      <p:sp>
-        <p:nvSpPr>
-          <p:cNvPr id="35" name="CustomShape 4"/>
-          <p:cNvSpPr/>
-          <p:nvPr/>
-        </p:nvSpPr>
-        <p:spPr>
-          <a:xfrm rot="10800000">
-            <a:off x="3194280" y="4974896"/>
-            <a:ext cx="637560" cy="457560"/>
-          </a:xfrm>
-          <a:prstGeom prst="bentConnector3">
-            <a:avLst>
-              <a:gd name="adj1" fmla="val 50000"/>
-            </a:avLst>
-          </a:prstGeom>
-          <a:noFill/>
-          <a:ln w="25560">
-            <a:solidFill>
-              <a:srgbClr val="F90DB6"/>
-            </a:solidFill>
-            <a:round/>
-            <a:tailEnd type="triangle" w="med" len="med"/>
-          </a:ln>
-        </p:spPr>
-        <p:style>
-          <a:lnRef idx="1">
-            <a:schemeClr val="accent1"/>
-          </a:lnRef>
-          <a:fillRef idx="0">
-            <a:schemeClr val="accent1"/>
-          </a:fillRef>
-          <a:effectRef idx="0">
-            <a:schemeClr val="accent1"/>
-          </a:effectRef>
-          <a:fontRef idx="minor"/>
-        </p:style>
-      </p:sp>
-      <p:sp>
-        <p:nvSpPr>
-          <p:cNvPr id="42" name="CustomShape 5"/>
-          <p:cNvSpPr/>
-          <p:nvPr/>
-        </p:nvSpPr>
-        <p:spPr>
-          <a:xfrm flipV="1">
-            <a:off x="4350600" y="4427336"/>
-            <a:ext cx="693000" cy="630000"/>
-          </a:xfrm>
-          <a:prstGeom prst="bentConnector3">
-            <a:avLst>
-              <a:gd name="adj1" fmla="val 50000"/>
-            </a:avLst>
-          </a:prstGeom>
-          <a:noFill/>
-          <a:ln w="25560">
-            <a:solidFill>
-              <a:srgbClr val="D99694"/>
-            </a:solidFill>
-            <a:round/>
-            <a:tailEnd type="triangle" w="med" len="med"/>
-          </a:ln>
-        </p:spPr>
-        <p:style>
-          <a:lnRef idx="1">
-            <a:schemeClr val="accent1"/>
-          </a:lnRef>
-          <a:fillRef idx="0">
-            <a:schemeClr val="accent1"/>
-          </a:fillRef>
-          <a:effectRef idx="0">
-            <a:schemeClr val="accent1"/>
-          </a:effectRef>
-          <a:fontRef idx="minor"/>
-        </p:style>
-      </p:sp>
-      <p:sp>
-        <p:nvSpPr>
-          <p:cNvPr id="43" name="CustomShape 6"/>
-          <p:cNvSpPr/>
-          <p:nvPr/>
-        </p:nvSpPr>
-        <p:spPr>
-          <a:xfrm flipV="1">
-            <a:off x="6420600" y="4390616"/>
-            <a:ext cx="540000" cy="666360"/>
-          </a:xfrm>
-          <a:prstGeom prst="bentConnector3">
-            <a:avLst>
-              <a:gd name="adj1" fmla="val 69739"/>
-            </a:avLst>
-          </a:prstGeom>
-          <a:noFill/>
-          <a:ln w="25560">
-            <a:solidFill>
-              <a:srgbClr val="D99694"/>
-            </a:solidFill>
-            <a:round/>
-            <a:tailEnd type="triangle" w="med" len="med"/>
-          </a:ln>
-        </p:spPr>
-        <p:style>
-          <a:lnRef idx="1">
-            <a:schemeClr val="accent1"/>
-          </a:lnRef>
-          <a:fillRef idx="0">
-            <a:schemeClr val="accent1"/>
-          </a:fillRef>
-          <a:effectRef idx="0">
-            <a:schemeClr val="accent1"/>
-          </a:effectRef>
-          <a:fontRef idx="minor"/>
-        </p:style>
-      </p:sp>
-      <p:sp>
-        <p:nvSpPr>
-          <p:cNvPr id="44" name="CustomShape 7"/>
-          <p:cNvSpPr/>
-          <p:nvPr/>
-        </p:nvSpPr>
-        <p:spPr>
-          <a:xfrm flipH="1">
-            <a:off x="3720600" y="5056976"/>
-            <a:ext cx="4616640" cy="900360"/>
-          </a:xfrm>
-          <a:prstGeom prst="bentConnector4">
-            <a:avLst>
-              <a:gd name="adj1" fmla="val -5141"/>
-              <a:gd name="adj2" fmla="val 115195"/>
-            </a:avLst>
-          </a:prstGeom>
-          <a:noFill/>
-          <a:ln w="25560">
-            <a:solidFill>
-              <a:srgbClr val="D99694"/>
-            </a:solidFill>
-            <a:round/>
-            <a:tailEnd type="triangle" w="med" len="med"/>
-          </a:ln>
-        </p:spPr>
-        <p:style>
-          <a:lnRef idx="1">
-            <a:schemeClr val="accent1"/>
-          </a:lnRef>
-          <a:fillRef idx="0">
-            <a:schemeClr val="accent1"/>
-          </a:fillRef>
-          <a:effectRef idx="0">
-            <a:schemeClr val="accent1"/>
-          </a:effectRef>
-          <a:fontRef idx="minor"/>
-        </p:style>
+        <p:txBody>
+          <a:bodyPr rtlCol="0" anchor="t"/>
+          <a:lstStyle/>
+          <a:p>
+            <a:pPr marL="342900" indent="-342900">
+              <a:lnSpc>
+                <a:spcPct val="150000"/>
+              </a:lnSpc>
+              <a:buFont typeface="Arial" panose="020B0604020202020204" pitchFamily="34" charset="0"/>
+              <a:buChar char="•"/>
+            </a:pPr>
+            <a:r>
+              <a:rPr lang="en-US" dirty="0">
+                <a:solidFill>
+                  <a:schemeClr val="tx1"/>
+                </a:solidFill>
+                <a:latin typeface="Times New Roman" pitchFamily="18" charset="0"/>
+                <a:cs typeface="Times New Roman" pitchFamily="18" charset="0"/>
+              </a:rPr>
+              <a:t>Functionality: </a:t>
+            </a:r>
+          </a:p>
+          <a:p>
+            <a:pPr marL="800100" lvl="1" indent="-342900">
+              <a:lnSpc>
+                <a:spcPct val="150000"/>
+              </a:lnSpc>
+              <a:buFont typeface="Arial" panose="020B0604020202020204" pitchFamily="34" charset="0"/>
+              <a:buChar char="•"/>
+            </a:pPr>
+            <a:r>
+              <a:rPr lang="en-US" dirty="0">
+                <a:solidFill>
+                  <a:schemeClr val="tx1"/>
+                </a:solidFill>
+                <a:latin typeface="Times New Roman" pitchFamily="18" charset="0"/>
+                <a:cs typeface="Times New Roman" pitchFamily="18" charset="0"/>
+              </a:rPr>
+              <a:t>Exit</a:t>
+            </a:r>
+          </a:p>
+          <a:p>
+            <a:pPr marL="800100" lvl="1" indent="-342900">
+              <a:lnSpc>
+                <a:spcPct val="150000"/>
+              </a:lnSpc>
+              <a:buFont typeface="Arial" panose="020B0604020202020204" pitchFamily="34" charset="0"/>
+              <a:buChar char="•"/>
+            </a:pPr>
+            <a:r>
+              <a:rPr lang="en-US" dirty="0">
+                <a:solidFill>
+                  <a:schemeClr val="tx1"/>
+                </a:solidFill>
+                <a:latin typeface="Times New Roman" pitchFamily="18" charset="0"/>
+                <a:cs typeface="Times New Roman" pitchFamily="18" charset="0"/>
+              </a:rPr>
+              <a:t>Help</a:t>
+            </a:r>
+          </a:p>
+          <a:p>
+            <a:pPr marL="342900" indent="-342900">
+              <a:lnSpc>
+                <a:spcPct val="150000"/>
+              </a:lnSpc>
+              <a:buFont typeface="Arial" panose="020B0604020202020204" pitchFamily="34" charset="0"/>
+              <a:buChar char="•"/>
+            </a:pPr>
+            <a:endParaRPr lang="en-US" dirty="0">
+              <a:solidFill>
+                <a:schemeClr val="tx1"/>
+              </a:solidFill>
+              <a:latin typeface="Times New Roman" pitchFamily="18" charset="0"/>
+              <a:cs typeface="Times New Roman" pitchFamily="18" charset="0"/>
+            </a:endParaRPr>
+          </a:p>
+          <a:p>
+            <a:pPr marL="342900" indent="-342900">
+              <a:lnSpc>
+                <a:spcPct val="150000"/>
+              </a:lnSpc>
+              <a:buFont typeface="Arial" panose="020B0604020202020204" pitchFamily="34" charset="0"/>
+              <a:buChar char="•"/>
+            </a:pPr>
+            <a:endParaRPr lang="en-US" dirty="0">
+              <a:solidFill>
+                <a:schemeClr val="tx1"/>
+              </a:solidFill>
+              <a:latin typeface="Times New Roman" pitchFamily="18" charset="0"/>
+              <a:cs typeface="Times New Roman" pitchFamily="18" charset="0"/>
+            </a:endParaRPr>
+          </a:p>
+          <a:p>
+            <a:pPr lvl="0">
+              <a:lnSpc>
+                <a:spcPct val="150000"/>
+              </a:lnSpc>
+            </a:pPr>
+            <a:endParaRPr lang="de-DE" sz="2000" dirty="0">
+              <a:latin typeface="Times New Roman" pitchFamily="18" charset="0"/>
+              <a:cs typeface="Times New Roman" pitchFamily="18" charset="0"/>
+            </a:endParaRPr>
+          </a:p>
+        </p:txBody>
       </p:sp>
       <p:pic>
         <p:nvPicPr>
-          <p:cNvPr id="46" name="Grafik 45"/>
-          <p:cNvPicPr/>
+          <p:cNvPr id="8" name="Grafik 7"/>
+          <p:cNvPicPr>
+            <a:picLocks noChangeAspect="1"/>
+          </p:cNvPicPr>
           <p:nvPr/>
         </p:nvPicPr>
         <p:blipFill>
@@ -10553,8 +10500,8 @@
         </p:blipFill>
         <p:spPr>
           <a:xfrm>
-            <a:off x="2235960" y="692696"/>
-            <a:ext cx="1376640" cy="2295000"/>
+            <a:off x="113203" y="2620817"/>
+            <a:ext cx="1872000" cy="3327699"/>
           </a:xfrm>
           <a:prstGeom prst="rect">
             <a:avLst/>
@@ -10568,8 +10515,10 @@
       </p:pic>
       <p:pic>
         <p:nvPicPr>
-          <p:cNvPr id="47" name="Grafik 46"/>
-          <p:cNvPicPr/>
+          <p:cNvPr id="9" name="Grafik 8"/>
+          <p:cNvPicPr>
+            <a:picLocks noChangeAspect="1"/>
+          </p:cNvPicPr>
           <p:nvPr/>
         </p:nvPicPr>
         <p:blipFill>
@@ -10578,8 +10527,8 @@
         </p:blipFill>
         <p:spPr>
           <a:xfrm>
-            <a:off x="5133600" y="737696"/>
-            <a:ext cx="1377000" cy="2294640"/>
+            <a:off x="2439848" y="2621654"/>
+            <a:ext cx="1872000" cy="3327407"/>
           </a:xfrm>
           <a:prstGeom prst="rect">
             <a:avLst/>
@@ -10593,8 +10542,10 @@
       </p:pic>
       <p:pic>
         <p:nvPicPr>
-          <p:cNvPr id="49" name="Grafik 48"/>
-          <p:cNvPicPr/>
+          <p:cNvPr id="10" name="Grafik 9"/>
+          <p:cNvPicPr>
+            <a:picLocks noChangeAspect="1"/>
+          </p:cNvPicPr>
           <p:nvPr/>
         </p:nvPicPr>
         <p:blipFill>
@@ -10603,8 +10554,8 @@
         </p:blipFill>
         <p:spPr>
           <a:xfrm>
-            <a:off x="3104280" y="3605096"/>
-            <a:ext cx="1377000" cy="2295000"/>
+            <a:off x="4766168" y="2620817"/>
+            <a:ext cx="1872000" cy="3328463"/>
           </a:xfrm>
           <a:prstGeom prst="rect">
             <a:avLst/>
@@ -10618,8 +10569,10 @@
       </p:pic>
       <p:pic>
         <p:nvPicPr>
-          <p:cNvPr id="50" name="Grafik 49"/>
-          <p:cNvPicPr/>
+          <p:cNvPr id="11" name="Grafik 10"/>
+          <p:cNvPicPr>
+            <a:picLocks noChangeAspect="1"/>
+          </p:cNvPicPr>
           <p:nvPr/>
         </p:nvPicPr>
         <p:blipFill>
@@ -10628,8 +10581,8 @@
         </p:blipFill>
         <p:spPr>
           <a:xfrm>
-            <a:off x="5043600" y="3617336"/>
-            <a:ext cx="1377000" cy="2295000"/>
+            <a:off x="7092488" y="2620817"/>
+            <a:ext cx="1872000" cy="3328244"/>
           </a:xfrm>
           <a:prstGeom prst="rect">
             <a:avLst/>
@@ -10641,98 +10594,56 @@
           </a:ln>
         </p:spPr>
       </p:pic>
-      <p:pic>
-        <p:nvPicPr>
-          <p:cNvPr id="51" name="Grafik 50"/>
-          <p:cNvPicPr/>
-          <p:nvPr/>
-        </p:nvPicPr>
-        <p:blipFill>
-          <a:blip r:embed="rId6" cstate="print"/>
-          <a:stretch/>
-        </p:blipFill>
-        <p:spPr>
-          <a:xfrm>
-            <a:off x="6960600" y="3617336"/>
-            <a:ext cx="1376640" cy="2295000"/>
-          </a:xfrm>
-          <a:prstGeom prst="rect">
-            <a:avLst/>
-          </a:prstGeom>
-          <a:ln>
-            <a:solidFill>
-              <a:schemeClr val="tx1"/>
-            </a:solidFill>
-          </a:ln>
-        </p:spPr>
-      </p:pic>
-      <p:pic>
-        <p:nvPicPr>
-          <p:cNvPr id="52" name="Grafik 51"/>
-          <p:cNvPicPr/>
-          <p:nvPr/>
-        </p:nvPicPr>
-        <p:blipFill>
-          <a:blip r:embed="rId7" cstate="print"/>
-          <a:stretch/>
-        </p:blipFill>
-        <p:spPr>
-          <a:xfrm>
-            <a:off x="1110960" y="3572336"/>
-            <a:ext cx="1377000" cy="2295000"/>
-          </a:xfrm>
-          <a:prstGeom prst="rect">
-            <a:avLst/>
-          </a:prstGeom>
-          <a:ln>
-            <a:solidFill>
-              <a:schemeClr val="tx1"/>
-            </a:solidFill>
-          </a:ln>
-        </p:spPr>
-      </p:pic>
-      <p:sp>
-        <p:nvSpPr>
-          <p:cNvPr id="53" name="CustomShape 5"/>
-          <p:cNvSpPr/>
-          <p:nvPr/>
-        </p:nvSpPr>
-        <p:spPr>
-          <a:xfrm flipH="1" flipV="1">
-            <a:off x="2487960" y="4455544"/>
-            <a:ext cx="616320" cy="629640"/>
-          </a:xfrm>
-          <a:prstGeom prst="bentConnector3">
-            <a:avLst>
-              <a:gd name="adj1" fmla="val 50000"/>
-            </a:avLst>
-          </a:prstGeom>
-          <a:noFill/>
-          <a:ln w="25560">
-            <a:solidFill>
-              <a:srgbClr val="D99694"/>
-            </a:solidFill>
-            <a:round/>
-            <a:tailEnd type="triangle" w="med" len="med"/>
-          </a:ln>
-        </p:spPr>
-        <p:style>
-          <a:lnRef idx="1">
-            <a:schemeClr val="accent1"/>
-          </a:lnRef>
-          <a:fillRef idx="0">
-            <a:schemeClr val="accent1"/>
-          </a:fillRef>
-          <a:effectRef idx="0">
-            <a:schemeClr val="accent1"/>
-          </a:effectRef>
-          <a:fontRef idx="minor"/>
-        </p:style>
+      <p:sp>
+        <p:nvSpPr>
+          <p:cNvPr id="2" name="Foliennummernplatzhalter 1"/>
+          <p:cNvSpPr>
+            <a:spLocks noGrp="1"/>
+          </p:cNvSpPr>
+          <p:nvPr>
+            <p:ph type="sldNum" sz="quarter" idx="12"/>
+          </p:nvPr>
+        </p:nvSpPr>
+        <p:spPr/>
+        <p:txBody>
+          <a:bodyPr/>
+          <a:lstStyle/>
+          <a:p>
+            <a:fld id="{C663554D-7BDA-4824-AC15-58BB57D86064}" type="slidenum">
+              <a:rPr lang="de-DE" smtClean="0"/>
+              <a:pPr/>
+              <a:t>20</a:t>
+            </a:fld>
+            <a:endParaRPr lang="de-DE"/>
+          </a:p>
+        </p:txBody>
+      </p:sp>
+      <p:sp>
+        <p:nvSpPr>
+          <p:cNvPr id="3" name="Fußzeilenplatzhalter 2"/>
+          <p:cNvSpPr>
+            <a:spLocks noGrp="1"/>
+          </p:cNvSpPr>
+          <p:nvPr>
+            <p:ph type="ftr" sz="quarter" idx="11"/>
+          </p:nvPr>
+        </p:nvSpPr>
+        <p:spPr/>
+        <p:txBody>
+          <a:bodyPr/>
+          <a:lstStyle/>
+          <a:p>
+            <a:r>
+              <a:rPr lang="de-DE"/>
+              <a:t>Kateryna Pryshchepa, Iuliia Guk, Thomas Röhl, Tetiana Lavrynovych, Sascha Zepf</a:t>
+            </a:r>
+          </a:p>
+        </p:txBody>
       </p:sp>
     </p:spTree>
     <p:extLst>
       <p:ext uri="{BB962C8B-B14F-4D97-AF65-F5344CB8AC3E}">
-        <p14:creationId xmlns="" xmlns:p14="http://schemas.microsoft.com/office/powerpoint/2010/main" val="990113117"/>
+        <p14:creationId xmlns="" xmlns:p14="http://schemas.microsoft.com/office/powerpoint/2010/main" val="2046461599"/>
       </p:ext>
     </p:extLst>
   </p:cSld>
@@ -10871,7 +10782,7 @@
                 <a:latin typeface="Times New Roman" pitchFamily="18" charset="0"/>
                 <a:cs typeface="Times New Roman" pitchFamily="18" charset="0"/>
               </a:rPr>
-              <a:t>Activity Development</a:t>
+              <a:t>Scheme of Screens</a:t>
             </a:r>
           </a:p>
         </p:txBody>
@@ -10924,226 +10835,274 @@
       </p:sp>
       <p:sp>
         <p:nvSpPr>
-          <p:cNvPr id="20" name="Rechteck 19"/>
+          <p:cNvPr id="30" name="CustomShape 1"/>
           <p:cNvSpPr/>
           <p:nvPr/>
         </p:nvSpPr>
         <p:spPr>
-          <a:xfrm>
-            <a:off x="20180" y="908720"/>
-            <a:ext cx="4504692" cy="4361790"/>
-          </a:xfrm>
-          <a:prstGeom prst="rect">
-            <a:avLst/>
+          <a:xfrm flipV="1">
+            <a:off x="3612600" y="1637336"/>
+            <a:ext cx="1510200" cy="245880"/>
+          </a:xfrm>
+          <a:prstGeom prst="bentConnector3">
+            <a:avLst>
+              <a:gd name="adj1" fmla="val 50000"/>
+            </a:avLst>
           </a:prstGeom>
           <a:noFill/>
-          <a:ln>
-            <a:noFill/>
+          <a:ln w="25560">
+            <a:solidFill>
+              <a:srgbClr val="D99694"/>
+            </a:solidFill>
+            <a:round/>
+            <a:tailEnd type="triangle" w="med" len="med"/>
           </a:ln>
         </p:spPr>
         <p:style>
-          <a:lnRef idx="2">
-            <a:schemeClr val="accent1">
-              <a:shade val="50000"/>
-            </a:schemeClr>
+          <a:lnRef idx="1">
+            <a:schemeClr val="accent1"/>
           </a:lnRef>
-          <a:fillRef idx="1">
+          <a:fillRef idx="0">
             <a:schemeClr val="accent1"/>
           </a:fillRef>
           <a:effectRef idx="0">
             <a:schemeClr val="accent1"/>
           </a:effectRef>
-          <a:fontRef idx="minor">
-            <a:schemeClr val="lt1"/>
-          </a:fontRef>
+          <a:fontRef idx="minor"/>
         </p:style>
-        <p:txBody>
-          <a:bodyPr rtlCol="0" anchor="t"/>
-          <a:lstStyle/>
-          <a:p>
-            <a:pPr marL="342900" indent="-342900">
-              <a:lnSpc>
-                <a:spcPct val="150000"/>
-              </a:lnSpc>
-              <a:buFont typeface="Arial" panose="020B0604020202020204" pitchFamily="34" charset="0"/>
-              <a:buChar char="•"/>
-            </a:pPr>
-            <a:r>
-              <a:rPr lang="en-US" dirty="0">
-                <a:solidFill>
-                  <a:schemeClr val="tx1"/>
-                </a:solidFill>
-                <a:latin typeface="Times New Roman" pitchFamily="18" charset="0"/>
-                <a:cs typeface="Times New Roman" pitchFamily="18" charset="0"/>
-              </a:rPr>
-              <a:t>Creation of  Register and Login View</a:t>
-            </a:r>
-          </a:p>
-          <a:p>
-            <a:pPr marL="342900" indent="-342900">
-              <a:lnSpc>
-                <a:spcPct val="150000"/>
-              </a:lnSpc>
-              <a:buFont typeface="Arial" panose="020B0604020202020204" pitchFamily="34" charset="0"/>
-              <a:buChar char="•"/>
-            </a:pPr>
-            <a:r>
-              <a:rPr lang="en-US" dirty="0">
-                <a:solidFill>
-                  <a:schemeClr val="tx1"/>
-                </a:solidFill>
-                <a:latin typeface="Times New Roman" pitchFamily="18" charset="0"/>
-                <a:cs typeface="Times New Roman" pitchFamily="18" charset="0"/>
-              </a:rPr>
-              <a:t>Functionality in Register and Login view:</a:t>
-            </a:r>
-          </a:p>
-          <a:p>
-            <a:pPr marL="800100" lvl="1" indent="-342900">
-              <a:lnSpc>
-                <a:spcPct val="150000"/>
-              </a:lnSpc>
-              <a:buFont typeface="Arial" panose="020B0604020202020204" pitchFamily="34" charset="0"/>
-              <a:buChar char="•"/>
-            </a:pPr>
-            <a:r>
-              <a:rPr lang="en-US" dirty="0">
-                <a:solidFill>
-                  <a:schemeClr val="tx1"/>
-                </a:solidFill>
-                <a:latin typeface="Times New Roman" pitchFamily="18" charset="0"/>
-                <a:cs typeface="Times New Roman" pitchFamily="18" charset="0"/>
-              </a:rPr>
-              <a:t>verifications</a:t>
-            </a:r>
-          </a:p>
-          <a:p>
-            <a:pPr marL="1257300" lvl="2" indent="-342900">
-              <a:lnSpc>
-                <a:spcPct val="150000"/>
-              </a:lnSpc>
-              <a:buFont typeface="Arial" panose="020B0604020202020204" pitchFamily="34" charset="0"/>
-              <a:buChar char="•"/>
-            </a:pPr>
-            <a:r>
-              <a:rPr lang="en-US" dirty="0">
-                <a:solidFill>
-                  <a:schemeClr val="tx1"/>
-                </a:solidFill>
-                <a:latin typeface="Times New Roman" pitchFamily="18" charset="0"/>
-                <a:cs typeface="Times New Roman" pitchFamily="18" charset="0"/>
-              </a:rPr>
-              <a:t>user name, password, email, complete input</a:t>
-            </a:r>
-          </a:p>
-          <a:p>
-            <a:pPr marL="800100" lvl="1" indent="-342900">
-              <a:lnSpc>
-                <a:spcPct val="150000"/>
-              </a:lnSpc>
-              <a:buFont typeface="Arial" panose="020B0604020202020204" pitchFamily="34" charset="0"/>
-              <a:buChar char="•"/>
-            </a:pPr>
-            <a:r>
-              <a:rPr lang="en-US" dirty="0">
-                <a:solidFill>
-                  <a:schemeClr val="tx1"/>
-                </a:solidFill>
-                <a:latin typeface="Times New Roman" pitchFamily="18" charset="0"/>
-                <a:cs typeface="Times New Roman" pitchFamily="18" charset="0"/>
-              </a:rPr>
-              <a:t>visualize user feedback</a:t>
-            </a:r>
-          </a:p>
-          <a:p>
-            <a:pPr marL="800100" lvl="1" indent="-342900">
-              <a:lnSpc>
-                <a:spcPct val="150000"/>
-              </a:lnSpc>
-              <a:buFont typeface="Arial" panose="020B0604020202020204" pitchFamily="34" charset="0"/>
-              <a:buChar char="•"/>
-            </a:pPr>
-            <a:r>
-              <a:rPr lang="en-US" dirty="0">
-                <a:solidFill>
-                  <a:schemeClr val="tx1"/>
-                </a:solidFill>
-                <a:latin typeface="Times New Roman" pitchFamily="18" charset="0"/>
-                <a:cs typeface="Times New Roman" pitchFamily="18" charset="0"/>
-              </a:rPr>
-              <a:t>save user data in database</a:t>
-            </a:r>
-          </a:p>
-          <a:p>
-            <a:pPr marL="800100" lvl="1" indent="-342900">
-              <a:lnSpc>
-                <a:spcPct val="150000"/>
-              </a:lnSpc>
-              <a:buFont typeface="Arial" panose="020B0604020202020204" pitchFamily="34" charset="0"/>
-              <a:buChar char="•"/>
-            </a:pPr>
-            <a:r>
-              <a:rPr lang="en-US" dirty="0">
-                <a:solidFill>
-                  <a:schemeClr val="tx1"/>
-                </a:solidFill>
-                <a:latin typeface="Times New Roman" pitchFamily="18" charset="0"/>
-                <a:cs typeface="Times New Roman" pitchFamily="18" charset="0"/>
-              </a:rPr>
-              <a:t>hide and show fields in Register view</a:t>
-            </a:r>
-          </a:p>
-          <a:p>
-            <a:pPr marL="800100" lvl="1" indent="-342900">
-              <a:lnSpc>
-                <a:spcPct val="150000"/>
-              </a:lnSpc>
-              <a:buFont typeface="Arial" panose="020B0604020202020204" pitchFamily="34" charset="0"/>
-              <a:buChar char="•"/>
-            </a:pPr>
-            <a:r>
-              <a:rPr lang="en-US" dirty="0">
-                <a:solidFill>
-                  <a:schemeClr val="tx1"/>
-                </a:solidFill>
-                <a:latin typeface="Times New Roman" pitchFamily="18" charset="0"/>
-                <a:cs typeface="Times New Roman" pitchFamily="18" charset="0"/>
-              </a:rPr>
-              <a:t>screen flow to Main view	</a:t>
-            </a:r>
-          </a:p>
-          <a:p>
-            <a:pPr marL="342900" indent="-342900">
-              <a:lnSpc>
-                <a:spcPct val="150000"/>
-              </a:lnSpc>
-              <a:buFont typeface="Arial" panose="020B0604020202020204" pitchFamily="34" charset="0"/>
-              <a:buChar char="•"/>
-            </a:pPr>
-            <a:endParaRPr lang="en-US" dirty="0">
-              <a:solidFill>
-                <a:schemeClr val="tx1"/>
-              </a:solidFill>
-              <a:latin typeface="Times New Roman" pitchFamily="18" charset="0"/>
-              <a:cs typeface="Times New Roman" pitchFamily="18" charset="0"/>
-            </a:endParaRPr>
-          </a:p>
-          <a:p>
-            <a:pPr lvl="0">
-              <a:lnSpc>
-                <a:spcPct val="150000"/>
-              </a:lnSpc>
-            </a:pPr>
-            <a:endParaRPr lang="de-DE" sz="2000" dirty="0">
-              <a:latin typeface="Times New Roman" pitchFamily="18" charset="0"/>
-              <a:cs typeface="Times New Roman" pitchFamily="18" charset="0"/>
-            </a:endParaRPr>
-          </a:p>
-        </p:txBody>
+      </p:sp>
+      <p:sp>
+        <p:nvSpPr>
+          <p:cNvPr id="31" name="CustomShape 2"/>
+          <p:cNvSpPr/>
+          <p:nvPr/>
+        </p:nvSpPr>
+        <p:spPr>
+          <a:xfrm rot="16200000" flipH="1">
+            <a:off x="3007080" y="2891216"/>
+            <a:ext cx="617400" cy="810000"/>
+          </a:xfrm>
+          <a:prstGeom prst="bentConnector3">
+            <a:avLst>
+              <a:gd name="adj1" fmla="val 50000"/>
+            </a:avLst>
+          </a:prstGeom>
+          <a:noFill/>
+          <a:ln w="25560">
+            <a:solidFill>
+              <a:srgbClr val="D99694"/>
+            </a:solidFill>
+            <a:round/>
+            <a:tailEnd type="triangle" w="med" len="med"/>
+          </a:ln>
+        </p:spPr>
+        <p:style>
+          <a:lnRef idx="1">
+            <a:schemeClr val="accent1"/>
+          </a:lnRef>
+          <a:fillRef idx="0">
+            <a:schemeClr val="accent1"/>
+          </a:fillRef>
+          <a:effectRef idx="0">
+            <a:schemeClr val="accent1"/>
+          </a:effectRef>
+          <a:fontRef idx="minor"/>
+        </p:style>
+      </p:sp>
+      <p:sp>
+        <p:nvSpPr>
+          <p:cNvPr id="34" name="CustomShape 3"/>
+          <p:cNvSpPr/>
+          <p:nvPr/>
+        </p:nvSpPr>
+        <p:spPr>
+          <a:xfrm rot="5400000">
+            <a:off x="4418280" y="2290016"/>
+            <a:ext cx="628560" cy="2023560"/>
+          </a:xfrm>
+          <a:prstGeom prst="bentConnector3">
+            <a:avLst>
+              <a:gd name="adj1" fmla="val 50000"/>
+            </a:avLst>
+          </a:prstGeom>
+          <a:noFill/>
+          <a:ln w="25560">
+            <a:solidFill>
+              <a:srgbClr val="D99694"/>
+            </a:solidFill>
+            <a:round/>
+            <a:tailEnd type="triangle" w="med" len="med"/>
+          </a:ln>
+        </p:spPr>
+        <p:style>
+          <a:lnRef idx="1">
+            <a:schemeClr val="accent1"/>
+          </a:lnRef>
+          <a:fillRef idx="0">
+            <a:schemeClr val="accent1"/>
+          </a:fillRef>
+          <a:effectRef idx="0">
+            <a:schemeClr val="accent1"/>
+          </a:effectRef>
+          <a:fontRef idx="minor"/>
+        </p:style>
+      </p:sp>
+      <p:sp>
+        <p:nvSpPr>
+          <p:cNvPr id="35" name="CustomShape 4"/>
+          <p:cNvSpPr/>
+          <p:nvPr/>
+        </p:nvSpPr>
+        <p:spPr>
+          <a:xfrm rot="10800000">
+            <a:off x="3194280" y="4974896"/>
+            <a:ext cx="637560" cy="457560"/>
+          </a:xfrm>
+          <a:prstGeom prst="bentConnector3">
+            <a:avLst>
+              <a:gd name="adj1" fmla="val 50000"/>
+            </a:avLst>
+          </a:prstGeom>
+          <a:noFill/>
+          <a:ln w="25560">
+            <a:solidFill>
+              <a:srgbClr val="F90DB6"/>
+            </a:solidFill>
+            <a:round/>
+            <a:tailEnd type="triangle" w="med" len="med"/>
+          </a:ln>
+        </p:spPr>
+        <p:style>
+          <a:lnRef idx="1">
+            <a:schemeClr val="accent1"/>
+          </a:lnRef>
+          <a:fillRef idx="0">
+            <a:schemeClr val="accent1"/>
+          </a:fillRef>
+          <a:effectRef idx="0">
+            <a:schemeClr val="accent1"/>
+          </a:effectRef>
+          <a:fontRef idx="minor"/>
+        </p:style>
+      </p:sp>
+      <p:sp>
+        <p:nvSpPr>
+          <p:cNvPr id="42" name="CustomShape 5"/>
+          <p:cNvSpPr/>
+          <p:nvPr/>
+        </p:nvSpPr>
+        <p:spPr>
+          <a:xfrm flipV="1">
+            <a:off x="4350600" y="4427336"/>
+            <a:ext cx="693000" cy="630000"/>
+          </a:xfrm>
+          <a:prstGeom prst="bentConnector3">
+            <a:avLst>
+              <a:gd name="adj1" fmla="val 50000"/>
+            </a:avLst>
+          </a:prstGeom>
+          <a:noFill/>
+          <a:ln w="25560">
+            <a:solidFill>
+              <a:srgbClr val="D99694"/>
+            </a:solidFill>
+            <a:round/>
+            <a:tailEnd type="triangle" w="med" len="med"/>
+          </a:ln>
+        </p:spPr>
+        <p:style>
+          <a:lnRef idx="1">
+            <a:schemeClr val="accent1"/>
+          </a:lnRef>
+          <a:fillRef idx="0">
+            <a:schemeClr val="accent1"/>
+          </a:fillRef>
+          <a:effectRef idx="0">
+            <a:schemeClr val="accent1"/>
+          </a:effectRef>
+          <a:fontRef idx="minor"/>
+        </p:style>
+      </p:sp>
+      <p:sp>
+        <p:nvSpPr>
+          <p:cNvPr id="43" name="CustomShape 6"/>
+          <p:cNvSpPr/>
+          <p:nvPr/>
+        </p:nvSpPr>
+        <p:spPr>
+          <a:xfrm flipV="1">
+            <a:off x="6420600" y="4390616"/>
+            <a:ext cx="540000" cy="666360"/>
+          </a:xfrm>
+          <a:prstGeom prst="bentConnector3">
+            <a:avLst>
+              <a:gd name="adj1" fmla="val 69739"/>
+            </a:avLst>
+          </a:prstGeom>
+          <a:noFill/>
+          <a:ln w="25560">
+            <a:solidFill>
+              <a:srgbClr val="D99694"/>
+            </a:solidFill>
+            <a:round/>
+            <a:tailEnd type="triangle" w="med" len="med"/>
+          </a:ln>
+        </p:spPr>
+        <p:style>
+          <a:lnRef idx="1">
+            <a:schemeClr val="accent1"/>
+          </a:lnRef>
+          <a:fillRef idx="0">
+            <a:schemeClr val="accent1"/>
+          </a:fillRef>
+          <a:effectRef idx="0">
+            <a:schemeClr val="accent1"/>
+          </a:effectRef>
+          <a:fontRef idx="minor"/>
+        </p:style>
+      </p:sp>
+      <p:sp>
+        <p:nvSpPr>
+          <p:cNvPr id="44" name="CustomShape 7"/>
+          <p:cNvSpPr/>
+          <p:nvPr/>
+        </p:nvSpPr>
+        <p:spPr>
+          <a:xfrm flipH="1">
+            <a:off x="3720600" y="5056976"/>
+            <a:ext cx="4616640" cy="900360"/>
+          </a:xfrm>
+          <a:prstGeom prst="bentConnector4">
+            <a:avLst>
+              <a:gd name="adj1" fmla="val -5141"/>
+              <a:gd name="adj2" fmla="val 115195"/>
+            </a:avLst>
+          </a:prstGeom>
+          <a:noFill/>
+          <a:ln w="25560">
+            <a:solidFill>
+              <a:srgbClr val="D99694"/>
+            </a:solidFill>
+            <a:round/>
+            <a:tailEnd type="triangle" w="med" len="med"/>
+          </a:ln>
+        </p:spPr>
+        <p:style>
+          <a:lnRef idx="1">
+            <a:schemeClr val="accent1"/>
+          </a:lnRef>
+          <a:fillRef idx="0">
+            <a:schemeClr val="accent1"/>
+          </a:fillRef>
+          <a:effectRef idx="0">
+            <a:schemeClr val="accent1"/>
+          </a:effectRef>
+          <a:fontRef idx="minor"/>
+        </p:style>
       </p:sp>
       <p:pic>
         <p:nvPicPr>
-          <p:cNvPr id="21" name="Grafik 20"/>
+          <p:cNvPr id="46" name="Grafik 45"/>
           <p:cNvPicPr/>
           <p:nvPr/>
         </p:nvPicPr>
@@ -11153,8 +11112,8 @@
         </p:blipFill>
         <p:spPr>
           <a:xfrm>
-            <a:off x="4524872" y="1327840"/>
-            <a:ext cx="2103120" cy="3504960"/>
+            <a:off x="2235960" y="692696"/>
+            <a:ext cx="1376640" cy="2295000"/>
           </a:xfrm>
           <a:prstGeom prst="rect">
             <a:avLst/>
@@ -11168,7 +11127,7 @@
       </p:pic>
       <p:pic>
         <p:nvPicPr>
-          <p:cNvPr id="22" name="Grafik 21"/>
+          <p:cNvPr id="47" name="Grafik 46"/>
           <p:cNvPicPr/>
           <p:nvPr/>
         </p:nvPicPr>
@@ -11178,8 +11137,8 @@
         </p:blipFill>
         <p:spPr>
           <a:xfrm>
-            <a:off x="6888992" y="1327120"/>
-            <a:ext cx="2125080" cy="3542040"/>
+            <a:off x="5133600" y="737696"/>
+            <a:ext cx="1377000" cy="2294640"/>
           </a:xfrm>
           <a:prstGeom prst="rect">
             <a:avLst/>
@@ -11191,10 +11150,148 @@
           </a:ln>
         </p:spPr>
       </p:pic>
+      <p:pic>
+        <p:nvPicPr>
+          <p:cNvPr id="49" name="Grafik 48"/>
+          <p:cNvPicPr/>
+          <p:nvPr/>
+        </p:nvPicPr>
+        <p:blipFill>
+          <a:blip r:embed="rId4" cstate="print"/>
+          <a:stretch/>
+        </p:blipFill>
+        <p:spPr>
+          <a:xfrm>
+            <a:off x="3104280" y="3605096"/>
+            <a:ext cx="1377000" cy="2295000"/>
+          </a:xfrm>
+          <a:prstGeom prst="rect">
+            <a:avLst/>
+          </a:prstGeom>
+          <a:ln>
+            <a:solidFill>
+              <a:schemeClr val="tx1"/>
+            </a:solidFill>
+          </a:ln>
+        </p:spPr>
+      </p:pic>
+      <p:pic>
+        <p:nvPicPr>
+          <p:cNvPr id="50" name="Grafik 49"/>
+          <p:cNvPicPr/>
+          <p:nvPr/>
+        </p:nvPicPr>
+        <p:blipFill>
+          <a:blip r:embed="rId5" cstate="print"/>
+          <a:stretch/>
+        </p:blipFill>
+        <p:spPr>
+          <a:xfrm>
+            <a:off x="5043600" y="3617336"/>
+            <a:ext cx="1377000" cy="2295000"/>
+          </a:xfrm>
+          <a:prstGeom prst="rect">
+            <a:avLst/>
+          </a:prstGeom>
+          <a:ln>
+            <a:solidFill>
+              <a:schemeClr val="tx1"/>
+            </a:solidFill>
+          </a:ln>
+        </p:spPr>
+      </p:pic>
+      <p:pic>
+        <p:nvPicPr>
+          <p:cNvPr id="51" name="Grafik 50"/>
+          <p:cNvPicPr/>
+          <p:nvPr/>
+        </p:nvPicPr>
+        <p:blipFill>
+          <a:blip r:embed="rId6" cstate="print"/>
+          <a:stretch/>
+        </p:blipFill>
+        <p:spPr>
+          <a:xfrm>
+            <a:off x="6960600" y="3617336"/>
+            <a:ext cx="1376640" cy="2295000"/>
+          </a:xfrm>
+          <a:prstGeom prst="rect">
+            <a:avLst/>
+          </a:prstGeom>
+          <a:ln>
+            <a:solidFill>
+              <a:schemeClr val="tx1"/>
+            </a:solidFill>
+          </a:ln>
+        </p:spPr>
+      </p:pic>
+      <p:pic>
+        <p:nvPicPr>
+          <p:cNvPr id="52" name="Grafik 51"/>
+          <p:cNvPicPr/>
+          <p:nvPr/>
+        </p:nvPicPr>
+        <p:blipFill>
+          <a:blip r:embed="rId7" cstate="print"/>
+          <a:stretch/>
+        </p:blipFill>
+        <p:spPr>
+          <a:xfrm>
+            <a:off x="1110960" y="3572336"/>
+            <a:ext cx="1377000" cy="2295000"/>
+          </a:xfrm>
+          <a:prstGeom prst="rect">
+            <a:avLst/>
+          </a:prstGeom>
+          <a:ln>
+            <a:solidFill>
+              <a:schemeClr val="tx1"/>
+            </a:solidFill>
+          </a:ln>
+        </p:spPr>
+      </p:pic>
+      <p:sp>
+        <p:nvSpPr>
+          <p:cNvPr id="53" name="CustomShape 5"/>
+          <p:cNvSpPr/>
+          <p:nvPr/>
+        </p:nvSpPr>
+        <p:spPr>
+          <a:xfrm flipH="1" flipV="1">
+            <a:off x="2487960" y="4455544"/>
+            <a:ext cx="616320" cy="629640"/>
+          </a:xfrm>
+          <a:prstGeom prst="bentConnector3">
+            <a:avLst>
+              <a:gd name="adj1" fmla="val 50000"/>
+            </a:avLst>
+          </a:prstGeom>
+          <a:noFill/>
+          <a:ln w="25560">
+            <a:solidFill>
+              <a:srgbClr val="D99694"/>
+            </a:solidFill>
+            <a:round/>
+            <a:tailEnd type="triangle" w="med" len="med"/>
+          </a:ln>
+        </p:spPr>
+        <p:style>
+          <a:lnRef idx="1">
+            <a:schemeClr val="accent1"/>
+          </a:lnRef>
+          <a:fillRef idx="0">
+            <a:schemeClr val="accent1"/>
+          </a:fillRef>
+          <a:effectRef idx="0">
+            <a:schemeClr val="accent1"/>
+          </a:effectRef>
+          <a:fontRef idx="minor"/>
+        </p:style>
+      </p:sp>
     </p:spTree>
     <p:extLst>
       <p:ext uri="{BB962C8B-B14F-4D97-AF65-F5344CB8AC3E}">
-        <p14:creationId xmlns="" xmlns:p14="http://schemas.microsoft.com/office/powerpoint/2010/main" val="2041020769"/>
+        <p14:creationId xmlns="" xmlns:p14="http://schemas.microsoft.com/office/powerpoint/2010/main" val="990113117"/>
       </p:ext>
     </p:extLst>
   </p:cSld>
@@ -11348,12 +11445,7 @@
             <p:ph type="sldNum" sz="quarter" idx="12"/>
           </p:nvPr>
         </p:nvSpPr>
-        <p:spPr>
-          <a:xfrm>
-            <a:off x="6553200" y="5634598"/>
-            <a:ext cx="2133600" cy="365125"/>
-          </a:xfrm>
-        </p:spPr>
+        <p:spPr/>
         <p:txBody>
           <a:bodyPr/>
           <a:lstStyle/>
@@ -11443,7 +11535,26 @@
                 <a:latin typeface="Times New Roman" pitchFamily="18" charset="0"/>
                 <a:cs typeface="Times New Roman" pitchFamily="18" charset="0"/>
               </a:rPr>
-              <a:t>Functionality in Main view</a:t>
+              <a:t>Creation of  Register and Login View</a:t>
+            </a:r>
+          </a:p>
+          <a:p>
+            <a:pPr marL="342900" indent="-342900">
+              <a:lnSpc>
+                <a:spcPct val="150000"/>
+              </a:lnSpc>
+              <a:buFont typeface="Arial" panose="020B0604020202020204" pitchFamily="34" charset="0"/>
+              <a:buChar char="•"/>
+            </a:pPr>
+            <a:r>
+              <a:rPr lang="en-US" dirty="0">
+                <a:solidFill>
+                  <a:schemeClr val="tx1"/>
+                </a:solidFill>
+                <a:latin typeface="Times New Roman" pitchFamily="18" charset="0"/>
+                <a:cs typeface="Times New Roman" pitchFamily="18" charset="0"/>
+              </a:rPr>
+              <a:t>Functionality in Register and Login view:</a:t>
             </a:r>
           </a:p>
           <a:p>
@@ -11462,11 +11573,11 @@
                 <a:latin typeface="Times New Roman" pitchFamily="18" charset="0"/>
                 <a:cs typeface="Times New Roman" pitchFamily="18" charset="0"/>
               </a:rPr>
-              <a:t>get 20 latest receipts from database</a:t>
-            </a:r>
-          </a:p>
-          <a:p>
-            <a:pPr marL="342900" indent="-342900">
+              <a:t>verifications</a:t>
+            </a:r>
+          </a:p>
+          <a:p>
+            <a:pPr marL="1257300" lvl="2" indent="-342900">
               <a:lnSpc>
                 <a:spcPct val="150000"/>
               </a:lnSpc>
@@ -11481,7 +11592,7 @@
                 <a:latin typeface="Times New Roman" pitchFamily="18" charset="0"/>
                 <a:cs typeface="Times New Roman" pitchFamily="18" charset="0"/>
               </a:rPr>
-              <a:t>Functionality in Report view	</a:t>
+              <a:t>user name, password, email, complete input</a:t>
             </a:r>
           </a:p>
           <a:p>
@@ -11500,7 +11611,7 @@
                 <a:latin typeface="Times New Roman" pitchFamily="18" charset="0"/>
                 <a:cs typeface="Times New Roman" pitchFamily="18" charset="0"/>
               </a:rPr>
-              <a:t>get all receipts grouped by name</a:t>
+              <a:t>visualize user feedback</a:t>
             </a:r>
           </a:p>
           <a:p>
@@ -11519,7 +11630,7 @@
                 <a:latin typeface="Times New Roman" pitchFamily="18" charset="0"/>
                 <a:cs typeface="Times New Roman" pitchFamily="18" charset="0"/>
               </a:rPr>
-              <a:t>get all receipts grouped by category</a:t>
+              <a:t>save user data in database</a:t>
             </a:r>
           </a:p>
           <a:p>
@@ -11538,7 +11649,7 @@
                 <a:latin typeface="Times New Roman" pitchFamily="18" charset="0"/>
                 <a:cs typeface="Times New Roman" pitchFamily="18" charset="0"/>
               </a:rPr>
-              <a:t>expand receipts grouped by selected shop name</a:t>
+              <a:t>hide and show fields in Register view</a:t>
             </a:r>
           </a:p>
           <a:p>
@@ -11557,7 +11668,7 @@
                 <a:latin typeface="Times New Roman" pitchFamily="18" charset="0"/>
                 <a:cs typeface="Times New Roman" pitchFamily="18" charset="0"/>
               </a:rPr>
-              <a:t>expand all receipts grouped by selected category 		</a:t>
+              <a:t>screen flow to Main view	</a:t>
             </a:r>
           </a:p>
           <a:p>
@@ -11591,10 +11702,8 @@
       </p:sp>
       <p:pic>
         <p:nvPicPr>
-          <p:cNvPr id="9" name="Grafik 8"/>
-          <p:cNvPicPr>
-            <a:picLocks noChangeAspect="1"/>
-          </p:cNvPicPr>
+          <p:cNvPr id="21" name="Grafik 20"/>
+          <p:cNvPicPr/>
           <p:nvPr/>
         </p:nvPicPr>
         <p:blipFill>
@@ -11603,8 +11712,8 @@
         </p:blipFill>
         <p:spPr>
           <a:xfrm>
-            <a:off x="7020272" y="2905248"/>
-            <a:ext cx="1944069" cy="3240000"/>
+            <a:off x="4524872" y="1327840"/>
+            <a:ext cx="2103120" cy="3504960"/>
           </a:xfrm>
           <a:prstGeom prst="rect">
             <a:avLst/>
@@ -11618,7 +11727,7 @@
       </p:pic>
       <p:pic>
         <p:nvPicPr>
-          <p:cNvPr id="10" name="Grafik 9"/>
+          <p:cNvPr id="22" name="Grafik 21"/>
           <p:cNvPicPr/>
           <p:nvPr/>
         </p:nvPicPr>
@@ -11628,8 +11737,8 @@
         </p:blipFill>
         <p:spPr>
           <a:xfrm>
-            <a:off x="5068080" y="764896"/>
-            <a:ext cx="3383280" cy="1728000"/>
+            <a:off x="6888992" y="1327120"/>
+            <a:ext cx="2125080" cy="3542040"/>
           </a:xfrm>
           <a:prstGeom prst="rect">
             <a:avLst/>
@@ -11641,117 +11750,10 @@
           </a:ln>
         </p:spPr>
       </p:pic>
-      <p:pic>
-        <p:nvPicPr>
-          <p:cNvPr id="13" name="Grafik 12"/>
-          <p:cNvPicPr>
-            <a:picLocks noChangeAspect="1"/>
-          </p:cNvPicPr>
-          <p:nvPr/>
-        </p:nvPicPr>
-        <p:blipFill>
-          <a:blip r:embed="rId4" cstate="print"/>
-          <a:stretch/>
-        </p:blipFill>
-        <p:spPr>
-          <a:xfrm>
-            <a:off x="4572000" y="2905248"/>
-            <a:ext cx="1943934" cy="3240000"/>
-          </a:xfrm>
-          <a:prstGeom prst="rect">
-            <a:avLst/>
-          </a:prstGeom>
-          <a:ln>
-            <a:solidFill>
-              <a:schemeClr val="tx1"/>
-            </a:solidFill>
-          </a:ln>
-        </p:spPr>
-      </p:pic>
-      <p:cxnSp>
-        <p:nvCxnSpPr>
-          <p:cNvPr id="7" name="Gewinkelter Verbinder 6"/>
-          <p:cNvCxnSpPr>
-            <a:stCxn id="10" idx="2"/>
-            <a:endCxn id="13" idx="0"/>
-          </p:cNvCxnSpPr>
-          <p:nvPr/>
-        </p:nvCxnSpPr>
-        <p:spPr>
-          <a:xfrm rot="5400000">
-            <a:off x="5945668" y="2091196"/>
-            <a:ext cx="412352" cy="1215753"/>
-          </a:xfrm>
-          <a:prstGeom prst="bentConnector3">
-            <a:avLst/>
-          </a:prstGeom>
-          <a:ln w="19050">
-            <a:solidFill>
-              <a:srgbClr val="D99694"/>
-            </a:solidFill>
-            <a:tailEnd type="triangle"/>
-          </a:ln>
-        </p:spPr>
-        <p:style>
-          <a:lnRef idx="1">
-            <a:schemeClr val="accent1"/>
-          </a:lnRef>
-          <a:fillRef idx="0">
-            <a:schemeClr val="accent1"/>
-          </a:fillRef>
-          <a:effectRef idx="0">
-            <a:schemeClr val="accent1"/>
-          </a:effectRef>
-          <a:fontRef idx="minor">
-            <a:schemeClr val="tx1"/>
-          </a:fontRef>
-        </p:style>
-      </p:cxnSp>
-      <p:cxnSp>
-        <p:nvCxnSpPr>
-          <p:cNvPr id="17" name="Gewinkelter Verbinder 16"/>
-          <p:cNvCxnSpPr>
-            <a:stCxn id="10" idx="2"/>
-            <a:endCxn id="9" idx="0"/>
-          </p:cNvCxnSpPr>
-          <p:nvPr/>
-        </p:nvCxnSpPr>
-        <p:spPr>
-          <a:xfrm rot="16200000" flipH="1">
-            <a:off x="7169837" y="2082778"/>
-            <a:ext cx="412352" cy="1232587"/>
-          </a:xfrm>
-          <a:prstGeom prst="bentConnector3">
-            <a:avLst>
-              <a:gd name="adj1" fmla="val 50000"/>
-            </a:avLst>
-          </a:prstGeom>
-          <a:ln w="19050">
-            <a:solidFill>
-              <a:srgbClr val="D99694"/>
-            </a:solidFill>
-            <a:tailEnd type="triangle"/>
-          </a:ln>
-        </p:spPr>
-        <p:style>
-          <a:lnRef idx="1">
-            <a:schemeClr val="accent1"/>
-          </a:lnRef>
-          <a:fillRef idx="0">
-            <a:schemeClr val="accent1"/>
-          </a:fillRef>
-          <a:effectRef idx="0">
-            <a:schemeClr val="accent1"/>
-          </a:effectRef>
-          <a:fontRef idx="minor">
-            <a:schemeClr val="tx1"/>
-          </a:fontRef>
-        </p:style>
-      </p:cxnSp>
     </p:spTree>
     <p:extLst>
       <p:ext uri="{BB962C8B-B14F-4D97-AF65-F5344CB8AC3E}">
-        <p14:creationId xmlns="" xmlns:p14="http://schemas.microsoft.com/office/powerpoint/2010/main" val="184393572"/>
+        <p14:creationId xmlns="" xmlns:p14="http://schemas.microsoft.com/office/powerpoint/2010/main" val="2041020769"/>
       </p:ext>
     </p:extLst>
   </p:cSld>
@@ -11890,8 +11892,37 @@
                 <a:latin typeface="Times New Roman" pitchFamily="18" charset="0"/>
                 <a:cs typeface="Times New Roman" pitchFamily="18" charset="0"/>
               </a:rPr>
-              <a:t>User Manual</a:t>
-            </a:r>
+              <a:t>Activity Development</a:t>
+            </a:r>
+          </a:p>
+        </p:txBody>
+      </p:sp>
+      <p:sp>
+        <p:nvSpPr>
+          <p:cNvPr id="2" name="Foliennummernplatzhalter 1"/>
+          <p:cNvSpPr>
+            <a:spLocks noGrp="1"/>
+          </p:cNvSpPr>
+          <p:nvPr>
+            <p:ph type="sldNum" sz="quarter" idx="12"/>
+          </p:nvPr>
+        </p:nvSpPr>
+        <p:spPr>
+          <a:xfrm>
+            <a:off x="6553200" y="5634598"/>
+            <a:ext cx="2133600" cy="365125"/>
+          </a:xfrm>
+        </p:spPr>
+        <p:txBody>
+          <a:bodyPr/>
+          <a:lstStyle/>
+          <a:p>
+            <a:fld id="{C663554D-7BDA-4824-AC15-58BB57D86064}" type="slidenum">
+              <a:rPr lang="de-DE" smtClean="0"/>
+              <a:pPr/>
+              <a:t>23</a:t>
+            </a:fld>
+            <a:endParaRPr lang="de-DE"/>
           </a:p>
         </p:txBody>
       </p:sp>
@@ -11925,8 +11956,8 @@
         </p:nvSpPr>
         <p:spPr>
           <a:xfrm>
-            <a:off x="20180" y="1083434"/>
-            <a:ext cx="4319028" cy="4361790"/>
+            <a:off x="20180" y="908720"/>
+            <a:ext cx="4504692" cy="4361790"/>
           </a:xfrm>
           <a:prstGeom prst="rect">
             <a:avLst/>
@@ -11956,20 +11987,22 @@
           <a:bodyPr rtlCol="0" anchor="t"/>
           <a:lstStyle/>
           <a:p>
-            <a:pPr>
+            <a:pPr marL="342900" indent="-342900">
               <a:lnSpc>
                 <a:spcPct val="150000"/>
               </a:lnSpc>
+              <a:buFont typeface="Arial" panose="020B0604020202020204" pitchFamily="34" charset="0"/>
+              <a:buChar char="•"/>
             </a:pPr>
             <a:r>
-              <a:rPr lang="en-US" b="1" dirty="0">
+              <a:rPr lang="en-US" dirty="0">
                 <a:solidFill>
                   <a:schemeClr val="tx1"/>
                 </a:solidFill>
                 <a:latin typeface="Times New Roman" pitchFamily="18" charset="0"/>
                 <a:cs typeface="Times New Roman" pitchFamily="18" charset="0"/>
               </a:rPr>
-              <a:t>User manual in 7 Steps:</a:t>
+              <a:t>Functionality in Main view</a:t>
             </a:r>
           </a:p>
           <a:p>
@@ -11988,7 +12021,26 @@
                 <a:latin typeface="Times New Roman" pitchFamily="18" charset="0"/>
                 <a:cs typeface="Times New Roman" pitchFamily="18" charset="0"/>
               </a:rPr>
-              <a:t>Step 1 Registration</a:t>
+              <a:t>get 20 latest receipts from database</a:t>
+            </a:r>
+          </a:p>
+          <a:p>
+            <a:pPr marL="342900" indent="-342900">
+              <a:lnSpc>
+                <a:spcPct val="150000"/>
+              </a:lnSpc>
+              <a:buFont typeface="Arial" panose="020B0604020202020204" pitchFamily="34" charset="0"/>
+              <a:buChar char="•"/>
+            </a:pPr>
+            <a:r>
+              <a:rPr lang="en-US" dirty="0">
+                <a:solidFill>
+                  <a:schemeClr val="tx1"/>
+                </a:solidFill>
+                <a:latin typeface="Times New Roman" pitchFamily="18" charset="0"/>
+                <a:cs typeface="Times New Roman" pitchFamily="18" charset="0"/>
+              </a:rPr>
+              <a:t>Functionality in Report view	</a:t>
             </a:r>
           </a:p>
           <a:p>
@@ -12007,7 +12059,7 @@
                 <a:latin typeface="Times New Roman" pitchFamily="18" charset="0"/>
                 <a:cs typeface="Times New Roman" pitchFamily="18" charset="0"/>
               </a:rPr>
-              <a:t>Step 2 Login</a:t>
+              <a:t>get all receipts grouped by name</a:t>
             </a:r>
           </a:p>
           <a:p>
@@ -12026,7 +12078,7 @@
                 <a:latin typeface="Times New Roman" pitchFamily="18" charset="0"/>
                 <a:cs typeface="Times New Roman" pitchFamily="18" charset="0"/>
               </a:rPr>
-              <a:t>Step 3 Main view</a:t>
+              <a:t>get all receipts grouped by category</a:t>
             </a:r>
           </a:p>
           <a:p>
@@ -12045,7 +12097,7 @@
                 <a:latin typeface="Times New Roman" pitchFamily="18" charset="0"/>
                 <a:cs typeface="Times New Roman" pitchFamily="18" charset="0"/>
               </a:rPr>
-              <a:t>Step 4 Scan receipt</a:t>
+              <a:t>expand receipts grouped by selected shop name</a:t>
             </a:r>
           </a:p>
           <a:p>
@@ -12064,45 +12116,7 @@
                 <a:latin typeface="Times New Roman" pitchFamily="18" charset="0"/>
                 <a:cs typeface="Times New Roman" pitchFamily="18" charset="0"/>
               </a:rPr>
-              <a:t>Step 5 Check results </a:t>
-            </a:r>
-          </a:p>
-          <a:p>
-            <a:pPr marL="800100" lvl="1" indent="-342900">
-              <a:lnSpc>
-                <a:spcPct val="150000"/>
-              </a:lnSpc>
-              <a:buFont typeface="Arial" panose="020B0604020202020204" pitchFamily="34" charset="0"/>
-              <a:buChar char="•"/>
-            </a:pPr>
-            <a:r>
-              <a:rPr lang="en-US" dirty="0">
-                <a:solidFill>
-                  <a:schemeClr val="tx1"/>
-                </a:solidFill>
-                <a:latin typeface="Times New Roman" pitchFamily="18" charset="0"/>
-                <a:cs typeface="Times New Roman" pitchFamily="18" charset="0"/>
-              </a:rPr>
-              <a:t>Step 6 Main view with summary</a:t>
-            </a:r>
-          </a:p>
-          <a:p>
-            <a:pPr marL="800100" lvl="1" indent="-342900">
-              <a:lnSpc>
-                <a:spcPct val="150000"/>
-              </a:lnSpc>
-              <a:buFont typeface="Arial" panose="020B0604020202020204" pitchFamily="34" charset="0"/>
-              <a:buChar char="•"/>
-            </a:pPr>
-            <a:r>
-              <a:rPr lang="en-US" dirty="0">
-                <a:solidFill>
-                  <a:schemeClr val="tx1"/>
-                </a:solidFill>
-                <a:latin typeface="Times New Roman" pitchFamily="18" charset="0"/>
-                <a:cs typeface="Times New Roman" pitchFamily="18" charset="0"/>
-              </a:rPr>
-              <a:t>Step 7 Reports view	</a:t>
+              <a:t>expand all receipts grouped by selected category 		</a:t>
             </a:r>
           </a:p>
           <a:p>
@@ -12136,8 +12150,10 @@
       </p:sp>
       <p:pic>
         <p:nvPicPr>
-          <p:cNvPr id="12" name="Grafik 11"/>
-          <p:cNvPicPr/>
+          <p:cNvPr id="9" name="Grafik 8"/>
+          <p:cNvPicPr>
+            <a:picLocks noChangeAspect="1"/>
+          </p:cNvPicPr>
           <p:nvPr/>
         </p:nvPicPr>
         <p:blipFill>
@@ -12146,45 +12162,155 @@
         </p:blipFill>
         <p:spPr>
           <a:xfrm>
-            <a:off x="4339208" y="1249971"/>
-            <a:ext cx="4553272" cy="3577879"/>
+            <a:off x="7020272" y="2905248"/>
+            <a:ext cx="1944069" cy="3240000"/>
           </a:xfrm>
           <a:prstGeom prst="rect">
             <a:avLst/>
           </a:prstGeom>
           <a:ln>
-            <a:noFill/>
+            <a:solidFill>
+              <a:schemeClr val="tx1"/>
+            </a:solidFill>
           </a:ln>
         </p:spPr>
       </p:pic>
-      <p:sp>
-        <p:nvSpPr>
-          <p:cNvPr id="3" name="Foliennummernplatzhalter 2"/>
-          <p:cNvSpPr>
-            <a:spLocks noGrp="1"/>
-          </p:cNvSpPr>
-          <p:nvPr>
-            <p:ph type="sldNum" sz="quarter" idx="12"/>
-          </p:nvPr>
-        </p:nvSpPr>
-        <p:spPr/>
-        <p:txBody>
-          <a:bodyPr/>
-          <a:lstStyle/>
-          <a:p>
-            <a:fld id="{C663554D-7BDA-4824-AC15-58BB57D86064}" type="slidenum">
-              <a:rPr lang="de-DE" smtClean="0"/>
-              <a:pPr/>
-              <a:t>23</a:t>
-            </a:fld>
-            <a:endParaRPr lang="de-DE"/>
-          </a:p>
-        </p:txBody>
-      </p:sp>
+      <p:pic>
+        <p:nvPicPr>
+          <p:cNvPr id="10" name="Grafik 9"/>
+          <p:cNvPicPr/>
+          <p:nvPr/>
+        </p:nvPicPr>
+        <p:blipFill>
+          <a:blip r:embed="rId3" cstate="print"/>
+          <a:stretch/>
+        </p:blipFill>
+        <p:spPr>
+          <a:xfrm>
+            <a:off x="5068080" y="764896"/>
+            <a:ext cx="3383280" cy="1728000"/>
+          </a:xfrm>
+          <a:prstGeom prst="rect">
+            <a:avLst/>
+          </a:prstGeom>
+          <a:ln>
+            <a:solidFill>
+              <a:schemeClr val="tx1"/>
+            </a:solidFill>
+          </a:ln>
+        </p:spPr>
+      </p:pic>
+      <p:pic>
+        <p:nvPicPr>
+          <p:cNvPr id="13" name="Grafik 12"/>
+          <p:cNvPicPr>
+            <a:picLocks noChangeAspect="1"/>
+          </p:cNvPicPr>
+          <p:nvPr/>
+        </p:nvPicPr>
+        <p:blipFill>
+          <a:blip r:embed="rId4" cstate="print"/>
+          <a:stretch/>
+        </p:blipFill>
+        <p:spPr>
+          <a:xfrm>
+            <a:off x="4572000" y="2905248"/>
+            <a:ext cx="1943934" cy="3240000"/>
+          </a:xfrm>
+          <a:prstGeom prst="rect">
+            <a:avLst/>
+          </a:prstGeom>
+          <a:ln>
+            <a:solidFill>
+              <a:schemeClr val="tx1"/>
+            </a:solidFill>
+          </a:ln>
+        </p:spPr>
+      </p:pic>
+      <p:cxnSp>
+        <p:nvCxnSpPr>
+          <p:cNvPr id="7" name="Gewinkelter Verbinder 6"/>
+          <p:cNvCxnSpPr>
+            <a:stCxn id="10" idx="2"/>
+            <a:endCxn id="13" idx="0"/>
+          </p:cNvCxnSpPr>
+          <p:nvPr/>
+        </p:nvCxnSpPr>
+        <p:spPr>
+          <a:xfrm rot="5400000">
+            <a:off x="5945668" y="2091196"/>
+            <a:ext cx="412352" cy="1215753"/>
+          </a:xfrm>
+          <a:prstGeom prst="bentConnector3">
+            <a:avLst/>
+          </a:prstGeom>
+          <a:ln w="19050">
+            <a:solidFill>
+              <a:srgbClr val="D99694"/>
+            </a:solidFill>
+            <a:tailEnd type="triangle"/>
+          </a:ln>
+        </p:spPr>
+        <p:style>
+          <a:lnRef idx="1">
+            <a:schemeClr val="accent1"/>
+          </a:lnRef>
+          <a:fillRef idx="0">
+            <a:schemeClr val="accent1"/>
+          </a:fillRef>
+          <a:effectRef idx="0">
+            <a:schemeClr val="accent1"/>
+          </a:effectRef>
+          <a:fontRef idx="minor">
+            <a:schemeClr val="tx1"/>
+          </a:fontRef>
+        </p:style>
+      </p:cxnSp>
+      <p:cxnSp>
+        <p:nvCxnSpPr>
+          <p:cNvPr id="17" name="Gewinkelter Verbinder 16"/>
+          <p:cNvCxnSpPr>
+            <a:stCxn id="10" idx="2"/>
+            <a:endCxn id="9" idx="0"/>
+          </p:cNvCxnSpPr>
+          <p:nvPr/>
+        </p:nvCxnSpPr>
+        <p:spPr>
+          <a:xfrm rot="16200000" flipH="1">
+            <a:off x="7169837" y="2082778"/>
+            <a:ext cx="412352" cy="1232587"/>
+          </a:xfrm>
+          <a:prstGeom prst="bentConnector3">
+            <a:avLst>
+              <a:gd name="adj1" fmla="val 50000"/>
+            </a:avLst>
+          </a:prstGeom>
+          <a:ln w="19050">
+            <a:solidFill>
+              <a:srgbClr val="D99694"/>
+            </a:solidFill>
+            <a:tailEnd type="triangle"/>
+          </a:ln>
+        </p:spPr>
+        <p:style>
+          <a:lnRef idx="1">
+            <a:schemeClr val="accent1"/>
+          </a:lnRef>
+          <a:fillRef idx="0">
+            <a:schemeClr val="accent1"/>
+          </a:fillRef>
+          <a:effectRef idx="0">
+            <a:schemeClr val="accent1"/>
+          </a:effectRef>
+          <a:fontRef idx="minor">
+            <a:schemeClr val="tx1"/>
+          </a:fontRef>
+        </p:style>
+      </p:cxnSp>
     </p:spTree>
     <p:extLst>
       <p:ext uri="{BB962C8B-B14F-4D97-AF65-F5344CB8AC3E}">
-        <p14:creationId xmlns="" xmlns:p14="http://schemas.microsoft.com/office/powerpoint/2010/main" val="3072821877"/>
+        <p14:creationId xmlns="" xmlns:p14="http://schemas.microsoft.com/office/powerpoint/2010/main" val="184393572"/>
       </p:ext>
     </p:extLst>
   </p:cSld>
@@ -12220,13 +12346,13 @@
       </p:grpSpPr>
       <p:sp>
         <p:nvSpPr>
-          <p:cNvPr id="4" name="Rechteck 3"/>
+          <p:cNvPr id="5" name="Rechteck 4"/>
           <p:cNvSpPr/>
           <p:nvPr/>
         </p:nvSpPr>
         <p:spPr>
           <a:xfrm>
-            <a:off x="0" y="0"/>
+            <a:off x="0" y="6237312"/>
             <a:ext cx="9144000" cy="620688"/>
           </a:xfrm>
           <a:prstGeom prst="rect">
@@ -12262,29 +12388,23 @@
           <a:bodyPr rtlCol="0" anchor="ctr"/>
           <a:lstStyle/>
           <a:p>
-            <a:pPr algn="r"/>
-            <a:r>
-              <a:rPr lang="en-US" sz="2000" b="1" cap="small" dirty="0">
-                <a:solidFill>
-                  <a:schemeClr val="tx1"/>
-                </a:solidFill>
-                <a:latin typeface="Times New Roman" pitchFamily="18" charset="0"/>
-                <a:cs typeface="Times New Roman" pitchFamily="18" charset="0"/>
-              </a:rPr>
-              <a:t>Content</a:t>
-            </a:r>
-          </a:p>
-        </p:txBody>
-      </p:sp>
-      <p:sp>
-        <p:nvSpPr>
-          <p:cNvPr id="5" name="Rechteck 4"/>
+            <a:pPr algn="ctr"/>
+            <a:endParaRPr lang="de-DE">
+              <a:latin typeface="Times New Roman" pitchFamily="18" charset="0"/>
+              <a:cs typeface="Times New Roman" pitchFamily="18" charset="0"/>
+            </a:endParaRPr>
+          </a:p>
+        </p:txBody>
+      </p:sp>
+      <p:sp>
+        <p:nvSpPr>
+          <p:cNvPr id="6" name="Rechteck 5"/>
           <p:cNvSpPr/>
           <p:nvPr/>
         </p:nvSpPr>
         <p:spPr>
           <a:xfrm>
-            <a:off x="0" y="6237312"/>
+            <a:off x="0" y="0"/>
             <a:ext cx="9144000" cy="620688"/>
           </a:xfrm>
           <a:prstGeom prst="rect">
@@ -12320,34 +12440,57 @@
           <a:bodyPr rtlCol="0" anchor="ctr"/>
           <a:lstStyle/>
           <a:p>
-            <a:pPr algn="ctr"/>
-            <a:endParaRPr lang="en-US" cap="small" dirty="0">
-              <a:latin typeface="Times New Roman" pitchFamily="18" charset="0"/>
-              <a:cs typeface="Times New Roman" pitchFamily="18" charset="0"/>
-            </a:endParaRPr>
-          </a:p>
-        </p:txBody>
-      </p:sp>
-      <p:sp>
-        <p:nvSpPr>
-          <p:cNvPr id="9" name="Rechteck 8"/>
+            <a:pPr algn="r"/>
+            <a:r>
+              <a:rPr lang="en-US" sz="2000" cap="small" dirty="0">
+                <a:solidFill>
+                  <a:schemeClr val="tx1"/>
+                </a:solidFill>
+                <a:latin typeface="Times New Roman" pitchFamily="18" charset="0"/>
+                <a:cs typeface="Times New Roman" pitchFamily="18" charset="0"/>
+              </a:rPr>
+              <a:t>User Manual</a:t>
+            </a:r>
+          </a:p>
+        </p:txBody>
+      </p:sp>
+      <p:sp>
+        <p:nvSpPr>
+          <p:cNvPr id="4" name="Fußzeilenplatzhalter 3"/>
+          <p:cNvSpPr>
+            <a:spLocks noGrp="1"/>
+          </p:cNvSpPr>
+          <p:nvPr>
+            <p:ph type="ftr" sz="quarter" idx="11"/>
+          </p:nvPr>
+        </p:nvSpPr>
+        <p:spPr/>
+        <p:txBody>
+          <a:bodyPr/>
+          <a:lstStyle/>
+          <a:p>
+            <a:r>
+              <a:rPr lang="de-DE"/>
+              <a:t>Kateryna Pryshchepa, Iuliia Guk, Thomas Röhl, Tetiana Lavrynovych, Sascha Zepf</a:t>
+            </a:r>
+          </a:p>
+        </p:txBody>
+      </p:sp>
+      <p:sp>
+        <p:nvSpPr>
+          <p:cNvPr id="20" name="Rechteck 19"/>
           <p:cNvSpPr/>
           <p:nvPr/>
         </p:nvSpPr>
         <p:spPr>
           <a:xfrm>
-            <a:off x="251520" y="1591906"/>
-            <a:ext cx="8679101" cy="620688"/>
+            <a:off x="20180" y="1083434"/>
+            <a:ext cx="4319028" cy="4361790"/>
           </a:xfrm>
           <a:prstGeom prst="rect">
             <a:avLst/>
           </a:prstGeom>
-          <a:solidFill>
-            <a:schemeClr val="accent2">
-              <a:lumMod val="60000"/>
-              <a:lumOff val="40000"/>
-            </a:schemeClr>
-          </a:solidFill>
+          <a:noFill/>
           <a:ln>
             <a:noFill/>
           </a:ln>
@@ -12369,367 +12512,213 @@
           </a:fontRef>
         </p:style>
         <p:txBody>
-          <a:bodyPr rtlCol="0" anchor="ctr"/>
-          <a:lstStyle/>
-          <a:p>
-            <a:r>
-              <a:rPr lang="en-US" sz="2000" cap="small" dirty="0">
+          <a:bodyPr rtlCol="0" anchor="t"/>
+          <a:lstStyle/>
+          <a:p>
+            <a:pPr>
+              <a:lnSpc>
+                <a:spcPct val="150000"/>
+              </a:lnSpc>
+            </a:pPr>
+            <a:r>
+              <a:rPr lang="en-US" b="1" dirty="0">
                 <a:solidFill>
                   <a:schemeClr val="tx1"/>
                 </a:solidFill>
                 <a:latin typeface="Times New Roman" pitchFamily="18" charset="0"/>
                 <a:cs typeface="Times New Roman" pitchFamily="18" charset="0"/>
               </a:rPr>
-              <a:t>Approach</a:t>
-            </a:r>
-          </a:p>
-        </p:txBody>
-      </p:sp>
-      <p:sp>
-        <p:nvSpPr>
-          <p:cNvPr id="10" name="Rechteck 9"/>
-          <p:cNvSpPr/>
-          <p:nvPr/>
-        </p:nvSpPr>
-        <p:spPr>
-          <a:xfrm>
-            <a:off x="251520" y="2344224"/>
-            <a:ext cx="8679101" cy="620688"/>
-          </a:xfrm>
-          <a:prstGeom prst="rect">
-            <a:avLst/>
-          </a:prstGeom>
-          <a:solidFill>
-            <a:schemeClr val="accent2">
-              <a:lumMod val="60000"/>
-              <a:lumOff val="40000"/>
-            </a:schemeClr>
-          </a:solidFill>
-          <a:ln>
-            <a:noFill/>
-          </a:ln>
-        </p:spPr>
-        <p:style>
-          <a:lnRef idx="2">
-            <a:schemeClr val="accent1">
-              <a:shade val="50000"/>
-            </a:schemeClr>
-          </a:lnRef>
-          <a:fillRef idx="1">
-            <a:schemeClr val="accent1"/>
-          </a:fillRef>
-          <a:effectRef idx="0">
-            <a:schemeClr val="accent1"/>
-          </a:effectRef>
-          <a:fontRef idx="minor">
-            <a:schemeClr val="lt1"/>
-          </a:fontRef>
-        </p:style>
-        <p:txBody>
-          <a:bodyPr rtlCol="0" anchor="ctr"/>
-          <a:lstStyle/>
-          <a:p>
-            <a:r>
-              <a:rPr lang="en-US" sz="2000" cap="small" dirty="0">
+              <a:t>User manual in 7 Steps:</a:t>
+            </a:r>
+          </a:p>
+          <a:p>
+            <a:pPr marL="800100" lvl="1" indent="-342900">
+              <a:lnSpc>
+                <a:spcPct val="150000"/>
+              </a:lnSpc>
+              <a:buFont typeface="Arial" panose="020B0604020202020204" pitchFamily="34" charset="0"/>
+              <a:buChar char="•"/>
+            </a:pPr>
+            <a:r>
+              <a:rPr lang="en-US" dirty="0">
                 <a:solidFill>
                   <a:schemeClr val="tx1"/>
                 </a:solidFill>
                 <a:latin typeface="Times New Roman" pitchFamily="18" charset="0"/>
                 <a:cs typeface="Times New Roman" pitchFamily="18" charset="0"/>
               </a:rPr>
-              <a:t>Details</a:t>
-            </a:r>
-          </a:p>
-        </p:txBody>
-      </p:sp>
-      <p:sp>
-        <p:nvSpPr>
-          <p:cNvPr id="13" name="Rechteck 12"/>
-          <p:cNvSpPr/>
-          <p:nvPr/>
-        </p:nvSpPr>
-        <p:spPr>
-          <a:xfrm>
-            <a:off x="251520" y="5323936"/>
-            <a:ext cx="8679101" cy="620688"/>
-          </a:xfrm>
-          <a:prstGeom prst="rect">
-            <a:avLst/>
-          </a:prstGeom>
-          <a:solidFill>
-            <a:schemeClr val="accent2">
-              <a:lumMod val="60000"/>
-              <a:lumOff val="40000"/>
-            </a:schemeClr>
-          </a:solidFill>
-          <a:ln>
-            <a:noFill/>
-          </a:ln>
-        </p:spPr>
-        <p:style>
-          <a:lnRef idx="2">
-            <a:schemeClr val="accent1">
-              <a:shade val="50000"/>
-            </a:schemeClr>
-          </a:lnRef>
-          <a:fillRef idx="1">
-            <a:schemeClr val="accent1"/>
-          </a:fillRef>
-          <a:effectRef idx="0">
-            <a:schemeClr val="accent1"/>
-          </a:effectRef>
-          <a:fontRef idx="minor">
-            <a:schemeClr val="lt1"/>
-          </a:fontRef>
-        </p:style>
-        <p:txBody>
-          <a:bodyPr rtlCol="0" anchor="ctr"/>
-          <a:lstStyle/>
-          <a:p>
-            <a:r>
-              <a:rPr lang="en-US" sz="2000" cap="small" dirty="0">
+              <a:t>Step 1 Registration</a:t>
+            </a:r>
+          </a:p>
+          <a:p>
+            <a:pPr marL="800100" lvl="1" indent="-342900">
+              <a:lnSpc>
+                <a:spcPct val="150000"/>
+              </a:lnSpc>
+              <a:buFont typeface="Arial" panose="020B0604020202020204" pitchFamily="34" charset="0"/>
+              <a:buChar char="•"/>
+            </a:pPr>
+            <a:r>
+              <a:rPr lang="en-US" dirty="0">
                 <a:solidFill>
                   <a:schemeClr val="tx1"/>
                 </a:solidFill>
                 <a:latin typeface="Times New Roman" pitchFamily="18" charset="0"/>
                 <a:cs typeface="Times New Roman" pitchFamily="18" charset="0"/>
               </a:rPr>
-              <a:t>Conclusion</a:t>
-            </a:r>
-          </a:p>
-        </p:txBody>
-      </p:sp>
-      <p:sp>
-        <p:nvSpPr>
-          <p:cNvPr id="7" name="Rechteck 6"/>
-          <p:cNvSpPr/>
-          <p:nvPr/>
-        </p:nvSpPr>
-        <p:spPr>
-          <a:xfrm>
-            <a:off x="1475656" y="3036920"/>
-            <a:ext cx="7454965" cy="620688"/>
-          </a:xfrm>
-          <a:prstGeom prst="rect">
-            <a:avLst/>
-          </a:prstGeom>
-          <a:solidFill>
-            <a:schemeClr val="accent2">
-              <a:lumMod val="60000"/>
-              <a:lumOff val="40000"/>
-            </a:schemeClr>
-          </a:solidFill>
-          <a:ln>
-            <a:noFill/>
-          </a:ln>
-        </p:spPr>
-        <p:style>
-          <a:lnRef idx="2">
-            <a:schemeClr val="accent1">
-              <a:shade val="50000"/>
-            </a:schemeClr>
-          </a:lnRef>
-          <a:fillRef idx="1">
-            <a:schemeClr val="accent1"/>
-          </a:fillRef>
-          <a:effectRef idx="0">
-            <a:schemeClr val="accent1"/>
-          </a:effectRef>
-          <a:fontRef idx="minor">
-            <a:schemeClr val="lt1"/>
-          </a:fontRef>
-        </p:style>
-        <p:txBody>
-          <a:bodyPr rtlCol="0" anchor="ctr"/>
-          <a:lstStyle/>
-          <a:p>
-            <a:r>
-              <a:rPr lang="en-US" sz="2000" cap="small" dirty="0">
+              <a:t>Step 2 Login</a:t>
+            </a:r>
+          </a:p>
+          <a:p>
+            <a:pPr marL="800100" lvl="1" indent="-342900">
+              <a:lnSpc>
+                <a:spcPct val="150000"/>
+              </a:lnSpc>
+              <a:buFont typeface="Arial" panose="020B0604020202020204" pitchFamily="34" charset="0"/>
+              <a:buChar char="•"/>
+            </a:pPr>
+            <a:r>
+              <a:rPr lang="en-US" dirty="0">
                 <a:solidFill>
                   <a:schemeClr val="tx1"/>
                 </a:solidFill>
                 <a:latin typeface="Times New Roman" pitchFamily="18" charset="0"/>
                 <a:cs typeface="Times New Roman" pitchFamily="18" charset="0"/>
               </a:rPr>
-              <a:t>Technical Design</a:t>
-            </a:r>
-          </a:p>
-        </p:txBody>
-      </p:sp>
-      <p:sp>
-        <p:nvSpPr>
-          <p:cNvPr id="8" name="Rechteck 7"/>
-          <p:cNvSpPr/>
-          <p:nvPr/>
-        </p:nvSpPr>
-        <p:spPr>
-          <a:xfrm>
-            <a:off x="1475656" y="3712376"/>
-            <a:ext cx="7454965" cy="620688"/>
-          </a:xfrm>
-          <a:prstGeom prst="rect">
-            <a:avLst/>
-          </a:prstGeom>
-          <a:solidFill>
-            <a:schemeClr val="accent2">
-              <a:lumMod val="60000"/>
-              <a:lumOff val="40000"/>
-            </a:schemeClr>
-          </a:solidFill>
-          <a:ln>
-            <a:noFill/>
-          </a:ln>
-        </p:spPr>
-        <p:style>
-          <a:lnRef idx="2">
-            <a:schemeClr val="accent1">
-              <a:shade val="50000"/>
-            </a:schemeClr>
-          </a:lnRef>
-          <a:fillRef idx="1">
-            <a:schemeClr val="accent1"/>
-          </a:fillRef>
-          <a:effectRef idx="0">
-            <a:schemeClr val="accent1"/>
-          </a:effectRef>
-          <a:fontRef idx="minor">
-            <a:schemeClr val="lt1"/>
-          </a:fontRef>
-        </p:style>
-        <p:txBody>
-          <a:bodyPr rtlCol="0" anchor="ctr"/>
-          <a:lstStyle/>
-          <a:p>
-            <a:r>
-              <a:rPr lang="en-US" sz="2000" cap="small" dirty="0">
+              <a:t>Step 3 Main view</a:t>
+            </a:r>
+          </a:p>
+          <a:p>
+            <a:pPr marL="800100" lvl="1" indent="-342900">
+              <a:lnSpc>
+                <a:spcPct val="150000"/>
+              </a:lnSpc>
+              <a:buFont typeface="Arial" panose="020B0604020202020204" pitchFamily="34" charset="0"/>
+              <a:buChar char="•"/>
+            </a:pPr>
+            <a:r>
+              <a:rPr lang="en-US" dirty="0">
                 <a:solidFill>
                   <a:schemeClr val="tx1"/>
                 </a:solidFill>
                 <a:latin typeface="Times New Roman" pitchFamily="18" charset="0"/>
                 <a:cs typeface="Times New Roman" pitchFamily="18" charset="0"/>
               </a:rPr>
-              <a:t>Android Details</a:t>
-            </a:r>
-          </a:p>
-        </p:txBody>
-      </p:sp>
-      <p:sp>
-        <p:nvSpPr>
-          <p:cNvPr id="11" name="Rechteck 10"/>
-          <p:cNvSpPr/>
-          <p:nvPr/>
-        </p:nvSpPr>
-        <p:spPr>
-          <a:xfrm>
-            <a:off x="1475656" y="4432456"/>
-            <a:ext cx="7454965" cy="620688"/>
-          </a:xfrm>
-          <a:prstGeom prst="rect">
-            <a:avLst/>
-          </a:prstGeom>
-          <a:solidFill>
-            <a:schemeClr val="accent2">
-              <a:lumMod val="60000"/>
-              <a:lumOff val="40000"/>
-            </a:schemeClr>
-          </a:solidFill>
-          <a:ln>
-            <a:noFill/>
-          </a:ln>
-        </p:spPr>
-        <p:style>
-          <a:lnRef idx="2">
-            <a:schemeClr val="accent1">
-              <a:shade val="50000"/>
-            </a:schemeClr>
-          </a:lnRef>
-          <a:fillRef idx="1">
-            <a:schemeClr val="accent1"/>
-          </a:fillRef>
-          <a:effectRef idx="0">
-            <a:schemeClr val="accent1"/>
-          </a:effectRef>
-          <a:fontRef idx="minor">
-            <a:schemeClr val="lt1"/>
-          </a:fontRef>
-        </p:style>
-        <p:txBody>
-          <a:bodyPr rtlCol="0" anchor="ctr"/>
-          <a:lstStyle/>
-          <a:p>
-            <a:r>
-              <a:rPr lang="en-US" sz="2000" b="1" cap="small" dirty="0">
+              <a:t>Step 4 Scan receipt</a:t>
+            </a:r>
+          </a:p>
+          <a:p>
+            <a:pPr marL="800100" lvl="1" indent="-342900">
+              <a:lnSpc>
+                <a:spcPct val="150000"/>
+              </a:lnSpc>
+              <a:buFont typeface="Arial" panose="020B0604020202020204" pitchFamily="34" charset="0"/>
+              <a:buChar char="•"/>
+            </a:pPr>
+            <a:r>
+              <a:rPr lang="en-US" dirty="0">
                 <a:solidFill>
                   <a:schemeClr val="tx1"/>
                 </a:solidFill>
                 <a:latin typeface="Times New Roman" pitchFamily="18" charset="0"/>
                 <a:cs typeface="Times New Roman" pitchFamily="18" charset="0"/>
               </a:rPr>
-              <a:t>Receipt Extraction</a:t>
-            </a:r>
-          </a:p>
-        </p:txBody>
-      </p:sp>
-      <p:sp>
-        <p:nvSpPr>
-          <p:cNvPr id="12" name="Rechteck 11"/>
-          <p:cNvSpPr/>
-          <p:nvPr/>
-        </p:nvSpPr>
-        <p:spPr>
-          <a:xfrm>
-            <a:off x="251520" y="836712"/>
-            <a:ext cx="8679101" cy="620688"/>
-          </a:xfrm>
-          <a:prstGeom prst="rect">
-            <a:avLst/>
-          </a:prstGeom>
-          <a:solidFill>
-            <a:schemeClr val="accent2">
-              <a:lumMod val="60000"/>
-              <a:lumOff val="40000"/>
-            </a:schemeClr>
-          </a:solidFill>
-          <a:ln>
-            <a:noFill/>
-          </a:ln>
-        </p:spPr>
-        <p:style>
-          <a:lnRef idx="2">
-            <a:schemeClr val="accent1">
-              <a:shade val="50000"/>
-            </a:schemeClr>
-          </a:lnRef>
-          <a:fillRef idx="1">
-            <a:schemeClr val="accent1"/>
-          </a:fillRef>
-          <a:effectRef idx="0">
-            <a:schemeClr val="accent1"/>
-          </a:effectRef>
-          <a:fontRef idx="minor">
-            <a:schemeClr val="lt1"/>
-          </a:fontRef>
-        </p:style>
-        <p:txBody>
-          <a:bodyPr rtlCol="0" anchor="ctr"/>
-          <a:lstStyle/>
-          <a:p>
-            <a:r>
-              <a:rPr lang="en-US" sz="2000" cap="small" dirty="0">
+              <a:t>Step 5 Check results </a:t>
+            </a:r>
+          </a:p>
+          <a:p>
+            <a:pPr marL="800100" lvl="1" indent="-342900">
+              <a:lnSpc>
+                <a:spcPct val="150000"/>
+              </a:lnSpc>
+              <a:buFont typeface="Arial" panose="020B0604020202020204" pitchFamily="34" charset="0"/>
+              <a:buChar char="•"/>
+            </a:pPr>
+            <a:r>
+              <a:rPr lang="en-US" dirty="0">
                 <a:solidFill>
                   <a:schemeClr val="tx1"/>
                 </a:solidFill>
                 <a:latin typeface="Times New Roman" pitchFamily="18" charset="0"/>
                 <a:cs typeface="Times New Roman" pitchFamily="18" charset="0"/>
               </a:rPr>
-              <a:t>Live Demo</a:t>
-            </a:r>
-          </a:p>
-        </p:txBody>
-      </p:sp>
-      <p:sp>
-        <p:nvSpPr>
-          <p:cNvPr id="2" name="Foliennummernplatzhalter 1"/>
+              <a:t>Step 6 Main view with summary</a:t>
+            </a:r>
+          </a:p>
+          <a:p>
+            <a:pPr marL="800100" lvl="1" indent="-342900">
+              <a:lnSpc>
+                <a:spcPct val="150000"/>
+              </a:lnSpc>
+              <a:buFont typeface="Arial" panose="020B0604020202020204" pitchFamily="34" charset="0"/>
+              <a:buChar char="•"/>
+            </a:pPr>
+            <a:r>
+              <a:rPr lang="en-US" dirty="0">
+                <a:solidFill>
+                  <a:schemeClr val="tx1"/>
+                </a:solidFill>
+                <a:latin typeface="Times New Roman" pitchFamily="18" charset="0"/>
+                <a:cs typeface="Times New Roman" pitchFamily="18" charset="0"/>
+              </a:rPr>
+              <a:t>Step 7 Reports view	</a:t>
+            </a:r>
+          </a:p>
+          <a:p>
+            <a:pPr marL="342900" indent="-342900">
+              <a:lnSpc>
+                <a:spcPct val="150000"/>
+              </a:lnSpc>
+              <a:buFont typeface="Arial" panose="020B0604020202020204" pitchFamily="34" charset="0"/>
+              <a:buChar char="•"/>
+            </a:pPr>
+            <a:endParaRPr lang="en-US" dirty="0">
+              <a:solidFill>
+                <a:schemeClr val="tx1"/>
+              </a:solidFill>
+              <a:latin typeface="Times New Roman" pitchFamily="18" charset="0"/>
+              <a:cs typeface="Times New Roman" pitchFamily="18" charset="0"/>
+            </a:endParaRPr>
+          </a:p>
+          <a:p>
+            <a:pPr lvl="0">
+              <a:lnSpc>
+                <a:spcPct val="150000"/>
+              </a:lnSpc>
+            </a:pPr>
+            <a:endParaRPr lang="de-DE" sz="2000" dirty="0">
+              <a:latin typeface="Times New Roman" pitchFamily="18" charset="0"/>
+              <a:cs typeface="Times New Roman" pitchFamily="18" charset="0"/>
+            </a:endParaRPr>
+          </a:p>
+        </p:txBody>
+      </p:sp>
+      <p:pic>
+        <p:nvPicPr>
+          <p:cNvPr id="12" name="Grafik 11"/>
+          <p:cNvPicPr/>
+          <p:nvPr/>
+        </p:nvPicPr>
+        <p:blipFill>
+          <a:blip r:embed="rId2" cstate="print"/>
+          <a:stretch/>
+        </p:blipFill>
+        <p:spPr>
+          <a:xfrm>
+            <a:off x="4339208" y="1249971"/>
+            <a:ext cx="4553272" cy="3577879"/>
+          </a:xfrm>
+          <a:prstGeom prst="rect">
+            <a:avLst/>
+          </a:prstGeom>
+          <a:ln>
+            <a:noFill/>
+          </a:ln>
+        </p:spPr>
+      </p:pic>
+      <p:sp>
+        <p:nvSpPr>
+          <p:cNvPr id="3" name="Foliennummernplatzhalter 2"/>
           <p:cNvSpPr>
             <a:spLocks noGrp="1"/>
           </p:cNvSpPr>
@@ -12751,32 +12740,10 @@
           </a:p>
         </p:txBody>
       </p:sp>
-      <p:sp>
-        <p:nvSpPr>
-          <p:cNvPr id="3" name="Fußzeilenplatzhalter 2"/>
-          <p:cNvSpPr>
-            <a:spLocks noGrp="1"/>
-          </p:cNvSpPr>
-          <p:nvPr>
-            <p:ph type="ftr" sz="quarter" idx="11"/>
-          </p:nvPr>
-        </p:nvSpPr>
-        <p:spPr/>
-        <p:txBody>
-          <a:bodyPr/>
-          <a:lstStyle/>
-          <a:p>
-            <a:r>
-              <a:rPr lang="de-DE"/>
-              <a:t>Kateryna Pryshchepa, Iuliia Guk, Thomas Röhl, Tetiana Lavrynovych, Sascha Zepf</a:t>
-            </a:r>
-          </a:p>
-        </p:txBody>
-      </p:sp>
     </p:spTree>
     <p:extLst>
       <p:ext uri="{BB962C8B-B14F-4D97-AF65-F5344CB8AC3E}">
-        <p14:creationId xmlns="" xmlns:p14="http://schemas.microsoft.com/office/powerpoint/2010/main" val="1738454015"/>
+        <p14:creationId xmlns="" xmlns:p14="http://schemas.microsoft.com/office/powerpoint/2010/main" val="3072821877"/>
       </p:ext>
     </p:extLst>
   </p:cSld>
@@ -12856,34 +12823,14 @@
           <a:p>
             <a:pPr algn="r"/>
             <a:r>
-              <a:rPr lang="de-DE" sz="2000" b="1" cap="small" dirty="0">
+              <a:rPr lang="en-US" sz="2000" b="1" cap="small" dirty="0">
                 <a:solidFill>
                   <a:schemeClr val="tx1"/>
                 </a:solidFill>
                 <a:latin typeface="Times New Roman" pitchFamily="18" charset="0"/>
                 <a:cs typeface="Times New Roman" pitchFamily="18" charset="0"/>
               </a:rPr>
-              <a:t>Optical </a:t>
-            </a:r>
-            <a:r>
-              <a:rPr lang="de-DE" sz="2000" b="1" cap="small" dirty="0" err="1">
-                <a:solidFill>
-                  <a:schemeClr val="tx1"/>
-                </a:solidFill>
-                <a:latin typeface="Times New Roman" pitchFamily="18" charset="0"/>
-                <a:cs typeface="Times New Roman" pitchFamily="18" charset="0"/>
-              </a:rPr>
-              <a:t>Character</a:t>
-            </a:r>
-            <a:r>
-              <a:rPr lang="de-DE" sz="2000" b="1" cap="small" dirty="0">
-                <a:solidFill>
-                  <a:schemeClr val="tx1"/>
-                </a:solidFill>
-                <a:latin typeface="Times New Roman" pitchFamily="18" charset="0"/>
-                <a:cs typeface="Times New Roman" pitchFamily="18" charset="0"/>
-              </a:rPr>
-              <a:t> Recognition</a:t>
+              <a:t>Content</a:t>
             </a:r>
           </a:p>
         </p:txBody>
@@ -12933,7 +12880,7 @@
           <a:lstStyle/>
           <a:p>
             <a:pPr algn="ctr"/>
-            <a:endParaRPr lang="de-DE">
+            <a:endParaRPr lang="en-US" cap="small" dirty="0">
               <a:latin typeface="Times New Roman" pitchFamily="18" charset="0"/>
               <a:cs typeface="Times New Roman" pitchFamily="18" charset="0"/>
             </a:endParaRPr>
@@ -12942,19 +12889,24 @@
       </p:sp>
       <p:sp>
         <p:nvSpPr>
-          <p:cNvPr id="70" name="Rechteck 69"/>
+          <p:cNvPr id="9" name="Rechteck 8"/>
           <p:cNvSpPr/>
           <p:nvPr/>
         </p:nvSpPr>
         <p:spPr>
           <a:xfrm>
-            <a:off x="611560" y="764704"/>
-            <a:ext cx="8136904" cy="2304256"/>
+            <a:off x="251520" y="1591906"/>
+            <a:ext cx="8679101" cy="620688"/>
           </a:xfrm>
           <a:prstGeom prst="rect">
             <a:avLst/>
           </a:prstGeom>
-          <a:noFill/>
+          <a:solidFill>
+            <a:schemeClr val="accent2">
+              <a:lumMod val="60000"/>
+              <a:lumOff val="40000"/>
+            </a:schemeClr>
+          </a:solidFill>
           <a:ln>
             <a:noFill/>
           </a:ln>
@@ -12976,100 +12928,361 @@
           </a:fontRef>
         </p:style>
         <p:txBody>
-          <a:bodyPr rtlCol="0" anchor="t"/>
-          <a:lstStyle/>
-          <a:p>
-            <a:pPr marL="285750" indent="-285750">
-              <a:lnSpc>
-                <a:spcPct val="150000"/>
-              </a:lnSpc>
-              <a:buFont typeface="Arial" panose="020B0604020202020204" pitchFamily="34" charset="0"/>
-              <a:buChar char="•"/>
-            </a:pPr>
-            <a:r>
-              <a:rPr lang="en-US" sz="3200" dirty="0">
+          <a:bodyPr rtlCol="0" anchor="ctr"/>
+          <a:lstStyle/>
+          <a:p>
+            <a:r>
+              <a:rPr lang="en-US" sz="2000" cap="small" dirty="0">
                 <a:solidFill>
                   <a:schemeClr val="tx1"/>
                 </a:solidFill>
                 <a:latin typeface="Times New Roman" pitchFamily="18" charset="0"/>
                 <a:cs typeface="Times New Roman" pitchFamily="18" charset="0"/>
               </a:rPr>
-              <a:t>Use camera orientation to rotate picture</a:t>
-            </a:r>
-          </a:p>
-          <a:p>
-            <a:pPr marL="285750" indent="-285750">
-              <a:lnSpc>
-                <a:spcPct val="150000"/>
-              </a:lnSpc>
-              <a:buFont typeface="Arial" panose="020B0604020202020204" pitchFamily="34" charset="0"/>
-              <a:buChar char="•"/>
-            </a:pPr>
-            <a:r>
-              <a:rPr lang="en-US" sz="3200" dirty="0">
+              <a:t>Approach</a:t>
+            </a:r>
+          </a:p>
+        </p:txBody>
+      </p:sp>
+      <p:sp>
+        <p:nvSpPr>
+          <p:cNvPr id="10" name="Rechteck 9"/>
+          <p:cNvSpPr/>
+          <p:nvPr/>
+        </p:nvSpPr>
+        <p:spPr>
+          <a:xfrm>
+            <a:off x="251520" y="2344224"/>
+            <a:ext cx="8679101" cy="620688"/>
+          </a:xfrm>
+          <a:prstGeom prst="rect">
+            <a:avLst/>
+          </a:prstGeom>
+          <a:solidFill>
+            <a:schemeClr val="accent2">
+              <a:lumMod val="60000"/>
+              <a:lumOff val="40000"/>
+            </a:schemeClr>
+          </a:solidFill>
+          <a:ln>
+            <a:noFill/>
+          </a:ln>
+        </p:spPr>
+        <p:style>
+          <a:lnRef idx="2">
+            <a:schemeClr val="accent1">
+              <a:shade val="50000"/>
+            </a:schemeClr>
+          </a:lnRef>
+          <a:fillRef idx="1">
+            <a:schemeClr val="accent1"/>
+          </a:fillRef>
+          <a:effectRef idx="0">
+            <a:schemeClr val="accent1"/>
+          </a:effectRef>
+          <a:fontRef idx="minor">
+            <a:schemeClr val="lt1"/>
+          </a:fontRef>
+        </p:style>
+        <p:txBody>
+          <a:bodyPr rtlCol="0" anchor="ctr"/>
+          <a:lstStyle/>
+          <a:p>
+            <a:r>
+              <a:rPr lang="en-US" sz="2000" cap="small" dirty="0">
                 <a:solidFill>
                   <a:schemeClr val="tx1"/>
                 </a:solidFill>
                 <a:latin typeface="Times New Roman" pitchFamily="18" charset="0"/>
                 <a:cs typeface="Times New Roman" pitchFamily="18" charset="0"/>
               </a:rPr>
-              <a:t>Resize image to 2000 x 1200 pixel</a:t>
-            </a:r>
-          </a:p>
-          <a:p>
-            <a:pPr marL="285750" indent="-285750">
-              <a:lnSpc>
-                <a:spcPct val="150000"/>
-              </a:lnSpc>
-              <a:buFont typeface="Arial" panose="020B0604020202020204" pitchFamily="34" charset="0"/>
-              <a:buChar char="•"/>
-            </a:pPr>
-            <a:r>
-              <a:rPr lang="en-US" sz="3200" dirty="0">
+              <a:t>Details</a:t>
+            </a:r>
+          </a:p>
+        </p:txBody>
+      </p:sp>
+      <p:sp>
+        <p:nvSpPr>
+          <p:cNvPr id="13" name="Rechteck 12"/>
+          <p:cNvSpPr/>
+          <p:nvPr/>
+        </p:nvSpPr>
+        <p:spPr>
+          <a:xfrm>
+            <a:off x="251520" y="5323936"/>
+            <a:ext cx="8679101" cy="620688"/>
+          </a:xfrm>
+          <a:prstGeom prst="rect">
+            <a:avLst/>
+          </a:prstGeom>
+          <a:solidFill>
+            <a:schemeClr val="accent2">
+              <a:lumMod val="60000"/>
+              <a:lumOff val="40000"/>
+            </a:schemeClr>
+          </a:solidFill>
+          <a:ln>
+            <a:noFill/>
+          </a:ln>
+        </p:spPr>
+        <p:style>
+          <a:lnRef idx="2">
+            <a:schemeClr val="accent1">
+              <a:shade val="50000"/>
+            </a:schemeClr>
+          </a:lnRef>
+          <a:fillRef idx="1">
+            <a:schemeClr val="accent1"/>
+          </a:fillRef>
+          <a:effectRef idx="0">
+            <a:schemeClr val="accent1"/>
+          </a:effectRef>
+          <a:fontRef idx="minor">
+            <a:schemeClr val="lt1"/>
+          </a:fontRef>
+        </p:style>
+        <p:txBody>
+          <a:bodyPr rtlCol="0" anchor="ctr"/>
+          <a:lstStyle/>
+          <a:p>
+            <a:r>
+              <a:rPr lang="en-US" sz="2000" cap="small" dirty="0">
                 <a:solidFill>
                   <a:schemeClr val="tx1"/>
                 </a:solidFill>
                 <a:latin typeface="Times New Roman" pitchFamily="18" charset="0"/>
                 <a:cs typeface="Times New Roman" pitchFamily="18" charset="0"/>
               </a:rPr>
-              <a:t>Colored image to black and white</a:t>
-            </a:r>
-          </a:p>
-          <a:p>
-            <a:pPr marL="285750" indent="-285750">
-              <a:lnSpc>
-                <a:spcPct val="150000"/>
-              </a:lnSpc>
-              <a:buFont typeface="Arial" panose="020B0604020202020204" pitchFamily="34" charset="0"/>
-              <a:buChar char="•"/>
-            </a:pPr>
-            <a:r>
-              <a:rPr lang="en-US" sz="3200" dirty="0">
+              <a:t>Conclusion</a:t>
+            </a:r>
+          </a:p>
+        </p:txBody>
+      </p:sp>
+      <p:sp>
+        <p:nvSpPr>
+          <p:cNvPr id="7" name="Rechteck 6"/>
+          <p:cNvSpPr/>
+          <p:nvPr/>
+        </p:nvSpPr>
+        <p:spPr>
+          <a:xfrm>
+            <a:off x="1475656" y="3036920"/>
+            <a:ext cx="7454965" cy="620688"/>
+          </a:xfrm>
+          <a:prstGeom prst="rect">
+            <a:avLst/>
+          </a:prstGeom>
+          <a:solidFill>
+            <a:schemeClr val="accent2">
+              <a:lumMod val="60000"/>
+              <a:lumOff val="40000"/>
+            </a:schemeClr>
+          </a:solidFill>
+          <a:ln>
+            <a:noFill/>
+          </a:ln>
+        </p:spPr>
+        <p:style>
+          <a:lnRef idx="2">
+            <a:schemeClr val="accent1">
+              <a:shade val="50000"/>
+            </a:schemeClr>
+          </a:lnRef>
+          <a:fillRef idx="1">
+            <a:schemeClr val="accent1"/>
+          </a:fillRef>
+          <a:effectRef idx="0">
+            <a:schemeClr val="accent1"/>
+          </a:effectRef>
+          <a:fontRef idx="minor">
+            <a:schemeClr val="lt1"/>
+          </a:fontRef>
+        </p:style>
+        <p:txBody>
+          <a:bodyPr rtlCol="0" anchor="ctr"/>
+          <a:lstStyle/>
+          <a:p>
+            <a:r>
+              <a:rPr lang="en-US" sz="2000" cap="small" dirty="0">
                 <a:solidFill>
                   <a:schemeClr val="tx1"/>
                 </a:solidFill>
                 <a:latin typeface="Times New Roman" pitchFamily="18" charset="0"/>
                 <a:cs typeface="Times New Roman" pitchFamily="18" charset="0"/>
               </a:rPr>
-              <a:t>Tesseract train language </a:t>
-            </a:r>
-            <a:r>
-              <a:rPr lang="en-US" sz="3200" dirty="0" err="1">
+              <a:t>Technical Design</a:t>
+            </a:r>
+          </a:p>
+        </p:txBody>
+      </p:sp>
+      <p:sp>
+        <p:nvSpPr>
+          <p:cNvPr id="8" name="Rechteck 7"/>
+          <p:cNvSpPr/>
+          <p:nvPr/>
+        </p:nvSpPr>
+        <p:spPr>
+          <a:xfrm>
+            <a:off x="1475656" y="3712376"/>
+            <a:ext cx="7454965" cy="620688"/>
+          </a:xfrm>
+          <a:prstGeom prst="rect">
+            <a:avLst/>
+          </a:prstGeom>
+          <a:solidFill>
+            <a:schemeClr val="accent2">
+              <a:lumMod val="60000"/>
+              <a:lumOff val="40000"/>
+            </a:schemeClr>
+          </a:solidFill>
+          <a:ln>
+            <a:noFill/>
+          </a:ln>
+        </p:spPr>
+        <p:style>
+          <a:lnRef idx="2">
+            <a:schemeClr val="accent1">
+              <a:shade val="50000"/>
+            </a:schemeClr>
+          </a:lnRef>
+          <a:fillRef idx="1">
+            <a:schemeClr val="accent1"/>
+          </a:fillRef>
+          <a:effectRef idx="0">
+            <a:schemeClr val="accent1"/>
+          </a:effectRef>
+          <a:fontRef idx="minor">
+            <a:schemeClr val="lt1"/>
+          </a:fontRef>
+        </p:style>
+        <p:txBody>
+          <a:bodyPr rtlCol="0" anchor="ctr"/>
+          <a:lstStyle/>
+          <a:p>
+            <a:r>
+              <a:rPr lang="en-US" sz="2000" cap="small" dirty="0">
                 <a:solidFill>
                   <a:schemeClr val="tx1"/>
                 </a:solidFill>
                 <a:latin typeface="Times New Roman" pitchFamily="18" charset="0"/>
                 <a:cs typeface="Times New Roman" pitchFamily="18" charset="0"/>
               </a:rPr>
-              <a:t>deu_frak</a:t>
-            </a:r>
-            <a:endParaRPr lang="en-US" sz="3200" dirty="0">
-              <a:solidFill>
-                <a:schemeClr val="tx1"/>
-              </a:solidFill>
-              <a:latin typeface="Times New Roman" pitchFamily="18" charset="0"/>
-              <a:cs typeface="Times New Roman" pitchFamily="18" charset="0"/>
-            </a:endParaRPr>
+              <a:t>Android Details</a:t>
+            </a:r>
+          </a:p>
+        </p:txBody>
+      </p:sp>
+      <p:sp>
+        <p:nvSpPr>
+          <p:cNvPr id="11" name="Rechteck 10"/>
+          <p:cNvSpPr/>
+          <p:nvPr/>
+        </p:nvSpPr>
+        <p:spPr>
+          <a:xfrm>
+            <a:off x="1475656" y="4432456"/>
+            <a:ext cx="7454965" cy="620688"/>
+          </a:xfrm>
+          <a:prstGeom prst="rect">
+            <a:avLst/>
+          </a:prstGeom>
+          <a:solidFill>
+            <a:schemeClr val="accent2">
+              <a:lumMod val="60000"/>
+              <a:lumOff val="40000"/>
+            </a:schemeClr>
+          </a:solidFill>
+          <a:ln>
+            <a:noFill/>
+          </a:ln>
+        </p:spPr>
+        <p:style>
+          <a:lnRef idx="2">
+            <a:schemeClr val="accent1">
+              <a:shade val="50000"/>
+            </a:schemeClr>
+          </a:lnRef>
+          <a:fillRef idx="1">
+            <a:schemeClr val="accent1"/>
+          </a:fillRef>
+          <a:effectRef idx="0">
+            <a:schemeClr val="accent1"/>
+          </a:effectRef>
+          <a:fontRef idx="minor">
+            <a:schemeClr val="lt1"/>
+          </a:fontRef>
+        </p:style>
+        <p:txBody>
+          <a:bodyPr rtlCol="0" anchor="ctr"/>
+          <a:lstStyle/>
+          <a:p>
+            <a:r>
+              <a:rPr lang="en-US" sz="2000" b="1" cap="small" dirty="0">
+                <a:solidFill>
+                  <a:schemeClr val="tx1"/>
+                </a:solidFill>
+                <a:latin typeface="Times New Roman" pitchFamily="18" charset="0"/>
+                <a:cs typeface="Times New Roman" pitchFamily="18" charset="0"/>
+              </a:rPr>
+              <a:t>Receipt Extraction</a:t>
+            </a:r>
+          </a:p>
+        </p:txBody>
+      </p:sp>
+      <p:sp>
+        <p:nvSpPr>
+          <p:cNvPr id="12" name="Rechteck 11"/>
+          <p:cNvSpPr/>
+          <p:nvPr/>
+        </p:nvSpPr>
+        <p:spPr>
+          <a:xfrm>
+            <a:off x="251520" y="836712"/>
+            <a:ext cx="8679101" cy="620688"/>
+          </a:xfrm>
+          <a:prstGeom prst="rect">
+            <a:avLst/>
+          </a:prstGeom>
+          <a:solidFill>
+            <a:schemeClr val="accent2">
+              <a:lumMod val="60000"/>
+              <a:lumOff val="40000"/>
+            </a:schemeClr>
+          </a:solidFill>
+          <a:ln>
+            <a:noFill/>
+          </a:ln>
+        </p:spPr>
+        <p:style>
+          <a:lnRef idx="2">
+            <a:schemeClr val="accent1">
+              <a:shade val="50000"/>
+            </a:schemeClr>
+          </a:lnRef>
+          <a:fillRef idx="1">
+            <a:schemeClr val="accent1"/>
+          </a:fillRef>
+          <a:effectRef idx="0">
+            <a:schemeClr val="accent1"/>
+          </a:effectRef>
+          <a:fontRef idx="minor">
+            <a:schemeClr val="lt1"/>
+          </a:fontRef>
+        </p:style>
+        <p:txBody>
+          <a:bodyPr rtlCol="0" anchor="ctr"/>
+          <a:lstStyle/>
+          <a:p>
+            <a:r>
+              <a:rPr lang="en-US" sz="2000" cap="small" dirty="0">
+                <a:solidFill>
+                  <a:schemeClr val="tx1"/>
+                </a:solidFill>
+                <a:latin typeface="Times New Roman" pitchFamily="18" charset="0"/>
+                <a:cs typeface="Times New Roman" pitchFamily="18" charset="0"/>
+              </a:rPr>
+              <a:t>Live Demo</a:t>
+            </a:r>
           </a:p>
         </p:txBody>
       </p:sp>
@@ -13122,7 +13335,7 @@
     </p:spTree>
     <p:extLst>
       <p:ext uri="{BB962C8B-B14F-4D97-AF65-F5344CB8AC3E}">
-        <p14:creationId xmlns="" xmlns:p14="http://schemas.microsoft.com/office/powerpoint/2010/main" val="132421686"/>
+        <p14:creationId xmlns="" xmlns:p14="http://schemas.microsoft.com/office/powerpoint/2010/main" val="1738454015"/>
       </p:ext>
     </p:extLst>
   </p:cSld>
@@ -13202,6 +13415,16 @@
           <a:p>
             <a:pPr algn="r"/>
             <a:r>
+              <a:rPr lang="de-DE" sz="2000" b="1" cap="small" dirty="0">
+                <a:solidFill>
+                  <a:schemeClr val="tx1"/>
+                </a:solidFill>
+                <a:latin typeface="Times New Roman" pitchFamily="18" charset="0"/>
+                <a:cs typeface="Times New Roman" pitchFamily="18" charset="0"/>
+              </a:rPr>
+              <a:t>Optical </a:t>
+            </a:r>
+            <a:r>
               <a:rPr lang="de-DE" sz="2000" b="1" cap="small" dirty="0" err="1">
                 <a:solidFill>
                   <a:schemeClr val="tx1"/>
@@ -13209,15 +13432,18 @@
                 <a:latin typeface="Times New Roman" pitchFamily="18" charset="0"/>
                 <a:cs typeface="Times New Roman" pitchFamily="18" charset="0"/>
               </a:rPr>
-              <a:t>Classification</a:t>
-            </a:r>
-            <a:endParaRPr lang="de-DE" sz="2000" b="1" cap="small" dirty="0">
-              <a:solidFill>
-                <a:schemeClr val="tx1"/>
-              </a:solidFill>
-              <a:latin typeface="Times New Roman" pitchFamily="18" charset="0"/>
-              <a:cs typeface="Times New Roman" pitchFamily="18" charset="0"/>
-            </a:endParaRPr>
+              <a:t>Character</a:t>
+            </a:r>
+            <a:r>
+              <a:rPr lang="de-DE" sz="2000" b="1" cap="small" dirty="0">
+                <a:solidFill>
+                  <a:schemeClr val="tx1"/>
+                </a:solidFill>
+                <a:latin typeface="Times New Roman" pitchFamily="18" charset="0"/>
+                <a:cs typeface="Times New Roman" pitchFamily="18" charset="0"/>
+              </a:rPr>
+              <a:t> Recognition</a:t>
+            </a:r>
           </a:p>
         </p:txBody>
       </p:sp>
@@ -13281,8 +13507,8 @@
         </p:nvSpPr>
         <p:spPr>
           <a:xfrm>
-            <a:off x="611560" y="836712"/>
-            <a:ext cx="8136904" cy="3744416"/>
+            <a:off x="611560" y="764704"/>
+            <a:ext cx="8136904" cy="2304256"/>
           </a:xfrm>
           <a:prstGeom prst="rect">
             <a:avLst/>
@@ -13327,7 +13553,7 @@
                 <a:latin typeface="Times New Roman" pitchFamily="18" charset="0"/>
                 <a:cs typeface="Times New Roman" pitchFamily="18" charset="0"/>
               </a:rPr>
-              <a:t>Pre analysis</a:t>
+              <a:t>Use camera orientation to rotate picture</a:t>
             </a:r>
           </a:p>
           <a:p>
@@ -13346,7 +13572,7 @@
                 <a:latin typeface="Times New Roman" pitchFamily="18" charset="0"/>
                 <a:cs typeface="Times New Roman" pitchFamily="18" charset="0"/>
               </a:rPr>
-              <a:t>Filter insignificant symbols</a:t>
+              <a:t>Resize image to 2000 x 1200 pixel</a:t>
             </a:r>
           </a:p>
           <a:p>
@@ -13365,7 +13591,7 @@
                 <a:latin typeface="Times New Roman" pitchFamily="18" charset="0"/>
                 <a:cs typeface="Times New Roman" pitchFamily="18" charset="0"/>
               </a:rPr>
-              <a:t>Combine single letters</a:t>
+              <a:t>Colored image to black and white</a:t>
             </a:r>
           </a:p>
           <a:p>
@@ -13377,6 +13603,16 @@
               <a:buChar char="•"/>
             </a:pPr>
             <a:r>
+              <a:rPr lang="en-US" sz="3200" dirty="0">
+                <a:solidFill>
+                  <a:schemeClr val="tx1"/>
+                </a:solidFill>
+                <a:latin typeface="Times New Roman" pitchFamily="18" charset="0"/>
+                <a:cs typeface="Times New Roman" pitchFamily="18" charset="0"/>
+              </a:rPr>
+              <a:t>Tesseract train language </a:t>
+            </a:r>
+            <a:r>
               <a:rPr lang="en-US" sz="3200" dirty="0" err="1">
                 <a:solidFill>
                   <a:schemeClr val="tx1"/>
@@ -13384,37 +13620,15 @@
                 <a:latin typeface="Times New Roman" pitchFamily="18" charset="0"/>
                 <a:cs typeface="Times New Roman" pitchFamily="18" charset="0"/>
               </a:rPr>
-              <a:t>Levenstein</a:t>
-            </a:r>
-            <a:r>
-              <a:rPr lang="en-US" sz="3200" dirty="0">
-                <a:solidFill>
-                  <a:schemeClr val="tx1"/>
-                </a:solidFill>
-                <a:latin typeface="Times New Roman" pitchFamily="18" charset="0"/>
-                <a:cs typeface="Times New Roman" pitchFamily="18" charset="0"/>
-              </a:rPr>
-              <a:t>-algorithm</a:t>
-            </a:r>
-          </a:p>
-          <a:p>
-            <a:pPr marL="285750" indent="-285750">
-              <a:lnSpc>
-                <a:spcPct val="150000"/>
-              </a:lnSpc>
-              <a:buFont typeface="Arial" panose="020B0604020202020204" pitchFamily="34" charset="0"/>
-              <a:buChar char="•"/>
-            </a:pPr>
-            <a:r>
-              <a:rPr lang="en-US" sz="3200" dirty="0">
-                <a:solidFill>
-                  <a:schemeClr val="tx1"/>
-                </a:solidFill>
-                <a:latin typeface="Times New Roman" pitchFamily="18" charset="0"/>
-                <a:cs typeface="Times New Roman" pitchFamily="18" charset="0"/>
-              </a:rPr>
-              <a:t>Post result adaption</a:t>
-            </a:r>
+              <a:t>deu_frak</a:t>
+            </a:r>
+            <a:endParaRPr lang="en-US" sz="3200" dirty="0">
+              <a:solidFill>
+                <a:schemeClr val="tx1"/>
+              </a:solidFill>
+              <a:latin typeface="Times New Roman" pitchFamily="18" charset="0"/>
+              <a:cs typeface="Times New Roman" pitchFamily="18" charset="0"/>
+            </a:endParaRPr>
           </a:p>
         </p:txBody>
       </p:sp>
@@ -13467,7 +13681,7 @@
     </p:spTree>
     <p:extLst>
       <p:ext uri="{BB962C8B-B14F-4D97-AF65-F5344CB8AC3E}">
-        <p14:creationId xmlns="" xmlns:p14="http://schemas.microsoft.com/office/powerpoint/2010/main" val="661168880"/>
+        <p14:creationId xmlns="" xmlns:p14="http://schemas.microsoft.com/office/powerpoint/2010/main" val="132421686"/>
       </p:ext>
     </p:extLst>
   </p:cSld>
@@ -13554,47 +13768,7 @@
                 <a:latin typeface="Times New Roman" pitchFamily="18" charset="0"/>
                 <a:cs typeface="Times New Roman" pitchFamily="18" charset="0"/>
               </a:rPr>
-              <a:t>Limitations</a:t>
-            </a:r>
-            <a:r>
-              <a:rPr lang="de-DE" sz="2000" b="1" cap="small" dirty="0">
-                <a:solidFill>
-                  <a:schemeClr val="tx1"/>
-                </a:solidFill>
-                <a:latin typeface="Times New Roman" pitchFamily="18" charset="0"/>
-                <a:cs typeface="Times New Roman" pitchFamily="18" charset="0"/>
-              </a:rPr>
-              <a:t> </a:t>
-            </a:r>
-            <a:r>
-              <a:rPr lang="de-DE" sz="2000" b="1" cap="small" dirty="0" err="1">
-                <a:solidFill>
-                  <a:schemeClr val="tx1"/>
-                </a:solidFill>
-                <a:latin typeface="Times New Roman" pitchFamily="18" charset="0"/>
-                <a:cs typeface="Times New Roman" pitchFamily="18" charset="0"/>
-              </a:rPr>
-              <a:t>and</a:t>
-            </a:r>
-            <a:r>
-              <a:rPr lang="de-DE" sz="2000" b="1" cap="small" dirty="0">
-                <a:solidFill>
-                  <a:schemeClr val="tx1"/>
-                </a:solidFill>
-                <a:latin typeface="Times New Roman" pitchFamily="18" charset="0"/>
-                <a:cs typeface="Times New Roman" pitchFamily="18" charset="0"/>
-              </a:rPr>
-              <a:t> </a:t>
-            </a:r>
-            <a:r>
-              <a:rPr lang="de-DE" sz="2000" b="1" cap="small" dirty="0" err="1">
-                <a:solidFill>
-                  <a:schemeClr val="tx1"/>
-                </a:solidFill>
-                <a:latin typeface="Times New Roman" pitchFamily="18" charset="0"/>
-                <a:cs typeface="Times New Roman" pitchFamily="18" charset="0"/>
-              </a:rPr>
-              <a:t>Issues</a:t>
+              <a:t>Classification</a:t>
             </a:r>
             <a:endParaRPr lang="de-DE" sz="2000" b="1" cap="small" dirty="0">
               <a:solidFill>
@@ -13712,6 +13886,391 @@
                 <a:latin typeface="Times New Roman" pitchFamily="18" charset="0"/>
                 <a:cs typeface="Times New Roman" pitchFamily="18" charset="0"/>
               </a:rPr>
+              <a:t>Pre analysis</a:t>
+            </a:r>
+          </a:p>
+          <a:p>
+            <a:pPr marL="285750" indent="-285750">
+              <a:lnSpc>
+                <a:spcPct val="150000"/>
+              </a:lnSpc>
+              <a:buFont typeface="Arial" panose="020B0604020202020204" pitchFamily="34" charset="0"/>
+              <a:buChar char="•"/>
+            </a:pPr>
+            <a:r>
+              <a:rPr lang="en-US" sz="3200" dirty="0">
+                <a:solidFill>
+                  <a:schemeClr val="tx1"/>
+                </a:solidFill>
+                <a:latin typeface="Times New Roman" pitchFamily="18" charset="0"/>
+                <a:cs typeface="Times New Roman" pitchFamily="18" charset="0"/>
+              </a:rPr>
+              <a:t>Filter insignificant symbols</a:t>
+            </a:r>
+          </a:p>
+          <a:p>
+            <a:pPr marL="285750" indent="-285750">
+              <a:lnSpc>
+                <a:spcPct val="150000"/>
+              </a:lnSpc>
+              <a:buFont typeface="Arial" panose="020B0604020202020204" pitchFamily="34" charset="0"/>
+              <a:buChar char="•"/>
+            </a:pPr>
+            <a:r>
+              <a:rPr lang="en-US" sz="3200" dirty="0">
+                <a:solidFill>
+                  <a:schemeClr val="tx1"/>
+                </a:solidFill>
+                <a:latin typeface="Times New Roman" pitchFamily="18" charset="0"/>
+                <a:cs typeface="Times New Roman" pitchFamily="18" charset="0"/>
+              </a:rPr>
+              <a:t>Combine single letters</a:t>
+            </a:r>
+          </a:p>
+          <a:p>
+            <a:pPr marL="285750" indent="-285750">
+              <a:lnSpc>
+                <a:spcPct val="150000"/>
+              </a:lnSpc>
+              <a:buFont typeface="Arial" panose="020B0604020202020204" pitchFamily="34" charset="0"/>
+              <a:buChar char="•"/>
+            </a:pPr>
+            <a:r>
+              <a:rPr lang="en-US" sz="3200" dirty="0" err="1">
+                <a:solidFill>
+                  <a:schemeClr val="tx1"/>
+                </a:solidFill>
+                <a:latin typeface="Times New Roman" pitchFamily="18" charset="0"/>
+                <a:cs typeface="Times New Roman" pitchFamily="18" charset="0"/>
+              </a:rPr>
+              <a:t>Levenstein</a:t>
+            </a:r>
+            <a:r>
+              <a:rPr lang="en-US" sz="3200" dirty="0">
+                <a:solidFill>
+                  <a:schemeClr val="tx1"/>
+                </a:solidFill>
+                <a:latin typeface="Times New Roman" pitchFamily="18" charset="0"/>
+                <a:cs typeface="Times New Roman" pitchFamily="18" charset="0"/>
+              </a:rPr>
+              <a:t>-algorithm</a:t>
+            </a:r>
+          </a:p>
+          <a:p>
+            <a:pPr marL="285750" indent="-285750">
+              <a:lnSpc>
+                <a:spcPct val="150000"/>
+              </a:lnSpc>
+              <a:buFont typeface="Arial" panose="020B0604020202020204" pitchFamily="34" charset="0"/>
+              <a:buChar char="•"/>
+            </a:pPr>
+            <a:r>
+              <a:rPr lang="en-US" sz="3200" dirty="0">
+                <a:solidFill>
+                  <a:schemeClr val="tx1"/>
+                </a:solidFill>
+                <a:latin typeface="Times New Roman" pitchFamily="18" charset="0"/>
+                <a:cs typeface="Times New Roman" pitchFamily="18" charset="0"/>
+              </a:rPr>
+              <a:t>Post result adaption</a:t>
+            </a:r>
+          </a:p>
+        </p:txBody>
+      </p:sp>
+      <p:sp>
+        <p:nvSpPr>
+          <p:cNvPr id="2" name="Foliennummernplatzhalter 1"/>
+          <p:cNvSpPr>
+            <a:spLocks noGrp="1"/>
+          </p:cNvSpPr>
+          <p:nvPr>
+            <p:ph type="sldNum" sz="quarter" idx="12"/>
+          </p:nvPr>
+        </p:nvSpPr>
+        <p:spPr/>
+        <p:txBody>
+          <a:bodyPr/>
+          <a:lstStyle/>
+          <a:p>
+            <a:fld id="{C663554D-7BDA-4824-AC15-58BB57D86064}" type="slidenum">
+              <a:rPr lang="de-DE" smtClean="0"/>
+              <a:pPr/>
+              <a:t>27</a:t>
+            </a:fld>
+            <a:endParaRPr lang="de-DE"/>
+          </a:p>
+        </p:txBody>
+      </p:sp>
+      <p:sp>
+        <p:nvSpPr>
+          <p:cNvPr id="3" name="Fußzeilenplatzhalter 2"/>
+          <p:cNvSpPr>
+            <a:spLocks noGrp="1"/>
+          </p:cNvSpPr>
+          <p:nvPr>
+            <p:ph type="ftr" sz="quarter" idx="11"/>
+          </p:nvPr>
+        </p:nvSpPr>
+        <p:spPr/>
+        <p:txBody>
+          <a:bodyPr/>
+          <a:lstStyle/>
+          <a:p>
+            <a:r>
+              <a:rPr lang="de-DE"/>
+              <a:t>Kateryna Pryshchepa, Iuliia Guk, Thomas Röhl, Tetiana Lavrynovych, Sascha Zepf</a:t>
+            </a:r>
+          </a:p>
+        </p:txBody>
+      </p:sp>
+    </p:spTree>
+    <p:extLst>
+      <p:ext uri="{BB962C8B-B14F-4D97-AF65-F5344CB8AC3E}">
+        <p14:creationId xmlns="" xmlns:p14="http://schemas.microsoft.com/office/powerpoint/2010/main" val="661168880"/>
+      </p:ext>
+    </p:extLst>
+  </p:cSld>
+  <p:clrMapOvr>
+    <a:masterClrMapping/>
+  </p:clrMapOvr>
+  <p:timing>
+    <p:tnLst>
+      <p:par>
+        <p:cTn id="1" dur="indefinite" restart="never" nodeType="tmRoot"/>
+      </p:par>
+    </p:tnLst>
+  </p:timing>
+</p:sld>
+</file>
+
+<file path=ppt/slides/slide28.xml><?xml version="1.0" encoding="utf-8"?>
+<p:sld xmlns:a="http://schemas.openxmlformats.org/drawingml/2006/main" xmlns:r="http://schemas.openxmlformats.org/officeDocument/2006/relationships" xmlns:p="http://schemas.openxmlformats.org/presentationml/2006/main">
+  <p:cSld>
+    <p:spTree>
+      <p:nvGrpSpPr>
+        <p:cNvPr id="1" name=""/>
+        <p:cNvGrpSpPr/>
+        <p:nvPr/>
+      </p:nvGrpSpPr>
+      <p:grpSpPr>
+        <a:xfrm>
+          <a:off x="0" y="0"/>
+          <a:ext cx="0" cy="0"/>
+          <a:chOff x="0" y="0"/>
+          <a:chExt cx="0" cy="0"/>
+        </a:xfrm>
+      </p:grpSpPr>
+      <p:sp>
+        <p:nvSpPr>
+          <p:cNvPr id="4" name="Rechteck 3"/>
+          <p:cNvSpPr/>
+          <p:nvPr/>
+        </p:nvSpPr>
+        <p:spPr>
+          <a:xfrm>
+            <a:off x="0" y="0"/>
+            <a:ext cx="9144000" cy="620688"/>
+          </a:xfrm>
+          <a:prstGeom prst="rect">
+            <a:avLst/>
+          </a:prstGeom>
+          <a:solidFill>
+            <a:schemeClr val="accent2">
+              <a:lumMod val="60000"/>
+              <a:lumOff val="40000"/>
+            </a:schemeClr>
+          </a:solidFill>
+          <a:ln>
+            <a:noFill/>
+          </a:ln>
+        </p:spPr>
+        <p:style>
+          <a:lnRef idx="2">
+            <a:schemeClr val="accent1">
+              <a:shade val="50000"/>
+            </a:schemeClr>
+          </a:lnRef>
+          <a:fillRef idx="1">
+            <a:schemeClr val="accent1"/>
+          </a:fillRef>
+          <a:effectRef idx="0">
+            <a:schemeClr val="accent1"/>
+          </a:effectRef>
+          <a:fontRef idx="minor">
+            <a:schemeClr val="lt1"/>
+          </a:fontRef>
+        </p:style>
+        <p:txBody>
+          <a:bodyPr rtlCol="0" anchor="ctr"/>
+          <a:lstStyle/>
+          <a:p>
+            <a:pPr algn="r"/>
+            <a:r>
+              <a:rPr lang="de-DE" sz="2000" b="1" cap="small" dirty="0" err="1">
+                <a:solidFill>
+                  <a:schemeClr val="tx1"/>
+                </a:solidFill>
+                <a:latin typeface="Times New Roman" pitchFamily="18" charset="0"/>
+                <a:cs typeface="Times New Roman" pitchFamily="18" charset="0"/>
+              </a:rPr>
+              <a:t>Limitations</a:t>
+            </a:r>
+            <a:r>
+              <a:rPr lang="de-DE" sz="2000" b="1" cap="small" dirty="0">
+                <a:solidFill>
+                  <a:schemeClr val="tx1"/>
+                </a:solidFill>
+                <a:latin typeface="Times New Roman" pitchFamily="18" charset="0"/>
+                <a:cs typeface="Times New Roman" pitchFamily="18" charset="0"/>
+              </a:rPr>
+              <a:t> </a:t>
+            </a:r>
+            <a:r>
+              <a:rPr lang="de-DE" sz="2000" b="1" cap="small" dirty="0" err="1">
+                <a:solidFill>
+                  <a:schemeClr val="tx1"/>
+                </a:solidFill>
+                <a:latin typeface="Times New Roman" pitchFamily="18" charset="0"/>
+                <a:cs typeface="Times New Roman" pitchFamily="18" charset="0"/>
+              </a:rPr>
+              <a:t>and</a:t>
+            </a:r>
+            <a:r>
+              <a:rPr lang="de-DE" sz="2000" b="1" cap="small" dirty="0">
+                <a:solidFill>
+                  <a:schemeClr val="tx1"/>
+                </a:solidFill>
+                <a:latin typeface="Times New Roman" pitchFamily="18" charset="0"/>
+                <a:cs typeface="Times New Roman" pitchFamily="18" charset="0"/>
+              </a:rPr>
+              <a:t> </a:t>
+            </a:r>
+            <a:r>
+              <a:rPr lang="de-DE" sz="2000" b="1" cap="small" dirty="0" err="1">
+                <a:solidFill>
+                  <a:schemeClr val="tx1"/>
+                </a:solidFill>
+                <a:latin typeface="Times New Roman" pitchFamily="18" charset="0"/>
+                <a:cs typeface="Times New Roman" pitchFamily="18" charset="0"/>
+              </a:rPr>
+              <a:t>Issues</a:t>
+            </a:r>
+            <a:endParaRPr lang="de-DE" sz="2000" b="1" cap="small" dirty="0">
+              <a:solidFill>
+                <a:schemeClr val="tx1"/>
+              </a:solidFill>
+              <a:latin typeface="Times New Roman" pitchFamily="18" charset="0"/>
+              <a:cs typeface="Times New Roman" pitchFamily="18" charset="0"/>
+            </a:endParaRPr>
+          </a:p>
+        </p:txBody>
+      </p:sp>
+      <p:sp>
+        <p:nvSpPr>
+          <p:cNvPr id="5" name="Rechteck 4"/>
+          <p:cNvSpPr/>
+          <p:nvPr/>
+        </p:nvSpPr>
+        <p:spPr>
+          <a:xfrm>
+            <a:off x="0" y="6237312"/>
+            <a:ext cx="9144000" cy="620688"/>
+          </a:xfrm>
+          <a:prstGeom prst="rect">
+            <a:avLst/>
+          </a:prstGeom>
+          <a:solidFill>
+            <a:schemeClr val="accent2">
+              <a:lumMod val="60000"/>
+              <a:lumOff val="40000"/>
+            </a:schemeClr>
+          </a:solidFill>
+          <a:ln>
+            <a:noFill/>
+          </a:ln>
+        </p:spPr>
+        <p:style>
+          <a:lnRef idx="2">
+            <a:schemeClr val="accent1">
+              <a:shade val="50000"/>
+            </a:schemeClr>
+          </a:lnRef>
+          <a:fillRef idx="1">
+            <a:schemeClr val="accent1"/>
+          </a:fillRef>
+          <a:effectRef idx="0">
+            <a:schemeClr val="accent1"/>
+          </a:effectRef>
+          <a:fontRef idx="minor">
+            <a:schemeClr val="lt1"/>
+          </a:fontRef>
+        </p:style>
+        <p:txBody>
+          <a:bodyPr rtlCol="0" anchor="ctr"/>
+          <a:lstStyle/>
+          <a:p>
+            <a:pPr algn="ctr"/>
+            <a:endParaRPr lang="de-DE">
+              <a:latin typeface="Times New Roman" pitchFamily="18" charset="0"/>
+              <a:cs typeface="Times New Roman" pitchFamily="18" charset="0"/>
+            </a:endParaRPr>
+          </a:p>
+        </p:txBody>
+      </p:sp>
+      <p:sp>
+        <p:nvSpPr>
+          <p:cNvPr id="70" name="Rechteck 69"/>
+          <p:cNvSpPr/>
+          <p:nvPr/>
+        </p:nvSpPr>
+        <p:spPr>
+          <a:xfrm>
+            <a:off x="611560" y="836712"/>
+            <a:ext cx="8136904" cy="3744416"/>
+          </a:xfrm>
+          <a:prstGeom prst="rect">
+            <a:avLst/>
+          </a:prstGeom>
+          <a:noFill/>
+          <a:ln>
+            <a:noFill/>
+          </a:ln>
+        </p:spPr>
+        <p:style>
+          <a:lnRef idx="2">
+            <a:schemeClr val="accent1">
+              <a:shade val="50000"/>
+            </a:schemeClr>
+          </a:lnRef>
+          <a:fillRef idx="1">
+            <a:schemeClr val="accent1"/>
+          </a:fillRef>
+          <a:effectRef idx="0">
+            <a:schemeClr val="accent1"/>
+          </a:effectRef>
+          <a:fontRef idx="minor">
+            <a:schemeClr val="lt1"/>
+          </a:fontRef>
+        </p:style>
+        <p:txBody>
+          <a:bodyPr rtlCol="0" anchor="t"/>
+          <a:lstStyle/>
+          <a:p>
+            <a:pPr marL="285750" indent="-285750">
+              <a:lnSpc>
+                <a:spcPct val="150000"/>
+              </a:lnSpc>
+              <a:buFont typeface="Arial" panose="020B0604020202020204" pitchFamily="34" charset="0"/>
+              <a:buChar char="•"/>
+            </a:pPr>
+            <a:r>
+              <a:rPr lang="en-US" sz="3200" dirty="0">
+                <a:solidFill>
+                  <a:schemeClr val="tx1"/>
+                </a:solidFill>
+                <a:latin typeface="Times New Roman" pitchFamily="18" charset="0"/>
+                <a:cs typeface="Times New Roman" pitchFamily="18" charset="0"/>
+              </a:rPr>
               <a:t>Orientation misleading - does not represent picture orientation</a:t>
             </a:r>
           </a:p>
@@ -13792,7 +14351,7 @@
             <a:fld id="{C663554D-7BDA-4824-AC15-58BB57D86064}" type="slidenum">
               <a:rPr lang="de-DE" smtClean="0"/>
               <a:pPr/>
-              <a:t>27</a:t>
+              <a:t>28</a:t>
             </a:fld>
             <a:endParaRPr lang="de-DE"/>
           </a:p>
@@ -13840,7 +14399,7 @@
 </p:sld>
 </file>
 
-<file path=ppt/slides/slide28.xml><?xml version="1.0" encoding="utf-8"?>
+<file path=ppt/slides/slide29.xml><?xml version="1.0" encoding="utf-8"?>
 <p:sld xmlns:a="http://schemas.openxmlformats.org/drawingml/2006/main" xmlns:r="http://schemas.openxmlformats.org/officeDocument/2006/relationships" xmlns:p="http://schemas.openxmlformats.org/presentationml/2006/main">
   <p:cSld>
     <p:spTree>
@@ -15130,7 +15689,7 @@
             <a:fld id="{C663554D-7BDA-4824-AC15-58BB57D86064}" type="slidenum">
               <a:rPr lang="de-DE" smtClean="0"/>
               <a:pPr/>
-              <a:t>28</a:t>
+              <a:t>29</a:t>
             </a:fld>
             <a:endParaRPr lang="de-DE"/>
           </a:p>
@@ -15162,427 +15721,6 @@
     <p:extLst>
       <p:ext uri="{BB962C8B-B14F-4D97-AF65-F5344CB8AC3E}">
         <p14:creationId xmlns="" xmlns:p14="http://schemas.microsoft.com/office/powerpoint/2010/main" val="4142020794"/>
-      </p:ext>
-    </p:extLst>
-  </p:cSld>
-  <p:clrMapOvr>
-    <a:masterClrMapping/>
-  </p:clrMapOvr>
-  <p:timing>
-    <p:tnLst>
-      <p:par>
-        <p:cTn id="1" dur="indefinite" restart="never" nodeType="tmRoot"/>
-      </p:par>
-    </p:tnLst>
-  </p:timing>
-</p:sld>
-</file>
-
-<file path=ppt/slides/slide29.xml><?xml version="1.0" encoding="utf-8"?>
-<p:sld xmlns:a="http://schemas.openxmlformats.org/drawingml/2006/main" xmlns:r="http://schemas.openxmlformats.org/officeDocument/2006/relationships" xmlns:p="http://schemas.openxmlformats.org/presentationml/2006/main">
-  <p:cSld>
-    <p:spTree>
-      <p:nvGrpSpPr>
-        <p:cNvPr id="1" name=""/>
-        <p:cNvGrpSpPr/>
-        <p:nvPr/>
-      </p:nvGrpSpPr>
-      <p:grpSpPr>
-        <a:xfrm>
-          <a:off x="0" y="0"/>
-          <a:ext cx="0" cy="0"/>
-          <a:chOff x="0" y="0"/>
-          <a:chExt cx="0" cy="0"/>
-        </a:xfrm>
-      </p:grpSpPr>
-      <p:sp>
-        <p:nvSpPr>
-          <p:cNvPr id="4" name="Rechteck 3"/>
-          <p:cNvSpPr/>
-          <p:nvPr/>
-        </p:nvSpPr>
-        <p:spPr>
-          <a:xfrm>
-            <a:off x="0" y="0"/>
-            <a:ext cx="9144000" cy="620688"/>
-          </a:xfrm>
-          <a:prstGeom prst="rect">
-            <a:avLst/>
-          </a:prstGeom>
-          <a:solidFill>
-            <a:schemeClr val="accent2">
-              <a:lumMod val="60000"/>
-              <a:lumOff val="40000"/>
-            </a:schemeClr>
-          </a:solidFill>
-          <a:ln>
-            <a:noFill/>
-          </a:ln>
-        </p:spPr>
-        <p:style>
-          <a:lnRef idx="2">
-            <a:schemeClr val="accent1">
-              <a:shade val="50000"/>
-            </a:schemeClr>
-          </a:lnRef>
-          <a:fillRef idx="1">
-            <a:schemeClr val="accent1"/>
-          </a:fillRef>
-          <a:effectRef idx="0">
-            <a:schemeClr val="accent1"/>
-          </a:effectRef>
-          <a:fontRef idx="minor">
-            <a:schemeClr val="lt1"/>
-          </a:fontRef>
-        </p:style>
-        <p:txBody>
-          <a:bodyPr rtlCol="0" anchor="ctr"/>
-          <a:lstStyle/>
-          <a:p>
-            <a:pPr algn="r"/>
-            <a:r>
-              <a:rPr lang="en-US" sz="2000" b="1" cap="small" dirty="0">
-                <a:solidFill>
-                  <a:schemeClr val="tx1"/>
-                </a:solidFill>
-                <a:latin typeface="Times New Roman" pitchFamily="18" charset="0"/>
-                <a:cs typeface="Times New Roman" pitchFamily="18" charset="0"/>
-              </a:rPr>
-              <a:t>Content</a:t>
-            </a:r>
-          </a:p>
-        </p:txBody>
-      </p:sp>
-      <p:sp>
-        <p:nvSpPr>
-          <p:cNvPr id="5" name="Rechteck 4"/>
-          <p:cNvSpPr/>
-          <p:nvPr/>
-        </p:nvSpPr>
-        <p:spPr>
-          <a:xfrm>
-            <a:off x="0" y="6237312"/>
-            <a:ext cx="9144000" cy="620688"/>
-          </a:xfrm>
-          <a:prstGeom prst="rect">
-            <a:avLst/>
-          </a:prstGeom>
-          <a:solidFill>
-            <a:schemeClr val="accent2">
-              <a:lumMod val="60000"/>
-              <a:lumOff val="40000"/>
-            </a:schemeClr>
-          </a:solidFill>
-          <a:ln>
-            <a:noFill/>
-          </a:ln>
-        </p:spPr>
-        <p:style>
-          <a:lnRef idx="2">
-            <a:schemeClr val="accent1">
-              <a:shade val="50000"/>
-            </a:schemeClr>
-          </a:lnRef>
-          <a:fillRef idx="1">
-            <a:schemeClr val="accent1"/>
-          </a:fillRef>
-          <a:effectRef idx="0">
-            <a:schemeClr val="accent1"/>
-          </a:effectRef>
-          <a:fontRef idx="minor">
-            <a:schemeClr val="lt1"/>
-          </a:fontRef>
-        </p:style>
-        <p:txBody>
-          <a:bodyPr rtlCol="0" anchor="ctr"/>
-          <a:lstStyle/>
-          <a:p>
-            <a:pPr algn="ctr"/>
-            <a:endParaRPr lang="en-US" cap="small" dirty="0">
-              <a:latin typeface="Times New Roman" pitchFamily="18" charset="0"/>
-              <a:cs typeface="Times New Roman" pitchFamily="18" charset="0"/>
-            </a:endParaRPr>
-          </a:p>
-        </p:txBody>
-      </p:sp>
-      <p:sp>
-        <p:nvSpPr>
-          <p:cNvPr id="9" name="Rechteck 8"/>
-          <p:cNvSpPr/>
-          <p:nvPr/>
-        </p:nvSpPr>
-        <p:spPr>
-          <a:xfrm>
-            <a:off x="251520" y="2448272"/>
-            <a:ext cx="8679101" cy="620688"/>
-          </a:xfrm>
-          <a:prstGeom prst="rect">
-            <a:avLst/>
-          </a:prstGeom>
-          <a:solidFill>
-            <a:schemeClr val="accent2">
-              <a:lumMod val="60000"/>
-              <a:lumOff val="40000"/>
-            </a:schemeClr>
-          </a:solidFill>
-          <a:ln>
-            <a:noFill/>
-          </a:ln>
-        </p:spPr>
-        <p:style>
-          <a:lnRef idx="2">
-            <a:schemeClr val="accent1">
-              <a:shade val="50000"/>
-            </a:schemeClr>
-          </a:lnRef>
-          <a:fillRef idx="1">
-            <a:schemeClr val="accent1"/>
-          </a:fillRef>
-          <a:effectRef idx="0">
-            <a:schemeClr val="accent1"/>
-          </a:effectRef>
-          <a:fontRef idx="minor">
-            <a:schemeClr val="lt1"/>
-          </a:fontRef>
-        </p:style>
-        <p:txBody>
-          <a:bodyPr rtlCol="0" anchor="ctr"/>
-          <a:lstStyle/>
-          <a:p>
-            <a:r>
-              <a:rPr lang="en-US" sz="2000" cap="small" dirty="0">
-                <a:solidFill>
-                  <a:schemeClr val="tx1"/>
-                </a:solidFill>
-                <a:latin typeface="Times New Roman" pitchFamily="18" charset="0"/>
-                <a:cs typeface="Times New Roman" pitchFamily="18" charset="0"/>
-              </a:rPr>
-              <a:t>Approach</a:t>
-            </a:r>
-          </a:p>
-        </p:txBody>
-      </p:sp>
-      <p:sp>
-        <p:nvSpPr>
-          <p:cNvPr id="10" name="Rechteck 9"/>
-          <p:cNvSpPr/>
-          <p:nvPr/>
-        </p:nvSpPr>
-        <p:spPr>
-          <a:xfrm>
-            <a:off x="251520" y="3384376"/>
-            <a:ext cx="8679101" cy="620688"/>
-          </a:xfrm>
-          <a:prstGeom prst="rect">
-            <a:avLst/>
-          </a:prstGeom>
-          <a:solidFill>
-            <a:schemeClr val="accent2">
-              <a:lumMod val="60000"/>
-              <a:lumOff val="40000"/>
-            </a:schemeClr>
-          </a:solidFill>
-          <a:ln>
-            <a:noFill/>
-          </a:ln>
-        </p:spPr>
-        <p:style>
-          <a:lnRef idx="2">
-            <a:schemeClr val="accent1">
-              <a:shade val="50000"/>
-            </a:schemeClr>
-          </a:lnRef>
-          <a:fillRef idx="1">
-            <a:schemeClr val="accent1"/>
-          </a:fillRef>
-          <a:effectRef idx="0">
-            <a:schemeClr val="accent1"/>
-          </a:effectRef>
-          <a:fontRef idx="minor">
-            <a:schemeClr val="lt1"/>
-          </a:fontRef>
-        </p:style>
-        <p:txBody>
-          <a:bodyPr rtlCol="0" anchor="ctr"/>
-          <a:lstStyle/>
-          <a:p>
-            <a:r>
-              <a:rPr lang="en-US" sz="2000" cap="small" dirty="0">
-                <a:solidFill>
-                  <a:schemeClr val="tx1"/>
-                </a:solidFill>
-                <a:latin typeface="Times New Roman" pitchFamily="18" charset="0"/>
-                <a:cs typeface="Times New Roman" pitchFamily="18" charset="0"/>
-              </a:rPr>
-              <a:t>Details</a:t>
-            </a:r>
-          </a:p>
-        </p:txBody>
-      </p:sp>
-      <p:sp>
-        <p:nvSpPr>
-          <p:cNvPr id="13" name="Rechteck 12"/>
-          <p:cNvSpPr/>
-          <p:nvPr/>
-        </p:nvSpPr>
-        <p:spPr>
-          <a:xfrm>
-            <a:off x="251520" y="4320480"/>
-            <a:ext cx="8679101" cy="620688"/>
-          </a:xfrm>
-          <a:prstGeom prst="rect">
-            <a:avLst/>
-          </a:prstGeom>
-          <a:solidFill>
-            <a:schemeClr val="accent2">
-              <a:lumMod val="60000"/>
-              <a:lumOff val="40000"/>
-            </a:schemeClr>
-          </a:solidFill>
-          <a:ln>
-            <a:noFill/>
-          </a:ln>
-        </p:spPr>
-        <p:style>
-          <a:lnRef idx="2">
-            <a:schemeClr val="accent1">
-              <a:shade val="50000"/>
-            </a:schemeClr>
-          </a:lnRef>
-          <a:fillRef idx="1">
-            <a:schemeClr val="accent1"/>
-          </a:fillRef>
-          <a:effectRef idx="0">
-            <a:schemeClr val="accent1"/>
-          </a:effectRef>
-          <a:fontRef idx="minor">
-            <a:schemeClr val="lt1"/>
-          </a:fontRef>
-        </p:style>
-        <p:txBody>
-          <a:bodyPr rtlCol="0" anchor="ctr"/>
-          <a:lstStyle/>
-          <a:p>
-            <a:r>
-              <a:rPr lang="en-US" sz="2000" b="1" cap="small" dirty="0">
-                <a:solidFill>
-                  <a:schemeClr val="tx1"/>
-                </a:solidFill>
-                <a:latin typeface="Times New Roman" pitchFamily="18" charset="0"/>
-                <a:cs typeface="Times New Roman" pitchFamily="18" charset="0"/>
-              </a:rPr>
-              <a:t>Conclusion</a:t>
-            </a:r>
-          </a:p>
-        </p:txBody>
-      </p:sp>
-      <p:sp>
-        <p:nvSpPr>
-          <p:cNvPr id="7" name="Rechteck 6"/>
-          <p:cNvSpPr/>
-          <p:nvPr/>
-        </p:nvSpPr>
-        <p:spPr>
-          <a:xfrm>
-            <a:off x="251520" y="1556792"/>
-            <a:ext cx="8679101" cy="620688"/>
-          </a:xfrm>
-          <a:prstGeom prst="rect">
-            <a:avLst/>
-          </a:prstGeom>
-          <a:solidFill>
-            <a:schemeClr val="accent2">
-              <a:lumMod val="60000"/>
-              <a:lumOff val="40000"/>
-            </a:schemeClr>
-          </a:solidFill>
-          <a:ln>
-            <a:noFill/>
-          </a:ln>
-        </p:spPr>
-        <p:style>
-          <a:lnRef idx="2">
-            <a:schemeClr val="accent1">
-              <a:shade val="50000"/>
-            </a:schemeClr>
-          </a:lnRef>
-          <a:fillRef idx="1">
-            <a:schemeClr val="accent1"/>
-          </a:fillRef>
-          <a:effectRef idx="0">
-            <a:schemeClr val="accent1"/>
-          </a:effectRef>
-          <a:fontRef idx="minor">
-            <a:schemeClr val="lt1"/>
-          </a:fontRef>
-        </p:style>
-        <p:txBody>
-          <a:bodyPr rtlCol="0" anchor="ctr"/>
-          <a:lstStyle/>
-          <a:p>
-            <a:r>
-              <a:rPr lang="en-US" sz="2000" cap="small" dirty="0">
-                <a:solidFill>
-                  <a:schemeClr val="tx1"/>
-                </a:solidFill>
-                <a:latin typeface="Times New Roman" pitchFamily="18" charset="0"/>
-                <a:cs typeface="Times New Roman" pitchFamily="18" charset="0"/>
-              </a:rPr>
-              <a:t>Live Demo</a:t>
-            </a:r>
-          </a:p>
-        </p:txBody>
-      </p:sp>
-      <p:sp>
-        <p:nvSpPr>
-          <p:cNvPr id="2" name="Foliennummernplatzhalter 1"/>
-          <p:cNvSpPr>
-            <a:spLocks noGrp="1"/>
-          </p:cNvSpPr>
-          <p:nvPr>
-            <p:ph type="sldNum" sz="quarter" idx="12"/>
-          </p:nvPr>
-        </p:nvSpPr>
-        <p:spPr/>
-        <p:txBody>
-          <a:bodyPr/>
-          <a:lstStyle/>
-          <a:p>
-            <a:fld id="{C663554D-7BDA-4824-AC15-58BB57D86064}" type="slidenum">
-              <a:rPr lang="de-DE" smtClean="0"/>
-              <a:pPr/>
-              <a:t>29</a:t>
-            </a:fld>
-            <a:endParaRPr lang="de-DE"/>
-          </a:p>
-        </p:txBody>
-      </p:sp>
-      <p:sp>
-        <p:nvSpPr>
-          <p:cNvPr id="3" name="Fußzeilenplatzhalter 2"/>
-          <p:cNvSpPr>
-            <a:spLocks noGrp="1"/>
-          </p:cNvSpPr>
-          <p:nvPr>
-            <p:ph type="ftr" sz="quarter" idx="11"/>
-          </p:nvPr>
-        </p:nvSpPr>
-        <p:spPr/>
-        <p:txBody>
-          <a:bodyPr/>
-          <a:lstStyle/>
-          <a:p>
-            <a:r>
-              <a:rPr lang="de-DE"/>
-              <a:t>Kateryna Pryshchepa, Iuliia Guk, Thomas Röhl, Tetiana Lavrynovych, Sascha Zepf</a:t>
-            </a:r>
-          </a:p>
-        </p:txBody>
-      </p:sp>
-    </p:spTree>
-    <p:extLst>
-      <p:ext uri="{BB962C8B-B14F-4D97-AF65-F5344CB8AC3E}">
-        <p14:creationId xmlns="" xmlns:p14="http://schemas.microsoft.com/office/powerpoint/2010/main" val="2081312345"/>
       </p:ext>
     </p:extLst>
   </p:cSld>
@@ -16083,34 +16221,14 @@
           <a:p>
             <a:pPr algn="r"/>
             <a:r>
-              <a:rPr lang="de-DE" sz="2000" b="1" cap="small" dirty="0">
+              <a:rPr lang="en-US" sz="2000" b="1" cap="small" dirty="0">
                 <a:solidFill>
                   <a:schemeClr val="tx1"/>
                 </a:solidFill>
                 <a:latin typeface="Times New Roman" pitchFamily="18" charset="0"/>
                 <a:cs typeface="Times New Roman" pitchFamily="18" charset="0"/>
               </a:rPr>
-              <a:t>Forecast </a:t>
-            </a:r>
-            <a:r>
-              <a:rPr lang="de-DE" sz="2000" b="1" cap="small" dirty="0" err="1">
-                <a:solidFill>
-                  <a:schemeClr val="tx1"/>
-                </a:solidFill>
-                <a:latin typeface="Times New Roman" pitchFamily="18" charset="0"/>
-                <a:cs typeface="Times New Roman" pitchFamily="18" charset="0"/>
-              </a:rPr>
-              <a:t>to</a:t>
-            </a:r>
-            <a:r>
-              <a:rPr lang="de-DE" sz="2000" b="1" cap="small" dirty="0">
-                <a:solidFill>
-                  <a:schemeClr val="tx1"/>
-                </a:solidFill>
-                <a:latin typeface="Times New Roman" pitchFamily="18" charset="0"/>
-                <a:cs typeface="Times New Roman" pitchFamily="18" charset="0"/>
-              </a:rPr>
-              <a:t> Market</a:t>
+              <a:t>Content</a:t>
             </a:r>
           </a:p>
         </p:txBody>
@@ -16160,7 +16278,7 @@
           <a:lstStyle/>
           <a:p>
             <a:pPr algn="ctr"/>
-            <a:endParaRPr lang="de-DE">
+            <a:endParaRPr lang="en-US" cap="small" dirty="0">
               <a:latin typeface="Times New Roman" pitchFamily="18" charset="0"/>
               <a:cs typeface="Times New Roman" pitchFamily="18" charset="0"/>
             </a:endParaRPr>
@@ -16169,19 +16287,24 @@
       </p:sp>
       <p:sp>
         <p:nvSpPr>
-          <p:cNvPr id="70" name="Rechteck 69"/>
+          <p:cNvPr id="9" name="Rechteck 8"/>
           <p:cNvSpPr/>
           <p:nvPr/>
         </p:nvSpPr>
         <p:spPr>
           <a:xfrm>
-            <a:off x="611560" y="836712"/>
-            <a:ext cx="8136904" cy="3744416"/>
+            <a:off x="251520" y="2448272"/>
+            <a:ext cx="8679101" cy="620688"/>
           </a:xfrm>
           <a:prstGeom prst="rect">
             <a:avLst/>
           </a:prstGeom>
-          <a:noFill/>
+          <a:solidFill>
+            <a:schemeClr val="accent2">
+              <a:lumMod val="60000"/>
+              <a:lumOff val="40000"/>
+            </a:schemeClr>
+          </a:solidFill>
           <a:ln>
             <a:noFill/>
           </a:ln>
@@ -16203,137 +16326,190 @@
           </a:fontRef>
         </p:style>
         <p:txBody>
-          <a:bodyPr rtlCol="0" anchor="t"/>
-          <a:lstStyle/>
-          <a:p>
-            <a:pPr marL="285750" indent="-285750">
-              <a:lnSpc>
-                <a:spcPct val="150000"/>
-              </a:lnSpc>
-              <a:buFont typeface="Arial" panose="020B0604020202020204" pitchFamily="34" charset="0"/>
-              <a:buChar char="•"/>
-            </a:pPr>
-            <a:r>
-              <a:rPr lang="en-US" dirty="0">
+          <a:bodyPr rtlCol="0" anchor="ctr"/>
+          <a:lstStyle/>
+          <a:p>
+            <a:r>
+              <a:rPr lang="en-US" sz="2000" cap="small" dirty="0">
                 <a:solidFill>
                   <a:schemeClr val="tx1"/>
                 </a:solidFill>
                 <a:latin typeface="Times New Roman" pitchFamily="18" charset="0"/>
                 <a:cs typeface="Times New Roman" pitchFamily="18" charset="0"/>
               </a:rPr>
-              <a:t>Some Key-functionalities couldn’t be finished during the semester. Major Topics are:	</a:t>
-            </a:r>
-          </a:p>
-          <a:p>
-            <a:pPr marL="742950" lvl="1" indent="-285750">
-              <a:lnSpc>
-                <a:spcPct val="150000"/>
-              </a:lnSpc>
-              <a:buFont typeface="Arial" panose="020B0604020202020204" pitchFamily="34" charset="0"/>
-              <a:buChar char="•"/>
-            </a:pPr>
-            <a:r>
-              <a:rPr lang="en-US" dirty="0">
+              <a:t>Approach</a:t>
+            </a:r>
+          </a:p>
+        </p:txBody>
+      </p:sp>
+      <p:sp>
+        <p:nvSpPr>
+          <p:cNvPr id="10" name="Rechteck 9"/>
+          <p:cNvSpPr/>
+          <p:nvPr/>
+        </p:nvSpPr>
+        <p:spPr>
+          <a:xfrm>
+            <a:off x="251520" y="3384376"/>
+            <a:ext cx="8679101" cy="620688"/>
+          </a:xfrm>
+          <a:prstGeom prst="rect">
+            <a:avLst/>
+          </a:prstGeom>
+          <a:solidFill>
+            <a:schemeClr val="accent2">
+              <a:lumMod val="60000"/>
+              <a:lumOff val="40000"/>
+            </a:schemeClr>
+          </a:solidFill>
+          <a:ln>
+            <a:noFill/>
+          </a:ln>
+        </p:spPr>
+        <p:style>
+          <a:lnRef idx="2">
+            <a:schemeClr val="accent1">
+              <a:shade val="50000"/>
+            </a:schemeClr>
+          </a:lnRef>
+          <a:fillRef idx="1">
+            <a:schemeClr val="accent1"/>
+          </a:fillRef>
+          <a:effectRef idx="0">
+            <a:schemeClr val="accent1"/>
+          </a:effectRef>
+          <a:fontRef idx="minor">
+            <a:schemeClr val="lt1"/>
+          </a:fontRef>
+        </p:style>
+        <p:txBody>
+          <a:bodyPr rtlCol="0" anchor="ctr"/>
+          <a:lstStyle/>
+          <a:p>
+            <a:r>
+              <a:rPr lang="en-US" sz="2000" cap="small" dirty="0">
                 <a:solidFill>
                   <a:schemeClr val="tx1"/>
                 </a:solidFill>
                 <a:latin typeface="Times New Roman" pitchFamily="18" charset="0"/>
                 <a:cs typeface="Times New Roman" pitchFamily="18" charset="0"/>
               </a:rPr>
-              <a:t>Session handling</a:t>
-            </a:r>
-          </a:p>
-          <a:p>
-            <a:pPr marL="742950" lvl="1" indent="-285750">
-              <a:lnSpc>
-                <a:spcPct val="150000"/>
-              </a:lnSpc>
-              <a:buFont typeface="Arial" panose="020B0604020202020204" pitchFamily="34" charset="0"/>
-              <a:buChar char="•"/>
-            </a:pPr>
-            <a:r>
-              <a:rPr lang="en-US" dirty="0">
+              <a:t>Details</a:t>
+            </a:r>
+          </a:p>
+        </p:txBody>
+      </p:sp>
+      <p:sp>
+        <p:nvSpPr>
+          <p:cNvPr id="13" name="Rechteck 12"/>
+          <p:cNvSpPr/>
+          <p:nvPr/>
+        </p:nvSpPr>
+        <p:spPr>
+          <a:xfrm>
+            <a:off x="251520" y="4320480"/>
+            <a:ext cx="8679101" cy="620688"/>
+          </a:xfrm>
+          <a:prstGeom prst="rect">
+            <a:avLst/>
+          </a:prstGeom>
+          <a:solidFill>
+            <a:schemeClr val="accent2">
+              <a:lumMod val="60000"/>
+              <a:lumOff val="40000"/>
+            </a:schemeClr>
+          </a:solidFill>
+          <a:ln>
+            <a:noFill/>
+          </a:ln>
+        </p:spPr>
+        <p:style>
+          <a:lnRef idx="2">
+            <a:schemeClr val="accent1">
+              <a:shade val="50000"/>
+            </a:schemeClr>
+          </a:lnRef>
+          <a:fillRef idx="1">
+            <a:schemeClr val="accent1"/>
+          </a:fillRef>
+          <a:effectRef idx="0">
+            <a:schemeClr val="accent1"/>
+          </a:effectRef>
+          <a:fontRef idx="minor">
+            <a:schemeClr val="lt1"/>
+          </a:fontRef>
+        </p:style>
+        <p:txBody>
+          <a:bodyPr rtlCol="0" anchor="ctr"/>
+          <a:lstStyle/>
+          <a:p>
+            <a:r>
+              <a:rPr lang="en-US" sz="2000" b="1" cap="small" dirty="0">
                 <a:solidFill>
                   <a:schemeClr val="tx1"/>
                 </a:solidFill>
                 <a:latin typeface="Times New Roman" pitchFamily="18" charset="0"/>
                 <a:cs typeface="Times New Roman" pitchFamily="18" charset="0"/>
               </a:rPr>
-              <a:t>Group functionalities</a:t>
-            </a:r>
-          </a:p>
-          <a:p>
-            <a:pPr marL="742950" lvl="1" indent="-285750">
-              <a:lnSpc>
-                <a:spcPct val="150000"/>
-              </a:lnSpc>
-              <a:buFont typeface="Arial" panose="020B0604020202020204" pitchFamily="34" charset="0"/>
-              <a:buChar char="•"/>
-            </a:pPr>
-            <a:r>
-              <a:rPr lang="en-US" dirty="0">
+              <a:t>Conclusion</a:t>
+            </a:r>
+          </a:p>
+        </p:txBody>
+      </p:sp>
+      <p:sp>
+        <p:nvSpPr>
+          <p:cNvPr id="7" name="Rechteck 6"/>
+          <p:cNvSpPr/>
+          <p:nvPr/>
+        </p:nvSpPr>
+        <p:spPr>
+          <a:xfrm>
+            <a:off x="251520" y="1556792"/>
+            <a:ext cx="8679101" cy="620688"/>
+          </a:xfrm>
+          <a:prstGeom prst="rect">
+            <a:avLst/>
+          </a:prstGeom>
+          <a:solidFill>
+            <a:schemeClr val="accent2">
+              <a:lumMod val="60000"/>
+              <a:lumOff val="40000"/>
+            </a:schemeClr>
+          </a:solidFill>
+          <a:ln>
+            <a:noFill/>
+          </a:ln>
+        </p:spPr>
+        <p:style>
+          <a:lnRef idx="2">
+            <a:schemeClr val="accent1">
+              <a:shade val="50000"/>
+            </a:schemeClr>
+          </a:lnRef>
+          <a:fillRef idx="1">
+            <a:schemeClr val="accent1"/>
+          </a:fillRef>
+          <a:effectRef idx="0">
+            <a:schemeClr val="accent1"/>
+          </a:effectRef>
+          <a:fontRef idx="minor">
+            <a:schemeClr val="lt1"/>
+          </a:fontRef>
+        </p:style>
+        <p:txBody>
+          <a:bodyPr rtlCol="0" anchor="ctr"/>
+          <a:lstStyle/>
+          <a:p>
+            <a:r>
+              <a:rPr lang="en-US" sz="2000" cap="small" dirty="0">
                 <a:solidFill>
                   <a:schemeClr val="tx1"/>
                 </a:solidFill>
                 <a:latin typeface="Times New Roman" pitchFamily="18" charset="0"/>
                 <a:cs typeface="Times New Roman" pitchFamily="18" charset="0"/>
               </a:rPr>
-              <a:t>Online Database</a:t>
-            </a:r>
-          </a:p>
-          <a:p>
-            <a:pPr marL="742950" lvl="1" indent="-285750">
-              <a:lnSpc>
-                <a:spcPct val="150000"/>
-              </a:lnSpc>
-              <a:buFont typeface="Arial" panose="020B0604020202020204" pitchFamily="34" charset="0"/>
-              <a:buChar char="•"/>
-            </a:pPr>
-            <a:r>
-              <a:rPr lang="en-US" dirty="0">
-                <a:solidFill>
-                  <a:schemeClr val="tx1"/>
-                </a:solidFill>
-                <a:latin typeface="Times New Roman" pitchFamily="18" charset="0"/>
-                <a:cs typeface="Times New Roman" pitchFamily="18" charset="0"/>
-              </a:rPr>
-              <a:t>Advanced filter possibilities for Reports</a:t>
-            </a:r>
-          </a:p>
-          <a:p>
-            <a:pPr marL="742950" lvl="1" indent="-285750">
-              <a:lnSpc>
-                <a:spcPct val="150000"/>
-              </a:lnSpc>
-              <a:buFont typeface="Arial" panose="020B0604020202020204" pitchFamily="34" charset="0"/>
-              <a:buChar char="•"/>
-            </a:pPr>
-            <a:r>
-              <a:rPr lang="en-US" dirty="0">
-                <a:solidFill>
-                  <a:schemeClr val="tx1"/>
-                </a:solidFill>
-                <a:latin typeface="Times New Roman" pitchFamily="18" charset="0"/>
-                <a:cs typeface="Times New Roman" pitchFamily="18" charset="0"/>
-              </a:rPr>
-              <a:t>Advanced picture processing</a:t>
-            </a:r>
-          </a:p>
-          <a:p>
-            <a:pPr marL="742950" lvl="1" indent="-285750">
-              <a:lnSpc>
-                <a:spcPct val="150000"/>
-              </a:lnSpc>
-              <a:buFont typeface="Arial" panose="020B0604020202020204" pitchFamily="34" charset="0"/>
-              <a:buChar char="•"/>
-            </a:pPr>
-            <a:endParaRPr lang="en-US" dirty="0">
-              <a:solidFill>
-                <a:schemeClr val="tx1"/>
-              </a:solidFill>
-              <a:latin typeface="Times New Roman" pitchFamily="18" charset="0"/>
-              <a:cs typeface="Times New Roman" pitchFamily="18" charset="0"/>
-            </a:endParaRPr>
+              <a:t>Live Demo</a:t>
+            </a:r>
           </a:p>
         </p:txBody>
       </p:sp>
@@ -16386,7 +16562,7 @@
     </p:spTree>
     <p:extLst>
       <p:ext uri="{BB962C8B-B14F-4D97-AF65-F5344CB8AC3E}">
-        <p14:creationId xmlns="" xmlns:p14="http://schemas.microsoft.com/office/powerpoint/2010/main" val="1378657956"/>
+        <p14:creationId xmlns="" xmlns:p14="http://schemas.microsoft.com/office/powerpoint/2010/main" val="2081312345"/>
       </p:ext>
     </p:extLst>
   </p:cSld>
@@ -16422,6 +16598,389 @@
       </p:grpSpPr>
       <p:sp>
         <p:nvSpPr>
+          <p:cNvPr id="4" name="Rechteck 3"/>
+          <p:cNvSpPr/>
+          <p:nvPr/>
+        </p:nvSpPr>
+        <p:spPr>
+          <a:xfrm>
+            <a:off x="0" y="0"/>
+            <a:ext cx="9144000" cy="620688"/>
+          </a:xfrm>
+          <a:prstGeom prst="rect">
+            <a:avLst/>
+          </a:prstGeom>
+          <a:solidFill>
+            <a:schemeClr val="accent2">
+              <a:lumMod val="60000"/>
+              <a:lumOff val="40000"/>
+            </a:schemeClr>
+          </a:solidFill>
+          <a:ln>
+            <a:noFill/>
+          </a:ln>
+        </p:spPr>
+        <p:style>
+          <a:lnRef idx="2">
+            <a:schemeClr val="accent1">
+              <a:shade val="50000"/>
+            </a:schemeClr>
+          </a:lnRef>
+          <a:fillRef idx="1">
+            <a:schemeClr val="accent1"/>
+          </a:fillRef>
+          <a:effectRef idx="0">
+            <a:schemeClr val="accent1"/>
+          </a:effectRef>
+          <a:fontRef idx="minor">
+            <a:schemeClr val="lt1"/>
+          </a:fontRef>
+        </p:style>
+        <p:txBody>
+          <a:bodyPr rtlCol="0" anchor="ctr"/>
+          <a:lstStyle/>
+          <a:p>
+            <a:pPr algn="r"/>
+            <a:r>
+              <a:rPr lang="de-DE" sz="2000" b="1" cap="small" dirty="0">
+                <a:solidFill>
+                  <a:schemeClr val="tx1"/>
+                </a:solidFill>
+                <a:latin typeface="Times New Roman" pitchFamily="18" charset="0"/>
+                <a:cs typeface="Times New Roman" pitchFamily="18" charset="0"/>
+              </a:rPr>
+              <a:t>Forecast </a:t>
+            </a:r>
+            <a:r>
+              <a:rPr lang="de-DE" sz="2000" b="1" cap="small" dirty="0" err="1">
+                <a:solidFill>
+                  <a:schemeClr val="tx1"/>
+                </a:solidFill>
+                <a:latin typeface="Times New Roman" pitchFamily="18" charset="0"/>
+                <a:cs typeface="Times New Roman" pitchFamily="18" charset="0"/>
+              </a:rPr>
+              <a:t>to</a:t>
+            </a:r>
+            <a:r>
+              <a:rPr lang="de-DE" sz="2000" b="1" cap="small" dirty="0">
+                <a:solidFill>
+                  <a:schemeClr val="tx1"/>
+                </a:solidFill>
+                <a:latin typeface="Times New Roman" pitchFamily="18" charset="0"/>
+                <a:cs typeface="Times New Roman" pitchFamily="18" charset="0"/>
+              </a:rPr>
+              <a:t> Market</a:t>
+            </a:r>
+          </a:p>
+        </p:txBody>
+      </p:sp>
+      <p:sp>
+        <p:nvSpPr>
+          <p:cNvPr id="5" name="Rechteck 4"/>
+          <p:cNvSpPr/>
+          <p:nvPr/>
+        </p:nvSpPr>
+        <p:spPr>
+          <a:xfrm>
+            <a:off x="0" y="6237312"/>
+            <a:ext cx="9144000" cy="620688"/>
+          </a:xfrm>
+          <a:prstGeom prst="rect">
+            <a:avLst/>
+          </a:prstGeom>
+          <a:solidFill>
+            <a:schemeClr val="accent2">
+              <a:lumMod val="60000"/>
+              <a:lumOff val="40000"/>
+            </a:schemeClr>
+          </a:solidFill>
+          <a:ln>
+            <a:noFill/>
+          </a:ln>
+        </p:spPr>
+        <p:style>
+          <a:lnRef idx="2">
+            <a:schemeClr val="accent1">
+              <a:shade val="50000"/>
+            </a:schemeClr>
+          </a:lnRef>
+          <a:fillRef idx="1">
+            <a:schemeClr val="accent1"/>
+          </a:fillRef>
+          <a:effectRef idx="0">
+            <a:schemeClr val="accent1"/>
+          </a:effectRef>
+          <a:fontRef idx="minor">
+            <a:schemeClr val="lt1"/>
+          </a:fontRef>
+        </p:style>
+        <p:txBody>
+          <a:bodyPr rtlCol="0" anchor="ctr"/>
+          <a:lstStyle/>
+          <a:p>
+            <a:pPr algn="ctr"/>
+            <a:endParaRPr lang="de-DE">
+              <a:latin typeface="Times New Roman" pitchFamily="18" charset="0"/>
+              <a:cs typeface="Times New Roman" pitchFamily="18" charset="0"/>
+            </a:endParaRPr>
+          </a:p>
+        </p:txBody>
+      </p:sp>
+      <p:sp>
+        <p:nvSpPr>
+          <p:cNvPr id="70" name="Rechteck 69"/>
+          <p:cNvSpPr/>
+          <p:nvPr/>
+        </p:nvSpPr>
+        <p:spPr>
+          <a:xfrm>
+            <a:off x="611560" y="836712"/>
+            <a:ext cx="8136904" cy="3744416"/>
+          </a:xfrm>
+          <a:prstGeom prst="rect">
+            <a:avLst/>
+          </a:prstGeom>
+          <a:noFill/>
+          <a:ln>
+            <a:noFill/>
+          </a:ln>
+        </p:spPr>
+        <p:style>
+          <a:lnRef idx="2">
+            <a:schemeClr val="accent1">
+              <a:shade val="50000"/>
+            </a:schemeClr>
+          </a:lnRef>
+          <a:fillRef idx="1">
+            <a:schemeClr val="accent1"/>
+          </a:fillRef>
+          <a:effectRef idx="0">
+            <a:schemeClr val="accent1"/>
+          </a:effectRef>
+          <a:fontRef idx="minor">
+            <a:schemeClr val="lt1"/>
+          </a:fontRef>
+        </p:style>
+        <p:txBody>
+          <a:bodyPr rtlCol="0" anchor="t"/>
+          <a:lstStyle/>
+          <a:p>
+            <a:pPr marL="285750" indent="-285750">
+              <a:lnSpc>
+                <a:spcPct val="150000"/>
+              </a:lnSpc>
+              <a:buFont typeface="Arial" panose="020B0604020202020204" pitchFamily="34" charset="0"/>
+              <a:buChar char="•"/>
+            </a:pPr>
+            <a:r>
+              <a:rPr lang="en-US" dirty="0">
+                <a:solidFill>
+                  <a:schemeClr val="tx1"/>
+                </a:solidFill>
+                <a:latin typeface="Times New Roman" pitchFamily="18" charset="0"/>
+                <a:cs typeface="Times New Roman" pitchFamily="18" charset="0"/>
+              </a:rPr>
+              <a:t>Some Key-functionalities couldn’t be finished during the semester. Major Topics are:	</a:t>
+            </a:r>
+          </a:p>
+          <a:p>
+            <a:pPr marL="742950" lvl="1" indent="-285750">
+              <a:lnSpc>
+                <a:spcPct val="150000"/>
+              </a:lnSpc>
+              <a:buFont typeface="Arial" panose="020B0604020202020204" pitchFamily="34" charset="0"/>
+              <a:buChar char="•"/>
+            </a:pPr>
+            <a:r>
+              <a:rPr lang="en-US" dirty="0">
+                <a:solidFill>
+                  <a:schemeClr val="tx1"/>
+                </a:solidFill>
+                <a:latin typeface="Times New Roman" pitchFamily="18" charset="0"/>
+                <a:cs typeface="Times New Roman" pitchFamily="18" charset="0"/>
+              </a:rPr>
+              <a:t>Session handling</a:t>
+            </a:r>
+          </a:p>
+          <a:p>
+            <a:pPr marL="742950" lvl="1" indent="-285750">
+              <a:lnSpc>
+                <a:spcPct val="150000"/>
+              </a:lnSpc>
+              <a:buFont typeface="Arial" panose="020B0604020202020204" pitchFamily="34" charset="0"/>
+              <a:buChar char="•"/>
+            </a:pPr>
+            <a:r>
+              <a:rPr lang="en-US" dirty="0">
+                <a:solidFill>
+                  <a:schemeClr val="tx1"/>
+                </a:solidFill>
+                <a:latin typeface="Times New Roman" pitchFamily="18" charset="0"/>
+                <a:cs typeface="Times New Roman" pitchFamily="18" charset="0"/>
+              </a:rPr>
+              <a:t>Group functionalities</a:t>
+            </a:r>
+          </a:p>
+          <a:p>
+            <a:pPr marL="742950" lvl="1" indent="-285750">
+              <a:lnSpc>
+                <a:spcPct val="150000"/>
+              </a:lnSpc>
+              <a:buFont typeface="Arial" panose="020B0604020202020204" pitchFamily="34" charset="0"/>
+              <a:buChar char="•"/>
+            </a:pPr>
+            <a:r>
+              <a:rPr lang="en-US" dirty="0">
+                <a:solidFill>
+                  <a:schemeClr val="tx1"/>
+                </a:solidFill>
+                <a:latin typeface="Times New Roman" pitchFamily="18" charset="0"/>
+                <a:cs typeface="Times New Roman" pitchFamily="18" charset="0"/>
+              </a:rPr>
+              <a:t>Online Database</a:t>
+            </a:r>
+          </a:p>
+          <a:p>
+            <a:pPr marL="742950" lvl="1" indent="-285750">
+              <a:lnSpc>
+                <a:spcPct val="150000"/>
+              </a:lnSpc>
+              <a:buFont typeface="Arial" panose="020B0604020202020204" pitchFamily="34" charset="0"/>
+              <a:buChar char="•"/>
+            </a:pPr>
+            <a:r>
+              <a:rPr lang="en-US" dirty="0">
+                <a:solidFill>
+                  <a:schemeClr val="tx1"/>
+                </a:solidFill>
+                <a:latin typeface="Times New Roman" pitchFamily="18" charset="0"/>
+                <a:cs typeface="Times New Roman" pitchFamily="18" charset="0"/>
+              </a:rPr>
+              <a:t>Advanced filter possibilities for Reports</a:t>
+            </a:r>
+          </a:p>
+          <a:p>
+            <a:pPr marL="742950" lvl="1" indent="-285750">
+              <a:lnSpc>
+                <a:spcPct val="150000"/>
+              </a:lnSpc>
+              <a:buFont typeface="Arial" panose="020B0604020202020204" pitchFamily="34" charset="0"/>
+              <a:buChar char="•"/>
+            </a:pPr>
+            <a:r>
+              <a:rPr lang="en-US" dirty="0">
+                <a:solidFill>
+                  <a:schemeClr val="tx1"/>
+                </a:solidFill>
+                <a:latin typeface="Times New Roman" pitchFamily="18" charset="0"/>
+                <a:cs typeface="Times New Roman" pitchFamily="18" charset="0"/>
+              </a:rPr>
+              <a:t>Advanced picture processing</a:t>
+            </a:r>
+          </a:p>
+          <a:p>
+            <a:pPr marL="742950" lvl="1" indent="-285750">
+              <a:lnSpc>
+                <a:spcPct val="150000"/>
+              </a:lnSpc>
+              <a:buFont typeface="Arial" panose="020B0604020202020204" pitchFamily="34" charset="0"/>
+              <a:buChar char="•"/>
+            </a:pPr>
+            <a:endParaRPr lang="en-US" dirty="0">
+              <a:solidFill>
+                <a:schemeClr val="tx1"/>
+              </a:solidFill>
+              <a:latin typeface="Times New Roman" pitchFamily="18" charset="0"/>
+              <a:cs typeface="Times New Roman" pitchFamily="18" charset="0"/>
+            </a:endParaRPr>
+          </a:p>
+        </p:txBody>
+      </p:sp>
+      <p:sp>
+        <p:nvSpPr>
+          <p:cNvPr id="2" name="Foliennummernplatzhalter 1"/>
+          <p:cNvSpPr>
+            <a:spLocks noGrp="1"/>
+          </p:cNvSpPr>
+          <p:nvPr>
+            <p:ph type="sldNum" sz="quarter" idx="12"/>
+          </p:nvPr>
+        </p:nvSpPr>
+        <p:spPr/>
+        <p:txBody>
+          <a:bodyPr/>
+          <a:lstStyle/>
+          <a:p>
+            <a:fld id="{C663554D-7BDA-4824-AC15-58BB57D86064}" type="slidenum">
+              <a:rPr lang="de-DE" smtClean="0"/>
+              <a:pPr/>
+              <a:t>31</a:t>
+            </a:fld>
+            <a:endParaRPr lang="de-DE"/>
+          </a:p>
+        </p:txBody>
+      </p:sp>
+      <p:sp>
+        <p:nvSpPr>
+          <p:cNvPr id="3" name="Fußzeilenplatzhalter 2"/>
+          <p:cNvSpPr>
+            <a:spLocks noGrp="1"/>
+          </p:cNvSpPr>
+          <p:nvPr>
+            <p:ph type="ftr" sz="quarter" idx="11"/>
+          </p:nvPr>
+        </p:nvSpPr>
+        <p:spPr/>
+        <p:txBody>
+          <a:bodyPr/>
+          <a:lstStyle/>
+          <a:p>
+            <a:r>
+              <a:rPr lang="de-DE"/>
+              <a:t>Kateryna Pryshchepa, Iuliia Guk, Thomas Röhl, Tetiana Lavrynovych, Sascha Zepf</a:t>
+            </a:r>
+          </a:p>
+        </p:txBody>
+      </p:sp>
+    </p:spTree>
+    <p:extLst>
+      <p:ext uri="{BB962C8B-B14F-4D97-AF65-F5344CB8AC3E}">
+        <p14:creationId xmlns="" xmlns:p14="http://schemas.microsoft.com/office/powerpoint/2010/main" val="1378657956"/>
+      </p:ext>
+    </p:extLst>
+  </p:cSld>
+  <p:clrMapOvr>
+    <a:masterClrMapping/>
+  </p:clrMapOvr>
+  <p:timing>
+    <p:tnLst>
+      <p:par>
+        <p:cTn id="1" dur="indefinite" restart="never" nodeType="tmRoot"/>
+      </p:par>
+    </p:tnLst>
+  </p:timing>
+</p:sld>
+</file>
+
+<file path=ppt/slides/slide32.xml><?xml version="1.0" encoding="utf-8"?>
+<p:sld xmlns:a="http://schemas.openxmlformats.org/drawingml/2006/main" xmlns:r="http://schemas.openxmlformats.org/officeDocument/2006/relationships" xmlns:p="http://schemas.openxmlformats.org/presentationml/2006/main">
+  <p:cSld>
+    <p:spTree>
+      <p:nvGrpSpPr>
+        <p:cNvPr id="1" name=""/>
+        <p:cNvGrpSpPr/>
+        <p:nvPr/>
+      </p:nvGrpSpPr>
+      <p:grpSpPr>
+        <a:xfrm>
+          <a:off x="0" y="0"/>
+          <a:ext cx="0" cy="0"/>
+          <a:chOff x="0" y="0"/>
+          <a:chExt cx="0" cy="0"/>
+        </a:xfrm>
+      </p:grpSpPr>
+      <p:sp>
+        <p:nvSpPr>
           <p:cNvPr id="5" name="Rechteck 4"/>
           <p:cNvSpPr/>
           <p:nvPr/>
@@ -17017,7 +17576,7 @@
             <a:fld id="{C663554D-7BDA-4824-AC15-58BB57D86064}" type="slidenum">
               <a:rPr lang="de-DE" smtClean="0"/>
               <a:pPr/>
-              <a:t>31</a:t>
+              <a:t>32</a:t>
             </a:fld>
             <a:endParaRPr lang="de-DE"/>
           </a:p>

--- a/Dokumentation/ShopAdmin_Final.pptx
+++ b/Dokumentation/ShopAdmin_Final.pptx
@@ -6361,14 +6361,7 @@
                 <a:latin typeface="Times New Roman" pitchFamily="18" charset="0"/>
                 <a:cs typeface="Times New Roman" pitchFamily="18" charset="0"/>
               </a:rPr>
-              <a:t>                            </a:t>
-            </a:r>
-            <a:r>
-              <a:rPr lang="de-DE" sz="1800" dirty="0" smtClean="0">
-                <a:latin typeface="Times New Roman" pitchFamily="18" charset="0"/>
-                <a:cs typeface="Times New Roman" pitchFamily="18" charset="0"/>
-              </a:rPr>
-              <a:t>  </a:t>
+              <a:t>                              </a:t>
             </a:r>
             <a:r>
               <a:rPr lang="de-DE" sz="1800" dirty="0" err="1" smtClean="0">
@@ -6819,14 +6812,7 @@
                 <a:latin typeface="Times New Roman" pitchFamily="18" charset="0"/>
                 <a:cs typeface="Times New Roman" pitchFamily="18" charset="0"/>
               </a:rPr>
-              <a:t>                            </a:t>
-            </a:r>
-            <a:r>
-              <a:rPr lang="de-DE" sz="1800" dirty="0" smtClean="0">
-                <a:latin typeface="Times New Roman" pitchFamily="18" charset="0"/>
-                <a:cs typeface="Times New Roman" pitchFamily="18" charset="0"/>
-              </a:rPr>
-              <a:t>  </a:t>
+              <a:t>                              </a:t>
             </a:r>
             <a:r>
               <a:rPr lang="de-DE" sz="1800" dirty="0" err="1" smtClean="0">
@@ -17258,7 +17244,14 @@
                 <a:latin typeface="Times New Roman" pitchFamily="18" charset="0"/>
                 <a:cs typeface="Times New Roman" pitchFamily="18" charset="0"/>
               </a:rPr>
-              <a:t>students or young family.</a:t>
+              <a:t>students or young </a:t>
+            </a:r>
+            <a:r>
+              <a:rPr lang="en-US" sz="2000" dirty="0" smtClean="0">
+                <a:latin typeface="Times New Roman" pitchFamily="18" charset="0"/>
+                <a:cs typeface="Times New Roman" pitchFamily="18" charset="0"/>
+              </a:rPr>
+              <a:t>family</a:t>
             </a:r>
             <a:endParaRPr lang="de-DE" sz="2000" dirty="0">
               <a:latin typeface="Times New Roman" pitchFamily="18" charset="0"/>
@@ -17313,11 +17306,18 @@
               <a:buChar char="§"/>
             </a:pPr>
             <a:r>
+              <a:rPr lang="en-US" sz="2000" dirty="0" smtClean="0">
+                <a:latin typeface="Times New Roman" pitchFamily="18" charset="0"/>
+                <a:cs typeface="Times New Roman" pitchFamily="18" charset="0"/>
+              </a:rPr>
+              <a:t>Scanner auto-extract </a:t>
+            </a:r>
+            <a:r>
               <a:rPr lang="en-US" sz="2000" dirty="0">
                 <a:latin typeface="Times New Roman" pitchFamily="18" charset="0"/>
                 <a:cs typeface="Times New Roman" pitchFamily="18" charset="0"/>
               </a:rPr>
-              <a:t>Scanners that auto-extract receipt information such as shop names, data and time, amount</a:t>
+              <a:t>receipt information such as shop names, data and time, amount</a:t>
             </a:r>
             <a:endParaRPr lang="de-DE" sz="2000" dirty="0">
               <a:latin typeface="Times New Roman" pitchFamily="18" charset="0"/>
@@ -17408,8 +17408,19 @@
                 <a:latin typeface="Times New Roman" pitchFamily="18" charset="0"/>
                 <a:cs typeface="Times New Roman" pitchFamily="18" charset="0"/>
               </a:rPr>
-              <a:t>Save time for counting expenses.</a:t>
-            </a:r>
+              <a:t>Save time for counting </a:t>
+            </a:r>
+            <a:r>
+              <a:rPr lang="en-US" sz="2000" dirty="0" smtClean="0">
+                <a:latin typeface="Times New Roman" pitchFamily="18" charset="0"/>
+                <a:cs typeface="Times New Roman" pitchFamily="18" charset="0"/>
+              </a:rPr>
+              <a:t>expenses</a:t>
+            </a:r>
+            <a:endParaRPr lang="en-US" sz="2000" dirty="0">
+              <a:latin typeface="Times New Roman" pitchFamily="18" charset="0"/>
+              <a:cs typeface="Times New Roman" pitchFamily="18" charset="0"/>
+            </a:endParaRPr>
           </a:p>
           <a:p>
             <a:pPr>
@@ -17466,22 +17477,19 @@
                 <a:latin typeface="Times New Roman" pitchFamily="18" charset="0"/>
                 <a:cs typeface="Times New Roman" pitchFamily="18" charset="0"/>
               </a:rPr>
-              <a:t>Implementing Tesseract Library OCR engine and </a:t>
-            </a:r>
-            <a:r>
-              <a:rPr lang="en-US" sz="2000" dirty="0" err="1">
+              <a:t>Implementing Tesseract Library OCR </a:t>
+            </a:r>
+            <a:r>
+              <a:rPr lang="en-US" sz="2000" dirty="0" smtClean="0">
                 <a:latin typeface="Times New Roman" pitchFamily="18" charset="0"/>
                 <a:cs typeface="Times New Roman" pitchFamily="18" charset="0"/>
               </a:rPr>
-              <a:t>Leptonica</a:t>
-            </a:r>
-            <a:r>
-              <a:rPr lang="en-US" sz="2000" dirty="0">
-                <a:latin typeface="Times New Roman" pitchFamily="18" charset="0"/>
-                <a:cs typeface="Times New Roman" pitchFamily="18" charset="0"/>
-              </a:rPr>
-              <a:t> Image Processing Library</a:t>
-            </a:r>
+              <a:t>engine</a:t>
+            </a:r>
+            <a:endParaRPr lang="en-US" sz="2000" dirty="0">
+              <a:latin typeface="Times New Roman" pitchFamily="18" charset="0"/>
+              <a:cs typeface="Times New Roman" pitchFamily="18" charset="0"/>
+            </a:endParaRPr>
           </a:p>
           <a:p>
             <a:pPr>
@@ -17598,9 +17606,58 @@
           <a:lstStyle/>
           <a:p>
             <a:r>
-              <a:rPr lang="de-DE"/>
-              <a:t>Kateryna Pryshchepa, Iuliia Guk, Thomas Röhl, Tetiana Lavrynovych, Sascha Zepf</a:t>
-            </a:r>
+              <a:rPr lang="de-DE" dirty="0" err="1"/>
+              <a:t>Kateryna</a:t>
+            </a:r>
+            <a:r>
+              <a:rPr lang="de-DE" dirty="0"/>
+              <a:t> </a:t>
+            </a:r>
+            <a:r>
+              <a:rPr lang="de-DE" dirty="0" err="1"/>
+              <a:t>Pryshchepa</a:t>
+            </a:r>
+            <a:r>
+              <a:rPr lang="de-DE" dirty="0"/>
+              <a:t>, </a:t>
+            </a:r>
+            <a:r>
+              <a:rPr lang="de-DE" dirty="0" err="1"/>
+              <a:t>Iuliia</a:t>
+            </a:r>
+            <a:r>
+              <a:rPr lang="de-DE" dirty="0"/>
+              <a:t> </a:t>
+            </a:r>
+            <a:r>
+              <a:rPr lang="de-DE" dirty="0" err="1"/>
+              <a:t>Guk</a:t>
+            </a:r>
+            <a:r>
+              <a:rPr lang="de-DE" dirty="0"/>
+              <a:t>, Thomas Röhl, </a:t>
+            </a:r>
+            <a:r>
+              <a:rPr lang="de-DE" dirty="0" err="1"/>
+              <a:t>Tetiana</a:t>
+            </a:r>
+            <a:r>
+              <a:rPr lang="de-DE" dirty="0"/>
+              <a:t> </a:t>
+            </a:r>
+            <a:r>
+              <a:rPr lang="de-DE" dirty="0" err="1"/>
+              <a:t>Lavrynovych</a:t>
+            </a:r>
+            <a:r>
+              <a:rPr lang="de-DE" dirty="0"/>
+              <a:t>, Sascha </a:t>
+            </a:r>
+            <a:r>
+              <a:rPr lang="de-DE" dirty="0" err="1"/>
+              <a:t>Zepf</a:t>
+            </a:r>
+            <a:endParaRPr lang="de-DE" dirty="0"/>
           </a:p>
         </p:txBody>
       </p:sp>

--- a/Dokumentation/ShopAdmin_Final.pptx
+++ b/Dokumentation/ShopAdmin_Final.pptx
@@ -5,7 +5,7 @@
     <p:sldMasterId id="2147483888" r:id="rId1"/>
   </p:sldMasterIdLst>
   <p:notesMasterIdLst>
-    <p:notesMasterId r:id="rId34"/>
+    <p:notesMasterId r:id="rId35"/>
   </p:notesMasterIdLst>
   <p:sldIdLst>
     <p:sldId id="261" r:id="rId2"/>
@@ -20,26 +20,27 @@
     <p:sldId id="351" r:id="rId11"/>
     <p:sldId id="352" r:id="rId12"/>
     <p:sldId id="324" r:id="rId13"/>
-    <p:sldId id="373" r:id="rId14"/>
+    <p:sldId id="377" r:id="rId14"/>
     <p:sldId id="374" r:id="rId15"/>
     <p:sldId id="370" r:id="rId16"/>
     <p:sldId id="371" r:id="rId17"/>
-    <p:sldId id="372" r:id="rId18"/>
-    <p:sldId id="364" r:id="rId19"/>
-    <p:sldId id="356" r:id="rId20"/>
-    <p:sldId id="357" r:id="rId21"/>
-    <p:sldId id="279" r:id="rId22"/>
-    <p:sldId id="366" r:id="rId23"/>
-    <p:sldId id="367" r:id="rId24"/>
-    <p:sldId id="368" r:id="rId25"/>
-    <p:sldId id="363" r:id="rId26"/>
-    <p:sldId id="323" r:id="rId27"/>
-    <p:sldId id="354" r:id="rId28"/>
-    <p:sldId id="355" r:id="rId29"/>
-    <p:sldId id="358" r:id="rId30"/>
-    <p:sldId id="365" r:id="rId31"/>
-    <p:sldId id="359" r:id="rId32"/>
-    <p:sldId id="361" r:id="rId33"/>
+    <p:sldId id="376" r:id="rId18"/>
+    <p:sldId id="372" r:id="rId19"/>
+    <p:sldId id="364" r:id="rId20"/>
+    <p:sldId id="356" r:id="rId21"/>
+    <p:sldId id="357" r:id="rId22"/>
+    <p:sldId id="279" r:id="rId23"/>
+    <p:sldId id="366" r:id="rId24"/>
+    <p:sldId id="367" r:id="rId25"/>
+    <p:sldId id="368" r:id="rId26"/>
+    <p:sldId id="363" r:id="rId27"/>
+    <p:sldId id="323" r:id="rId28"/>
+    <p:sldId id="354" r:id="rId29"/>
+    <p:sldId id="355" r:id="rId30"/>
+    <p:sldId id="358" r:id="rId31"/>
+    <p:sldId id="365" r:id="rId32"/>
+    <p:sldId id="359" r:id="rId33"/>
+    <p:sldId id="361" r:id="rId34"/>
   </p:sldIdLst>
   <p:sldSz cx="9144000" cy="6858000" type="screen4x3"/>
   <p:notesSz cx="6858000" cy="9144000"/>
@@ -140,7 +141,7 @@
   </p:defaultTextStyle>
   <p:extLst>
     <p:ext uri="{EFAFB233-063F-42B5-8137-9DF3F51BA10A}">
-      <p15:sldGuideLst xmlns="" xmlns:p15="http://schemas.microsoft.com/office/powerpoint/2012/main">
+      <p15:sldGuideLst xmlns:p15="http://schemas.microsoft.com/office/powerpoint/2012/main" xmlns="">
         <p15:guide id="1" orient="horz" pos="2160">
           <p15:clr>
             <a:srgbClr val="A4A3A4"/>
@@ -240,7 +241,7 @@
             <a:fld id="{08170F22-F189-48F2-A6A7-135767DB8179}" type="datetimeFigureOut">
               <a:rPr lang="de-DE" smtClean="0"/>
               <a:pPr/>
-              <a:t>27.02.2016</a:t>
+              <a:t>29.02.2016</a:t>
             </a:fld>
             <a:endParaRPr lang="de-DE"/>
           </a:p>
@@ -408,7 +409,7 @@
     </p:spTree>
     <p:extLst>
       <p:ext uri="{BB962C8B-B14F-4D97-AF65-F5344CB8AC3E}">
-        <p14:creationId xmlns="" xmlns:p14="http://schemas.microsoft.com/office/powerpoint/2010/main" val="1165397606"/>
+        <p14:creationId xmlns:p14="http://schemas.microsoft.com/office/powerpoint/2010/main" xmlns="" val="1165397606"/>
       </p:ext>
     </p:extLst>
   </p:cSld>
@@ -688,7 +689,7 @@
             <a:fld id="{449C8E40-13A9-4BD9-B5C0-0BB224D27287}" type="datetime1">
               <a:rPr lang="de-DE" smtClean="0"/>
               <a:pPr/>
-              <a:t>27.02.2016</a:t>
+              <a:t>29.02.2016</a:t>
             </a:fld>
             <a:endParaRPr lang="de-DE"/>
           </a:p>
@@ -856,7 +857,7 @@
             <a:fld id="{2D466DC2-7DF3-4AD4-95B5-B9E81C9F1A4B}" type="datetime1">
               <a:rPr lang="de-DE" smtClean="0"/>
               <a:pPr/>
-              <a:t>27.02.2016</a:t>
+              <a:t>29.02.2016</a:t>
             </a:fld>
             <a:endParaRPr lang="de-DE"/>
           </a:p>
@@ -1034,7 +1035,7 @@
             <a:fld id="{01994272-B283-4E20-ABBC-AB686B5C70C7}" type="datetime1">
               <a:rPr lang="de-DE" smtClean="0"/>
               <a:pPr/>
-              <a:t>27.02.2016</a:t>
+              <a:t>29.02.2016</a:t>
             </a:fld>
             <a:endParaRPr lang="de-DE"/>
           </a:p>
@@ -1202,7 +1203,7 @@
             <a:fld id="{94F101FB-DD2F-48EA-8CE1-23211F4120FB}" type="datetime1">
               <a:rPr lang="de-DE" smtClean="0"/>
               <a:pPr/>
-              <a:t>27.02.2016</a:t>
+              <a:t>29.02.2016</a:t>
             </a:fld>
             <a:endParaRPr lang="de-DE"/>
           </a:p>
@@ -1447,7 +1448,7 @@
             <a:fld id="{6857B49B-90D2-4132-A891-146DB937DDE0}" type="datetime1">
               <a:rPr lang="de-DE" smtClean="0"/>
               <a:pPr/>
-              <a:t>27.02.2016</a:t>
+              <a:t>29.02.2016</a:t>
             </a:fld>
             <a:endParaRPr lang="de-DE"/>
           </a:p>
@@ -1732,7 +1733,7 @@
             <a:fld id="{C3176352-4167-403D-B2A1-F8418C81A162}" type="datetime1">
               <a:rPr lang="de-DE" smtClean="0"/>
               <a:pPr/>
-              <a:t>27.02.2016</a:t>
+              <a:t>29.02.2016</a:t>
             </a:fld>
             <a:endParaRPr lang="de-DE"/>
           </a:p>
@@ -2151,7 +2152,7 @@
             <a:fld id="{ED48825C-13BC-4A37-AD04-4F49E649632F}" type="datetime1">
               <a:rPr lang="de-DE" smtClean="0"/>
               <a:pPr/>
-              <a:t>27.02.2016</a:t>
+              <a:t>29.02.2016</a:t>
             </a:fld>
             <a:endParaRPr lang="de-DE"/>
           </a:p>
@@ -2268,7 +2269,7 @@
             <a:fld id="{0873E5E6-82D5-405F-819F-0AD8173EED08}" type="datetime1">
               <a:rPr lang="de-DE" smtClean="0"/>
               <a:pPr/>
-              <a:t>27.02.2016</a:t>
+              <a:t>29.02.2016</a:t>
             </a:fld>
             <a:endParaRPr lang="de-DE"/>
           </a:p>
@@ -2363,7 +2364,7 @@
             <a:fld id="{DA12C094-9C26-4650-8398-0C1B537A64FA}" type="datetime1">
               <a:rPr lang="de-DE" smtClean="0"/>
               <a:pPr/>
-              <a:t>27.02.2016</a:t>
+              <a:t>29.02.2016</a:t>
             </a:fld>
             <a:endParaRPr lang="de-DE"/>
           </a:p>
@@ -2638,7 +2639,7 @@
             <a:fld id="{19EE50DA-9505-4AEF-AE15-665971221A51}" type="datetime1">
               <a:rPr lang="de-DE" smtClean="0"/>
               <a:pPr/>
-              <a:t>27.02.2016</a:t>
+              <a:t>29.02.2016</a:t>
             </a:fld>
             <a:endParaRPr lang="de-DE"/>
           </a:p>
@@ -2890,7 +2891,7 @@
             <a:fld id="{04E47AD3-7CE9-4474-90A4-0589DCB2E531}" type="datetime1">
               <a:rPr lang="de-DE" smtClean="0"/>
               <a:pPr/>
-              <a:t>27.02.2016</a:t>
+              <a:t>29.02.2016</a:t>
             </a:fld>
             <a:endParaRPr lang="de-DE"/>
           </a:p>
@@ -3101,7 +3102,7 @@
             <a:fld id="{2E804A63-6968-4E81-A177-7634F8E1B9A0}" type="datetime1">
               <a:rPr lang="de-DE" smtClean="0"/>
               <a:pPr/>
-              <a:t>27.02.2016</a:t>
+              <a:t>29.02.2016</a:t>
             </a:fld>
             <a:endParaRPr lang="de-DE"/>
           </a:p>
@@ -4383,7 +4384,7 @@
     </p:spTree>
     <p:extLst>
       <p:ext uri="{BB962C8B-B14F-4D97-AF65-F5344CB8AC3E}">
-        <p14:creationId xmlns="" xmlns:p14="http://schemas.microsoft.com/office/powerpoint/2010/main" val="4172062386"/>
+        <p14:creationId xmlns:p14="http://schemas.microsoft.com/office/powerpoint/2010/main" xmlns="" val="4172062386"/>
       </p:ext>
     </p:extLst>
   </p:cSld>
@@ -4698,7 +4699,7 @@
         </p:nvSpPr>
         <p:spPr>
           <a:xfrm>
-            <a:off x="790745" y="4269650"/>
+            <a:off x="785786" y="4214818"/>
             <a:ext cx="2880320" cy="1080120"/>
           </a:xfrm>
           <a:prstGeom prst="ellipse">
@@ -4735,8 +4736,16 @@
           <a:p>
             <a:pPr algn="ctr"/>
             <a:r>
+              <a:rPr lang="en-US" sz="1600" b="1" dirty="0" smtClean="0"/>
+              <a:t>Architecture</a:t>
+            </a:r>
+            <a:r>
+              <a:rPr lang="en-US" sz="1600" b="1" dirty="0" smtClean="0"/>
+              <a:t> </a:t>
+            </a:r>
+            <a:r>
               <a:rPr lang="en-US" sz="1600" b="1" dirty="0"/>
-              <a:t>Object Modeling</a:t>
+              <a:t>Modeling</a:t>
             </a:r>
           </a:p>
         </p:txBody>
@@ -5487,7 +5496,7 @@
     </p:spTree>
     <p:extLst>
       <p:ext uri="{BB962C8B-B14F-4D97-AF65-F5344CB8AC3E}">
-        <p14:creationId xmlns="" xmlns:p14="http://schemas.microsoft.com/office/powerpoint/2010/main" val="590283832"/>
+        <p14:creationId xmlns:p14="http://schemas.microsoft.com/office/powerpoint/2010/main" xmlns="" val="590283832"/>
       </p:ext>
     </p:extLst>
   </p:cSld>
@@ -6079,7 +6088,7 @@
     </p:spTree>
     <p:extLst>
       <p:ext uri="{BB962C8B-B14F-4D97-AF65-F5344CB8AC3E}">
-        <p14:creationId xmlns="" xmlns:p14="http://schemas.microsoft.com/office/powerpoint/2010/main" val="2164664003"/>
+        <p14:creationId xmlns:p14="http://schemas.microsoft.com/office/powerpoint/2010/main" xmlns="" val="2164664003"/>
       </p:ext>
     </p:extLst>
   </p:cSld>
@@ -6319,9 +6328,14 @@
         </p:blipFill>
         <p:spPr>
           <a:xfrm>
-            <a:off x="357158" y="857232"/>
+            <a:off x="428596" y="785794"/>
             <a:ext cx="4500595" cy="2685265"/>
           </a:xfrm>
+          <a:ln>
+            <a:solidFill>
+              <a:srgbClr val="D99694"/>
+            </a:solidFill>
+          </a:ln>
         </p:spPr>
       </p:pic>
       <p:sp>
@@ -6530,7 +6544,7 @@
     </p:spTree>
     <p:extLst>
       <p:ext uri="{BB962C8B-B14F-4D97-AF65-F5344CB8AC3E}">
-        <p14:creationId xmlns="" xmlns:p14="http://schemas.microsoft.com/office/powerpoint/2010/main" val="1470090484"/>
+        <p14:creationId xmlns:p14="http://schemas.microsoft.com/office/powerpoint/2010/main" xmlns="" val="1470090484"/>
       </p:ext>
     </p:extLst>
   </p:cSld>
@@ -6770,9 +6784,14 @@
         </p:blipFill>
         <p:spPr>
           <a:xfrm>
-            <a:off x="357158" y="857232"/>
+            <a:off x="428596" y="785794"/>
             <a:ext cx="4500595" cy="2685265"/>
           </a:xfrm>
+          <a:ln>
+            <a:solidFill>
+              <a:srgbClr val="D99694"/>
+            </a:solidFill>
+          </a:ln>
         </p:spPr>
       </p:pic>
       <p:sp>
@@ -7038,7 +7057,7 @@
         </p:blipFill>
         <p:spPr bwMode="auto">
           <a:xfrm>
-            <a:off x="428596" y="3857628"/>
+            <a:off x="285720" y="3786190"/>
             <a:ext cx="1873702" cy="2185986"/>
           </a:xfrm>
           <a:prstGeom prst="rect">
@@ -7064,13 +7083,18 @@
         </p:blipFill>
         <p:spPr bwMode="auto">
           <a:xfrm>
-            <a:off x="5000628" y="2786058"/>
+            <a:off x="5000628" y="2571744"/>
             <a:ext cx="3866214" cy="3024186"/>
           </a:xfrm>
           <a:prstGeom prst="rect">
             <a:avLst/>
           </a:prstGeom>
           <a:noFill/>
+          <a:ln>
+            <a:solidFill>
+              <a:srgbClr val="D99694"/>
+            </a:solidFill>
+          </a:ln>
         </p:spPr>
       </p:pic>
       <p:sp>
@@ -7081,8 +7105,8 @@
         </p:nvSpPr>
         <p:spPr>
           <a:xfrm>
-            <a:off x="1500166" y="4500570"/>
-            <a:ext cx="3643338" cy="1431161"/>
+            <a:off x="1285852" y="4500570"/>
+            <a:ext cx="4929222" cy="1431161"/>
           </a:xfrm>
           <a:prstGeom prst="rect">
             <a:avLst/>
@@ -7164,7 +7188,21 @@
                 <a:latin typeface="Times New Roman" pitchFamily="18" charset="0"/>
                 <a:cs typeface="Times New Roman" pitchFamily="18" charset="0"/>
               </a:rPr>
-              <a:t> 9 </a:t>
+              <a:t> </a:t>
+            </a:r>
+            <a:r>
+              <a:rPr lang="de-DE" sz="1600" dirty="0" smtClean="0">
+                <a:latin typeface="Times New Roman" pitchFamily="18" charset="0"/>
+                <a:cs typeface="Times New Roman" pitchFamily="18" charset="0"/>
+              </a:rPr>
+              <a:t>9</a:t>
+            </a:r>
+            <a:r>
+              <a:rPr lang="de-DE" sz="1600" dirty="0" smtClean="0">
+                <a:latin typeface="Times New Roman" pitchFamily="18" charset="0"/>
+                <a:cs typeface="Times New Roman" pitchFamily="18" charset="0"/>
+              </a:rPr>
+              <a:t> </a:t>
             </a:r>
             <a:r>
               <a:rPr lang="de-DE" sz="1600" dirty="0" err="1" smtClean="0">
@@ -7198,7 +7236,7 @@
                 <a:latin typeface="Times New Roman" pitchFamily="18" charset="0"/>
                 <a:cs typeface="Times New Roman" pitchFamily="18" charset="0"/>
               </a:rPr>
-              <a:t>full</a:t>
+              <a:t>achieving</a:t>
             </a:r>
             <a:r>
               <a:rPr lang="de-DE" sz="1600" dirty="0" smtClean="0">
@@ -7212,21 +7250,21 @@
                 <a:latin typeface="Times New Roman" pitchFamily="18" charset="0"/>
                 <a:cs typeface="Times New Roman" pitchFamily="18" charset="0"/>
               </a:rPr>
-              <a:t>rebase</a:t>
+              <a:t>modularity</a:t>
             </a:r>
             <a:r>
               <a:rPr lang="de-DE" sz="1600" dirty="0" smtClean="0">
                 <a:latin typeface="Times New Roman" pitchFamily="18" charset="0"/>
                 <a:cs typeface="Times New Roman" pitchFamily="18" charset="0"/>
               </a:rPr>
-              <a:t>: </a:t>
+              <a:t> : </a:t>
             </a:r>
             <a:r>
               <a:rPr lang="de-DE" sz="1600" dirty="0" err="1" smtClean="0">
                 <a:latin typeface="Times New Roman" pitchFamily="18" charset="0"/>
                 <a:cs typeface="Times New Roman" pitchFamily="18" charset="0"/>
               </a:rPr>
-              <a:t>controller</a:t>
+              <a:t>interface</a:t>
             </a:r>
             <a:r>
               <a:rPr lang="de-DE" sz="1600" dirty="0" smtClean="0">
@@ -7252,7 +7290,7 @@
     </p:spTree>
     <p:extLst>
       <p:ext uri="{BB962C8B-B14F-4D97-AF65-F5344CB8AC3E}">
-        <p14:creationId xmlns="" xmlns:p14="http://schemas.microsoft.com/office/powerpoint/2010/main" val="1470090484"/>
+        <p14:creationId xmlns:p14="http://schemas.microsoft.com/office/powerpoint/2010/main" xmlns="" val="1470090484"/>
       </p:ext>
     </p:extLst>
   </p:cSld>
@@ -7346,7 +7384,7 @@
         </p:nvSpPr>
         <p:spPr>
           <a:xfrm>
-            <a:off x="0" y="0"/>
+            <a:off x="32" y="0"/>
             <a:ext cx="9144000" cy="620688"/>
           </a:xfrm>
           <a:prstGeom prst="rect">
@@ -7384,6 +7422,16 @@
           <a:p>
             <a:pPr algn="r"/>
             <a:r>
+              <a:rPr lang="de-DE" sz="2000" b="1" cap="small" dirty="0" err="1" smtClean="0">
+                <a:solidFill>
+                  <a:schemeClr val="tx1"/>
+                </a:solidFill>
+                <a:latin typeface="Times New Roman" pitchFamily="18" charset="0"/>
+                <a:cs typeface="Times New Roman" pitchFamily="18" charset="0"/>
+              </a:rPr>
+              <a:t>Architecture</a:t>
+            </a:r>
+            <a:r>
               <a:rPr lang="de-DE" sz="2000" b="1" cap="small" dirty="0" smtClean="0">
                 <a:solidFill>
                   <a:schemeClr val="tx1"/>
@@ -7391,7 +7439,7 @@
                 <a:latin typeface="Times New Roman" pitchFamily="18" charset="0"/>
                 <a:cs typeface="Times New Roman" pitchFamily="18" charset="0"/>
               </a:rPr>
-              <a:t>General Class </a:t>
+              <a:t>: </a:t>
             </a:r>
             <a:r>
               <a:rPr lang="de-DE" sz="2000" b="1" cap="small" dirty="0" err="1" smtClean="0">
@@ -7401,7 +7449,7 @@
                 <a:latin typeface="Times New Roman" pitchFamily="18" charset="0"/>
                 <a:cs typeface="Times New Roman" pitchFamily="18" charset="0"/>
               </a:rPr>
-              <a:t>Diagram</a:t>
+              <a:t>Structure</a:t>
             </a:r>
             <a:endParaRPr lang="de-DE" sz="2000" b="1" cap="small" dirty="0">
               <a:solidFill>
@@ -7646,9 +7694,58 @@
           <a:lstStyle/>
           <a:p>
             <a:r>
-              <a:rPr lang="de-DE"/>
-              <a:t>Kateryna Pryshchepa, Iuliia Guk, Thomas Röhl, Tetiana Lavrynovych, Sascha Zepf</a:t>
-            </a:r>
+              <a:rPr lang="de-DE" dirty="0" err="1"/>
+              <a:t>Kateryna</a:t>
+            </a:r>
+            <a:r>
+              <a:rPr lang="de-DE" dirty="0"/>
+              <a:t> </a:t>
+            </a:r>
+            <a:r>
+              <a:rPr lang="de-DE" dirty="0" err="1"/>
+              <a:t>Pryshchepa</a:t>
+            </a:r>
+            <a:r>
+              <a:rPr lang="de-DE" dirty="0"/>
+              <a:t>, </a:t>
+            </a:r>
+            <a:r>
+              <a:rPr lang="de-DE" dirty="0" err="1"/>
+              <a:t>Iuliia</a:t>
+            </a:r>
+            <a:r>
+              <a:rPr lang="de-DE" dirty="0"/>
+              <a:t> </a:t>
+            </a:r>
+            <a:r>
+              <a:rPr lang="de-DE" dirty="0" err="1"/>
+              <a:t>Guk</a:t>
+            </a:r>
+            <a:r>
+              <a:rPr lang="de-DE" dirty="0"/>
+              <a:t>, Thomas Röhl, </a:t>
+            </a:r>
+            <a:r>
+              <a:rPr lang="de-DE" dirty="0" err="1"/>
+              <a:t>Tetiana</a:t>
+            </a:r>
+            <a:r>
+              <a:rPr lang="de-DE" dirty="0"/>
+              <a:t> </a:t>
+            </a:r>
+            <a:r>
+              <a:rPr lang="de-DE" dirty="0" err="1"/>
+              <a:t>Lavrynovych</a:t>
+            </a:r>
+            <a:r>
+              <a:rPr lang="de-DE" dirty="0"/>
+              <a:t>, Sascha </a:t>
+            </a:r>
+            <a:r>
+              <a:rPr lang="de-DE" dirty="0" err="1"/>
+              <a:t>Zepf</a:t>
+            </a:r>
+            <a:endParaRPr lang="de-DE" dirty="0"/>
           </a:p>
         </p:txBody>
       </p:sp>
@@ -7700,12 +7797,17 @@
             <a:avLst/>
           </a:prstGeom>
           <a:noFill/>
+          <a:ln>
+            <a:solidFill>
+              <a:srgbClr val="D99694"/>
+            </a:solidFill>
+          </a:ln>
         </p:spPr>
       </p:pic>
     </p:spTree>
     <p:extLst>
       <p:ext uri="{BB962C8B-B14F-4D97-AF65-F5344CB8AC3E}">
-        <p14:creationId xmlns="" xmlns:p14="http://schemas.microsoft.com/office/powerpoint/2010/main" val="1470090484"/>
+        <p14:creationId xmlns:p14="http://schemas.microsoft.com/office/powerpoint/2010/main" xmlns="" val="1470090484"/>
       </p:ext>
     </p:extLst>
   </p:cSld>
@@ -7844,7 +7946,7 @@
                 <a:latin typeface="Times New Roman" pitchFamily="18" charset="0"/>
                 <a:cs typeface="Times New Roman" pitchFamily="18" charset="0"/>
               </a:rPr>
-              <a:t> Class </a:t>
+              <a:t> </a:t>
             </a:r>
             <a:r>
               <a:rPr lang="de-DE" sz="2000" b="1" cap="small" dirty="0" err="1" smtClean="0">
@@ -7854,7 +7956,27 @@
                 <a:latin typeface="Times New Roman" pitchFamily="18" charset="0"/>
                 <a:cs typeface="Times New Roman" pitchFamily="18" charset="0"/>
               </a:rPr>
-              <a:t>Diagrams</a:t>
+              <a:t>Architecture</a:t>
+            </a:r>
+            <a:r>
+              <a:rPr lang="de-DE" sz="2000" b="1" cap="small" dirty="0" smtClean="0">
+                <a:solidFill>
+                  <a:schemeClr val="tx1"/>
+                </a:solidFill>
+                <a:latin typeface="Times New Roman" pitchFamily="18" charset="0"/>
+                <a:cs typeface="Times New Roman" pitchFamily="18" charset="0"/>
+              </a:rPr>
+              <a:t>: </a:t>
+            </a:r>
+            <a:r>
+              <a:rPr lang="de-DE" sz="2000" b="1" cap="small" dirty="0" err="1" smtClean="0">
+                <a:solidFill>
+                  <a:schemeClr val="tx1"/>
+                </a:solidFill>
+                <a:latin typeface="Times New Roman" pitchFamily="18" charset="0"/>
+                <a:cs typeface="Times New Roman" pitchFamily="18" charset="0"/>
+              </a:rPr>
+              <a:t>Structure</a:t>
             </a:r>
             <a:endParaRPr lang="de-DE" sz="2000" b="1" cap="small" dirty="0">
               <a:solidFill>
@@ -8146,13 +8268,18 @@
         </p:blipFill>
         <p:spPr bwMode="auto">
           <a:xfrm>
-            <a:off x="142844" y="1142984"/>
+            <a:off x="142844" y="1214422"/>
             <a:ext cx="3571901" cy="1428760"/>
           </a:xfrm>
           <a:prstGeom prst="rect">
             <a:avLst/>
           </a:prstGeom>
           <a:noFill/>
+          <a:ln>
+            <a:solidFill>
+              <a:srgbClr val="D99694"/>
+            </a:solidFill>
+          </a:ln>
         </p:spPr>
       </p:pic>
       <p:pic>
@@ -8179,6 +8306,11 @@
             <a:avLst/>
           </a:prstGeom>
           <a:noFill/>
+          <a:ln>
+            <a:solidFill>
+              <a:srgbClr val="D99694"/>
+            </a:solidFill>
+          </a:ln>
         </p:spPr>
       </p:pic>
       <p:pic>
@@ -8205,6 +8337,11 @@
             <a:avLst/>
           </a:prstGeom>
           <a:noFill/>
+          <a:ln>
+            <a:solidFill>
+              <a:srgbClr val="D99694"/>
+            </a:solidFill>
+          </a:ln>
         </p:spPr>
       </p:pic>
       <p:pic>
@@ -8231,12 +8368,17 @@
             <a:avLst/>
           </a:prstGeom>
           <a:noFill/>
+          <a:ln>
+            <a:solidFill>
+              <a:srgbClr val="D99694"/>
+            </a:solidFill>
+          </a:ln>
         </p:spPr>
       </p:pic>
     </p:spTree>
     <p:extLst>
       <p:ext uri="{BB962C8B-B14F-4D97-AF65-F5344CB8AC3E}">
-        <p14:creationId xmlns="" xmlns:p14="http://schemas.microsoft.com/office/powerpoint/2010/main" val="1470090484"/>
+        <p14:creationId xmlns:p14="http://schemas.microsoft.com/office/powerpoint/2010/main" xmlns="" val="1470090484"/>
       </p:ext>
     </p:extLst>
   </p:cSld>
@@ -8375,7 +8517,7 @@
                 <a:latin typeface="Times New Roman" pitchFamily="18" charset="0"/>
                 <a:cs typeface="Times New Roman" pitchFamily="18" charset="0"/>
               </a:rPr>
-              <a:t>Activity</a:t>
+              <a:t>Architecture</a:t>
             </a:r>
             <a:r>
               <a:rPr lang="de-DE" sz="2000" b="1" cap="small" dirty="0" smtClean="0">
@@ -8385,7 +8527,7 @@
                 <a:latin typeface="Times New Roman" pitchFamily="18" charset="0"/>
                 <a:cs typeface="Times New Roman" pitchFamily="18" charset="0"/>
               </a:rPr>
-              <a:t> </a:t>
+              <a:t>: </a:t>
             </a:r>
             <a:r>
               <a:rPr lang="de-DE" sz="2000" b="1" cap="small" dirty="0" err="1" smtClean="0">
@@ -8395,47 +8537,7 @@
                 <a:latin typeface="Times New Roman" pitchFamily="18" charset="0"/>
                 <a:cs typeface="Times New Roman" pitchFamily="18" charset="0"/>
               </a:rPr>
-              <a:t>and</a:t>
-            </a:r>
-            <a:r>
-              <a:rPr lang="de-DE" sz="2000" b="1" cap="small" dirty="0" smtClean="0">
-                <a:solidFill>
-                  <a:schemeClr val="tx1"/>
-                </a:solidFill>
-                <a:latin typeface="Times New Roman" pitchFamily="18" charset="0"/>
-                <a:cs typeface="Times New Roman" pitchFamily="18" charset="0"/>
-              </a:rPr>
-              <a:t> </a:t>
-            </a:r>
-            <a:r>
-              <a:rPr lang="de-DE" sz="2000" b="1" cap="small" dirty="0" err="1" smtClean="0">
-                <a:solidFill>
-                  <a:schemeClr val="tx1"/>
-                </a:solidFill>
-                <a:latin typeface="Times New Roman" pitchFamily="18" charset="0"/>
-                <a:cs typeface="Times New Roman" pitchFamily="18" charset="0"/>
-              </a:rPr>
-              <a:t>Usecase</a:t>
-            </a:r>
-            <a:r>
-              <a:rPr lang="de-DE" sz="2000" b="1" cap="small" dirty="0" smtClean="0">
-                <a:solidFill>
-                  <a:schemeClr val="tx1"/>
-                </a:solidFill>
-                <a:latin typeface="Times New Roman" pitchFamily="18" charset="0"/>
-                <a:cs typeface="Times New Roman" pitchFamily="18" charset="0"/>
-              </a:rPr>
-              <a:t> </a:t>
-            </a:r>
-            <a:r>
-              <a:rPr lang="de-DE" sz="2000" b="1" cap="small" dirty="0" err="1" smtClean="0">
-                <a:solidFill>
-                  <a:schemeClr val="tx1"/>
-                </a:solidFill>
-                <a:latin typeface="Times New Roman" pitchFamily="18" charset="0"/>
-                <a:cs typeface="Times New Roman" pitchFamily="18" charset="0"/>
-              </a:rPr>
-              <a:t>Diagrams</a:t>
+              <a:t>Behavior</a:t>
             </a:r>
             <a:endParaRPr lang="de-DE" sz="2000" b="1" cap="small" dirty="0">
               <a:solidFill>
@@ -8500,6 +8602,97 @@
       </p:sp>
       <p:sp>
         <p:nvSpPr>
+          <p:cNvPr id="13" name="Titel 12"/>
+          <p:cNvSpPr>
+            <a:spLocks noGrp="1"/>
+          </p:cNvSpPr>
+          <p:nvPr>
+            <p:ph type="title"/>
+          </p:nvPr>
+        </p:nvSpPr>
+        <p:spPr/>
+        <p:txBody>
+          <a:bodyPr>
+            <a:normAutofit/>
+          </a:bodyPr>
+          <a:lstStyle/>
+          <a:p>
+            <a:r>
+              <a:rPr lang="de-DE" sz="1800" dirty="0" err="1" smtClean="0">
+                <a:latin typeface="Times New Roman" pitchFamily="18" charset="0"/>
+                <a:cs typeface="Times New Roman" pitchFamily="18" charset="0"/>
+              </a:rPr>
+              <a:t>Usecase</a:t>
+            </a:r>
+            <a:r>
+              <a:rPr lang="de-DE" sz="1800" dirty="0" smtClean="0">
+                <a:latin typeface="Times New Roman" pitchFamily="18" charset="0"/>
+                <a:cs typeface="Times New Roman" pitchFamily="18" charset="0"/>
+              </a:rPr>
+              <a:t> </a:t>
+            </a:r>
+            <a:r>
+              <a:rPr lang="de-DE" sz="1800" dirty="0" err="1" smtClean="0">
+                <a:latin typeface="Times New Roman" pitchFamily="18" charset="0"/>
+                <a:cs typeface="Times New Roman" pitchFamily="18" charset="0"/>
+              </a:rPr>
+              <a:t>Diagram</a:t>
+            </a:r>
+            <a:endParaRPr lang="de-DE" sz="1800" dirty="0">
+              <a:latin typeface="Times New Roman" pitchFamily="18" charset="0"/>
+              <a:cs typeface="Times New Roman" pitchFamily="18" charset="0"/>
+            </a:endParaRPr>
+          </a:p>
+        </p:txBody>
+      </p:sp>
+      <p:sp>
+        <p:nvSpPr>
+          <p:cNvPr id="22" name="Inhaltsplatzhalter 21"/>
+          <p:cNvSpPr>
+            <a:spLocks noGrp="1"/>
+          </p:cNvSpPr>
+          <p:nvPr>
+            <p:ph idx="1"/>
+          </p:nvPr>
+        </p:nvSpPr>
+        <p:spPr/>
+        <p:txBody>
+          <a:bodyPr/>
+          <a:lstStyle/>
+          <a:p>
+            <a:pPr>
+              <a:buNone/>
+            </a:pPr>
+            <a:endParaRPr lang="de-DE" dirty="0" smtClean="0"/>
+          </a:p>
+          <a:p>
+            <a:pPr>
+              <a:buNone/>
+            </a:pPr>
+            <a:endParaRPr lang="de-DE" dirty="0" smtClean="0"/>
+          </a:p>
+          <a:p>
+            <a:pPr>
+              <a:buNone/>
+            </a:pPr>
+            <a:endParaRPr lang="de-DE" dirty="0" smtClean="0"/>
+          </a:p>
+          <a:p>
+            <a:pPr>
+              <a:buNone/>
+            </a:pPr>
+            <a:endParaRPr lang="de-DE" dirty="0" smtClean="0"/>
+          </a:p>
+          <a:p>
+            <a:pPr>
+              <a:buNone/>
+            </a:pPr>
+            <a:endParaRPr lang="de-DE" dirty="0"/>
+          </a:p>
+        </p:txBody>
+      </p:sp>
+      <p:sp>
+        <p:nvSpPr>
           <p:cNvPr id="19" name="Fußzeilenplatzhalter 18"/>
           <p:cNvSpPr>
             <a:spLocks noGrp="1"/>
@@ -8544,81 +8737,6 @@
           </a:p>
         </p:txBody>
       </p:sp>
-      <p:sp>
-        <p:nvSpPr>
-          <p:cNvPr id="22" name="Inhaltsplatzhalter 21"/>
-          <p:cNvSpPr>
-            <a:spLocks noGrp="1"/>
-          </p:cNvSpPr>
-          <p:nvPr>
-            <p:ph idx="4294967295"/>
-          </p:nvPr>
-        </p:nvSpPr>
-        <p:spPr>
-          <a:xfrm>
-            <a:off x="0" y="1600200"/>
-            <a:ext cx="8229600" cy="4525963"/>
-          </a:xfrm>
-        </p:spPr>
-        <p:txBody>
-          <a:bodyPr/>
-          <a:lstStyle/>
-          <a:p>
-            <a:pPr>
-              <a:buNone/>
-            </a:pPr>
-            <a:endParaRPr lang="de-DE" dirty="0" smtClean="0"/>
-          </a:p>
-          <a:p>
-            <a:pPr>
-              <a:buNone/>
-            </a:pPr>
-            <a:endParaRPr lang="de-DE" dirty="0" smtClean="0"/>
-          </a:p>
-          <a:p>
-            <a:pPr>
-              <a:buNone/>
-            </a:pPr>
-            <a:endParaRPr lang="de-DE" dirty="0" smtClean="0"/>
-          </a:p>
-          <a:p>
-            <a:pPr>
-              <a:buNone/>
-            </a:pPr>
-            <a:endParaRPr lang="de-DE" dirty="0" smtClean="0"/>
-          </a:p>
-          <a:p>
-            <a:pPr>
-              <a:buNone/>
-            </a:pPr>
-            <a:endParaRPr lang="de-DE" dirty="0"/>
-          </a:p>
-        </p:txBody>
-      </p:sp>
-      <p:pic>
-        <p:nvPicPr>
-          <p:cNvPr id="10" name="Inhaltsplatzhalter 3" descr="ActivityDiagram.PNG"/>
-          <p:cNvPicPr>
-            <a:picLocks noChangeAspect="1"/>
-          </p:cNvPicPr>
-          <p:nvPr/>
-        </p:nvPicPr>
-        <p:blipFill>
-          <a:blip r:embed="rId2" cstate="print"/>
-          <a:stretch>
-            <a:fillRect/>
-          </a:stretch>
-        </p:blipFill>
-        <p:spPr>
-          <a:xfrm>
-            <a:off x="142844" y="1000108"/>
-            <a:ext cx="4435206" cy="4954591"/>
-          </a:xfrm>
-          <a:prstGeom prst="rect">
-            <a:avLst/>
-          </a:prstGeom>
-        </p:spPr>
-      </p:pic>
       <p:pic>
         <p:nvPicPr>
           <p:cNvPr id="11" name="Picture 2" descr="C:\Users\iuliia\ShopAdmin\Dokumentation\UMLDiagrams\UseCaseDiagram.png"/>
@@ -8628,7 +8746,7 @@
           <p:nvPr/>
         </p:nvPicPr>
         <p:blipFill>
-          <a:blip r:embed="rId3" cstate="print"/>
+          <a:blip r:embed="rId2" cstate="print"/>
           <a:srcRect/>
           <a:stretch>
             <a:fillRect/>
@@ -8636,69 +8754,24 @@
         </p:blipFill>
         <p:spPr bwMode="auto">
           <a:xfrm>
-            <a:off x="4572000" y="2071678"/>
-            <a:ext cx="4429156" cy="2753024"/>
+            <a:off x="496878" y="1081211"/>
+            <a:ext cx="8147088" cy="5063974"/>
           </a:xfrm>
           <a:prstGeom prst="rect">
             <a:avLst/>
           </a:prstGeom>
           <a:noFill/>
+          <a:ln>
+            <a:solidFill>
+              <a:srgbClr val="D99694"/>
+            </a:solidFill>
+          </a:ln>
         </p:spPr>
       </p:pic>
-      <p:sp>
-        <p:nvSpPr>
-          <p:cNvPr id="12" name="Textfeld 11"/>
-          <p:cNvSpPr txBox="1"/>
-          <p:nvPr/>
-        </p:nvSpPr>
-        <p:spPr>
-          <a:xfrm>
-            <a:off x="5500694" y="1214422"/>
-            <a:ext cx="1947969" cy="369332"/>
-          </a:xfrm>
-          <a:prstGeom prst="rect">
-            <a:avLst/>
-          </a:prstGeom>
-          <a:noFill/>
-        </p:spPr>
-        <p:txBody>
-          <a:bodyPr wrap="none" rtlCol="0">
-            <a:spAutoFit/>
-          </a:bodyPr>
-          <a:lstStyle/>
-          <a:p>
-            <a:r>
-              <a:rPr lang="de-DE" dirty="0" err="1" smtClean="0">
-                <a:latin typeface="Times New Roman" pitchFamily="18" charset="0"/>
-                <a:cs typeface="Times New Roman" pitchFamily="18" charset="0"/>
-              </a:rPr>
-              <a:t>Behavior</a:t>
-            </a:r>
-            <a:r>
-              <a:rPr lang="de-DE" dirty="0" smtClean="0">
-                <a:latin typeface="Times New Roman" pitchFamily="18" charset="0"/>
-                <a:cs typeface="Times New Roman" pitchFamily="18" charset="0"/>
-              </a:rPr>
-              <a:t> </a:t>
-            </a:r>
-            <a:r>
-              <a:rPr lang="de-DE" dirty="0" err="1" smtClean="0">
-                <a:latin typeface="Times New Roman" pitchFamily="18" charset="0"/>
-                <a:cs typeface="Times New Roman" pitchFamily="18" charset="0"/>
-              </a:rPr>
-              <a:t>overview</a:t>
-            </a:r>
-            <a:endParaRPr lang="de-DE" dirty="0">
-              <a:latin typeface="Times New Roman" pitchFamily="18" charset="0"/>
-              <a:cs typeface="Times New Roman" pitchFamily="18" charset="0"/>
-            </a:endParaRPr>
-          </a:p>
-        </p:txBody>
-      </p:sp>
     </p:spTree>
     <p:extLst>
       <p:ext uri="{BB962C8B-B14F-4D97-AF65-F5344CB8AC3E}">
-        <p14:creationId xmlns="" xmlns:p14="http://schemas.microsoft.com/office/powerpoint/2010/main" val="1470090484"/>
+        <p14:creationId xmlns:p14="http://schemas.microsoft.com/office/powerpoint/2010/main" xmlns="" val="1470090484"/>
       </p:ext>
     </p:extLst>
   </p:cSld>
@@ -8734,13 +8807,13 @@
       </p:grpSpPr>
       <p:sp>
         <p:nvSpPr>
-          <p:cNvPr id="4" name="Rechteck 3"/>
+          <p:cNvPr id="5" name="Rechteck 4"/>
           <p:cNvSpPr/>
           <p:nvPr/>
         </p:nvSpPr>
         <p:spPr>
           <a:xfrm>
-            <a:off x="0" y="0"/>
+            <a:off x="0" y="6237312"/>
             <a:ext cx="9144000" cy="620688"/>
           </a:xfrm>
           <a:prstGeom prst="rect">
@@ -8776,29 +8849,23 @@
           <a:bodyPr rtlCol="0" anchor="ctr"/>
           <a:lstStyle/>
           <a:p>
-            <a:pPr algn="r"/>
-            <a:r>
-              <a:rPr lang="en-US" sz="2000" b="1" cap="small" dirty="0">
-                <a:solidFill>
-                  <a:schemeClr val="tx1"/>
-                </a:solidFill>
-                <a:latin typeface="Times New Roman" pitchFamily="18" charset="0"/>
-                <a:cs typeface="Times New Roman" pitchFamily="18" charset="0"/>
-              </a:rPr>
-              <a:t>Content</a:t>
-            </a:r>
-          </a:p>
-        </p:txBody>
-      </p:sp>
-      <p:sp>
-        <p:nvSpPr>
-          <p:cNvPr id="5" name="Rechteck 4"/>
+            <a:pPr algn="ctr"/>
+            <a:endParaRPr lang="de-DE">
+              <a:latin typeface="Times New Roman" pitchFamily="18" charset="0"/>
+              <a:cs typeface="Times New Roman" pitchFamily="18" charset="0"/>
+            </a:endParaRPr>
+          </a:p>
+        </p:txBody>
+      </p:sp>
+      <p:sp>
+        <p:nvSpPr>
+          <p:cNvPr id="6" name="Rechteck 5"/>
           <p:cNvSpPr/>
           <p:nvPr/>
         </p:nvSpPr>
         <p:spPr>
           <a:xfrm>
-            <a:off x="0" y="6237312"/>
+            <a:off x="0" y="0"/>
             <a:ext cx="9144000" cy="620688"/>
           </a:xfrm>
           <a:prstGeom prst="rect">
@@ -8834,8 +8901,41 @@
           <a:bodyPr rtlCol="0" anchor="ctr"/>
           <a:lstStyle/>
           <a:p>
-            <a:pPr algn="ctr"/>
-            <a:endParaRPr lang="en-US" cap="small" dirty="0">
+            <a:pPr algn="r"/>
+            <a:r>
+              <a:rPr lang="de-DE" sz="2000" b="1" cap="small" dirty="0" err="1" smtClean="0">
+                <a:solidFill>
+                  <a:schemeClr val="tx1"/>
+                </a:solidFill>
+                <a:latin typeface="Times New Roman" pitchFamily="18" charset="0"/>
+                <a:cs typeface="Times New Roman" pitchFamily="18" charset="0"/>
+              </a:rPr>
+              <a:t>Architecture</a:t>
+            </a:r>
+            <a:r>
+              <a:rPr lang="de-DE" sz="2000" b="1" cap="small" dirty="0" smtClean="0">
+                <a:solidFill>
+                  <a:schemeClr val="tx1"/>
+                </a:solidFill>
+                <a:latin typeface="Times New Roman" pitchFamily="18" charset="0"/>
+                <a:cs typeface="Times New Roman" pitchFamily="18" charset="0"/>
+              </a:rPr>
+              <a:t>: </a:t>
+            </a:r>
+            <a:r>
+              <a:rPr lang="de-DE" sz="2000" b="1" cap="small" dirty="0" err="1" smtClean="0">
+                <a:solidFill>
+                  <a:schemeClr val="tx1"/>
+                </a:solidFill>
+                <a:latin typeface="Times New Roman" pitchFamily="18" charset="0"/>
+                <a:cs typeface="Times New Roman" pitchFamily="18" charset="0"/>
+              </a:rPr>
+              <a:t>Behavior</a:t>
+            </a:r>
+            <a:endParaRPr lang="de-DE" sz="2000" b="1" cap="small" dirty="0">
+              <a:solidFill>
+                <a:schemeClr val="tx1"/>
+              </a:solidFill>
               <a:latin typeface="Times New Roman" pitchFamily="18" charset="0"/>
               <a:cs typeface="Times New Roman" pitchFamily="18" charset="0"/>
             </a:endParaRPr>
@@ -8844,24 +8944,19 @@
       </p:sp>
       <p:sp>
         <p:nvSpPr>
-          <p:cNvPr id="9" name="Rechteck 8"/>
+          <p:cNvPr id="7" name="Rechteck 6"/>
           <p:cNvSpPr/>
           <p:nvPr/>
         </p:nvSpPr>
         <p:spPr>
           <a:xfrm>
-            <a:off x="251520" y="1591906"/>
-            <a:ext cx="8679101" cy="620688"/>
+            <a:off x="355340" y="795402"/>
+            <a:ext cx="8433320" cy="2201549"/>
           </a:xfrm>
           <a:prstGeom prst="rect">
             <a:avLst/>
           </a:prstGeom>
-          <a:solidFill>
-            <a:schemeClr val="accent2">
-              <a:lumMod val="60000"/>
-              <a:lumOff val="40000"/>
-            </a:schemeClr>
-          </a:solidFill>
+          <a:noFill/>
           <a:ln>
             <a:noFill/>
           </a:ln>
@@ -8883,367 +8978,204 @@
           </a:fontRef>
         </p:style>
         <p:txBody>
-          <a:bodyPr rtlCol="0" anchor="ctr"/>
-          <a:lstStyle/>
-          <a:p>
-            <a:r>
-              <a:rPr lang="en-US" sz="2000" cap="small" dirty="0">
-                <a:solidFill>
-                  <a:schemeClr val="tx1"/>
-                </a:solidFill>
+          <a:bodyPr rtlCol="0" anchor="t"/>
+          <a:lstStyle/>
+          <a:p>
+            <a:pPr lvl="0">
+              <a:lnSpc>
+                <a:spcPct val="150000"/>
+              </a:lnSpc>
+            </a:pPr>
+            <a:endParaRPr lang="de-DE" sz="2000" dirty="0">
+              <a:latin typeface="Times New Roman" pitchFamily="18" charset="0"/>
+              <a:cs typeface="Times New Roman" pitchFamily="18" charset="0"/>
+            </a:endParaRPr>
+          </a:p>
+        </p:txBody>
+      </p:sp>
+      <p:sp>
+        <p:nvSpPr>
+          <p:cNvPr id="13" name="Titel 12"/>
+          <p:cNvSpPr>
+            <a:spLocks noGrp="1"/>
+          </p:cNvSpPr>
+          <p:nvPr>
+            <p:ph type="title"/>
+          </p:nvPr>
+        </p:nvSpPr>
+        <p:spPr/>
+        <p:txBody>
+          <a:bodyPr>
+            <a:normAutofit/>
+          </a:bodyPr>
+          <a:lstStyle/>
+          <a:p>
+            <a:r>
+              <a:rPr lang="de-DE" sz="1800" b="0" dirty="0" smtClean="0">
                 <a:latin typeface="Times New Roman" pitchFamily="18" charset="0"/>
                 <a:cs typeface="Times New Roman" pitchFamily="18" charset="0"/>
               </a:rPr>
-              <a:t>Approach</a:t>
-            </a:r>
-          </a:p>
-        </p:txBody>
-      </p:sp>
-      <p:sp>
-        <p:nvSpPr>
-          <p:cNvPr id="10" name="Rechteck 9"/>
-          <p:cNvSpPr/>
-          <p:nvPr/>
-        </p:nvSpPr>
-        <p:spPr>
-          <a:xfrm>
-            <a:off x="251520" y="2344224"/>
-            <a:ext cx="8679101" cy="620688"/>
-          </a:xfrm>
-          <a:prstGeom prst="rect">
-            <a:avLst/>
-          </a:prstGeom>
-          <a:solidFill>
-            <a:schemeClr val="accent2">
-              <a:lumMod val="60000"/>
-              <a:lumOff val="40000"/>
-            </a:schemeClr>
-          </a:solidFill>
-          <a:ln>
-            <a:noFill/>
-          </a:ln>
-        </p:spPr>
-        <p:style>
-          <a:lnRef idx="2">
-            <a:schemeClr val="accent1">
-              <a:shade val="50000"/>
-            </a:schemeClr>
-          </a:lnRef>
-          <a:fillRef idx="1">
-            <a:schemeClr val="accent1"/>
-          </a:fillRef>
-          <a:effectRef idx="0">
-            <a:schemeClr val="accent1"/>
-          </a:effectRef>
-          <a:fontRef idx="minor">
-            <a:schemeClr val="lt1"/>
-          </a:fontRef>
-        </p:style>
-        <p:txBody>
-          <a:bodyPr rtlCol="0" anchor="ctr"/>
-          <a:lstStyle/>
-          <a:p>
-            <a:r>
-              <a:rPr lang="en-US" sz="2000" cap="small" dirty="0">
-                <a:solidFill>
-                  <a:schemeClr val="tx1"/>
-                </a:solidFill>
+              <a:t>          </a:t>
+            </a:r>
+            <a:r>
+              <a:rPr lang="de-DE" sz="1800" b="0" dirty="0" err="1" smtClean="0">
                 <a:latin typeface="Times New Roman" pitchFamily="18" charset="0"/>
                 <a:cs typeface="Times New Roman" pitchFamily="18" charset="0"/>
               </a:rPr>
-              <a:t>Details</a:t>
-            </a:r>
-          </a:p>
-        </p:txBody>
-      </p:sp>
-      <p:sp>
-        <p:nvSpPr>
-          <p:cNvPr id="13" name="Rechteck 12"/>
-          <p:cNvSpPr/>
-          <p:nvPr/>
-        </p:nvSpPr>
-        <p:spPr>
-          <a:xfrm>
-            <a:off x="251520" y="5323936"/>
-            <a:ext cx="8679101" cy="620688"/>
-          </a:xfrm>
-          <a:prstGeom prst="rect">
-            <a:avLst/>
-          </a:prstGeom>
-          <a:solidFill>
-            <a:schemeClr val="accent2">
-              <a:lumMod val="60000"/>
-              <a:lumOff val="40000"/>
-            </a:schemeClr>
-          </a:solidFill>
-          <a:ln>
-            <a:noFill/>
-          </a:ln>
-        </p:spPr>
-        <p:style>
-          <a:lnRef idx="2">
-            <a:schemeClr val="accent1">
-              <a:shade val="50000"/>
-            </a:schemeClr>
-          </a:lnRef>
-          <a:fillRef idx="1">
-            <a:schemeClr val="accent1"/>
-          </a:fillRef>
-          <a:effectRef idx="0">
-            <a:schemeClr val="accent1"/>
-          </a:effectRef>
-          <a:fontRef idx="minor">
-            <a:schemeClr val="lt1"/>
-          </a:fontRef>
-        </p:style>
-        <p:txBody>
-          <a:bodyPr rtlCol="0" anchor="ctr"/>
-          <a:lstStyle/>
-          <a:p>
-            <a:r>
-              <a:rPr lang="en-US" sz="2000" cap="small" dirty="0">
-                <a:solidFill>
-                  <a:schemeClr val="tx1"/>
-                </a:solidFill>
+              <a:t>Activity</a:t>
+            </a:r>
+            <a:r>
+              <a:rPr lang="de-DE" sz="1800" b="0" dirty="0" smtClean="0">
                 <a:latin typeface="Times New Roman" pitchFamily="18" charset="0"/>
                 <a:cs typeface="Times New Roman" pitchFamily="18" charset="0"/>
               </a:rPr>
-              <a:t>Conclusion</a:t>
-            </a:r>
-          </a:p>
-        </p:txBody>
-      </p:sp>
-      <p:sp>
-        <p:nvSpPr>
-          <p:cNvPr id="7" name="Rechteck 6"/>
-          <p:cNvSpPr/>
-          <p:nvPr/>
-        </p:nvSpPr>
-        <p:spPr>
-          <a:xfrm>
-            <a:off x="1475656" y="3036920"/>
-            <a:ext cx="7454965" cy="620688"/>
-          </a:xfrm>
-          <a:prstGeom prst="rect">
-            <a:avLst/>
-          </a:prstGeom>
-          <a:solidFill>
-            <a:schemeClr val="accent2">
-              <a:lumMod val="60000"/>
-              <a:lumOff val="40000"/>
-            </a:schemeClr>
-          </a:solidFill>
-          <a:ln>
-            <a:noFill/>
-          </a:ln>
-        </p:spPr>
-        <p:style>
-          <a:lnRef idx="2">
-            <a:schemeClr val="accent1">
-              <a:shade val="50000"/>
-            </a:schemeClr>
-          </a:lnRef>
-          <a:fillRef idx="1">
-            <a:schemeClr val="accent1"/>
-          </a:fillRef>
-          <a:effectRef idx="0">
-            <a:schemeClr val="accent1"/>
-          </a:effectRef>
-          <a:fontRef idx="minor">
-            <a:schemeClr val="lt1"/>
-          </a:fontRef>
-        </p:style>
-        <p:txBody>
-          <a:bodyPr rtlCol="0" anchor="ctr"/>
-          <a:lstStyle/>
-          <a:p>
-            <a:r>
-              <a:rPr lang="en-US" sz="2000" cap="small" dirty="0">
-                <a:solidFill>
-                  <a:schemeClr val="tx1"/>
-                </a:solidFill>
+              <a:t> </a:t>
+            </a:r>
+            <a:r>
+              <a:rPr lang="de-DE" sz="1800" b="0" dirty="0" err="1" smtClean="0">
                 <a:latin typeface="Times New Roman" pitchFamily="18" charset="0"/>
                 <a:cs typeface="Times New Roman" pitchFamily="18" charset="0"/>
               </a:rPr>
-              <a:t>Technical Design</a:t>
-            </a:r>
-          </a:p>
-        </p:txBody>
-      </p:sp>
-      <p:sp>
-        <p:nvSpPr>
-          <p:cNvPr id="8" name="Rechteck 7"/>
-          <p:cNvSpPr/>
-          <p:nvPr/>
+              <a:t>Diagram</a:t>
+            </a:r>
+            <a:endParaRPr lang="de-DE" sz="1800" b="0" dirty="0">
+              <a:latin typeface="Times New Roman" pitchFamily="18" charset="0"/>
+              <a:cs typeface="Times New Roman" pitchFamily="18" charset="0"/>
+            </a:endParaRPr>
+          </a:p>
+        </p:txBody>
+      </p:sp>
+      <p:sp>
+        <p:nvSpPr>
+          <p:cNvPr id="22" name="Inhaltsplatzhalter 21"/>
+          <p:cNvSpPr>
+            <a:spLocks noGrp="1"/>
+          </p:cNvSpPr>
+          <p:nvPr>
+            <p:ph idx="1"/>
+          </p:nvPr>
+        </p:nvSpPr>
+        <p:spPr/>
+        <p:txBody>
+          <a:bodyPr/>
+          <a:lstStyle/>
+          <a:p>
+            <a:pPr>
+              <a:buNone/>
+            </a:pPr>
+            <a:endParaRPr lang="de-DE" dirty="0" smtClean="0"/>
+          </a:p>
+          <a:p>
+            <a:pPr>
+              <a:buNone/>
+            </a:pPr>
+            <a:endParaRPr lang="de-DE" dirty="0" smtClean="0"/>
+          </a:p>
+          <a:p>
+            <a:pPr>
+              <a:buNone/>
+            </a:pPr>
+            <a:endParaRPr lang="de-DE" dirty="0" smtClean="0"/>
+          </a:p>
+          <a:p>
+            <a:pPr>
+              <a:buNone/>
+            </a:pPr>
+            <a:endParaRPr lang="de-DE" dirty="0" smtClean="0"/>
+          </a:p>
+          <a:p>
+            <a:pPr>
+              <a:buNone/>
+            </a:pPr>
+            <a:endParaRPr lang="de-DE" dirty="0"/>
+          </a:p>
+        </p:txBody>
+      </p:sp>
+      <p:sp>
+        <p:nvSpPr>
+          <p:cNvPr id="14" name="Textplatzhalter 13"/>
+          <p:cNvSpPr>
+            <a:spLocks noGrp="1"/>
+          </p:cNvSpPr>
+          <p:nvPr>
+            <p:ph type="body" sz="half" idx="2"/>
+          </p:nvPr>
         </p:nvSpPr>
         <p:spPr>
           <a:xfrm>
-            <a:off x="1475656" y="3712376"/>
-            <a:ext cx="7454965" cy="620688"/>
-          </a:xfrm>
-          <a:prstGeom prst="rect">
-            <a:avLst/>
-          </a:prstGeom>
-          <a:solidFill>
-            <a:schemeClr val="accent2">
-              <a:lumMod val="60000"/>
-              <a:lumOff val="40000"/>
-            </a:schemeClr>
-          </a:solidFill>
-          <a:ln>
-            <a:noFill/>
-          </a:ln>
+            <a:off x="428596" y="1435100"/>
+            <a:ext cx="3008313" cy="4691063"/>
+          </a:xfrm>
         </p:spPr>
-        <p:style>
-          <a:lnRef idx="2">
-            <a:schemeClr val="accent1">
-              <a:shade val="50000"/>
-            </a:schemeClr>
-          </a:lnRef>
-          <a:fillRef idx="1">
-            <a:schemeClr val="accent1"/>
-          </a:fillRef>
-          <a:effectRef idx="0">
-            <a:schemeClr val="accent1"/>
-          </a:effectRef>
-          <a:fontRef idx="minor">
-            <a:schemeClr val="lt1"/>
-          </a:fontRef>
-        </p:style>
-        <p:txBody>
-          <a:bodyPr rtlCol="0" anchor="ctr"/>
-          <a:lstStyle/>
-          <a:p>
-            <a:r>
-              <a:rPr lang="en-US" sz="2000" b="1" cap="small" dirty="0">
-                <a:solidFill>
-                  <a:schemeClr val="tx1"/>
-                </a:solidFill>
+        <p:txBody>
+          <a:bodyPr/>
+          <a:lstStyle/>
+          <a:p>
+            <a:endParaRPr lang="de-DE" dirty="0" smtClean="0"/>
+          </a:p>
+          <a:p>
+            <a:endParaRPr lang="de-DE" dirty="0" smtClean="0"/>
+          </a:p>
+          <a:p>
+            <a:endParaRPr lang="de-DE" dirty="0" smtClean="0"/>
+          </a:p>
+          <a:p>
+            <a:r>
+              <a:rPr lang="de-DE" sz="1800" dirty="0" smtClean="0">
                 <a:latin typeface="Times New Roman" pitchFamily="18" charset="0"/>
                 <a:cs typeface="Times New Roman" pitchFamily="18" charset="0"/>
               </a:rPr>
-              <a:t>Android Details</a:t>
-            </a:r>
-          </a:p>
-        </p:txBody>
-      </p:sp>
-      <p:sp>
-        <p:nvSpPr>
-          <p:cNvPr id="11" name="Rechteck 10"/>
-          <p:cNvSpPr/>
-          <p:nvPr/>
-        </p:nvSpPr>
-        <p:spPr>
-          <a:xfrm>
-            <a:off x="1475656" y="4432456"/>
-            <a:ext cx="7454965" cy="620688"/>
-          </a:xfrm>
-          <a:prstGeom prst="rect">
-            <a:avLst/>
-          </a:prstGeom>
-          <a:solidFill>
-            <a:schemeClr val="accent2">
-              <a:lumMod val="60000"/>
-              <a:lumOff val="40000"/>
-            </a:schemeClr>
-          </a:solidFill>
-          <a:ln>
-            <a:noFill/>
-          </a:ln>
-        </p:spPr>
-        <p:style>
-          <a:lnRef idx="2">
-            <a:schemeClr val="accent1">
-              <a:shade val="50000"/>
-            </a:schemeClr>
-          </a:lnRef>
-          <a:fillRef idx="1">
-            <a:schemeClr val="accent1"/>
-          </a:fillRef>
-          <a:effectRef idx="0">
-            <a:schemeClr val="accent1"/>
-          </a:effectRef>
-          <a:fontRef idx="minor">
-            <a:schemeClr val="lt1"/>
-          </a:fontRef>
-        </p:style>
-        <p:txBody>
-          <a:bodyPr rtlCol="0" anchor="ctr"/>
-          <a:lstStyle/>
-          <a:p>
-            <a:r>
-              <a:rPr lang="en-US" sz="2000" cap="small" dirty="0">
-                <a:solidFill>
-                  <a:schemeClr val="tx1"/>
-                </a:solidFill>
+              <a:t>          </a:t>
+            </a:r>
+            <a:r>
+              <a:rPr lang="de-DE" sz="1600" dirty="0" smtClean="0">
                 <a:latin typeface="Times New Roman" pitchFamily="18" charset="0"/>
                 <a:cs typeface="Times New Roman" pitchFamily="18" charset="0"/>
               </a:rPr>
-              <a:t>Receipt Extraction</a:t>
-            </a:r>
-          </a:p>
-        </p:txBody>
-      </p:sp>
-      <p:sp>
-        <p:nvSpPr>
-          <p:cNvPr id="12" name="Rechteck 11"/>
-          <p:cNvSpPr/>
-          <p:nvPr/>
-        </p:nvSpPr>
-        <p:spPr>
-          <a:xfrm>
-            <a:off x="251520" y="836712"/>
-            <a:ext cx="8679101" cy="620688"/>
-          </a:xfrm>
-          <a:prstGeom prst="rect">
-            <a:avLst/>
-          </a:prstGeom>
-          <a:solidFill>
-            <a:schemeClr val="accent2">
-              <a:lumMod val="60000"/>
-              <a:lumOff val="40000"/>
-            </a:schemeClr>
-          </a:solidFill>
-          <a:ln>
-            <a:noFill/>
-          </a:ln>
-        </p:spPr>
-        <p:style>
-          <a:lnRef idx="2">
-            <a:schemeClr val="accent1">
-              <a:shade val="50000"/>
-            </a:schemeClr>
-          </a:lnRef>
-          <a:fillRef idx="1">
-            <a:schemeClr val="accent1"/>
-          </a:fillRef>
-          <a:effectRef idx="0">
-            <a:schemeClr val="accent1"/>
-          </a:effectRef>
-          <a:fontRef idx="minor">
-            <a:schemeClr val="lt1"/>
-          </a:fontRef>
-        </p:style>
-        <p:txBody>
-          <a:bodyPr rtlCol="0" anchor="ctr"/>
-          <a:lstStyle/>
-          <a:p>
-            <a:r>
-              <a:rPr lang="en-US" sz="2000" cap="small" dirty="0">
-                <a:solidFill>
-                  <a:schemeClr val="tx1"/>
-                </a:solidFill>
+              <a:t>Notation </a:t>
+            </a:r>
+            <a:r>
+              <a:rPr lang="de-DE" sz="1600" dirty="0" err="1" smtClean="0">
                 <a:latin typeface="Times New Roman" pitchFamily="18" charset="0"/>
                 <a:cs typeface="Times New Roman" pitchFamily="18" charset="0"/>
               </a:rPr>
-              <a:t>Live Demo</a:t>
-            </a:r>
-          </a:p>
-        </p:txBody>
-      </p:sp>
-      <p:sp>
-        <p:nvSpPr>
-          <p:cNvPr id="2" name="Foliennummernplatzhalter 1"/>
+              <a:t>Overview</a:t>
+            </a:r>
+            <a:r>
+              <a:rPr lang="de-DE" sz="1600" dirty="0" smtClean="0">
+                <a:latin typeface="Times New Roman" pitchFamily="18" charset="0"/>
+                <a:cs typeface="Times New Roman" pitchFamily="18" charset="0"/>
+              </a:rPr>
+              <a:t>: </a:t>
+            </a:r>
+          </a:p>
+        </p:txBody>
+      </p:sp>
+      <p:sp>
+        <p:nvSpPr>
+          <p:cNvPr id="19" name="Fußzeilenplatzhalter 18"/>
+          <p:cNvSpPr>
+            <a:spLocks noGrp="1"/>
+          </p:cNvSpPr>
+          <p:nvPr>
+            <p:ph type="ftr" sz="quarter" idx="11"/>
+          </p:nvPr>
+        </p:nvSpPr>
+        <p:spPr/>
+        <p:txBody>
+          <a:bodyPr/>
+          <a:lstStyle/>
+          <a:p>
+            <a:r>
+              <a:rPr lang="de-DE"/>
+              <a:t>Kateryna Pryshchepa, Iuliia Guk, Thomas Röhl, Tetiana Lavrynovych, Sascha Zepf</a:t>
+            </a:r>
+          </a:p>
+        </p:txBody>
+      </p:sp>
+      <p:sp>
+        <p:nvSpPr>
+          <p:cNvPr id="18" name="Foliennummernplatzhalter 17"/>
           <p:cNvSpPr>
             <a:spLocks noGrp="1"/>
           </p:cNvSpPr>
@@ -9265,32 +9197,68 @@
           </a:p>
         </p:txBody>
       </p:sp>
-      <p:sp>
-        <p:nvSpPr>
-          <p:cNvPr id="3" name="Fußzeilenplatzhalter 2"/>
-          <p:cNvSpPr>
-            <a:spLocks noGrp="1"/>
-          </p:cNvSpPr>
-          <p:nvPr>
-            <p:ph type="ftr" sz="quarter" idx="11"/>
-          </p:nvPr>
-        </p:nvSpPr>
-        <p:spPr/>
-        <p:txBody>
-          <a:bodyPr/>
-          <a:lstStyle/>
-          <a:p>
-            <a:r>
-              <a:rPr lang="de-DE"/>
-              <a:t>Kateryna Pryshchepa, Iuliia Guk, Thomas Röhl, Tetiana Lavrynovych, Sascha Zepf</a:t>
-            </a:r>
-          </a:p>
-        </p:txBody>
-      </p:sp>
+      <p:pic>
+        <p:nvPicPr>
+          <p:cNvPr id="10" name="Inhaltsplatzhalter 3" descr="ActivityDiagram.PNG"/>
+          <p:cNvPicPr>
+            <a:picLocks noChangeAspect="1"/>
+          </p:cNvPicPr>
+          <p:nvPr/>
+        </p:nvPicPr>
+        <p:blipFill>
+          <a:blip r:embed="rId2" cstate="print"/>
+          <a:stretch>
+            <a:fillRect/>
+          </a:stretch>
+        </p:blipFill>
+        <p:spPr>
+          <a:xfrm>
+            <a:off x="3714744" y="714356"/>
+            <a:ext cx="4929222" cy="5506458"/>
+          </a:xfrm>
+          <a:prstGeom prst="rect">
+            <a:avLst/>
+          </a:prstGeom>
+        </p:spPr>
+      </p:pic>
+      <p:pic>
+        <p:nvPicPr>
+          <p:cNvPr id="1026" name="Picture 2"/>
+          <p:cNvPicPr>
+            <a:picLocks noChangeAspect="1" noChangeArrowheads="1"/>
+          </p:cNvPicPr>
+          <p:nvPr/>
+        </p:nvPicPr>
+        <p:blipFill>
+          <a:blip r:embed="rId3" cstate="print"/>
+          <a:srcRect/>
+          <a:stretch>
+            <a:fillRect/>
+          </a:stretch>
+        </p:blipFill>
+        <p:spPr bwMode="auto">
+          <a:xfrm>
+            <a:off x="1000100" y="2643182"/>
+            <a:ext cx="1790700" cy="3257550"/>
+          </a:xfrm>
+          <a:prstGeom prst="rect">
+            <a:avLst/>
+          </a:prstGeom>
+          <a:noFill/>
+          <a:ln w="9525">
+            <a:solidFill>
+              <a:srgbClr val="D99694"/>
+            </a:solidFill>
+            <a:miter lim="800000"/>
+            <a:headEnd/>
+            <a:tailEnd/>
+          </a:ln>
+        </p:spPr>
+      </p:pic>
     </p:spTree>
     <p:extLst>
       <p:ext uri="{BB962C8B-B14F-4D97-AF65-F5344CB8AC3E}">
-        <p14:creationId xmlns="" xmlns:p14="http://schemas.microsoft.com/office/powerpoint/2010/main" val="1768056306"/>
+        <p14:creationId xmlns:p14="http://schemas.microsoft.com/office/powerpoint/2010/main" xmlns="" val="1470090484"/>
       </p:ext>
     </p:extLst>
   </p:cSld>
@@ -9326,13 +9294,13 @@
       </p:grpSpPr>
       <p:sp>
         <p:nvSpPr>
-          <p:cNvPr id="5" name="Rechteck 4"/>
+          <p:cNvPr id="4" name="Rechteck 3"/>
           <p:cNvSpPr/>
           <p:nvPr/>
         </p:nvSpPr>
         <p:spPr>
           <a:xfrm>
-            <a:off x="0" y="6237312"/>
+            <a:off x="0" y="0"/>
             <a:ext cx="9144000" cy="620688"/>
           </a:xfrm>
           <a:prstGeom prst="rect">
@@ -9368,23 +9336,29 @@
           <a:bodyPr rtlCol="0" anchor="ctr"/>
           <a:lstStyle/>
           <a:p>
-            <a:pPr algn="ctr"/>
-            <a:endParaRPr lang="de-DE">
-              <a:latin typeface="Times New Roman" pitchFamily="18" charset="0"/>
-              <a:cs typeface="Times New Roman" pitchFamily="18" charset="0"/>
-            </a:endParaRPr>
-          </a:p>
-        </p:txBody>
-      </p:sp>
-      <p:sp>
-        <p:nvSpPr>
-          <p:cNvPr id="6" name="Rechteck 5"/>
+            <a:pPr algn="r"/>
+            <a:r>
+              <a:rPr lang="en-US" sz="2000" b="1" cap="small" dirty="0">
+                <a:solidFill>
+                  <a:schemeClr val="tx1"/>
+                </a:solidFill>
+                <a:latin typeface="Times New Roman" pitchFamily="18" charset="0"/>
+                <a:cs typeface="Times New Roman" pitchFamily="18" charset="0"/>
+              </a:rPr>
+              <a:t>Content</a:t>
+            </a:r>
+          </a:p>
+        </p:txBody>
+      </p:sp>
+      <p:sp>
+        <p:nvSpPr>
+          <p:cNvPr id="5" name="Rechteck 4"/>
           <p:cNvSpPr/>
           <p:nvPr/>
         </p:nvSpPr>
         <p:spPr>
           <a:xfrm>
-            <a:off x="0" y="0"/>
+            <a:off x="0" y="6237312"/>
             <a:ext cx="9144000" cy="620688"/>
           </a:xfrm>
           <a:prstGeom prst="rect">
@@ -9420,35 +9394,34 @@
           <a:bodyPr rtlCol="0" anchor="ctr"/>
           <a:lstStyle/>
           <a:p>
-            <a:pPr algn="r"/>
-            <a:r>
-              <a:rPr lang="de-DE" sz="2000" b="1" cap="small" dirty="0">
-                <a:solidFill>
-                  <a:schemeClr val="tx1"/>
-                </a:solidFill>
-                <a:latin typeface="Times New Roman" pitchFamily="18" charset="0"/>
-                <a:cs typeface="Times New Roman" pitchFamily="18" charset="0"/>
-              </a:rPr>
-              <a:t>Corporate Design</a:t>
-            </a:r>
-          </a:p>
-        </p:txBody>
-      </p:sp>
-      <p:sp>
-        <p:nvSpPr>
-          <p:cNvPr id="7" name="Rechteck 6"/>
+            <a:pPr algn="ctr"/>
+            <a:endParaRPr lang="en-US" cap="small" dirty="0">
+              <a:latin typeface="Times New Roman" pitchFamily="18" charset="0"/>
+              <a:cs typeface="Times New Roman" pitchFamily="18" charset="0"/>
+            </a:endParaRPr>
+          </a:p>
+        </p:txBody>
+      </p:sp>
+      <p:sp>
+        <p:nvSpPr>
+          <p:cNvPr id="9" name="Rechteck 8"/>
           <p:cNvSpPr/>
           <p:nvPr/>
         </p:nvSpPr>
         <p:spPr>
           <a:xfrm>
-            <a:off x="355340" y="795402"/>
-            <a:ext cx="8433320" cy="2201549"/>
+            <a:off x="251520" y="1591906"/>
+            <a:ext cx="8679101" cy="620688"/>
           </a:xfrm>
           <a:prstGeom prst="rect">
             <a:avLst/>
           </a:prstGeom>
-          <a:noFill/>
+          <a:solidFill>
+            <a:schemeClr val="accent2">
+              <a:lumMod val="60000"/>
+              <a:lumOff val="40000"/>
+            </a:schemeClr>
+          </a:solidFill>
           <a:ln>
             <a:noFill/>
           </a:ln>
@@ -9470,250 +9443,367 @@
           </a:fontRef>
         </p:style>
         <p:txBody>
-          <a:bodyPr rtlCol="0" anchor="t"/>
-          <a:lstStyle/>
-          <a:p>
-            <a:pPr marL="342900" indent="-342900">
-              <a:lnSpc>
-                <a:spcPct val="150000"/>
-              </a:lnSpc>
-              <a:buFont typeface="Arial" panose="020B0604020202020204" pitchFamily="34" charset="0"/>
-              <a:buChar char="•"/>
-            </a:pPr>
-            <a:r>
-              <a:rPr lang="en-US" dirty="0">
+          <a:bodyPr rtlCol="0" anchor="ctr"/>
+          <a:lstStyle/>
+          <a:p>
+            <a:r>
+              <a:rPr lang="en-US" sz="2000" cap="small" dirty="0">
                 <a:solidFill>
                   <a:schemeClr val="tx1"/>
                 </a:solidFill>
                 <a:latin typeface="Times New Roman" pitchFamily="18" charset="0"/>
                 <a:cs typeface="Times New Roman" pitchFamily="18" charset="0"/>
               </a:rPr>
-              <a:t>Colors </a:t>
-            </a:r>
-          </a:p>
-          <a:p>
-            <a:pPr marL="342900" indent="-342900">
-              <a:lnSpc>
-                <a:spcPct val="150000"/>
-              </a:lnSpc>
-              <a:buFont typeface="Arial" panose="020B0604020202020204" pitchFamily="34" charset="0"/>
-              <a:buChar char="•"/>
-            </a:pPr>
-            <a:r>
-              <a:rPr lang="en-US" dirty="0">
+              <a:t>Approach</a:t>
+            </a:r>
+          </a:p>
+        </p:txBody>
+      </p:sp>
+      <p:sp>
+        <p:nvSpPr>
+          <p:cNvPr id="10" name="Rechteck 9"/>
+          <p:cNvSpPr/>
+          <p:nvPr/>
+        </p:nvSpPr>
+        <p:spPr>
+          <a:xfrm>
+            <a:off x="251520" y="2344224"/>
+            <a:ext cx="8679101" cy="620688"/>
+          </a:xfrm>
+          <a:prstGeom prst="rect">
+            <a:avLst/>
+          </a:prstGeom>
+          <a:solidFill>
+            <a:schemeClr val="accent2">
+              <a:lumMod val="60000"/>
+              <a:lumOff val="40000"/>
+            </a:schemeClr>
+          </a:solidFill>
+          <a:ln>
+            <a:noFill/>
+          </a:ln>
+        </p:spPr>
+        <p:style>
+          <a:lnRef idx="2">
+            <a:schemeClr val="accent1">
+              <a:shade val="50000"/>
+            </a:schemeClr>
+          </a:lnRef>
+          <a:fillRef idx="1">
+            <a:schemeClr val="accent1"/>
+          </a:fillRef>
+          <a:effectRef idx="0">
+            <a:schemeClr val="accent1"/>
+          </a:effectRef>
+          <a:fontRef idx="minor">
+            <a:schemeClr val="lt1"/>
+          </a:fontRef>
+        </p:style>
+        <p:txBody>
+          <a:bodyPr rtlCol="0" anchor="ctr"/>
+          <a:lstStyle/>
+          <a:p>
+            <a:r>
+              <a:rPr lang="en-US" sz="2000" cap="small" dirty="0">
                 <a:solidFill>
                   <a:schemeClr val="tx1"/>
                 </a:solidFill>
                 <a:latin typeface="Times New Roman" pitchFamily="18" charset="0"/>
                 <a:cs typeface="Times New Roman" pitchFamily="18" charset="0"/>
               </a:rPr>
-              <a:t>Logo: piggybank (background in the app)</a:t>
-            </a:r>
-          </a:p>
-          <a:p>
-            <a:pPr marL="342900" indent="-342900">
-              <a:lnSpc>
-                <a:spcPct val="150000"/>
-              </a:lnSpc>
-              <a:buFont typeface="Arial" panose="020B0604020202020204" pitchFamily="34" charset="0"/>
-              <a:buChar char="•"/>
-            </a:pPr>
-            <a:r>
-              <a:rPr lang="en-US" dirty="0">
+              <a:t>Details</a:t>
+            </a:r>
+          </a:p>
+        </p:txBody>
+      </p:sp>
+      <p:sp>
+        <p:nvSpPr>
+          <p:cNvPr id="13" name="Rechteck 12"/>
+          <p:cNvSpPr/>
+          <p:nvPr/>
+        </p:nvSpPr>
+        <p:spPr>
+          <a:xfrm>
+            <a:off x="251520" y="5323936"/>
+            <a:ext cx="8679101" cy="620688"/>
+          </a:xfrm>
+          <a:prstGeom prst="rect">
+            <a:avLst/>
+          </a:prstGeom>
+          <a:solidFill>
+            <a:schemeClr val="accent2">
+              <a:lumMod val="60000"/>
+              <a:lumOff val="40000"/>
+            </a:schemeClr>
+          </a:solidFill>
+          <a:ln>
+            <a:noFill/>
+          </a:ln>
+        </p:spPr>
+        <p:style>
+          <a:lnRef idx="2">
+            <a:schemeClr val="accent1">
+              <a:shade val="50000"/>
+            </a:schemeClr>
+          </a:lnRef>
+          <a:fillRef idx="1">
+            <a:schemeClr val="accent1"/>
+          </a:fillRef>
+          <a:effectRef idx="0">
+            <a:schemeClr val="accent1"/>
+          </a:effectRef>
+          <a:fontRef idx="minor">
+            <a:schemeClr val="lt1"/>
+          </a:fontRef>
+        </p:style>
+        <p:txBody>
+          <a:bodyPr rtlCol="0" anchor="ctr"/>
+          <a:lstStyle/>
+          <a:p>
+            <a:r>
+              <a:rPr lang="en-US" sz="2000" cap="small" dirty="0">
                 <a:solidFill>
                   <a:schemeClr val="tx1"/>
                 </a:solidFill>
                 <a:latin typeface="Times New Roman" pitchFamily="18" charset="0"/>
                 <a:cs typeface="Times New Roman" pitchFamily="18" charset="0"/>
               </a:rPr>
-              <a:t>Pictures for  Menu Help</a:t>
-            </a:r>
-          </a:p>
-          <a:p>
-            <a:pPr lvl="0">
-              <a:lnSpc>
-                <a:spcPct val="150000"/>
-              </a:lnSpc>
-            </a:pPr>
-            <a:endParaRPr lang="de-DE" sz="2000" dirty="0">
-              <a:latin typeface="Times New Roman" pitchFamily="18" charset="0"/>
-              <a:cs typeface="Times New Roman" pitchFamily="18" charset="0"/>
-            </a:endParaRPr>
-          </a:p>
-        </p:txBody>
-      </p:sp>
-      <p:pic>
-        <p:nvPicPr>
-          <p:cNvPr id="28" name="Grafik 27"/>
-          <p:cNvPicPr>
-            <a:picLocks noChangeAspect="1"/>
-          </p:cNvPicPr>
+              <a:t>Conclusion</a:t>
+            </a:r>
+          </a:p>
+        </p:txBody>
+      </p:sp>
+      <p:sp>
+        <p:nvSpPr>
+          <p:cNvPr id="7" name="Rechteck 6"/>
+          <p:cNvSpPr/>
           <p:nvPr/>
-        </p:nvPicPr>
-        <p:blipFill>
-          <a:blip r:embed="rId2" cstate="print"/>
-          <a:stretch/>
-        </p:blipFill>
+        </p:nvSpPr>
         <p:spPr>
           <a:xfrm>
-            <a:off x="6444208" y="790916"/>
-            <a:ext cx="2160000" cy="2085037"/>
+            <a:off x="1475656" y="3036920"/>
+            <a:ext cx="7454965" cy="620688"/>
           </a:xfrm>
           <a:prstGeom prst="rect">
             <a:avLst/>
           </a:prstGeom>
+          <a:solidFill>
+            <a:schemeClr val="accent2">
+              <a:lumMod val="60000"/>
+              <a:lumOff val="40000"/>
+            </a:schemeClr>
+          </a:solidFill>
           <a:ln>
             <a:noFill/>
           </a:ln>
         </p:spPr>
-      </p:pic>
-      <p:pic>
-        <p:nvPicPr>
-          <p:cNvPr id="2" name="Grafik 1"/>
-          <p:cNvPicPr>
-            <a:picLocks noChangeAspect="1"/>
-          </p:cNvPicPr>
+        <p:style>
+          <a:lnRef idx="2">
+            <a:schemeClr val="accent1">
+              <a:shade val="50000"/>
+            </a:schemeClr>
+          </a:lnRef>
+          <a:fillRef idx="1">
+            <a:schemeClr val="accent1"/>
+          </a:fillRef>
+          <a:effectRef idx="0">
+            <a:schemeClr val="accent1"/>
+          </a:effectRef>
+          <a:fontRef idx="minor">
+            <a:schemeClr val="lt1"/>
+          </a:fontRef>
+        </p:style>
+        <p:txBody>
+          <a:bodyPr rtlCol="0" anchor="ctr"/>
+          <a:lstStyle/>
+          <a:p>
+            <a:r>
+              <a:rPr lang="en-US" sz="2000" cap="small" dirty="0">
+                <a:solidFill>
+                  <a:schemeClr val="tx1"/>
+                </a:solidFill>
+                <a:latin typeface="Times New Roman" pitchFamily="18" charset="0"/>
+                <a:cs typeface="Times New Roman" pitchFamily="18" charset="0"/>
+              </a:rPr>
+              <a:t>Technical Design</a:t>
+            </a:r>
+          </a:p>
+        </p:txBody>
+      </p:sp>
+      <p:sp>
+        <p:nvSpPr>
+          <p:cNvPr id="8" name="Rechteck 7"/>
+          <p:cNvSpPr/>
           <p:nvPr/>
-        </p:nvPicPr>
-        <p:blipFill>
-          <a:blip r:embed="rId3" cstate="print"/>
-          <a:stretch>
-            <a:fillRect/>
-          </a:stretch>
-        </p:blipFill>
+        </p:nvSpPr>
         <p:spPr>
           <a:xfrm>
-            <a:off x="224782" y="2780928"/>
-            <a:ext cx="1800000" cy="3153383"/>
+            <a:off x="1475656" y="3712376"/>
+            <a:ext cx="7454965" cy="620688"/>
           </a:xfrm>
           <a:prstGeom prst="rect">
             <a:avLst/>
           </a:prstGeom>
+          <a:solidFill>
+            <a:schemeClr val="accent2">
+              <a:lumMod val="60000"/>
+              <a:lumOff val="40000"/>
+            </a:schemeClr>
+          </a:solidFill>
+          <a:ln>
+            <a:noFill/>
+          </a:ln>
         </p:spPr>
-      </p:pic>
-      <p:pic>
-        <p:nvPicPr>
-          <p:cNvPr id="4" name="Grafik 3"/>
-          <p:cNvPicPr>
-            <a:picLocks noChangeAspect="1"/>
-          </p:cNvPicPr>
+        <p:style>
+          <a:lnRef idx="2">
+            <a:schemeClr val="accent1">
+              <a:shade val="50000"/>
+            </a:schemeClr>
+          </a:lnRef>
+          <a:fillRef idx="1">
+            <a:schemeClr val="accent1"/>
+          </a:fillRef>
+          <a:effectRef idx="0">
+            <a:schemeClr val="accent1"/>
+          </a:effectRef>
+          <a:fontRef idx="minor">
+            <a:schemeClr val="lt1"/>
+          </a:fontRef>
+        </p:style>
+        <p:txBody>
+          <a:bodyPr rtlCol="0" anchor="ctr"/>
+          <a:lstStyle/>
+          <a:p>
+            <a:r>
+              <a:rPr lang="en-US" sz="2000" b="1" cap="small" dirty="0">
+                <a:solidFill>
+                  <a:schemeClr val="tx1"/>
+                </a:solidFill>
+                <a:latin typeface="Times New Roman" pitchFamily="18" charset="0"/>
+                <a:cs typeface="Times New Roman" pitchFamily="18" charset="0"/>
+              </a:rPr>
+              <a:t>Android Details</a:t>
+            </a:r>
+          </a:p>
+        </p:txBody>
+      </p:sp>
+      <p:sp>
+        <p:nvSpPr>
+          <p:cNvPr id="11" name="Rechteck 10"/>
+          <p:cNvSpPr/>
           <p:nvPr/>
-        </p:nvPicPr>
-        <p:blipFill>
-          <a:blip r:embed="rId4" cstate="print"/>
-          <a:stretch>
-            <a:fillRect/>
-          </a:stretch>
-        </p:blipFill>
+        </p:nvSpPr>
         <p:spPr>
           <a:xfrm>
-            <a:off x="2177549" y="2780928"/>
-            <a:ext cx="1800000" cy="3165517"/>
+            <a:off x="1475656" y="4432456"/>
+            <a:ext cx="7454965" cy="620688"/>
           </a:xfrm>
           <a:prstGeom prst="rect">
             <a:avLst/>
           </a:prstGeom>
+          <a:solidFill>
+            <a:schemeClr val="accent2">
+              <a:lumMod val="60000"/>
+              <a:lumOff val="40000"/>
+            </a:schemeClr>
+          </a:solidFill>
+          <a:ln>
+            <a:noFill/>
+          </a:ln>
         </p:spPr>
-      </p:pic>
-      <p:pic>
-        <p:nvPicPr>
-          <p:cNvPr id="8" name="Grafik 7"/>
-          <p:cNvPicPr>
-            <a:picLocks noChangeAspect="1"/>
-          </p:cNvPicPr>
+        <p:style>
+          <a:lnRef idx="2">
+            <a:schemeClr val="accent1">
+              <a:shade val="50000"/>
+            </a:schemeClr>
+          </a:lnRef>
+          <a:fillRef idx="1">
+            <a:schemeClr val="accent1"/>
+          </a:fillRef>
+          <a:effectRef idx="0">
+            <a:schemeClr val="accent1"/>
+          </a:effectRef>
+          <a:fontRef idx="minor">
+            <a:schemeClr val="lt1"/>
+          </a:fontRef>
+        </p:style>
+        <p:txBody>
+          <a:bodyPr rtlCol="0" anchor="ctr"/>
+          <a:lstStyle/>
+          <a:p>
+            <a:r>
+              <a:rPr lang="en-US" sz="2000" cap="small" dirty="0">
+                <a:solidFill>
+                  <a:schemeClr val="tx1"/>
+                </a:solidFill>
+                <a:latin typeface="Times New Roman" pitchFamily="18" charset="0"/>
+                <a:cs typeface="Times New Roman" pitchFamily="18" charset="0"/>
+              </a:rPr>
+              <a:t>Receipt Extraction</a:t>
+            </a:r>
+          </a:p>
+        </p:txBody>
+      </p:sp>
+      <p:sp>
+        <p:nvSpPr>
+          <p:cNvPr id="12" name="Rechteck 11"/>
+          <p:cNvSpPr/>
           <p:nvPr/>
-        </p:nvPicPr>
-        <p:blipFill>
-          <a:blip r:embed="rId5" cstate="print"/>
-          <a:stretch>
-            <a:fillRect/>
-          </a:stretch>
-        </p:blipFill>
+        </p:nvSpPr>
         <p:spPr>
           <a:xfrm>
-            <a:off x="4140152" y="2780928"/>
-            <a:ext cx="1800000" cy="3141313"/>
+            <a:off x="251520" y="836712"/>
+            <a:ext cx="8679101" cy="620688"/>
           </a:xfrm>
           <a:prstGeom prst="rect">
             <a:avLst/>
           </a:prstGeom>
+          <a:solidFill>
+            <a:schemeClr val="accent2">
+              <a:lumMod val="60000"/>
+              <a:lumOff val="40000"/>
+            </a:schemeClr>
+          </a:solidFill>
+          <a:ln>
+            <a:noFill/>
+          </a:ln>
         </p:spPr>
-      </p:pic>
-      <p:pic>
-        <p:nvPicPr>
-          <p:cNvPr id="12" name="Grafik 11"/>
-          <p:cNvPicPr>
-            <a:picLocks noChangeAspect="1"/>
-          </p:cNvPicPr>
-          <p:nvPr/>
-        </p:nvPicPr>
-        <p:blipFill>
-          <a:blip r:embed="rId6" cstate="print"/>
-          <a:stretch>
-            <a:fillRect/>
-          </a:stretch>
-        </p:blipFill>
-        <p:spPr>
-          <a:xfrm>
-            <a:off x="6084448" y="3466133"/>
-            <a:ext cx="2520000" cy="753290"/>
-          </a:xfrm>
-          <a:prstGeom prst="rect">
-            <a:avLst/>
-          </a:prstGeom>
-        </p:spPr>
-      </p:pic>
-      <p:pic>
-        <p:nvPicPr>
-          <p:cNvPr id="13" name="Grafik 12"/>
-          <p:cNvPicPr>
-            <a:picLocks noChangeAspect="1"/>
-          </p:cNvPicPr>
-          <p:nvPr/>
-        </p:nvPicPr>
-        <p:blipFill>
-          <a:blip r:embed="rId7" cstate="print"/>
-          <a:stretch>
-            <a:fillRect/>
-          </a:stretch>
-        </p:blipFill>
-        <p:spPr>
-          <a:xfrm>
-            <a:off x="6300192" y="4254455"/>
-            <a:ext cx="2520000" cy="841732"/>
-          </a:xfrm>
-          <a:prstGeom prst="rect">
-            <a:avLst/>
-          </a:prstGeom>
-        </p:spPr>
-      </p:pic>
-      <p:pic>
-        <p:nvPicPr>
-          <p:cNvPr id="15" name="Grafik 14"/>
-          <p:cNvPicPr>
-            <a:picLocks noChangeAspect="1"/>
-          </p:cNvPicPr>
-          <p:nvPr/>
-        </p:nvPicPr>
-        <p:blipFill>
-          <a:blip r:embed="rId8" cstate="print"/>
-          <a:stretch>
-            <a:fillRect/>
-          </a:stretch>
-        </p:blipFill>
-        <p:spPr>
-          <a:xfrm>
-            <a:off x="6516216" y="5131219"/>
-            <a:ext cx="2520000" cy="746053"/>
-          </a:xfrm>
-          <a:prstGeom prst="rect">
-            <a:avLst/>
-          </a:prstGeom>
-        </p:spPr>
-      </p:pic>
-      <p:sp>
-        <p:nvSpPr>
-          <p:cNvPr id="18" name="Foliennummernplatzhalter 17"/>
+        <p:style>
+          <a:lnRef idx="2">
+            <a:schemeClr val="accent1">
+              <a:shade val="50000"/>
+            </a:schemeClr>
+          </a:lnRef>
+          <a:fillRef idx="1">
+            <a:schemeClr val="accent1"/>
+          </a:fillRef>
+          <a:effectRef idx="0">
+            <a:schemeClr val="accent1"/>
+          </a:effectRef>
+          <a:fontRef idx="minor">
+            <a:schemeClr val="lt1"/>
+          </a:fontRef>
+        </p:style>
+        <p:txBody>
+          <a:bodyPr rtlCol="0" anchor="ctr"/>
+          <a:lstStyle/>
+          <a:p>
+            <a:r>
+              <a:rPr lang="en-US" sz="2000" cap="small" dirty="0">
+                <a:solidFill>
+                  <a:schemeClr val="tx1"/>
+                </a:solidFill>
+                <a:latin typeface="Times New Roman" pitchFamily="18" charset="0"/>
+                <a:cs typeface="Times New Roman" pitchFamily="18" charset="0"/>
+              </a:rPr>
+              <a:t>Live Demo</a:t>
+            </a:r>
+          </a:p>
+        </p:txBody>
+      </p:sp>
+      <p:sp>
+        <p:nvSpPr>
+          <p:cNvPr id="2" name="Foliennummernplatzhalter 1"/>
           <p:cNvSpPr>
             <a:spLocks noGrp="1"/>
           </p:cNvSpPr>
@@ -9737,7 +9827,7 @@
       </p:sp>
       <p:sp>
         <p:nvSpPr>
-          <p:cNvPr id="19" name="Fußzeilenplatzhalter 18"/>
+          <p:cNvPr id="3" name="Fußzeilenplatzhalter 2"/>
           <p:cNvSpPr>
             <a:spLocks noGrp="1"/>
           </p:cNvSpPr>
@@ -9760,7 +9850,7 @@
     </p:spTree>
     <p:extLst>
       <p:ext uri="{BB962C8B-B14F-4D97-AF65-F5344CB8AC3E}">
-        <p14:creationId xmlns="" xmlns:p14="http://schemas.microsoft.com/office/powerpoint/2010/main" val="1470090484"/>
+        <p14:creationId xmlns:p14="http://schemas.microsoft.com/office/powerpoint/2010/main" xmlns="" val="1768056306"/>
       </p:ext>
     </p:extLst>
   </p:cSld>
@@ -10181,7 +10271,7 @@
     </p:spTree>
     <p:extLst>
       <p:ext uri="{BB962C8B-B14F-4D97-AF65-F5344CB8AC3E}">
-        <p14:creationId xmlns="" xmlns:p14="http://schemas.microsoft.com/office/powerpoint/2010/main" val="4207222664"/>
+        <p14:creationId xmlns:p14="http://schemas.microsoft.com/office/powerpoint/2010/main" xmlns="" val="4207222664"/>
       </p:ext>
     </p:extLst>
   </p:cSld>
@@ -10313,22 +10403,15 @@
           <a:p>
             <a:pPr algn="r"/>
             <a:r>
-              <a:rPr lang="en-US" sz="2000" b="1" cap="small" dirty="0">
+              <a:rPr lang="de-DE" sz="2000" b="1" cap="small" dirty="0">
                 <a:solidFill>
                   <a:schemeClr val="tx1"/>
                 </a:solidFill>
                 <a:latin typeface="Times New Roman" pitchFamily="18" charset="0"/>
                 <a:cs typeface="Times New Roman" pitchFamily="18" charset="0"/>
               </a:rPr>
-              <a:t>Action Bar with Overflow Menu</a:t>
-            </a:r>
-            <a:endParaRPr lang="de-DE" sz="2000" b="1" cap="small" dirty="0">
-              <a:solidFill>
-                <a:schemeClr val="tx1"/>
-              </a:solidFill>
-              <a:latin typeface="Times New Roman" pitchFamily="18" charset="0"/>
-              <a:cs typeface="Times New Roman" pitchFamily="18" charset="0"/>
-            </a:endParaRPr>
+              <a:t>Corporate Design</a:t>
+            </a:r>
           </a:p>
         </p:txBody>
       </p:sp>
@@ -10386,11 +10469,11 @@
                 <a:latin typeface="Times New Roman" pitchFamily="18" charset="0"/>
                 <a:cs typeface="Times New Roman" pitchFamily="18" charset="0"/>
               </a:rPr>
-              <a:t>Functionality: </a:t>
-            </a:r>
-          </a:p>
-          <a:p>
-            <a:pPr marL="800100" lvl="1" indent="-342900">
+              <a:t>Colors </a:t>
+            </a:r>
+          </a:p>
+          <a:p>
+            <a:pPr marL="342900" indent="-342900">
               <a:lnSpc>
                 <a:spcPct val="150000"/>
               </a:lnSpc>
@@ -10405,11 +10488,11 @@
                 <a:latin typeface="Times New Roman" pitchFamily="18" charset="0"/>
                 <a:cs typeface="Times New Roman" pitchFamily="18" charset="0"/>
               </a:rPr>
-              <a:t>Exit</a:t>
-            </a:r>
-          </a:p>
-          <a:p>
-            <a:pPr marL="800100" lvl="1" indent="-342900">
+              <a:t>Logo: piggybank (background in the app)</a:t>
+            </a:r>
+          </a:p>
+          <a:p>
+            <a:pPr marL="342900" indent="-342900">
               <a:lnSpc>
                 <a:spcPct val="150000"/>
               </a:lnSpc>
@@ -10424,40 +10507,8 @@
                 <a:latin typeface="Times New Roman" pitchFamily="18" charset="0"/>
                 <a:cs typeface="Times New Roman" pitchFamily="18" charset="0"/>
               </a:rPr>
-              <a:t>Help</a:t>
-            </a:r>
-          </a:p>
-          <a:p>
-            <a:pPr marL="342900" indent="-342900">
-              <a:lnSpc>
-                <a:spcPct val="150000"/>
-              </a:lnSpc>
-              <a:buFont typeface="Arial" panose="020B0604020202020204" pitchFamily="34" charset="0"/>
-              <a:buChar char="•"/>
-            </a:pPr>
-            <a:endParaRPr lang="en-US" dirty="0">
-              <a:solidFill>
-                <a:schemeClr val="tx1"/>
-              </a:solidFill>
-              <a:latin typeface="Times New Roman" pitchFamily="18" charset="0"/>
-              <a:cs typeface="Times New Roman" pitchFamily="18" charset="0"/>
-            </a:endParaRPr>
-          </a:p>
-          <a:p>
-            <a:pPr marL="342900" indent="-342900">
-              <a:lnSpc>
-                <a:spcPct val="150000"/>
-              </a:lnSpc>
-              <a:buFont typeface="Arial" panose="020B0604020202020204" pitchFamily="34" charset="0"/>
-              <a:buChar char="•"/>
-            </a:pPr>
-            <a:endParaRPr lang="en-US" dirty="0">
-              <a:solidFill>
-                <a:schemeClr val="tx1"/>
-              </a:solidFill>
-              <a:latin typeface="Times New Roman" pitchFamily="18" charset="0"/>
-              <a:cs typeface="Times New Roman" pitchFamily="18" charset="0"/>
-            </a:endParaRPr>
+              <a:t>Pictures for  Menu Help</a:t>
+            </a:r>
           </a:p>
           <a:p>
             <a:pPr lvl="0">
@@ -10474,7 +10525,7 @@
       </p:sp>
       <p:pic>
         <p:nvPicPr>
-          <p:cNvPr id="8" name="Grafik 7"/>
+          <p:cNvPr id="28" name="Grafik 27"/>
           <p:cNvPicPr>
             <a:picLocks noChangeAspect="1"/>
           </p:cNvPicPr>
@@ -10486,22 +10537,20 @@
         </p:blipFill>
         <p:spPr>
           <a:xfrm>
-            <a:off x="113203" y="2620817"/>
-            <a:ext cx="1872000" cy="3327699"/>
+            <a:off x="6444208" y="790916"/>
+            <a:ext cx="2160000" cy="2085037"/>
           </a:xfrm>
           <a:prstGeom prst="rect">
             <a:avLst/>
           </a:prstGeom>
           <a:ln>
-            <a:solidFill>
-              <a:schemeClr val="tx1"/>
-            </a:solidFill>
+            <a:noFill/>
           </a:ln>
         </p:spPr>
       </p:pic>
       <p:pic>
         <p:nvPicPr>
-          <p:cNvPr id="9" name="Grafik 8"/>
+          <p:cNvPr id="2" name="Grafik 1"/>
           <p:cNvPicPr>
             <a:picLocks noChangeAspect="1"/>
           </p:cNvPicPr>
@@ -10509,26 +10558,23 @@
         </p:nvPicPr>
         <p:blipFill>
           <a:blip r:embed="rId3" cstate="print"/>
-          <a:stretch/>
+          <a:stretch>
+            <a:fillRect/>
+          </a:stretch>
         </p:blipFill>
         <p:spPr>
           <a:xfrm>
-            <a:off x="2439848" y="2621654"/>
-            <a:ext cx="1872000" cy="3327407"/>
+            <a:off x="224782" y="2780928"/>
+            <a:ext cx="1800000" cy="3153383"/>
           </a:xfrm>
           <a:prstGeom prst="rect">
             <a:avLst/>
           </a:prstGeom>
-          <a:ln>
-            <a:solidFill>
-              <a:schemeClr val="tx1"/>
-            </a:solidFill>
-          </a:ln>
         </p:spPr>
       </p:pic>
       <p:pic>
         <p:nvPicPr>
-          <p:cNvPr id="10" name="Grafik 9"/>
+          <p:cNvPr id="4" name="Grafik 3"/>
           <p:cNvPicPr>
             <a:picLocks noChangeAspect="1"/>
           </p:cNvPicPr>
@@ -10536,26 +10582,23 @@
         </p:nvPicPr>
         <p:blipFill>
           <a:blip r:embed="rId4" cstate="print"/>
-          <a:stretch/>
+          <a:stretch>
+            <a:fillRect/>
+          </a:stretch>
         </p:blipFill>
         <p:spPr>
           <a:xfrm>
-            <a:off x="4766168" y="2620817"/>
-            <a:ext cx="1872000" cy="3328463"/>
+            <a:off x="2177549" y="2780928"/>
+            <a:ext cx="1800000" cy="3165517"/>
           </a:xfrm>
           <a:prstGeom prst="rect">
             <a:avLst/>
           </a:prstGeom>
-          <a:ln>
-            <a:solidFill>
-              <a:schemeClr val="tx1"/>
-            </a:solidFill>
-          </a:ln>
         </p:spPr>
       </p:pic>
       <p:pic>
         <p:nvPicPr>
-          <p:cNvPr id="11" name="Grafik 10"/>
+          <p:cNvPr id="8" name="Grafik 7"/>
           <p:cNvPicPr>
             <a:picLocks noChangeAspect="1"/>
           </p:cNvPicPr>
@@ -10563,26 +10606,95 @@
         </p:nvPicPr>
         <p:blipFill>
           <a:blip r:embed="rId5" cstate="print"/>
-          <a:stretch/>
+          <a:stretch>
+            <a:fillRect/>
+          </a:stretch>
         </p:blipFill>
         <p:spPr>
           <a:xfrm>
-            <a:off x="7092488" y="2620817"/>
-            <a:ext cx="1872000" cy="3328244"/>
+            <a:off x="4140152" y="2780928"/>
+            <a:ext cx="1800000" cy="3141313"/>
           </a:xfrm>
           <a:prstGeom prst="rect">
             <a:avLst/>
           </a:prstGeom>
-          <a:ln>
-            <a:solidFill>
-              <a:schemeClr val="tx1"/>
-            </a:solidFill>
-          </a:ln>
         </p:spPr>
       </p:pic>
-      <p:sp>
-        <p:nvSpPr>
-          <p:cNvPr id="2" name="Foliennummernplatzhalter 1"/>
+      <p:pic>
+        <p:nvPicPr>
+          <p:cNvPr id="12" name="Grafik 11"/>
+          <p:cNvPicPr>
+            <a:picLocks noChangeAspect="1"/>
+          </p:cNvPicPr>
+          <p:nvPr/>
+        </p:nvPicPr>
+        <p:blipFill>
+          <a:blip r:embed="rId6" cstate="print"/>
+          <a:stretch>
+            <a:fillRect/>
+          </a:stretch>
+        </p:blipFill>
+        <p:spPr>
+          <a:xfrm>
+            <a:off x="6084448" y="3466133"/>
+            <a:ext cx="2520000" cy="753290"/>
+          </a:xfrm>
+          <a:prstGeom prst="rect">
+            <a:avLst/>
+          </a:prstGeom>
+        </p:spPr>
+      </p:pic>
+      <p:pic>
+        <p:nvPicPr>
+          <p:cNvPr id="13" name="Grafik 12"/>
+          <p:cNvPicPr>
+            <a:picLocks noChangeAspect="1"/>
+          </p:cNvPicPr>
+          <p:nvPr/>
+        </p:nvPicPr>
+        <p:blipFill>
+          <a:blip r:embed="rId7" cstate="print"/>
+          <a:stretch>
+            <a:fillRect/>
+          </a:stretch>
+        </p:blipFill>
+        <p:spPr>
+          <a:xfrm>
+            <a:off x="6300192" y="4254455"/>
+            <a:ext cx="2520000" cy="841732"/>
+          </a:xfrm>
+          <a:prstGeom prst="rect">
+            <a:avLst/>
+          </a:prstGeom>
+        </p:spPr>
+      </p:pic>
+      <p:pic>
+        <p:nvPicPr>
+          <p:cNvPr id="15" name="Grafik 14"/>
+          <p:cNvPicPr>
+            <a:picLocks noChangeAspect="1"/>
+          </p:cNvPicPr>
+          <p:nvPr/>
+        </p:nvPicPr>
+        <p:blipFill>
+          <a:blip r:embed="rId8" cstate="print"/>
+          <a:stretch>
+            <a:fillRect/>
+          </a:stretch>
+        </p:blipFill>
+        <p:spPr>
+          <a:xfrm>
+            <a:off x="6516216" y="5131219"/>
+            <a:ext cx="2520000" cy="746053"/>
+          </a:xfrm>
+          <a:prstGeom prst="rect">
+            <a:avLst/>
+          </a:prstGeom>
+        </p:spPr>
+      </p:pic>
+      <p:sp>
+        <p:nvSpPr>
+          <p:cNvPr id="18" name="Foliennummernplatzhalter 17"/>
           <p:cNvSpPr>
             <a:spLocks noGrp="1"/>
           </p:cNvSpPr>
@@ -10606,7 +10718,7 @@
       </p:sp>
       <p:sp>
         <p:nvSpPr>
-          <p:cNvPr id="3" name="Fußzeilenplatzhalter 2"/>
+          <p:cNvPr id="19" name="Fußzeilenplatzhalter 18"/>
           <p:cNvSpPr>
             <a:spLocks noGrp="1"/>
           </p:cNvSpPr>
@@ -10629,7 +10741,7 @@
     </p:spTree>
     <p:extLst>
       <p:ext uri="{BB962C8B-B14F-4D97-AF65-F5344CB8AC3E}">
-        <p14:creationId xmlns="" xmlns:p14="http://schemas.microsoft.com/office/powerpoint/2010/main" val="2046461599"/>
+        <p14:creationId xmlns:p14="http://schemas.microsoft.com/office/powerpoint/2010/main" xmlns="" val="1470090484"/>
       </p:ext>
     </p:extLst>
   </p:cSld>
@@ -10761,335 +10873,171 @@
           <a:p>
             <a:pPr algn="r"/>
             <a:r>
-              <a:rPr lang="en-US" sz="2000" cap="small" dirty="0">
+              <a:rPr lang="en-US" sz="2000" b="1" cap="small" dirty="0">
                 <a:solidFill>
                   <a:schemeClr val="tx1"/>
                 </a:solidFill>
                 <a:latin typeface="Times New Roman" pitchFamily="18" charset="0"/>
                 <a:cs typeface="Times New Roman" pitchFamily="18" charset="0"/>
               </a:rPr>
-              <a:t>Scheme of Screens</a:t>
-            </a:r>
-          </a:p>
-        </p:txBody>
-      </p:sp>
-      <p:sp>
-        <p:nvSpPr>
-          <p:cNvPr id="2" name="Foliennummernplatzhalter 1"/>
-          <p:cNvSpPr>
-            <a:spLocks noGrp="1"/>
-          </p:cNvSpPr>
-          <p:nvPr>
-            <p:ph type="sldNum" sz="quarter" idx="12"/>
-          </p:nvPr>
-        </p:nvSpPr>
-        <p:spPr/>
-        <p:txBody>
-          <a:bodyPr/>
-          <a:lstStyle/>
-          <a:p>
-            <a:fld id="{C663554D-7BDA-4824-AC15-58BB57D86064}" type="slidenum">
-              <a:rPr lang="de-DE" smtClean="0"/>
-              <a:pPr/>
-              <a:t>21</a:t>
-            </a:fld>
-            <a:endParaRPr lang="de-DE"/>
-          </a:p>
-        </p:txBody>
-      </p:sp>
-      <p:sp>
-        <p:nvSpPr>
-          <p:cNvPr id="4" name="Fußzeilenplatzhalter 3"/>
-          <p:cNvSpPr>
-            <a:spLocks noGrp="1"/>
-          </p:cNvSpPr>
-          <p:nvPr>
-            <p:ph type="ftr" sz="quarter" idx="11"/>
-          </p:nvPr>
-        </p:nvSpPr>
-        <p:spPr/>
-        <p:txBody>
-          <a:bodyPr/>
-          <a:lstStyle/>
-          <a:p>
-            <a:r>
-              <a:rPr lang="de-DE"/>
-              <a:t>Kateryna Pryshchepa, Iuliia Guk, Thomas Röhl, Tetiana Lavrynovych, Sascha Zepf</a:t>
-            </a:r>
-          </a:p>
-        </p:txBody>
-      </p:sp>
-      <p:sp>
-        <p:nvSpPr>
-          <p:cNvPr id="30" name="CustomShape 1"/>
+              <a:t>Action Bar with Overflow Menu</a:t>
+            </a:r>
+            <a:endParaRPr lang="de-DE" sz="2000" b="1" cap="small" dirty="0">
+              <a:solidFill>
+                <a:schemeClr val="tx1"/>
+              </a:solidFill>
+              <a:latin typeface="Times New Roman" pitchFamily="18" charset="0"/>
+              <a:cs typeface="Times New Roman" pitchFamily="18" charset="0"/>
+            </a:endParaRPr>
+          </a:p>
+        </p:txBody>
+      </p:sp>
+      <p:sp>
+        <p:nvSpPr>
+          <p:cNvPr id="7" name="Rechteck 6"/>
           <p:cNvSpPr/>
           <p:nvPr/>
         </p:nvSpPr>
         <p:spPr>
-          <a:xfrm flipV="1">
-            <a:off x="3612600" y="1637336"/>
-            <a:ext cx="1510200" cy="245880"/>
-          </a:xfrm>
-          <a:prstGeom prst="bentConnector3">
-            <a:avLst>
-              <a:gd name="adj1" fmla="val 50000"/>
-            </a:avLst>
+          <a:xfrm>
+            <a:off x="355340" y="795402"/>
+            <a:ext cx="8433320" cy="2201549"/>
+          </a:xfrm>
+          <a:prstGeom prst="rect">
+            <a:avLst/>
           </a:prstGeom>
           <a:noFill/>
-          <a:ln w="25560">
-            <a:solidFill>
-              <a:srgbClr val="D99694"/>
-            </a:solidFill>
-            <a:round/>
-            <a:tailEnd type="triangle" w="med" len="med"/>
+          <a:ln>
+            <a:noFill/>
           </a:ln>
         </p:spPr>
         <p:style>
-          <a:lnRef idx="1">
-            <a:schemeClr val="accent1"/>
+          <a:lnRef idx="2">
+            <a:schemeClr val="accent1">
+              <a:shade val="50000"/>
+            </a:schemeClr>
           </a:lnRef>
-          <a:fillRef idx="0">
+          <a:fillRef idx="1">
             <a:schemeClr val="accent1"/>
           </a:fillRef>
           <a:effectRef idx="0">
             <a:schemeClr val="accent1"/>
           </a:effectRef>
-          <a:fontRef idx="minor"/>
+          <a:fontRef idx="minor">
+            <a:schemeClr val="lt1"/>
+          </a:fontRef>
         </p:style>
-      </p:sp>
-      <p:sp>
-        <p:nvSpPr>
-          <p:cNvPr id="31" name="CustomShape 2"/>
-          <p:cNvSpPr/>
-          <p:nvPr/>
-        </p:nvSpPr>
-        <p:spPr>
-          <a:xfrm rot="16200000" flipH="1">
-            <a:off x="3007080" y="2891216"/>
-            <a:ext cx="617400" cy="810000"/>
-          </a:xfrm>
-          <a:prstGeom prst="bentConnector3">
-            <a:avLst>
-              <a:gd name="adj1" fmla="val 50000"/>
-            </a:avLst>
-          </a:prstGeom>
-          <a:noFill/>
-          <a:ln w="25560">
-            <a:solidFill>
-              <a:srgbClr val="D99694"/>
-            </a:solidFill>
-            <a:round/>
-            <a:tailEnd type="triangle" w="med" len="med"/>
-          </a:ln>
-        </p:spPr>
-        <p:style>
-          <a:lnRef idx="1">
-            <a:schemeClr val="accent1"/>
-          </a:lnRef>
-          <a:fillRef idx="0">
-            <a:schemeClr val="accent1"/>
-          </a:fillRef>
-          <a:effectRef idx="0">
-            <a:schemeClr val="accent1"/>
-          </a:effectRef>
-          <a:fontRef idx="minor"/>
-        </p:style>
-      </p:sp>
-      <p:sp>
-        <p:nvSpPr>
-          <p:cNvPr id="34" name="CustomShape 3"/>
-          <p:cNvSpPr/>
-          <p:nvPr/>
-        </p:nvSpPr>
-        <p:spPr>
-          <a:xfrm rot="5400000">
-            <a:off x="4418280" y="2290016"/>
-            <a:ext cx="628560" cy="2023560"/>
-          </a:xfrm>
-          <a:prstGeom prst="bentConnector3">
-            <a:avLst>
-              <a:gd name="adj1" fmla="val 50000"/>
-            </a:avLst>
-          </a:prstGeom>
-          <a:noFill/>
-          <a:ln w="25560">
-            <a:solidFill>
-              <a:srgbClr val="D99694"/>
-            </a:solidFill>
-            <a:round/>
-            <a:tailEnd type="triangle" w="med" len="med"/>
-          </a:ln>
-        </p:spPr>
-        <p:style>
-          <a:lnRef idx="1">
-            <a:schemeClr val="accent1"/>
-          </a:lnRef>
-          <a:fillRef idx="0">
-            <a:schemeClr val="accent1"/>
-          </a:fillRef>
-          <a:effectRef idx="0">
-            <a:schemeClr val="accent1"/>
-          </a:effectRef>
-          <a:fontRef idx="minor"/>
-        </p:style>
-      </p:sp>
-      <p:sp>
-        <p:nvSpPr>
-          <p:cNvPr id="35" name="CustomShape 4"/>
-          <p:cNvSpPr/>
-          <p:nvPr/>
-        </p:nvSpPr>
-        <p:spPr>
-          <a:xfrm rot="10800000">
-            <a:off x="3194280" y="4974896"/>
-            <a:ext cx="637560" cy="457560"/>
-          </a:xfrm>
-          <a:prstGeom prst="bentConnector3">
-            <a:avLst>
-              <a:gd name="adj1" fmla="val 50000"/>
-            </a:avLst>
-          </a:prstGeom>
-          <a:noFill/>
-          <a:ln w="25560">
-            <a:solidFill>
-              <a:srgbClr val="F90DB6"/>
-            </a:solidFill>
-            <a:round/>
-            <a:tailEnd type="triangle" w="med" len="med"/>
-          </a:ln>
-        </p:spPr>
-        <p:style>
-          <a:lnRef idx="1">
-            <a:schemeClr val="accent1"/>
-          </a:lnRef>
-          <a:fillRef idx="0">
-            <a:schemeClr val="accent1"/>
-          </a:fillRef>
-          <a:effectRef idx="0">
-            <a:schemeClr val="accent1"/>
-          </a:effectRef>
-          <a:fontRef idx="minor"/>
-        </p:style>
-      </p:sp>
-      <p:sp>
-        <p:nvSpPr>
-          <p:cNvPr id="42" name="CustomShape 5"/>
-          <p:cNvSpPr/>
-          <p:nvPr/>
-        </p:nvSpPr>
-        <p:spPr>
-          <a:xfrm flipV="1">
-            <a:off x="4350600" y="4427336"/>
-            <a:ext cx="693000" cy="630000"/>
-          </a:xfrm>
-          <a:prstGeom prst="bentConnector3">
-            <a:avLst>
-              <a:gd name="adj1" fmla="val 50000"/>
-            </a:avLst>
-          </a:prstGeom>
-          <a:noFill/>
-          <a:ln w="25560">
-            <a:solidFill>
-              <a:srgbClr val="D99694"/>
-            </a:solidFill>
-            <a:round/>
-            <a:tailEnd type="triangle" w="med" len="med"/>
-          </a:ln>
-        </p:spPr>
-        <p:style>
-          <a:lnRef idx="1">
-            <a:schemeClr val="accent1"/>
-          </a:lnRef>
-          <a:fillRef idx="0">
-            <a:schemeClr val="accent1"/>
-          </a:fillRef>
-          <a:effectRef idx="0">
-            <a:schemeClr val="accent1"/>
-          </a:effectRef>
-          <a:fontRef idx="minor"/>
-        </p:style>
-      </p:sp>
-      <p:sp>
-        <p:nvSpPr>
-          <p:cNvPr id="43" name="CustomShape 6"/>
-          <p:cNvSpPr/>
-          <p:nvPr/>
-        </p:nvSpPr>
-        <p:spPr>
-          <a:xfrm flipV="1">
-            <a:off x="6420600" y="4390616"/>
-            <a:ext cx="540000" cy="666360"/>
-          </a:xfrm>
-          <a:prstGeom prst="bentConnector3">
-            <a:avLst>
-              <a:gd name="adj1" fmla="val 69739"/>
-            </a:avLst>
-          </a:prstGeom>
-          <a:noFill/>
-          <a:ln w="25560">
-            <a:solidFill>
-              <a:srgbClr val="D99694"/>
-            </a:solidFill>
-            <a:round/>
-            <a:tailEnd type="triangle" w="med" len="med"/>
-          </a:ln>
-        </p:spPr>
-        <p:style>
-          <a:lnRef idx="1">
-            <a:schemeClr val="accent1"/>
-          </a:lnRef>
-          <a:fillRef idx="0">
-            <a:schemeClr val="accent1"/>
-          </a:fillRef>
-          <a:effectRef idx="0">
-            <a:schemeClr val="accent1"/>
-          </a:effectRef>
-          <a:fontRef idx="minor"/>
-        </p:style>
-      </p:sp>
-      <p:sp>
-        <p:nvSpPr>
-          <p:cNvPr id="44" name="CustomShape 7"/>
-          <p:cNvSpPr/>
-          <p:nvPr/>
-        </p:nvSpPr>
-        <p:spPr>
-          <a:xfrm flipH="1">
-            <a:off x="3720600" y="5056976"/>
-            <a:ext cx="4616640" cy="900360"/>
-          </a:xfrm>
-          <a:prstGeom prst="bentConnector4">
-            <a:avLst>
-              <a:gd name="adj1" fmla="val -5141"/>
-              <a:gd name="adj2" fmla="val 115195"/>
-            </a:avLst>
-          </a:prstGeom>
-          <a:noFill/>
-          <a:ln w="25560">
-            <a:solidFill>
-              <a:srgbClr val="D99694"/>
-            </a:solidFill>
-            <a:round/>
-            <a:tailEnd type="triangle" w="med" len="med"/>
-          </a:ln>
-        </p:spPr>
-        <p:style>
-          <a:lnRef idx="1">
-            <a:schemeClr val="accent1"/>
-          </a:lnRef>
-          <a:fillRef idx="0">
-            <a:schemeClr val="accent1"/>
-          </a:fillRef>
-          <a:effectRef idx="0">
-            <a:schemeClr val="accent1"/>
-          </a:effectRef>
-          <a:fontRef idx="minor"/>
-        </p:style>
+        <p:txBody>
+          <a:bodyPr rtlCol="0" anchor="t"/>
+          <a:lstStyle/>
+          <a:p>
+            <a:pPr marL="342900" indent="-342900">
+              <a:lnSpc>
+                <a:spcPct val="150000"/>
+              </a:lnSpc>
+              <a:buFont typeface="Arial" panose="020B0604020202020204" pitchFamily="34" charset="0"/>
+              <a:buChar char="•"/>
+            </a:pPr>
+            <a:r>
+              <a:rPr lang="en-US" dirty="0">
+                <a:solidFill>
+                  <a:schemeClr val="tx1"/>
+                </a:solidFill>
+                <a:latin typeface="Times New Roman" pitchFamily="18" charset="0"/>
+                <a:cs typeface="Times New Roman" pitchFamily="18" charset="0"/>
+              </a:rPr>
+              <a:t>Functionality: </a:t>
+            </a:r>
+          </a:p>
+          <a:p>
+            <a:pPr marL="800100" lvl="1" indent="-342900">
+              <a:lnSpc>
+                <a:spcPct val="150000"/>
+              </a:lnSpc>
+              <a:buFont typeface="Arial" panose="020B0604020202020204" pitchFamily="34" charset="0"/>
+              <a:buChar char="•"/>
+            </a:pPr>
+            <a:r>
+              <a:rPr lang="en-US" dirty="0">
+                <a:solidFill>
+                  <a:schemeClr val="tx1"/>
+                </a:solidFill>
+                <a:latin typeface="Times New Roman" pitchFamily="18" charset="0"/>
+                <a:cs typeface="Times New Roman" pitchFamily="18" charset="0"/>
+              </a:rPr>
+              <a:t>Exit</a:t>
+            </a:r>
+          </a:p>
+          <a:p>
+            <a:pPr marL="800100" lvl="1" indent="-342900">
+              <a:lnSpc>
+                <a:spcPct val="150000"/>
+              </a:lnSpc>
+              <a:buFont typeface="Arial" panose="020B0604020202020204" pitchFamily="34" charset="0"/>
+              <a:buChar char="•"/>
+            </a:pPr>
+            <a:r>
+              <a:rPr lang="en-US" dirty="0">
+                <a:solidFill>
+                  <a:schemeClr val="tx1"/>
+                </a:solidFill>
+                <a:latin typeface="Times New Roman" pitchFamily="18" charset="0"/>
+                <a:cs typeface="Times New Roman" pitchFamily="18" charset="0"/>
+              </a:rPr>
+              <a:t>Help</a:t>
+            </a:r>
+          </a:p>
+          <a:p>
+            <a:pPr marL="342900" indent="-342900">
+              <a:lnSpc>
+                <a:spcPct val="150000"/>
+              </a:lnSpc>
+              <a:buFont typeface="Arial" panose="020B0604020202020204" pitchFamily="34" charset="0"/>
+              <a:buChar char="•"/>
+            </a:pPr>
+            <a:endParaRPr lang="en-US" dirty="0">
+              <a:solidFill>
+                <a:schemeClr val="tx1"/>
+              </a:solidFill>
+              <a:latin typeface="Times New Roman" pitchFamily="18" charset="0"/>
+              <a:cs typeface="Times New Roman" pitchFamily="18" charset="0"/>
+            </a:endParaRPr>
+          </a:p>
+          <a:p>
+            <a:pPr marL="342900" indent="-342900">
+              <a:lnSpc>
+                <a:spcPct val="150000"/>
+              </a:lnSpc>
+              <a:buFont typeface="Arial" panose="020B0604020202020204" pitchFamily="34" charset="0"/>
+              <a:buChar char="•"/>
+            </a:pPr>
+            <a:endParaRPr lang="en-US" dirty="0">
+              <a:solidFill>
+                <a:schemeClr val="tx1"/>
+              </a:solidFill>
+              <a:latin typeface="Times New Roman" pitchFamily="18" charset="0"/>
+              <a:cs typeface="Times New Roman" pitchFamily="18" charset="0"/>
+            </a:endParaRPr>
+          </a:p>
+          <a:p>
+            <a:pPr lvl="0">
+              <a:lnSpc>
+                <a:spcPct val="150000"/>
+              </a:lnSpc>
+            </a:pPr>
+            <a:endParaRPr lang="de-DE" sz="2000" dirty="0">
+              <a:latin typeface="Times New Roman" pitchFamily="18" charset="0"/>
+              <a:cs typeface="Times New Roman" pitchFamily="18" charset="0"/>
+            </a:endParaRPr>
+          </a:p>
+        </p:txBody>
       </p:sp>
       <p:pic>
         <p:nvPicPr>
-          <p:cNvPr id="46" name="Grafik 45"/>
-          <p:cNvPicPr/>
+          <p:cNvPr id="8" name="Grafik 7"/>
+          <p:cNvPicPr>
+            <a:picLocks noChangeAspect="1"/>
+          </p:cNvPicPr>
           <p:nvPr/>
         </p:nvPicPr>
         <p:blipFill>
@@ -11098,8 +11046,8 @@
         </p:blipFill>
         <p:spPr>
           <a:xfrm>
-            <a:off x="2235960" y="692696"/>
-            <a:ext cx="1376640" cy="2295000"/>
+            <a:off x="113203" y="2620817"/>
+            <a:ext cx="1872000" cy="3327699"/>
           </a:xfrm>
           <a:prstGeom prst="rect">
             <a:avLst/>
@@ -11113,8 +11061,10 @@
       </p:pic>
       <p:pic>
         <p:nvPicPr>
-          <p:cNvPr id="47" name="Grafik 46"/>
-          <p:cNvPicPr/>
+          <p:cNvPr id="9" name="Grafik 8"/>
+          <p:cNvPicPr>
+            <a:picLocks noChangeAspect="1"/>
+          </p:cNvPicPr>
           <p:nvPr/>
         </p:nvPicPr>
         <p:blipFill>
@@ -11123,8 +11073,8 @@
         </p:blipFill>
         <p:spPr>
           <a:xfrm>
-            <a:off x="5133600" y="737696"/>
-            <a:ext cx="1377000" cy="2294640"/>
+            <a:off x="2439848" y="2621654"/>
+            <a:ext cx="1872000" cy="3327407"/>
           </a:xfrm>
           <a:prstGeom prst="rect">
             <a:avLst/>
@@ -11138,8 +11088,10 @@
       </p:pic>
       <p:pic>
         <p:nvPicPr>
-          <p:cNvPr id="49" name="Grafik 48"/>
-          <p:cNvPicPr/>
+          <p:cNvPr id="10" name="Grafik 9"/>
+          <p:cNvPicPr>
+            <a:picLocks noChangeAspect="1"/>
+          </p:cNvPicPr>
           <p:nvPr/>
         </p:nvPicPr>
         <p:blipFill>
@@ -11148,8 +11100,8 @@
         </p:blipFill>
         <p:spPr>
           <a:xfrm>
-            <a:off x="3104280" y="3605096"/>
-            <a:ext cx="1377000" cy="2295000"/>
+            <a:off x="4766168" y="2620817"/>
+            <a:ext cx="1872000" cy="3328463"/>
           </a:xfrm>
           <a:prstGeom prst="rect">
             <a:avLst/>
@@ -11163,8 +11115,10 @@
       </p:pic>
       <p:pic>
         <p:nvPicPr>
-          <p:cNvPr id="50" name="Grafik 49"/>
-          <p:cNvPicPr/>
+          <p:cNvPr id="11" name="Grafik 10"/>
+          <p:cNvPicPr>
+            <a:picLocks noChangeAspect="1"/>
+          </p:cNvPicPr>
           <p:nvPr/>
         </p:nvPicPr>
         <p:blipFill>
@@ -11173,8 +11127,8 @@
         </p:blipFill>
         <p:spPr>
           <a:xfrm>
-            <a:off x="5043600" y="3617336"/>
-            <a:ext cx="1377000" cy="2295000"/>
+            <a:off x="7092488" y="2620817"/>
+            <a:ext cx="1872000" cy="3328244"/>
           </a:xfrm>
           <a:prstGeom prst="rect">
             <a:avLst/>
@@ -11186,98 +11140,56 @@
           </a:ln>
         </p:spPr>
       </p:pic>
-      <p:pic>
-        <p:nvPicPr>
-          <p:cNvPr id="51" name="Grafik 50"/>
-          <p:cNvPicPr/>
-          <p:nvPr/>
-        </p:nvPicPr>
-        <p:blipFill>
-          <a:blip r:embed="rId6" cstate="print"/>
-          <a:stretch/>
-        </p:blipFill>
-        <p:spPr>
-          <a:xfrm>
-            <a:off x="6960600" y="3617336"/>
-            <a:ext cx="1376640" cy="2295000"/>
-          </a:xfrm>
-          <a:prstGeom prst="rect">
-            <a:avLst/>
-          </a:prstGeom>
-          <a:ln>
-            <a:solidFill>
-              <a:schemeClr val="tx1"/>
-            </a:solidFill>
-          </a:ln>
-        </p:spPr>
-      </p:pic>
-      <p:pic>
-        <p:nvPicPr>
-          <p:cNvPr id="52" name="Grafik 51"/>
-          <p:cNvPicPr/>
-          <p:nvPr/>
-        </p:nvPicPr>
-        <p:blipFill>
-          <a:blip r:embed="rId7" cstate="print"/>
-          <a:stretch/>
-        </p:blipFill>
-        <p:spPr>
-          <a:xfrm>
-            <a:off x="1110960" y="3572336"/>
-            <a:ext cx="1377000" cy="2295000"/>
-          </a:xfrm>
-          <a:prstGeom prst="rect">
-            <a:avLst/>
-          </a:prstGeom>
-          <a:ln>
-            <a:solidFill>
-              <a:schemeClr val="tx1"/>
-            </a:solidFill>
-          </a:ln>
-        </p:spPr>
-      </p:pic>
-      <p:sp>
-        <p:nvSpPr>
-          <p:cNvPr id="53" name="CustomShape 5"/>
-          <p:cNvSpPr/>
-          <p:nvPr/>
-        </p:nvSpPr>
-        <p:spPr>
-          <a:xfrm flipH="1" flipV="1">
-            <a:off x="2487960" y="4455544"/>
-            <a:ext cx="616320" cy="629640"/>
-          </a:xfrm>
-          <a:prstGeom prst="bentConnector3">
-            <a:avLst>
-              <a:gd name="adj1" fmla="val 50000"/>
-            </a:avLst>
-          </a:prstGeom>
-          <a:noFill/>
-          <a:ln w="25560">
-            <a:solidFill>
-              <a:srgbClr val="D99694"/>
-            </a:solidFill>
-            <a:round/>
-            <a:tailEnd type="triangle" w="med" len="med"/>
-          </a:ln>
-        </p:spPr>
-        <p:style>
-          <a:lnRef idx="1">
-            <a:schemeClr val="accent1"/>
-          </a:lnRef>
-          <a:fillRef idx="0">
-            <a:schemeClr val="accent1"/>
-          </a:fillRef>
-          <a:effectRef idx="0">
-            <a:schemeClr val="accent1"/>
-          </a:effectRef>
-          <a:fontRef idx="minor"/>
-        </p:style>
+      <p:sp>
+        <p:nvSpPr>
+          <p:cNvPr id="2" name="Foliennummernplatzhalter 1"/>
+          <p:cNvSpPr>
+            <a:spLocks noGrp="1"/>
+          </p:cNvSpPr>
+          <p:nvPr>
+            <p:ph type="sldNum" sz="quarter" idx="12"/>
+          </p:nvPr>
+        </p:nvSpPr>
+        <p:spPr/>
+        <p:txBody>
+          <a:bodyPr/>
+          <a:lstStyle/>
+          <a:p>
+            <a:fld id="{C663554D-7BDA-4824-AC15-58BB57D86064}" type="slidenum">
+              <a:rPr lang="de-DE" smtClean="0"/>
+              <a:pPr/>
+              <a:t>21</a:t>
+            </a:fld>
+            <a:endParaRPr lang="de-DE"/>
+          </a:p>
+        </p:txBody>
+      </p:sp>
+      <p:sp>
+        <p:nvSpPr>
+          <p:cNvPr id="3" name="Fußzeilenplatzhalter 2"/>
+          <p:cNvSpPr>
+            <a:spLocks noGrp="1"/>
+          </p:cNvSpPr>
+          <p:nvPr>
+            <p:ph type="ftr" sz="quarter" idx="11"/>
+          </p:nvPr>
+        </p:nvSpPr>
+        <p:spPr/>
+        <p:txBody>
+          <a:bodyPr/>
+          <a:lstStyle/>
+          <a:p>
+            <a:r>
+              <a:rPr lang="de-DE"/>
+              <a:t>Kateryna Pryshchepa, Iuliia Guk, Thomas Röhl, Tetiana Lavrynovych, Sascha Zepf</a:t>
+            </a:r>
+          </a:p>
+        </p:txBody>
       </p:sp>
     </p:spTree>
     <p:extLst>
       <p:ext uri="{BB962C8B-B14F-4D97-AF65-F5344CB8AC3E}">
-        <p14:creationId xmlns="" xmlns:p14="http://schemas.microsoft.com/office/powerpoint/2010/main" val="990113117"/>
+        <p14:creationId xmlns:p14="http://schemas.microsoft.com/office/powerpoint/2010/main" xmlns="" val="2046461599"/>
       </p:ext>
     </p:extLst>
   </p:cSld>
@@ -11416,7 +11328,7 @@
                 <a:latin typeface="Times New Roman" pitchFamily="18" charset="0"/>
                 <a:cs typeface="Times New Roman" pitchFamily="18" charset="0"/>
               </a:rPr>
-              <a:t>Activity Development</a:t>
+              <a:t>Scheme of Screens</a:t>
             </a:r>
           </a:p>
         </p:txBody>
@@ -11469,226 +11381,274 @@
       </p:sp>
       <p:sp>
         <p:nvSpPr>
-          <p:cNvPr id="20" name="Rechteck 19"/>
+          <p:cNvPr id="30" name="CustomShape 1"/>
           <p:cNvSpPr/>
           <p:nvPr/>
         </p:nvSpPr>
         <p:spPr>
-          <a:xfrm>
-            <a:off x="20180" y="908720"/>
-            <a:ext cx="4504692" cy="4361790"/>
-          </a:xfrm>
-          <a:prstGeom prst="rect">
-            <a:avLst/>
+          <a:xfrm flipV="1">
+            <a:off x="3612600" y="1637336"/>
+            <a:ext cx="1510200" cy="245880"/>
+          </a:xfrm>
+          <a:prstGeom prst="bentConnector3">
+            <a:avLst>
+              <a:gd name="adj1" fmla="val 50000"/>
+            </a:avLst>
           </a:prstGeom>
           <a:noFill/>
-          <a:ln>
-            <a:noFill/>
+          <a:ln w="25560">
+            <a:solidFill>
+              <a:srgbClr val="D99694"/>
+            </a:solidFill>
+            <a:round/>
+            <a:tailEnd type="triangle" w="med" len="med"/>
           </a:ln>
         </p:spPr>
         <p:style>
-          <a:lnRef idx="2">
-            <a:schemeClr val="accent1">
-              <a:shade val="50000"/>
-            </a:schemeClr>
+          <a:lnRef idx="1">
+            <a:schemeClr val="accent1"/>
           </a:lnRef>
-          <a:fillRef idx="1">
+          <a:fillRef idx="0">
             <a:schemeClr val="accent1"/>
           </a:fillRef>
           <a:effectRef idx="0">
             <a:schemeClr val="accent1"/>
           </a:effectRef>
-          <a:fontRef idx="minor">
-            <a:schemeClr val="lt1"/>
-          </a:fontRef>
+          <a:fontRef idx="minor"/>
         </p:style>
-        <p:txBody>
-          <a:bodyPr rtlCol="0" anchor="t"/>
-          <a:lstStyle/>
-          <a:p>
-            <a:pPr marL="342900" indent="-342900">
-              <a:lnSpc>
-                <a:spcPct val="150000"/>
-              </a:lnSpc>
-              <a:buFont typeface="Arial" panose="020B0604020202020204" pitchFamily="34" charset="0"/>
-              <a:buChar char="•"/>
-            </a:pPr>
-            <a:r>
-              <a:rPr lang="en-US" dirty="0">
-                <a:solidFill>
-                  <a:schemeClr val="tx1"/>
-                </a:solidFill>
-                <a:latin typeface="Times New Roman" pitchFamily="18" charset="0"/>
-                <a:cs typeface="Times New Roman" pitchFamily="18" charset="0"/>
-              </a:rPr>
-              <a:t>Creation of  Register and Login View</a:t>
-            </a:r>
-          </a:p>
-          <a:p>
-            <a:pPr marL="342900" indent="-342900">
-              <a:lnSpc>
-                <a:spcPct val="150000"/>
-              </a:lnSpc>
-              <a:buFont typeface="Arial" panose="020B0604020202020204" pitchFamily="34" charset="0"/>
-              <a:buChar char="•"/>
-            </a:pPr>
-            <a:r>
-              <a:rPr lang="en-US" dirty="0">
-                <a:solidFill>
-                  <a:schemeClr val="tx1"/>
-                </a:solidFill>
-                <a:latin typeface="Times New Roman" pitchFamily="18" charset="0"/>
-                <a:cs typeface="Times New Roman" pitchFamily="18" charset="0"/>
-              </a:rPr>
-              <a:t>Functionality in Register and Login view:</a:t>
-            </a:r>
-          </a:p>
-          <a:p>
-            <a:pPr marL="800100" lvl="1" indent="-342900">
-              <a:lnSpc>
-                <a:spcPct val="150000"/>
-              </a:lnSpc>
-              <a:buFont typeface="Arial" panose="020B0604020202020204" pitchFamily="34" charset="0"/>
-              <a:buChar char="•"/>
-            </a:pPr>
-            <a:r>
-              <a:rPr lang="en-US" dirty="0">
-                <a:solidFill>
-                  <a:schemeClr val="tx1"/>
-                </a:solidFill>
-                <a:latin typeface="Times New Roman" pitchFamily="18" charset="0"/>
-                <a:cs typeface="Times New Roman" pitchFamily="18" charset="0"/>
-              </a:rPr>
-              <a:t>verifications</a:t>
-            </a:r>
-          </a:p>
-          <a:p>
-            <a:pPr marL="1257300" lvl="2" indent="-342900">
-              <a:lnSpc>
-                <a:spcPct val="150000"/>
-              </a:lnSpc>
-              <a:buFont typeface="Arial" panose="020B0604020202020204" pitchFamily="34" charset="0"/>
-              <a:buChar char="•"/>
-            </a:pPr>
-            <a:r>
-              <a:rPr lang="en-US" dirty="0">
-                <a:solidFill>
-                  <a:schemeClr val="tx1"/>
-                </a:solidFill>
-                <a:latin typeface="Times New Roman" pitchFamily="18" charset="0"/>
-                <a:cs typeface="Times New Roman" pitchFamily="18" charset="0"/>
-              </a:rPr>
-              <a:t>user name, password, email, complete input</a:t>
-            </a:r>
-          </a:p>
-          <a:p>
-            <a:pPr marL="800100" lvl="1" indent="-342900">
-              <a:lnSpc>
-                <a:spcPct val="150000"/>
-              </a:lnSpc>
-              <a:buFont typeface="Arial" panose="020B0604020202020204" pitchFamily="34" charset="0"/>
-              <a:buChar char="•"/>
-            </a:pPr>
-            <a:r>
-              <a:rPr lang="en-US" dirty="0">
-                <a:solidFill>
-                  <a:schemeClr val="tx1"/>
-                </a:solidFill>
-                <a:latin typeface="Times New Roman" pitchFamily="18" charset="0"/>
-                <a:cs typeface="Times New Roman" pitchFamily="18" charset="0"/>
-              </a:rPr>
-              <a:t>visualize user feedback</a:t>
-            </a:r>
-          </a:p>
-          <a:p>
-            <a:pPr marL="800100" lvl="1" indent="-342900">
-              <a:lnSpc>
-                <a:spcPct val="150000"/>
-              </a:lnSpc>
-              <a:buFont typeface="Arial" panose="020B0604020202020204" pitchFamily="34" charset="0"/>
-              <a:buChar char="•"/>
-            </a:pPr>
-            <a:r>
-              <a:rPr lang="en-US" dirty="0">
-                <a:solidFill>
-                  <a:schemeClr val="tx1"/>
-                </a:solidFill>
-                <a:latin typeface="Times New Roman" pitchFamily="18" charset="0"/>
-                <a:cs typeface="Times New Roman" pitchFamily="18" charset="0"/>
-              </a:rPr>
-              <a:t>save user data in database</a:t>
-            </a:r>
-          </a:p>
-          <a:p>
-            <a:pPr marL="800100" lvl="1" indent="-342900">
-              <a:lnSpc>
-                <a:spcPct val="150000"/>
-              </a:lnSpc>
-              <a:buFont typeface="Arial" panose="020B0604020202020204" pitchFamily="34" charset="0"/>
-              <a:buChar char="•"/>
-            </a:pPr>
-            <a:r>
-              <a:rPr lang="en-US" dirty="0">
-                <a:solidFill>
-                  <a:schemeClr val="tx1"/>
-                </a:solidFill>
-                <a:latin typeface="Times New Roman" pitchFamily="18" charset="0"/>
-                <a:cs typeface="Times New Roman" pitchFamily="18" charset="0"/>
-              </a:rPr>
-              <a:t>hide and show fields in Register view</a:t>
-            </a:r>
-          </a:p>
-          <a:p>
-            <a:pPr marL="800100" lvl="1" indent="-342900">
-              <a:lnSpc>
-                <a:spcPct val="150000"/>
-              </a:lnSpc>
-              <a:buFont typeface="Arial" panose="020B0604020202020204" pitchFamily="34" charset="0"/>
-              <a:buChar char="•"/>
-            </a:pPr>
-            <a:r>
-              <a:rPr lang="en-US" dirty="0">
-                <a:solidFill>
-                  <a:schemeClr val="tx1"/>
-                </a:solidFill>
-                <a:latin typeface="Times New Roman" pitchFamily="18" charset="0"/>
-                <a:cs typeface="Times New Roman" pitchFamily="18" charset="0"/>
-              </a:rPr>
-              <a:t>screen flow to Main view	</a:t>
-            </a:r>
-          </a:p>
-          <a:p>
-            <a:pPr marL="342900" indent="-342900">
-              <a:lnSpc>
-                <a:spcPct val="150000"/>
-              </a:lnSpc>
-              <a:buFont typeface="Arial" panose="020B0604020202020204" pitchFamily="34" charset="0"/>
-              <a:buChar char="•"/>
-            </a:pPr>
-            <a:endParaRPr lang="en-US" dirty="0">
-              <a:solidFill>
-                <a:schemeClr val="tx1"/>
-              </a:solidFill>
-              <a:latin typeface="Times New Roman" pitchFamily="18" charset="0"/>
-              <a:cs typeface="Times New Roman" pitchFamily="18" charset="0"/>
-            </a:endParaRPr>
-          </a:p>
-          <a:p>
-            <a:pPr lvl="0">
-              <a:lnSpc>
-                <a:spcPct val="150000"/>
-              </a:lnSpc>
-            </a:pPr>
-            <a:endParaRPr lang="de-DE" sz="2000" dirty="0">
-              <a:latin typeface="Times New Roman" pitchFamily="18" charset="0"/>
-              <a:cs typeface="Times New Roman" pitchFamily="18" charset="0"/>
-            </a:endParaRPr>
-          </a:p>
-        </p:txBody>
+      </p:sp>
+      <p:sp>
+        <p:nvSpPr>
+          <p:cNvPr id="31" name="CustomShape 2"/>
+          <p:cNvSpPr/>
+          <p:nvPr/>
+        </p:nvSpPr>
+        <p:spPr>
+          <a:xfrm rot="16200000" flipH="1">
+            <a:off x="3007080" y="2891216"/>
+            <a:ext cx="617400" cy="810000"/>
+          </a:xfrm>
+          <a:prstGeom prst="bentConnector3">
+            <a:avLst>
+              <a:gd name="adj1" fmla="val 50000"/>
+            </a:avLst>
+          </a:prstGeom>
+          <a:noFill/>
+          <a:ln w="25560">
+            <a:solidFill>
+              <a:srgbClr val="D99694"/>
+            </a:solidFill>
+            <a:round/>
+            <a:tailEnd type="triangle" w="med" len="med"/>
+          </a:ln>
+        </p:spPr>
+        <p:style>
+          <a:lnRef idx="1">
+            <a:schemeClr val="accent1"/>
+          </a:lnRef>
+          <a:fillRef idx="0">
+            <a:schemeClr val="accent1"/>
+          </a:fillRef>
+          <a:effectRef idx="0">
+            <a:schemeClr val="accent1"/>
+          </a:effectRef>
+          <a:fontRef idx="minor"/>
+        </p:style>
+      </p:sp>
+      <p:sp>
+        <p:nvSpPr>
+          <p:cNvPr id="34" name="CustomShape 3"/>
+          <p:cNvSpPr/>
+          <p:nvPr/>
+        </p:nvSpPr>
+        <p:spPr>
+          <a:xfrm rot="5400000">
+            <a:off x="4418280" y="2290016"/>
+            <a:ext cx="628560" cy="2023560"/>
+          </a:xfrm>
+          <a:prstGeom prst="bentConnector3">
+            <a:avLst>
+              <a:gd name="adj1" fmla="val 50000"/>
+            </a:avLst>
+          </a:prstGeom>
+          <a:noFill/>
+          <a:ln w="25560">
+            <a:solidFill>
+              <a:srgbClr val="D99694"/>
+            </a:solidFill>
+            <a:round/>
+            <a:tailEnd type="triangle" w="med" len="med"/>
+          </a:ln>
+        </p:spPr>
+        <p:style>
+          <a:lnRef idx="1">
+            <a:schemeClr val="accent1"/>
+          </a:lnRef>
+          <a:fillRef idx="0">
+            <a:schemeClr val="accent1"/>
+          </a:fillRef>
+          <a:effectRef idx="0">
+            <a:schemeClr val="accent1"/>
+          </a:effectRef>
+          <a:fontRef idx="minor"/>
+        </p:style>
+      </p:sp>
+      <p:sp>
+        <p:nvSpPr>
+          <p:cNvPr id="35" name="CustomShape 4"/>
+          <p:cNvSpPr/>
+          <p:nvPr/>
+        </p:nvSpPr>
+        <p:spPr>
+          <a:xfrm rot="10800000">
+            <a:off x="3194280" y="4974896"/>
+            <a:ext cx="637560" cy="457560"/>
+          </a:xfrm>
+          <a:prstGeom prst="bentConnector3">
+            <a:avLst>
+              <a:gd name="adj1" fmla="val 50000"/>
+            </a:avLst>
+          </a:prstGeom>
+          <a:noFill/>
+          <a:ln w="25560">
+            <a:solidFill>
+              <a:srgbClr val="F90DB6"/>
+            </a:solidFill>
+            <a:round/>
+            <a:tailEnd type="triangle" w="med" len="med"/>
+          </a:ln>
+        </p:spPr>
+        <p:style>
+          <a:lnRef idx="1">
+            <a:schemeClr val="accent1"/>
+          </a:lnRef>
+          <a:fillRef idx="0">
+            <a:schemeClr val="accent1"/>
+          </a:fillRef>
+          <a:effectRef idx="0">
+            <a:schemeClr val="accent1"/>
+          </a:effectRef>
+          <a:fontRef idx="minor"/>
+        </p:style>
+      </p:sp>
+      <p:sp>
+        <p:nvSpPr>
+          <p:cNvPr id="42" name="CustomShape 5"/>
+          <p:cNvSpPr/>
+          <p:nvPr/>
+        </p:nvSpPr>
+        <p:spPr>
+          <a:xfrm flipV="1">
+            <a:off x="4350600" y="4427336"/>
+            <a:ext cx="693000" cy="630000"/>
+          </a:xfrm>
+          <a:prstGeom prst="bentConnector3">
+            <a:avLst>
+              <a:gd name="adj1" fmla="val 50000"/>
+            </a:avLst>
+          </a:prstGeom>
+          <a:noFill/>
+          <a:ln w="25560">
+            <a:solidFill>
+              <a:srgbClr val="D99694"/>
+            </a:solidFill>
+            <a:round/>
+            <a:tailEnd type="triangle" w="med" len="med"/>
+          </a:ln>
+        </p:spPr>
+        <p:style>
+          <a:lnRef idx="1">
+            <a:schemeClr val="accent1"/>
+          </a:lnRef>
+          <a:fillRef idx="0">
+            <a:schemeClr val="accent1"/>
+          </a:fillRef>
+          <a:effectRef idx="0">
+            <a:schemeClr val="accent1"/>
+          </a:effectRef>
+          <a:fontRef idx="minor"/>
+        </p:style>
+      </p:sp>
+      <p:sp>
+        <p:nvSpPr>
+          <p:cNvPr id="43" name="CustomShape 6"/>
+          <p:cNvSpPr/>
+          <p:nvPr/>
+        </p:nvSpPr>
+        <p:spPr>
+          <a:xfrm flipV="1">
+            <a:off x="6420600" y="4390616"/>
+            <a:ext cx="540000" cy="666360"/>
+          </a:xfrm>
+          <a:prstGeom prst="bentConnector3">
+            <a:avLst>
+              <a:gd name="adj1" fmla="val 69739"/>
+            </a:avLst>
+          </a:prstGeom>
+          <a:noFill/>
+          <a:ln w="25560">
+            <a:solidFill>
+              <a:srgbClr val="D99694"/>
+            </a:solidFill>
+            <a:round/>
+            <a:tailEnd type="triangle" w="med" len="med"/>
+          </a:ln>
+        </p:spPr>
+        <p:style>
+          <a:lnRef idx="1">
+            <a:schemeClr val="accent1"/>
+          </a:lnRef>
+          <a:fillRef idx="0">
+            <a:schemeClr val="accent1"/>
+          </a:fillRef>
+          <a:effectRef idx="0">
+            <a:schemeClr val="accent1"/>
+          </a:effectRef>
+          <a:fontRef idx="minor"/>
+        </p:style>
+      </p:sp>
+      <p:sp>
+        <p:nvSpPr>
+          <p:cNvPr id="44" name="CustomShape 7"/>
+          <p:cNvSpPr/>
+          <p:nvPr/>
+        </p:nvSpPr>
+        <p:spPr>
+          <a:xfrm flipH="1">
+            <a:off x="3720600" y="5056976"/>
+            <a:ext cx="4616640" cy="900360"/>
+          </a:xfrm>
+          <a:prstGeom prst="bentConnector4">
+            <a:avLst>
+              <a:gd name="adj1" fmla="val -5141"/>
+              <a:gd name="adj2" fmla="val 115195"/>
+            </a:avLst>
+          </a:prstGeom>
+          <a:noFill/>
+          <a:ln w="25560">
+            <a:solidFill>
+              <a:srgbClr val="D99694"/>
+            </a:solidFill>
+            <a:round/>
+            <a:tailEnd type="triangle" w="med" len="med"/>
+          </a:ln>
+        </p:spPr>
+        <p:style>
+          <a:lnRef idx="1">
+            <a:schemeClr val="accent1"/>
+          </a:lnRef>
+          <a:fillRef idx="0">
+            <a:schemeClr val="accent1"/>
+          </a:fillRef>
+          <a:effectRef idx="0">
+            <a:schemeClr val="accent1"/>
+          </a:effectRef>
+          <a:fontRef idx="minor"/>
+        </p:style>
       </p:sp>
       <p:pic>
         <p:nvPicPr>
-          <p:cNvPr id="21" name="Grafik 20"/>
+          <p:cNvPr id="46" name="Grafik 45"/>
           <p:cNvPicPr/>
           <p:nvPr/>
         </p:nvPicPr>
@@ -11698,8 +11658,8 @@
         </p:blipFill>
         <p:spPr>
           <a:xfrm>
-            <a:off x="4524872" y="1327840"/>
-            <a:ext cx="2103120" cy="3504960"/>
+            <a:off x="2235960" y="692696"/>
+            <a:ext cx="1376640" cy="2295000"/>
           </a:xfrm>
           <a:prstGeom prst="rect">
             <a:avLst/>
@@ -11713,7 +11673,7 @@
       </p:pic>
       <p:pic>
         <p:nvPicPr>
-          <p:cNvPr id="22" name="Grafik 21"/>
+          <p:cNvPr id="47" name="Grafik 46"/>
           <p:cNvPicPr/>
           <p:nvPr/>
         </p:nvPicPr>
@@ -11723,8 +11683,8 @@
         </p:blipFill>
         <p:spPr>
           <a:xfrm>
-            <a:off x="6888992" y="1327120"/>
-            <a:ext cx="2125080" cy="3542040"/>
+            <a:off x="5133600" y="737696"/>
+            <a:ext cx="1377000" cy="2294640"/>
           </a:xfrm>
           <a:prstGeom prst="rect">
             <a:avLst/>
@@ -11736,10 +11696,148 @@
           </a:ln>
         </p:spPr>
       </p:pic>
+      <p:pic>
+        <p:nvPicPr>
+          <p:cNvPr id="49" name="Grafik 48"/>
+          <p:cNvPicPr/>
+          <p:nvPr/>
+        </p:nvPicPr>
+        <p:blipFill>
+          <a:blip r:embed="rId4" cstate="print"/>
+          <a:stretch/>
+        </p:blipFill>
+        <p:spPr>
+          <a:xfrm>
+            <a:off x="3104280" y="3605096"/>
+            <a:ext cx="1377000" cy="2295000"/>
+          </a:xfrm>
+          <a:prstGeom prst="rect">
+            <a:avLst/>
+          </a:prstGeom>
+          <a:ln>
+            <a:solidFill>
+              <a:schemeClr val="tx1"/>
+            </a:solidFill>
+          </a:ln>
+        </p:spPr>
+      </p:pic>
+      <p:pic>
+        <p:nvPicPr>
+          <p:cNvPr id="50" name="Grafik 49"/>
+          <p:cNvPicPr/>
+          <p:nvPr/>
+        </p:nvPicPr>
+        <p:blipFill>
+          <a:blip r:embed="rId5" cstate="print"/>
+          <a:stretch/>
+        </p:blipFill>
+        <p:spPr>
+          <a:xfrm>
+            <a:off x="5043600" y="3617336"/>
+            <a:ext cx="1377000" cy="2295000"/>
+          </a:xfrm>
+          <a:prstGeom prst="rect">
+            <a:avLst/>
+          </a:prstGeom>
+          <a:ln>
+            <a:solidFill>
+              <a:schemeClr val="tx1"/>
+            </a:solidFill>
+          </a:ln>
+        </p:spPr>
+      </p:pic>
+      <p:pic>
+        <p:nvPicPr>
+          <p:cNvPr id="51" name="Grafik 50"/>
+          <p:cNvPicPr/>
+          <p:nvPr/>
+        </p:nvPicPr>
+        <p:blipFill>
+          <a:blip r:embed="rId6" cstate="print"/>
+          <a:stretch/>
+        </p:blipFill>
+        <p:spPr>
+          <a:xfrm>
+            <a:off x="6960600" y="3617336"/>
+            <a:ext cx="1376640" cy="2295000"/>
+          </a:xfrm>
+          <a:prstGeom prst="rect">
+            <a:avLst/>
+          </a:prstGeom>
+          <a:ln>
+            <a:solidFill>
+              <a:schemeClr val="tx1"/>
+            </a:solidFill>
+          </a:ln>
+        </p:spPr>
+      </p:pic>
+      <p:pic>
+        <p:nvPicPr>
+          <p:cNvPr id="52" name="Grafik 51"/>
+          <p:cNvPicPr/>
+          <p:nvPr/>
+        </p:nvPicPr>
+        <p:blipFill>
+          <a:blip r:embed="rId7" cstate="print"/>
+          <a:stretch/>
+        </p:blipFill>
+        <p:spPr>
+          <a:xfrm>
+            <a:off x="1110960" y="3572336"/>
+            <a:ext cx="1377000" cy="2295000"/>
+          </a:xfrm>
+          <a:prstGeom prst="rect">
+            <a:avLst/>
+          </a:prstGeom>
+          <a:ln>
+            <a:solidFill>
+              <a:schemeClr val="tx1"/>
+            </a:solidFill>
+          </a:ln>
+        </p:spPr>
+      </p:pic>
+      <p:sp>
+        <p:nvSpPr>
+          <p:cNvPr id="53" name="CustomShape 5"/>
+          <p:cNvSpPr/>
+          <p:nvPr/>
+        </p:nvSpPr>
+        <p:spPr>
+          <a:xfrm flipH="1" flipV="1">
+            <a:off x="2487960" y="4455544"/>
+            <a:ext cx="616320" cy="629640"/>
+          </a:xfrm>
+          <a:prstGeom prst="bentConnector3">
+            <a:avLst>
+              <a:gd name="adj1" fmla="val 50000"/>
+            </a:avLst>
+          </a:prstGeom>
+          <a:noFill/>
+          <a:ln w="25560">
+            <a:solidFill>
+              <a:srgbClr val="D99694"/>
+            </a:solidFill>
+            <a:round/>
+            <a:tailEnd type="triangle" w="med" len="med"/>
+          </a:ln>
+        </p:spPr>
+        <p:style>
+          <a:lnRef idx="1">
+            <a:schemeClr val="accent1"/>
+          </a:lnRef>
+          <a:fillRef idx="0">
+            <a:schemeClr val="accent1"/>
+          </a:fillRef>
+          <a:effectRef idx="0">
+            <a:schemeClr val="accent1"/>
+          </a:effectRef>
+          <a:fontRef idx="minor"/>
+        </p:style>
+      </p:sp>
     </p:spTree>
     <p:extLst>
       <p:ext uri="{BB962C8B-B14F-4D97-AF65-F5344CB8AC3E}">
-        <p14:creationId xmlns="" xmlns:p14="http://schemas.microsoft.com/office/powerpoint/2010/main" val="2041020769"/>
+        <p14:creationId xmlns:p14="http://schemas.microsoft.com/office/powerpoint/2010/main" xmlns="" val="990113117"/>
       </p:ext>
     </p:extLst>
   </p:cSld>
@@ -11893,12 +11991,7 @@
             <p:ph type="sldNum" sz="quarter" idx="12"/>
           </p:nvPr>
         </p:nvSpPr>
-        <p:spPr>
-          <a:xfrm>
-            <a:off x="6553200" y="5634598"/>
-            <a:ext cx="2133600" cy="365125"/>
-          </a:xfrm>
-        </p:spPr>
+        <p:spPr/>
         <p:txBody>
           <a:bodyPr/>
           <a:lstStyle/>
@@ -11988,7 +12081,26 @@
                 <a:latin typeface="Times New Roman" pitchFamily="18" charset="0"/>
                 <a:cs typeface="Times New Roman" pitchFamily="18" charset="0"/>
               </a:rPr>
-              <a:t>Functionality in Main view</a:t>
+              <a:t>Creation of  Register and Login View</a:t>
+            </a:r>
+          </a:p>
+          <a:p>
+            <a:pPr marL="342900" indent="-342900">
+              <a:lnSpc>
+                <a:spcPct val="150000"/>
+              </a:lnSpc>
+              <a:buFont typeface="Arial" panose="020B0604020202020204" pitchFamily="34" charset="0"/>
+              <a:buChar char="•"/>
+            </a:pPr>
+            <a:r>
+              <a:rPr lang="en-US" dirty="0">
+                <a:solidFill>
+                  <a:schemeClr val="tx1"/>
+                </a:solidFill>
+                <a:latin typeface="Times New Roman" pitchFamily="18" charset="0"/>
+                <a:cs typeface="Times New Roman" pitchFamily="18" charset="0"/>
+              </a:rPr>
+              <a:t>Functionality in Register and Login view:</a:t>
             </a:r>
           </a:p>
           <a:p>
@@ -12007,11 +12119,11 @@
                 <a:latin typeface="Times New Roman" pitchFamily="18" charset="0"/>
                 <a:cs typeface="Times New Roman" pitchFamily="18" charset="0"/>
               </a:rPr>
-              <a:t>get 20 latest receipts from database</a:t>
-            </a:r>
-          </a:p>
-          <a:p>
-            <a:pPr marL="342900" indent="-342900">
+              <a:t>verifications</a:t>
+            </a:r>
+          </a:p>
+          <a:p>
+            <a:pPr marL="1257300" lvl="2" indent="-342900">
               <a:lnSpc>
                 <a:spcPct val="150000"/>
               </a:lnSpc>
@@ -12026,7 +12138,7 @@
                 <a:latin typeface="Times New Roman" pitchFamily="18" charset="0"/>
                 <a:cs typeface="Times New Roman" pitchFamily="18" charset="0"/>
               </a:rPr>
-              <a:t>Functionality in Report view	</a:t>
+              <a:t>user name, password, email, complete input</a:t>
             </a:r>
           </a:p>
           <a:p>
@@ -12045,7 +12157,7 @@
                 <a:latin typeface="Times New Roman" pitchFamily="18" charset="0"/>
                 <a:cs typeface="Times New Roman" pitchFamily="18" charset="0"/>
               </a:rPr>
-              <a:t>get all receipts grouped by name</a:t>
+              <a:t>visualize user feedback</a:t>
             </a:r>
           </a:p>
           <a:p>
@@ -12064,7 +12176,7 @@
                 <a:latin typeface="Times New Roman" pitchFamily="18" charset="0"/>
                 <a:cs typeface="Times New Roman" pitchFamily="18" charset="0"/>
               </a:rPr>
-              <a:t>get all receipts grouped by category</a:t>
+              <a:t>save user data in database</a:t>
             </a:r>
           </a:p>
           <a:p>
@@ -12083,7 +12195,7 @@
                 <a:latin typeface="Times New Roman" pitchFamily="18" charset="0"/>
                 <a:cs typeface="Times New Roman" pitchFamily="18" charset="0"/>
               </a:rPr>
-              <a:t>expand receipts grouped by selected shop name</a:t>
+              <a:t>hide and show fields in Register view</a:t>
             </a:r>
           </a:p>
           <a:p>
@@ -12102,7 +12214,7 @@
                 <a:latin typeface="Times New Roman" pitchFamily="18" charset="0"/>
                 <a:cs typeface="Times New Roman" pitchFamily="18" charset="0"/>
               </a:rPr>
-              <a:t>expand all receipts grouped by selected category 		</a:t>
+              <a:t>screen flow to Main view	</a:t>
             </a:r>
           </a:p>
           <a:p>
@@ -12136,10 +12248,8 @@
       </p:sp>
       <p:pic>
         <p:nvPicPr>
-          <p:cNvPr id="9" name="Grafik 8"/>
-          <p:cNvPicPr>
-            <a:picLocks noChangeAspect="1"/>
-          </p:cNvPicPr>
+          <p:cNvPr id="21" name="Grafik 20"/>
+          <p:cNvPicPr/>
           <p:nvPr/>
         </p:nvPicPr>
         <p:blipFill>
@@ -12148,8 +12258,8 @@
         </p:blipFill>
         <p:spPr>
           <a:xfrm>
-            <a:off x="7020272" y="2905248"/>
-            <a:ext cx="1944069" cy="3240000"/>
+            <a:off x="4524872" y="1327840"/>
+            <a:ext cx="2103120" cy="3504960"/>
           </a:xfrm>
           <a:prstGeom prst="rect">
             <a:avLst/>
@@ -12163,7 +12273,7 @@
       </p:pic>
       <p:pic>
         <p:nvPicPr>
-          <p:cNvPr id="10" name="Grafik 9"/>
+          <p:cNvPr id="22" name="Grafik 21"/>
           <p:cNvPicPr/>
           <p:nvPr/>
         </p:nvPicPr>
@@ -12173,8 +12283,8 @@
         </p:blipFill>
         <p:spPr>
           <a:xfrm>
-            <a:off x="5068080" y="764896"/>
-            <a:ext cx="3383280" cy="1728000"/>
+            <a:off x="6888992" y="1327120"/>
+            <a:ext cx="2125080" cy="3542040"/>
           </a:xfrm>
           <a:prstGeom prst="rect">
             <a:avLst/>
@@ -12186,117 +12296,10 @@
           </a:ln>
         </p:spPr>
       </p:pic>
-      <p:pic>
-        <p:nvPicPr>
-          <p:cNvPr id="13" name="Grafik 12"/>
-          <p:cNvPicPr>
-            <a:picLocks noChangeAspect="1"/>
-          </p:cNvPicPr>
-          <p:nvPr/>
-        </p:nvPicPr>
-        <p:blipFill>
-          <a:blip r:embed="rId4" cstate="print"/>
-          <a:stretch/>
-        </p:blipFill>
-        <p:spPr>
-          <a:xfrm>
-            <a:off x="4572000" y="2905248"/>
-            <a:ext cx="1943934" cy="3240000"/>
-          </a:xfrm>
-          <a:prstGeom prst="rect">
-            <a:avLst/>
-          </a:prstGeom>
-          <a:ln>
-            <a:solidFill>
-              <a:schemeClr val="tx1"/>
-            </a:solidFill>
-          </a:ln>
-        </p:spPr>
-      </p:pic>
-      <p:cxnSp>
-        <p:nvCxnSpPr>
-          <p:cNvPr id="7" name="Gewinkelter Verbinder 6"/>
-          <p:cNvCxnSpPr>
-            <a:stCxn id="10" idx="2"/>
-            <a:endCxn id="13" idx="0"/>
-          </p:cNvCxnSpPr>
-          <p:nvPr/>
-        </p:nvCxnSpPr>
-        <p:spPr>
-          <a:xfrm rot="5400000">
-            <a:off x="5945668" y="2091196"/>
-            <a:ext cx="412352" cy="1215753"/>
-          </a:xfrm>
-          <a:prstGeom prst="bentConnector3">
-            <a:avLst/>
-          </a:prstGeom>
-          <a:ln w="19050">
-            <a:solidFill>
-              <a:srgbClr val="D99694"/>
-            </a:solidFill>
-            <a:tailEnd type="triangle"/>
-          </a:ln>
-        </p:spPr>
-        <p:style>
-          <a:lnRef idx="1">
-            <a:schemeClr val="accent1"/>
-          </a:lnRef>
-          <a:fillRef idx="0">
-            <a:schemeClr val="accent1"/>
-          </a:fillRef>
-          <a:effectRef idx="0">
-            <a:schemeClr val="accent1"/>
-          </a:effectRef>
-          <a:fontRef idx="minor">
-            <a:schemeClr val="tx1"/>
-          </a:fontRef>
-        </p:style>
-      </p:cxnSp>
-      <p:cxnSp>
-        <p:nvCxnSpPr>
-          <p:cNvPr id="17" name="Gewinkelter Verbinder 16"/>
-          <p:cNvCxnSpPr>
-            <a:stCxn id="10" idx="2"/>
-            <a:endCxn id="9" idx="0"/>
-          </p:cNvCxnSpPr>
-          <p:nvPr/>
-        </p:nvCxnSpPr>
-        <p:spPr>
-          <a:xfrm rot="16200000" flipH="1">
-            <a:off x="7169837" y="2082778"/>
-            <a:ext cx="412352" cy="1232587"/>
-          </a:xfrm>
-          <a:prstGeom prst="bentConnector3">
-            <a:avLst>
-              <a:gd name="adj1" fmla="val 50000"/>
-            </a:avLst>
-          </a:prstGeom>
-          <a:ln w="19050">
-            <a:solidFill>
-              <a:srgbClr val="D99694"/>
-            </a:solidFill>
-            <a:tailEnd type="triangle"/>
-          </a:ln>
-        </p:spPr>
-        <p:style>
-          <a:lnRef idx="1">
-            <a:schemeClr val="accent1"/>
-          </a:lnRef>
-          <a:fillRef idx="0">
-            <a:schemeClr val="accent1"/>
-          </a:fillRef>
-          <a:effectRef idx="0">
-            <a:schemeClr val="accent1"/>
-          </a:effectRef>
-          <a:fontRef idx="minor">
-            <a:schemeClr val="tx1"/>
-          </a:fontRef>
-        </p:style>
-      </p:cxnSp>
     </p:spTree>
     <p:extLst>
       <p:ext uri="{BB962C8B-B14F-4D97-AF65-F5344CB8AC3E}">
-        <p14:creationId xmlns="" xmlns:p14="http://schemas.microsoft.com/office/powerpoint/2010/main" val="184393572"/>
+        <p14:creationId xmlns:p14="http://schemas.microsoft.com/office/powerpoint/2010/main" xmlns="" val="2041020769"/>
       </p:ext>
     </p:extLst>
   </p:cSld>
@@ -12435,8 +12438,37 @@
                 <a:latin typeface="Times New Roman" pitchFamily="18" charset="0"/>
                 <a:cs typeface="Times New Roman" pitchFamily="18" charset="0"/>
               </a:rPr>
-              <a:t>User Manual</a:t>
-            </a:r>
+              <a:t>Activity Development</a:t>
+            </a:r>
+          </a:p>
+        </p:txBody>
+      </p:sp>
+      <p:sp>
+        <p:nvSpPr>
+          <p:cNvPr id="2" name="Foliennummernplatzhalter 1"/>
+          <p:cNvSpPr>
+            <a:spLocks noGrp="1"/>
+          </p:cNvSpPr>
+          <p:nvPr>
+            <p:ph type="sldNum" sz="quarter" idx="12"/>
+          </p:nvPr>
+        </p:nvSpPr>
+        <p:spPr>
+          <a:xfrm>
+            <a:off x="6553200" y="5634598"/>
+            <a:ext cx="2133600" cy="365125"/>
+          </a:xfrm>
+        </p:spPr>
+        <p:txBody>
+          <a:bodyPr/>
+          <a:lstStyle/>
+          <a:p>
+            <a:fld id="{C663554D-7BDA-4824-AC15-58BB57D86064}" type="slidenum">
+              <a:rPr lang="de-DE" smtClean="0"/>
+              <a:pPr/>
+              <a:t>24</a:t>
+            </a:fld>
+            <a:endParaRPr lang="de-DE"/>
           </a:p>
         </p:txBody>
       </p:sp>
@@ -12470,8 +12502,8 @@
         </p:nvSpPr>
         <p:spPr>
           <a:xfrm>
-            <a:off x="20180" y="1083434"/>
-            <a:ext cx="4319028" cy="4361790"/>
+            <a:off x="20180" y="908720"/>
+            <a:ext cx="4504692" cy="4361790"/>
           </a:xfrm>
           <a:prstGeom prst="rect">
             <a:avLst/>
@@ -12501,20 +12533,22 @@
           <a:bodyPr rtlCol="0" anchor="t"/>
           <a:lstStyle/>
           <a:p>
-            <a:pPr>
+            <a:pPr marL="342900" indent="-342900">
               <a:lnSpc>
                 <a:spcPct val="150000"/>
               </a:lnSpc>
+              <a:buFont typeface="Arial" panose="020B0604020202020204" pitchFamily="34" charset="0"/>
+              <a:buChar char="•"/>
             </a:pPr>
             <a:r>
-              <a:rPr lang="en-US" b="1" dirty="0">
+              <a:rPr lang="en-US" dirty="0">
                 <a:solidFill>
                   <a:schemeClr val="tx1"/>
                 </a:solidFill>
                 <a:latin typeface="Times New Roman" pitchFamily="18" charset="0"/>
                 <a:cs typeface="Times New Roman" pitchFamily="18" charset="0"/>
               </a:rPr>
-              <a:t>User manual in 7 Steps:</a:t>
+              <a:t>Functionality in Main view</a:t>
             </a:r>
           </a:p>
           <a:p>
@@ -12533,7 +12567,26 @@
                 <a:latin typeface="Times New Roman" pitchFamily="18" charset="0"/>
                 <a:cs typeface="Times New Roman" pitchFamily="18" charset="0"/>
               </a:rPr>
-              <a:t>Step 1 Registration</a:t>
+              <a:t>get 20 latest receipts from database</a:t>
+            </a:r>
+          </a:p>
+          <a:p>
+            <a:pPr marL="342900" indent="-342900">
+              <a:lnSpc>
+                <a:spcPct val="150000"/>
+              </a:lnSpc>
+              <a:buFont typeface="Arial" panose="020B0604020202020204" pitchFamily="34" charset="0"/>
+              <a:buChar char="•"/>
+            </a:pPr>
+            <a:r>
+              <a:rPr lang="en-US" dirty="0">
+                <a:solidFill>
+                  <a:schemeClr val="tx1"/>
+                </a:solidFill>
+                <a:latin typeface="Times New Roman" pitchFamily="18" charset="0"/>
+                <a:cs typeface="Times New Roman" pitchFamily="18" charset="0"/>
+              </a:rPr>
+              <a:t>Functionality in Report view	</a:t>
             </a:r>
           </a:p>
           <a:p>
@@ -12552,7 +12605,7 @@
                 <a:latin typeface="Times New Roman" pitchFamily="18" charset="0"/>
                 <a:cs typeface="Times New Roman" pitchFamily="18" charset="0"/>
               </a:rPr>
-              <a:t>Step 2 Login</a:t>
+              <a:t>get all receipts grouped by name</a:t>
             </a:r>
           </a:p>
           <a:p>
@@ -12571,7 +12624,7 @@
                 <a:latin typeface="Times New Roman" pitchFamily="18" charset="0"/>
                 <a:cs typeface="Times New Roman" pitchFamily="18" charset="0"/>
               </a:rPr>
-              <a:t>Step 3 Main view</a:t>
+              <a:t>get all receipts grouped by category</a:t>
             </a:r>
           </a:p>
           <a:p>
@@ -12590,7 +12643,7 @@
                 <a:latin typeface="Times New Roman" pitchFamily="18" charset="0"/>
                 <a:cs typeface="Times New Roman" pitchFamily="18" charset="0"/>
               </a:rPr>
-              <a:t>Step 4 Scan receipt</a:t>
+              <a:t>expand receipts grouped by selected shop name</a:t>
             </a:r>
           </a:p>
           <a:p>
@@ -12609,45 +12662,7 @@
                 <a:latin typeface="Times New Roman" pitchFamily="18" charset="0"/>
                 <a:cs typeface="Times New Roman" pitchFamily="18" charset="0"/>
               </a:rPr>
-              <a:t>Step 5 Check results </a:t>
-            </a:r>
-          </a:p>
-          <a:p>
-            <a:pPr marL="800100" lvl="1" indent="-342900">
-              <a:lnSpc>
-                <a:spcPct val="150000"/>
-              </a:lnSpc>
-              <a:buFont typeface="Arial" panose="020B0604020202020204" pitchFamily="34" charset="0"/>
-              <a:buChar char="•"/>
-            </a:pPr>
-            <a:r>
-              <a:rPr lang="en-US" dirty="0">
-                <a:solidFill>
-                  <a:schemeClr val="tx1"/>
-                </a:solidFill>
-                <a:latin typeface="Times New Roman" pitchFamily="18" charset="0"/>
-                <a:cs typeface="Times New Roman" pitchFamily="18" charset="0"/>
-              </a:rPr>
-              <a:t>Step 6 Main view with summary</a:t>
-            </a:r>
-          </a:p>
-          <a:p>
-            <a:pPr marL="800100" lvl="1" indent="-342900">
-              <a:lnSpc>
-                <a:spcPct val="150000"/>
-              </a:lnSpc>
-              <a:buFont typeface="Arial" panose="020B0604020202020204" pitchFamily="34" charset="0"/>
-              <a:buChar char="•"/>
-            </a:pPr>
-            <a:r>
-              <a:rPr lang="en-US" dirty="0">
-                <a:solidFill>
-                  <a:schemeClr val="tx1"/>
-                </a:solidFill>
-                <a:latin typeface="Times New Roman" pitchFamily="18" charset="0"/>
-                <a:cs typeface="Times New Roman" pitchFamily="18" charset="0"/>
-              </a:rPr>
-              <a:t>Step 7 Reports view	</a:t>
+              <a:t>expand all receipts grouped by selected category 		</a:t>
             </a:r>
           </a:p>
           <a:p>
@@ -12681,8 +12696,10 @@
       </p:sp>
       <p:pic>
         <p:nvPicPr>
-          <p:cNvPr id="12" name="Grafik 11"/>
-          <p:cNvPicPr/>
+          <p:cNvPr id="9" name="Grafik 8"/>
+          <p:cNvPicPr>
+            <a:picLocks noChangeAspect="1"/>
+          </p:cNvPicPr>
           <p:nvPr/>
         </p:nvPicPr>
         <p:blipFill>
@@ -12691,45 +12708,155 @@
         </p:blipFill>
         <p:spPr>
           <a:xfrm>
-            <a:off x="4339208" y="1249971"/>
-            <a:ext cx="4553272" cy="3577879"/>
+            <a:off x="7020272" y="2905248"/>
+            <a:ext cx="1944069" cy="3240000"/>
           </a:xfrm>
           <a:prstGeom prst="rect">
             <a:avLst/>
           </a:prstGeom>
           <a:ln>
-            <a:noFill/>
+            <a:solidFill>
+              <a:schemeClr val="tx1"/>
+            </a:solidFill>
           </a:ln>
         </p:spPr>
       </p:pic>
-      <p:sp>
-        <p:nvSpPr>
-          <p:cNvPr id="3" name="Foliennummernplatzhalter 2"/>
-          <p:cNvSpPr>
-            <a:spLocks noGrp="1"/>
-          </p:cNvSpPr>
-          <p:nvPr>
-            <p:ph type="sldNum" sz="quarter" idx="12"/>
-          </p:nvPr>
-        </p:nvSpPr>
-        <p:spPr/>
-        <p:txBody>
-          <a:bodyPr/>
-          <a:lstStyle/>
-          <a:p>
-            <a:fld id="{C663554D-7BDA-4824-AC15-58BB57D86064}" type="slidenum">
-              <a:rPr lang="de-DE" smtClean="0"/>
-              <a:pPr/>
-              <a:t>24</a:t>
-            </a:fld>
-            <a:endParaRPr lang="de-DE"/>
-          </a:p>
-        </p:txBody>
-      </p:sp>
+      <p:pic>
+        <p:nvPicPr>
+          <p:cNvPr id="10" name="Grafik 9"/>
+          <p:cNvPicPr/>
+          <p:nvPr/>
+        </p:nvPicPr>
+        <p:blipFill>
+          <a:blip r:embed="rId3" cstate="print"/>
+          <a:stretch/>
+        </p:blipFill>
+        <p:spPr>
+          <a:xfrm>
+            <a:off x="5068080" y="764896"/>
+            <a:ext cx="3383280" cy="1728000"/>
+          </a:xfrm>
+          <a:prstGeom prst="rect">
+            <a:avLst/>
+          </a:prstGeom>
+          <a:ln>
+            <a:solidFill>
+              <a:schemeClr val="tx1"/>
+            </a:solidFill>
+          </a:ln>
+        </p:spPr>
+      </p:pic>
+      <p:pic>
+        <p:nvPicPr>
+          <p:cNvPr id="13" name="Grafik 12"/>
+          <p:cNvPicPr>
+            <a:picLocks noChangeAspect="1"/>
+          </p:cNvPicPr>
+          <p:nvPr/>
+        </p:nvPicPr>
+        <p:blipFill>
+          <a:blip r:embed="rId4" cstate="print"/>
+          <a:stretch/>
+        </p:blipFill>
+        <p:spPr>
+          <a:xfrm>
+            <a:off x="4572000" y="2905248"/>
+            <a:ext cx="1943934" cy="3240000"/>
+          </a:xfrm>
+          <a:prstGeom prst="rect">
+            <a:avLst/>
+          </a:prstGeom>
+          <a:ln>
+            <a:solidFill>
+              <a:schemeClr val="tx1"/>
+            </a:solidFill>
+          </a:ln>
+        </p:spPr>
+      </p:pic>
+      <p:cxnSp>
+        <p:nvCxnSpPr>
+          <p:cNvPr id="7" name="Gewinkelter Verbinder 6"/>
+          <p:cNvCxnSpPr>
+            <a:stCxn id="10" idx="2"/>
+            <a:endCxn id="13" idx="0"/>
+          </p:cNvCxnSpPr>
+          <p:nvPr/>
+        </p:nvCxnSpPr>
+        <p:spPr>
+          <a:xfrm rot="5400000">
+            <a:off x="5945668" y="2091196"/>
+            <a:ext cx="412352" cy="1215753"/>
+          </a:xfrm>
+          <a:prstGeom prst="bentConnector3">
+            <a:avLst/>
+          </a:prstGeom>
+          <a:ln w="19050">
+            <a:solidFill>
+              <a:srgbClr val="D99694"/>
+            </a:solidFill>
+            <a:tailEnd type="triangle"/>
+          </a:ln>
+        </p:spPr>
+        <p:style>
+          <a:lnRef idx="1">
+            <a:schemeClr val="accent1"/>
+          </a:lnRef>
+          <a:fillRef idx="0">
+            <a:schemeClr val="accent1"/>
+          </a:fillRef>
+          <a:effectRef idx="0">
+            <a:schemeClr val="accent1"/>
+          </a:effectRef>
+          <a:fontRef idx="minor">
+            <a:schemeClr val="tx1"/>
+          </a:fontRef>
+        </p:style>
+      </p:cxnSp>
+      <p:cxnSp>
+        <p:nvCxnSpPr>
+          <p:cNvPr id="17" name="Gewinkelter Verbinder 16"/>
+          <p:cNvCxnSpPr>
+            <a:stCxn id="10" idx="2"/>
+            <a:endCxn id="9" idx="0"/>
+          </p:cNvCxnSpPr>
+          <p:nvPr/>
+        </p:nvCxnSpPr>
+        <p:spPr>
+          <a:xfrm rot="16200000" flipH="1">
+            <a:off x="7169837" y="2082778"/>
+            <a:ext cx="412352" cy="1232587"/>
+          </a:xfrm>
+          <a:prstGeom prst="bentConnector3">
+            <a:avLst>
+              <a:gd name="adj1" fmla="val 50000"/>
+            </a:avLst>
+          </a:prstGeom>
+          <a:ln w="19050">
+            <a:solidFill>
+              <a:srgbClr val="D99694"/>
+            </a:solidFill>
+            <a:tailEnd type="triangle"/>
+          </a:ln>
+        </p:spPr>
+        <p:style>
+          <a:lnRef idx="1">
+            <a:schemeClr val="accent1"/>
+          </a:lnRef>
+          <a:fillRef idx="0">
+            <a:schemeClr val="accent1"/>
+          </a:fillRef>
+          <a:effectRef idx="0">
+            <a:schemeClr val="accent1"/>
+          </a:effectRef>
+          <a:fontRef idx="minor">
+            <a:schemeClr val="tx1"/>
+          </a:fontRef>
+        </p:style>
+      </p:cxnSp>
     </p:spTree>
     <p:extLst>
       <p:ext uri="{BB962C8B-B14F-4D97-AF65-F5344CB8AC3E}">
-        <p14:creationId xmlns="" xmlns:p14="http://schemas.microsoft.com/office/powerpoint/2010/main" val="3072821877"/>
+        <p14:creationId xmlns:p14="http://schemas.microsoft.com/office/powerpoint/2010/main" xmlns="" val="184393572"/>
       </p:ext>
     </p:extLst>
   </p:cSld>
@@ -12765,13 +12892,13 @@
       </p:grpSpPr>
       <p:sp>
         <p:nvSpPr>
-          <p:cNvPr id="4" name="Rechteck 3"/>
+          <p:cNvPr id="5" name="Rechteck 4"/>
           <p:cNvSpPr/>
           <p:nvPr/>
         </p:nvSpPr>
         <p:spPr>
           <a:xfrm>
-            <a:off x="0" y="0"/>
+            <a:off x="0" y="6237312"/>
             <a:ext cx="9144000" cy="620688"/>
           </a:xfrm>
           <a:prstGeom prst="rect">
@@ -12807,29 +12934,23 @@
           <a:bodyPr rtlCol="0" anchor="ctr"/>
           <a:lstStyle/>
           <a:p>
-            <a:pPr algn="r"/>
-            <a:r>
-              <a:rPr lang="en-US" sz="2000" b="1" cap="small" dirty="0">
-                <a:solidFill>
-                  <a:schemeClr val="tx1"/>
-                </a:solidFill>
-                <a:latin typeface="Times New Roman" pitchFamily="18" charset="0"/>
-                <a:cs typeface="Times New Roman" pitchFamily="18" charset="0"/>
-              </a:rPr>
-              <a:t>Content</a:t>
-            </a:r>
-          </a:p>
-        </p:txBody>
-      </p:sp>
-      <p:sp>
-        <p:nvSpPr>
-          <p:cNvPr id="5" name="Rechteck 4"/>
+            <a:pPr algn="ctr"/>
+            <a:endParaRPr lang="de-DE">
+              <a:latin typeface="Times New Roman" pitchFamily="18" charset="0"/>
+              <a:cs typeface="Times New Roman" pitchFamily="18" charset="0"/>
+            </a:endParaRPr>
+          </a:p>
+        </p:txBody>
+      </p:sp>
+      <p:sp>
+        <p:nvSpPr>
+          <p:cNvPr id="6" name="Rechteck 5"/>
           <p:cNvSpPr/>
           <p:nvPr/>
         </p:nvSpPr>
         <p:spPr>
           <a:xfrm>
-            <a:off x="0" y="6237312"/>
+            <a:off x="0" y="0"/>
             <a:ext cx="9144000" cy="620688"/>
           </a:xfrm>
           <a:prstGeom prst="rect">
@@ -12865,34 +12986,57 @@
           <a:bodyPr rtlCol="0" anchor="ctr"/>
           <a:lstStyle/>
           <a:p>
-            <a:pPr algn="ctr"/>
-            <a:endParaRPr lang="en-US" cap="small" dirty="0">
-              <a:latin typeface="Times New Roman" pitchFamily="18" charset="0"/>
-              <a:cs typeface="Times New Roman" pitchFamily="18" charset="0"/>
-            </a:endParaRPr>
-          </a:p>
-        </p:txBody>
-      </p:sp>
-      <p:sp>
-        <p:nvSpPr>
-          <p:cNvPr id="9" name="Rechteck 8"/>
+            <a:pPr algn="r"/>
+            <a:r>
+              <a:rPr lang="en-US" sz="2000" cap="small" dirty="0">
+                <a:solidFill>
+                  <a:schemeClr val="tx1"/>
+                </a:solidFill>
+                <a:latin typeface="Times New Roman" pitchFamily="18" charset="0"/>
+                <a:cs typeface="Times New Roman" pitchFamily="18" charset="0"/>
+              </a:rPr>
+              <a:t>User Manual</a:t>
+            </a:r>
+          </a:p>
+        </p:txBody>
+      </p:sp>
+      <p:sp>
+        <p:nvSpPr>
+          <p:cNvPr id="4" name="Fußzeilenplatzhalter 3"/>
+          <p:cNvSpPr>
+            <a:spLocks noGrp="1"/>
+          </p:cNvSpPr>
+          <p:nvPr>
+            <p:ph type="ftr" sz="quarter" idx="11"/>
+          </p:nvPr>
+        </p:nvSpPr>
+        <p:spPr/>
+        <p:txBody>
+          <a:bodyPr/>
+          <a:lstStyle/>
+          <a:p>
+            <a:r>
+              <a:rPr lang="de-DE"/>
+              <a:t>Kateryna Pryshchepa, Iuliia Guk, Thomas Röhl, Tetiana Lavrynovych, Sascha Zepf</a:t>
+            </a:r>
+          </a:p>
+        </p:txBody>
+      </p:sp>
+      <p:sp>
+        <p:nvSpPr>
+          <p:cNvPr id="20" name="Rechteck 19"/>
           <p:cNvSpPr/>
           <p:nvPr/>
         </p:nvSpPr>
         <p:spPr>
           <a:xfrm>
-            <a:off x="251520" y="1591906"/>
-            <a:ext cx="8679101" cy="620688"/>
+            <a:off x="20180" y="1083434"/>
+            <a:ext cx="4319028" cy="4361790"/>
           </a:xfrm>
           <a:prstGeom prst="rect">
             <a:avLst/>
           </a:prstGeom>
-          <a:solidFill>
-            <a:schemeClr val="accent2">
-              <a:lumMod val="60000"/>
-              <a:lumOff val="40000"/>
-            </a:schemeClr>
-          </a:solidFill>
+          <a:noFill/>
           <a:ln>
             <a:noFill/>
           </a:ln>
@@ -12914,367 +13058,213 @@
           </a:fontRef>
         </p:style>
         <p:txBody>
-          <a:bodyPr rtlCol="0" anchor="ctr"/>
-          <a:lstStyle/>
-          <a:p>
-            <a:r>
-              <a:rPr lang="en-US" sz="2000" cap="small" dirty="0">
+          <a:bodyPr rtlCol="0" anchor="t"/>
+          <a:lstStyle/>
+          <a:p>
+            <a:pPr>
+              <a:lnSpc>
+                <a:spcPct val="150000"/>
+              </a:lnSpc>
+            </a:pPr>
+            <a:r>
+              <a:rPr lang="en-US" b="1" dirty="0">
                 <a:solidFill>
                   <a:schemeClr val="tx1"/>
                 </a:solidFill>
                 <a:latin typeface="Times New Roman" pitchFamily="18" charset="0"/>
                 <a:cs typeface="Times New Roman" pitchFamily="18" charset="0"/>
               </a:rPr>
-              <a:t>Approach</a:t>
-            </a:r>
-          </a:p>
-        </p:txBody>
-      </p:sp>
-      <p:sp>
-        <p:nvSpPr>
-          <p:cNvPr id="10" name="Rechteck 9"/>
-          <p:cNvSpPr/>
-          <p:nvPr/>
-        </p:nvSpPr>
-        <p:spPr>
-          <a:xfrm>
-            <a:off x="251520" y="2344224"/>
-            <a:ext cx="8679101" cy="620688"/>
-          </a:xfrm>
-          <a:prstGeom prst="rect">
-            <a:avLst/>
-          </a:prstGeom>
-          <a:solidFill>
-            <a:schemeClr val="accent2">
-              <a:lumMod val="60000"/>
-              <a:lumOff val="40000"/>
-            </a:schemeClr>
-          </a:solidFill>
-          <a:ln>
-            <a:noFill/>
-          </a:ln>
-        </p:spPr>
-        <p:style>
-          <a:lnRef idx="2">
-            <a:schemeClr val="accent1">
-              <a:shade val="50000"/>
-            </a:schemeClr>
-          </a:lnRef>
-          <a:fillRef idx="1">
-            <a:schemeClr val="accent1"/>
-          </a:fillRef>
-          <a:effectRef idx="0">
-            <a:schemeClr val="accent1"/>
-          </a:effectRef>
-          <a:fontRef idx="minor">
-            <a:schemeClr val="lt1"/>
-          </a:fontRef>
-        </p:style>
-        <p:txBody>
-          <a:bodyPr rtlCol="0" anchor="ctr"/>
-          <a:lstStyle/>
-          <a:p>
-            <a:r>
-              <a:rPr lang="en-US" sz="2000" cap="small" dirty="0">
+              <a:t>User manual in 7 Steps:</a:t>
+            </a:r>
+          </a:p>
+          <a:p>
+            <a:pPr marL="800100" lvl="1" indent="-342900">
+              <a:lnSpc>
+                <a:spcPct val="150000"/>
+              </a:lnSpc>
+              <a:buFont typeface="Arial" panose="020B0604020202020204" pitchFamily="34" charset="0"/>
+              <a:buChar char="•"/>
+            </a:pPr>
+            <a:r>
+              <a:rPr lang="en-US" dirty="0">
                 <a:solidFill>
                   <a:schemeClr val="tx1"/>
                 </a:solidFill>
                 <a:latin typeface="Times New Roman" pitchFamily="18" charset="0"/>
                 <a:cs typeface="Times New Roman" pitchFamily="18" charset="0"/>
               </a:rPr>
-              <a:t>Details</a:t>
-            </a:r>
-          </a:p>
-        </p:txBody>
-      </p:sp>
-      <p:sp>
-        <p:nvSpPr>
-          <p:cNvPr id="13" name="Rechteck 12"/>
-          <p:cNvSpPr/>
-          <p:nvPr/>
-        </p:nvSpPr>
-        <p:spPr>
-          <a:xfrm>
-            <a:off x="251520" y="5323936"/>
-            <a:ext cx="8679101" cy="620688"/>
-          </a:xfrm>
-          <a:prstGeom prst="rect">
-            <a:avLst/>
-          </a:prstGeom>
-          <a:solidFill>
-            <a:schemeClr val="accent2">
-              <a:lumMod val="60000"/>
-              <a:lumOff val="40000"/>
-            </a:schemeClr>
-          </a:solidFill>
-          <a:ln>
-            <a:noFill/>
-          </a:ln>
-        </p:spPr>
-        <p:style>
-          <a:lnRef idx="2">
-            <a:schemeClr val="accent1">
-              <a:shade val="50000"/>
-            </a:schemeClr>
-          </a:lnRef>
-          <a:fillRef idx="1">
-            <a:schemeClr val="accent1"/>
-          </a:fillRef>
-          <a:effectRef idx="0">
-            <a:schemeClr val="accent1"/>
-          </a:effectRef>
-          <a:fontRef idx="minor">
-            <a:schemeClr val="lt1"/>
-          </a:fontRef>
-        </p:style>
-        <p:txBody>
-          <a:bodyPr rtlCol="0" anchor="ctr"/>
-          <a:lstStyle/>
-          <a:p>
-            <a:r>
-              <a:rPr lang="en-US" sz="2000" cap="small" dirty="0">
+              <a:t>Step 1 Registration</a:t>
+            </a:r>
+          </a:p>
+          <a:p>
+            <a:pPr marL="800100" lvl="1" indent="-342900">
+              <a:lnSpc>
+                <a:spcPct val="150000"/>
+              </a:lnSpc>
+              <a:buFont typeface="Arial" panose="020B0604020202020204" pitchFamily="34" charset="0"/>
+              <a:buChar char="•"/>
+            </a:pPr>
+            <a:r>
+              <a:rPr lang="en-US" dirty="0">
                 <a:solidFill>
                   <a:schemeClr val="tx1"/>
                 </a:solidFill>
                 <a:latin typeface="Times New Roman" pitchFamily="18" charset="0"/>
                 <a:cs typeface="Times New Roman" pitchFamily="18" charset="0"/>
               </a:rPr>
-              <a:t>Conclusion</a:t>
-            </a:r>
-          </a:p>
-        </p:txBody>
-      </p:sp>
-      <p:sp>
-        <p:nvSpPr>
-          <p:cNvPr id="7" name="Rechteck 6"/>
-          <p:cNvSpPr/>
-          <p:nvPr/>
-        </p:nvSpPr>
-        <p:spPr>
-          <a:xfrm>
-            <a:off x="1475656" y="3036920"/>
-            <a:ext cx="7454965" cy="620688"/>
-          </a:xfrm>
-          <a:prstGeom prst="rect">
-            <a:avLst/>
-          </a:prstGeom>
-          <a:solidFill>
-            <a:schemeClr val="accent2">
-              <a:lumMod val="60000"/>
-              <a:lumOff val="40000"/>
-            </a:schemeClr>
-          </a:solidFill>
-          <a:ln>
-            <a:noFill/>
-          </a:ln>
-        </p:spPr>
-        <p:style>
-          <a:lnRef idx="2">
-            <a:schemeClr val="accent1">
-              <a:shade val="50000"/>
-            </a:schemeClr>
-          </a:lnRef>
-          <a:fillRef idx="1">
-            <a:schemeClr val="accent1"/>
-          </a:fillRef>
-          <a:effectRef idx="0">
-            <a:schemeClr val="accent1"/>
-          </a:effectRef>
-          <a:fontRef idx="minor">
-            <a:schemeClr val="lt1"/>
-          </a:fontRef>
-        </p:style>
-        <p:txBody>
-          <a:bodyPr rtlCol="0" anchor="ctr"/>
-          <a:lstStyle/>
-          <a:p>
-            <a:r>
-              <a:rPr lang="en-US" sz="2000" cap="small" dirty="0">
+              <a:t>Step 2 Login</a:t>
+            </a:r>
+          </a:p>
+          <a:p>
+            <a:pPr marL="800100" lvl="1" indent="-342900">
+              <a:lnSpc>
+                <a:spcPct val="150000"/>
+              </a:lnSpc>
+              <a:buFont typeface="Arial" panose="020B0604020202020204" pitchFamily="34" charset="0"/>
+              <a:buChar char="•"/>
+            </a:pPr>
+            <a:r>
+              <a:rPr lang="en-US" dirty="0">
                 <a:solidFill>
                   <a:schemeClr val="tx1"/>
                 </a:solidFill>
                 <a:latin typeface="Times New Roman" pitchFamily="18" charset="0"/>
                 <a:cs typeface="Times New Roman" pitchFamily="18" charset="0"/>
               </a:rPr>
-              <a:t>Technical Design</a:t>
-            </a:r>
-          </a:p>
-        </p:txBody>
-      </p:sp>
-      <p:sp>
-        <p:nvSpPr>
-          <p:cNvPr id="8" name="Rechteck 7"/>
-          <p:cNvSpPr/>
-          <p:nvPr/>
-        </p:nvSpPr>
-        <p:spPr>
-          <a:xfrm>
-            <a:off x="1475656" y="3712376"/>
-            <a:ext cx="7454965" cy="620688"/>
-          </a:xfrm>
-          <a:prstGeom prst="rect">
-            <a:avLst/>
-          </a:prstGeom>
-          <a:solidFill>
-            <a:schemeClr val="accent2">
-              <a:lumMod val="60000"/>
-              <a:lumOff val="40000"/>
-            </a:schemeClr>
-          </a:solidFill>
-          <a:ln>
-            <a:noFill/>
-          </a:ln>
-        </p:spPr>
-        <p:style>
-          <a:lnRef idx="2">
-            <a:schemeClr val="accent1">
-              <a:shade val="50000"/>
-            </a:schemeClr>
-          </a:lnRef>
-          <a:fillRef idx="1">
-            <a:schemeClr val="accent1"/>
-          </a:fillRef>
-          <a:effectRef idx="0">
-            <a:schemeClr val="accent1"/>
-          </a:effectRef>
-          <a:fontRef idx="minor">
-            <a:schemeClr val="lt1"/>
-          </a:fontRef>
-        </p:style>
-        <p:txBody>
-          <a:bodyPr rtlCol="0" anchor="ctr"/>
-          <a:lstStyle/>
-          <a:p>
-            <a:r>
-              <a:rPr lang="en-US" sz="2000" cap="small" dirty="0">
+              <a:t>Step 3 Main view</a:t>
+            </a:r>
+          </a:p>
+          <a:p>
+            <a:pPr marL="800100" lvl="1" indent="-342900">
+              <a:lnSpc>
+                <a:spcPct val="150000"/>
+              </a:lnSpc>
+              <a:buFont typeface="Arial" panose="020B0604020202020204" pitchFamily="34" charset="0"/>
+              <a:buChar char="•"/>
+            </a:pPr>
+            <a:r>
+              <a:rPr lang="en-US" dirty="0">
                 <a:solidFill>
                   <a:schemeClr val="tx1"/>
                 </a:solidFill>
                 <a:latin typeface="Times New Roman" pitchFamily="18" charset="0"/>
                 <a:cs typeface="Times New Roman" pitchFamily="18" charset="0"/>
               </a:rPr>
-              <a:t>Android Details</a:t>
-            </a:r>
-          </a:p>
-        </p:txBody>
-      </p:sp>
-      <p:sp>
-        <p:nvSpPr>
-          <p:cNvPr id="11" name="Rechteck 10"/>
-          <p:cNvSpPr/>
-          <p:nvPr/>
-        </p:nvSpPr>
-        <p:spPr>
-          <a:xfrm>
-            <a:off x="1475656" y="4432456"/>
-            <a:ext cx="7454965" cy="620688"/>
-          </a:xfrm>
-          <a:prstGeom prst="rect">
-            <a:avLst/>
-          </a:prstGeom>
-          <a:solidFill>
-            <a:schemeClr val="accent2">
-              <a:lumMod val="60000"/>
-              <a:lumOff val="40000"/>
-            </a:schemeClr>
-          </a:solidFill>
-          <a:ln>
-            <a:noFill/>
-          </a:ln>
-        </p:spPr>
-        <p:style>
-          <a:lnRef idx="2">
-            <a:schemeClr val="accent1">
-              <a:shade val="50000"/>
-            </a:schemeClr>
-          </a:lnRef>
-          <a:fillRef idx="1">
-            <a:schemeClr val="accent1"/>
-          </a:fillRef>
-          <a:effectRef idx="0">
-            <a:schemeClr val="accent1"/>
-          </a:effectRef>
-          <a:fontRef idx="minor">
-            <a:schemeClr val="lt1"/>
-          </a:fontRef>
-        </p:style>
-        <p:txBody>
-          <a:bodyPr rtlCol="0" anchor="ctr"/>
-          <a:lstStyle/>
-          <a:p>
-            <a:r>
-              <a:rPr lang="en-US" sz="2000" b="1" cap="small" dirty="0">
+              <a:t>Step 4 Scan receipt</a:t>
+            </a:r>
+          </a:p>
+          <a:p>
+            <a:pPr marL="800100" lvl="1" indent="-342900">
+              <a:lnSpc>
+                <a:spcPct val="150000"/>
+              </a:lnSpc>
+              <a:buFont typeface="Arial" panose="020B0604020202020204" pitchFamily="34" charset="0"/>
+              <a:buChar char="•"/>
+            </a:pPr>
+            <a:r>
+              <a:rPr lang="en-US" dirty="0">
                 <a:solidFill>
                   <a:schemeClr val="tx1"/>
                 </a:solidFill>
                 <a:latin typeface="Times New Roman" pitchFamily="18" charset="0"/>
                 <a:cs typeface="Times New Roman" pitchFamily="18" charset="0"/>
               </a:rPr>
-              <a:t>Receipt Extraction</a:t>
-            </a:r>
-          </a:p>
-        </p:txBody>
-      </p:sp>
-      <p:sp>
-        <p:nvSpPr>
-          <p:cNvPr id="12" name="Rechteck 11"/>
-          <p:cNvSpPr/>
-          <p:nvPr/>
-        </p:nvSpPr>
-        <p:spPr>
-          <a:xfrm>
-            <a:off x="251520" y="836712"/>
-            <a:ext cx="8679101" cy="620688"/>
-          </a:xfrm>
-          <a:prstGeom prst="rect">
-            <a:avLst/>
-          </a:prstGeom>
-          <a:solidFill>
-            <a:schemeClr val="accent2">
-              <a:lumMod val="60000"/>
-              <a:lumOff val="40000"/>
-            </a:schemeClr>
-          </a:solidFill>
-          <a:ln>
-            <a:noFill/>
-          </a:ln>
-        </p:spPr>
-        <p:style>
-          <a:lnRef idx="2">
-            <a:schemeClr val="accent1">
-              <a:shade val="50000"/>
-            </a:schemeClr>
-          </a:lnRef>
-          <a:fillRef idx="1">
-            <a:schemeClr val="accent1"/>
-          </a:fillRef>
-          <a:effectRef idx="0">
-            <a:schemeClr val="accent1"/>
-          </a:effectRef>
-          <a:fontRef idx="minor">
-            <a:schemeClr val="lt1"/>
-          </a:fontRef>
-        </p:style>
-        <p:txBody>
-          <a:bodyPr rtlCol="0" anchor="ctr"/>
-          <a:lstStyle/>
-          <a:p>
-            <a:r>
-              <a:rPr lang="en-US" sz="2000" cap="small" dirty="0">
+              <a:t>Step 5 Check results </a:t>
+            </a:r>
+          </a:p>
+          <a:p>
+            <a:pPr marL="800100" lvl="1" indent="-342900">
+              <a:lnSpc>
+                <a:spcPct val="150000"/>
+              </a:lnSpc>
+              <a:buFont typeface="Arial" panose="020B0604020202020204" pitchFamily="34" charset="0"/>
+              <a:buChar char="•"/>
+            </a:pPr>
+            <a:r>
+              <a:rPr lang="en-US" dirty="0">
                 <a:solidFill>
                   <a:schemeClr val="tx1"/>
                 </a:solidFill>
                 <a:latin typeface="Times New Roman" pitchFamily="18" charset="0"/>
                 <a:cs typeface="Times New Roman" pitchFamily="18" charset="0"/>
               </a:rPr>
-              <a:t>Live Demo</a:t>
-            </a:r>
-          </a:p>
-        </p:txBody>
-      </p:sp>
-      <p:sp>
-        <p:nvSpPr>
-          <p:cNvPr id="2" name="Foliennummernplatzhalter 1"/>
+              <a:t>Step 6 Main view with summary</a:t>
+            </a:r>
+          </a:p>
+          <a:p>
+            <a:pPr marL="800100" lvl="1" indent="-342900">
+              <a:lnSpc>
+                <a:spcPct val="150000"/>
+              </a:lnSpc>
+              <a:buFont typeface="Arial" panose="020B0604020202020204" pitchFamily="34" charset="0"/>
+              <a:buChar char="•"/>
+            </a:pPr>
+            <a:r>
+              <a:rPr lang="en-US" dirty="0">
+                <a:solidFill>
+                  <a:schemeClr val="tx1"/>
+                </a:solidFill>
+                <a:latin typeface="Times New Roman" pitchFamily="18" charset="0"/>
+                <a:cs typeface="Times New Roman" pitchFamily="18" charset="0"/>
+              </a:rPr>
+              <a:t>Step 7 Reports view	</a:t>
+            </a:r>
+          </a:p>
+          <a:p>
+            <a:pPr marL="342900" indent="-342900">
+              <a:lnSpc>
+                <a:spcPct val="150000"/>
+              </a:lnSpc>
+              <a:buFont typeface="Arial" panose="020B0604020202020204" pitchFamily="34" charset="0"/>
+              <a:buChar char="•"/>
+            </a:pPr>
+            <a:endParaRPr lang="en-US" dirty="0">
+              <a:solidFill>
+                <a:schemeClr val="tx1"/>
+              </a:solidFill>
+              <a:latin typeface="Times New Roman" pitchFamily="18" charset="0"/>
+              <a:cs typeface="Times New Roman" pitchFamily="18" charset="0"/>
+            </a:endParaRPr>
+          </a:p>
+          <a:p>
+            <a:pPr lvl="0">
+              <a:lnSpc>
+                <a:spcPct val="150000"/>
+              </a:lnSpc>
+            </a:pPr>
+            <a:endParaRPr lang="de-DE" sz="2000" dirty="0">
+              <a:latin typeface="Times New Roman" pitchFamily="18" charset="0"/>
+              <a:cs typeface="Times New Roman" pitchFamily="18" charset="0"/>
+            </a:endParaRPr>
+          </a:p>
+        </p:txBody>
+      </p:sp>
+      <p:pic>
+        <p:nvPicPr>
+          <p:cNvPr id="12" name="Grafik 11"/>
+          <p:cNvPicPr/>
+          <p:nvPr/>
+        </p:nvPicPr>
+        <p:blipFill>
+          <a:blip r:embed="rId2" cstate="print"/>
+          <a:stretch/>
+        </p:blipFill>
+        <p:spPr>
+          <a:xfrm>
+            <a:off x="4339208" y="1249971"/>
+            <a:ext cx="4553272" cy="3577879"/>
+          </a:xfrm>
+          <a:prstGeom prst="rect">
+            <a:avLst/>
+          </a:prstGeom>
+          <a:ln>
+            <a:noFill/>
+          </a:ln>
+        </p:spPr>
+      </p:pic>
+      <p:sp>
+        <p:nvSpPr>
+          <p:cNvPr id="3" name="Foliennummernplatzhalter 2"/>
           <p:cNvSpPr>
             <a:spLocks noGrp="1"/>
           </p:cNvSpPr>
@@ -13296,32 +13286,10 @@
           </a:p>
         </p:txBody>
       </p:sp>
-      <p:sp>
-        <p:nvSpPr>
-          <p:cNvPr id="3" name="Fußzeilenplatzhalter 2"/>
-          <p:cNvSpPr>
-            <a:spLocks noGrp="1"/>
-          </p:cNvSpPr>
-          <p:nvPr>
-            <p:ph type="ftr" sz="quarter" idx="11"/>
-          </p:nvPr>
-        </p:nvSpPr>
-        <p:spPr/>
-        <p:txBody>
-          <a:bodyPr/>
-          <a:lstStyle/>
-          <a:p>
-            <a:r>
-              <a:rPr lang="de-DE"/>
-              <a:t>Kateryna Pryshchepa, Iuliia Guk, Thomas Röhl, Tetiana Lavrynovych, Sascha Zepf</a:t>
-            </a:r>
-          </a:p>
-        </p:txBody>
-      </p:sp>
     </p:spTree>
     <p:extLst>
       <p:ext uri="{BB962C8B-B14F-4D97-AF65-F5344CB8AC3E}">
-        <p14:creationId xmlns="" xmlns:p14="http://schemas.microsoft.com/office/powerpoint/2010/main" val="1738454015"/>
+        <p14:creationId xmlns:p14="http://schemas.microsoft.com/office/powerpoint/2010/main" xmlns="" val="3072821877"/>
       </p:ext>
     </p:extLst>
   </p:cSld>
@@ -13401,34 +13369,14 @@
           <a:p>
             <a:pPr algn="r"/>
             <a:r>
-              <a:rPr lang="de-DE" sz="2000" b="1" cap="small" dirty="0">
+              <a:rPr lang="en-US" sz="2000" b="1" cap="small" dirty="0">
                 <a:solidFill>
                   <a:schemeClr val="tx1"/>
                 </a:solidFill>
                 <a:latin typeface="Times New Roman" pitchFamily="18" charset="0"/>
                 <a:cs typeface="Times New Roman" pitchFamily="18" charset="0"/>
               </a:rPr>
-              <a:t>Optical </a:t>
-            </a:r>
-            <a:r>
-              <a:rPr lang="de-DE" sz="2000" b="1" cap="small" dirty="0" err="1">
-                <a:solidFill>
-                  <a:schemeClr val="tx1"/>
-                </a:solidFill>
-                <a:latin typeface="Times New Roman" pitchFamily="18" charset="0"/>
-                <a:cs typeface="Times New Roman" pitchFamily="18" charset="0"/>
-              </a:rPr>
-              <a:t>Character</a:t>
-            </a:r>
-            <a:r>
-              <a:rPr lang="de-DE" sz="2000" b="1" cap="small" dirty="0">
-                <a:solidFill>
-                  <a:schemeClr val="tx1"/>
-                </a:solidFill>
-                <a:latin typeface="Times New Roman" pitchFamily="18" charset="0"/>
-                <a:cs typeface="Times New Roman" pitchFamily="18" charset="0"/>
-              </a:rPr>
-              <a:t> Recognition</a:t>
+              <a:t>Content</a:t>
             </a:r>
           </a:p>
         </p:txBody>
@@ -13478,7 +13426,7 @@
           <a:lstStyle/>
           <a:p>
             <a:pPr algn="ctr"/>
-            <a:endParaRPr lang="de-DE">
+            <a:endParaRPr lang="en-US" cap="small" dirty="0">
               <a:latin typeface="Times New Roman" pitchFamily="18" charset="0"/>
               <a:cs typeface="Times New Roman" pitchFamily="18" charset="0"/>
             </a:endParaRPr>
@@ -13487,19 +13435,24 @@
       </p:sp>
       <p:sp>
         <p:nvSpPr>
-          <p:cNvPr id="70" name="Rechteck 69"/>
+          <p:cNvPr id="9" name="Rechteck 8"/>
           <p:cNvSpPr/>
           <p:nvPr/>
         </p:nvSpPr>
         <p:spPr>
           <a:xfrm>
-            <a:off x="611560" y="764704"/>
-            <a:ext cx="8136904" cy="2304256"/>
+            <a:off x="251520" y="1591906"/>
+            <a:ext cx="8679101" cy="620688"/>
           </a:xfrm>
           <a:prstGeom prst="rect">
             <a:avLst/>
           </a:prstGeom>
-          <a:noFill/>
+          <a:solidFill>
+            <a:schemeClr val="accent2">
+              <a:lumMod val="60000"/>
+              <a:lumOff val="40000"/>
+            </a:schemeClr>
+          </a:solidFill>
           <a:ln>
             <a:noFill/>
           </a:ln>
@@ -13521,100 +13474,361 @@
           </a:fontRef>
         </p:style>
         <p:txBody>
-          <a:bodyPr rtlCol="0" anchor="t"/>
-          <a:lstStyle/>
-          <a:p>
-            <a:pPr marL="285750" indent="-285750">
-              <a:lnSpc>
-                <a:spcPct val="150000"/>
-              </a:lnSpc>
-              <a:buFont typeface="Arial" panose="020B0604020202020204" pitchFamily="34" charset="0"/>
-              <a:buChar char="•"/>
-            </a:pPr>
-            <a:r>
-              <a:rPr lang="en-US" sz="3200" dirty="0">
+          <a:bodyPr rtlCol="0" anchor="ctr"/>
+          <a:lstStyle/>
+          <a:p>
+            <a:r>
+              <a:rPr lang="en-US" sz="2000" cap="small" dirty="0">
                 <a:solidFill>
                   <a:schemeClr val="tx1"/>
                 </a:solidFill>
                 <a:latin typeface="Times New Roman" pitchFamily="18" charset="0"/>
                 <a:cs typeface="Times New Roman" pitchFamily="18" charset="0"/>
               </a:rPr>
-              <a:t>Use camera orientation to rotate picture</a:t>
-            </a:r>
-          </a:p>
-          <a:p>
-            <a:pPr marL="285750" indent="-285750">
-              <a:lnSpc>
-                <a:spcPct val="150000"/>
-              </a:lnSpc>
-              <a:buFont typeface="Arial" panose="020B0604020202020204" pitchFamily="34" charset="0"/>
-              <a:buChar char="•"/>
-            </a:pPr>
-            <a:r>
-              <a:rPr lang="en-US" sz="3200" dirty="0">
+              <a:t>Approach</a:t>
+            </a:r>
+          </a:p>
+        </p:txBody>
+      </p:sp>
+      <p:sp>
+        <p:nvSpPr>
+          <p:cNvPr id="10" name="Rechteck 9"/>
+          <p:cNvSpPr/>
+          <p:nvPr/>
+        </p:nvSpPr>
+        <p:spPr>
+          <a:xfrm>
+            <a:off x="251520" y="2344224"/>
+            <a:ext cx="8679101" cy="620688"/>
+          </a:xfrm>
+          <a:prstGeom prst="rect">
+            <a:avLst/>
+          </a:prstGeom>
+          <a:solidFill>
+            <a:schemeClr val="accent2">
+              <a:lumMod val="60000"/>
+              <a:lumOff val="40000"/>
+            </a:schemeClr>
+          </a:solidFill>
+          <a:ln>
+            <a:noFill/>
+          </a:ln>
+        </p:spPr>
+        <p:style>
+          <a:lnRef idx="2">
+            <a:schemeClr val="accent1">
+              <a:shade val="50000"/>
+            </a:schemeClr>
+          </a:lnRef>
+          <a:fillRef idx="1">
+            <a:schemeClr val="accent1"/>
+          </a:fillRef>
+          <a:effectRef idx="0">
+            <a:schemeClr val="accent1"/>
+          </a:effectRef>
+          <a:fontRef idx="minor">
+            <a:schemeClr val="lt1"/>
+          </a:fontRef>
+        </p:style>
+        <p:txBody>
+          <a:bodyPr rtlCol="0" anchor="ctr"/>
+          <a:lstStyle/>
+          <a:p>
+            <a:r>
+              <a:rPr lang="en-US" sz="2000" cap="small" dirty="0">
                 <a:solidFill>
                   <a:schemeClr val="tx1"/>
                 </a:solidFill>
                 <a:latin typeface="Times New Roman" pitchFamily="18" charset="0"/>
                 <a:cs typeface="Times New Roman" pitchFamily="18" charset="0"/>
               </a:rPr>
-              <a:t>Resize image to 2000 x 1200 pixel</a:t>
-            </a:r>
-          </a:p>
-          <a:p>
-            <a:pPr marL="285750" indent="-285750">
-              <a:lnSpc>
-                <a:spcPct val="150000"/>
-              </a:lnSpc>
-              <a:buFont typeface="Arial" panose="020B0604020202020204" pitchFamily="34" charset="0"/>
-              <a:buChar char="•"/>
-            </a:pPr>
-            <a:r>
-              <a:rPr lang="en-US" sz="3200" dirty="0">
+              <a:t>Details</a:t>
+            </a:r>
+          </a:p>
+        </p:txBody>
+      </p:sp>
+      <p:sp>
+        <p:nvSpPr>
+          <p:cNvPr id="13" name="Rechteck 12"/>
+          <p:cNvSpPr/>
+          <p:nvPr/>
+        </p:nvSpPr>
+        <p:spPr>
+          <a:xfrm>
+            <a:off x="251520" y="5323936"/>
+            <a:ext cx="8679101" cy="620688"/>
+          </a:xfrm>
+          <a:prstGeom prst="rect">
+            <a:avLst/>
+          </a:prstGeom>
+          <a:solidFill>
+            <a:schemeClr val="accent2">
+              <a:lumMod val="60000"/>
+              <a:lumOff val="40000"/>
+            </a:schemeClr>
+          </a:solidFill>
+          <a:ln>
+            <a:noFill/>
+          </a:ln>
+        </p:spPr>
+        <p:style>
+          <a:lnRef idx="2">
+            <a:schemeClr val="accent1">
+              <a:shade val="50000"/>
+            </a:schemeClr>
+          </a:lnRef>
+          <a:fillRef idx="1">
+            <a:schemeClr val="accent1"/>
+          </a:fillRef>
+          <a:effectRef idx="0">
+            <a:schemeClr val="accent1"/>
+          </a:effectRef>
+          <a:fontRef idx="minor">
+            <a:schemeClr val="lt1"/>
+          </a:fontRef>
+        </p:style>
+        <p:txBody>
+          <a:bodyPr rtlCol="0" anchor="ctr"/>
+          <a:lstStyle/>
+          <a:p>
+            <a:r>
+              <a:rPr lang="en-US" sz="2000" cap="small" dirty="0">
                 <a:solidFill>
                   <a:schemeClr val="tx1"/>
                 </a:solidFill>
                 <a:latin typeface="Times New Roman" pitchFamily="18" charset="0"/>
                 <a:cs typeface="Times New Roman" pitchFamily="18" charset="0"/>
               </a:rPr>
-              <a:t>Colored image to black and white</a:t>
-            </a:r>
-          </a:p>
-          <a:p>
-            <a:pPr marL="285750" indent="-285750">
-              <a:lnSpc>
-                <a:spcPct val="150000"/>
-              </a:lnSpc>
-              <a:buFont typeface="Arial" panose="020B0604020202020204" pitchFamily="34" charset="0"/>
-              <a:buChar char="•"/>
-            </a:pPr>
-            <a:r>
-              <a:rPr lang="en-US" sz="3200" dirty="0">
+              <a:t>Conclusion</a:t>
+            </a:r>
+          </a:p>
+        </p:txBody>
+      </p:sp>
+      <p:sp>
+        <p:nvSpPr>
+          <p:cNvPr id="7" name="Rechteck 6"/>
+          <p:cNvSpPr/>
+          <p:nvPr/>
+        </p:nvSpPr>
+        <p:spPr>
+          <a:xfrm>
+            <a:off x="1475656" y="3036920"/>
+            <a:ext cx="7454965" cy="620688"/>
+          </a:xfrm>
+          <a:prstGeom prst="rect">
+            <a:avLst/>
+          </a:prstGeom>
+          <a:solidFill>
+            <a:schemeClr val="accent2">
+              <a:lumMod val="60000"/>
+              <a:lumOff val="40000"/>
+            </a:schemeClr>
+          </a:solidFill>
+          <a:ln>
+            <a:noFill/>
+          </a:ln>
+        </p:spPr>
+        <p:style>
+          <a:lnRef idx="2">
+            <a:schemeClr val="accent1">
+              <a:shade val="50000"/>
+            </a:schemeClr>
+          </a:lnRef>
+          <a:fillRef idx="1">
+            <a:schemeClr val="accent1"/>
+          </a:fillRef>
+          <a:effectRef idx="0">
+            <a:schemeClr val="accent1"/>
+          </a:effectRef>
+          <a:fontRef idx="minor">
+            <a:schemeClr val="lt1"/>
+          </a:fontRef>
+        </p:style>
+        <p:txBody>
+          <a:bodyPr rtlCol="0" anchor="ctr"/>
+          <a:lstStyle/>
+          <a:p>
+            <a:r>
+              <a:rPr lang="en-US" sz="2000" cap="small" dirty="0">
                 <a:solidFill>
                   <a:schemeClr val="tx1"/>
                 </a:solidFill>
                 <a:latin typeface="Times New Roman" pitchFamily="18" charset="0"/>
                 <a:cs typeface="Times New Roman" pitchFamily="18" charset="0"/>
               </a:rPr>
-              <a:t>Tesseract train language </a:t>
-            </a:r>
-            <a:r>
-              <a:rPr lang="en-US" sz="3200" dirty="0" err="1">
+              <a:t>Technical Design</a:t>
+            </a:r>
+          </a:p>
+        </p:txBody>
+      </p:sp>
+      <p:sp>
+        <p:nvSpPr>
+          <p:cNvPr id="8" name="Rechteck 7"/>
+          <p:cNvSpPr/>
+          <p:nvPr/>
+        </p:nvSpPr>
+        <p:spPr>
+          <a:xfrm>
+            <a:off x="1475656" y="3712376"/>
+            <a:ext cx="7454965" cy="620688"/>
+          </a:xfrm>
+          <a:prstGeom prst="rect">
+            <a:avLst/>
+          </a:prstGeom>
+          <a:solidFill>
+            <a:schemeClr val="accent2">
+              <a:lumMod val="60000"/>
+              <a:lumOff val="40000"/>
+            </a:schemeClr>
+          </a:solidFill>
+          <a:ln>
+            <a:noFill/>
+          </a:ln>
+        </p:spPr>
+        <p:style>
+          <a:lnRef idx="2">
+            <a:schemeClr val="accent1">
+              <a:shade val="50000"/>
+            </a:schemeClr>
+          </a:lnRef>
+          <a:fillRef idx="1">
+            <a:schemeClr val="accent1"/>
+          </a:fillRef>
+          <a:effectRef idx="0">
+            <a:schemeClr val="accent1"/>
+          </a:effectRef>
+          <a:fontRef idx="minor">
+            <a:schemeClr val="lt1"/>
+          </a:fontRef>
+        </p:style>
+        <p:txBody>
+          <a:bodyPr rtlCol="0" anchor="ctr"/>
+          <a:lstStyle/>
+          <a:p>
+            <a:r>
+              <a:rPr lang="en-US" sz="2000" cap="small" dirty="0">
                 <a:solidFill>
                   <a:schemeClr val="tx1"/>
                 </a:solidFill>
                 <a:latin typeface="Times New Roman" pitchFamily="18" charset="0"/>
                 <a:cs typeface="Times New Roman" pitchFamily="18" charset="0"/>
               </a:rPr>
-              <a:t>deu_frak</a:t>
-            </a:r>
-            <a:endParaRPr lang="en-US" sz="3200" dirty="0">
-              <a:solidFill>
-                <a:schemeClr val="tx1"/>
-              </a:solidFill>
-              <a:latin typeface="Times New Roman" pitchFamily="18" charset="0"/>
-              <a:cs typeface="Times New Roman" pitchFamily="18" charset="0"/>
-            </a:endParaRPr>
+              <a:t>Android Details</a:t>
+            </a:r>
+          </a:p>
+        </p:txBody>
+      </p:sp>
+      <p:sp>
+        <p:nvSpPr>
+          <p:cNvPr id="11" name="Rechteck 10"/>
+          <p:cNvSpPr/>
+          <p:nvPr/>
+        </p:nvSpPr>
+        <p:spPr>
+          <a:xfrm>
+            <a:off x="1475656" y="4432456"/>
+            <a:ext cx="7454965" cy="620688"/>
+          </a:xfrm>
+          <a:prstGeom prst="rect">
+            <a:avLst/>
+          </a:prstGeom>
+          <a:solidFill>
+            <a:schemeClr val="accent2">
+              <a:lumMod val="60000"/>
+              <a:lumOff val="40000"/>
+            </a:schemeClr>
+          </a:solidFill>
+          <a:ln>
+            <a:noFill/>
+          </a:ln>
+        </p:spPr>
+        <p:style>
+          <a:lnRef idx="2">
+            <a:schemeClr val="accent1">
+              <a:shade val="50000"/>
+            </a:schemeClr>
+          </a:lnRef>
+          <a:fillRef idx="1">
+            <a:schemeClr val="accent1"/>
+          </a:fillRef>
+          <a:effectRef idx="0">
+            <a:schemeClr val="accent1"/>
+          </a:effectRef>
+          <a:fontRef idx="minor">
+            <a:schemeClr val="lt1"/>
+          </a:fontRef>
+        </p:style>
+        <p:txBody>
+          <a:bodyPr rtlCol="0" anchor="ctr"/>
+          <a:lstStyle/>
+          <a:p>
+            <a:r>
+              <a:rPr lang="en-US" sz="2000" b="1" cap="small" dirty="0">
+                <a:solidFill>
+                  <a:schemeClr val="tx1"/>
+                </a:solidFill>
+                <a:latin typeface="Times New Roman" pitchFamily="18" charset="0"/>
+                <a:cs typeface="Times New Roman" pitchFamily="18" charset="0"/>
+              </a:rPr>
+              <a:t>Receipt Extraction</a:t>
+            </a:r>
+          </a:p>
+        </p:txBody>
+      </p:sp>
+      <p:sp>
+        <p:nvSpPr>
+          <p:cNvPr id="12" name="Rechteck 11"/>
+          <p:cNvSpPr/>
+          <p:nvPr/>
+        </p:nvSpPr>
+        <p:spPr>
+          <a:xfrm>
+            <a:off x="251520" y="836712"/>
+            <a:ext cx="8679101" cy="620688"/>
+          </a:xfrm>
+          <a:prstGeom prst="rect">
+            <a:avLst/>
+          </a:prstGeom>
+          <a:solidFill>
+            <a:schemeClr val="accent2">
+              <a:lumMod val="60000"/>
+              <a:lumOff val="40000"/>
+            </a:schemeClr>
+          </a:solidFill>
+          <a:ln>
+            <a:noFill/>
+          </a:ln>
+        </p:spPr>
+        <p:style>
+          <a:lnRef idx="2">
+            <a:schemeClr val="accent1">
+              <a:shade val="50000"/>
+            </a:schemeClr>
+          </a:lnRef>
+          <a:fillRef idx="1">
+            <a:schemeClr val="accent1"/>
+          </a:fillRef>
+          <a:effectRef idx="0">
+            <a:schemeClr val="accent1"/>
+          </a:effectRef>
+          <a:fontRef idx="minor">
+            <a:schemeClr val="lt1"/>
+          </a:fontRef>
+        </p:style>
+        <p:txBody>
+          <a:bodyPr rtlCol="0" anchor="ctr"/>
+          <a:lstStyle/>
+          <a:p>
+            <a:r>
+              <a:rPr lang="en-US" sz="2000" cap="small" dirty="0">
+                <a:solidFill>
+                  <a:schemeClr val="tx1"/>
+                </a:solidFill>
+                <a:latin typeface="Times New Roman" pitchFamily="18" charset="0"/>
+                <a:cs typeface="Times New Roman" pitchFamily="18" charset="0"/>
+              </a:rPr>
+              <a:t>Live Demo</a:t>
+            </a:r>
           </a:p>
         </p:txBody>
       </p:sp>
@@ -13667,7 +13881,7 @@
     </p:spTree>
     <p:extLst>
       <p:ext uri="{BB962C8B-B14F-4D97-AF65-F5344CB8AC3E}">
-        <p14:creationId xmlns="" xmlns:p14="http://schemas.microsoft.com/office/powerpoint/2010/main" val="132421686"/>
+        <p14:creationId xmlns:p14="http://schemas.microsoft.com/office/powerpoint/2010/main" xmlns="" val="1738454015"/>
       </p:ext>
     </p:extLst>
   </p:cSld>
@@ -13747,6 +13961,16 @@
           <a:p>
             <a:pPr algn="r"/>
             <a:r>
+              <a:rPr lang="de-DE" sz="2000" b="1" cap="small" dirty="0">
+                <a:solidFill>
+                  <a:schemeClr val="tx1"/>
+                </a:solidFill>
+                <a:latin typeface="Times New Roman" pitchFamily="18" charset="0"/>
+                <a:cs typeface="Times New Roman" pitchFamily="18" charset="0"/>
+              </a:rPr>
+              <a:t>Optical </a:t>
+            </a:r>
+            <a:r>
               <a:rPr lang="de-DE" sz="2000" b="1" cap="small" dirty="0" err="1">
                 <a:solidFill>
                   <a:schemeClr val="tx1"/>
@@ -13754,15 +13978,18 @@
                 <a:latin typeface="Times New Roman" pitchFamily="18" charset="0"/>
                 <a:cs typeface="Times New Roman" pitchFamily="18" charset="0"/>
               </a:rPr>
-              <a:t>Classification</a:t>
-            </a:r>
-            <a:endParaRPr lang="de-DE" sz="2000" b="1" cap="small" dirty="0">
-              <a:solidFill>
-                <a:schemeClr val="tx1"/>
-              </a:solidFill>
-              <a:latin typeface="Times New Roman" pitchFamily="18" charset="0"/>
-              <a:cs typeface="Times New Roman" pitchFamily="18" charset="0"/>
-            </a:endParaRPr>
+              <a:t>Character</a:t>
+            </a:r>
+            <a:r>
+              <a:rPr lang="de-DE" sz="2000" b="1" cap="small" dirty="0">
+                <a:solidFill>
+                  <a:schemeClr val="tx1"/>
+                </a:solidFill>
+                <a:latin typeface="Times New Roman" pitchFamily="18" charset="0"/>
+                <a:cs typeface="Times New Roman" pitchFamily="18" charset="0"/>
+              </a:rPr>
+              <a:t> Recognition</a:t>
+            </a:r>
           </a:p>
         </p:txBody>
       </p:sp>
@@ -13826,8 +14053,8 @@
         </p:nvSpPr>
         <p:spPr>
           <a:xfrm>
-            <a:off x="611560" y="836712"/>
-            <a:ext cx="8136904" cy="3744416"/>
+            <a:off x="611560" y="764704"/>
+            <a:ext cx="8136904" cy="2304256"/>
           </a:xfrm>
           <a:prstGeom prst="rect">
             <a:avLst/>
@@ -13872,7 +14099,7 @@
                 <a:latin typeface="Times New Roman" pitchFamily="18" charset="0"/>
                 <a:cs typeface="Times New Roman" pitchFamily="18" charset="0"/>
               </a:rPr>
-              <a:t>Pre analysis</a:t>
+              <a:t>Use camera orientation to rotate picture</a:t>
             </a:r>
           </a:p>
           <a:p>
@@ -13891,7 +14118,7 @@
                 <a:latin typeface="Times New Roman" pitchFamily="18" charset="0"/>
                 <a:cs typeface="Times New Roman" pitchFamily="18" charset="0"/>
               </a:rPr>
-              <a:t>Filter insignificant symbols</a:t>
+              <a:t>Resize image to 2000 x 1200 pixel</a:t>
             </a:r>
           </a:p>
           <a:p>
@@ -13910,7 +14137,7 @@
                 <a:latin typeface="Times New Roman" pitchFamily="18" charset="0"/>
                 <a:cs typeface="Times New Roman" pitchFamily="18" charset="0"/>
               </a:rPr>
-              <a:t>Combine single letters</a:t>
+              <a:t>Colored image to black and white</a:t>
             </a:r>
           </a:p>
           <a:p>
@@ -13922,6 +14149,16 @@
               <a:buChar char="•"/>
             </a:pPr>
             <a:r>
+              <a:rPr lang="en-US" sz="3200" dirty="0">
+                <a:solidFill>
+                  <a:schemeClr val="tx1"/>
+                </a:solidFill>
+                <a:latin typeface="Times New Roman" pitchFamily="18" charset="0"/>
+                <a:cs typeface="Times New Roman" pitchFamily="18" charset="0"/>
+              </a:rPr>
+              <a:t>Tesseract train language </a:t>
+            </a:r>
+            <a:r>
               <a:rPr lang="en-US" sz="3200" dirty="0" err="1">
                 <a:solidFill>
                   <a:schemeClr val="tx1"/>
@@ -13929,37 +14166,15 @@
                 <a:latin typeface="Times New Roman" pitchFamily="18" charset="0"/>
                 <a:cs typeface="Times New Roman" pitchFamily="18" charset="0"/>
               </a:rPr>
-              <a:t>Levenstein</a:t>
-            </a:r>
-            <a:r>
-              <a:rPr lang="en-US" sz="3200" dirty="0">
-                <a:solidFill>
-                  <a:schemeClr val="tx1"/>
-                </a:solidFill>
-                <a:latin typeface="Times New Roman" pitchFamily="18" charset="0"/>
-                <a:cs typeface="Times New Roman" pitchFamily="18" charset="0"/>
-              </a:rPr>
-              <a:t>-algorithm</a:t>
-            </a:r>
-          </a:p>
-          <a:p>
-            <a:pPr marL="285750" indent="-285750">
-              <a:lnSpc>
-                <a:spcPct val="150000"/>
-              </a:lnSpc>
-              <a:buFont typeface="Arial" panose="020B0604020202020204" pitchFamily="34" charset="0"/>
-              <a:buChar char="•"/>
-            </a:pPr>
-            <a:r>
-              <a:rPr lang="en-US" sz="3200" dirty="0">
-                <a:solidFill>
-                  <a:schemeClr val="tx1"/>
-                </a:solidFill>
-                <a:latin typeface="Times New Roman" pitchFamily="18" charset="0"/>
-                <a:cs typeface="Times New Roman" pitchFamily="18" charset="0"/>
-              </a:rPr>
-              <a:t>Post result adaption</a:t>
-            </a:r>
+              <a:t>deu_frak</a:t>
+            </a:r>
+            <a:endParaRPr lang="en-US" sz="3200" dirty="0">
+              <a:solidFill>
+                <a:schemeClr val="tx1"/>
+              </a:solidFill>
+              <a:latin typeface="Times New Roman" pitchFamily="18" charset="0"/>
+              <a:cs typeface="Times New Roman" pitchFamily="18" charset="0"/>
+            </a:endParaRPr>
           </a:p>
         </p:txBody>
       </p:sp>
@@ -14012,7 +14227,7 @@
     </p:spTree>
     <p:extLst>
       <p:ext uri="{BB962C8B-B14F-4D97-AF65-F5344CB8AC3E}">
-        <p14:creationId xmlns="" xmlns:p14="http://schemas.microsoft.com/office/powerpoint/2010/main" val="661168880"/>
+        <p14:creationId xmlns:p14="http://schemas.microsoft.com/office/powerpoint/2010/main" xmlns="" val="132421686"/>
       </p:ext>
     </p:extLst>
   </p:cSld>
@@ -14099,47 +14314,7 @@
                 <a:latin typeface="Times New Roman" pitchFamily="18" charset="0"/>
                 <a:cs typeface="Times New Roman" pitchFamily="18" charset="0"/>
               </a:rPr>
-              <a:t>Limitations</a:t>
-            </a:r>
-            <a:r>
-              <a:rPr lang="de-DE" sz="2000" b="1" cap="small" dirty="0">
-                <a:solidFill>
-                  <a:schemeClr val="tx1"/>
-                </a:solidFill>
-                <a:latin typeface="Times New Roman" pitchFamily="18" charset="0"/>
-                <a:cs typeface="Times New Roman" pitchFamily="18" charset="0"/>
-              </a:rPr>
-              <a:t> </a:t>
-            </a:r>
-            <a:r>
-              <a:rPr lang="de-DE" sz="2000" b="1" cap="small" dirty="0" err="1">
-                <a:solidFill>
-                  <a:schemeClr val="tx1"/>
-                </a:solidFill>
-                <a:latin typeface="Times New Roman" pitchFamily="18" charset="0"/>
-                <a:cs typeface="Times New Roman" pitchFamily="18" charset="0"/>
-              </a:rPr>
-              <a:t>and</a:t>
-            </a:r>
-            <a:r>
-              <a:rPr lang="de-DE" sz="2000" b="1" cap="small" dirty="0">
-                <a:solidFill>
-                  <a:schemeClr val="tx1"/>
-                </a:solidFill>
-                <a:latin typeface="Times New Roman" pitchFamily="18" charset="0"/>
-                <a:cs typeface="Times New Roman" pitchFamily="18" charset="0"/>
-              </a:rPr>
-              <a:t> </a:t>
-            </a:r>
-            <a:r>
-              <a:rPr lang="de-DE" sz="2000" b="1" cap="small" dirty="0" err="1">
-                <a:solidFill>
-                  <a:schemeClr val="tx1"/>
-                </a:solidFill>
-                <a:latin typeface="Times New Roman" pitchFamily="18" charset="0"/>
-                <a:cs typeface="Times New Roman" pitchFamily="18" charset="0"/>
-              </a:rPr>
-              <a:t>Issues</a:t>
+              <a:t>Classification</a:t>
             </a:r>
             <a:endParaRPr lang="de-DE" sz="2000" b="1" cap="small" dirty="0">
               <a:solidFill>
@@ -14257,7 +14432,7 @@
                 <a:latin typeface="Times New Roman" pitchFamily="18" charset="0"/>
                 <a:cs typeface="Times New Roman" pitchFamily="18" charset="0"/>
               </a:rPr>
-              <a:t>Orientation misleading - does not represent picture orientation</a:t>
+              <a:t>Pre analysis</a:t>
             </a:r>
           </a:p>
           <a:p>
@@ -14276,7 +14451,7 @@
                 <a:latin typeface="Times New Roman" pitchFamily="18" charset="0"/>
                 <a:cs typeface="Times New Roman" pitchFamily="18" charset="0"/>
               </a:rPr>
-              <a:t>Tesseract can not detect bold or large fonts</a:t>
+              <a:t>Filter insignificant symbols</a:t>
             </a:r>
           </a:p>
           <a:p>
@@ -14295,7 +14470,7 @@
                 <a:latin typeface="Times New Roman" pitchFamily="18" charset="0"/>
                 <a:cs typeface="Times New Roman" pitchFamily="18" charset="0"/>
               </a:rPr>
-              <a:t>Shop name classification highly depends on name length</a:t>
+              <a:t>Combine single letters</a:t>
             </a:r>
           </a:p>
           <a:p>
@@ -14307,6 +14482,16 @@
               <a:buChar char="•"/>
             </a:pPr>
             <a:r>
+              <a:rPr lang="en-US" sz="3200" dirty="0" err="1">
+                <a:solidFill>
+                  <a:schemeClr val="tx1"/>
+                </a:solidFill>
+                <a:latin typeface="Times New Roman" pitchFamily="18" charset="0"/>
+                <a:cs typeface="Times New Roman" pitchFamily="18" charset="0"/>
+              </a:rPr>
+              <a:t>Levenstein</a:t>
+            </a:r>
+            <a:r>
               <a:rPr lang="en-US" sz="3200" dirty="0">
                 <a:solidFill>
                   <a:schemeClr val="tx1"/>
@@ -14314,7 +14499,26 @@
                 <a:latin typeface="Times New Roman" pitchFamily="18" charset="0"/>
                 <a:cs typeface="Times New Roman" pitchFamily="18" charset="0"/>
               </a:rPr>
-              <a:t>Receipt sum detection is very depending on OCR results</a:t>
+              <a:t>-algorithm</a:t>
+            </a:r>
+          </a:p>
+          <a:p>
+            <a:pPr marL="285750" indent="-285750">
+              <a:lnSpc>
+                <a:spcPct val="150000"/>
+              </a:lnSpc>
+              <a:buFont typeface="Arial" panose="020B0604020202020204" pitchFamily="34" charset="0"/>
+              <a:buChar char="•"/>
+            </a:pPr>
+            <a:r>
+              <a:rPr lang="en-US" sz="3200" dirty="0">
+                <a:solidFill>
+                  <a:schemeClr val="tx1"/>
+                </a:solidFill>
+                <a:latin typeface="Times New Roman" pitchFamily="18" charset="0"/>
+                <a:cs typeface="Times New Roman" pitchFamily="18" charset="0"/>
+              </a:rPr>
+              <a:t>Post result adaption</a:t>
             </a:r>
           </a:p>
         </p:txBody>
@@ -14368,7 +14572,7 @@
     </p:spTree>
     <p:extLst>
       <p:ext uri="{BB962C8B-B14F-4D97-AF65-F5344CB8AC3E}">
-        <p14:creationId xmlns="" xmlns:p14="http://schemas.microsoft.com/office/powerpoint/2010/main" val="2174179275"/>
+        <p14:creationId xmlns:p14="http://schemas.microsoft.com/office/powerpoint/2010/main" xmlns="" val="661168880"/>
       </p:ext>
     </p:extLst>
   </p:cSld>
@@ -14447,25 +14651,55 @@
           <a:lstStyle/>
           <a:p>
             <a:pPr algn="r"/>
-            <a:endParaRPr lang="en-US" sz="2000" cap="small" dirty="0">
-              <a:solidFill>
-                <a:schemeClr val="tx1"/>
-              </a:solidFill>
-              <a:latin typeface="Times New Roman" pitchFamily="18" charset="0"/>
-              <a:cs typeface="Times New Roman" pitchFamily="18" charset="0"/>
-            </a:endParaRPr>
-          </a:p>
-          <a:p>
-            <a:pPr algn="r"/>
-            <a:r>
-              <a:rPr lang="en-US" sz="2000" b="1" cap="small" dirty="0">
+            <a:r>
+              <a:rPr lang="de-DE" sz="2000" b="1" cap="small" dirty="0" err="1">
                 <a:solidFill>
                   <a:schemeClr val="tx1"/>
                 </a:solidFill>
                 <a:latin typeface="Times New Roman" pitchFamily="18" charset="0"/>
                 <a:cs typeface="Times New Roman" pitchFamily="18" charset="0"/>
               </a:rPr>
-              <a:t>Tests &amp; statistics : How to make the photo</a:t>
+              <a:t>Limitations</a:t>
+            </a:r>
+            <a:r>
+              <a:rPr lang="de-DE" sz="2000" b="1" cap="small" dirty="0">
+                <a:solidFill>
+                  <a:schemeClr val="tx1"/>
+                </a:solidFill>
+                <a:latin typeface="Times New Roman" pitchFamily="18" charset="0"/>
+                <a:cs typeface="Times New Roman" pitchFamily="18" charset="0"/>
+              </a:rPr>
+              <a:t> </a:t>
+            </a:r>
+            <a:r>
+              <a:rPr lang="de-DE" sz="2000" b="1" cap="small" dirty="0" err="1">
+                <a:solidFill>
+                  <a:schemeClr val="tx1"/>
+                </a:solidFill>
+                <a:latin typeface="Times New Roman" pitchFamily="18" charset="0"/>
+                <a:cs typeface="Times New Roman" pitchFamily="18" charset="0"/>
+              </a:rPr>
+              <a:t>and</a:t>
+            </a:r>
+            <a:r>
+              <a:rPr lang="de-DE" sz="2000" b="1" cap="small" dirty="0">
+                <a:solidFill>
+                  <a:schemeClr val="tx1"/>
+                </a:solidFill>
+                <a:latin typeface="Times New Roman" pitchFamily="18" charset="0"/>
+                <a:cs typeface="Times New Roman" pitchFamily="18" charset="0"/>
+              </a:rPr>
+              <a:t> </a:t>
+            </a:r>
+            <a:r>
+              <a:rPr lang="de-DE" sz="2000" b="1" cap="small" dirty="0" err="1">
+                <a:solidFill>
+                  <a:schemeClr val="tx1"/>
+                </a:solidFill>
+                <a:latin typeface="Times New Roman" pitchFamily="18" charset="0"/>
+                <a:cs typeface="Times New Roman" pitchFamily="18" charset="0"/>
+              </a:rPr>
+              <a:t>Issues</a:t>
             </a:r>
             <a:endParaRPr lang="de-DE" sz="2000" b="1" cap="small" dirty="0">
               <a:solidFill>
@@ -14522,6 +14756,753 @@
           <a:lstStyle/>
           <a:p>
             <a:pPr algn="ctr"/>
+            <a:endParaRPr lang="de-DE">
+              <a:latin typeface="Times New Roman" pitchFamily="18" charset="0"/>
+              <a:cs typeface="Times New Roman" pitchFamily="18" charset="0"/>
+            </a:endParaRPr>
+          </a:p>
+        </p:txBody>
+      </p:sp>
+      <p:sp>
+        <p:nvSpPr>
+          <p:cNvPr id="70" name="Rechteck 69"/>
+          <p:cNvSpPr/>
+          <p:nvPr/>
+        </p:nvSpPr>
+        <p:spPr>
+          <a:xfrm>
+            <a:off x="611560" y="836712"/>
+            <a:ext cx="8136904" cy="3744416"/>
+          </a:xfrm>
+          <a:prstGeom prst="rect">
+            <a:avLst/>
+          </a:prstGeom>
+          <a:noFill/>
+          <a:ln>
+            <a:noFill/>
+          </a:ln>
+        </p:spPr>
+        <p:style>
+          <a:lnRef idx="2">
+            <a:schemeClr val="accent1">
+              <a:shade val="50000"/>
+            </a:schemeClr>
+          </a:lnRef>
+          <a:fillRef idx="1">
+            <a:schemeClr val="accent1"/>
+          </a:fillRef>
+          <a:effectRef idx="0">
+            <a:schemeClr val="accent1"/>
+          </a:effectRef>
+          <a:fontRef idx="minor">
+            <a:schemeClr val="lt1"/>
+          </a:fontRef>
+        </p:style>
+        <p:txBody>
+          <a:bodyPr rtlCol="0" anchor="t"/>
+          <a:lstStyle/>
+          <a:p>
+            <a:pPr marL="285750" indent="-285750">
+              <a:lnSpc>
+                <a:spcPct val="150000"/>
+              </a:lnSpc>
+              <a:buFont typeface="Arial" panose="020B0604020202020204" pitchFamily="34" charset="0"/>
+              <a:buChar char="•"/>
+            </a:pPr>
+            <a:r>
+              <a:rPr lang="en-US" sz="3200" dirty="0">
+                <a:solidFill>
+                  <a:schemeClr val="tx1"/>
+                </a:solidFill>
+                <a:latin typeface="Times New Roman" pitchFamily="18" charset="0"/>
+                <a:cs typeface="Times New Roman" pitchFamily="18" charset="0"/>
+              </a:rPr>
+              <a:t>Orientation misleading - does not represent picture orientation</a:t>
+            </a:r>
+          </a:p>
+          <a:p>
+            <a:pPr marL="285750" indent="-285750">
+              <a:lnSpc>
+                <a:spcPct val="150000"/>
+              </a:lnSpc>
+              <a:buFont typeface="Arial" panose="020B0604020202020204" pitchFamily="34" charset="0"/>
+              <a:buChar char="•"/>
+            </a:pPr>
+            <a:r>
+              <a:rPr lang="en-US" sz="3200" dirty="0">
+                <a:solidFill>
+                  <a:schemeClr val="tx1"/>
+                </a:solidFill>
+                <a:latin typeface="Times New Roman" pitchFamily="18" charset="0"/>
+                <a:cs typeface="Times New Roman" pitchFamily="18" charset="0"/>
+              </a:rPr>
+              <a:t>Tesseract can not detect bold or large fonts</a:t>
+            </a:r>
+          </a:p>
+          <a:p>
+            <a:pPr marL="285750" indent="-285750">
+              <a:lnSpc>
+                <a:spcPct val="150000"/>
+              </a:lnSpc>
+              <a:buFont typeface="Arial" panose="020B0604020202020204" pitchFamily="34" charset="0"/>
+              <a:buChar char="•"/>
+            </a:pPr>
+            <a:r>
+              <a:rPr lang="en-US" sz="3200" dirty="0">
+                <a:solidFill>
+                  <a:schemeClr val="tx1"/>
+                </a:solidFill>
+                <a:latin typeface="Times New Roman" pitchFamily="18" charset="0"/>
+                <a:cs typeface="Times New Roman" pitchFamily="18" charset="0"/>
+              </a:rPr>
+              <a:t>Shop name classification highly depends on name length</a:t>
+            </a:r>
+          </a:p>
+          <a:p>
+            <a:pPr marL="285750" indent="-285750">
+              <a:lnSpc>
+                <a:spcPct val="150000"/>
+              </a:lnSpc>
+              <a:buFont typeface="Arial" panose="020B0604020202020204" pitchFamily="34" charset="0"/>
+              <a:buChar char="•"/>
+            </a:pPr>
+            <a:r>
+              <a:rPr lang="en-US" sz="3200" dirty="0">
+                <a:solidFill>
+                  <a:schemeClr val="tx1"/>
+                </a:solidFill>
+                <a:latin typeface="Times New Roman" pitchFamily="18" charset="0"/>
+                <a:cs typeface="Times New Roman" pitchFamily="18" charset="0"/>
+              </a:rPr>
+              <a:t>Receipt sum detection is very depending on OCR results</a:t>
+            </a:r>
+          </a:p>
+        </p:txBody>
+      </p:sp>
+      <p:sp>
+        <p:nvSpPr>
+          <p:cNvPr id="2" name="Foliennummernplatzhalter 1"/>
+          <p:cNvSpPr>
+            <a:spLocks noGrp="1"/>
+          </p:cNvSpPr>
+          <p:nvPr>
+            <p:ph type="sldNum" sz="quarter" idx="12"/>
+          </p:nvPr>
+        </p:nvSpPr>
+        <p:spPr/>
+        <p:txBody>
+          <a:bodyPr/>
+          <a:lstStyle/>
+          <a:p>
+            <a:fld id="{C663554D-7BDA-4824-AC15-58BB57D86064}" type="slidenum">
+              <a:rPr lang="de-DE" smtClean="0"/>
+              <a:pPr/>
+              <a:t>29</a:t>
+            </a:fld>
+            <a:endParaRPr lang="de-DE"/>
+          </a:p>
+        </p:txBody>
+      </p:sp>
+      <p:sp>
+        <p:nvSpPr>
+          <p:cNvPr id="3" name="Fußzeilenplatzhalter 2"/>
+          <p:cNvSpPr>
+            <a:spLocks noGrp="1"/>
+          </p:cNvSpPr>
+          <p:nvPr>
+            <p:ph type="ftr" sz="quarter" idx="11"/>
+          </p:nvPr>
+        </p:nvSpPr>
+        <p:spPr/>
+        <p:txBody>
+          <a:bodyPr/>
+          <a:lstStyle/>
+          <a:p>
+            <a:r>
+              <a:rPr lang="de-DE"/>
+              <a:t>Kateryna Pryshchepa, Iuliia Guk, Thomas Röhl, Tetiana Lavrynovych, Sascha Zepf</a:t>
+            </a:r>
+          </a:p>
+        </p:txBody>
+      </p:sp>
+    </p:spTree>
+    <p:extLst>
+      <p:ext uri="{BB962C8B-B14F-4D97-AF65-F5344CB8AC3E}">
+        <p14:creationId xmlns:p14="http://schemas.microsoft.com/office/powerpoint/2010/main" xmlns="" val="2174179275"/>
+      </p:ext>
+    </p:extLst>
+  </p:cSld>
+  <p:clrMapOvr>
+    <a:masterClrMapping/>
+  </p:clrMapOvr>
+  <p:timing>
+    <p:tnLst>
+      <p:par>
+        <p:cTn id="1" dur="indefinite" restart="never" nodeType="tmRoot"/>
+      </p:par>
+    </p:tnLst>
+  </p:timing>
+</p:sld>
+</file>
+
+<file path=ppt/slides/slide3.xml><?xml version="1.0" encoding="utf-8"?>
+<p:sld xmlns:a="http://schemas.openxmlformats.org/drawingml/2006/main" xmlns:r="http://schemas.openxmlformats.org/officeDocument/2006/relationships" xmlns:p="http://schemas.openxmlformats.org/presentationml/2006/main">
+  <p:cSld>
+    <p:spTree>
+      <p:nvGrpSpPr>
+        <p:cNvPr id="1" name=""/>
+        <p:cNvGrpSpPr/>
+        <p:nvPr/>
+      </p:nvGrpSpPr>
+      <p:grpSpPr>
+        <a:xfrm>
+          <a:off x="0" y="0"/>
+          <a:ext cx="0" cy="0"/>
+          <a:chOff x="0" y="0"/>
+          <a:chExt cx="0" cy="0"/>
+        </a:xfrm>
+      </p:grpSpPr>
+      <p:sp>
+        <p:nvSpPr>
+          <p:cNvPr id="4" name="Rechteck 3"/>
+          <p:cNvSpPr/>
+          <p:nvPr/>
+        </p:nvSpPr>
+        <p:spPr>
+          <a:xfrm>
+            <a:off x="0" y="0"/>
+            <a:ext cx="9144000" cy="620688"/>
+          </a:xfrm>
+          <a:prstGeom prst="rect">
+            <a:avLst/>
+          </a:prstGeom>
+          <a:solidFill>
+            <a:schemeClr val="accent2">
+              <a:lumMod val="60000"/>
+              <a:lumOff val="40000"/>
+            </a:schemeClr>
+          </a:solidFill>
+          <a:ln>
+            <a:noFill/>
+          </a:ln>
+        </p:spPr>
+        <p:style>
+          <a:lnRef idx="2">
+            <a:schemeClr val="accent1">
+              <a:shade val="50000"/>
+            </a:schemeClr>
+          </a:lnRef>
+          <a:fillRef idx="1">
+            <a:schemeClr val="accent1"/>
+          </a:fillRef>
+          <a:effectRef idx="0">
+            <a:schemeClr val="accent1"/>
+          </a:effectRef>
+          <a:fontRef idx="minor">
+            <a:schemeClr val="lt1"/>
+          </a:fontRef>
+        </p:style>
+        <p:txBody>
+          <a:bodyPr rtlCol="0" anchor="ctr"/>
+          <a:lstStyle/>
+          <a:p>
+            <a:pPr algn="r"/>
+            <a:r>
+              <a:rPr lang="en-US" sz="2000" b="1" cap="small" dirty="0">
+                <a:solidFill>
+                  <a:schemeClr val="tx1"/>
+                </a:solidFill>
+                <a:latin typeface="Times New Roman" pitchFamily="18" charset="0"/>
+                <a:cs typeface="Times New Roman" pitchFamily="18" charset="0"/>
+              </a:rPr>
+              <a:t>Content</a:t>
+            </a:r>
+          </a:p>
+        </p:txBody>
+      </p:sp>
+      <p:sp>
+        <p:nvSpPr>
+          <p:cNvPr id="5" name="Rechteck 4"/>
+          <p:cNvSpPr/>
+          <p:nvPr/>
+        </p:nvSpPr>
+        <p:spPr>
+          <a:xfrm>
+            <a:off x="0" y="6237312"/>
+            <a:ext cx="9144000" cy="620688"/>
+          </a:xfrm>
+          <a:prstGeom prst="rect">
+            <a:avLst/>
+          </a:prstGeom>
+          <a:solidFill>
+            <a:schemeClr val="accent2">
+              <a:lumMod val="60000"/>
+              <a:lumOff val="40000"/>
+            </a:schemeClr>
+          </a:solidFill>
+          <a:ln>
+            <a:noFill/>
+          </a:ln>
+        </p:spPr>
+        <p:style>
+          <a:lnRef idx="2">
+            <a:schemeClr val="accent1">
+              <a:shade val="50000"/>
+            </a:schemeClr>
+          </a:lnRef>
+          <a:fillRef idx="1">
+            <a:schemeClr val="accent1"/>
+          </a:fillRef>
+          <a:effectRef idx="0">
+            <a:schemeClr val="accent1"/>
+          </a:effectRef>
+          <a:fontRef idx="minor">
+            <a:schemeClr val="lt1"/>
+          </a:fontRef>
+        </p:style>
+        <p:txBody>
+          <a:bodyPr rtlCol="0" anchor="ctr"/>
+          <a:lstStyle/>
+          <a:p>
+            <a:pPr algn="ctr"/>
+            <a:endParaRPr lang="en-US" cap="small" dirty="0">
+              <a:latin typeface="Times New Roman" pitchFamily="18" charset="0"/>
+              <a:cs typeface="Times New Roman" pitchFamily="18" charset="0"/>
+            </a:endParaRPr>
+          </a:p>
+        </p:txBody>
+      </p:sp>
+      <p:sp>
+        <p:nvSpPr>
+          <p:cNvPr id="9" name="Rechteck 8"/>
+          <p:cNvSpPr/>
+          <p:nvPr/>
+        </p:nvSpPr>
+        <p:spPr>
+          <a:xfrm>
+            <a:off x="251520" y="2448272"/>
+            <a:ext cx="8679101" cy="620688"/>
+          </a:xfrm>
+          <a:prstGeom prst="rect">
+            <a:avLst/>
+          </a:prstGeom>
+          <a:solidFill>
+            <a:schemeClr val="accent2">
+              <a:lumMod val="60000"/>
+              <a:lumOff val="40000"/>
+            </a:schemeClr>
+          </a:solidFill>
+          <a:ln>
+            <a:noFill/>
+          </a:ln>
+        </p:spPr>
+        <p:style>
+          <a:lnRef idx="2">
+            <a:schemeClr val="accent1">
+              <a:shade val="50000"/>
+            </a:schemeClr>
+          </a:lnRef>
+          <a:fillRef idx="1">
+            <a:schemeClr val="accent1"/>
+          </a:fillRef>
+          <a:effectRef idx="0">
+            <a:schemeClr val="accent1"/>
+          </a:effectRef>
+          <a:fontRef idx="minor">
+            <a:schemeClr val="lt1"/>
+          </a:fontRef>
+        </p:style>
+        <p:txBody>
+          <a:bodyPr rtlCol="0" anchor="ctr"/>
+          <a:lstStyle/>
+          <a:p>
+            <a:r>
+              <a:rPr lang="en-US" sz="2000" b="1" cap="small" dirty="0">
+                <a:solidFill>
+                  <a:schemeClr val="tx1"/>
+                </a:solidFill>
+                <a:latin typeface="Times New Roman" pitchFamily="18" charset="0"/>
+                <a:cs typeface="Times New Roman" pitchFamily="18" charset="0"/>
+              </a:rPr>
+              <a:t>Approach</a:t>
+            </a:r>
+          </a:p>
+        </p:txBody>
+      </p:sp>
+      <p:sp>
+        <p:nvSpPr>
+          <p:cNvPr id="10" name="Rechteck 9"/>
+          <p:cNvSpPr/>
+          <p:nvPr/>
+        </p:nvSpPr>
+        <p:spPr>
+          <a:xfrm>
+            <a:off x="251520" y="3384376"/>
+            <a:ext cx="8679101" cy="620688"/>
+          </a:xfrm>
+          <a:prstGeom prst="rect">
+            <a:avLst/>
+          </a:prstGeom>
+          <a:solidFill>
+            <a:schemeClr val="accent2">
+              <a:lumMod val="60000"/>
+              <a:lumOff val="40000"/>
+            </a:schemeClr>
+          </a:solidFill>
+          <a:ln>
+            <a:noFill/>
+          </a:ln>
+        </p:spPr>
+        <p:style>
+          <a:lnRef idx="2">
+            <a:schemeClr val="accent1">
+              <a:shade val="50000"/>
+            </a:schemeClr>
+          </a:lnRef>
+          <a:fillRef idx="1">
+            <a:schemeClr val="accent1"/>
+          </a:fillRef>
+          <a:effectRef idx="0">
+            <a:schemeClr val="accent1"/>
+          </a:effectRef>
+          <a:fontRef idx="minor">
+            <a:schemeClr val="lt1"/>
+          </a:fontRef>
+        </p:style>
+        <p:txBody>
+          <a:bodyPr rtlCol="0" anchor="ctr"/>
+          <a:lstStyle/>
+          <a:p>
+            <a:r>
+              <a:rPr lang="en-US" sz="2000" cap="small" dirty="0">
+                <a:solidFill>
+                  <a:schemeClr val="tx1"/>
+                </a:solidFill>
+                <a:latin typeface="Times New Roman" pitchFamily="18" charset="0"/>
+                <a:cs typeface="Times New Roman" pitchFamily="18" charset="0"/>
+              </a:rPr>
+              <a:t>Details</a:t>
+            </a:r>
+          </a:p>
+        </p:txBody>
+      </p:sp>
+      <p:sp>
+        <p:nvSpPr>
+          <p:cNvPr id="13" name="Rechteck 12"/>
+          <p:cNvSpPr/>
+          <p:nvPr/>
+        </p:nvSpPr>
+        <p:spPr>
+          <a:xfrm>
+            <a:off x="251520" y="4320480"/>
+            <a:ext cx="8679101" cy="620688"/>
+          </a:xfrm>
+          <a:prstGeom prst="rect">
+            <a:avLst/>
+          </a:prstGeom>
+          <a:solidFill>
+            <a:schemeClr val="accent2">
+              <a:lumMod val="60000"/>
+              <a:lumOff val="40000"/>
+            </a:schemeClr>
+          </a:solidFill>
+          <a:ln>
+            <a:noFill/>
+          </a:ln>
+        </p:spPr>
+        <p:style>
+          <a:lnRef idx="2">
+            <a:schemeClr val="accent1">
+              <a:shade val="50000"/>
+            </a:schemeClr>
+          </a:lnRef>
+          <a:fillRef idx="1">
+            <a:schemeClr val="accent1"/>
+          </a:fillRef>
+          <a:effectRef idx="0">
+            <a:schemeClr val="accent1"/>
+          </a:effectRef>
+          <a:fontRef idx="minor">
+            <a:schemeClr val="lt1"/>
+          </a:fontRef>
+        </p:style>
+        <p:txBody>
+          <a:bodyPr rtlCol="0" anchor="ctr"/>
+          <a:lstStyle/>
+          <a:p>
+            <a:r>
+              <a:rPr lang="en-US" sz="2000" cap="small" dirty="0">
+                <a:solidFill>
+                  <a:schemeClr val="tx1"/>
+                </a:solidFill>
+                <a:latin typeface="Times New Roman" pitchFamily="18" charset="0"/>
+                <a:cs typeface="Times New Roman" pitchFamily="18" charset="0"/>
+              </a:rPr>
+              <a:t>Conclusion</a:t>
+            </a:r>
+          </a:p>
+        </p:txBody>
+      </p:sp>
+      <p:sp>
+        <p:nvSpPr>
+          <p:cNvPr id="7" name="Rechteck 6"/>
+          <p:cNvSpPr/>
+          <p:nvPr/>
+        </p:nvSpPr>
+        <p:spPr>
+          <a:xfrm>
+            <a:off x="251520" y="1556792"/>
+            <a:ext cx="8679101" cy="620688"/>
+          </a:xfrm>
+          <a:prstGeom prst="rect">
+            <a:avLst/>
+          </a:prstGeom>
+          <a:solidFill>
+            <a:schemeClr val="accent2">
+              <a:lumMod val="60000"/>
+              <a:lumOff val="40000"/>
+            </a:schemeClr>
+          </a:solidFill>
+          <a:ln>
+            <a:noFill/>
+          </a:ln>
+        </p:spPr>
+        <p:style>
+          <a:lnRef idx="2">
+            <a:schemeClr val="accent1">
+              <a:shade val="50000"/>
+            </a:schemeClr>
+          </a:lnRef>
+          <a:fillRef idx="1">
+            <a:schemeClr val="accent1"/>
+          </a:fillRef>
+          <a:effectRef idx="0">
+            <a:schemeClr val="accent1"/>
+          </a:effectRef>
+          <a:fontRef idx="minor">
+            <a:schemeClr val="lt1"/>
+          </a:fontRef>
+        </p:style>
+        <p:txBody>
+          <a:bodyPr rtlCol="0" anchor="ctr"/>
+          <a:lstStyle/>
+          <a:p>
+            <a:r>
+              <a:rPr lang="en-US" sz="2000" cap="small" dirty="0">
+                <a:solidFill>
+                  <a:schemeClr val="tx1"/>
+                </a:solidFill>
+                <a:latin typeface="Times New Roman" pitchFamily="18" charset="0"/>
+                <a:cs typeface="Times New Roman" pitchFamily="18" charset="0"/>
+              </a:rPr>
+              <a:t>Live Demo</a:t>
+            </a:r>
+          </a:p>
+        </p:txBody>
+      </p:sp>
+      <p:sp>
+        <p:nvSpPr>
+          <p:cNvPr id="2" name="Foliennummernplatzhalter 1"/>
+          <p:cNvSpPr>
+            <a:spLocks noGrp="1"/>
+          </p:cNvSpPr>
+          <p:nvPr>
+            <p:ph type="sldNum" sz="quarter" idx="12"/>
+          </p:nvPr>
+        </p:nvSpPr>
+        <p:spPr/>
+        <p:txBody>
+          <a:bodyPr/>
+          <a:lstStyle/>
+          <a:p>
+            <a:fld id="{C663554D-7BDA-4824-AC15-58BB57D86064}" type="slidenum">
+              <a:rPr lang="de-DE" smtClean="0"/>
+              <a:pPr/>
+              <a:t>3</a:t>
+            </a:fld>
+            <a:endParaRPr lang="de-DE"/>
+          </a:p>
+        </p:txBody>
+      </p:sp>
+      <p:sp>
+        <p:nvSpPr>
+          <p:cNvPr id="3" name="Fußzeilenplatzhalter 2"/>
+          <p:cNvSpPr>
+            <a:spLocks noGrp="1"/>
+          </p:cNvSpPr>
+          <p:nvPr>
+            <p:ph type="ftr" sz="quarter" idx="11"/>
+          </p:nvPr>
+        </p:nvSpPr>
+        <p:spPr/>
+        <p:txBody>
+          <a:bodyPr/>
+          <a:lstStyle/>
+          <a:p>
+            <a:r>
+              <a:rPr lang="de-DE"/>
+              <a:t>Kateryna Pryshchepa, Iuliia Guk, Thomas Röhl, Tetiana Lavrynovych, Sascha Zepf</a:t>
+            </a:r>
+          </a:p>
+        </p:txBody>
+      </p:sp>
+    </p:spTree>
+    <p:extLst>
+      <p:ext uri="{BB962C8B-B14F-4D97-AF65-F5344CB8AC3E}">
+        <p14:creationId xmlns:p14="http://schemas.microsoft.com/office/powerpoint/2010/main" xmlns="" val="289148284"/>
+      </p:ext>
+    </p:extLst>
+  </p:cSld>
+  <p:clrMapOvr>
+    <a:masterClrMapping/>
+  </p:clrMapOvr>
+  <p:timing>
+    <p:tnLst>
+      <p:par>
+        <p:cTn id="1" dur="indefinite" restart="never" nodeType="tmRoot"/>
+      </p:par>
+    </p:tnLst>
+  </p:timing>
+</p:sld>
+</file>
+
+<file path=ppt/slides/slide30.xml><?xml version="1.0" encoding="utf-8"?>
+<p:sld xmlns:a="http://schemas.openxmlformats.org/drawingml/2006/main" xmlns:r="http://schemas.openxmlformats.org/officeDocument/2006/relationships" xmlns:p="http://schemas.openxmlformats.org/presentationml/2006/main">
+  <p:cSld>
+    <p:spTree>
+      <p:nvGrpSpPr>
+        <p:cNvPr id="1" name=""/>
+        <p:cNvGrpSpPr/>
+        <p:nvPr/>
+      </p:nvGrpSpPr>
+      <p:grpSpPr>
+        <a:xfrm>
+          <a:off x="0" y="0"/>
+          <a:ext cx="0" cy="0"/>
+          <a:chOff x="0" y="0"/>
+          <a:chExt cx="0" cy="0"/>
+        </a:xfrm>
+      </p:grpSpPr>
+      <p:sp>
+        <p:nvSpPr>
+          <p:cNvPr id="4" name="Rechteck 3"/>
+          <p:cNvSpPr/>
+          <p:nvPr/>
+        </p:nvSpPr>
+        <p:spPr>
+          <a:xfrm>
+            <a:off x="0" y="0"/>
+            <a:ext cx="9144000" cy="620688"/>
+          </a:xfrm>
+          <a:prstGeom prst="rect">
+            <a:avLst/>
+          </a:prstGeom>
+          <a:solidFill>
+            <a:schemeClr val="accent2">
+              <a:lumMod val="60000"/>
+              <a:lumOff val="40000"/>
+            </a:schemeClr>
+          </a:solidFill>
+          <a:ln>
+            <a:noFill/>
+          </a:ln>
+        </p:spPr>
+        <p:style>
+          <a:lnRef idx="2">
+            <a:schemeClr val="accent1">
+              <a:shade val="50000"/>
+            </a:schemeClr>
+          </a:lnRef>
+          <a:fillRef idx="1">
+            <a:schemeClr val="accent1"/>
+          </a:fillRef>
+          <a:effectRef idx="0">
+            <a:schemeClr val="accent1"/>
+          </a:effectRef>
+          <a:fontRef idx="minor">
+            <a:schemeClr val="lt1"/>
+          </a:fontRef>
+        </p:style>
+        <p:txBody>
+          <a:bodyPr rtlCol="0" anchor="ctr"/>
+          <a:lstStyle/>
+          <a:p>
+            <a:pPr algn="r"/>
+            <a:endParaRPr lang="en-US" sz="2000" cap="small" dirty="0">
+              <a:solidFill>
+                <a:schemeClr val="tx1"/>
+              </a:solidFill>
+              <a:latin typeface="Times New Roman" pitchFamily="18" charset="0"/>
+              <a:cs typeface="Times New Roman" pitchFamily="18" charset="0"/>
+            </a:endParaRPr>
+          </a:p>
+          <a:p>
+            <a:pPr algn="r"/>
+            <a:r>
+              <a:rPr lang="en-US" sz="2000" b="1" cap="small" dirty="0">
+                <a:solidFill>
+                  <a:schemeClr val="tx1"/>
+                </a:solidFill>
+                <a:latin typeface="Times New Roman" pitchFamily="18" charset="0"/>
+                <a:cs typeface="Times New Roman" pitchFamily="18" charset="0"/>
+              </a:rPr>
+              <a:t>Tests &amp; statistics : How to make the photo</a:t>
+            </a:r>
+            <a:endParaRPr lang="de-DE" sz="2000" b="1" cap="small" dirty="0">
+              <a:solidFill>
+                <a:schemeClr val="tx1"/>
+              </a:solidFill>
+              <a:latin typeface="Times New Roman" pitchFamily="18" charset="0"/>
+              <a:cs typeface="Times New Roman" pitchFamily="18" charset="0"/>
+            </a:endParaRPr>
+          </a:p>
+        </p:txBody>
+      </p:sp>
+      <p:sp>
+        <p:nvSpPr>
+          <p:cNvPr id="5" name="Rechteck 4"/>
+          <p:cNvSpPr/>
+          <p:nvPr/>
+        </p:nvSpPr>
+        <p:spPr>
+          <a:xfrm>
+            <a:off x="0" y="6237312"/>
+            <a:ext cx="9144000" cy="620688"/>
+          </a:xfrm>
+          <a:prstGeom prst="rect">
+            <a:avLst/>
+          </a:prstGeom>
+          <a:solidFill>
+            <a:schemeClr val="accent2">
+              <a:lumMod val="60000"/>
+              <a:lumOff val="40000"/>
+            </a:schemeClr>
+          </a:solidFill>
+          <a:ln>
+            <a:noFill/>
+          </a:ln>
+        </p:spPr>
+        <p:style>
+          <a:lnRef idx="2">
+            <a:schemeClr val="accent1">
+              <a:shade val="50000"/>
+            </a:schemeClr>
+          </a:lnRef>
+          <a:fillRef idx="1">
+            <a:schemeClr val="accent1"/>
+          </a:fillRef>
+          <a:effectRef idx="0">
+            <a:schemeClr val="accent1"/>
+          </a:effectRef>
+          <a:fontRef idx="minor">
+            <a:schemeClr val="lt1"/>
+          </a:fontRef>
+        </p:style>
+        <p:txBody>
+          <a:bodyPr rtlCol="0" anchor="ctr"/>
+          <a:lstStyle/>
+          <a:p>
+            <a:pPr algn="ctr"/>
             <a:endParaRPr lang="de-DE" dirty="0">
               <a:latin typeface="Times New Roman" pitchFamily="18" charset="0"/>
               <a:cs typeface="Times New Roman" pitchFamily="18" charset="0"/>
@@ -14536,7 +15517,7 @@
           <p:nvPr>
             <p:extLst>
               <p:ext uri="{D42A27DB-BD31-4B8C-83A1-F6EECF244321}">
-                <p14:modId xmlns="" xmlns:p14="http://schemas.microsoft.com/office/powerpoint/2010/main" val="624701637"/>
+                <p14:modId xmlns:p14="http://schemas.microsoft.com/office/powerpoint/2010/main" xmlns="" val="624701637"/>
               </p:ext>
             </p:extLst>
           </p:nvPr>
@@ -14555,14 +15536,14 @@
                 <a:gridCol w="2160000">
                   <a:extLst>
                     <a:ext uri="{9D8B030D-6E8A-4147-A177-3AD203B41FA5}">
-                      <a16:colId xmlns="" xmlns:a16="http://schemas.microsoft.com/office/drawing/2014/main" val="20000"/>
+                      <a16:colId xmlns:a16="http://schemas.microsoft.com/office/drawing/2014/main" xmlns="" val="20000"/>
                     </a:ext>
                   </a:extLst>
                 </a:gridCol>
                 <a:gridCol w="2160000">
                   <a:extLst>
                     <a:ext uri="{9D8B030D-6E8A-4147-A177-3AD203B41FA5}">
-                      <a16:colId xmlns="" xmlns:a16="http://schemas.microsoft.com/office/drawing/2014/main" val="20001"/>
+                      <a16:colId xmlns:a16="http://schemas.microsoft.com/office/drawing/2014/main" xmlns="" val="20001"/>
                     </a:ext>
                   </a:extLst>
                 </a:gridCol>
@@ -14641,7 +15622,7 @@
                 </a:tc>
                 <a:extLst>
                   <a:ext uri="{0D108BD9-81ED-4DB2-BD59-A6C34878D82A}">
-                    <a16:rowId xmlns="" xmlns:a16="http://schemas.microsoft.com/office/drawing/2014/main" val="10000"/>
+                    <a16:rowId xmlns:a16="http://schemas.microsoft.com/office/drawing/2014/main" xmlns="" val="10000"/>
                   </a:ext>
                 </a:extLst>
               </a:tr>
@@ -14722,7 +15703,7 @@
                 </a:tc>
                 <a:extLst>
                   <a:ext uri="{0D108BD9-81ED-4DB2-BD59-A6C34878D82A}">
-                    <a16:rowId xmlns="" xmlns:a16="http://schemas.microsoft.com/office/drawing/2014/main" val="10001"/>
+                    <a16:rowId xmlns:a16="http://schemas.microsoft.com/office/drawing/2014/main" xmlns="" val="10001"/>
                   </a:ext>
                 </a:extLst>
               </a:tr>
@@ -14803,7 +15784,7 @@
                 </a:tc>
                 <a:extLst>
                   <a:ext uri="{0D108BD9-81ED-4DB2-BD59-A6C34878D82A}">
-                    <a16:rowId xmlns="" xmlns:a16="http://schemas.microsoft.com/office/drawing/2014/main" val="10002"/>
+                    <a16:rowId xmlns:a16="http://schemas.microsoft.com/office/drawing/2014/main" xmlns="" val="10002"/>
                   </a:ext>
                 </a:extLst>
               </a:tr>
@@ -14818,7 +15799,7 @@
           <p:nvPr>
             <p:extLst>
               <p:ext uri="{D42A27DB-BD31-4B8C-83A1-F6EECF244321}">
-                <p14:modId xmlns="" xmlns:p14="http://schemas.microsoft.com/office/powerpoint/2010/main" val="3205360364"/>
+                <p14:modId xmlns:p14="http://schemas.microsoft.com/office/powerpoint/2010/main" xmlns="" val="3205360364"/>
               </p:ext>
             </p:extLst>
           </p:nvPr>
@@ -14837,14 +15818,14 @@
                 <a:gridCol w="2117296">
                   <a:extLst>
                     <a:ext uri="{9D8B030D-6E8A-4147-A177-3AD203B41FA5}">
-                      <a16:colId xmlns="" xmlns:a16="http://schemas.microsoft.com/office/drawing/2014/main" val="20000"/>
+                      <a16:colId xmlns:a16="http://schemas.microsoft.com/office/drawing/2014/main" xmlns="" val="20000"/>
                     </a:ext>
                   </a:extLst>
                 </a:gridCol>
                 <a:gridCol w="2117296">
                   <a:extLst>
                     <a:ext uri="{9D8B030D-6E8A-4147-A177-3AD203B41FA5}">
-                      <a16:colId xmlns="" xmlns:a16="http://schemas.microsoft.com/office/drawing/2014/main" val="20001"/>
+                      <a16:colId xmlns:a16="http://schemas.microsoft.com/office/drawing/2014/main" xmlns="" val="20001"/>
                     </a:ext>
                   </a:extLst>
                 </a:gridCol>
@@ -14923,7 +15904,7 @@
                 </a:tc>
                 <a:extLst>
                   <a:ext uri="{0D108BD9-81ED-4DB2-BD59-A6C34878D82A}">
-                    <a16:rowId xmlns="" xmlns:a16="http://schemas.microsoft.com/office/drawing/2014/main" val="10000"/>
+                    <a16:rowId xmlns:a16="http://schemas.microsoft.com/office/drawing/2014/main" xmlns="" val="10000"/>
                   </a:ext>
                 </a:extLst>
               </a:tr>
@@ -15004,7 +15985,7 @@
                 </a:tc>
                 <a:extLst>
                   <a:ext uri="{0D108BD9-81ED-4DB2-BD59-A6C34878D82A}">
-                    <a16:rowId xmlns="" xmlns:a16="http://schemas.microsoft.com/office/drawing/2014/main" val="10001"/>
+                    <a16:rowId xmlns:a16="http://schemas.microsoft.com/office/drawing/2014/main" xmlns="" val="10001"/>
                   </a:ext>
                 </a:extLst>
               </a:tr>
@@ -15085,7 +16066,7 @@
                 </a:tc>
                 <a:extLst>
                   <a:ext uri="{0D108BD9-81ED-4DB2-BD59-A6C34878D82A}">
-                    <a16:rowId xmlns="" xmlns:a16="http://schemas.microsoft.com/office/drawing/2014/main" val="10002"/>
+                    <a16:rowId xmlns:a16="http://schemas.microsoft.com/office/drawing/2014/main" xmlns="" val="10002"/>
                   </a:ext>
                 </a:extLst>
               </a:tr>
@@ -15100,7 +16081,7 @@
           <p:nvPr>
             <p:extLst>
               <p:ext uri="{D42A27DB-BD31-4B8C-83A1-F6EECF244321}">
-                <p14:modId xmlns="" xmlns:p14="http://schemas.microsoft.com/office/powerpoint/2010/main" val="1718736617"/>
+                <p14:modId xmlns:p14="http://schemas.microsoft.com/office/powerpoint/2010/main" xmlns="" val="1718736617"/>
               </p:ext>
             </p:extLst>
           </p:nvPr>
@@ -15119,14 +16100,14 @@
                 <a:gridCol w="2160000">
                   <a:extLst>
                     <a:ext uri="{9D8B030D-6E8A-4147-A177-3AD203B41FA5}">
-                      <a16:colId xmlns="" xmlns:a16="http://schemas.microsoft.com/office/drawing/2014/main" val="20000"/>
+                      <a16:colId xmlns:a16="http://schemas.microsoft.com/office/drawing/2014/main" xmlns="" val="20000"/>
                     </a:ext>
                   </a:extLst>
                 </a:gridCol>
                 <a:gridCol w="2160000">
                   <a:extLst>
                     <a:ext uri="{9D8B030D-6E8A-4147-A177-3AD203B41FA5}">
-                      <a16:colId xmlns="" xmlns:a16="http://schemas.microsoft.com/office/drawing/2014/main" val="20001"/>
+                      <a16:colId xmlns:a16="http://schemas.microsoft.com/office/drawing/2014/main" xmlns="" val="20001"/>
                     </a:ext>
                   </a:extLst>
                 </a:gridCol>
@@ -15205,7 +16186,7 @@
                 </a:tc>
                 <a:extLst>
                   <a:ext uri="{0D108BD9-81ED-4DB2-BD59-A6C34878D82A}">
-                    <a16:rowId xmlns="" xmlns:a16="http://schemas.microsoft.com/office/drawing/2014/main" val="10000"/>
+                    <a16:rowId xmlns:a16="http://schemas.microsoft.com/office/drawing/2014/main" xmlns="" val="10000"/>
                   </a:ext>
                 </a:extLst>
               </a:tr>
@@ -15286,7 +16267,7 @@
                 </a:tc>
                 <a:extLst>
                   <a:ext uri="{0D108BD9-81ED-4DB2-BD59-A6C34878D82A}">
-                    <a16:rowId xmlns="" xmlns:a16="http://schemas.microsoft.com/office/drawing/2014/main" val="10001"/>
+                    <a16:rowId xmlns:a16="http://schemas.microsoft.com/office/drawing/2014/main" xmlns="" val="10001"/>
                   </a:ext>
                 </a:extLst>
               </a:tr>
@@ -15367,7 +16348,7 @@
                 </a:tc>
                 <a:extLst>
                   <a:ext uri="{0D108BD9-81ED-4DB2-BD59-A6C34878D82A}">
-                    <a16:rowId xmlns="" xmlns:a16="http://schemas.microsoft.com/office/drawing/2014/main" val="10002"/>
+                    <a16:rowId xmlns:a16="http://schemas.microsoft.com/office/drawing/2014/main" xmlns="" val="10002"/>
                   </a:ext>
                 </a:extLst>
               </a:tr>
@@ -15382,7 +16363,7 @@
           <p:nvPr>
             <p:extLst>
               <p:ext uri="{D42A27DB-BD31-4B8C-83A1-F6EECF244321}">
-                <p14:modId xmlns="" xmlns:p14="http://schemas.microsoft.com/office/powerpoint/2010/main" val="1101549373"/>
+                <p14:modId xmlns:p14="http://schemas.microsoft.com/office/powerpoint/2010/main" xmlns="" val="1101549373"/>
               </p:ext>
             </p:extLst>
           </p:nvPr>
@@ -15401,14 +16382,14 @@
                 <a:gridCol w="2117296">
                   <a:extLst>
                     <a:ext uri="{9D8B030D-6E8A-4147-A177-3AD203B41FA5}">
-                      <a16:colId xmlns="" xmlns:a16="http://schemas.microsoft.com/office/drawing/2014/main" val="20000"/>
+                      <a16:colId xmlns:a16="http://schemas.microsoft.com/office/drawing/2014/main" xmlns="" val="20000"/>
                     </a:ext>
                   </a:extLst>
                 </a:gridCol>
                 <a:gridCol w="2117296">
                   <a:extLst>
                     <a:ext uri="{9D8B030D-6E8A-4147-A177-3AD203B41FA5}">
-                      <a16:colId xmlns="" xmlns:a16="http://schemas.microsoft.com/office/drawing/2014/main" val="20001"/>
+                      <a16:colId xmlns:a16="http://schemas.microsoft.com/office/drawing/2014/main" xmlns="" val="20001"/>
                     </a:ext>
                   </a:extLst>
                 </a:gridCol>
@@ -15487,7 +16468,7 @@
                 </a:tc>
                 <a:extLst>
                   <a:ext uri="{0D108BD9-81ED-4DB2-BD59-A6C34878D82A}">
-                    <a16:rowId xmlns="" xmlns:a16="http://schemas.microsoft.com/office/drawing/2014/main" val="10000"/>
+                    <a16:rowId xmlns:a16="http://schemas.microsoft.com/office/drawing/2014/main" xmlns="" val="10000"/>
                   </a:ext>
                 </a:extLst>
               </a:tr>
@@ -15568,7 +16549,7 @@
                 </a:tc>
                 <a:extLst>
                   <a:ext uri="{0D108BD9-81ED-4DB2-BD59-A6C34878D82A}">
-                    <a16:rowId xmlns="" xmlns:a16="http://schemas.microsoft.com/office/drawing/2014/main" val="10001"/>
+                    <a16:rowId xmlns:a16="http://schemas.microsoft.com/office/drawing/2014/main" xmlns="" val="10001"/>
                   </a:ext>
                 </a:extLst>
               </a:tr>
@@ -15649,7 +16630,7 @@
                 </a:tc>
                 <a:extLst>
                   <a:ext uri="{0D108BD9-81ED-4DB2-BD59-A6C34878D82A}">
-                    <a16:rowId xmlns="" xmlns:a16="http://schemas.microsoft.com/office/drawing/2014/main" val="10002"/>
+                    <a16:rowId xmlns:a16="http://schemas.microsoft.com/office/drawing/2014/main" xmlns="" val="10002"/>
                   </a:ext>
                 </a:extLst>
               </a:tr>
@@ -15675,7 +16656,7 @@
             <a:fld id="{C663554D-7BDA-4824-AC15-58BB57D86064}" type="slidenum">
               <a:rPr lang="de-DE" smtClean="0"/>
               <a:pPr/>
-              <a:t>29</a:t>
+              <a:t>30</a:t>
             </a:fld>
             <a:endParaRPr lang="de-DE"/>
           </a:p>
@@ -15706,849 +16687,7 @@
     </p:spTree>
     <p:extLst>
       <p:ext uri="{BB962C8B-B14F-4D97-AF65-F5344CB8AC3E}">
-        <p14:creationId xmlns="" xmlns:p14="http://schemas.microsoft.com/office/powerpoint/2010/main" val="4142020794"/>
-      </p:ext>
-    </p:extLst>
-  </p:cSld>
-  <p:clrMapOvr>
-    <a:masterClrMapping/>
-  </p:clrMapOvr>
-  <p:timing>
-    <p:tnLst>
-      <p:par>
-        <p:cTn id="1" dur="indefinite" restart="never" nodeType="tmRoot"/>
-      </p:par>
-    </p:tnLst>
-  </p:timing>
-</p:sld>
-</file>
-
-<file path=ppt/slides/slide3.xml><?xml version="1.0" encoding="utf-8"?>
-<p:sld xmlns:a="http://schemas.openxmlformats.org/drawingml/2006/main" xmlns:r="http://schemas.openxmlformats.org/officeDocument/2006/relationships" xmlns:p="http://schemas.openxmlformats.org/presentationml/2006/main">
-  <p:cSld>
-    <p:spTree>
-      <p:nvGrpSpPr>
-        <p:cNvPr id="1" name=""/>
-        <p:cNvGrpSpPr/>
-        <p:nvPr/>
-      </p:nvGrpSpPr>
-      <p:grpSpPr>
-        <a:xfrm>
-          <a:off x="0" y="0"/>
-          <a:ext cx="0" cy="0"/>
-          <a:chOff x="0" y="0"/>
-          <a:chExt cx="0" cy="0"/>
-        </a:xfrm>
-      </p:grpSpPr>
-      <p:sp>
-        <p:nvSpPr>
-          <p:cNvPr id="4" name="Rechteck 3"/>
-          <p:cNvSpPr/>
-          <p:nvPr/>
-        </p:nvSpPr>
-        <p:spPr>
-          <a:xfrm>
-            <a:off x="0" y="0"/>
-            <a:ext cx="9144000" cy="620688"/>
-          </a:xfrm>
-          <a:prstGeom prst="rect">
-            <a:avLst/>
-          </a:prstGeom>
-          <a:solidFill>
-            <a:schemeClr val="accent2">
-              <a:lumMod val="60000"/>
-              <a:lumOff val="40000"/>
-            </a:schemeClr>
-          </a:solidFill>
-          <a:ln>
-            <a:noFill/>
-          </a:ln>
-        </p:spPr>
-        <p:style>
-          <a:lnRef idx="2">
-            <a:schemeClr val="accent1">
-              <a:shade val="50000"/>
-            </a:schemeClr>
-          </a:lnRef>
-          <a:fillRef idx="1">
-            <a:schemeClr val="accent1"/>
-          </a:fillRef>
-          <a:effectRef idx="0">
-            <a:schemeClr val="accent1"/>
-          </a:effectRef>
-          <a:fontRef idx="minor">
-            <a:schemeClr val="lt1"/>
-          </a:fontRef>
-        </p:style>
-        <p:txBody>
-          <a:bodyPr rtlCol="0" anchor="ctr"/>
-          <a:lstStyle/>
-          <a:p>
-            <a:pPr algn="r"/>
-            <a:r>
-              <a:rPr lang="en-US" sz="2000" b="1" cap="small" dirty="0">
-                <a:solidFill>
-                  <a:schemeClr val="tx1"/>
-                </a:solidFill>
-                <a:latin typeface="Times New Roman" pitchFamily="18" charset="0"/>
-                <a:cs typeface="Times New Roman" pitchFamily="18" charset="0"/>
-              </a:rPr>
-              <a:t>Content</a:t>
-            </a:r>
-          </a:p>
-        </p:txBody>
-      </p:sp>
-      <p:sp>
-        <p:nvSpPr>
-          <p:cNvPr id="5" name="Rechteck 4"/>
-          <p:cNvSpPr/>
-          <p:nvPr/>
-        </p:nvSpPr>
-        <p:spPr>
-          <a:xfrm>
-            <a:off x="0" y="6237312"/>
-            <a:ext cx="9144000" cy="620688"/>
-          </a:xfrm>
-          <a:prstGeom prst="rect">
-            <a:avLst/>
-          </a:prstGeom>
-          <a:solidFill>
-            <a:schemeClr val="accent2">
-              <a:lumMod val="60000"/>
-              <a:lumOff val="40000"/>
-            </a:schemeClr>
-          </a:solidFill>
-          <a:ln>
-            <a:noFill/>
-          </a:ln>
-        </p:spPr>
-        <p:style>
-          <a:lnRef idx="2">
-            <a:schemeClr val="accent1">
-              <a:shade val="50000"/>
-            </a:schemeClr>
-          </a:lnRef>
-          <a:fillRef idx="1">
-            <a:schemeClr val="accent1"/>
-          </a:fillRef>
-          <a:effectRef idx="0">
-            <a:schemeClr val="accent1"/>
-          </a:effectRef>
-          <a:fontRef idx="minor">
-            <a:schemeClr val="lt1"/>
-          </a:fontRef>
-        </p:style>
-        <p:txBody>
-          <a:bodyPr rtlCol="0" anchor="ctr"/>
-          <a:lstStyle/>
-          <a:p>
-            <a:pPr algn="ctr"/>
-            <a:endParaRPr lang="en-US" cap="small" dirty="0">
-              <a:latin typeface="Times New Roman" pitchFamily="18" charset="0"/>
-              <a:cs typeface="Times New Roman" pitchFamily="18" charset="0"/>
-            </a:endParaRPr>
-          </a:p>
-        </p:txBody>
-      </p:sp>
-      <p:sp>
-        <p:nvSpPr>
-          <p:cNvPr id="9" name="Rechteck 8"/>
-          <p:cNvSpPr/>
-          <p:nvPr/>
-        </p:nvSpPr>
-        <p:spPr>
-          <a:xfrm>
-            <a:off x="251520" y="2448272"/>
-            <a:ext cx="8679101" cy="620688"/>
-          </a:xfrm>
-          <a:prstGeom prst="rect">
-            <a:avLst/>
-          </a:prstGeom>
-          <a:solidFill>
-            <a:schemeClr val="accent2">
-              <a:lumMod val="60000"/>
-              <a:lumOff val="40000"/>
-            </a:schemeClr>
-          </a:solidFill>
-          <a:ln>
-            <a:noFill/>
-          </a:ln>
-        </p:spPr>
-        <p:style>
-          <a:lnRef idx="2">
-            <a:schemeClr val="accent1">
-              <a:shade val="50000"/>
-            </a:schemeClr>
-          </a:lnRef>
-          <a:fillRef idx="1">
-            <a:schemeClr val="accent1"/>
-          </a:fillRef>
-          <a:effectRef idx="0">
-            <a:schemeClr val="accent1"/>
-          </a:effectRef>
-          <a:fontRef idx="minor">
-            <a:schemeClr val="lt1"/>
-          </a:fontRef>
-        </p:style>
-        <p:txBody>
-          <a:bodyPr rtlCol="0" anchor="ctr"/>
-          <a:lstStyle/>
-          <a:p>
-            <a:r>
-              <a:rPr lang="en-US" sz="2000" b="1" cap="small" dirty="0">
-                <a:solidFill>
-                  <a:schemeClr val="tx1"/>
-                </a:solidFill>
-                <a:latin typeface="Times New Roman" pitchFamily="18" charset="0"/>
-                <a:cs typeface="Times New Roman" pitchFamily="18" charset="0"/>
-              </a:rPr>
-              <a:t>Approach</a:t>
-            </a:r>
-          </a:p>
-        </p:txBody>
-      </p:sp>
-      <p:sp>
-        <p:nvSpPr>
-          <p:cNvPr id="10" name="Rechteck 9"/>
-          <p:cNvSpPr/>
-          <p:nvPr/>
-        </p:nvSpPr>
-        <p:spPr>
-          <a:xfrm>
-            <a:off x="251520" y="3384376"/>
-            <a:ext cx="8679101" cy="620688"/>
-          </a:xfrm>
-          <a:prstGeom prst="rect">
-            <a:avLst/>
-          </a:prstGeom>
-          <a:solidFill>
-            <a:schemeClr val="accent2">
-              <a:lumMod val="60000"/>
-              <a:lumOff val="40000"/>
-            </a:schemeClr>
-          </a:solidFill>
-          <a:ln>
-            <a:noFill/>
-          </a:ln>
-        </p:spPr>
-        <p:style>
-          <a:lnRef idx="2">
-            <a:schemeClr val="accent1">
-              <a:shade val="50000"/>
-            </a:schemeClr>
-          </a:lnRef>
-          <a:fillRef idx="1">
-            <a:schemeClr val="accent1"/>
-          </a:fillRef>
-          <a:effectRef idx="0">
-            <a:schemeClr val="accent1"/>
-          </a:effectRef>
-          <a:fontRef idx="minor">
-            <a:schemeClr val="lt1"/>
-          </a:fontRef>
-        </p:style>
-        <p:txBody>
-          <a:bodyPr rtlCol="0" anchor="ctr"/>
-          <a:lstStyle/>
-          <a:p>
-            <a:r>
-              <a:rPr lang="en-US" sz="2000" cap="small" dirty="0">
-                <a:solidFill>
-                  <a:schemeClr val="tx1"/>
-                </a:solidFill>
-                <a:latin typeface="Times New Roman" pitchFamily="18" charset="0"/>
-                <a:cs typeface="Times New Roman" pitchFamily="18" charset="0"/>
-              </a:rPr>
-              <a:t>Details</a:t>
-            </a:r>
-          </a:p>
-        </p:txBody>
-      </p:sp>
-      <p:sp>
-        <p:nvSpPr>
-          <p:cNvPr id="13" name="Rechteck 12"/>
-          <p:cNvSpPr/>
-          <p:nvPr/>
-        </p:nvSpPr>
-        <p:spPr>
-          <a:xfrm>
-            <a:off x="251520" y="4320480"/>
-            <a:ext cx="8679101" cy="620688"/>
-          </a:xfrm>
-          <a:prstGeom prst="rect">
-            <a:avLst/>
-          </a:prstGeom>
-          <a:solidFill>
-            <a:schemeClr val="accent2">
-              <a:lumMod val="60000"/>
-              <a:lumOff val="40000"/>
-            </a:schemeClr>
-          </a:solidFill>
-          <a:ln>
-            <a:noFill/>
-          </a:ln>
-        </p:spPr>
-        <p:style>
-          <a:lnRef idx="2">
-            <a:schemeClr val="accent1">
-              <a:shade val="50000"/>
-            </a:schemeClr>
-          </a:lnRef>
-          <a:fillRef idx="1">
-            <a:schemeClr val="accent1"/>
-          </a:fillRef>
-          <a:effectRef idx="0">
-            <a:schemeClr val="accent1"/>
-          </a:effectRef>
-          <a:fontRef idx="minor">
-            <a:schemeClr val="lt1"/>
-          </a:fontRef>
-        </p:style>
-        <p:txBody>
-          <a:bodyPr rtlCol="0" anchor="ctr"/>
-          <a:lstStyle/>
-          <a:p>
-            <a:r>
-              <a:rPr lang="en-US" sz="2000" cap="small" dirty="0">
-                <a:solidFill>
-                  <a:schemeClr val="tx1"/>
-                </a:solidFill>
-                <a:latin typeface="Times New Roman" pitchFamily="18" charset="0"/>
-                <a:cs typeface="Times New Roman" pitchFamily="18" charset="0"/>
-              </a:rPr>
-              <a:t>Conclusion</a:t>
-            </a:r>
-          </a:p>
-        </p:txBody>
-      </p:sp>
-      <p:sp>
-        <p:nvSpPr>
-          <p:cNvPr id="7" name="Rechteck 6"/>
-          <p:cNvSpPr/>
-          <p:nvPr/>
-        </p:nvSpPr>
-        <p:spPr>
-          <a:xfrm>
-            <a:off x="251520" y="1556792"/>
-            <a:ext cx="8679101" cy="620688"/>
-          </a:xfrm>
-          <a:prstGeom prst="rect">
-            <a:avLst/>
-          </a:prstGeom>
-          <a:solidFill>
-            <a:schemeClr val="accent2">
-              <a:lumMod val="60000"/>
-              <a:lumOff val="40000"/>
-            </a:schemeClr>
-          </a:solidFill>
-          <a:ln>
-            <a:noFill/>
-          </a:ln>
-        </p:spPr>
-        <p:style>
-          <a:lnRef idx="2">
-            <a:schemeClr val="accent1">
-              <a:shade val="50000"/>
-            </a:schemeClr>
-          </a:lnRef>
-          <a:fillRef idx="1">
-            <a:schemeClr val="accent1"/>
-          </a:fillRef>
-          <a:effectRef idx="0">
-            <a:schemeClr val="accent1"/>
-          </a:effectRef>
-          <a:fontRef idx="minor">
-            <a:schemeClr val="lt1"/>
-          </a:fontRef>
-        </p:style>
-        <p:txBody>
-          <a:bodyPr rtlCol="0" anchor="ctr"/>
-          <a:lstStyle/>
-          <a:p>
-            <a:r>
-              <a:rPr lang="en-US" sz="2000" cap="small" dirty="0">
-                <a:solidFill>
-                  <a:schemeClr val="tx1"/>
-                </a:solidFill>
-                <a:latin typeface="Times New Roman" pitchFamily="18" charset="0"/>
-                <a:cs typeface="Times New Roman" pitchFamily="18" charset="0"/>
-              </a:rPr>
-              <a:t>Live Demo</a:t>
-            </a:r>
-          </a:p>
-        </p:txBody>
-      </p:sp>
-      <p:sp>
-        <p:nvSpPr>
-          <p:cNvPr id="2" name="Foliennummernplatzhalter 1"/>
-          <p:cNvSpPr>
-            <a:spLocks noGrp="1"/>
-          </p:cNvSpPr>
-          <p:nvPr>
-            <p:ph type="sldNum" sz="quarter" idx="12"/>
-          </p:nvPr>
-        </p:nvSpPr>
-        <p:spPr/>
-        <p:txBody>
-          <a:bodyPr/>
-          <a:lstStyle/>
-          <a:p>
-            <a:fld id="{C663554D-7BDA-4824-AC15-58BB57D86064}" type="slidenum">
-              <a:rPr lang="de-DE" smtClean="0"/>
-              <a:pPr/>
-              <a:t>3</a:t>
-            </a:fld>
-            <a:endParaRPr lang="de-DE"/>
-          </a:p>
-        </p:txBody>
-      </p:sp>
-      <p:sp>
-        <p:nvSpPr>
-          <p:cNvPr id="3" name="Fußzeilenplatzhalter 2"/>
-          <p:cNvSpPr>
-            <a:spLocks noGrp="1"/>
-          </p:cNvSpPr>
-          <p:nvPr>
-            <p:ph type="ftr" sz="quarter" idx="11"/>
-          </p:nvPr>
-        </p:nvSpPr>
-        <p:spPr/>
-        <p:txBody>
-          <a:bodyPr/>
-          <a:lstStyle/>
-          <a:p>
-            <a:r>
-              <a:rPr lang="de-DE"/>
-              <a:t>Kateryna Pryshchepa, Iuliia Guk, Thomas Röhl, Tetiana Lavrynovych, Sascha Zepf</a:t>
-            </a:r>
-          </a:p>
-        </p:txBody>
-      </p:sp>
-    </p:spTree>
-    <p:extLst>
-      <p:ext uri="{BB962C8B-B14F-4D97-AF65-F5344CB8AC3E}">
-        <p14:creationId xmlns="" xmlns:p14="http://schemas.microsoft.com/office/powerpoint/2010/main" val="289148284"/>
-      </p:ext>
-    </p:extLst>
-  </p:cSld>
-  <p:clrMapOvr>
-    <a:masterClrMapping/>
-  </p:clrMapOvr>
-  <p:timing>
-    <p:tnLst>
-      <p:par>
-        <p:cTn id="1" dur="indefinite" restart="never" nodeType="tmRoot"/>
-      </p:par>
-    </p:tnLst>
-  </p:timing>
-</p:sld>
-</file>
-
-<file path=ppt/slides/slide30.xml><?xml version="1.0" encoding="utf-8"?>
-<p:sld xmlns:a="http://schemas.openxmlformats.org/drawingml/2006/main" xmlns:r="http://schemas.openxmlformats.org/officeDocument/2006/relationships" xmlns:p="http://schemas.openxmlformats.org/presentationml/2006/main">
-  <p:cSld>
-    <p:spTree>
-      <p:nvGrpSpPr>
-        <p:cNvPr id="1" name=""/>
-        <p:cNvGrpSpPr/>
-        <p:nvPr/>
-      </p:nvGrpSpPr>
-      <p:grpSpPr>
-        <a:xfrm>
-          <a:off x="0" y="0"/>
-          <a:ext cx="0" cy="0"/>
-          <a:chOff x="0" y="0"/>
-          <a:chExt cx="0" cy="0"/>
-        </a:xfrm>
-      </p:grpSpPr>
-      <p:sp>
-        <p:nvSpPr>
-          <p:cNvPr id="4" name="Rechteck 3"/>
-          <p:cNvSpPr/>
-          <p:nvPr/>
-        </p:nvSpPr>
-        <p:spPr>
-          <a:xfrm>
-            <a:off x="0" y="0"/>
-            <a:ext cx="9144000" cy="620688"/>
-          </a:xfrm>
-          <a:prstGeom prst="rect">
-            <a:avLst/>
-          </a:prstGeom>
-          <a:solidFill>
-            <a:schemeClr val="accent2">
-              <a:lumMod val="60000"/>
-              <a:lumOff val="40000"/>
-            </a:schemeClr>
-          </a:solidFill>
-          <a:ln>
-            <a:noFill/>
-          </a:ln>
-        </p:spPr>
-        <p:style>
-          <a:lnRef idx="2">
-            <a:schemeClr val="accent1">
-              <a:shade val="50000"/>
-            </a:schemeClr>
-          </a:lnRef>
-          <a:fillRef idx="1">
-            <a:schemeClr val="accent1"/>
-          </a:fillRef>
-          <a:effectRef idx="0">
-            <a:schemeClr val="accent1"/>
-          </a:effectRef>
-          <a:fontRef idx="minor">
-            <a:schemeClr val="lt1"/>
-          </a:fontRef>
-        </p:style>
-        <p:txBody>
-          <a:bodyPr rtlCol="0" anchor="ctr"/>
-          <a:lstStyle/>
-          <a:p>
-            <a:pPr algn="r"/>
-            <a:r>
-              <a:rPr lang="en-US" sz="2000" b="1" cap="small" dirty="0">
-                <a:solidFill>
-                  <a:schemeClr val="tx1"/>
-                </a:solidFill>
-                <a:latin typeface="Times New Roman" pitchFamily="18" charset="0"/>
-                <a:cs typeface="Times New Roman" pitchFamily="18" charset="0"/>
-              </a:rPr>
-              <a:t>Content</a:t>
-            </a:r>
-          </a:p>
-        </p:txBody>
-      </p:sp>
-      <p:sp>
-        <p:nvSpPr>
-          <p:cNvPr id="5" name="Rechteck 4"/>
-          <p:cNvSpPr/>
-          <p:nvPr/>
-        </p:nvSpPr>
-        <p:spPr>
-          <a:xfrm>
-            <a:off x="0" y="6237312"/>
-            <a:ext cx="9144000" cy="620688"/>
-          </a:xfrm>
-          <a:prstGeom prst="rect">
-            <a:avLst/>
-          </a:prstGeom>
-          <a:solidFill>
-            <a:schemeClr val="accent2">
-              <a:lumMod val="60000"/>
-              <a:lumOff val="40000"/>
-            </a:schemeClr>
-          </a:solidFill>
-          <a:ln>
-            <a:noFill/>
-          </a:ln>
-        </p:spPr>
-        <p:style>
-          <a:lnRef idx="2">
-            <a:schemeClr val="accent1">
-              <a:shade val="50000"/>
-            </a:schemeClr>
-          </a:lnRef>
-          <a:fillRef idx="1">
-            <a:schemeClr val="accent1"/>
-          </a:fillRef>
-          <a:effectRef idx="0">
-            <a:schemeClr val="accent1"/>
-          </a:effectRef>
-          <a:fontRef idx="minor">
-            <a:schemeClr val="lt1"/>
-          </a:fontRef>
-        </p:style>
-        <p:txBody>
-          <a:bodyPr rtlCol="0" anchor="ctr"/>
-          <a:lstStyle/>
-          <a:p>
-            <a:pPr algn="ctr"/>
-            <a:endParaRPr lang="en-US" cap="small" dirty="0">
-              <a:latin typeface="Times New Roman" pitchFamily="18" charset="0"/>
-              <a:cs typeface="Times New Roman" pitchFamily="18" charset="0"/>
-            </a:endParaRPr>
-          </a:p>
-        </p:txBody>
-      </p:sp>
-      <p:sp>
-        <p:nvSpPr>
-          <p:cNvPr id="9" name="Rechteck 8"/>
-          <p:cNvSpPr/>
-          <p:nvPr/>
-        </p:nvSpPr>
-        <p:spPr>
-          <a:xfrm>
-            <a:off x="251520" y="2448272"/>
-            <a:ext cx="8679101" cy="620688"/>
-          </a:xfrm>
-          <a:prstGeom prst="rect">
-            <a:avLst/>
-          </a:prstGeom>
-          <a:solidFill>
-            <a:schemeClr val="accent2">
-              <a:lumMod val="60000"/>
-              <a:lumOff val="40000"/>
-            </a:schemeClr>
-          </a:solidFill>
-          <a:ln>
-            <a:noFill/>
-          </a:ln>
-        </p:spPr>
-        <p:style>
-          <a:lnRef idx="2">
-            <a:schemeClr val="accent1">
-              <a:shade val="50000"/>
-            </a:schemeClr>
-          </a:lnRef>
-          <a:fillRef idx="1">
-            <a:schemeClr val="accent1"/>
-          </a:fillRef>
-          <a:effectRef idx="0">
-            <a:schemeClr val="accent1"/>
-          </a:effectRef>
-          <a:fontRef idx="minor">
-            <a:schemeClr val="lt1"/>
-          </a:fontRef>
-        </p:style>
-        <p:txBody>
-          <a:bodyPr rtlCol="0" anchor="ctr"/>
-          <a:lstStyle/>
-          <a:p>
-            <a:r>
-              <a:rPr lang="en-US" sz="2000" cap="small" dirty="0">
-                <a:solidFill>
-                  <a:schemeClr val="tx1"/>
-                </a:solidFill>
-                <a:latin typeface="Times New Roman" pitchFamily="18" charset="0"/>
-                <a:cs typeface="Times New Roman" pitchFamily="18" charset="0"/>
-              </a:rPr>
-              <a:t>Approach</a:t>
-            </a:r>
-          </a:p>
-        </p:txBody>
-      </p:sp>
-      <p:sp>
-        <p:nvSpPr>
-          <p:cNvPr id="10" name="Rechteck 9"/>
-          <p:cNvSpPr/>
-          <p:nvPr/>
-        </p:nvSpPr>
-        <p:spPr>
-          <a:xfrm>
-            <a:off x="251520" y="3384376"/>
-            <a:ext cx="8679101" cy="620688"/>
-          </a:xfrm>
-          <a:prstGeom prst="rect">
-            <a:avLst/>
-          </a:prstGeom>
-          <a:solidFill>
-            <a:schemeClr val="accent2">
-              <a:lumMod val="60000"/>
-              <a:lumOff val="40000"/>
-            </a:schemeClr>
-          </a:solidFill>
-          <a:ln>
-            <a:noFill/>
-          </a:ln>
-        </p:spPr>
-        <p:style>
-          <a:lnRef idx="2">
-            <a:schemeClr val="accent1">
-              <a:shade val="50000"/>
-            </a:schemeClr>
-          </a:lnRef>
-          <a:fillRef idx="1">
-            <a:schemeClr val="accent1"/>
-          </a:fillRef>
-          <a:effectRef idx="0">
-            <a:schemeClr val="accent1"/>
-          </a:effectRef>
-          <a:fontRef idx="minor">
-            <a:schemeClr val="lt1"/>
-          </a:fontRef>
-        </p:style>
-        <p:txBody>
-          <a:bodyPr rtlCol="0" anchor="ctr"/>
-          <a:lstStyle/>
-          <a:p>
-            <a:r>
-              <a:rPr lang="en-US" sz="2000" cap="small" dirty="0">
-                <a:solidFill>
-                  <a:schemeClr val="tx1"/>
-                </a:solidFill>
-                <a:latin typeface="Times New Roman" pitchFamily="18" charset="0"/>
-                <a:cs typeface="Times New Roman" pitchFamily="18" charset="0"/>
-              </a:rPr>
-              <a:t>Details</a:t>
-            </a:r>
-          </a:p>
-        </p:txBody>
-      </p:sp>
-      <p:sp>
-        <p:nvSpPr>
-          <p:cNvPr id="13" name="Rechteck 12"/>
-          <p:cNvSpPr/>
-          <p:nvPr/>
-        </p:nvSpPr>
-        <p:spPr>
-          <a:xfrm>
-            <a:off x="251520" y="4320480"/>
-            <a:ext cx="8679101" cy="620688"/>
-          </a:xfrm>
-          <a:prstGeom prst="rect">
-            <a:avLst/>
-          </a:prstGeom>
-          <a:solidFill>
-            <a:schemeClr val="accent2">
-              <a:lumMod val="60000"/>
-              <a:lumOff val="40000"/>
-            </a:schemeClr>
-          </a:solidFill>
-          <a:ln>
-            <a:noFill/>
-          </a:ln>
-        </p:spPr>
-        <p:style>
-          <a:lnRef idx="2">
-            <a:schemeClr val="accent1">
-              <a:shade val="50000"/>
-            </a:schemeClr>
-          </a:lnRef>
-          <a:fillRef idx="1">
-            <a:schemeClr val="accent1"/>
-          </a:fillRef>
-          <a:effectRef idx="0">
-            <a:schemeClr val="accent1"/>
-          </a:effectRef>
-          <a:fontRef idx="minor">
-            <a:schemeClr val="lt1"/>
-          </a:fontRef>
-        </p:style>
-        <p:txBody>
-          <a:bodyPr rtlCol="0" anchor="ctr"/>
-          <a:lstStyle/>
-          <a:p>
-            <a:r>
-              <a:rPr lang="en-US" sz="2000" b="1" cap="small" dirty="0">
-                <a:solidFill>
-                  <a:schemeClr val="tx1"/>
-                </a:solidFill>
-                <a:latin typeface="Times New Roman" pitchFamily="18" charset="0"/>
-                <a:cs typeface="Times New Roman" pitchFamily="18" charset="0"/>
-              </a:rPr>
-              <a:t>Conclusion</a:t>
-            </a:r>
-          </a:p>
-        </p:txBody>
-      </p:sp>
-      <p:sp>
-        <p:nvSpPr>
-          <p:cNvPr id="7" name="Rechteck 6"/>
-          <p:cNvSpPr/>
-          <p:nvPr/>
-        </p:nvSpPr>
-        <p:spPr>
-          <a:xfrm>
-            <a:off x="251520" y="1556792"/>
-            <a:ext cx="8679101" cy="620688"/>
-          </a:xfrm>
-          <a:prstGeom prst="rect">
-            <a:avLst/>
-          </a:prstGeom>
-          <a:solidFill>
-            <a:schemeClr val="accent2">
-              <a:lumMod val="60000"/>
-              <a:lumOff val="40000"/>
-            </a:schemeClr>
-          </a:solidFill>
-          <a:ln>
-            <a:noFill/>
-          </a:ln>
-        </p:spPr>
-        <p:style>
-          <a:lnRef idx="2">
-            <a:schemeClr val="accent1">
-              <a:shade val="50000"/>
-            </a:schemeClr>
-          </a:lnRef>
-          <a:fillRef idx="1">
-            <a:schemeClr val="accent1"/>
-          </a:fillRef>
-          <a:effectRef idx="0">
-            <a:schemeClr val="accent1"/>
-          </a:effectRef>
-          <a:fontRef idx="minor">
-            <a:schemeClr val="lt1"/>
-          </a:fontRef>
-        </p:style>
-        <p:txBody>
-          <a:bodyPr rtlCol="0" anchor="ctr"/>
-          <a:lstStyle/>
-          <a:p>
-            <a:r>
-              <a:rPr lang="en-US" sz="2000" cap="small" dirty="0">
-                <a:solidFill>
-                  <a:schemeClr val="tx1"/>
-                </a:solidFill>
-                <a:latin typeface="Times New Roman" pitchFamily="18" charset="0"/>
-                <a:cs typeface="Times New Roman" pitchFamily="18" charset="0"/>
-              </a:rPr>
-              <a:t>Live Demo</a:t>
-            </a:r>
-          </a:p>
-        </p:txBody>
-      </p:sp>
-      <p:sp>
-        <p:nvSpPr>
-          <p:cNvPr id="2" name="Foliennummernplatzhalter 1"/>
-          <p:cNvSpPr>
-            <a:spLocks noGrp="1"/>
-          </p:cNvSpPr>
-          <p:nvPr>
-            <p:ph type="sldNum" sz="quarter" idx="12"/>
-          </p:nvPr>
-        </p:nvSpPr>
-        <p:spPr/>
-        <p:txBody>
-          <a:bodyPr/>
-          <a:lstStyle/>
-          <a:p>
-            <a:fld id="{C663554D-7BDA-4824-AC15-58BB57D86064}" type="slidenum">
-              <a:rPr lang="de-DE" smtClean="0"/>
-              <a:pPr/>
-              <a:t>30</a:t>
-            </a:fld>
-            <a:endParaRPr lang="de-DE"/>
-          </a:p>
-        </p:txBody>
-      </p:sp>
-      <p:sp>
-        <p:nvSpPr>
-          <p:cNvPr id="3" name="Fußzeilenplatzhalter 2"/>
-          <p:cNvSpPr>
-            <a:spLocks noGrp="1"/>
-          </p:cNvSpPr>
-          <p:nvPr>
-            <p:ph type="ftr" sz="quarter" idx="11"/>
-          </p:nvPr>
-        </p:nvSpPr>
-        <p:spPr/>
-        <p:txBody>
-          <a:bodyPr/>
-          <a:lstStyle/>
-          <a:p>
-            <a:r>
-              <a:rPr lang="de-DE"/>
-              <a:t>Kateryna Pryshchepa, Iuliia Guk, Thomas Röhl, Tetiana Lavrynovych, Sascha Zepf</a:t>
-            </a:r>
-          </a:p>
-        </p:txBody>
-      </p:sp>
-    </p:spTree>
-    <p:extLst>
-      <p:ext uri="{BB962C8B-B14F-4D97-AF65-F5344CB8AC3E}">
-        <p14:creationId xmlns="" xmlns:p14="http://schemas.microsoft.com/office/powerpoint/2010/main" val="2081312345"/>
+        <p14:creationId xmlns:p14="http://schemas.microsoft.com/office/powerpoint/2010/main" xmlns="" val="4142020794"/>
       </p:ext>
     </p:extLst>
   </p:cSld>
@@ -16628,34 +16767,14 @@
           <a:p>
             <a:pPr algn="r"/>
             <a:r>
-              <a:rPr lang="de-DE" sz="2000" b="1" cap="small" dirty="0">
+              <a:rPr lang="en-US" sz="2000" b="1" cap="small" dirty="0">
                 <a:solidFill>
                   <a:schemeClr val="tx1"/>
                 </a:solidFill>
                 <a:latin typeface="Times New Roman" pitchFamily="18" charset="0"/>
                 <a:cs typeface="Times New Roman" pitchFamily="18" charset="0"/>
               </a:rPr>
-              <a:t>Forecast </a:t>
-            </a:r>
-            <a:r>
-              <a:rPr lang="de-DE" sz="2000" b="1" cap="small" dirty="0" err="1">
-                <a:solidFill>
-                  <a:schemeClr val="tx1"/>
-                </a:solidFill>
-                <a:latin typeface="Times New Roman" pitchFamily="18" charset="0"/>
-                <a:cs typeface="Times New Roman" pitchFamily="18" charset="0"/>
-              </a:rPr>
-              <a:t>to</a:t>
-            </a:r>
-            <a:r>
-              <a:rPr lang="de-DE" sz="2000" b="1" cap="small" dirty="0">
-                <a:solidFill>
-                  <a:schemeClr val="tx1"/>
-                </a:solidFill>
-                <a:latin typeface="Times New Roman" pitchFamily="18" charset="0"/>
-                <a:cs typeface="Times New Roman" pitchFamily="18" charset="0"/>
-              </a:rPr>
-              <a:t> Market</a:t>
+              <a:t>Content</a:t>
             </a:r>
           </a:p>
         </p:txBody>
@@ -16705,7 +16824,7 @@
           <a:lstStyle/>
           <a:p>
             <a:pPr algn="ctr"/>
-            <a:endParaRPr lang="de-DE">
+            <a:endParaRPr lang="en-US" cap="small" dirty="0">
               <a:latin typeface="Times New Roman" pitchFamily="18" charset="0"/>
               <a:cs typeface="Times New Roman" pitchFamily="18" charset="0"/>
             </a:endParaRPr>
@@ -16714,19 +16833,24 @@
       </p:sp>
       <p:sp>
         <p:nvSpPr>
-          <p:cNvPr id="70" name="Rechteck 69"/>
+          <p:cNvPr id="9" name="Rechteck 8"/>
           <p:cNvSpPr/>
           <p:nvPr/>
         </p:nvSpPr>
         <p:spPr>
           <a:xfrm>
-            <a:off x="611560" y="836712"/>
-            <a:ext cx="8136904" cy="3744416"/>
+            <a:off x="251520" y="2448272"/>
+            <a:ext cx="8679101" cy="620688"/>
           </a:xfrm>
           <a:prstGeom prst="rect">
             <a:avLst/>
           </a:prstGeom>
-          <a:noFill/>
+          <a:solidFill>
+            <a:schemeClr val="accent2">
+              <a:lumMod val="60000"/>
+              <a:lumOff val="40000"/>
+            </a:schemeClr>
+          </a:solidFill>
           <a:ln>
             <a:noFill/>
           </a:ln>
@@ -16748,137 +16872,190 @@
           </a:fontRef>
         </p:style>
         <p:txBody>
-          <a:bodyPr rtlCol="0" anchor="t"/>
-          <a:lstStyle/>
-          <a:p>
-            <a:pPr marL="285750" indent="-285750">
-              <a:lnSpc>
-                <a:spcPct val="150000"/>
-              </a:lnSpc>
-              <a:buFont typeface="Arial" panose="020B0604020202020204" pitchFamily="34" charset="0"/>
-              <a:buChar char="•"/>
-            </a:pPr>
-            <a:r>
-              <a:rPr lang="en-US" dirty="0">
+          <a:bodyPr rtlCol="0" anchor="ctr"/>
+          <a:lstStyle/>
+          <a:p>
+            <a:r>
+              <a:rPr lang="en-US" sz="2000" cap="small" dirty="0">
                 <a:solidFill>
                   <a:schemeClr val="tx1"/>
                 </a:solidFill>
                 <a:latin typeface="Times New Roman" pitchFamily="18" charset="0"/>
                 <a:cs typeface="Times New Roman" pitchFamily="18" charset="0"/>
               </a:rPr>
-              <a:t>Some Key-functionalities couldn’t be finished during the semester. Major Topics are:	</a:t>
-            </a:r>
-          </a:p>
-          <a:p>
-            <a:pPr marL="742950" lvl="1" indent="-285750">
-              <a:lnSpc>
-                <a:spcPct val="150000"/>
-              </a:lnSpc>
-              <a:buFont typeface="Arial" panose="020B0604020202020204" pitchFamily="34" charset="0"/>
-              <a:buChar char="•"/>
-            </a:pPr>
-            <a:r>
-              <a:rPr lang="en-US" dirty="0">
+              <a:t>Approach</a:t>
+            </a:r>
+          </a:p>
+        </p:txBody>
+      </p:sp>
+      <p:sp>
+        <p:nvSpPr>
+          <p:cNvPr id="10" name="Rechteck 9"/>
+          <p:cNvSpPr/>
+          <p:nvPr/>
+        </p:nvSpPr>
+        <p:spPr>
+          <a:xfrm>
+            <a:off x="251520" y="3384376"/>
+            <a:ext cx="8679101" cy="620688"/>
+          </a:xfrm>
+          <a:prstGeom prst="rect">
+            <a:avLst/>
+          </a:prstGeom>
+          <a:solidFill>
+            <a:schemeClr val="accent2">
+              <a:lumMod val="60000"/>
+              <a:lumOff val="40000"/>
+            </a:schemeClr>
+          </a:solidFill>
+          <a:ln>
+            <a:noFill/>
+          </a:ln>
+        </p:spPr>
+        <p:style>
+          <a:lnRef idx="2">
+            <a:schemeClr val="accent1">
+              <a:shade val="50000"/>
+            </a:schemeClr>
+          </a:lnRef>
+          <a:fillRef idx="1">
+            <a:schemeClr val="accent1"/>
+          </a:fillRef>
+          <a:effectRef idx="0">
+            <a:schemeClr val="accent1"/>
+          </a:effectRef>
+          <a:fontRef idx="minor">
+            <a:schemeClr val="lt1"/>
+          </a:fontRef>
+        </p:style>
+        <p:txBody>
+          <a:bodyPr rtlCol="0" anchor="ctr"/>
+          <a:lstStyle/>
+          <a:p>
+            <a:r>
+              <a:rPr lang="en-US" sz="2000" cap="small" dirty="0">
                 <a:solidFill>
                   <a:schemeClr val="tx1"/>
                 </a:solidFill>
                 <a:latin typeface="Times New Roman" pitchFamily="18" charset="0"/>
                 <a:cs typeface="Times New Roman" pitchFamily="18" charset="0"/>
               </a:rPr>
-              <a:t>Session handling</a:t>
-            </a:r>
-          </a:p>
-          <a:p>
-            <a:pPr marL="742950" lvl="1" indent="-285750">
-              <a:lnSpc>
-                <a:spcPct val="150000"/>
-              </a:lnSpc>
-              <a:buFont typeface="Arial" panose="020B0604020202020204" pitchFamily="34" charset="0"/>
-              <a:buChar char="•"/>
-            </a:pPr>
-            <a:r>
-              <a:rPr lang="en-US" dirty="0">
+              <a:t>Details</a:t>
+            </a:r>
+          </a:p>
+        </p:txBody>
+      </p:sp>
+      <p:sp>
+        <p:nvSpPr>
+          <p:cNvPr id="13" name="Rechteck 12"/>
+          <p:cNvSpPr/>
+          <p:nvPr/>
+        </p:nvSpPr>
+        <p:spPr>
+          <a:xfrm>
+            <a:off x="251520" y="4320480"/>
+            <a:ext cx="8679101" cy="620688"/>
+          </a:xfrm>
+          <a:prstGeom prst="rect">
+            <a:avLst/>
+          </a:prstGeom>
+          <a:solidFill>
+            <a:schemeClr val="accent2">
+              <a:lumMod val="60000"/>
+              <a:lumOff val="40000"/>
+            </a:schemeClr>
+          </a:solidFill>
+          <a:ln>
+            <a:noFill/>
+          </a:ln>
+        </p:spPr>
+        <p:style>
+          <a:lnRef idx="2">
+            <a:schemeClr val="accent1">
+              <a:shade val="50000"/>
+            </a:schemeClr>
+          </a:lnRef>
+          <a:fillRef idx="1">
+            <a:schemeClr val="accent1"/>
+          </a:fillRef>
+          <a:effectRef idx="0">
+            <a:schemeClr val="accent1"/>
+          </a:effectRef>
+          <a:fontRef idx="minor">
+            <a:schemeClr val="lt1"/>
+          </a:fontRef>
+        </p:style>
+        <p:txBody>
+          <a:bodyPr rtlCol="0" anchor="ctr"/>
+          <a:lstStyle/>
+          <a:p>
+            <a:r>
+              <a:rPr lang="en-US" sz="2000" b="1" cap="small" dirty="0">
                 <a:solidFill>
                   <a:schemeClr val="tx1"/>
                 </a:solidFill>
                 <a:latin typeface="Times New Roman" pitchFamily="18" charset="0"/>
                 <a:cs typeface="Times New Roman" pitchFamily="18" charset="0"/>
               </a:rPr>
-              <a:t>Group functionalities</a:t>
-            </a:r>
-          </a:p>
-          <a:p>
-            <a:pPr marL="742950" lvl="1" indent="-285750">
-              <a:lnSpc>
-                <a:spcPct val="150000"/>
-              </a:lnSpc>
-              <a:buFont typeface="Arial" panose="020B0604020202020204" pitchFamily="34" charset="0"/>
-              <a:buChar char="•"/>
-            </a:pPr>
-            <a:r>
-              <a:rPr lang="en-US" dirty="0">
+              <a:t>Conclusion</a:t>
+            </a:r>
+          </a:p>
+        </p:txBody>
+      </p:sp>
+      <p:sp>
+        <p:nvSpPr>
+          <p:cNvPr id="7" name="Rechteck 6"/>
+          <p:cNvSpPr/>
+          <p:nvPr/>
+        </p:nvSpPr>
+        <p:spPr>
+          <a:xfrm>
+            <a:off x="251520" y="1556792"/>
+            <a:ext cx="8679101" cy="620688"/>
+          </a:xfrm>
+          <a:prstGeom prst="rect">
+            <a:avLst/>
+          </a:prstGeom>
+          <a:solidFill>
+            <a:schemeClr val="accent2">
+              <a:lumMod val="60000"/>
+              <a:lumOff val="40000"/>
+            </a:schemeClr>
+          </a:solidFill>
+          <a:ln>
+            <a:noFill/>
+          </a:ln>
+        </p:spPr>
+        <p:style>
+          <a:lnRef idx="2">
+            <a:schemeClr val="accent1">
+              <a:shade val="50000"/>
+            </a:schemeClr>
+          </a:lnRef>
+          <a:fillRef idx="1">
+            <a:schemeClr val="accent1"/>
+          </a:fillRef>
+          <a:effectRef idx="0">
+            <a:schemeClr val="accent1"/>
+          </a:effectRef>
+          <a:fontRef idx="minor">
+            <a:schemeClr val="lt1"/>
+          </a:fontRef>
+        </p:style>
+        <p:txBody>
+          <a:bodyPr rtlCol="0" anchor="ctr"/>
+          <a:lstStyle/>
+          <a:p>
+            <a:r>
+              <a:rPr lang="en-US" sz="2000" cap="small" dirty="0">
                 <a:solidFill>
                   <a:schemeClr val="tx1"/>
                 </a:solidFill>
                 <a:latin typeface="Times New Roman" pitchFamily="18" charset="0"/>
                 <a:cs typeface="Times New Roman" pitchFamily="18" charset="0"/>
               </a:rPr>
-              <a:t>Online Database</a:t>
-            </a:r>
-          </a:p>
-          <a:p>
-            <a:pPr marL="742950" lvl="1" indent="-285750">
-              <a:lnSpc>
-                <a:spcPct val="150000"/>
-              </a:lnSpc>
-              <a:buFont typeface="Arial" panose="020B0604020202020204" pitchFamily="34" charset="0"/>
-              <a:buChar char="•"/>
-            </a:pPr>
-            <a:r>
-              <a:rPr lang="en-US" dirty="0">
-                <a:solidFill>
-                  <a:schemeClr val="tx1"/>
-                </a:solidFill>
-                <a:latin typeface="Times New Roman" pitchFamily="18" charset="0"/>
-                <a:cs typeface="Times New Roman" pitchFamily="18" charset="0"/>
-              </a:rPr>
-              <a:t>Advanced filter possibilities for Reports</a:t>
-            </a:r>
-          </a:p>
-          <a:p>
-            <a:pPr marL="742950" lvl="1" indent="-285750">
-              <a:lnSpc>
-                <a:spcPct val="150000"/>
-              </a:lnSpc>
-              <a:buFont typeface="Arial" panose="020B0604020202020204" pitchFamily="34" charset="0"/>
-              <a:buChar char="•"/>
-            </a:pPr>
-            <a:r>
-              <a:rPr lang="en-US" dirty="0">
-                <a:solidFill>
-                  <a:schemeClr val="tx1"/>
-                </a:solidFill>
-                <a:latin typeface="Times New Roman" pitchFamily="18" charset="0"/>
-                <a:cs typeface="Times New Roman" pitchFamily="18" charset="0"/>
-              </a:rPr>
-              <a:t>Advanced picture processing</a:t>
-            </a:r>
-          </a:p>
-          <a:p>
-            <a:pPr marL="742950" lvl="1" indent="-285750">
-              <a:lnSpc>
-                <a:spcPct val="150000"/>
-              </a:lnSpc>
-              <a:buFont typeface="Arial" panose="020B0604020202020204" pitchFamily="34" charset="0"/>
-              <a:buChar char="•"/>
-            </a:pPr>
-            <a:endParaRPr lang="en-US" dirty="0">
-              <a:solidFill>
-                <a:schemeClr val="tx1"/>
-              </a:solidFill>
-              <a:latin typeface="Times New Roman" pitchFamily="18" charset="0"/>
-              <a:cs typeface="Times New Roman" pitchFamily="18" charset="0"/>
-            </a:endParaRPr>
+              <a:t>Live Demo</a:t>
+            </a:r>
           </a:p>
         </p:txBody>
       </p:sp>
@@ -16931,7 +17108,7 @@
     </p:spTree>
     <p:extLst>
       <p:ext uri="{BB962C8B-B14F-4D97-AF65-F5344CB8AC3E}">
-        <p14:creationId xmlns="" xmlns:p14="http://schemas.microsoft.com/office/powerpoint/2010/main" val="1378657956"/>
+        <p14:creationId xmlns:p14="http://schemas.microsoft.com/office/powerpoint/2010/main" xmlns="" val="2081312345"/>
       </p:ext>
     </p:extLst>
   </p:cSld>
@@ -16967,6 +17144,389 @@
       </p:grpSpPr>
       <p:sp>
         <p:nvSpPr>
+          <p:cNvPr id="4" name="Rechteck 3"/>
+          <p:cNvSpPr/>
+          <p:nvPr/>
+        </p:nvSpPr>
+        <p:spPr>
+          <a:xfrm>
+            <a:off x="0" y="0"/>
+            <a:ext cx="9144000" cy="620688"/>
+          </a:xfrm>
+          <a:prstGeom prst="rect">
+            <a:avLst/>
+          </a:prstGeom>
+          <a:solidFill>
+            <a:schemeClr val="accent2">
+              <a:lumMod val="60000"/>
+              <a:lumOff val="40000"/>
+            </a:schemeClr>
+          </a:solidFill>
+          <a:ln>
+            <a:noFill/>
+          </a:ln>
+        </p:spPr>
+        <p:style>
+          <a:lnRef idx="2">
+            <a:schemeClr val="accent1">
+              <a:shade val="50000"/>
+            </a:schemeClr>
+          </a:lnRef>
+          <a:fillRef idx="1">
+            <a:schemeClr val="accent1"/>
+          </a:fillRef>
+          <a:effectRef idx="0">
+            <a:schemeClr val="accent1"/>
+          </a:effectRef>
+          <a:fontRef idx="minor">
+            <a:schemeClr val="lt1"/>
+          </a:fontRef>
+        </p:style>
+        <p:txBody>
+          <a:bodyPr rtlCol="0" anchor="ctr"/>
+          <a:lstStyle/>
+          <a:p>
+            <a:pPr algn="r"/>
+            <a:r>
+              <a:rPr lang="de-DE" sz="2000" b="1" cap="small" dirty="0">
+                <a:solidFill>
+                  <a:schemeClr val="tx1"/>
+                </a:solidFill>
+                <a:latin typeface="Times New Roman" pitchFamily="18" charset="0"/>
+                <a:cs typeface="Times New Roman" pitchFamily="18" charset="0"/>
+              </a:rPr>
+              <a:t>Forecast </a:t>
+            </a:r>
+            <a:r>
+              <a:rPr lang="de-DE" sz="2000" b="1" cap="small" dirty="0" err="1">
+                <a:solidFill>
+                  <a:schemeClr val="tx1"/>
+                </a:solidFill>
+                <a:latin typeface="Times New Roman" pitchFamily="18" charset="0"/>
+                <a:cs typeface="Times New Roman" pitchFamily="18" charset="0"/>
+              </a:rPr>
+              <a:t>to</a:t>
+            </a:r>
+            <a:r>
+              <a:rPr lang="de-DE" sz="2000" b="1" cap="small" dirty="0">
+                <a:solidFill>
+                  <a:schemeClr val="tx1"/>
+                </a:solidFill>
+                <a:latin typeface="Times New Roman" pitchFamily="18" charset="0"/>
+                <a:cs typeface="Times New Roman" pitchFamily="18" charset="0"/>
+              </a:rPr>
+              <a:t> Market</a:t>
+            </a:r>
+          </a:p>
+        </p:txBody>
+      </p:sp>
+      <p:sp>
+        <p:nvSpPr>
+          <p:cNvPr id="5" name="Rechteck 4"/>
+          <p:cNvSpPr/>
+          <p:nvPr/>
+        </p:nvSpPr>
+        <p:spPr>
+          <a:xfrm>
+            <a:off x="0" y="6237312"/>
+            <a:ext cx="9144000" cy="620688"/>
+          </a:xfrm>
+          <a:prstGeom prst="rect">
+            <a:avLst/>
+          </a:prstGeom>
+          <a:solidFill>
+            <a:schemeClr val="accent2">
+              <a:lumMod val="60000"/>
+              <a:lumOff val="40000"/>
+            </a:schemeClr>
+          </a:solidFill>
+          <a:ln>
+            <a:noFill/>
+          </a:ln>
+        </p:spPr>
+        <p:style>
+          <a:lnRef idx="2">
+            <a:schemeClr val="accent1">
+              <a:shade val="50000"/>
+            </a:schemeClr>
+          </a:lnRef>
+          <a:fillRef idx="1">
+            <a:schemeClr val="accent1"/>
+          </a:fillRef>
+          <a:effectRef idx="0">
+            <a:schemeClr val="accent1"/>
+          </a:effectRef>
+          <a:fontRef idx="minor">
+            <a:schemeClr val="lt1"/>
+          </a:fontRef>
+        </p:style>
+        <p:txBody>
+          <a:bodyPr rtlCol="0" anchor="ctr"/>
+          <a:lstStyle/>
+          <a:p>
+            <a:pPr algn="ctr"/>
+            <a:endParaRPr lang="de-DE">
+              <a:latin typeface="Times New Roman" pitchFamily="18" charset="0"/>
+              <a:cs typeface="Times New Roman" pitchFamily="18" charset="0"/>
+            </a:endParaRPr>
+          </a:p>
+        </p:txBody>
+      </p:sp>
+      <p:sp>
+        <p:nvSpPr>
+          <p:cNvPr id="70" name="Rechteck 69"/>
+          <p:cNvSpPr/>
+          <p:nvPr/>
+        </p:nvSpPr>
+        <p:spPr>
+          <a:xfrm>
+            <a:off x="611560" y="836712"/>
+            <a:ext cx="8136904" cy="3744416"/>
+          </a:xfrm>
+          <a:prstGeom prst="rect">
+            <a:avLst/>
+          </a:prstGeom>
+          <a:noFill/>
+          <a:ln>
+            <a:noFill/>
+          </a:ln>
+        </p:spPr>
+        <p:style>
+          <a:lnRef idx="2">
+            <a:schemeClr val="accent1">
+              <a:shade val="50000"/>
+            </a:schemeClr>
+          </a:lnRef>
+          <a:fillRef idx="1">
+            <a:schemeClr val="accent1"/>
+          </a:fillRef>
+          <a:effectRef idx="0">
+            <a:schemeClr val="accent1"/>
+          </a:effectRef>
+          <a:fontRef idx="minor">
+            <a:schemeClr val="lt1"/>
+          </a:fontRef>
+        </p:style>
+        <p:txBody>
+          <a:bodyPr rtlCol="0" anchor="t"/>
+          <a:lstStyle/>
+          <a:p>
+            <a:pPr marL="285750" indent="-285750">
+              <a:lnSpc>
+                <a:spcPct val="150000"/>
+              </a:lnSpc>
+              <a:buFont typeface="Arial" panose="020B0604020202020204" pitchFamily="34" charset="0"/>
+              <a:buChar char="•"/>
+            </a:pPr>
+            <a:r>
+              <a:rPr lang="en-US" dirty="0">
+                <a:solidFill>
+                  <a:schemeClr val="tx1"/>
+                </a:solidFill>
+                <a:latin typeface="Times New Roman" pitchFamily="18" charset="0"/>
+                <a:cs typeface="Times New Roman" pitchFamily="18" charset="0"/>
+              </a:rPr>
+              <a:t>Some Key-functionalities couldn’t be finished during the semester. Major Topics are:	</a:t>
+            </a:r>
+          </a:p>
+          <a:p>
+            <a:pPr marL="742950" lvl="1" indent="-285750">
+              <a:lnSpc>
+                <a:spcPct val="150000"/>
+              </a:lnSpc>
+              <a:buFont typeface="Arial" panose="020B0604020202020204" pitchFamily="34" charset="0"/>
+              <a:buChar char="•"/>
+            </a:pPr>
+            <a:r>
+              <a:rPr lang="en-US" dirty="0">
+                <a:solidFill>
+                  <a:schemeClr val="tx1"/>
+                </a:solidFill>
+                <a:latin typeface="Times New Roman" pitchFamily="18" charset="0"/>
+                <a:cs typeface="Times New Roman" pitchFamily="18" charset="0"/>
+              </a:rPr>
+              <a:t>Session handling</a:t>
+            </a:r>
+          </a:p>
+          <a:p>
+            <a:pPr marL="742950" lvl="1" indent="-285750">
+              <a:lnSpc>
+                <a:spcPct val="150000"/>
+              </a:lnSpc>
+              <a:buFont typeface="Arial" panose="020B0604020202020204" pitchFamily="34" charset="0"/>
+              <a:buChar char="•"/>
+            </a:pPr>
+            <a:r>
+              <a:rPr lang="en-US" dirty="0">
+                <a:solidFill>
+                  <a:schemeClr val="tx1"/>
+                </a:solidFill>
+                <a:latin typeface="Times New Roman" pitchFamily="18" charset="0"/>
+                <a:cs typeface="Times New Roman" pitchFamily="18" charset="0"/>
+              </a:rPr>
+              <a:t>Group functionalities</a:t>
+            </a:r>
+          </a:p>
+          <a:p>
+            <a:pPr marL="742950" lvl="1" indent="-285750">
+              <a:lnSpc>
+                <a:spcPct val="150000"/>
+              </a:lnSpc>
+              <a:buFont typeface="Arial" panose="020B0604020202020204" pitchFamily="34" charset="0"/>
+              <a:buChar char="•"/>
+            </a:pPr>
+            <a:r>
+              <a:rPr lang="en-US" dirty="0">
+                <a:solidFill>
+                  <a:schemeClr val="tx1"/>
+                </a:solidFill>
+                <a:latin typeface="Times New Roman" pitchFamily="18" charset="0"/>
+                <a:cs typeface="Times New Roman" pitchFamily="18" charset="0"/>
+              </a:rPr>
+              <a:t>Online Database</a:t>
+            </a:r>
+          </a:p>
+          <a:p>
+            <a:pPr marL="742950" lvl="1" indent="-285750">
+              <a:lnSpc>
+                <a:spcPct val="150000"/>
+              </a:lnSpc>
+              <a:buFont typeface="Arial" panose="020B0604020202020204" pitchFamily="34" charset="0"/>
+              <a:buChar char="•"/>
+            </a:pPr>
+            <a:r>
+              <a:rPr lang="en-US" dirty="0">
+                <a:solidFill>
+                  <a:schemeClr val="tx1"/>
+                </a:solidFill>
+                <a:latin typeface="Times New Roman" pitchFamily="18" charset="0"/>
+                <a:cs typeface="Times New Roman" pitchFamily="18" charset="0"/>
+              </a:rPr>
+              <a:t>Advanced filter possibilities for Reports</a:t>
+            </a:r>
+          </a:p>
+          <a:p>
+            <a:pPr marL="742950" lvl="1" indent="-285750">
+              <a:lnSpc>
+                <a:spcPct val="150000"/>
+              </a:lnSpc>
+              <a:buFont typeface="Arial" panose="020B0604020202020204" pitchFamily="34" charset="0"/>
+              <a:buChar char="•"/>
+            </a:pPr>
+            <a:r>
+              <a:rPr lang="en-US" dirty="0">
+                <a:solidFill>
+                  <a:schemeClr val="tx1"/>
+                </a:solidFill>
+                <a:latin typeface="Times New Roman" pitchFamily="18" charset="0"/>
+                <a:cs typeface="Times New Roman" pitchFamily="18" charset="0"/>
+              </a:rPr>
+              <a:t>Advanced picture processing</a:t>
+            </a:r>
+          </a:p>
+          <a:p>
+            <a:pPr marL="742950" lvl="1" indent="-285750">
+              <a:lnSpc>
+                <a:spcPct val="150000"/>
+              </a:lnSpc>
+              <a:buFont typeface="Arial" panose="020B0604020202020204" pitchFamily="34" charset="0"/>
+              <a:buChar char="•"/>
+            </a:pPr>
+            <a:endParaRPr lang="en-US" dirty="0">
+              <a:solidFill>
+                <a:schemeClr val="tx1"/>
+              </a:solidFill>
+              <a:latin typeface="Times New Roman" pitchFamily="18" charset="0"/>
+              <a:cs typeface="Times New Roman" pitchFamily="18" charset="0"/>
+            </a:endParaRPr>
+          </a:p>
+        </p:txBody>
+      </p:sp>
+      <p:sp>
+        <p:nvSpPr>
+          <p:cNvPr id="2" name="Foliennummernplatzhalter 1"/>
+          <p:cNvSpPr>
+            <a:spLocks noGrp="1"/>
+          </p:cNvSpPr>
+          <p:nvPr>
+            <p:ph type="sldNum" sz="quarter" idx="12"/>
+          </p:nvPr>
+        </p:nvSpPr>
+        <p:spPr/>
+        <p:txBody>
+          <a:bodyPr/>
+          <a:lstStyle/>
+          <a:p>
+            <a:fld id="{C663554D-7BDA-4824-AC15-58BB57D86064}" type="slidenum">
+              <a:rPr lang="de-DE" smtClean="0"/>
+              <a:pPr/>
+              <a:t>32</a:t>
+            </a:fld>
+            <a:endParaRPr lang="de-DE"/>
+          </a:p>
+        </p:txBody>
+      </p:sp>
+      <p:sp>
+        <p:nvSpPr>
+          <p:cNvPr id="3" name="Fußzeilenplatzhalter 2"/>
+          <p:cNvSpPr>
+            <a:spLocks noGrp="1"/>
+          </p:cNvSpPr>
+          <p:nvPr>
+            <p:ph type="ftr" sz="quarter" idx="11"/>
+          </p:nvPr>
+        </p:nvSpPr>
+        <p:spPr/>
+        <p:txBody>
+          <a:bodyPr/>
+          <a:lstStyle/>
+          <a:p>
+            <a:r>
+              <a:rPr lang="de-DE"/>
+              <a:t>Kateryna Pryshchepa, Iuliia Guk, Thomas Röhl, Tetiana Lavrynovych, Sascha Zepf</a:t>
+            </a:r>
+          </a:p>
+        </p:txBody>
+      </p:sp>
+    </p:spTree>
+    <p:extLst>
+      <p:ext uri="{BB962C8B-B14F-4D97-AF65-F5344CB8AC3E}">
+        <p14:creationId xmlns:p14="http://schemas.microsoft.com/office/powerpoint/2010/main" xmlns="" val="1378657956"/>
+      </p:ext>
+    </p:extLst>
+  </p:cSld>
+  <p:clrMapOvr>
+    <a:masterClrMapping/>
+  </p:clrMapOvr>
+  <p:timing>
+    <p:tnLst>
+      <p:par>
+        <p:cTn id="1" dur="indefinite" restart="never" nodeType="tmRoot"/>
+      </p:par>
+    </p:tnLst>
+  </p:timing>
+</p:sld>
+</file>
+
+<file path=ppt/slides/slide33.xml><?xml version="1.0" encoding="utf-8"?>
+<p:sld xmlns:a="http://schemas.openxmlformats.org/drawingml/2006/main" xmlns:r="http://schemas.openxmlformats.org/officeDocument/2006/relationships" xmlns:p="http://schemas.openxmlformats.org/presentationml/2006/main">
+  <p:cSld>
+    <p:spTree>
+      <p:nvGrpSpPr>
+        <p:cNvPr id="1" name=""/>
+        <p:cNvGrpSpPr/>
+        <p:nvPr/>
+      </p:nvGrpSpPr>
+      <p:grpSpPr>
+        <a:xfrm>
+          <a:off x="0" y="0"/>
+          <a:ext cx="0" cy="0"/>
+          <a:chOff x="0" y="0"/>
+          <a:chExt cx="0" cy="0"/>
+        </a:xfrm>
+      </p:grpSpPr>
+      <p:sp>
+        <p:nvSpPr>
           <p:cNvPr id="5" name="Rechteck 4"/>
           <p:cNvSpPr/>
           <p:nvPr/>
@@ -17584,7 +18144,7 @@
             <a:fld id="{C663554D-7BDA-4824-AC15-58BB57D86064}" type="slidenum">
               <a:rPr lang="de-DE" smtClean="0"/>
               <a:pPr/>
-              <a:t>32</a:t>
+              <a:t>33</a:t>
             </a:fld>
             <a:endParaRPr lang="de-DE"/>
           </a:p>
@@ -17664,7 +18224,7 @@
     </p:spTree>
     <p:extLst>
       <p:ext uri="{BB962C8B-B14F-4D97-AF65-F5344CB8AC3E}">
-        <p14:creationId xmlns="" xmlns:p14="http://schemas.microsoft.com/office/powerpoint/2010/main" val="4029011830"/>
+        <p14:creationId xmlns:p14="http://schemas.microsoft.com/office/powerpoint/2010/main" xmlns="" val="4029011830"/>
       </p:ext>
     </p:extLst>
   </p:cSld>
@@ -19600,7 +20160,7 @@
     </p:spTree>
     <p:extLst>
       <p:ext uri="{BB962C8B-B14F-4D97-AF65-F5344CB8AC3E}">
-        <p14:creationId xmlns="" xmlns:p14="http://schemas.microsoft.com/office/powerpoint/2010/main" val="208977930"/>
+        <p14:creationId xmlns:p14="http://schemas.microsoft.com/office/powerpoint/2010/main" xmlns="" val="208977930"/>
       </p:ext>
     </p:extLst>
   </p:cSld>
@@ -21579,7 +22139,7 @@
     </p:spTree>
     <p:extLst>
       <p:ext uri="{BB962C8B-B14F-4D97-AF65-F5344CB8AC3E}">
-        <p14:creationId xmlns="" xmlns:p14="http://schemas.microsoft.com/office/powerpoint/2010/main" val="30043865"/>
+        <p14:creationId xmlns:p14="http://schemas.microsoft.com/office/powerpoint/2010/main" xmlns="" val="30043865"/>
       </p:ext>
     </p:extLst>
   </p:cSld>
@@ -23536,7 +24096,7 @@
     </p:spTree>
     <p:extLst>
       <p:ext uri="{BB962C8B-B14F-4D97-AF65-F5344CB8AC3E}">
-        <p14:creationId xmlns="" xmlns:p14="http://schemas.microsoft.com/office/powerpoint/2010/main" val="1159165540"/>
+        <p14:creationId xmlns:p14="http://schemas.microsoft.com/office/powerpoint/2010/main" xmlns="" val="1159165540"/>
       </p:ext>
     </p:extLst>
   </p:cSld>
@@ -25493,7 +26053,7 @@
     </p:spTree>
     <p:extLst>
       <p:ext uri="{BB962C8B-B14F-4D97-AF65-F5344CB8AC3E}">
-        <p14:creationId xmlns="" xmlns:p14="http://schemas.microsoft.com/office/powerpoint/2010/main" val="1381930655"/>
+        <p14:creationId xmlns:p14="http://schemas.microsoft.com/office/powerpoint/2010/main" xmlns="" val="1381930655"/>
       </p:ext>
     </p:extLst>
   </p:cSld>
@@ -27450,7 +28010,7 @@
     </p:spTree>
     <p:extLst>
       <p:ext uri="{BB962C8B-B14F-4D97-AF65-F5344CB8AC3E}">
-        <p14:creationId xmlns="" xmlns:p14="http://schemas.microsoft.com/office/powerpoint/2010/main" val="938133298"/>
+        <p14:creationId xmlns:p14="http://schemas.microsoft.com/office/powerpoint/2010/main" xmlns="" val="938133298"/>
       </p:ext>
     </p:extLst>
   </p:cSld>
@@ -29407,7 +29967,7 @@
     </p:spTree>
     <p:extLst>
       <p:ext uri="{BB962C8B-B14F-4D97-AF65-F5344CB8AC3E}">
-        <p14:creationId xmlns="" xmlns:p14="http://schemas.microsoft.com/office/powerpoint/2010/main" val="957417906"/>
+        <p14:creationId xmlns:p14="http://schemas.microsoft.com/office/powerpoint/2010/main" xmlns="" val="957417906"/>
       </p:ext>
     </p:extLst>
   </p:cSld>
@@ -29996,7 +30556,7 @@
   <a:extraClrSchemeLst/>
   <a:extLst>
     <a:ext uri="{05A4C25C-085E-4340-85A3-A5531E510DB2}">
-      <thm15:themeFamily xmlns="" xmlns:thm15="http://schemas.microsoft.com/office/thememl/2012/main" name="Office Theme" id="{62F939B6-93AF-4DB8-9C6B-D6C7DFDC589F}" vid="{4A3C46E8-61CC-4603-A589-7422A47A8E4A}"/>
+      <thm15:themeFamily xmlns:thm15="http://schemas.microsoft.com/office/thememl/2012/main" xmlns="" name="Office Theme" id="{62F939B6-93AF-4DB8-9C6B-D6C7DFDC589F}" vid="{4A3C46E8-61CC-4603-A589-7422A47A8E4A}"/>
     </a:ext>
   </a:extLst>
 </a:theme>

--- a/Dokumentation/ShopAdmin_Final.pptx
+++ b/Dokumentation/ShopAdmin_Final.pptx
@@ -141,7 +141,7 @@
   </p:defaultTextStyle>
   <p:extLst>
     <p:ext uri="{EFAFB233-063F-42B5-8137-9DF3F51BA10A}">
-      <p15:sldGuideLst xmlns:p15="http://schemas.microsoft.com/office/powerpoint/2012/main" xmlns="">
+      <p15:sldGuideLst xmlns="" xmlns:p15="http://schemas.microsoft.com/office/powerpoint/2012/main">
         <p15:guide id="1" orient="horz" pos="2160">
           <p15:clr>
             <a:srgbClr val="A4A3A4"/>
@@ -409,7 +409,7 @@
     </p:spTree>
     <p:extLst>
       <p:ext uri="{BB962C8B-B14F-4D97-AF65-F5344CB8AC3E}">
-        <p14:creationId xmlns:p14="http://schemas.microsoft.com/office/powerpoint/2010/main" xmlns="" val="1165397606"/>
+        <p14:creationId xmlns="" xmlns:p14="http://schemas.microsoft.com/office/powerpoint/2010/main" val="1165397606"/>
       </p:ext>
     </p:extLst>
   </p:cSld>
@@ -4384,7 +4384,7 @@
     </p:spTree>
     <p:extLst>
       <p:ext uri="{BB962C8B-B14F-4D97-AF65-F5344CB8AC3E}">
-        <p14:creationId xmlns:p14="http://schemas.microsoft.com/office/powerpoint/2010/main" xmlns="" val="4172062386"/>
+        <p14:creationId xmlns="" xmlns:p14="http://schemas.microsoft.com/office/powerpoint/2010/main" val="4172062386"/>
       </p:ext>
     </p:extLst>
   </p:cSld>
@@ -4737,11 +4737,7 @@
             <a:pPr algn="ctr"/>
             <a:r>
               <a:rPr lang="en-US" sz="1600" b="1" dirty="0" smtClean="0"/>
-              <a:t>Architecture</a:t>
-            </a:r>
-            <a:r>
-              <a:rPr lang="en-US" sz="1600" b="1" dirty="0" smtClean="0"/>
-              <a:t> </a:t>
+              <a:t>Architecture </a:t>
             </a:r>
             <a:r>
               <a:rPr lang="en-US" sz="1600" b="1" dirty="0"/>
@@ -5496,7 +5492,7 @@
     </p:spTree>
     <p:extLst>
       <p:ext uri="{BB962C8B-B14F-4D97-AF65-F5344CB8AC3E}">
-        <p14:creationId xmlns:p14="http://schemas.microsoft.com/office/powerpoint/2010/main" xmlns="" val="590283832"/>
+        <p14:creationId xmlns="" xmlns:p14="http://schemas.microsoft.com/office/powerpoint/2010/main" val="590283832"/>
       </p:ext>
     </p:extLst>
   </p:cSld>
@@ -6088,7 +6084,7 @@
     </p:spTree>
     <p:extLst>
       <p:ext uri="{BB962C8B-B14F-4D97-AF65-F5344CB8AC3E}">
-        <p14:creationId xmlns:p14="http://schemas.microsoft.com/office/powerpoint/2010/main" xmlns="" val="2164664003"/>
+        <p14:creationId xmlns="" xmlns:p14="http://schemas.microsoft.com/office/powerpoint/2010/main" val="2164664003"/>
       </p:ext>
     </p:extLst>
   </p:cSld>
@@ -6328,7 +6324,7 @@
         </p:blipFill>
         <p:spPr>
           <a:xfrm>
-            <a:off x="428596" y="785794"/>
+            <a:off x="357158" y="785794"/>
             <a:ext cx="4500595" cy="2685265"/>
           </a:xfrm>
           <a:ln>
@@ -6544,7 +6540,7 @@
     </p:spTree>
     <p:extLst>
       <p:ext uri="{BB962C8B-B14F-4D97-AF65-F5344CB8AC3E}">
-        <p14:creationId xmlns:p14="http://schemas.microsoft.com/office/powerpoint/2010/main" xmlns="" val="1470090484"/>
+        <p14:creationId xmlns="" xmlns:p14="http://schemas.microsoft.com/office/powerpoint/2010/main" val="1470090484"/>
       </p:ext>
     </p:extLst>
   </p:cSld>
@@ -6784,7 +6780,7 @@
         </p:blipFill>
         <p:spPr>
           <a:xfrm>
-            <a:off x="428596" y="785794"/>
+            <a:off x="357158" y="785794"/>
             <a:ext cx="4500595" cy="2685265"/>
           </a:xfrm>
           <a:ln>
@@ -7083,7 +7079,7 @@
         </p:blipFill>
         <p:spPr bwMode="auto">
           <a:xfrm>
-            <a:off x="5000628" y="2571744"/>
+            <a:off x="5072066" y="2571744"/>
             <a:ext cx="3866214" cy="3024186"/>
           </a:xfrm>
           <a:prstGeom prst="rect">
@@ -7120,21 +7116,21 @@
           <a:lstStyle/>
           <a:p>
             <a:r>
-              <a:rPr lang="de-DE" dirty="0" smtClean="0">
+              <a:rPr lang="de-DE" b="1" dirty="0" smtClean="0">
                 <a:latin typeface="Times New Roman" pitchFamily="18" charset="0"/>
                 <a:cs typeface="Times New Roman" pitchFamily="18" charset="0"/>
               </a:rPr>
               <a:t>Project </a:t>
             </a:r>
             <a:r>
-              <a:rPr lang="de-DE" dirty="0" err="1" smtClean="0">
+              <a:rPr lang="de-DE" b="1" dirty="0" err="1" smtClean="0">
                 <a:latin typeface="Times New Roman" pitchFamily="18" charset="0"/>
                 <a:cs typeface="Times New Roman" pitchFamily="18" charset="0"/>
               </a:rPr>
               <a:t>Structure</a:t>
             </a:r>
             <a:r>
-              <a:rPr lang="de-DE" dirty="0" smtClean="0">
+              <a:rPr lang="de-DE" b="1" dirty="0" smtClean="0">
                 <a:latin typeface="Times New Roman" pitchFamily="18" charset="0"/>
                 <a:cs typeface="Times New Roman" pitchFamily="18" charset="0"/>
               </a:rPr>
@@ -7188,21 +7184,7 @@
                 <a:latin typeface="Times New Roman" pitchFamily="18" charset="0"/>
                 <a:cs typeface="Times New Roman" pitchFamily="18" charset="0"/>
               </a:rPr>
-              <a:t> </a:t>
-            </a:r>
-            <a:r>
-              <a:rPr lang="de-DE" sz="1600" dirty="0" smtClean="0">
-                <a:latin typeface="Times New Roman" pitchFamily="18" charset="0"/>
-                <a:cs typeface="Times New Roman" pitchFamily="18" charset="0"/>
-              </a:rPr>
-              <a:t>9</a:t>
-            </a:r>
-            <a:r>
-              <a:rPr lang="de-DE" sz="1600" dirty="0" smtClean="0">
-                <a:latin typeface="Times New Roman" pitchFamily="18" charset="0"/>
-                <a:cs typeface="Times New Roman" pitchFamily="18" charset="0"/>
-              </a:rPr>
-              <a:t> </a:t>
+              <a:t> 9 </a:t>
             </a:r>
             <a:r>
               <a:rPr lang="de-DE" sz="1600" dirty="0" err="1" smtClean="0">
@@ -7257,7 +7239,7 @@
                 <a:latin typeface="Times New Roman" pitchFamily="18" charset="0"/>
                 <a:cs typeface="Times New Roman" pitchFamily="18" charset="0"/>
               </a:rPr>
-              <a:t> : </a:t>
+              <a:t>: </a:t>
             </a:r>
             <a:r>
               <a:rPr lang="de-DE" sz="1600" dirty="0" err="1" smtClean="0">
@@ -7280,6 +7262,13 @@
               </a:rPr>
               <a:t>implementation</a:t>
             </a:r>
+            <a:r>
+              <a:rPr lang="de-DE" sz="1600" dirty="0" smtClean="0">
+                <a:latin typeface="Times New Roman" pitchFamily="18" charset="0"/>
+                <a:cs typeface="Times New Roman" pitchFamily="18" charset="0"/>
+              </a:rPr>
+              <a:t> </a:t>
+            </a:r>
             <a:endParaRPr lang="de-DE" sz="1600" dirty="0">
               <a:latin typeface="Times New Roman" pitchFamily="18" charset="0"/>
               <a:cs typeface="Times New Roman" pitchFamily="18" charset="0"/>
@@ -7287,10 +7276,60 @@
           </a:p>
         </p:txBody>
       </p:sp>
+      <p:sp>
+        <p:nvSpPr>
+          <p:cNvPr id="15" name="Textfeld 14"/>
+          <p:cNvSpPr txBox="1"/>
+          <p:nvPr/>
+        </p:nvSpPr>
+        <p:spPr>
+          <a:xfrm>
+            <a:off x="6429388" y="5715016"/>
+            <a:ext cx="1697388" cy="307777"/>
+          </a:xfrm>
+          <a:prstGeom prst="rect">
+            <a:avLst/>
+          </a:prstGeom>
+          <a:noFill/>
+        </p:spPr>
+        <p:txBody>
+          <a:bodyPr wrap="none" rtlCol="0">
+            <a:spAutoFit/>
+          </a:bodyPr>
+          <a:lstStyle/>
+          <a:p>
+            <a:r>
+              <a:rPr lang="de-DE" sz="1400" dirty="0" err="1" smtClean="0">
+                <a:latin typeface="Times New Roman" pitchFamily="18" charset="0"/>
+                <a:cs typeface="Times New Roman" pitchFamily="18" charset="0"/>
+              </a:rPr>
+              <a:t>Component</a:t>
+            </a:r>
+            <a:r>
+              <a:rPr lang="de-DE" sz="1400" dirty="0" smtClean="0">
+                <a:latin typeface="Times New Roman" pitchFamily="18" charset="0"/>
+                <a:cs typeface="Times New Roman" pitchFamily="18" charset="0"/>
+              </a:rPr>
+              <a:t> </a:t>
+            </a:r>
+            <a:r>
+              <a:rPr lang="de-DE" sz="1400" dirty="0" err="1" smtClean="0">
+                <a:latin typeface="Times New Roman" pitchFamily="18" charset="0"/>
+                <a:cs typeface="Times New Roman" pitchFamily="18" charset="0"/>
+              </a:rPr>
+              <a:t>Diagram</a:t>
+            </a:r>
+            <a:endParaRPr lang="de-DE" sz="1400" dirty="0">
+              <a:latin typeface="Times New Roman" pitchFamily="18" charset="0"/>
+              <a:cs typeface="Times New Roman" pitchFamily="18" charset="0"/>
+            </a:endParaRPr>
+          </a:p>
+        </p:txBody>
+      </p:sp>
     </p:spTree>
     <p:extLst>
       <p:ext uri="{BB962C8B-B14F-4D97-AF65-F5344CB8AC3E}">
-        <p14:creationId xmlns:p14="http://schemas.microsoft.com/office/powerpoint/2010/main" xmlns="" val="1470090484"/>
+        <p14:creationId xmlns="" xmlns:p14="http://schemas.microsoft.com/office/powerpoint/2010/main" val="1470090484"/>
       </p:ext>
     </p:extLst>
   </p:cSld>
@@ -7790,8 +7829,8 @@
         </p:blipFill>
         <p:spPr bwMode="auto">
           <a:xfrm>
-            <a:off x="226162" y="1273174"/>
-            <a:ext cx="8668416" cy="4727594"/>
+            <a:off x="428596" y="1285860"/>
+            <a:ext cx="8417804" cy="4590915"/>
           </a:xfrm>
           <a:prstGeom prst="rect">
             <a:avLst/>
@@ -7804,10 +7843,53 @@
           </a:ln>
         </p:spPr>
       </p:pic>
+      <p:sp>
+        <p:nvSpPr>
+          <p:cNvPr id="10" name="Textfeld 9"/>
+          <p:cNvSpPr txBox="1"/>
+          <p:nvPr/>
+        </p:nvSpPr>
+        <p:spPr>
+          <a:xfrm>
+            <a:off x="3786182" y="5857892"/>
+            <a:ext cx="1863011" cy="307777"/>
+          </a:xfrm>
+          <a:prstGeom prst="rect">
+            <a:avLst/>
+          </a:prstGeom>
+          <a:noFill/>
+        </p:spPr>
+        <p:txBody>
+          <a:bodyPr wrap="none" rtlCol="0">
+            <a:spAutoFit/>
+          </a:bodyPr>
+          <a:lstStyle/>
+          <a:p>
+            <a:r>
+              <a:rPr lang="de-DE" sz="1400" dirty="0" smtClean="0">
+                <a:latin typeface="Times New Roman" pitchFamily="18" charset="0"/>
+                <a:cs typeface="Times New Roman" pitchFamily="18" charset="0"/>
+              </a:rPr>
+              <a:t>General Class </a:t>
+            </a:r>
+            <a:r>
+              <a:rPr lang="de-DE" sz="1400" dirty="0" err="1" smtClean="0">
+                <a:latin typeface="Times New Roman" pitchFamily="18" charset="0"/>
+                <a:cs typeface="Times New Roman" pitchFamily="18" charset="0"/>
+              </a:rPr>
+              <a:t>Diagram</a:t>
+            </a:r>
+            <a:endParaRPr lang="de-DE" sz="1400" dirty="0">
+              <a:latin typeface="Times New Roman" pitchFamily="18" charset="0"/>
+              <a:cs typeface="Times New Roman" pitchFamily="18" charset="0"/>
+            </a:endParaRPr>
+          </a:p>
+        </p:txBody>
+      </p:sp>
     </p:spTree>
     <p:extLst>
       <p:ext uri="{BB962C8B-B14F-4D97-AF65-F5344CB8AC3E}">
-        <p14:creationId xmlns:p14="http://schemas.microsoft.com/office/powerpoint/2010/main" xmlns="" val="1470090484"/>
+        <p14:creationId xmlns="" xmlns:p14="http://schemas.microsoft.com/office/powerpoint/2010/main" val="1470090484"/>
       </p:ext>
     </p:extLst>
   </p:cSld>
@@ -8375,10 +8457,60 @@
           </a:ln>
         </p:spPr>
       </p:pic>
+      <p:sp>
+        <p:nvSpPr>
+          <p:cNvPr id="14" name="Textfeld 13"/>
+          <p:cNvSpPr txBox="1"/>
+          <p:nvPr/>
+        </p:nvSpPr>
+        <p:spPr>
+          <a:xfrm>
+            <a:off x="5500694" y="5857892"/>
+            <a:ext cx="2082621" cy="307777"/>
+          </a:xfrm>
+          <a:prstGeom prst="rect">
+            <a:avLst/>
+          </a:prstGeom>
+          <a:noFill/>
+        </p:spPr>
+        <p:txBody>
+          <a:bodyPr wrap="none" rtlCol="0">
+            <a:spAutoFit/>
+          </a:bodyPr>
+          <a:lstStyle/>
+          <a:p>
+            <a:r>
+              <a:rPr lang="de-DE" sz="1400" dirty="0" err="1" smtClean="0">
+                <a:latin typeface="Times New Roman" pitchFamily="18" charset="0"/>
+                <a:cs typeface="Times New Roman" pitchFamily="18" charset="0"/>
+              </a:rPr>
+              <a:t>Expended</a:t>
+            </a:r>
+            <a:r>
+              <a:rPr lang="de-DE" sz="1400" dirty="0" smtClean="0">
+                <a:latin typeface="Times New Roman" pitchFamily="18" charset="0"/>
+                <a:cs typeface="Times New Roman" pitchFamily="18" charset="0"/>
+              </a:rPr>
+              <a:t> Class </a:t>
+            </a:r>
+            <a:r>
+              <a:rPr lang="de-DE" sz="1400" dirty="0" err="1" smtClean="0">
+                <a:latin typeface="Times New Roman" pitchFamily="18" charset="0"/>
+                <a:cs typeface="Times New Roman" pitchFamily="18" charset="0"/>
+              </a:rPr>
+              <a:t>Diagrams</a:t>
+            </a:r>
+            <a:endParaRPr lang="de-DE" sz="1400" dirty="0">
+              <a:latin typeface="Times New Roman" pitchFamily="18" charset="0"/>
+              <a:cs typeface="Times New Roman" pitchFamily="18" charset="0"/>
+            </a:endParaRPr>
+          </a:p>
+        </p:txBody>
+      </p:sp>
     </p:spTree>
     <p:extLst>
       <p:ext uri="{BB962C8B-B14F-4D97-AF65-F5344CB8AC3E}">
-        <p14:creationId xmlns:p14="http://schemas.microsoft.com/office/powerpoint/2010/main" xmlns="" val="1470090484"/>
+        <p14:creationId xmlns="" xmlns:p14="http://schemas.microsoft.com/office/powerpoint/2010/main" val="1470090484"/>
       </p:ext>
     </p:extLst>
   </p:cSld>
@@ -8771,7 +8903,7 @@
     </p:spTree>
     <p:extLst>
       <p:ext uri="{BB962C8B-B14F-4D97-AF65-F5344CB8AC3E}">
-        <p14:creationId xmlns:p14="http://schemas.microsoft.com/office/powerpoint/2010/main" xmlns="" val="1470090484"/>
+        <p14:creationId xmlns="" xmlns:p14="http://schemas.microsoft.com/office/powerpoint/2010/main" val="1470090484"/>
       </p:ext>
     </p:extLst>
   </p:cSld>
@@ -9258,7 +9390,7 @@
     </p:spTree>
     <p:extLst>
       <p:ext uri="{BB962C8B-B14F-4D97-AF65-F5344CB8AC3E}">
-        <p14:creationId xmlns:p14="http://schemas.microsoft.com/office/powerpoint/2010/main" xmlns="" val="1470090484"/>
+        <p14:creationId xmlns="" xmlns:p14="http://schemas.microsoft.com/office/powerpoint/2010/main" val="1470090484"/>
       </p:ext>
     </p:extLst>
   </p:cSld>
@@ -9850,7 +9982,7 @@
     </p:spTree>
     <p:extLst>
       <p:ext uri="{BB962C8B-B14F-4D97-AF65-F5344CB8AC3E}">
-        <p14:creationId xmlns:p14="http://schemas.microsoft.com/office/powerpoint/2010/main" xmlns="" val="1768056306"/>
+        <p14:creationId xmlns="" xmlns:p14="http://schemas.microsoft.com/office/powerpoint/2010/main" val="1768056306"/>
       </p:ext>
     </p:extLst>
   </p:cSld>
@@ -10271,7 +10403,7 @@
     </p:spTree>
     <p:extLst>
       <p:ext uri="{BB962C8B-B14F-4D97-AF65-F5344CB8AC3E}">
-        <p14:creationId xmlns:p14="http://schemas.microsoft.com/office/powerpoint/2010/main" xmlns="" val="4207222664"/>
+        <p14:creationId xmlns="" xmlns:p14="http://schemas.microsoft.com/office/powerpoint/2010/main" val="4207222664"/>
       </p:ext>
     </p:extLst>
   </p:cSld>
@@ -10741,7 +10873,7 @@
     </p:spTree>
     <p:extLst>
       <p:ext uri="{BB962C8B-B14F-4D97-AF65-F5344CB8AC3E}">
-        <p14:creationId xmlns:p14="http://schemas.microsoft.com/office/powerpoint/2010/main" xmlns="" val="1470090484"/>
+        <p14:creationId xmlns="" xmlns:p14="http://schemas.microsoft.com/office/powerpoint/2010/main" val="1470090484"/>
       </p:ext>
     </p:extLst>
   </p:cSld>
@@ -11189,7 +11321,7 @@
     </p:spTree>
     <p:extLst>
       <p:ext uri="{BB962C8B-B14F-4D97-AF65-F5344CB8AC3E}">
-        <p14:creationId xmlns:p14="http://schemas.microsoft.com/office/powerpoint/2010/main" xmlns="" val="2046461599"/>
+        <p14:creationId xmlns="" xmlns:p14="http://schemas.microsoft.com/office/powerpoint/2010/main" val="2046461599"/>
       </p:ext>
     </p:extLst>
   </p:cSld>
@@ -11837,7 +11969,7 @@
     </p:spTree>
     <p:extLst>
       <p:ext uri="{BB962C8B-B14F-4D97-AF65-F5344CB8AC3E}">
-        <p14:creationId xmlns:p14="http://schemas.microsoft.com/office/powerpoint/2010/main" xmlns="" val="990113117"/>
+        <p14:creationId xmlns="" xmlns:p14="http://schemas.microsoft.com/office/powerpoint/2010/main" val="990113117"/>
       </p:ext>
     </p:extLst>
   </p:cSld>
@@ -12299,7 +12431,7 @@
     </p:spTree>
     <p:extLst>
       <p:ext uri="{BB962C8B-B14F-4D97-AF65-F5344CB8AC3E}">
-        <p14:creationId xmlns:p14="http://schemas.microsoft.com/office/powerpoint/2010/main" xmlns="" val="2041020769"/>
+        <p14:creationId xmlns="" xmlns:p14="http://schemas.microsoft.com/office/powerpoint/2010/main" val="2041020769"/>
       </p:ext>
     </p:extLst>
   </p:cSld>
@@ -12856,7 +12988,7 @@
     </p:spTree>
     <p:extLst>
       <p:ext uri="{BB962C8B-B14F-4D97-AF65-F5344CB8AC3E}">
-        <p14:creationId xmlns:p14="http://schemas.microsoft.com/office/powerpoint/2010/main" xmlns="" val="184393572"/>
+        <p14:creationId xmlns="" xmlns:p14="http://schemas.microsoft.com/office/powerpoint/2010/main" val="184393572"/>
       </p:ext>
     </p:extLst>
   </p:cSld>
@@ -13289,7 +13421,7 @@
     </p:spTree>
     <p:extLst>
       <p:ext uri="{BB962C8B-B14F-4D97-AF65-F5344CB8AC3E}">
-        <p14:creationId xmlns:p14="http://schemas.microsoft.com/office/powerpoint/2010/main" xmlns="" val="3072821877"/>
+        <p14:creationId xmlns="" xmlns:p14="http://schemas.microsoft.com/office/powerpoint/2010/main" val="3072821877"/>
       </p:ext>
     </p:extLst>
   </p:cSld>
@@ -13881,7 +14013,7 @@
     </p:spTree>
     <p:extLst>
       <p:ext uri="{BB962C8B-B14F-4D97-AF65-F5344CB8AC3E}">
-        <p14:creationId xmlns:p14="http://schemas.microsoft.com/office/powerpoint/2010/main" xmlns="" val="1738454015"/>
+        <p14:creationId xmlns="" xmlns:p14="http://schemas.microsoft.com/office/powerpoint/2010/main" val="1738454015"/>
       </p:ext>
     </p:extLst>
   </p:cSld>
@@ -14227,7 +14359,7 @@
     </p:spTree>
     <p:extLst>
       <p:ext uri="{BB962C8B-B14F-4D97-AF65-F5344CB8AC3E}">
-        <p14:creationId xmlns:p14="http://schemas.microsoft.com/office/powerpoint/2010/main" xmlns="" val="132421686"/>
+        <p14:creationId xmlns="" xmlns:p14="http://schemas.microsoft.com/office/powerpoint/2010/main" val="132421686"/>
       </p:ext>
     </p:extLst>
   </p:cSld>
@@ -14572,7 +14704,7 @@
     </p:spTree>
     <p:extLst>
       <p:ext uri="{BB962C8B-B14F-4D97-AF65-F5344CB8AC3E}">
-        <p14:creationId xmlns:p14="http://schemas.microsoft.com/office/powerpoint/2010/main" xmlns="" val="661168880"/>
+        <p14:creationId xmlns="" xmlns:p14="http://schemas.microsoft.com/office/powerpoint/2010/main" val="661168880"/>
       </p:ext>
     </p:extLst>
   </p:cSld>
@@ -14928,7 +15060,7 @@
     </p:spTree>
     <p:extLst>
       <p:ext uri="{BB962C8B-B14F-4D97-AF65-F5344CB8AC3E}">
-        <p14:creationId xmlns:p14="http://schemas.microsoft.com/office/powerpoint/2010/main" xmlns="" val="2174179275"/>
+        <p14:creationId xmlns="" xmlns:p14="http://schemas.microsoft.com/office/powerpoint/2010/main" val="2174179275"/>
       </p:ext>
     </p:extLst>
   </p:cSld>
@@ -15349,7 +15481,7 @@
     </p:spTree>
     <p:extLst>
       <p:ext uri="{BB962C8B-B14F-4D97-AF65-F5344CB8AC3E}">
-        <p14:creationId xmlns:p14="http://schemas.microsoft.com/office/powerpoint/2010/main" xmlns="" val="289148284"/>
+        <p14:creationId xmlns="" xmlns:p14="http://schemas.microsoft.com/office/powerpoint/2010/main" val="289148284"/>
       </p:ext>
     </p:extLst>
   </p:cSld>
@@ -15517,7 +15649,7 @@
           <p:nvPr>
             <p:extLst>
               <p:ext uri="{D42A27DB-BD31-4B8C-83A1-F6EECF244321}">
-                <p14:modId xmlns:p14="http://schemas.microsoft.com/office/powerpoint/2010/main" xmlns="" val="624701637"/>
+                <p14:modId xmlns="" xmlns:p14="http://schemas.microsoft.com/office/powerpoint/2010/main" val="624701637"/>
               </p:ext>
             </p:extLst>
           </p:nvPr>
@@ -15536,14 +15668,14 @@
                 <a:gridCol w="2160000">
                   <a:extLst>
                     <a:ext uri="{9D8B030D-6E8A-4147-A177-3AD203B41FA5}">
-                      <a16:colId xmlns:a16="http://schemas.microsoft.com/office/drawing/2014/main" xmlns="" val="20000"/>
+                      <a16:colId xmlns="" xmlns:a16="http://schemas.microsoft.com/office/drawing/2014/main" val="20000"/>
                     </a:ext>
                   </a:extLst>
                 </a:gridCol>
                 <a:gridCol w="2160000">
                   <a:extLst>
                     <a:ext uri="{9D8B030D-6E8A-4147-A177-3AD203B41FA5}">
-                      <a16:colId xmlns:a16="http://schemas.microsoft.com/office/drawing/2014/main" xmlns="" val="20001"/>
+                      <a16:colId xmlns="" xmlns:a16="http://schemas.microsoft.com/office/drawing/2014/main" val="20001"/>
                     </a:ext>
                   </a:extLst>
                 </a:gridCol>
@@ -15622,7 +15754,7 @@
                 </a:tc>
                 <a:extLst>
                   <a:ext uri="{0D108BD9-81ED-4DB2-BD59-A6C34878D82A}">
-                    <a16:rowId xmlns:a16="http://schemas.microsoft.com/office/drawing/2014/main" xmlns="" val="10000"/>
+                    <a16:rowId xmlns="" xmlns:a16="http://schemas.microsoft.com/office/drawing/2014/main" val="10000"/>
                   </a:ext>
                 </a:extLst>
               </a:tr>
@@ -15703,7 +15835,7 @@
                 </a:tc>
                 <a:extLst>
                   <a:ext uri="{0D108BD9-81ED-4DB2-BD59-A6C34878D82A}">
-                    <a16:rowId xmlns:a16="http://schemas.microsoft.com/office/drawing/2014/main" xmlns="" val="10001"/>
+                    <a16:rowId xmlns="" xmlns:a16="http://schemas.microsoft.com/office/drawing/2014/main" val="10001"/>
                   </a:ext>
                 </a:extLst>
               </a:tr>
@@ -15784,7 +15916,7 @@
                 </a:tc>
                 <a:extLst>
                   <a:ext uri="{0D108BD9-81ED-4DB2-BD59-A6C34878D82A}">
-                    <a16:rowId xmlns:a16="http://schemas.microsoft.com/office/drawing/2014/main" xmlns="" val="10002"/>
+                    <a16:rowId xmlns="" xmlns:a16="http://schemas.microsoft.com/office/drawing/2014/main" val="10002"/>
                   </a:ext>
                 </a:extLst>
               </a:tr>
@@ -15799,7 +15931,7 @@
           <p:nvPr>
             <p:extLst>
               <p:ext uri="{D42A27DB-BD31-4B8C-83A1-F6EECF244321}">
-                <p14:modId xmlns:p14="http://schemas.microsoft.com/office/powerpoint/2010/main" xmlns="" val="3205360364"/>
+                <p14:modId xmlns="" xmlns:p14="http://schemas.microsoft.com/office/powerpoint/2010/main" val="3205360364"/>
               </p:ext>
             </p:extLst>
           </p:nvPr>
@@ -15818,14 +15950,14 @@
                 <a:gridCol w="2117296">
                   <a:extLst>
                     <a:ext uri="{9D8B030D-6E8A-4147-A177-3AD203B41FA5}">
-                      <a16:colId xmlns:a16="http://schemas.microsoft.com/office/drawing/2014/main" xmlns="" val="20000"/>
+                      <a16:colId xmlns="" xmlns:a16="http://schemas.microsoft.com/office/drawing/2014/main" val="20000"/>
                     </a:ext>
                   </a:extLst>
                 </a:gridCol>
                 <a:gridCol w="2117296">
                   <a:extLst>
                     <a:ext uri="{9D8B030D-6E8A-4147-A177-3AD203B41FA5}">
-                      <a16:colId xmlns:a16="http://schemas.microsoft.com/office/drawing/2014/main" xmlns="" val="20001"/>
+                      <a16:colId xmlns="" xmlns:a16="http://schemas.microsoft.com/office/drawing/2014/main" val="20001"/>
                     </a:ext>
                   </a:extLst>
                 </a:gridCol>
@@ -15904,7 +16036,7 @@
                 </a:tc>
                 <a:extLst>
                   <a:ext uri="{0D108BD9-81ED-4DB2-BD59-A6C34878D82A}">
-                    <a16:rowId xmlns:a16="http://schemas.microsoft.com/office/drawing/2014/main" xmlns="" val="10000"/>
+                    <a16:rowId xmlns="" xmlns:a16="http://schemas.microsoft.com/office/drawing/2014/main" val="10000"/>
                   </a:ext>
                 </a:extLst>
               </a:tr>
@@ -15985,7 +16117,7 @@
                 </a:tc>
                 <a:extLst>
                   <a:ext uri="{0D108BD9-81ED-4DB2-BD59-A6C34878D82A}">
-                    <a16:rowId xmlns:a16="http://schemas.microsoft.com/office/drawing/2014/main" xmlns="" val="10001"/>
+                    <a16:rowId xmlns="" xmlns:a16="http://schemas.microsoft.com/office/drawing/2014/main" val="10001"/>
                   </a:ext>
                 </a:extLst>
               </a:tr>
@@ -16066,7 +16198,7 @@
                 </a:tc>
                 <a:extLst>
                   <a:ext uri="{0D108BD9-81ED-4DB2-BD59-A6C34878D82A}">
-                    <a16:rowId xmlns:a16="http://schemas.microsoft.com/office/drawing/2014/main" xmlns="" val="10002"/>
+                    <a16:rowId xmlns="" xmlns:a16="http://schemas.microsoft.com/office/drawing/2014/main" val="10002"/>
                   </a:ext>
                 </a:extLst>
               </a:tr>
@@ -16081,7 +16213,7 @@
           <p:nvPr>
             <p:extLst>
               <p:ext uri="{D42A27DB-BD31-4B8C-83A1-F6EECF244321}">
-                <p14:modId xmlns:p14="http://schemas.microsoft.com/office/powerpoint/2010/main" xmlns="" val="1718736617"/>
+                <p14:modId xmlns="" xmlns:p14="http://schemas.microsoft.com/office/powerpoint/2010/main" val="1718736617"/>
               </p:ext>
             </p:extLst>
           </p:nvPr>
@@ -16100,14 +16232,14 @@
                 <a:gridCol w="2160000">
                   <a:extLst>
                     <a:ext uri="{9D8B030D-6E8A-4147-A177-3AD203B41FA5}">
-                      <a16:colId xmlns:a16="http://schemas.microsoft.com/office/drawing/2014/main" xmlns="" val="20000"/>
+                      <a16:colId xmlns="" xmlns:a16="http://schemas.microsoft.com/office/drawing/2014/main" val="20000"/>
                     </a:ext>
                   </a:extLst>
                 </a:gridCol>
                 <a:gridCol w="2160000">
                   <a:extLst>
                     <a:ext uri="{9D8B030D-6E8A-4147-A177-3AD203B41FA5}">
-                      <a16:colId xmlns:a16="http://schemas.microsoft.com/office/drawing/2014/main" xmlns="" val="20001"/>
+                      <a16:colId xmlns="" xmlns:a16="http://schemas.microsoft.com/office/drawing/2014/main" val="20001"/>
                     </a:ext>
                   </a:extLst>
                 </a:gridCol>
@@ -16186,7 +16318,7 @@
                 </a:tc>
                 <a:extLst>
                   <a:ext uri="{0D108BD9-81ED-4DB2-BD59-A6C34878D82A}">
-                    <a16:rowId xmlns:a16="http://schemas.microsoft.com/office/drawing/2014/main" xmlns="" val="10000"/>
+                    <a16:rowId xmlns="" xmlns:a16="http://schemas.microsoft.com/office/drawing/2014/main" val="10000"/>
                   </a:ext>
                 </a:extLst>
               </a:tr>
@@ -16267,7 +16399,7 @@
                 </a:tc>
                 <a:extLst>
                   <a:ext uri="{0D108BD9-81ED-4DB2-BD59-A6C34878D82A}">
-                    <a16:rowId xmlns:a16="http://schemas.microsoft.com/office/drawing/2014/main" xmlns="" val="10001"/>
+                    <a16:rowId xmlns="" xmlns:a16="http://schemas.microsoft.com/office/drawing/2014/main" val="10001"/>
                   </a:ext>
                 </a:extLst>
               </a:tr>
@@ -16348,7 +16480,7 @@
                 </a:tc>
                 <a:extLst>
                   <a:ext uri="{0D108BD9-81ED-4DB2-BD59-A6C34878D82A}">
-                    <a16:rowId xmlns:a16="http://schemas.microsoft.com/office/drawing/2014/main" xmlns="" val="10002"/>
+                    <a16:rowId xmlns="" xmlns:a16="http://schemas.microsoft.com/office/drawing/2014/main" val="10002"/>
                   </a:ext>
                 </a:extLst>
               </a:tr>
@@ -16363,7 +16495,7 @@
           <p:nvPr>
             <p:extLst>
               <p:ext uri="{D42A27DB-BD31-4B8C-83A1-F6EECF244321}">
-                <p14:modId xmlns:p14="http://schemas.microsoft.com/office/powerpoint/2010/main" xmlns="" val="1101549373"/>
+                <p14:modId xmlns="" xmlns:p14="http://schemas.microsoft.com/office/powerpoint/2010/main" val="1101549373"/>
               </p:ext>
             </p:extLst>
           </p:nvPr>
@@ -16382,14 +16514,14 @@
                 <a:gridCol w="2117296">
                   <a:extLst>
                     <a:ext uri="{9D8B030D-6E8A-4147-A177-3AD203B41FA5}">
-                      <a16:colId xmlns:a16="http://schemas.microsoft.com/office/drawing/2014/main" xmlns="" val="20000"/>
+                      <a16:colId xmlns="" xmlns:a16="http://schemas.microsoft.com/office/drawing/2014/main" val="20000"/>
                     </a:ext>
                   </a:extLst>
                 </a:gridCol>
                 <a:gridCol w="2117296">
                   <a:extLst>
                     <a:ext uri="{9D8B030D-6E8A-4147-A177-3AD203B41FA5}">
-                      <a16:colId xmlns:a16="http://schemas.microsoft.com/office/drawing/2014/main" xmlns="" val="20001"/>
+                      <a16:colId xmlns="" xmlns:a16="http://schemas.microsoft.com/office/drawing/2014/main" val="20001"/>
                     </a:ext>
                   </a:extLst>
                 </a:gridCol>
@@ -16468,7 +16600,7 @@
                 </a:tc>
                 <a:extLst>
                   <a:ext uri="{0D108BD9-81ED-4DB2-BD59-A6C34878D82A}">
-                    <a16:rowId xmlns:a16="http://schemas.microsoft.com/office/drawing/2014/main" xmlns="" val="10000"/>
+                    <a16:rowId xmlns="" xmlns:a16="http://schemas.microsoft.com/office/drawing/2014/main" val="10000"/>
                   </a:ext>
                 </a:extLst>
               </a:tr>
@@ -16549,7 +16681,7 @@
                 </a:tc>
                 <a:extLst>
                   <a:ext uri="{0D108BD9-81ED-4DB2-BD59-A6C34878D82A}">
-                    <a16:rowId xmlns:a16="http://schemas.microsoft.com/office/drawing/2014/main" xmlns="" val="10001"/>
+                    <a16:rowId xmlns="" xmlns:a16="http://schemas.microsoft.com/office/drawing/2014/main" val="10001"/>
                   </a:ext>
                 </a:extLst>
               </a:tr>
@@ -16630,7 +16762,7 @@
                 </a:tc>
                 <a:extLst>
                   <a:ext uri="{0D108BD9-81ED-4DB2-BD59-A6C34878D82A}">
-                    <a16:rowId xmlns:a16="http://schemas.microsoft.com/office/drawing/2014/main" xmlns="" val="10002"/>
+                    <a16:rowId xmlns="" xmlns:a16="http://schemas.microsoft.com/office/drawing/2014/main" val="10002"/>
                   </a:ext>
                 </a:extLst>
               </a:tr>
@@ -16687,7 +16819,7 @@
     </p:spTree>
     <p:extLst>
       <p:ext uri="{BB962C8B-B14F-4D97-AF65-F5344CB8AC3E}">
-        <p14:creationId xmlns:p14="http://schemas.microsoft.com/office/powerpoint/2010/main" xmlns="" val="4142020794"/>
+        <p14:creationId xmlns="" xmlns:p14="http://schemas.microsoft.com/office/powerpoint/2010/main" val="4142020794"/>
       </p:ext>
     </p:extLst>
   </p:cSld>
@@ -17108,7 +17240,7 @@
     </p:spTree>
     <p:extLst>
       <p:ext uri="{BB962C8B-B14F-4D97-AF65-F5344CB8AC3E}">
-        <p14:creationId xmlns:p14="http://schemas.microsoft.com/office/powerpoint/2010/main" xmlns="" val="2081312345"/>
+        <p14:creationId xmlns="" xmlns:p14="http://schemas.microsoft.com/office/powerpoint/2010/main" val="2081312345"/>
       </p:ext>
     </p:extLst>
   </p:cSld>
@@ -17491,7 +17623,7 @@
     </p:spTree>
     <p:extLst>
       <p:ext uri="{BB962C8B-B14F-4D97-AF65-F5344CB8AC3E}">
-        <p14:creationId xmlns:p14="http://schemas.microsoft.com/office/powerpoint/2010/main" xmlns="" val="1378657956"/>
+        <p14:creationId xmlns="" xmlns:p14="http://schemas.microsoft.com/office/powerpoint/2010/main" val="1378657956"/>
       </p:ext>
     </p:extLst>
   </p:cSld>
@@ -18224,7 +18356,7 @@
     </p:spTree>
     <p:extLst>
       <p:ext uri="{BB962C8B-B14F-4D97-AF65-F5344CB8AC3E}">
-        <p14:creationId xmlns:p14="http://schemas.microsoft.com/office/powerpoint/2010/main" xmlns="" val="4029011830"/>
+        <p14:creationId xmlns="" xmlns:p14="http://schemas.microsoft.com/office/powerpoint/2010/main" val="4029011830"/>
       </p:ext>
     </p:extLst>
   </p:cSld>
@@ -20160,7 +20292,7 @@
     </p:spTree>
     <p:extLst>
       <p:ext uri="{BB962C8B-B14F-4D97-AF65-F5344CB8AC3E}">
-        <p14:creationId xmlns:p14="http://schemas.microsoft.com/office/powerpoint/2010/main" xmlns="" val="208977930"/>
+        <p14:creationId xmlns="" xmlns:p14="http://schemas.microsoft.com/office/powerpoint/2010/main" val="208977930"/>
       </p:ext>
     </p:extLst>
   </p:cSld>
@@ -22139,7 +22271,7 @@
     </p:spTree>
     <p:extLst>
       <p:ext uri="{BB962C8B-B14F-4D97-AF65-F5344CB8AC3E}">
-        <p14:creationId xmlns:p14="http://schemas.microsoft.com/office/powerpoint/2010/main" xmlns="" val="30043865"/>
+        <p14:creationId xmlns="" xmlns:p14="http://schemas.microsoft.com/office/powerpoint/2010/main" val="30043865"/>
       </p:ext>
     </p:extLst>
   </p:cSld>
@@ -24096,7 +24228,7 @@
     </p:spTree>
     <p:extLst>
       <p:ext uri="{BB962C8B-B14F-4D97-AF65-F5344CB8AC3E}">
-        <p14:creationId xmlns:p14="http://schemas.microsoft.com/office/powerpoint/2010/main" xmlns="" val="1159165540"/>
+        <p14:creationId xmlns="" xmlns:p14="http://schemas.microsoft.com/office/powerpoint/2010/main" val="1159165540"/>
       </p:ext>
     </p:extLst>
   </p:cSld>
@@ -26053,7 +26185,7 @@
     </p:spTree>
     <p:extLst>
       <p:ext uri="{BB962C8B-B14F-4D97-AF65-F5344CB8AC3E}">
-        <p14:creationId xmlns:p14="http://schemas.microsoft.com/office/powerpoint/2010/main" xmlns="" val="1381930655"/>
+        <p14:creationId xmlns="" xmlns:p14="http://schemas.microsoft.com/office/powerpoint/2010/main" val="1381930655"/>
       </p:ext>
     </p:extLst>
   </p:cSld>
@@ -28010,7 +28142,7 @@
     </p:spTree>
     <p:extLst>
       <p:ext uri="{BB962C8B-B14F-4D97-AF65-F5344CB8AC3E}">
-        <p14:creationId xmlns:p14="http://schemas.microsoft.com/office/powerpoint/2010/main" xmlns="" val="938133298"/>
+        <p14:creationId xmlns="" xmlns:p14="http://schemas.microsoft.com/office/powerpoint/2010/main" val="938133298"/>
       </p:ext>
     </p:extLst>
   </p:cSld>
@@ -29967,7 +30099,7 @@
     </p:spTree>
     <p:extLst>
       <p:ext uri="{BB962C8B-B14F-4D97-AF65-F5344CB8AC3E}">
-        <p14:creationId xmlns:p14="http://schemas.microsoft.com/office/powerpoint/2010/main" xmlns="" val="957417906"/>
+        <p14:creationId xmlns="" xmlns:p14="http://schemas.microsoft.com/office/powerpoint/2010/main" val="957417906"/>
       </p:ext>
     </p:extLst>
   </p:cSld>
@@ -30556,7 +30688,7 @@
   <a:extraClrSchemeLst/>
   <a:extLst>
     <a:ext uri="{05A4C25C-085E-4340-85A3-A5531E510DB2}">
-      <thm15:themeFamily xmlns:thm15="http://schemas.microsoft.com/office/thememl/2012/main" xmlns="" name="Office Theme" id="{62F939B6-93AF-4DB8-9C6B-D6C7DFDC589F}" vid="{4A3C46E8-61CC-4603-A589-7422A47A8E4A}"/>
+      <thm15:themeFamily xmlns="" xmlns:thm15="http://schemas.microsoft.com/office/thememl/2012/main" name="Office Theme" id="{62F939B6-93AF-4DB8-9C6B-D6C7DFDC589F}" vid="{4A3C46E8-61CC-4603-A589-7422A47A8E4A}"/>
     </a:ext>
   </a:extLst>
 </a:theme>

--- a/Dokumentation/ShopAdmin_Final.pptx
+++ b/Dokumentation/ShopAdmin_Final.pptx
@@ -141,7 +141,7 @@
   </p:defaultTextStyle>
   <p:extLst>
     <p:ext uri="{EFAFB233-063F-42B5-8137-9DF3F51BA10A}">
-      <p15:sldGuideLst xmlns="" xmlns:p15="http://schemas.microsoft.com/office/powerpoint/2012/main">
+      <p15:sldGuideLst xmlns:p15="http://schemas.microsoft.com/office/powerpoint/2012/main" xmlns="">
         <p15:guide id="1" orient="horz" pos="2160">
           <p15:clr>
             <a:srgbClr val="A4A3A4"/>
@@ -409,7 +409,7 @@
     </p:spTree>
     <p:extLst>
       <p:ext uri="{BB962C8B-B14F-4D97-AF65-F5344CB8AC3E}">
-        <p14:creationId xmlns="" xmlns:p14="http://schemas.microsoft.com/office/powerpoint/2010/main" val="1165397606"/>
+        <p14:creationId xmlns:p14="http://schemas.microsoft.com/office/powerpoint/2010/main" xmlns="" val="1165397606"/>
       </p:ext>
     </p:extLst>
   </p:cSld>
@@ -4384,7 +4384,7 @@
     </p:spTree>
     <p:extLst>
       <p:ext uri="{BB962C8B-B14F-4D97-AF65-F5344CB8AC3E}">
-        <p14:creationId xmlns="" xmlns:p14="http://schemas.microsoft.com/office/powerpoint/2010/main" val="4172062386"/>
+        <p14:creationId xmlns:p14="http://schemas.microsoft.com/office/powerpoint/2010/main" xmlns="" val="4172062386"/>
       </p:ext>
     </p:extLst>
   </p:cSld>
@@ -5492,7 +5492,7 @@
     </p:spTree>
     <p:extLst>
       <p:ext uri="{BB962C8B-B14F-4D97-AF65-F5344CB8AC3E}">
-        <p14:creationId xmlns="" xmlns:p14="http://schemas.microsoft.com/office/powerpoint/2010/main" val="590283832"/>
+        <p14:creationId xmlns:p14="http://schemas.microsoft.com/office/powerpoint/2010/main" xmlns="" val="590283832"/>
       </p:ext>
     </p:extLst>
   </p:cSld>
@@ -6084,7 +6084,7 @@
     </p:spTree>
     <p:extLst>
       <p:ext uri="{BB962C8B-B14F-4D97-AF65-F5344CB8AC3E}">
-        <p14:creationId xmlns="" xmlns:p14="http://schemas.microsoft.com/office/powerpoint/2010/main" val="2164664003"/>
+        <p14:creationId xmlns:p14="http://schemas.microsoft.com/office/powerpoint/2010/main" xmlns="" val="2164664003"/>
       </p:ext>
     </p:extLst>
   </p:cSld>
@@ -6540,7 +6540,7 @@
     </p:spTree>
     <p:extLst>
       <p:ext uri="{BB962C8B-B14F-4D97-AF65-F5344CB8AC3E}">
-        <p14:creationId xmlns="" xmlns:p14="http://schemas.microsoft.com/office/powerpoint/2010/main" val="1470090484"/>
+        <p14:creationId xmlns:p14="http://schemas.microsoft.com/office/powerpoint/2010/main" xmlns="" val="1470090484"/>
       </p:ext>
     </p:extLst>
   </p:cSld>
@@ -7329,7 +7329,7 @@
     </p:spTree>
     <p:extLst>
       <p:ext uri="{BB962C8B-B14F-4D97-AF65-F5344CB8AC3E}">
-        <p14:creationId xmlns="" xmlns:p14="http://schemas.microsoft.com/office/powerpoint/2010/main" val="1470090484"/>
+        <p14:creationId xmlns:p14="http://schemas.microsoft.com/office/powerpoint/2010/main" xmlns="" val="1470090484"/>
       </p:ext>
     </p:extLst>
   </p:cSld>
@@ -7889,7 +7889,7 @@
     </p:spTree>
     <p:extLst>
       <p:ext uri="{BB962C8B-B14F-4D97-AF65-F5344CB8AC3E}">
-        <p14:creationId xmlns="" xmlns:p14="http://schemas.microsoft.com/office/powerpoint/2010/main" val="1470090484"/>
+        <p14:creationId xmlns:p14="http://schemas.microsoft.com/office/powerpoint/2010/main" xmlns="" val="1470090484"/>
       </p:ext>
     </p:extLst>
   </p:cSld>
@@ -8426,9 +8426,59 @@
           </a:ln>
         </p:spPr>
       </p:pic>
+      <p:sp>
+        <p:nvSpPr>
+          <p:cNvPr id="14" name="Textfeld 13"/>
+          <p:cNvSpPr txBox="1"/>
+          <p:nvPr/>
+        </p:nvSpPr>
+        <p:spPr>
+          <a:xfrm>
+            <a:off x="5500694" y="5857892"/>
+            <a:ext cx="2082621" cy="307777"/>
+          </a:xfrm>
+          <a:prstGeom prst="rect">
+            <a:avLst/>
+          </a:prstGeom>
+          <a:noFill/>
+        </p:spPr>
+        <p:txBody>
+          <a:bodyPr wrap="none" rtlCol="0">
+            <a:spAutoFit/>
+          </a:bodyPr>
+          <a:lstStyle/>
+          <a:p>
+            <a:r>
+              <a:rPr lang="de-DE" sz="1400" dirty="0" err="1" smtClean="0">
+                <a:latin typeface="Times New Roman" pitchFamily="18" charset="0"/>
+                <a:cs typeface="Times New Roman" pitchFamily="18" charset="0"/>
+              </a:rPr>
+              <a:t>Expended</a:t>
+            </a:r>
+            <a:r>
+              <a:rPr lang="de-DE" sz="1400" dirty="0" smtClean="0">
+                <a:latin typeface="Times New Roman" pitchFamily="18" charset="0"/>
+                <a:cs typeface="Times New Roman" pitchFamily="18" charset="0"/>
+              </a:rPr>
+              <a:t> Class </a:t>
+            </a:r>
+            <a:r>
+              <a:rPr lang="de-DE" sz="1400" dirty="0" err="1" smtClean="0">
+                <a:latin typeface="Times New Roman" pitchFamily="18" charset="0"/>
+                <a:cs typeface="Times New Roman" pitchFamily="18" charset="0"/>
+              </a:rPr>
+              <a:t>Diagrams</a:t>
+            </a:r>
+            <a:endParaRPr lang="de-DE" sz="1400" dirty="0">
+              <a:latin typeface="Times New Roman" pitchFamily="18" charset="0"/>
+              <a:cs typeface="Times New Roman" pitchFamily="18" charset="0"/>
+            </a:endParaRPr>
+          </a:p>
+        </p:txBody>
+      </p:sp>
       <p:pic>
         <p:nvPicPr>
-          <p:cNvPr id="2" name="Picture 2" descr="C:\Users\iuliia\ShopAdmin\Dokumentation\UMLDiagrams\CameraClassDiagram.png"/>
+          <p:cNvPr id="1027" name="Picture 3" descr="C:\Users\iuliia\ShopAdmin\Dokumentation\UMLDiagrams\CameraClassDiagram.png"/>
           <p:cNvPicPr>
             <a:picLocks noChangeAspect="1" noChangeArrowheads="1"/>
           </p:cNvPicPr>
@@ -8443,8 +8493,8 @@
         </p:blipFill>
         <p:spPr bwMode="auto">
           <a:xfrm>
-            <a:off x="214282" y="4357694"/>
-            <a:ext cx="2847981" cy="1853232"/>
+            <a:off x="214282" y="4470072"/>
+            <a:ext cx="2786082" cy="1708490"/>
           </a:xfrm>
           <a:prstGeom prst="rect">
             <a:avLst/>
@@ -8457,60 +8507,10 @@
           </a:ln>
         </p:spPr>
       </p:pic>
-      <p:sp>
-        <p:nvSpPr>
-          <p:cNvPr id="14" name="Textfeld 13"/>
-          <p:cNvSpPr txBox="1"/>
-          <p:nvPr/>
-        </p:nvSpPr>
-        <p:spPr>
-          <a:xfrm>
-            <a:off x="5500694" y="5857892"/>
-            <a:ext cx="2082621" cy="307777"/>
-          </a:xfrm>
-          <a:prstGeom prst="rect">
-            <a:avLst/>
-          </a:prstGeom>
-          <a:noFill/>
-        </p:spPr>
-        <p:txBody>
-          <a:bodyPr wrap="none" rtlCol="0">
-            <a:spAutoFit/>
-          </a:bodyPr>
-          <a:lstStyle/>
-          <a:p>
-            <a:r>
-              <a:rPr lang="de-DE" sz="1400" dirty="0" err="1" smtClean="0">
-                <a:latin typeface="Times New Roman" pitchFamily="18" charset="0"/>
-                <a:cs typeface="Times New Roman" pitchFamily="18" charset="0"/>
-              </a:rPr>
-              <a:t>Expended</a:t>
-            </a:r>
-            <a:r>
-              <a:rPr lang="de-DE" sz="1400" dirty="0" smtClean="0">
-                <a:latin typeface="Times New Roman" pitchFamily="18" charset="0"/>
-                <a:cs typeface="Times New Roman" pitchFamily="18" charset="0"/>
-              </a:rPr>
-              <a:t> Class </a:t>
-            </a:r>
-            <a:r>
-              <a:rPr lang="de-DE" sz="1400" dirty="0" err="1" smtClean="0">
-                <a:latin typeface="Times New Roman" pitchFamily="18" charset="0"/>
-                <a:cs typeface="Times New Roman" pitchFamily="18" charset="0"/>
-              </a:rPr>
-              <a:t>Diagrams</a:t>
-            </a:r>
-            <a:endParaRPr lang="de-DE" sz="1400" dirty="0">
-              <a:latin typeface="Times New Roman" pitchFamily="18" charset="0"/>
-              <a:cs typeface="Times New Roman" pitchFamily="18" charset="0"/>
-            </a:endParaRPr>
-          </a:p>
-        </p:txBody>
-      </p:sp>
     </p:spTree>
     <p:extLst>
       <p:ext uri="{BB962C8B-B14F-4D97-AF65-F5344CB8AC3E}">
-        <p14:creationId xmlns="" xmlns:p14="http://schemas.microsoft.com/office/powerpoint/2010/main" val="1470090484"/>
+        <p14:creationId xmlns:p14="http://schemas.microsoft.com/office/powerpoint/2010/main" xmlns="" val="1470090484"/>
       </p:ext>
     </p:extLst>
   </p:cSld>
@@ -8903,7 +8903,7 @@
     </p:spTree>
     <p:extLst>
       <p:ext uri="{BB962C8B-B14F-4D97-AF65-F5344CB8AC3E}">
-        <p14:creationId xmlns="" xmlns:p14="http://schemas.microsoft.com/office/powerpoint/2010/main" val="1470090484"/>
+        <p14:creationId xmlns:p14="http://schemas.microsoft.com/office/powerpoint/2010/main" xmlns="" val="1470090484"/>
       </p:ext>
     </p:extLst>
   </p:cSld>
@@ -9390,7 +9390,7 @@
     </p:spTree>
     <p:extLst>
       <p:ext uri="{BB962C8B-B14F-4D97-AF65-F5344CB8AC3E}">
-        <p14:creationId xmlns="" xmlns:p14="http://schemas.microsoft.com/office/powerpoint/2010/main" val="1470090484"/>
+        <p14:creationId xmlns:p14="http://schemas.microsoft.com/office/powerpoint/2010/main" xmlns="" val="1470090484"/>
       </p:ext>
     </p:extLst>
   </p:cSld>
@@ -9982,7 +9982,7 @@
     </p:spTree>
     <p:extLst>
       <p:ext uri="{BB962C8B-B14F-4D97-AF65-F5344CB8AC3E}">
-        <p14:creationId xmlns="" xmlns:p14="http://schemas.microsoft.com/office/powerpoint/2010/main" val="1768056306"/>
+        <p14:creationId xmlns:p14="http://schemas.microsoft.com/office/powerpoint/2010/main" xmlns="" val="1768056306"/>
       </p:ext>
     </p:extLst>
   </p:cSld>
@@ -10403,7 +10403,7 @@
     </p:spTree>
     <p:extLst>
       <p:ext uri="{BB962C8B-B14F-4D97-AF65-F5344CB8AC3E}">
-        <p14:creationId xmlns="" xmlns:p14="http://schemas.microsoft.com/office/powerpoint/2010/main" val="4207222664"/>
+        <p14:creationId xmlns:p14="http://schemas.microsoft.com/office/powerpoint/2010/main" xmlns="" val="4207222664"/>
       </p:ext>
     </p:extLst>
   </p:cSld>
@@ -10873,7 +10873,7 @@
     </p:spTree>
     <p:extLst>
       <p:ext uri="{BB962C8B-B14F-4D97-AF65-F5344CB8AC3E}">
-        <p14:creationId xmlns="" xmlns:p14="http://schemas.microsoft.com/office/powerpoint/2010/main" val="1470090484"/>
+        <p14:creationId xmlns:p14="http://schemas.microsoft.com/office/powerpoint/2010/main" xmlns="" val="1470090484"/>
       </p:ext>
     </p:extLst>
   </p:cSld>
@@ -11321,7 +11321,7 @@
     </p:spTree>
     <p:extLst>
       <p:ext uri="{BB962C8B-B14F-4D97-AF65-F5344CB8AC3E}">
-        <p14:creationId xmlns="" xmlns:p14="http://schemas.microsoft.com/office/powerpoint/2010/main" val="2046461599"/>
+        <p14:creationId xmlns:p14="http://schemas.microsoft.com/office/powerpoint/2010/main" xmlns="" val="2046461599"/>
       </p:ext>
     </p:extLst>
   </p:cSld>
@@ -11969,7 +11969,7 @@
     </p:spTree>
     <p:extLst>
       <p:ext uri="{BB962C8B-B14F-4D97-AF65-F5344CB8AC3E}">
-        <p14:creationId xmlns="" xmlns:p14="http://schemas.microsoft.com/office/powerpoint/2010/main" val="990113117"/>
+        <p14:creationId xmlns:p14="http://schemas.microsoft.com/office/powerpoint/2010/main" xmlns="" val="990113117"/>
       </p:ext>
     </p:extLst>
   </p:cSld>
@@ -12431,7 +12431,7 @@
     </p:spTree>
     <p:extLst>
       <p:ext uri="{BB962C8B-B14F-4D97-AF65-F5344CB8AC3E}">
-        <p14:creationId xmlns="" xmlns:p14="http://schemas.microsoft.com/office/powerpoint/2010/main" val="2041020769"/>
+        <p14:creationId xmlns:p14="http://schemas.microsoft.com/office/powerpoint/2010/main" xmlns="" val="2041020769"/>
       </p:ext>
     </p:extLst>
   </p:cSld>
@@ -12988,7 +12988,7 @@
     </p:spTree>
     <p:extLst>
       <p:ext uri="{BB962C8B-B14F-4D97-AF65-F5344CB8AC3E}">
-        <p14:creationId xmlns="" xmlns:p14="http://schemas.microsoft.com/office/powerpoint/2010/main" val="184393572"/>
+        <p14:creationId xmlns:p14="http://schemas.microsoft.com/office/powerpoint/2010/main" xmlns="" val="184393572"/>
       </p:ext>
     </p:extLst>
   </p:cSld>
@@ -13421,7 +13421,7 @@
     </p:spTree>
     <p:extLst>
       <p:ext uri="{BB962C8B-B14F-4D97-AF65-F5344CB8AC3E}">
-        <p14:creationId xmlns="" xmlns:p14="http://schemas.microsoft.com/office/powerpoint/2010/main" val="3072821877"/>
+        <p14:creationId xmlns:p14="http://schemas.microsoft.com/office/powerpoint/2010/main" xmlns="" val="3072821877"/>
       </p:ext>
     </p:extLst>
   </p:cSld>
@@ -14013,7 +14013,7 @@
     </p:spTree>
     <p:extLst>
       <p:ext uri="{BB962C8B-B14F-4D97-AF65-F5344CB8AC3E}">
-        <p14:creationId xmlns="" xmlns:p14="http://schemas.microsoft.com/office/powerpoint/2010/main" val="1738454015"/>
+        <p14:creationId xmlns:p14="http://schemas.microsoft.com/office/powerpoint/2010/main" xmlns="" val="1738454015"/>
       </p:ext>
     </p:extLst>
   </p:cSld>
@@ -14359,7 +14359,7 @@
     </p:spTree>
     <p:extLst>
       <p:ext uri="{BB962C8B-B14F-4D97-AF65-F5344CB8AC3E}">
-        <p14:creationId xmlns="" xmlns:p14="http://schemas.microsoft.com/office/powerpoint/2010/main" val="132421686"/>
+        <p14:creationId xmlns:p14="http://schemas.microsoft.com/office/powerpoint/2010/main" xmlns="" val="132421686"/>
       </p:ext>
     </p:extLst>
   </p:cSld>
@@ -14704,7 +14704,7 @@
     </p:spTree>
     <p:extLst>
       <p:ext uri="{BB962C8B-B14F-4D97-AF65-F5344CB8AC3E}">
-        <p14:creationId xmlns="" xmlns:p14="http://schemas.microsoft.com/office/powerpoint/2010/main" val="661168880"/>
+        <p14:creationId xmlns:p14="http://schemas.microsoft.com/office/powerpoint/2010/main" xmlns="" val="661168880"/>
       </p:ext>
     </p:extLst>
   </p:cSld>
@@ -15060,7 +15060,7 @@
     </p:spTree>
     <p:extLst>
       <p:ext uri="{BB962C8B-B14F-4D97-AF65-F5344CB8AC3E}">
-        <p14:creationId xmlns="" xmlns:p14="http://schemas.microsoft.com/office/powerpoint/2010/main" val="2174179275"/>
+        <p14:creationId xmlns:p14="http://schemas.microsoft.com/office/powerpoint/2010/main" xmlns="" val="2174179275"/>
       </p:ext>
     </p:extLst>
   </p:cSld>
@@ -15481,7 +15481,7 @@
     </p:spTree>
     <p:extLst>
       <p:ext uri="{BB962C8B-B14F-4D97-AF65-F5344CB8AC3E}">
-        <p14:creationId xmlns="" xmlns:p14="http://schemas.microsoft.com/office/powerpoint/2010/main" val="289148284"/>
+        <p14:creationId xmlns:p14="http://schemas.microsoft.com/office/powerpoint/2010/main" xmlns="" val="289148284"/>
       </p:ext>
     </p:extLst>
   </p:cSld>
@@ -15649,7 +15649,7 @@
           <p:nvPr>
             <p:extLst>
               <p:ext uri="{D42A27DB-BD31-4B8C-83A1-F6EECF244321}">
-                <p14:modId xmlns="" xmlns:p14="http://schemas.microsoft.com/office/powerpoint/2010/main" val="624701637"/>
+                <p14:modId xmlns:p14="http://schemas.microsoft.com/office/powerpoint/2010/main" xmlns="" val="624701637"/>
               </p:ext>
             </p:extLst>
           </p:nvPr>
@@ -15668,14 +15668,14 @@
                 <a:gridCol w="2160000">
                   <a:extLst>
                     <a:ext uri="{9D8B030D-6E8A-4147-A177-3AD203B41FA5}">
-                      <a16:colId xmlns="" xmlns:a16="http://schemas.microsoft.com/office/drawing/2014/main" val="20000"/>
+                      <a16:colId xmlns:a16="http://schemas.microsoft.com/office/drawing/2014/main" xmlns="" val="20000"/>
                     </a:ext>
                   </a:extLst>
                 </a:gridCol>
                 <a:gridCol w="2160000">
                   <a:extLst>
                     <a:ext uri="{9D8B030D-6E8A-4147-A177-3AD203B41FA5}">
-                      <a16:colId xmlns="" xmlns:a16="http://schemas.microsoft.com/office/drawing/2014/main" val="20001"/>
+                      <a16:colId xmlns:a16="http://schemas.microsoft.com/office/drawing/2014/main" xmlns="" val="20001"/>
                     </a:ext>
                   </a:extLst>
                 </a:gridCol>
@@ -15754,7 +15754,7 @@
                 </a:tc>
                 <a:extLst>
                   <a:ext uri="{0D108BD9-81ED-4DB2-BD59-A6C34878D82A}">
-                    <a16:rowId xmlns="" xmlns:a16="http://schemas.microsoft.com/office/drawing/2014/main" val="10000"/>
+                    <a16:rowId xmlns:a16="http://schemas.microsoft.com/office/drawing/2014/main" xmlns="" val="10000"/>
                   </a:ext>
                 </a:extLst>
               </a:tr>
@@ -15835,7 +15835,7 @@
                 </a:tc>
                 <a:extLst>
                   <a:ext uri="{0D108BD9-81ED-4DB2-BD59-A6C34878D82A}">
-                    <a16:rowId xmlns="" xmlns:a16="http://schemas.microsoft.com/office/drawing/2014/main" val="10001"/>
+                    <a16:rowId xmlns:a16="http://schemas.microsoft.com/office/drawing/2014/main" xmlns="" val="10001"/>
                   </a:ext>
                 </a:extLst>
               </a:tr>
@@ -15916,7 +15916,7 @@
                 </a:tc>
                 <a:extLst>
                   <a:ext uri="{0D108BD9-81ED-4DB2-BD59-A6C34878D82A}">
-                    <a16:rowId xmlns="" xmlns:a16="http://schemas.microsoft.com/office/drawing/2014/main" val="10002"/>
+                    <a16:rowId xmlns:a16="http://schemas.microsoft.com/office/drawing/2014/main" xmlns="" val="10002"/>
                   </a:ext>
                 </a:extLst>
               </a:tr>
@@ -15931,7 +15931,7 @@
           <p:nvPr>
             <p:extLst>
               <p:ext uri="{D42A27DB-BD31-4B8C-83A1-F6EECF244321}">
-                <p14:modId xmlns="" xmlns:p14="http://schemas.microsoft.com/office/powerpoint/2010/main" val="3205360364"/>
+                <p14:modId xmlns:p14="http://schemas.microsoft.com/office/powerpoint/2010/main" xmlns="" val="3205360364"/>
               </p:ext>
             </p:extLst>
           </p:nvPr>
@@ -15950,14 +15950,14 @@
                 <a:gridCol w="2117296">
                   <a:extLst>
                     <a:ext uri="{9D8B030D-6E8A-4147-A177-3AD203B41FA5}">
-                      <a16:colId xmlns="" xmlns:a16="http://schemas.microsoft.com/office/drawing/2014/main" val="20000"/>
+                      <a16:colId xmlns:a16="http://schemas.microsoft.com/office/drawing/2014/main" xmlns="" val="20000"/>
                     </a:ext>
                   </a:extLst>
                 </a:gridCol>
                 <a:gridCol w="2117296">
                   <a:extLst>
                     <a:ext uri="{9D8B030D-6E8A-4147-A177-3AD203B41FA5}">
-                      <a16:colId xmlns="" xmlns:a16="http://schemas.microsoft.com/office/drawing/2014/main" val="20001"/>
+                      <a16:colId xmlns:a16="http://schemas.microsoft.com/office/drawing/2014/main" xmlns="" val="20001"/>
                     </a:ext>
                   </a:extLst>
                 </a:gridCol>
@@ -16036,7 +16036,7 @@
                 </a:tc>
                 <a:extLst>
                   <a:ext uri="{0D108BD9-81ED-4DB2-BD59-A6C34878D82A}">
-                    <a16:rowId xmlns="" xmlns:a16="http://schemas.microsoft.com/office/drawing/2014/main" val="10000"/>
+                    <a16:rowId xmlns:a16="http://schemas.microsoft.com/office/drawing/2014/main" xmlns="" val="10000"/>
                   </a:ext>
                 </a:extLst>
               </a:tr>
@@ -16117,7 +16117,7 @@
                 </a:tc>
                 <a:extLst>
                   <a:ext uri="{0D108BD9-81ED-4DB2-BD59-A6C34878D82A}">
-                    <a16:rowId xmlns="" xmlns:a16="http://schemas.microsoft.com/office/drawing/2014/main" val="10001"/>
+                    <a16:rowId xmlns:a16="http://schemas.microsoft.com/office/drawing/2014/main" xmlns="" val="10001"/>
                   </a:ext>
                 </a:extLst>
               </a:tr>
@@ -16198,7 +16198,7 @@
                 </a:tc>
                 <a:extLst>
                   <a:ext uri="{0D108BD9-81ED-4DB2-BD59-A6C34878D82A}">
-                    <a16:rowId xmlns="" xmlns:a16="http://schemas.microsoft.com/office/drawing/2014/main" val="10002"/>
+                    <a16:rowId xmlns:a16="http://schemas.microsoft.com/office/drawing/2014/main" xmlns="" val="10002"/>
                   </a:ext>
                 </a:extLst>
               </a:tr>
@@ -16213,7 +16213,7 @@
           <p:nvPr>
             <p:extLst>
               <p:ext uri="{D42A27DB-BD31-4B8C-83A1-F6EECF244321}">
-                <p14:modId xmlns="" xmlns:p14="http://schemas.microsoft.com/office/powerpoint/2010/main" val="1718736617"/>
+                <p14:modId xmlns:p14="http://schemas.microsoft.com/office/powerpoint/2010/main" xmlns="" val="1718736617"/>
               </p:ext>
             </p:extLst>
           </p:nvPr>
@@ -16232,14 +16232,14 @@
                 <a:gridCol w="2160000">
                   <a:extLst>
                     <a:ext uri="{9D8B030D-6E8A-4147-A177-3AD203B41FA5}">
-                      <a16:colId xmlns="" xmlns:a16="http://schemas.microsoft.com/office/drawing/2014/main" val="20000"/>
+                      <a16:colId xmlns:a16="http://schemas.microsoft.com/office/drawing/2014/main" xmlns="" val="20000"/>
                     </a:ext>
                   </a:extLst>
                 </a:gridCol>
                 <a:gridCol w="2160000">
                   <a:extLst>
                     <a:ext uri="{9D8B030D-6E8A-4147-A177-3AD203B41FA5}">
-                      <a16:colId xmlns="" xmlns:a16="http://schemas.microsoft.com/office/drawing/2014/main" val="20001"/>
+                      <a16:colId xmlns:a16="http://schemas.microsoft.com/office/drawing/2014/main" xmlns="" val="20001"/>
                     </a:ext>
                   </a:extLst>
                 </a:gridCol>
@@ -16318,7 +16318,7 @@
                 </a:tc>
                 <a:extLst>
                   <a:ext uri="{0D108BD9-81ED-4DB2-BD59-A6C34878D82A}">
-                    <a16:rowId xmlns="" xmlns:a16="http://schemas.microsoft.com/office/drawing/2014/main" val="10000"/>
+                    <a16:rowId xmlns:a16="http://schemas.microsoft.com/office/drawing/2014/main" xmlns="" val="10000"/>
                   </a:ext>
                 </a:extLst>
               </a:tr>
@@ -16399,7 +16399,7 @@
                 </a:tc>
                 <a:extLst>
                   <a:ext uri="{0D108BD9-81ED-4DB2-BD59-A6C34878D82A}">
-                    <a16:rowId xmlns="" xmlns:a16="http://schemas.microsoft.com/office/drawing/2014/main" val="10001"/>
+                    <a16:rowId xmlns:a16="http://schemas.microsoft.com/office/drawing/2014/main" xmlns="" val="10001"/>
                   </a:ext>
                 </a:extLst>
               </a:tr>
@@ -16480,7 +16480,7 @@
                 </a:tc>
                 <a:extLst>
                   <a:ext uri="{0D108BD9-81ED-4DB2-BD59-A6C34878D82A}">
-                    <a16:rowId xmlns="" xmlns:a16="http://schemas.microsoft.com/office/drawing/2014/main" val="10002"/>
+                    <a16:rowId xmlns:a16="http://schemas.microsoft.com/office/drawing/2014/main" xmlns="" val="10002"/>
                   </a:ext>
                 </a:extLst>
               </a:tr>
@@ -16495,7 +16495,7 @@
           <p:nvPr>
             <p:extLst>
               <p:ext uri="{D42A27DB-BD31-4B8C-83A1-F6EECF244321}">
-                <p14:modId xmlns="" xmlns:p14="http://schemas.microsoft.com/office/powerpoint/2010/main" val="1101549373"/>
+                <p14:modId xmlns:p14="http://schemas.microsoft.com/office/powerpoint/2010/main" xmlns="" val="1101549373"/>
               </p:ext>
             </p:extLst>
           </p:nvPr>
@@ -16514,14 +16514,14 @@
                 <a:gridCol w="2117296">
                   <a:extLst>
                     <a:ext uri="{9D8B030D-6E8A-4147-A177-3AD203B41FA5}">
-                      <a16:colId xmlns="" xmlns:a16="http://schemas.microsoft.com/office/drawing/2014/main" val="20000"/>
+                      <a16:colId xmlns:a16="http://schemas.microsoft.com/office/drawing/2014/main" xmlns="" val="20000"/>
                     </a:ext>
                   </a:extLst>
                 </a:gridCol>
                 <a:gridCol w="2117296">
                   <a:extLst>
                     <a:ext uri="{9D8B030D-6E8A-4147-A177-3AD203B41FA5}">
-                      <a16:colId xmlns="" xmlns:a16="http://schemas.microsoft.com/office/drawing/2014/main" val="20001"/>
+                      <a16:colId xmlns:a16="http://schemas.microsoft.com/office/drawing/2014/main" xmlns="" val="20001"/>
                     </a:ext>
                   </a:extLst>
                 </a:gridCol>
@@ -16600,7 +16600,7 @@
                 </a:tc>
                 <a:extLst>
                   <a:ext uri="{0D108BD9-81ED-4DB2-BD59-A6C34878D82A}">
-                    <a16:rowId xmlns="" xmlns:a16="http://schemas.microsoft.com/office/drawing/2014/main" val="10000"/>
+                    <a16:rowId xmlns:a16="http://schemas.microsoft.com/office/drawing/2014/main" xmlns="" val="10000"/>
                   </a:ext>
                 </a:extLst>
               </a:tr>
@@ -16681,7 +16681,7 @@
                 </a:tc>
                 <a:extLst>
                   <a:ext uri="{0D108BD9-81ED-4DB2-BD59-A6C34878D82A}">
-                    <a16:rowId xmlns="" xmlns:a16="http://schemas.microsoft.com/office/drawing/2014/main" val="10001"/>
+                    <a16:rowId xmlns:a16="http://schemas.microsoft.com/office/drawing/2014/main" xmlns="" val="10001"/>
                   </a:ext>
                 </a:extLst>
               </a:tr>
@@ -16762,7 +16762,7 @@
                 </a:tc>
                 <a:extLst>
                   <a:ext uri="{0D108BD9-81ED-4DB2-BD59-A6C34878D82A}">
-                    <a16:rowId xmlns="" xmlns:a16="http://schemas.microsoft.com/office/drawing/2014/main" val="10002"/>
+                    <a16:rowId xmlns:a16="http://schemas.microsoft.com/office/drawing/2014/main" xmlns="" val="10002"/>
                   </a:ext>
                 </a:extLst>
               </a:tr>
@@ -16819,7 +16819,7 @@
     </p:spTree>
     <p:extLst>
       <p:ext uri="{BB962C8B-B14F-4D97-AF65-F5344CB8AC3E}">
-        <p14:creationId xmlns="" xmlns:p14="http://schemas.microsoft.com/office/powerpoint/2010/main" val="4142020794"/>
+        <p14:creationId xmlns:p14="http://schemas.microsoft.com/office/powerpoint/2010/main" xmlns="" val="4142020794"/>
       </p:ext>
     </p:extLst>
   </p:cSld>
@@ -17240,7 +17240,7 @@
     </p:spTree>
     <p:extLst>
       <p:ext uri="{BB962C8B-B14F-4D97-AF65-F5344CB8AC3E}">
-        <p14:creationId xmlns="" xmlns:p14="http://schemas.microsoft.com/office/powerpoint/2010/main" val="2081312345"/>
+        <p14:creationId xmlns:p14="http://schemas.microsoft.com/office/powerpoint/2010/main" xmlns="" val="2081312345"/>
       </p:ext>
     </p:extLst>
   </p:cSld>
@@ -17623,7 +17623,7 @@
     </p:spTree>
     <p:extLst>
       <p:ext uri="{BB962C8B-B14F-4D97-AF65-F5344CB8AC3E}">
-        <p14:creationId xmlns="" xmlns:p14="http://schemas.microsoft.com/office/powerpoint/2010/main" val="1378657956"/>
+        <p14:creationId xmlns:p14="http://schemas.microsoft.com/office/powerpoint/2010/main" xmlns="" val="1378657956"/>
       </p:ext>
     </p:extLst>
   </p:cSld>
@@ -18356,7 +18356,7 @@
     </p:spTree>
     <p:extLst>
       <p:ext uri="{BB962C8B-B14F-4D97-AF65-F5344CB8AC3E}">
-        <p14:creationId xmlns="" xmlns:p14="http://schemas.microsoft.com/office/powerpoint/2010/main" val="4029011830"/>
+        <p14:creationId xmlns:p14="http://schemas.microsoft.com/office/powerpoint/2010/main" xmlns="" val="4029011830"/>
       </p:ext>
     </p:extLst>
   </p:cSld>
@@ -20292,7 +20292,7 @@
     </p:spTree>
     <p:extLst>
       <p:ext uri="{BB962C8B-B14F-4D97-AF65-F5344CB8AC3E}">
-        <p14:creationId xmlns="" xmlns:p14="http://schemas.microsoft.com/office/powerpoint/2010/main" val="208977930"/>
+        <p14:creationId xmlns:p14="http://schemas.microsoft.com/office/powerpoint/2010/main" xmlns="" val="208977930"/>
       </p:ext>
     </p:extLst>
   </p:cSld>
@@ -22271,7 +22271,7 @@
     </p:spTree>
     <p:extLst>
       <p:ext uri="{BB962C8B-B14F-4D97-AF65-F5344CB8AC3E}">
-        <p14:creationId xmlns="" xmlns:p14="http://schemas.microsoft.com/office/powerpoint/2010/main" val="30043865"/>
+        <p14:creationId xmlns:p14="http://schemas.microsoft.com/office/powerpoint/2010/main" xmlns="" val="30043865"/>
       </p:ext>
     </p:extLst>
   </p:cSld>
@@ -24228,7 +24228,7 @@
     </p:spTree>
     <p:extLst>
       <p:ext uri="{BB962C8B-B14F-4D97-AF65-F5344CB8AC3E}">
-        <p14:creationId xmlns="" xmlns:p14="http://schemas.microsoft.com/office/powerpoint/2010/main" val="1159165540"/>
+        <p14:creationId xmlns:p14="http://schemas.microsoft.com/office/powerpoint/2010/main" xmlns="" val="1159165540"/>
       </p:ext>
     </p:extLst>
   </p:cSld>
@@ -26185,7 +26185,7 @@
     </p:spTree>
     <p:extLst>
       <p:ext uri="{BB962C8B-B14F-4D97-AF65-F5344CB8AC3E}">
-        <p14:creationId xmlns="" xmlns:p14="http://schemas.microsoft.com/office/powerpoint/2010/main" val="1381930655"/>
+        <p14:creationId xmlns:p14="http://schemas.microsoft.com/office/powerpoint/2010/main" xmlns="" val="1381930655"/>
       </p:ext>
     </p:extLst>
   </p:cSld>
@@ -28142,7 +28142,7 @@
     </p:spTree>
     <p:extLst>
       <p:ext uri="{BB962C8B-B14F-4D97-AF65-F5344CB8AC3E}">
-        <p14:creationId xmlns="" xmlns:p14="http://schemas.microsoft.com/office/powerpoint/2010/main" val="938133298"/>
+        <p14:creationId xmlns:p14="http://schemas.microsoft.com/office/powerpoint/2010/main" xmlns="" val="938133298"/>
       </p:ext>
     </p:extLst>
   </p:cSld>
@@ -30099,7 +30099,7 @@
     </p:spTree>
     <p:extLst>
       <p:ext uri="{BB962C8B-B14F-4D97-AF65-F5344CB8AC3E}">
-        <p14:creationId xmlns="" xmlns:p14="http://schemas.microsoft.com/office/powerpoint/2010/main" val="957417906"/>
+        <p14:creationId xmlns:p14="http://schemas.microsoft.com/office/powerpoint/2010/main" xmlns="" val="957417906"/>
       </p:ext>
     </p:extLst>
   </p:cSld>
@@ -30688,7 +30688,7 @@
   <a:extraClrSchemeLst/>
   <a:extLst>
     <a:ext uri="{05A4C25C-085E-4340-85A3-A5531E510DB2}">
-      <thm15:themeFamily xmlns="" xmlns:thm15="http://schemas.microsoft.com/office/thememl/2012/main" name="Office Theme" id="{62F939B6-93AF-4DB8-9C6B-D6C7DFDC589F}" vid="{4A3C46E8-61CC-4603-A589-7422A47A8E4A}"/>
+      <thm15:themeFamily xmlns:thm15="http://schemas.microsoft.com/office/thememl/2012/main" xmlns="" name="Office Theme" id="{62F939B6-93AF-4DB8-9C6B-D6C7DFDC589F}" vid="{4A3C46E8-61CC-4603-A589-7422A47A8E4A}"/>
     </a:ext>
   </a:extLst>
 </a:theme>
